--- a/Relazione/Presentazione.pptx
+++ b/Relazione/Presentazione.pptx
@@ -12,6 +12,13 @@
     <p:sldId id="259" r:id="rId6"/>
     <p:sldId id="261" r:id="rId7"/>
     <p:sldId id="262" r:id="rId8"/>
+    <p:sldId id="263" r:id="rId9"/>
+    <p:sldId id="265" r:id="rId10"/>
+    <p:sldId id="264" r:id="rId11"/>
+    <p:sldId id="266" r:id="rId12"/>
+    <p:sldId id="267" r:id="rId13"/>
+    <p:sldId id="268" r:id="rId14"/>
+    <p:sldId id="269" r:id="rId15"/>
   </p:sldIdLst>
   <p:sldSz cx="12192000" cy="6858000"/>
   <p:notesSz cx="6858000" cy="9144000"/>
@@ -110,6 +117,11 @@
       </a:defRPr>
     </a:lvl9pPr>
   </p:defaultTextStyle>
+  <p:extLst>
+    <p:ext uri="{EFAFB233-063F-42B5-8137-9DF3F51BA10A}">
+      <p15:sldGuideLst xmlns:p15="http://schemas.microsoft.com/office/powerpoint/2012/main"/>
+    </p:ext>
+  </p:extLst>
 </p:presentation>
 </file>
 
@@ -260,7 +272,7 @@
           <a:p>
             <a:fld id="{27153579-3A4D-BB42-BD49-BB0F80A81A61}" type="datetimeFigureOut">
               <a:rPr lang="it-IT" smtClean="0"/>
-              <a:t>18/04/21</a:t>
+              <a:t>07/05/21</a:t>
             </a:fld>
             <a:endParaRPr lang="it-IT"/>
           </a:p>
@@ -433,7 +445,7 @@
           <a:p>
             <a:fld id="{27153579-3A4D-BB42-BD49-BB0F80A81A61}" type="datetimeFigureOut">
               <a:rPr lang="it-IT" smtClean="0"/>
-              <a:t>18/04/21</a:t>
+              <a:t>07/05/21</a:t>
             </a:fld>
             <a:endParaRPr lang="it-IT"/>
           </a:p>
@@ -616,7 +628,7 @@
           <a:p>
             <a:fld id="{27153579-3A4D-BB42-BD49-BB0F80A81A61}" type="datetimeFigureOut">
               <a:rPr lang="it-IT" smtClean="0"/>
-              <a:t>18/04/21</a:t>
+              <a:t>07/05/21</a:t>
             </a:fld>
             <a:endParaRPr lang="it-IT"/>
           </a:p>
@@ -789,7 +801,7 @@
           <a:p>
             <a:fld id="{27153579-3A4D-BB42-BD49-BB0F80A81A61}" type="datetimeFigureOut">
               <a:rPr lang="it-IT" smtClean="0"/>
-              <a:t>18/04/21</a:t>
+              <a:t>07/05/21</a:t>
             </a:fld>
             <a:endParaRPr lang="it-IT"/>
           </a:p>
@@ -1067,7 +1079,7 @@
           <a:p>
             <a:fld id="{27153579-3A4D-BB42-BD49-BB0F80A81A61}" type="datetimeFigureOut">
               <a:rPr lang="it-IT" smtClean="0"/>
-              <a:t>18/04/21</a:t>
+              <a:t>07/05/21</a:t>
             </a:fld>
             <a:endParaRPr lang="it-IT"/>
           </a:p>
@@ -1282,7 +1294,7 @@
           <a:p>
             <a:fld id="{27153579-3A4D-BB42-BD49-BB0F80A81A61}" type="datetimeFigureOut">
               <a:rPr lang="it-IT" smtClean="0"/>
-              <a:t>18/04/21</a:t>
+              <a:t>07/05/21</a:t>
             </a:fld>
             <a:endParaRPr lang="it-IT"/>
           </a:p>
@@ -1650,7 +1662,7 @@
           <a:p>
             <a:fld id="{27153579-3A4D-BB42-BD49-BB0F80A81A61}" type="datetimeFigureOut">
               <a:rPr lang="it-IT" smtClean="0"/>
-              <a:t>18/04/21</a:t>
+              <a:t>07/05/21</a:t>
             </a:fld>
             <a:endParaRPr lang="it-IT"/>
           </a:p>
@@ -1791,7 +1803,7 @@
           <a:p>
             <a:fld id="{27153579-3A4D-BB42-BD49-BB0F80A81A61}" type="datetimeFigureOut">
               <a:rPr lang="it-IT" smtClean="0"/>
-              <a:t>18/04/21</a:t>
+              <a:t>07/05/21</a:t>
             </a:fld>
             <a:endParaRPr lang="it-IT"/>
           </a:p>
@@ -1904,7 +1916,7 @@
           <a:p>
             <a:fld id="{27153579-3A4D-BB42-BD49-BB0F80A81A61}" type="datetimeFigureOut">
               <a:rPr lang="it-IT" smtClean="0"/>
-              <a:t>18/04/21</a:t>
+              <a:t>07/05/21</a:t>
             </a:fld>
             <a:endParaRPr lang="it-IT"/>
           </a:p>
@@ -2193,7 +2205,7 @@
           <a:p>
             <a:fld id="{27153579-3A4D-BB42-BD49-BB0F80A81A61}" type="datetimeFigureOut">
               <a:rPr lang="it-IT" smtClean="0"/>
-              <a:t>18/04/21</a:t>
+              <a:t>07/05/21</a:t>
             </a:fld>
             <a:endParaRPr lang="it-IT"/>
           </a:p>
@@ -2484,7 +2496,7 @@
           <a:p>
             <a:fld id="{27153579-3A4D-BB42-BD49-BB0F80A81A61}" type="datetimeFigureOut">
               <a:rPr lang="it-IT" smtClean="0"/>
-              <a:t>18/04/21</a:t>
+              <a:t>07/05/21</a:t>
             </a:fld>
             <a:endParaRPr lang="it-IT"/>
           </a:p>
@@ -2700,7 +2712,7 @@
           <a:p>
             <a:fld id="{27153579-3A4D-BB42-BD49-BB0F80A81A61}" type="datetimeFigureOut">
               <a:rPr lang="it-IT" smtClean="0"/>
-              <a:t>18/04/21</a:t>
+              <a:t>07/05/21</a:t>
             </a:fld>
             <a:endParaRPr lang="it-IT"/>
           </a:p>
@@ -3244,7 +3256,7 @@
         <p:spPr>
           <a:xfrm>
             <a:off x="2127370" y="5390249"/>
-            <a:ext cx="8540627" cy="646331"/>
+            <a:ext cx="8540627" cy="923330"/>
           </a:xfrm>
           <a:prstGeom prst="rect">
             <a:avLst/>
@@ -3268,12 +3280,1324 @@
               <a:t>Prof. Antonio BICCHI					Arianna GASPARRI </a:t>
             </a:r>
           </a:p>
+          <a:p>
+            <a:r>
+              <a:rPr lang="it-IT" dirty="0"/>
+              <a:t>Prof. Giorgio GRIOLI</a:t>
+            </a:r>
+          </a:p>
         </p:txBody>
       </p:sp>
     </p:spTree>
     <p:extLst>
       <p:ext uri="{BB962C8B-B14F-4D97-AF65-F5344CB8AC3E}">
         <p14:creationId xmlns:p14="http://schemas.microsoft.com/office/powerpoint/2010/main" val="965648203"/>
+      </p:ext>
+    </p:extLst>
+  </p:cSld>
+  <p:clrMapOvr>
+    <a:masterClrMapping/>
+  </p:clrMapOvr>
+</p:sld>
+</file>
+
+<file path=ppt/slides/slide10.xml><?xml version="1.0" encoding="utf-8"?>
+<p:sld xmlns:a="http://schemas.openxmlformats.org/drawingml/2006/main" xmlns:r="http://schemas.openxmlformats.org/officeDocument/2006/relationships" xmlns:p="http://schemas.openxmlformats.org/presentationml/2006/main">
+  <p:cSld>
+    <p:spTree>
+      <p:nvGrpSpPr>
+        <p:cNvPr id="1" name=""/>
+        <p:cNvGrpSpPr/>
+        <p:nvPr/>
+      </p:nvGrpSpPr>
+      <p:grpSpPr>
+        <a:xfrm>
+          <a:off x="0" y="0"/>
+          <a:ext cx="0" cy="0"/>
+          <a:chOff x="0" y="0"/>
+          <a:chExt cx="0" cy="0"/>
+        </a:xfrm>
+      </p:grpSpPr>
+      <p:sp>
+        <p:nvSpPr>
+          <p:cNvPr id="5" name="Titolo 1">
+            <a:extLst>
+              <a:ext uri="{FF2B5EF4-FFF2-40B4-BE49-F238E27FC236}">
+                <a16:creationId xmlns:a16="http://schemas.microsoft.com/office/drawing/2014/main" id="{719936BE-0F9D-C74E-9E55-A7F2CE751F93}"/>
+              </a:ext>
+            </a:extLst>
+          </p:cNvPr>
+          <p:cNvSpPr txBox="1">
+            <a:spLocks/>
+          </p:cNvSpPr>
+          <p:nvPr/>
+        </p:nvSpPr>
+        <p:spPr>
+          <a:xfrm>
+            <a:off x="1524000" y="454393"/>
+            <a:ext cx="9144000" cy="1021230"/>
+          </a:xfrm>
+          <a:prstGeom prst="rect">
+            <a:avLst/>
+          </a:prstGeom>
+        </p:spPr>
+        <p:txBody>
+          <a:bodyPr vert="horz" lIns="91440" tIns="45720" rIns="91440" bIns="45720" rtlCol="0" anchor="ctr">
+            <a:normAutofit fontScale="85000" lnSpcReduction="20000"/>
+          </a:bodyPr>
+          <a:lstStyle>
+            <a:lvl1pPr algn="l" defTabSz="914400" rtl="0" eaLnBrk="1" latinLnBrk="0" hangingPunct="1">
+              <a:lnSpc>
+                <a:spcPct val="90000"/>
+              </a:lnSpc>
+              <a:spcBef>
+                <a:spcPct val="0"/>
+              </a:spcBef>
+              <a:buNone/>
+              <a:defRPr sz="4400" kern="1200">
+                <a:solidFill>
+                  <a:schemeClr val="tx1"/>
+                </a:solidFill>
+                <a:latin typeface="+mj-lt"/>
+                <a:ea typeface="+mj-ea"/>
+                <a:cs typeface="+mj-cs"/>
+              </a:defRPr>
+            </a:lvl1pPr>
+          </a:lstStyle>
+          <a:p>
+            <a:pPr algn="ctr"/>
+            <a:r>
+              <a:rPr lang="it-IT" sz="5200" dirty="0"/>
+              <a:t>Manipolatore di Stanford</a:t>
+            </a:r>
+          </a:p>
+          <a:p>
+            <a:pPr algn="ctr"/>
+            <a:r>
+              <a:rPr lang="it-IT" sz="3800" dirty="0"/>
+              <a:t>Controllore </a:t>
+            </a:r>
+            <a:r>
+              <a:rPr lang="it-IT" sz="3800" dirty="0" err="1"/>
+              <a:t>Computed</a:t>
+            </a:r>
+            <a:r>
+              <a:rPr lang="it-IT" sz="3800" dirty="0"/>
+              <a:t> Torque</a:t>
+            </a:r>
+          </a:p>
+        </p:txBody>
+      </p:sp>
+      <p:pic>
+        <p:nvPicPr>
+          <p:cNvPr id="9" name="Immagine 8">
+            <a:extLst>
+              <a:ext uri="{FF2B5EF4-FFF2-40B4-BE49-F238E27FC236}">
+                <a16:creationId xmlns:a16="http://schemas.microsoft.com/office/drawing/2014/main" id="{F7A71DD2-F7BC-284D-90F5-865CBE457982}"/>
+              </a:ext>
+            </a:extLst>
+          </p:cNvPr>
+          <p:cNvPicPr>
+            <a:picLocks noChangeAspect="1"/>
+          </p:cNvPicPr>
+          <p:nvPr/>
+        </p:nvPicPr>
+        <p:blipFill>
+          <a:blip r:embed="rId2"/>
+          <a:stretch>
+            <a:fillRect/>
+          </a:stretch>
+        </p:blipFill>
+        <p:spPr>
+          <a:xfrm>
+            <a:off x="1900641" y="1475623"/>
+            <a:ext cx="7810137" cy="861177"/>
+          </a:xfrm>
+          <a:prstGeom prst="rect">
+            <a:avLst/>
+          </a:prstGeom>
+        </p:spPr>
+      </p:pic>
+      <p:pic>
+        <p:nvPicPr>
+          <p:cNvPr id="6" name="Immagine 5">
+            <a:extLst>
+              <a:ext uri="{FF2B5EF4-FFF2-40B4-BE49-F238E27FC236}">
+                <a16:creationId xmlns:a16="http://schemas.microsoft.com/office/drawing/2014/main" id="{3ADB51CA-0300-7442-8021-7E423033578D}"/>
+              </a:ext>
+            </a:extLst>
+          </p:cNvPr>
+          <p:cNvPicPr>
+            <a:picLocks noChangeAspect="1"/>
+          </p:cNvPicPr>
+          <p:nvPr/>
+        </p:nvPicPr>
+        <p:blipFill>
+          <a:blip r:embed="rId3"/>
+          <a:stretch>
+            <a:fillRect/>
+          </a:stretch>
+        </p:blipFill>
+        <p:spPr>
+          <a:xfrm>
+            <a:off x="2686529" y="2496853"/>
+            <a:ext cx="6238364" cy="1592774"/>
+          </a:xfrm>
+          <a:prstGeom prst="rect">
+            <a:avLst/>
+          </a:prstGeom>
+        </p:spPr>
+      </p:pic>
+      <p:pic>
+        <p:nvPicPr>
+          <p:cNvPr id="8" name="Immagine 7">
+            <a:extLst>
+              <a:ext uri="{FF2B5EF4-FFF2-40B4-BE49-F238E27FC236}">
+                <a16:creationId xmlns:a16="http://schemas.microsoft.com/office/drawing/2014/main" id="{43E691A7-EB72-354B-B079-B48A28130907}"/>
+              </a:ext>
+            </a:extLst>
+          </p:cNvPr>
+          <p:cNvPicPr>
+            <a:picLocks noChangeAspect="1"/>
+          </p:cNvPicPr>
+          <p:nvPr/>
+        </p:nvPicPr>
+        <p:blipFill>
+          <a:blip r:embed="rId4"/>
+          <a:stretch>
+            <a:fillRect/>
+          </a:stretch>
+        </p:blipFill>
+        <p:spPr>
+          <a:xfrm>
+            <a:off x="2747642" y="4249680"/>
+            <a:ext cx="6116137" cy="1640295"/>
+          </a:xfrm>
+          <a:prstGeom prst="rect">
+            <a:avLst/>
+          </a:prstGeom>
+        </p:spPr>
+      </p:pic>
+    </p:spTree>
+    <p:extLst>
+      <p:ext uri="{BB962C8B-B14F-4D97-AF65-F5344CB8AC3E}">
+        <p14:creationId xmlns:p14="http://schemas.microsoft.com/office/powerpoint/2010/main" val="3049155881"/>
+      </p:ext>
+    </p:extLst>
+  </p:cSld>
+  <p:clrMapOvr>
+    <a:masterClrMapping/>
+  </p:clrMapOvr>
+</p:sld>
+</file>
+
+<file path=ppt/slides/slide11.xml><?xml version="1.0" encoding="utf-8"?>
+<p:sld xmlns:a="http://schemas.openxmlformats.org/drawingml/2006/main" xmlns:r="http://schemas.openxmlformats.org/officeDocument/2006/relationships" xmlns:p="http://schemas.openxmlformats.org/presentationml/2006/main">
+  <p:cSld>
+    <p:spTree>
+      <p:nvGrpSpPr>
+        <p:cNvPr id="1" name=""/>
+        <p:cNvGrpSpPr/>
+        <p:nvPr/>
+      </p:nvGrpSpPr>
+      <p:grpSpPr>
+        <a:xfrm>
+          <a:off x="0" y="0"/>
+          <a:ext cx="0" cy="0"/>
+          <a:chOff x="0" y="0"/>
+          <a:chExt cx="0" cy="0"/>
+        </a:xfrm>
+      </p:grpSpPr>
+      <p:sp>
+        <p:nvSpPr>
+          <p:cNvPr id="5" name="Titolo 1">
+            <a:extLst>
+              <a:ext uri="{FF2B5EF4-FFF2-40B4-BE49-F238E27FC236}">
+                <a16:creationId xmlns:a16="http://schemas.microsoft.com/office/drawing/2014/main" id="{719936BE-0F9D-C74E-9E55-A7F2CE751F93}"/>
+              </a:ext>
+            </a:extLst>
+          </p:cNvPr>
+          <p:cNvSpPr txBox="1">
+            <a:spLocks/>
+          </p:cNvSpPr>
+          <p:nvPr/>
+        </p:nvSpPr>
+        <p:spPr>
+          <a:xfrm>
+            <a:off x="1524000" y="454393"/>
+            <a:ext cx="9144000" cy="1021230"/>
+          </a:xfrm>
+          <a:prstGeom prst="rect">
+            <a:avLst/>
+          </a:prstGeom>
+        </p:spPr>
+        <p:txBody>
+          <a:bodyPr vert="horz" lIns="91440" tIns="45720" rIns="91440" bIns="45720" rtlCol="0" anchor="ctr">
+            <a:normAutofit fontScale="85000" lnSpcReduction="20000"/>
+          </a:bodyPr>
+          <a:lstStyle>
+            <a:lvl1pPr algn="l" defTabSz="914400" rtl="0" eaLnBrk="1" latinLnBrk="0" hangingPunct="1">
+              <a:lnSpc>
+                <a:spcPct val="90000"/>
+              </a:lnSpc>
+              <a:spcBef>
+                <a:spcPct val="0"/>
+              </a:spcBef>
+              <a:buNone/>
+              <a:defRPr sz="4400" kern="1200">
+                <a:solidFill>
+                  <a:schemeClr val="tx1"/>
+                </a:solidFill>
+                <a:latin typeface="+mj-lt"/>
+                <a:ea typeface="+mj-ea"/>
+                <a:cs typeface="+mj-cs"/>
+              </a:defRPr>
+            </a:lvl1pPr>
+          </a:lstStyle>
+          <a:p>
+            <a:pPr algn="ctr"/>
+            <a:r>
+              <a:rPr lang="it-IT" sz="5200" dirty="0"/>
+              <a:t>Manipolatore di Stanford</a:t>
+            </a:r>
+          </a:p>
+          <a:p>
+            <a:pPr algn="ctr"/>
+            <a:r>
+              <a:rPr lang="it-IT" sz="3800" dirty="0"/>
+              <a:t>Controllore </a:t>
+            </a:r>
+            <a:r>
+              <a:rPr lang="it-IT" sz="3800" dirty="0" err="1"/>
+              <a:t>Computed</a:t>
+            </a:r>
+            <a:r>
+              <a:rPr lang="it-IT" sz="3800" dirty="0"/>
+              <a:t> Torque</a:t>
+            </a:r>
+          </a:p>
+        </p:txBody>
+      </p:sp>
+      <p:pic>
+        <p:nvPicPr>
+          <p:cNvPr id="16" name="Immagine 15">
+            <a:extLst>
+              <a:ext uri="{FF2B5EF4-FFF2-40B4-BE49-F238E27FC236}">
+                <a16:creationId xmlns:a16="http://schemas.microsoft.com/office/drawing/2014/main" id="{51A10DA4-5C82-3B4C-B6EB-35D753E3E114}"/>
+              </a:ext>
+            </a:extLst>
+          </p:cNvPr>
+          <p:cNvPicPr>
+            <a:picLocks noChangeAspect="1"/>
+          </p:cNvPicPr>
+          <p:nvPr/>
+        </p:nvPicPr>
+        <p:blipFill>
+          <a:blip r:embed="rId2"/>
+          <a:stretch>
+            <a:fillRect/>
+          </a:stretch>
+        </p:blipFill>
+        <p:spPr>
+          <a:xfrm>
+            <a:off x="377372" y="1475623"/>
+            <a:ext cx="5689600" cy="4267200"/>
+          </a:xfrm>
+          <a:prstGeom prst="rect">
+            <a:avLst/>
+          </a:prstGeom>
+        </p:spPr>
+      </p:pic>
+      <p:pic>
+        <p:nvPicPr>
+          <p:cNvPr id="3" name="Immagine 2">
+            <a:extLst>
+              <a:ext uri="{FF2B5EF4-FFF2-40B4-BE49-F238E27FC236}">
+                <a16:creationId xmlns:a16="http://schemas.microsoft.com/office/drawing/2014/main" id="{0612570B-82B2-5D49-9D7E-7DD274862FA4}"/>
+              </a:ext>
+            </a:extLst>
+          </p:cNvPr>
+          <p:cNvPicPr>
+            <a:picLocks noChangeAspect="1"/>
+          </p:cNvPicPr>
+          <p:nvPr/>
+        </p:nvPicPr>
+        <p:blipFill>
+          <a:blip r:embed="rId3"/>
+          <a:stretch>
+            <a:fillRect/>
+          </a:stretch>
+        </p:blipFill>
+        <p:spPr>
+          <a:xfrm>
+            <a:off x="6066972" y="1475623"/>
+            <a:ext cx="5689600" cy="4267200"/>
+          </a:xfrm>
+          <a:prstGeom prst="rect">
+            <a:avLst/>
+          </a:prstGeom>
+        </p:spPr>
+      </p:pic>
+    </p:spTree>
+    <p:extLst>
+      <p:ext uri="{BB962C8B-B14F-4D97-AF65-F5344CB8AC3E}">
+        <p14:creationId xmlns:p14="http://schemas.microsoft.com/office/powerpoint/2010/main" val="1393452628"/>
+      </p:ext>
+    </p:extLst>
+  </p:cSld>
+  <p:clrMapOvr>
+    <a:masterClrMapping/>
+  </p:clrMapOvr>
+</p:sld>
+</file>
+
+<file path=ppt/slides/slide12.xml><?xml version="1.0" encoding="utf-8"?>
+<p:sld xmlns:a="http://schemas.openxmlformats.org/drawingml/2006/main" xmlns:r="http://schemas.openxmlformats.org/officeDocument/2006/relationships" xmlns:p="http://schemas.openxmlformats.org/presentationml/2006/main">
+  <p:cSld>
+    <p:spTree>
+      <p:nvGrpSpPr>
+        <p:cNvPr id="1" name=""/>
+        <p:cNvGrpSpPr/>
+        <p:nvPr/>
+      </p:nvGrpSpPr>
+      <p:grpSpPr>
+        <a:xfrm>
+          <a:off x="0" y="0"/>
+          <a:ext cx="0" cy="0"/>
+          <a:chOff x="0" y="0"/>
+          <a:chExt cx="0" cy="0"/>
+        </a:xfrm>
+      </p:grpSpPr>
+      <p:sp>
+        <p:nvSpPr>
+          <p:cNvPr id="5" name="Titolo 1">
+            <a:extLst>
+              <a:ext uri="{FF2B5EF4-FFF2-40B4-BE49-F238E27FC236}">
+                <a16:creationId xmlns:a16="http://schemas.microsoft.com/office/drawing/2014/main" id="{719936BE-0F9D-C74E-9E55-A7F2CE751F93}"/>
+              </a:ext>
+            </a:extLst>
+          </p:cNvPr>
+          <p:cNvSpPr txBox="1">
+            <a:spLocks/>
+          </p:cNvSpPr>
+          <p:nvPr/>
+        </p:nvSpPr>
+        <p:spPr>
+          <a:xfrm>
+            <a:off x="1524000" y="454393"/>
+            <a:ext cx="9144000" cy="1021230"/>
+          </a:xfrm>
+          <a:prstGeom prst="rect">
+            <a:avLst/>
+          </a:prstGeom>
+        </p:spPr>
+        <p:txBody>
+          <a:bodyPr vert="horz" lIns="91440" tIns="45720" rIns="91440" bIns="45720" rtlCol="0" anchor="ctr">
+            <a:normAutofit fontScale="85000" lnSpcReduction="20000"/>
+          </a:bodyPr>
+          <a:lstStyle>
+            <a:lvl1pPr algn="l" defTabSz="914400" rtl="0" eaLnBrk="1" latinLnBrk="0" hangingPunct="1">
+              <a:lnSpc>
+                <a:spcPct val="90000"/>
+              </a:lnSpc>
+              <a:spcBef>
+                <a:spcPct val="0"/>
+              </a:spcBef>
+              <a:buNone/>
+              <a:defRPr sz="4400" kern="1200">
+                <a:solidFill>
+                  <a:schemeClr val="tx1"/>
+                </a:solidFill>
+                <a:latin typeface="+mj-lt"/>
+                <a:ea typeface="+mj-ea"/>
+                <a:cs typeface="+mj-cs"/>
+              </a:defRPr>
+            </a:lvl1pPr>
+          </a:lstStyle>
+          <a:p>
+            <a:pPr algn="ctr"/>
+            <a:r>
+              <a:rPr lang="it-IT" sz="5200" dirty="0"/>
+              <a:t>Manipolatore di Stanford</a:t>
+            </a:r>
+          </a:p>
+          <a:p>
+            <a:pPr algn="ctr"/>
+            <a:r>
+              <a:rPr lang="it-IT" sz="3800" dirty="0"/>
+              <a:t>Controllore </a:t>
+            </a:r>
+            <a:r>
+              <a:rPr lang="it-IT" sz="3800" dirty="0" err="1"/>
+              <a:t>Adaptive</a:t>
+            </a:r>
+            <a:r>
+              <a:rPr lang="it-IT" sz="3800" dirty="0"/>
+              <a:t> </a:t>
+            </a:r>
+            <a:r>
+              <a:rPr lang="it-IT" sz="3800" dirty="0" err="1"/>
+              <a:t>Computed</a:t>
+            </a:r>
+            <a:r>
+              <a:rPr lang="it-IT" sz="3800" dirty="0"/>
+              <a:t> Torque</a:t>
+            </a:r>
+          </a:p>
+        </p:txBody>
+      </p:sp>
+      <p:pic>
+        <p:nvPicPr>
+          <p:cNvPr id="13" name="Immagine 12">
+            <a:extLst>
+              <a:ext uri="{FF2B5EF4-FFF2-40B4-BE49-F238E27FC236}">
+                <a16:creationId xmlns:a16="http://schemas.microsoft.com/office/drawing/2014/main" id="{60A9E923-5377-204D-A79A-4E3EC60EC036}"/>
+              </a:ext>
+            </a:extLst>
+          </p:cNvPr>
+          <p:cNvPicPr>
+            <a:picLocks noChangeAspect="1"/>
+          </p:cNvPicPr>
+          <p:nvPr/>
+        </p:nvPicPr>
+        <p:blipFill>
+          <a:blip r:embed="rId2"/>
+          <a:stretch>
+            <a:fillRect/>
+          </a:stretch>
+        </p:blipFill>
+        <p:spPr>
+          <a:xfrm>
+            <a:off x="8864312" y="4182110"/>
+            <a:ext cx="1460500" cy="304800"/>
+          </a:xfrm>
+          <a:prstGeom prst="rect">
+            <a:avLst/>
+          </a:prstGeom>
+        </p:spPr>
+      </p:pic>
+      <p:pic>
+        <p:nvPicPr>
+          <p:cNvPr id="15" name="Immagine 14">
+            <a:extLst>
+              <a:ext uri="{FF2B5EF4-FFF2-40B4-BE49-F238E27FC236}">
+                <a16:creationId xmlns:a16="http://schemas.microsoft.com/office/drawing/2014/main" id="{071058FC-0B93-E147-A0EA-71411EBAC8D3}"/>
+              </a:ext>
+            </a:extLst>
+          </p:cNvPr>
+          <p:cNvPicPr>
+            <a:picLocks noChangeAspect="1"/>
+          </p:cNvPicPr>
+          <p:nvPr/>
+        </p:nvPicPr>
+        <p:blipFill>
+          <a:blip r:embed="rId3"/>
+          <a:stretch>
+            <a:fillRect/>
+          </a:stretch>
+        </p:blipFill>
+        <p:spPr>
+          <a:xfrm>
+            <a:off x="7829262" y="3146430"/>
+            <a:ext cx="1765300" cy="647700"/>
+          </a:xfrm>
+          <a:prstGeom prst="rect">
+            <a:avLst/>
+          </a:prstGeom>
+        </p:spPr>
+      </p:pic>
+      <p:pic>
+        <p:nvPicPr>
+          <p:cNvPr id="17" name="Immagine 16">
+            <a:extLst>
+              <a:ext uri="{FF2B5EF4-FFF2-40B4-BE49-F238E27FC236}">
+                <a16:creationId xmlns:a16="http://schemas.microsoft.com/office/drawing/2014/main" id="{7E59E54C-4FB5-5E49-9D4A-B67F723DF438}"/>
+              </a:ext>
+            </a:extLst>
+          </p:cNvPr>
+          <p:cNvPicPr>
+            <a:picLocks noChangeAspect="1"/>
+          </p:cNvPicPr>
+          <p:nvPr/>
+        </p:nvPicPr>
+        <p:blipFill>
+          <a:blip r:embed="rId4"/>
+          <a:stretch>
+            <a:fillRect/>
+          </a:stretch>
+        </p:blipFill>
+        <p:spPr>
+          <a:xfrm>
+            <a:off x="10004186" y="3146430"/>
+            <a:ext cx="952500" cy="635000"/>
+          </a:xfrm>
+          <a:prstGeom prst="rect">
+            <a:avLst/>
+          </a:prstGeom>
+        </p:spPr>
+      </p:pic>
+      <p:pic>
+        <p:nvPicPr>
+          <p:cNvPr id="19" name="Immagine 18">
+            <a:extLst>
+              <a:ext uri="{FF2B5EF4-FFF2-40B4-BE49-F238E27FC236}">
+                <a16:creationId xmlns:a16="http://schemas.microsoft.com/office/drawing/2014/main" id="{909B45EB-77AF-1845-8667-F637DFBD7C45}"/>
+              </a:ext>
+            </a:extLst>
+          </p:cNvPr>
+          <p:cNvPicPr>
+            <a:picLocks noChangeAspect="1"/>
+          </p:cNvPicPr>
+          <p:nvPr/>
+        </p:nvPicPr>
+        <p:blipFill>
+          <a:blip r:embed="rId5"/>
+          <a:stretch>
+            <a:fillRect/>
+          </a:stretch>
+        </p:blipFill>
+        <p:spPr>
+          <a:xfrm>
+            <a:off x="8851612" y="4688278"/>
+            <a:ext cx="1485900" cy="330200"/>
+          </a:xfrm>
+          <a:prstGeom prst="rect">
+            <a:avLst/>
+          </a:prstGeom>
+        </p:spPr>
+      </p:pic>
+      <p:pic>
+        <p:nvPicPr>
+          <p:cNvPr id="21" name="Immagine 20">
+            <a:extLst>
+              <a:ext uri="{FF2B5EF4-FFF2-40B4-BE49-F238E27FC236}">
+                <a16:creationId xmlns:a16="http://schemas.microsoft.com/office/drawing/2014/main" id="{628AF90A-A29E-6445-9513-C1B6ABAFF429}"/>
+              </a:ext>
+            </a:extLst>
+          </p:cNvPr>
+          <p:cNvPicPr>
+            <a:picLocks noChangeAspect="1"/>
+          </p:cNvPicPr>
+          <p:nvPr/>
+        </p:nvPicPr>
+        <p:blipFill>
+          <a:blip r:embed="rId6"/>
+          <a:stretch>
+            <a:fillRect/>
+          </a:stretch>
+        </p:blipFill>
+        <p:spPr>
+          <a:xfrm>
+            <a:off x="8718262" y="5219846"/>
+            <a:ext cx="1752600" cy="368300"/>
+          </a:xfrm>
+          <a:prstGeom prst="rect">
+            <a:avLst/>
+          </a:prstGeom>
+        </p:spPr>
+      </p:pic>
+      <p:pic>
+        <p:nvPicPr>
+          <p:cNvPr id="23" name="Immagine 22">
+            <a:extLst>
+              <a:ext uri="{FF2B5EF4-FFF2-40B4-BE49-F238E27FC236}">
+                <a16:creationId xmlns:a16="http://schemas.microsoft.com/office/drawing/2014/main" id="{23446BB1-0E7F-814F-9D19-AD5F0370A687}"/>
+              </a:ext>
+            </a:extLst>
+          </p:cNvPr>
+          <p:cNvPicPr>
+            <a:picLocks noChangeAspect="1"/>
+          </p:cNvPicPr>
+          <p:nvPr/>
+        </p:nvPicPr>
+        <p:blipFill>
+          <a:blip r:embed="rId7"/>
+          <a:stretch>
+            <a:fillRect/>
+          </a:stretch>
+        </p:blipFill>
+        <p:spPr>
+          <a:xfrm>
+            <a:off x="4362737" y="1460379"/>
+            <a:ext cx="3466525" cy="1017350"/>
+          </a:xfrm>
+          <a:prstGeom prst="rect">
+            <a:avLst/>
+          </a:prstGeom>
+        </p:spPr>
+      </p:pic>
+      <p:pic>
+        <p:nvPicPr>
+          <p:cNvPr id="25" name="Immagine 24">
+            <a:extLst>
+              <a:ext uri="{FF2B5EF4-FFF2-40B4-BE49-F238E27FC236}">
+                <a16:creationId xmlns:a16="http://schemas.microsoft.com/office/drawing/2014/main" id="{C0D593BF-8506-BC48-B81C-820693CDC4EB}"/>
+              </a:ext>
+            </a:extLst>
+          </p:cNvPr>
+          <p:cNvPicPr>
+            <a:picLocks noChangeAspect="1"/>
+          </p:cNvPicPr>
+          <p:nvPr/>
+        </p:nvPicPr>
+        <p:blipFill>
+          <a:blip r:embed="rId8"/>
+          <a:stretch>
+            <a:fillRect/>
+          </a:stretch>
+        </p:blipFill>
+        <p:spPr>
+          <a:xfrm>
+            <a:off x="800002" y="2623916"/>
+            <a:ext cx="6553200" cy="1625600"/>
+          </a:xfrm>
+          <a:prstGeom prst="rect">
+            <a:avLst/>
+          </a:prstGeom>
+        </p:spPr>
+      </p:pic>
+      <p:pic>
+        <p:nvPicPr>
+          <p:cNvPr id="27" name="Immagine 26">
+            <a:extLst>
+              <a:ext uri="{FF2B5EF4-FFF2-40B4-BE49-F238E27FC236}">
+                <a16:creationId xmlns:a16="http://schemas.microsoft.com/office/drawing/2014/main" id="{2BDB62C0-4D44-BF4C-B26B-2ED4661C33F9}"/>
+              </a:ext>
+            </a:extLst>
+          </p:cNvPr>
+          <p:cNvPicPr>
+            <a:picLocks noChangeAspect="1"/>
+          </p:cNvPicPr>
+          <p:nvPr/>
+        </p:nvPicPr>
+        <p:blipFill>
+          <a:blip r:embed="rId9"/>
+          <a:stretch>
+            <a:fillRect/>
+          </a:stretch>
+        </p:blipFill>
+        <p:spPr>
+          <a:xfrm>
+            <a:off x="800002" y="4395703"/>
+            <a:ext cx="5181600" cy="1638300"/>
+          </a:xfrm>
+          <a:prstGeom prst="rect">
+            <a:avLst/>
+          </a:prstGeom>
+        </p:spPr>
+      </p:pic>
+    </p:spTree>
+    <p:extLst>
+      <p:ext uri="{BB962C8B-B14F-4D97-AF65-F5344CB8AC3E}">
+        <p14:creationId xmlns:p14="http://schemas.microsoft.com/office/powerpoint/2010/main" val="3511369780"/>
+      </p:ext>
+    </p:extLst>
+  </p:cSld>
+  <p:clrMapOvr>
+    <a:masterClrMapping/>
+  </p:clrMapOvr>
+</p:sld>
+</file>
+
+<file path=ppt/slides/slide13.xml><?xml version="1.0" encoding="utf-8"?>
+<p:sld xmlns:a="http://schemas.openxmlformats.org/drawingml/2006/main" xmlns:r="http://schemas.openxmlformats.org/officeDocument/2006/relationships" xmlns:p="http://schemas.openxmlformats.org/presentationml/2006/main">
+  <p:cSld>
+    <p:spTree>
+      <p:nvGrpSpPr>
+        <p:cNvPr id="1" name=""/>
+        <p:cNvGrpSpPr/>
+        <p:nvPr/>
+      </p:nvGrpSpPr>
+      <p:grpSpPr>
+        <a:xfrm>
+          <a:off x="0" y="0"/>
+          <a:ext cx="0" cy="0"/>
+          <a:chOff x="0" y="0"/>
+          <a:chExt cx="0" cy="0"/>
+        </a:xfrm>
+      </p:grpSpPr>
+      <p:sp>
+        <p:nvSpPr>
+          <p:cNvPr id="5" name="Titolo 1">
+            <a:extLst>
+              <a:ext uri="{FF2B5EF4-FFF2-40B4-BE49-F238E27FC236}">
+                <a16:creationId xmlns:a16="http://schemas.microsoft.com/office/drawing/2014/main" id="{719936BE-0F9D-C74E-9E55-A7F2CE751F93}"/>
+              </a:ext>
+            </a:extLst>
+          </p:cNvPr>
+          <p:cNvSpPr txBox="1">
+            <a:spLocks/>
+          </p:cNvSpPr>
+          <p:nvPr/>
+        </p:nvSpPr>
+        <p:spPr>
+          <a:xfrm>
+            <a:off x="1524000" y="454393"/>
+            <a:ext cx="9144000" cy="1021230"/>
+          </a:xfrm>
+          <a:prstGeom prst="rect">
+            <a:avLst/>
+          </a:prstGeom>
+        </p:spPr>
+        <p:txBody>
+          <a:bodyPr vert="horz" lIns="91440" tIns="45720" rIns="91440" bIns="45720" rtlCol="0" anchor="ctr">
+            <a:normAutofit fontScale="85000" lnSpcReduction="20000"/>
+          </a:bodyPr>
+          <a:lstStyle>
+            <a:lvl1pPr algn="l" defTabSz="914400" rtl="0" eaLnBrk="1" latinLnBrk="0" hangingPunct="1">
+              <a:lnSpc>
+                <a:spcPct val="90000"/>
+              </a:lnSpc>
+              <a:spcBef>
+                <a:spcPct val="0"/>
+              </a:spcBef>
+              <a:buNone/>
+              <a:defRPr sz="4400" kern="1200">
+                <a:solidFill>
+                  <a:schemeClr val="tx1"/>
+                </a:solidFill>
+                <a:latin typeface="+mj-lt"/>
+                <a:ea typeface="+mj-ea"/>
+                <a:cs typeface="+mj-cs"/>
+              </a:defRPr>
+            </a:lvl1pPr>
+          </a:lstStyle>
+          <a:p>
+            <a:pPr algn="ctr"/>
+            <a:r>
+              <a:rPr lang="it-IT" sz="5200" dirty="0"/>
+              <a:t>Manipolatore di Stanford</a:t>
+            </a:r>
+          </a:p>
+          <a:p>
+            <a:pPr algn="ctr"/>
+            <a:r>
+              <a:rPr lang="it-IT" sz="3800" dirty="0"/>
+              <a:t>Controllore </a:t>
+            </a:r>
+            <a:r>
+              <a:rPr lang="it-IT" sz="3800" dirty="0" err="1"/>
+              <a:t>Adaptive</a:t>
+            </a:r>
+            <a:r>
+              <a:rPr lang="it-IT" sz="3800" dirty="0"/>
+              <a:t> </a:t>
+            </a:r>
+            <a:r>
+              <a:rPr lang="it-IT" sz="3800" dirty="0" err="1"/>
+              <a:t>Computed</a:t>
+            </a:r>
+            <a:r>
+              <a:rPr lang="it-IT" sz="3800" dirty="0"/>
+              <a:t> Torque</a:t>
+            </a:r>
+          </a:p>
+        </p:txBody>
+      </p:sp>
+      <p:pic>
+        <p:nvPicPr>
+          <p:cNvPr id="11" name="Immagine 10">
+            <a:extLst>
+              <a:ext uri="{FF2B5EF4-FFF2-40B4-BE49-F238E27FC236}">
+                <a16:creationId xmlns:a16="http://schemas.microsoft.com/office/drawing/2014/main" id="{24474708-2AD1-E242-B19A-0598DECCEB08}"/>
+              </a:ext>
+            </a:extLst>
+          </p:cNvPr>
+          <p:cNvPicPr>
+            <a:picLocks noChangeAspect="1"/>
+          </p:cNvPicPr>
+          <p:nvPr/>
+        </p:nvPicPr>
+        <p:blipFill>
+          <a:blip r:embed="rId2"/>
+          <a:stretch>
+            <a:fillRect/>
+          </a:stretch>
+        </p:blipFill>
+        <p:spPr>
+          <a:xfrm>
+            <a:off x="449942" y="1475623"/>
+            <a:ext cx="5689600" cy="4267200"/>
+          </a:xfrm>
+          <a:prstGeom prst="rect">
+            <a:avLst/>
+          </a:prstGeom>
+        </p:spPr>
+      </p:pic>
+      <p:pic>
+        <p:nvPicPr>
+          <p:cNvPr id="13" name="Immagine 12">
+            <a:extLst>
+              <a:ext uri="{FF2B5EF4-FFF2-40B4-BE49-F238E27FC236}">
+                <a16:creationId xmlns:a16="http://schemas.microsoft.com/office/drawing/2014/main" id="{466A2D65-C0B0-0C42-93AC-8B75F09EF259}"/>
+              </a:ext>
+            </a:extLst>
+          </p:cNvPr>
+          <p:cNvPicPr>
+            <a:picLocks noChangeAspect="1"/>
+          </p:cNvPicPr>
+          <p:nvPr/>
+        </p:nvPicPr>
+        <p:blipFill>
+          <a:blip r:embed="rId3"/>
+          <a:stretch>
+            <a:fillRect/>
+          </a:stretch>
+        </p:blipFill>
+        <p:spPr>
+          <a:xfrm>
+            <a:off x="6139542" y="1490137"/>
+            <a:ext cx="5689600" cy="4267200"/>
+          </a:xfrm>
+          <a:prstGeom prst="rect">
+            <a:avLst/>
+          </a:prstGeom>
+        </p:spPr>
+      </p:pic>
+    </p:spTree>
+    <p:extLst>
+      <p:ext uri="{BB962C8B-B14F-4D97-AF65-F5344CB8AC3E}">
+        <p14:creationId xmlns:p14="http://schemas.microsoft.com/office/powerpoint/2010/main" val="2471295502"/>
+      </p:ext>
+    </p:extLst>
+  </p:cSld>
+  <p:clrMapOvr>
+    <a:masterClrMapping/>
+  </p:clrMapOvr>
+</p:sld>
+</file>
+
+<file path=ppt/slides/slide14.xml><?xml version="1.0" encoding="utf-8"?>
+<p:sld xmlns:a="http://schemas.openxmlformats.org/drawingml/2006/main" xmlns:r="http://schemas.openxmlformats.org/officeDocument/2006/relationships" xmlns:p="http://schemas.openxmlformats.org/presentationml/2006/main">
+  <p:cSld>
+    <p:spTree>
+      <p:nvGrpSpPr>
+        <p:cNvPr id="1" name=""/>
+        <p:cNvGrpSpPr/>
+        <p:nvPr/>
+      </p:nvGrpSpPr>
+      <p:grpSpPr>
+        <a:xfrm>
+          <a:off x="0" y="0"/>
+          <a:ext cx="0" cy="0"/>
+          <a:chOff x="0" y="0"/>
+          <a:chExt cx="0" cy="0"/>
+        </a:xfrm>
+      </p:grpSpPr>
+      <p:sp>
+        <p:nvSpPr>
+          <p:cNvPr id="5" name="Titolo 1">
+            <a:extLst>
+              <a:ext uri="{FF2B5EF4-FFF2-40B4-BE49-F238E27FC236}">
+                <a16:creationId xmlns:a16="http://schemas.microsoft.com/office/drawing/2014/main" id="{719936BE-0F9D-C74E-9E55-A7F2CE751F93}"/>
+              </a:ext>
+            </a:extLst>
+          </p:cNvPr>
+          <p:cNvSpPr txBox="1">
+            <a:spLocks/>
+          </p:cNvSpPr>
+          <p:nvPr/>
+        </p:nvSpPr>
+        <p:spPr>
+          <a:xfrm>
+            <a:off x="1524000" y="454393"/>
+            <a:ext cx="9144000" cy="1021230"/>
+          </a:xfrm>
+          <a:prstGeom prst="rect">
+            <a:avLst/>
+          </a:prstGeom>
+        </p:spPr>
+        <p:txBody>
+          <a:bodyPr vert="horz" lIns="91440" tIns="45720" rIns="91440" bIns="45720" rtlCol="0" anchor="ctr">
+            <a:normAutofit fontScale="85000" lnSpcReduction="20000"/>
+          </a:bodyPr>
+          <a:lstStyle>
+            <a:lvl1pPr algn="l" defTabSz="914400" rtl="0" eaLnBrk="1" latinLnBrk="0" hangingPunct="1">
+              <a:lnSpc>
+                <a:spcPct val="90000"/>
+              </a:lnSpc>
+              <a:spcBef>
+                <a:spcPct val="0"/>
+              </a:spcBef>
+              <a:buNone/>
+              <a:defRPr sz="4400" kern="1200">
+                <a:solidFill>
+                  <a:schemeClr val="tx1"/>
+                </a:solidFill>
+                <a:latin typeface="+mj-lt"/>
+                <a:ea typeface="+mj-ea"/>
+                <a:cs typeface="+mj-cs"/>
+              </a:defRPr>
+            </a:lvl1pPr>
+          </a:lstStyle>
+          <a:p>
+            <a:pPr algn="ctr"/>
+            <a:r>
+              <a:rPr lang="it-IT" sz="5200" dirty="0"/>
+              <a:t>Manipolatore di Stanford</a:t>
+            </a:r>
+          </a:p>
+          <a:p>
+            <a:pPr algn="ctr"/>
+            <a:r>
+              <a:rPr lang="it-IT" sz="3800" dirty="0"/>
+              <a:t>Controllore </a:t>
+            </a:r>
+            <a:r>
+              <a:rPr lang="it-IT" sz="3800" dirty="0" err="1"/>
+              <a:t>Adaptive</a:t>
+            </a:r>
+            <a:r>
+              <a:rPr lang="it-IT" sz="3800" dirty="0"/>
+              <a:t> </a:t>
+            </a:r>
+            <a:r>
+              <a:rPr lang="it-IT" sz="3800" dirty="0" err="1"/>
+              <a:t>Computed</a:t>
+            </a:r>
+            <a:r>
+              <a:rPr lang="it-IT" sz="3800" dirty="0"/>
+              <a:t> Torque</a:t>
+            </a:r>
+          </a:p>
+        </p:txBody>
+      </p:sp>
+      <p:pic>
+        <p:nvPicPr>
+          <p:cNvPr id="3" name="Immagine 2">
+            <a:extLst>
+              <a:ext uri="{FF2B5EF4-FFF2-40B4-BE49-F238E27FC236}">
+                <a16:creationId xmlns:a16="http://schemas.microsoft.com/office/drawing/2014/main" id="{74E89475-B59D-504D-90BC-910774DF4D8D}"/>
+              </a:ext>
+            </a:extLst>
+          </p:cNvPr>
+          <p:cNvPicPr>
+            <a:picLocks noChangeAspect="1"/>
+          </p:cNvPicPr>
+          <p:nvPr/>
+        </p:nvPicPr>
+        <p:blipFill>
+          <a:blip r:embed="rId2"/>
+          <a:stretch>
+            <a:fillRect/>
+          </a:stretch>
+        </p:blipFill>
+        <p:spPr>
+          <a:xfrm>
+            <a:off x="6019800" y="1661318"/>
+            <a:ext cx="5689600" cy="4165600"/>
+          </a:xfrm>
+          <a:prstGeom prst="rect">
+            <a:avLst/>
+          </a:prstGeom>
+        </p:spPr>
+      </p:pic>
+      <mc:AlternateContent xmlns:mc="http://schemas.openxmlformats.org/markup-compatibility/2006">
+        <mc:Choice xmlns:a14="http://schemas.microsoft.com/office/drawing/2010/main" Requires="a14">
+          <p:sp>
+            <p:nvSpPr>
+              <p:cNvPr id="16" name="Segnaposto contenuto 15">
+                <a:extLst>
+                  <a:ext uri="{FF2B5EF4-FFF2-40B4-BE49-F238E27FC236}">
+                    <a16:creationId xmlns:a16="http://schemas.microsoft.com/office/drawing/2014/main" id="{59F08C5F-D064-2A46-AA68-087EEE840A08}"/>
+                  </a:ext>
+                </a:extLst>
+              </p:cNvPr>
+              <p:cNvSpPr>
+                <a:spLocks noGrp="1"/>
+              </p:cNvSpPr>
+              <p:nvPr>
+                <p:ph sz="half" idx="1"/>
+              </p:nvPr>
+            </p:nvSpPr>
+            <p:spPr>
+              <a:xfrm>
+                <a:off x="838200" y="1825625"/>
+                <a:ext cx="5181600" cy="4001293"/>
+              </a:xfrm>
+            </p:spPr>
+            <p:txBody>
+              <a:bodyPr/>
+              <a:lstStyle/>
+              <a:p>
+                <a:pPr marL="0" indent="0">
+                  <a:buNone/>
+                </a:pPr>
+                <a:r>
+                  <a:rPr lang="it-IT" sz="1800" dirty="0"/>
+                  <a:t>Il </a:t>
+                </a:r>
+                <a:r>
+                  <a:rPr lang="it-IT" sz="1800" dirty="0" err="1"/>
+                  <a:t>regressore</a:t>
+                </a:r>
+                <a:r>
+                  <a:rPr lang="it-IT" sz="1800" dirty="0"/>
+                  <a:t> dinamico è stato calcolato estrapolando il parametro m</a:t>
+                </a:r>
+                <a:r>
+                  <a:rPr lang="it-IT" sz="1800" baseline="-25000" dirty="0"/>
+                  <a:t>6</a:t>
+                </a:r>
+                <a:r>
+                  <a:rPr lang="it-IT" sz="1800" dirty="0"/>
+                  <a:t> dalle equazioni della dinamica, utilizzando come vettore dei parametri</a:t>
+                </a:r>
+              </a:p>
+              <a:p>
+                <a:pPr marL="0" indent="0">
+                  <a:buNone/>
+                </a:pPr>
+                <a14:m>
+                  <m:oMathPara xmlns:m="http://schemas.openxmlformats.org/officeDocument/2006/math">
+                    <m:oMathParaPr>
+                      <m:jc m:val="centerGroup"/>
+                    </m:oMathParaPr>
+                    <m:oMath xmlns:m="http://schemas.openxmlformats.org/officeDocument/2006/math">
+                      <m:r>
+                        <a:rPr lang="el-GR" sz="1800" i="1" smtClean="0">
+                          <a:latin typeface="Cambria Math" panose="02040503050406030204" pitchFamily="18" charset="0"/>
+                        </a:rPr>
+                        <m:t>𝜋</m:t>
+                      </m:r>
+                      <m:r>
+                        <a:rPr lang="it-IT" sz="1800" b="0" i="1" smtClean="0">
+                          <a:latin typeface="Cambria Math" panose="02040503050406030204" pitchFamily="18" charset="0"/>
+                        </a:rPr>
+                        <m:t>= </m:t>
+                      </m:r>
+                      <m:d>
+                        <m:dPr>
+                          <m:begChr m:val="["/>
+                          <m:endChr m:val="]"/>
+                          <m:ctrlPr>
+                            <a:rPr lang="it-IT" sz="1800" b="0" i="1" smtClean="0">
+                              <a:latin typeface="Cambria Math" panose="02040503050406030204" pitchFamily="18" charset="0"/>
+                            </a:rPr>
+                          </m:ctrlPr>
+                        </m:dPr>
+                        <m:e>
+                          <m:m>
+                            <m:mPr>
+                              <m:mcs>
+                                <m:mc>
+                                  <m:mcPr>
+                                    <m:count m:val="1"/>
+                                    <m:mcJc m:val="center"/>
+                                  </m:mcPr>
+                                </m:mc>
+                              </m:mcs>
+                              <m:ctrlPr>
+                                <a:rPr lang="it-IT" sz="1800" i="1">
+                                  <a:latin typeface="Cambria Math" panose="02040503050406030204" pitchFamily="18" charset="0"/>
+                                </a:rPr>
+                              </m:ctrlPr>
+                            </m:mPr>
+                            <m:mr>
+                              <m:e>
+                                <m:r>
+                                  <m:rPr>
+                                    <m:brk m:alnAt="7"/>
+                                  </m:rPr>
+                                  <a:rPr lang="it-IT" sz="1800" i="1">
+                                    <a:latin typeface="Cambria Math" panose="02040503050406030204" pitchFamily="18" charset="0"/>
+                                  </a:rPr>
+                                  <m:t>𝑚</m:t>
+                                </m:r>
+                                <m:r>
+                                  <a:rPr lang="it-IT" sz="1800" i="1" baseline="-25000">
+                                    <a:latin typeface="Cambria Math" panose="02040503050406030204" pitchFamily="18" charset="0"/>
+                                  </a:rPr>
+                                  <m:t>6</m:t>
+                                </m:r>
+                              </m:e>
+                            </m:mr>
+                            <m:mr>
+                              <m:e>
+                                <m:r>
+                                  <a:rPr lang="it-IT" sz="1800" i="1">
+                                    <a:latin typeface="Cambria Math" panose="02040503050406030204" pitchFamily="18" charset="0"/>
+                                  </a:rPr>
+                                  <m:t>1</m:t>
+                                </m:r>
+                              </m:e>
+                            </m:mr>
+                          </m:m>
+                        </m:e>
+                      </m:d>
+                    </m:oMath>
+                  </m:oMathPara>
+                </a14:m>
+                <a:endParaRPr lang="it-IT" sz="1800" dirty="0"/>
+              </a:p>
+              <a:p>
+                <a:pPr marL="0" indent="0">
+                  <a:buNone/>
+                </a:pPr>
+                <a:r>
+                  <a:rPr lang="it-IT" sz="1800" dirty="0"/>
+                  <a:t>Inizializzando il vettore di parametri dinamici stimati come </a:t>
+                </a:r>
+                <a14:m>
+                  <m:oMath xmlns:m="http://schemas.openxmlformats.org/officeDocument/2006/math">
+                    <m:acc>
+                      <m:accPr>
+                        <m:chr m:val="̂"/>
+                        <m:ctrlPr>
+                          <a:rPr lang="it-IT" sz="1800" i="1" smtClean="0">
+                            <a:latin typeface="Cambria Math" panose="02040503050406030204" pitchFamily="18" charset="0"/>
+                          </a:rPr>
+                        </m:ctrlPr>
+                      </m:accPr>
+                      <m:e>
+                        <m:r>
+                          <a:rPr lang="el-GR" sz="1800" i="1">
+                            <a:latin typeface="Cambria Math" panose="02040503050406030204" pitchFamily="18" charset="0"/>
+                          </a:rPr>
+                          <m:t>𝜋</m:t>
+                        </m:r>
+                      </m:e>
+                    </m:acc>
+                    <m:r>
+                      <a:rPr lang="it-IT" sz="1800" b="0" i="1" smtClean="0">
+                        <a:latin typeface="Cambria Math" panose="02040503050406030204" pitchFamily="18" charset="0"/>
+                      </a:rPr>
+                      <m:t>=</m:t>
+                    </m:r>
+                    <m:d>
+                      <m:dPr>
+                        <m:begChr m:val="["/>
+                        <m:endChr m:val="]"/>
+                        <m:ctrlPr>
+                          <a:rPr lang="it-IT" sz="1800" i="1">
+                            <a:latin typeface="Cambria Math" panose="02040503050406030204" pitchFamily="18" charset="0"/>
+                          </a:rPr>
+                        </m:ctrlPr>
+                      </m:dPr>
+                      <m:e>
+                        <m:m>
+                          <m:mPr>
+                            <m:mcs>
+                              <m:mc>
+                                <m:mcPr>
+                                  <m:count m:val="1"/>
+                                  <m:mcJc m:val="center"/>
+                                </m:mcPr>
+                              </m:mc>
+                            </m:mcs>
+                            <m:ctrlPr>
+                              <a:rPr lang="it-IT" sz="1800" i="1" smtClean="0">
+                                <a:latin typeface="Cambria Math" panose="02040503050406030204" pitchFamily="18" charset="0"/>
+                              </a:rPr>
+                            </m:ctrlPr>
+                          </m:mPr>
+                          <m:mr>
+                            <m:e>
+                              <m:r>
+                                <m:rPr>
+                                  <m:brk m:alnAt="7"/>
+                                </m:rPr>
+                                <a:rPr lang="it-IT" sz="1800" b="0" i="1" smtClean="0">
+                                  <a:latin typeface="Cambria Math" panose="02040503050406030204" pitchFamily="18" charset="0"/>
+                                </a:rPr>
+                                <m:t>3</m:t>
+                              </m:r>
+                            </m:e>
+                          </m:mr>
+                          <m:mr>
+                            <m:e>
+                              <m:r>
+                                <a:rPr lang="it-IT" sz="1800" i="1">
+                                  <a:latin typeface="Cambria Math" panose="02040503050406030204" pitchFamily="18" charset="0"/>
+                                </a:rPr>
+                                <m:t>1</m:t>
+                              </m:r>
+                            </m:e>
+                          </m:mr>
+                        </m:m>
+                      </m:e>
+                    </m:d>
+                  </m:oMath>
+                </a14:m>
+                <a:r>
+                  <a:rPr lang="it-IT" sz="1800" dirty="0"/>
+                  <a:t> il risultato atteso era che il segnale giallo riportato nella figura accanto assumesse valore finale pari a m</a:t>
+                </a:r>
+                <a:r>
+                  <a:rPr lang="it-IT" sz="1800" baseline="-25000" dirty="0"/>
+                  <a:t>6</a:t>
+                </a:r>
+                <a:r>
+                  <a:rPr lang="it-IT" sz="1800" dirty="0"/>
+                  <a:t> per effetto della componente adattiva del controllore stesso. Nonostante il </a:t>
+                </a:r>
+                <a:r>
+                  <a:rPr lang="it-IT" sz="1800" dirty="0" err="1"/>
+                  <a:t>tuning</a:t>
+                </a:r>
+                <a:r>
+                  <a:rPr lang="it-IT" sz="1800" dirty="0"/>
+                  <a:t> delle matrici utilizzate per l’adattamento questo comportamento atteso non si è verificato.</a:t>
+                </a:r>
+                <a:endParaRPr lang="it-IT" sz="1800" baseline="-25000" dirty="0"/>
+              </a:p>
+              <a:p>
+                <a:pPr marL="0" indent="0">
+                  <a:buNone/>
+                </a:pPr>
+                <a:endParaRPr lang="it-IT" dirty="0"/>
+              </a:p>
+            </p:txBody>
+          </p:sp>
+        </mc:Choice>
+        <mc:Fallback>
+          <p:sp>
+            <p:nvSpPr>
+              <p:cNvPr id="16" name="Segnaposto contenuto 15">
+                <a:extLst>
+                  <a:ext uri="{FF2B5EF4-FFF2-40B4-BE49-F238E27FC236}">
+                    <a16:creationId xmlns:a16="http://schemas.microsoft.com/office/drawing/2014/main" id="{59F08C5F-D064-2A46-AA68-087EEE840A08}"/>
+                  </a:ext>
+                </a:extLst>
+              </p:cNvPr>
+              <p:cNvSpPr>
+                <a:spLocks noGrp="1" noRot="1" noChangeAspect="1" noMove="1" noResize="1" noEditPoints="1" noAdjustHandles="1" noChangeArrowheads="1" noChangeShapeType="1" noTextEdit="1"/>
+              </p:cNvSpPr>
+              <p:nvPr>
+                <p:ph sz="half" idx="1"/>
+              </p:nvPr>
+            </p:nvSpPr>
+            <p:spPr>
+              <a:xfrm>
+                <a:off x="838200" y="1825625"/>
+                <a:ext cx="5181600" cy="4001293"/>
+              </a:xfrm>
+              <a:blipFill>
+                <a:blip r:embed="rId3"/>
+                <a:stretch>
+                  <a:fillRect l="-978" t="-1587" r="-1467"/>
+                </a:stretch>
+              </a:blipFill>
+            </p:spPr>
+            <p:txBody>
+              <a:bodyPr/>
+              <a:lstStyle/>
+              <a:p>
+                <a:r>
+                  <a:rPr lang="it-IT">
+                    <a:noFill/>
+                  </a:rPr>
+                  <a:t> </a:t>
+                </a:r>
+              </a:p>
+            </p:txBody>
+          </p:sp>
+        </mc:Fallback>
+      </mc:AlternateContent>
+    </p:spTree>
+    <p:extLst>
+      <p:ext uri="{BB962C8B-B14F-4D97-AF65-F5344CB8AC3E}">
+        <p14:creationId xmlns:p14="http://schemas.microsoft.com/office/powerpoint/2010/main" val="3008735334"/>
       </p:ext>
     </p:extLst>
   </p:cSld>
@@ -3479,7 +4803,7 @@
           <a:p>
             <a:fld id="{4EF59023-6175-3944-979D-CFE35E3A8267}" type="datetime1">
               <a:rPr lang="it-IT" smtClean="0"/>
-              <a:t>18/04/21</a:t>
+              <a:t>07/05/21</a:t>
             </a:fld>
             <a:endParaRPr lang="en-US" dirty="0"/>
           </a:p>
@@ -3967,8 +5291,8 @@
           </a:p>
         </p:txBody>
       </p:sp>
-      <mc:AlternateContent xmlns:mc="http://schemas.openxmlformats.org/markup-compatibility/2006">
-        <mc:Choice xmlns:a14="http://schemas.microsoft.com/office/drawing/2010/main" Requires="a14">
+      <mc:AlternateContent xmlns:mc="http://schemas.openxmlformats.org/markup-compatibility/2006" xmlns:a14="http://schemas.microsoft.com/office/drawing/2010/main">
+        <mc:Choice Requires="a14">
           <p:graphicFrame>
             <p:nvGraphicFramePr>
               <p:cNvPr id="9" name="Tabella 8">
@@ -4892,7 +6216,7 @@
             </a:graphic>
           </p:graphicFrame>
         </mc:Choice>
-        <mc:Fallback>
+        <mc:Fallback xmlns="">
           <p:graphicFrame>
             <p:nvGraphicFramePr>
               <p:cNvPr id="9" name="Tabella 8">
@@ -5841,8 +7165,8 @@
         </p:nvSpPr>
         <p:spPr>
           <a:xfrm>
-            <a:off x="1071564" y="1475623"/>
-            <a:ext cx="3287830" cy="4247317"/>
+            <a:off x="1071563" y="1475624"/>
+            <a:ext cx="7739271" cy="2031325"/>
           </a:xfrm>
           <a:prstGeom prst="rect">
             <a:avLst/>
@@ -5912,6 +7236,66 @@
           <a:xfrm>
             <a:off x="8810836" y="1303867"/>
             <a:ext cx="1857163" cy="1396471"/>
+          </a:xfrm>
+          <a:prstGeom prst="rect">
+            <a:avLst/>
+          </a:prstGeom>
+        </p:spPr>
+      </p:pic>
+      <p:pic>
+        <p:nvPicPr>
+          <p:cNvPr id="14" name="Immagine 13">
+            <a:extLst>
+              <a:ext uri="{FF2B5EF4-FFF2-40B4-BE49-F238E27FC236}">
+                <a16:creationId xmlns:a16="http://schemas.microsoft.com/office/drawing/2014/main" id="{B0DE0442-2B8A-8A4B-B1D7-C8E63CDAEB45}"/>
+              </a:ext>
+            </a:extLst>
+          </p:cNvPr>
+          <p:cNvPicPr>
+            <a:picLocks noChangeAspect="1"/>
+          </p:cNvPicPr>
+          <p:nvPr/>
+        </p:nvPicPr>
+        <p:blipFill>
+          <a:blip r:embed="rId3"/>
+          <a:stretch>
+            <a:fillRect/>
+          </a:stretch>
+        </p:blipFill>
+        <p:spPr>
+          <a:xfrm>
+            <a:off x="6155473" y="3506948"/>
+            <a:ext cx="4512526" cy="3030801"/>
+          </a:xfrm>
+          <a:prstGeom prst="rect">
+            <a:avLst/>
+          </a:prstGeom>
+        </p:spPr>
+      </p:pic>
+      <p:pic>
+        <p:nvPicPr>
+          <p:cNvPr id="16" name="Immagine 15">
+            <a:extLst>
+              <a:ext uri="{FF2B5EF4-FFF2-40B4-BE49-F238E27FC236}">
+                <a16:creationId xmlns:a16="http://schemas.microsoft.com/office/drawing/2014/main" id="{0BFFE1AB-6856-AF4E-9BAF-FDD9EB13B090}"/>
+              </a:ext>
+            </a:extLst>
+          </p:cNvPr>
+          <p:cNvPicPr>
+            <a:picLocks noChangeAspect="1"/>
+          </p:cNvPicPr>
+          <p:nvPr/>
+        </p:nvPicPr>
+        <p:blipFill>
+          <a:blip r:embed="rId4"/>
+          <a:stretch>
+            <a:fillRect/>
+          </a:stretch>
+        </p:blipFill>
+        <p:spPr>
+          <a:xfrm>
+            <a:off x="1784718" y="4412748"/>
+            <a:ext cx="3657600" cy="1219200"/>
           </a:xfrm>
           <a:prstGeom prst="rect">
             <a:avLst/>
@@ -5948,8 +7332,8 @@
           <a:chExt cx="0" cy="0"/>
         </a:xfrm>
       </p:grpSpPr>
-      <mc:AlternateContent xmlns:mc="http://schemas.openxmlformats.org/markup-compatibility/2006">
-        <mc:Choice xmlns:a14="http://schemas.microsoft.com/office/drawing/2010/main" Requires="a14">
+      <mc:AlternateContent xmlns:mc="http://schemas.openxmlformats.org/markup-compatibility/2006" xmlns:a14="http://schemas.microsoft.com/office/drawing/2010/main">
+        <mc:Choice Requires="a14">
           <p:sp>
             <p:nvSpPr>
               <p:cNvPr id="5" name="CasellaDiTesto 4">
@@ -6413,7 +7797,7 @@
             </p:txBody>
           </p:sp>
         </mc:Choice>
-        <mc:Fallback>
+        <mc:Fallback xmlns="">
           <p:sp>
             <p:nvSpPr>
               <p:cNvPr id="5" name="CasellaDiTesto 4">
@@ -6603,36 +7987,6 @@
           <a:chExt cx="0" cy="0"/>
         </a:xfrm>
       </p:grpSpPr>
-      <p:pic>
-        <p:nvPicPr>
-          <p:cNvPr id="7" name="Immagine 6">
-            <a:extLst>
-              <a:ext uri="{FF2B5EF4-FFF2-40B4-BE49-F238E27FC236}">
-                <a16:creationId xmlns:a16="http://schemas.microsoft.com/office/drawing/2014/main" id="{FCD1C28A-055B-1E4F-B551-82B60DEFB9D1}"/>
-              </a:ext>
-            </a:extLst>
-          </p:cNvPr>
-          <p:cNvPicPr>
-            <a:picLocks noChangeAspect="1"/>
-          </p:cNvPicPr>
-          <p:nvPr/>
-        </p:nvPicPr>
-        <p:blipFill>
-          <a:blip r:embed="rId2"/>
-          <a:stretch>
-            <a:fillRect/>
-          </a:stretch>
-        </p:blipFill>
-        <p:spPr>
-          <a:xfrm>
-            <a:off x="8322678" y="2839170"/>
-            <a:ext cx="2833477" cy="544263"/>
-          </a:xfrm>
-          <a:prstGeom prst="rect">
-            <a:avLst/>
-          </a:prstGeom>
-        </p:spPr>
-      </p:pic>
       <p:sp>
         <p:nvSpPr>
           <p:cNvPr id="8" name="Titolo 1">
@@ -6703,14 +8057,14 @@
           <p:nvPr/>
         </p:nvPicPr>
         <p:blipFill>
-          <a:blip r:embed="rId3"/>
+          <a:blip r:embed="rId2"/>
           <a:stretch>
             <a:fillRect/>
           </a:stretch>
         </p:blipFill>
         <p:spPr>
           <a:xfrm>
-            <a:off x="8810836" y="1303867"/>
+            <a:off x="8810837" y="1475623"/>
             <a:ext cx="1857163" cy="1396471"/>
           </a:xfrm>
           <a:prstGeom prst="rect">
@@ -6766,8 +8120,8 @@
         </p:nvSpPr>
         <p:spPr>
           <a:xfrm>
-            <a:off x="1141412" y="2826904"/>
-            <a:ext cx="6670416" cy="461665"/>
+            <a:off x="1141412" y="3897964"/>
+            <a:ext cx="6636176" cy="738664"/>
           </a:xfrm>
           <a:prstGeom prst="rect">
             <a:avLst/>
@@ -6784,6 +8138,17 @@
               <a:t>MATRICE DELLE FORZE CENTRIFUGHE E DI CORIOLIS</a:t>
             </a:r>
           </a:p>
+          <a:p>
+            <a:r>
+              <a:rPr lang="it-IT" dirty="0"/>
+              <a:t>Calcolata mediante i simboli di </a:t>
+            </a:r>
+            <a:r>
+              <a:rPr lang="it-IT" dirty="0" err="1"/>
+              <a:t>Christoffel</a:t>
+            </a:r>
+            <a:endParaRPr lang="it-IT" dirty="0"/>
+          </a:p>
         </p:txBody>
       </p:sp>
       <p:sp>
@@ -6800,7 +8165,7 @@
         </p:nvSpPr>
         <p:spPr>
           <a:xfrm>
-            <a:off x="1141412" y="4342669"/>
+            <a:off x="1141412" y="5041892"/>
             <a:ext cx="3577005" cy="461665"/>
           </a:xfrm>
           <a:prstGeom prst="rect">
@@ -6820,10 +8185,565 @@
           </a:p>
         </p:txBody>
       </p:sp>
+      <p:sp>
+        <p:nvSpPr>
+          <p:cNvPr id="2" name="CasellaDiTesto 1">
+            <a:extLst>
+              <a:ext uri="{FF2B5EF4-FFF2-40B4-BE49-F238E27FC236}">
+                <a16:creationId xmlns:a16="http://schemas.microsoft.com/office/drawing/2014/main" id="{7C1FF8A7-B5F5-0E47-B33D-B3C64C0495E6}"/>
+              </a:ext>
+            </a:extLst>
+          </p:cNvPr>
+          <p:cNvSpPr txBox="1"/>
+          <p:nvPr/>
+        </p:nvSpPr>
+        <p:spPr>
+          <a:xfrm>
+            <a:off x="1141413" y="1738374"/>
+            <a:ext cx="6670416" cy="1754326"/>
+          </a:xfrm>
+          <a:prstGeom prst="rect">
+            <a:avLst/>
+          </a:prstGeom>
+          <a:noFill/>
+        </p:spPr>
+        <p:txBody>
+          <a:bodyPr wrap="square" rtlCol="0">
+            <a:spAutoFit/>
+          </a:bodyPr>
+          <a:lstStyle/>
+          <a:p>
+            <a:r>
+              <a:rPr lang="it-IT" dirty="0"/>
+              <a:t>B = (m(1)*(JpG1')*JpG1 + (JgG1')*rG1*</a:t>
+            </a:r>
+            <a:r>
+              <a:rPr lang="it-IT" dirty="0" err="1"/>
+              <a:t>I_f</a:t>
+            </a:r>
+            <a:r>
+              <a:rPr lang="it-IT" dirty="0"/>
+              <a:t>(m(1),d(1))*(rG1')*JgG1+...</a:t>
+            </a:r>
+          </a:p>
+          <a:p>
+            <a:r>
+              <a:rPr lang="it-IT" dirty="0"/>
+              <a:t>        m(2)*(JpG2')*JpG2 + (JgG2')*rG2*</a:t>
+            </a:r>
+            <a:r>
+              <a:rPr lang="it-IT" dirty="0" err="1"/>
+              <a:t>I_f</a:t>
+            </a:r>
+            <a:r>
+              <a:rPr lang="it-IT" dirty="0"/>
+              <a:t>(m(2),d(2))*(rG2')*JgG2+...</a:t>
+            </a:r>
+          </a:p>
+          <a:p>
+            <a:r>
+              <a:rPr lang="it-IT" dirty="0"/>
+              <a:t>        m(3)*(JpG3')*JpG3 + (JgG3')*rG3*</a:t>
+            </a:r>
+            <a:r>
+              <a:rPr lang="it-IT" dirty="0" err="1"/>
+              <a:t>I_f</a:t>
+            </a:r>
+            <a:r>
+              <a:rPr lang="it-IT" dirty="0"/>
+              <a:t>(m(3),</a:t>
+            </a:r>
+            <a:r>
+              <a:rPr lang="it-IT" dirty="0" err="1"/>
+              <a:t>q</a:t>
+            </a:r>
+            <a:r>
+              <a:rPr lang="it-IT" dirty="0"/>
+              <a:t>(3))*(rG3')*JgG3+...</a:t>
+            </a:r>
+          </a:p>
+          <a:p>
+            <a:r>
+              <a:rPr lang="it-IT" dirty="0"/>
+              <a:t>        m(4)*(JpG4')*JpG4 + (JgG4')*rG4*</a:t>
+            </a:r>
+            <a:r>
+              <a:rPr lang="it-IT" dirty="0" err="1"/>
+              <a:t>I_f</a:t>
+            </a:r>
+            <a:r>
+              <a:rPr lang="it-IT" dirty="0"/>
+              <a:t>(m(4),d(4))*(rG4')*JgG4+...</a:t>
+            </a:r>
+          </a:p>
+          <a:p>
+            <a:r>
+              <a:rPr lang="it-IT" dirty="0"/>
+              <a:t>        m(5)*(JpG5')*JpG5 + (JgG5')*rG5*</a:t>
+            </a:r>
+            <a:r>
+              <a:rPr lang="it-IT" dirty="0" err="1"/>
+              <a:t>I_f</a:t>
+            </a:r>
+            <a:r>
+              <a:rPr lang="it-IT" dirty="0"/>
+              <a:t>(m(5),d(5))*(rG5')*JgG5+...</a:t>
+            </a:r>
+          </a:p>
+          <a:p>
+            <a:r>
+              <a:rPr lang="it-IT" dirty="0"/>
+              <a:t>        m(6)*(JpG6')*JpG6 + (JgG6')*rG6*</a:t>
+            </a:r>
+            <a:r>
+              <a:rPr lang="it-IT" dirty="0" err="1"/>
+              <a:t>I_f</a:t>
+            </a:r>
+            <a:r>
+              <a:rPr lang="it-IT" dirty="0"/>
+              <a:t>(m(6),d(6))*(rG6')*JgG6);</a:t>
+            </a:r>
+          </a:p>
+        </p:txBody>
+      </p:sp>
+      <p:pic>
+        <p:nvPicPr>
+          <p:cNvPr id="4" name="Immagine 3">
+            <a:extLst>
+              <a:ext uri="{FF2B5EF4-FFF2-40B4-BE49-F238E27FC236}">
+                <a16:creationId xmlns:a16="http://schemas.microsoft.com/office/drawing/2014/main" id="{A28CE846-ED14-5A40-8560-BF636CF84E8A}"/>
+              </a:ext>
+            </a:extLst>
+          </p:cNvPr>
+          <p:cNvPicPr>
+            <a:picLocks noChangeAspect="1"/>
+          </p:cNvPicPr>
+          <p:nvPr/>
+        </p:nvPicPr>
+        <p:blipFill>
+          <a:blip r:embed="rId3"/>
+          <a:stretch>
+            <a:fillRect/>
+          </a:stretch>
+        </p:blipFill>
+        <p:spPr>
+          <a:xfrm>
+            <a:off x="7777588" y="3541615"/>
+            <a:ext cx="1714500" cy="825500"/>
+          </a:xfrm>
+          <a:prstGeom prst="rect">
+            <a:avLst/>
+          </a:prstGeom>
+        </p:spPr>
+      </p:pic>
+      <p:pic>
+        <p:nvPicPr>
+          <p:cNvPr id="12" name="Immagine 11">
+            <a:extLst>
+              <a:ext uri="{FF2B5EF4-FFF2-40B4-BE49-F238E27FC236}">
+                <a16:creationId xmlns:a16="http://schemas.microsoft.com/office/drawing/2014/main" id="{6BBF06A4-E6BF-8E46-A95C-164376A4832C}"/>
+              </a:ext>
+            </a:extLst>
+          </p:cNvPr>
+          <p:cNvPicPr>
+            <a:picLocks noChangeAspect="1"/>
+          </p:cNvPicPr>
+          <p:nvPr/>
+        </p:nvPicPr>
+        <p:blipFill>
+          <a:blip r:embed="rId4"/>
+          <a:stretch>
+            <a:fillRect/>
+          </a:stretch>
+        </p:blipFill>
+        <p:spPr>
+          <a:xfrm>
+            <a:off x="7803355" y="4359629"/>
+            <a:ext cx="3352800" cy="825500"/>
+          </a:xfrm>
+          <a:prstGeom prst="rect">
+            <a:avLst/>
+          </a:prstGeom>
+        </p:spPr>
+      </p:pic>
+      <p:sp>
+        <p:nvSpPr>
+          <p:cNvPr id="13" name="Rettangolo 12">
+            <a:extLst>
+              <a:ext uri="{FF2B5EF4-FFF2-40B4-BE49-F238E27FC236}">
+                <a16:creationId xmlns:a16="http://schemas.microsoft.com/office/drawing/2014/main" id="{E2AE1785-B718-D643-8D8E-2B6528DBC955}"/>
+              </a:ext>
+            </a:extLst>
+          </p:cNvPr>
+          <p:cNvSpPr/>
+          <p:nvPr/>
+        </p:nvSpPr>
+        <p:spPr>
+          <a:xfrm>
+            <a:off x="1141412" y="5503557"/>
+            <a:ext cx="7712302" cy="646331"/>
+          </a:xfrm>
+          <a:prstGeom prst="rect">
+            <a:avLst/>
+          </a:prstGeom>
+        </p:spPr>
+        <p:txBody>
+          <a:bodyPr wrap="square">
+            <a:spAutoFit/>
+          </a:bodyPr>
+          <a:lstStyle/>
+          <a:p>
+            <a:r>
+              <a:rPr lang="it-IT" dirty="0"/>
+              <a:t>G = -(m(1)*(JpG1')*g0 + m(2)*(JpG2')*g0 + m(3)*(JpG3')*g0 +... </a:t>
+            </a:r>
+          </a:p>
+          <a:p>
+            <a:r>
+              <a:rPr lang="it-IT" dirty="0"/>
+              <a:t>          m(4)*(JpG4')*g0 + m(5)*(JpG5')*g0 + m(6)*(JpG6')*g0);</a:t>
+            </a:r>
+          </a:p>
+        </p:txBody>
+      </p:sp>
     </p:spTree>
     <p:extLst>
       <p:ext uri="{BB962C8B-B14F-4D97-AF65-F5344CB8AC3E}">
         <p14:creationId xmlns:p14="http://schemas.microsoft.com/office/powerpoint/2010/main" val="1942568303"/>
+      </p:ext>
+    </p:extLst>
+  </p:cSld>
+  <p:clrMapOvr>
+    <a:masterClrMapping/>
+  </p:clrMapOvr>
+</p:sld>
+</file>
+
+<file path=ppt/slides/slide8.xml><?xml version="1.0" encoding="utf-8"?>
+<p:sld xmlns:a="http://schemas.openxmlformats.org/drawingml/2006/main" xmlns:r="http://schemas.openxmlformats.org/officeDocument/2006/relationships" xmlns:p="http://schemas.openxmlformats.org/presentationml/2006/main">
+  <p:cSld>
+    <p:spTree>
+      <p:nvGrpSpPr>
+        <p:cNvPr id="1" name=""/>
+        <p:cNvGrpSpPr/>
+        <p:nvPr/>
+      </p:nvGrpSpPr>
+      <p:grpSpPr>
+        <a:xfrm>
+          <a:off x="0" y="0"/>
+          <a:ext cx="0" cy="0"/>
+          <a:chOff x="0" y="0"/>
+          <a:chExt cx="0" cy="0"/>
+        </a:xfrm>
+      </p:grpSpPr>
+      <p:sp>
+        <p:nvSpPr>
+          <p:cNvPr id="5" name="Titolo 1">
+            <a:extLst>
+              <a:ext uri="{FF2B5EF4-FFF2-40B4-BE49-F238E27FC236}">
+                <a16:creationId xmlns:a16="http://schemas.microsoft.com/office/drawing/2014/main" id="{719936BE-0F9D-C74E-9E55-A7F2CE751F93}"/>
+              </a:ext>
+            </a:extLst>
+          </p:cNvPr>
+          <p:cNvSpPr txBox="1">
+            <a:spLocks/>
+          </p:cNvSpPr>
+          <p:nvPr/>
+        </p:nvSpPr>
+        <p:spPr>
+          <a:xfrm>
+            <a:off x="1524000" y="454393"/>
+            <a:ext cx="9144000" cy="1021230"/>
+          </a:xfrm>
+          <a:prstGeom prst="rect">
+            <a:avLst/>
+          </a:prstGeom>
+        </p:spPr>
+        <p:txBody>
+          <a:bodyPr vert="horz" lIns="91440" tIns="45720" rIns="91440" bIns="45720" rtlCol="0" anchor="ctr">
+            <a:normAutofit fontScale="85000" lnSpcReduction="20000"/>
+          </a:bodyPr>
+          <a:lstStyle>
+            <a:lvl1pPr algn="l" defTabSz="914400" rtl="0" eaLnBrk="1" latinLnBrk="0" hangingPunct="1">
+              <a:lnSpc>
+                <a:spcPct val="90000"/>
+              </a:lnSpc>
+              <a:spcBef>
+                <a:spcPct val="0"/>
+              </a:spcBef>
+              <a:buNone/>
+              <a:defRPr sz="4400" kern="1200">
+                <a:solidFill>
+                  <a:schemeClr val="tx1"/>
+                </a:solidFill>
+                <a:latin typeface="+mj-lt"/>
+                <a:ea typeface="+mj-ea"/>
+                <a:cs typeface="+mj-cs"/>
+              </a:defRPr>
+            </a:lvl1pPr>
+          </a:lstStyle>
+          <a:p>
+            <a:pPr algn="ctr"/>
+            <a:r>
+              <a:rPr lang="it-IT" sz="5200" dirty="0"/>
+              <a:t>Manipolatore di Stanford</a:t>
+            </a:r>
+          </a:p>
+          <a:p>
+            <a:pPr algn="ctr"/>
+            <a:r>
+              <a:rPr lang="it-IT" sz="3800" dirty="0"/>
+              <a:t>Controllore PD con compensazione di Gravità</a:t>
+            </a:r>
+          </a:p>
+        </p:txBody>
+      </p:sp>
+      <p:pic>
+        <p:nvPicPr>
+          <p:cNvPr id="13" name="Immagine 12">
+            <a:extLst>
+              <a:ext uri="{FF2B5EF4-FFF2-40B4-BE49-F238E27FC236}">
+                <a16:creationId xmlns:a16="http://schemas.microsoft.com/office/drawing/2014/main" id="{BD5E09ED-0160-4F47-9FC0-A9802CBFCD7E}"/>
+              </a:ext>
+            </a:extLst>
+          </p:cNvPr>
+          <p:cNvPicPr>
+            <a:picLocks noChangeAspect="1"/>
+          </p:cNvPicPr>
+          <p:nvPr/>
+        </p:nvPicPr>
+        <p:blipFill>
+          <a:blip r:embed="rId2"/>
+          <a:stretch>
+            <a:fillRect/>
+          </a:stretch>
+        </p:blipFill>
+        <p:spPr>
+          <a:xfrm>
+            <a:off x="3644900" y="2590956"/>
+            <a:ext cx="4902200" cy="1625600"/>
+          </a:xfrm>
+          <a:prstGeom prst="rect">
+            <a:avLst/>
+          </a:prstGeom>
+        </p:spPr>
+      </p:pic>
+      <p:pic>
+        <p:nvPicPr>
+          <p:cNvPr id="15" name="Immagine 14">
+            <a:extLst>
+              <a:ext uri="{FF2B5EF4-FFF2-40B4-BE49-F238E27FC236}">
+                <a16:creationId xmlns:a16="http://schemas.microsoft.com/office/drawing/2014/main" id="{B8514C22-0A0C-9242-ADDB-3BD1FFA1A715}"/>
+              </a:ext>
+            </a:extLst>
+          </p:cNvPr>
+          <p:cNvPicPr>
+            <a:picLocks noChangeAspect="1"/>
+          </p:cNvPicPr>
+          <p:nvPr/>
+        </p:nvPicPr>
+        <p:blipFill>
+          <a:blip r:embed="rId3"/>
+          <a:stretch>
+            <a:fillRect/>
+          </a:stretch>
+        </p:blipFill>
+        <p:spPr>
+          <a:xfrm>
+            <a:off x="4013200" y="4445118"/>
+            <a:ext cx="4165600" cy="1638300"/>
+          </a:xfrm>
+          <a:prstGeom prst="rect">
+            <a:avLst/>
+          </a:prstGeom>
+        </p:spPr>
+      </p:pic>
+      <p:pic>
+        <p:nvPicPr>
+          <p:cNvPr id="22" name="Immagine 21">
+            <a:extLst>
+              <a:ext uri="{FF2B5EF4-FFF2-40B4-BE49-F238E27FC236}">
+                <a16:creationId xmlns:a16="http://schemas.microsoft.com/office/drawing/2014/main" id="{92C4A989-E900-0A41-8AF0-3A74BCA2264C}"/>
+              </a:ext>
+            </a:extLst>
+          </p:cNvPr>
+          <p:cNvPicPr>
+            <a:picLocks noChangeAspect="1"/>
+          </p:cNvPicPr>
+          <p:nvPr/>
+        </p:nvPicPr>
+        <p:blipFill>
+          <a:blip r:embed="rId4"/>
+          <a:stretch>
+            <a:fillRect/>
+          </a:stretch>
+        </p:blipFill>
+        <p:spPr>
+          <a:xfrm>
+            <a:off x="4096657" y="1624541"/>
+            <a:ext cx="3998686" cy="737853"/>
+          </a:xfrm>
+          <a:prstGeom prst="rect">
+            <a:avLst/>
+          </a:prstGeom>
+        </p:spPr>
+      </p:pic>
+    </p:spTree>
+    <p:extLst>
+      <p:ext uri="{BB962C8B-B14F-4D97-AF65-F5344CB8AC3E}">
+        <p14:creationId xmlns:p14="http://schemas.microsoft.com/office/powerpoint/2010/main" val="2858614199"/>
+      </p:ext>
+    </p:extLst>
+  </p:cSld>
+  <p:clrMapOvr>
+    <a:masterClrMapping/>
+  </p:clrMapOvr>
+</p:sld>
+</file>
+
+<file path=ppt/slides/slide9.xml><?xml version="1.0" encoding="utf-8"?>
+<p:sld xmlns:a="http://schemas.openxmlformats.org/drawingml/2006/main" xmlns:r="http://schemas.openxmlformats.org/officeDocument/2006/relationships" xmlns:p="http://schemas.openxmlformats.org/presentationml/2006/main">
+  <p:cSld>
+    <p:spTree>
+      <p:nvGrpSpPr>
+        <p:cNvPr id="1" name=""/>
+        <p:cNvGrpSpPr/>
+        <p:nvPr/>
+      </p:nvGrpSpPr>
+      <p:grpSpPr>
+        <a:xfrm>
+          <a:off x="0" y="0"/>
+          <a:ext cx="0" cy="0"/>
+          <a:chOff x="0" y="0"/>
+          <a:chExt cx="0" cy="0"/>
+        </a:xfrm>
+      </p:grpSpPr>
+      <p:sp>
+        <p:nvSpPr>
+          <p:cNvPr id="5" name="Titolo 1">
+            <a:extLst>
+              <a:ext uri="{FF2B5EF4-FFF2-40B4-BE49-F238E27FC236}">
+                <a16:creationId xmlns:a16="http://schemas.microsoft.com/office/drawing/2014/main" id="{719936BE-0F9D-C74E-9E55-A7F2CE751F93}"/>
+              </a:ext>
+            </a:extLst>
+          </p:cNvPr>
+          <p:cNvSpPr txBox="1">
+            <a:spLocks/>
+          </p:cNvSpPr>
+          <p:nvPr/>
+        </p:nvSpPr>
+        <p:spPr>
+          <a:xfrm>
+            <a:off x="1524000" y="454393"/>
+            <a:ext cx="9144000" cy="1021230"/>
+          </a:xfrm>
+          <a:prstGeom prst="rect">
+            <a:avLst/>
+          </a:prstGeom>
+        </p:spPr>
+        <p:txBody>
+          <a:bodyPr vert="horz" lIns="91440" tIns="45720" rIns="91440" bIns="45720" rtlCol="0" anchor="ctr">
+            <a:normAutofit fontScale="85000" lnSpcReduction="20000"/>
+          </a:bodyPr>
+          <a:lstStyle>
+            <a:lvl1pPr algn="l" defTabSz="914400" rtl="0" eaLnBrk="1" latinLnBrk="0" hangingPunct="1">
+              <a:lnSpc>
+                <a:spcPct val="90000"/>
+              </a:lnSpc>
+              <a:spcBef>
+                <a:spcPct val="0"/>
+              </a:spcBef>
+              <a:buNone/>
+              <a:defRPr sz="4400" kern="1200">
+                <a:solidFill>
+                  <a:schemeClr val="tx1"/>
+                </a:solidFill>
+                <a:latin typeface="+mj-lt"/>
+                <a:ea typeface="+mj-ea"/>
+                <a:cs typeface="+mj-cs"/>
+              </a:defRPr>
+            </a:lvl1pPr>
+          </a:lstStyle>
+          <a:p>
+            <a:pPr algn="ctr"/>
+            <a:r>
+              <a:rPr lang="it-IT" sz="5200" dirty="0"/>
+              <a:t>Manipolatore di Stanford</a:t>
+            </a:r>
+          </a:p>
+          <a:p>
+            <a:pPr algn="ctr"/>
+            <a:r>
+              <a:rPr lang="it-IT" sz="3800" dirty="0"/>
+              <a:t>Controllore PD con compensazione di Gravità</a:t>
+            </a:r>
+          </a:p>
+        </p:txBody>
+      </p:sp>
+      <p:pic>
+        <p:nvPicPr>
+          <p:cNvPr id="20" name="Immagine 19">
+            <a:extLst>
+              <a:ext uri="{FF2B5EF4-FFF2-40B4-BE49-F238E27FC236}">
+                <a16:creationId xmlns:a16="http://schemas.microsoft.com/office/drawing/2014/main" id="{17F55AAC-EBA3-0242-A102-B9C145469364}"/>
+              </a:ext>
+            </a:extLst>
+          </p:cNvPr>
+          <p:cNvPicPr>
+            <a:picLocks noChangeAspect="1"/>
+          </p:cNvPicPr>
+          <p:nvPr/>
+        </p:nvPicPr>
+        <p:blipFill>
+          <a:blip r:embed="rId2"/>
+          <a:stretch>
+            <a:fillRect/>
+          </a:stretch>
+        </p:blipFill>
+        <p:spPr>
+          <a:xfrm>
+            <a:off x="377372" y="1475623"/>
+            <a:ext cx="5689600" cy="4267200"/>
+          </a:xfrm>
+          <a:prstGeom prst="rect">
+            <a:avLst/>
+          </a:prstGeom>
+        </p:spPr>
+      </p:pic>
+      <p:pic>
+        <p:nvPicPr>
+          <p:cNvPr id="6" name="Immagine 5">
+            <a:extLst>
+              <a:ext uri="{FF2B5EF4-FFF2-40B4-BE49-F238E27FC236}">
+                <a16:creationId xmlns:a16="http://schemas.microsoft.com/office/drawing/2014/main" id="{811AE29F-5FA5-2D4A-83F6-7DC2ABA11527}"/>
+              </a:ext>
+            </a:extLst>
+          </p:cNvPr>
+          <p:cNvPicPr>
+            <a:picLocks noChangeAspect="1"/>
+          </p:cNvPicPr>
+          <p:nvPr/>
+        </p:nvPicPr>
+        <p:blipFill>
+          <a:blip r:embed="rId3"/>
+          <a:stretch>
+            <a:fillRect/>
+          </a:stretch>
+        </p:blipFill>
+        <p:spPr>
+          <a:xfrm>
+            <a:off x="6066972" y="1475623"/>
+            <a:ext cx="5689600" cy="4267200"/>
+          </a:xfrm>
+          <a:prstGeom prst="rect">
+            <a:avLst/>
+          </a:prstGeom>
+        </p:spPr>
+      </p:pic>
+    </p:spTree>
+    <p:extLst>
+      <p:ext uri="{BB962C8B-B14F-4D97-AF65-F5344CB8AC3E}">
+        <p14:creationId xmlns:p14="http://schemas.microsoft.com/office/powerpoint/2010/main" val="3750274392"/>
       </p:ext>
     </p:extLst>
   </p:cSld>

--- a/Relazione/Presentazione.pptx
+++ b/Relazione/Presentazione.pptx
@@ -13,12 +13,15 @@
     <p:sldId id="261" r:id="rId7"/>
     <p:sldId id="262" r:id="rId8"/>
     <p:sldId id="263" r:id="rId9"/>
-    <p:sldId id="265" r:id="rId10"/>
-    <p:sldId id="264" r:id="rId11"/>
-    <p:sldId id="266" r:id="rId12"/>
-    <p:sldId id="267" r:id="rId13"/>
-    <p:sldId id="268" r:id="rId14"/>
-    <p:sldId id="269" r:id="rId15"/>
+    <p:sldId id="270" r:id="rId10"/>
+    <p:sldId id="265" r:id="rId11"/>
+    <p:sldId id="264" r:id="rId12"/>
+    <p:sldId id="271" r:id="rId13"/>
+    <p:sldId id="266" r:id="rId14"/>
+    <p:sldId id="272" r:id="rId15"/>
+    <p:sldId id="267" r:id="rId16"/>
+    <p:sldId id="268" r:id="rId17"/>
+    <p:sldId id="269" r:id="rId18"/>
   </p:sldIdLst>
   <p:sldSz cx="12192000" cy="6858000"/>
   <p:notesSz cx="6858000" cy="9144000"/>
@@ -272,7 +275,7 @@
           <a:p>
             <a:fld id="{27153579-3A4D-BB42-BD49-BB0F80A81A61}" type="datetimeFigureOut">
               <a:rPr lang="it-IT" smtClean="0"/>
-              <a:t>07/05/21</a:t>
+              <a:t>12/06/21</a:t>
             </a:fld>
             <a:endParaRPr lang="it-IT"/>
           </a:p>
@@ -445,7 +448,7 @@
           <a:p>
             <a:fld id="{27153579-3A4D-BB42-BD49-BB0F80A81A61}" type="datetimeFigureOut">
               <a:rPr lang="it-IT" smtClean="0"/>
-              <a:t>07/05/21</a:t>
+              <a:t>12/06/21</a:t>
             </a:fld>
             <a:endParaRPr lang="it-IT"/>
           </a:p>
@@ -628,7 +631,7 @@
           <a:p>
             <a:fld id="{27153579-3A4D-BB42-BD49-BB0F80A81A61}" type="datetimeFigureOut">
               <a:rPr lang="it-IT" smtClean="0"/>
-              <a:t>07/05/21</a:t>
+              <a:t>12/06/21</a:t>
             </a:fld>
             <a:endParaRPr lang="it-IT"/>
           </a:p>
@@ -801,7 +804,7 @@
           <a:p>
             <a:fld id="{27153579-3A4D-BB42-BD49-BB0F80A81A61}" type="datetimeFigureOut">
               <a:rPr lang="it-IT" smtClean="0"/>
-              <a:t>07/05/21</a:t>
+              <a:t>12/06/21</a:t>
             </a:fld>
             <a:endParaRPr lang="it-IT"/>
           </a:p>
@@ -1079,7 +1082,7 @@
           <a:p>
             <a:fld id="{27153579-3A4D-BB42-BD49-BB0F80A81A61}" type="datetimeFigureOut">
               <a:rPr lang="it-IT" smtClean="0"/>
-              <a:t>07/05/21</a:t>
+              <a:t>12/06/21</a:t>
             </a:fld>
             <a:endParaRPr lang="it-IT"/>
           </a:p>
@@ -1294,7 +1297,7 @@
           <a:p>
             <a:fld id="{27153579-3A4D-BB42-BD49-BB0F80A81A61}" type="datetimeFigureOut">
               <a:rPr lang="it-IT" smtClean="0"/>
-              <a:t>07/05/21</a:t>
+              <a:t>12/06/21</a:t>
             </a:fld>
             <a:endParaRPr lang="it-IT"/>
           </a:p>
@@ -1662,7 +1665,7 @@
           <a:p>
             <a:fld id="{27153579-3A4D-BB42-BD49-BB0F80A81A61}" type="datetimeFigureOut">
               <a:rPr lang="it-IT" smtClean="0"/>
-              <a:t>07/05/21</a:t>
+              <a:t>12/06/21</a:t>
             </a:fld>
             <a:endParaRPr lang="it-IT"/>
           </a:p>
@@ -1803,7 +1806,7 @@
           <a:p>
             <a:fld id="{27153579-3A4D-BB42-BD49-BB0F80A81A61}" type="datetimeFigureOut">
               <a:rPr lang="it-IT" smtClean="0"/>
-              <a:t>07/05/21</a:t>
+              <a:t>12/06/21</a:t>
             </a:fld>
             <a:endParaRPr lang="it-IT"/>
           </a:p>
@@ -1916,7 +1919,7 @@
           <a:p>
             <a:fld id="{27153579-3A4D-BB42-BD49-BB0F80A81A61}" type="datetimeFigureOut">
               <a:rPr lang="it-IT" smtClean="0"/>
-              <a:t>07/05/21</a:t>
+              <a:t>12/06/21</a:t>
             </a:fld>
             <a:endParaRPr lang="it-IT"/>
           </a:p>
@@ -2205,7 +2208,7 @@
           <a:p>
             <a:fld id="{27153579-3A4D-BB42-BD49-BB0F80A81A61}" type="datetimeFigureOut">
               <a:rPr lang="it-IT" smtClean="0"/>
-              <a:t>07/05/21</a:t>
+              <a:t>12/06/21</a:t>
             </a:fld>
             <a:endParaRPr lang="it-IT"/>
           </a:p>
@@ -2496,7 +2499,7 @@
           <a:p>
             <a:fld id="{27153579-3A4D-BB42-BD49-BB0F80A81A61}" type="datetimeFigureOut">
               <a:rPr lang="it-IT" smtClean="0"/>
-              <a:t>07/05/21</a:t>
+              <a:t>12/06/21</a:t>
             </a:fld>
             <a:endParaRPr lang="it-IT"/>
           </a:p>
@@ -2712,7 +2715,7 @@
           <a:p>
             <a:fld id="{27153579-3A4D-BB42-BD49-BB0F80A81A61}" type="datetimeFigureOut">
               <a:rPr lang="it-IT" smtClean="0"/>
-              <a:t>07/05/21</a:t>
+              <a:t>12/06/21</a:t>
             </a:fld>
             <a:endParaRPr lang="it-IT"/>
           </a:p>
@@ -3375,25 +3378,17 @@
             <a:pPr algn="ctr"/>
             <a:r>
               <a:rPr lang="it-IT" sz="3800" dirty="0"/>
-              <a:t>Controllore </a:t>
-            </a:r>
-            <a:r>
-              <a:rPr lang="it-IT" sz="3800" dirty="0" err="1"/>
-              <a:t>Computed</a:t>
-            </a:r>
-            <a:r>
-              <a:rPr lang="it-IT" sz="3800" dirty="0"/>
-              <a:t> Torque</a:t>
+              <a:t>Controllore PD con compensazione di Gravità</a:t>
             </a:r>
           </a:p>
         </p:txBody>
       </p:sp>
       <p:pic>
         <p:nvPicPr>
-          <p:cNvPr id="9" name="Immagine 8">
-            <a:extLst>
-              <a:ext uri="{FF2B5EF4-FFF2-40B4-BE49-F238E27FC236}">
-                <a16:creationId xmlns:a16="http://schemas.microsoft.com/office/drawing/2014/main" id="{F7A71DD2-F7BC-284D-90F5-865CBE457982}"/>
+          <p:cNvPr id="3" name="Immagine 2">
+            <a:extLst>
+              <a:ext uri="{FF2B5EF4-FFF2-40B4-BE49-F238E27FC236}">
+                <a16:creationId xmlns:a16="http://schemas.microsoft.com/office/drawing/2014/main" id="{70DB6C7E-A68A-6344-B0BC-CF646BD69349}"/>
               </a:ext>
             </a:extLst>
           </p:cNvPr>
@@ -3410,8 +3405,8 @@
         </p:blipFill>
         <p:spPr>
           <a:xfrm>
-            <a:off x="1900641" y="1475623"/>
-            <a:ext cx="7810137" cy="861177"/>
+            <a:off x="203200" y="1741714"/>
+            <a:ext cx="5689600" cy="4267200"/>
           </a:xfrm>
           <a:prstGeom prst="rect">
             <a:avLst/>
@@ -3420,10 +3415,10 @@
       </p:pic>
       <p:pic>
         <p:nvPicPr>
-          <p:cNvPr id="6" name="Immagine 5">
-            <a:extLst>
-              <a:ext uri="{FF2B5EF4-FFF2-40B4-BE49-F238E27FC236}">
-                <a16:creationId xmlns:a16="http://schemas.microsoft.com/office/drawing/2014/main" id="{3ADB51CA-0300-7442-8021-7E423033578D}"/>
+          <p:cNvPr id="7" name="Immagine 6">
+            <a:extLst>
+              <a:ext uri="{FF2B5EF4-FFF2-40B4-BE49-F238E27FC236}">
+                <a16:creationId xmlns:a16="http://schemas.microsoft.com/office/drawing/2014/main" id="{C370E994-B618-D842-B324-EEF646982D19}"/>
               </a:ext>
             </a:extLst>
           </p:cNvPr>
@@ -3440,38 +3435,8 @@
         </p:blipFill>
         <p:spPr>
           <a:xfrm>
-            <a:off x="2686529" y="2496853"/>
-            <a:ext cx="6238364" cy="1592774"/>
-          </a:xfrm>
-          <a:prstGeom prst="rect">
-            <a:avLst/>
-          </a:prstGeom>
-        </p:spPr>
-      </p:pic>
-      <p:pic>
-        <p:nvPicPr>
-          <p:cNvPr id="8" name="Immagine 7">
-            <a:extLst>
-              <a:ext uri="{FF2B5EF4-FFF2-40B4-BE49-F238E27FC236}">
-                <a16:creationId xmlns:a16="http://schemas.microsoft.com/office/drawing/2014/main" id="{43E691A7-EB72-354B-B079-B48A28130907}"/>
-              </a:ext>
-            </a:extLst>
-          </p:cNvPr>
-          <p:cNvPicPr>
-            <a:picLocks noChangeAspect="1"/>
-          </p:cNvPicPr>
-          <p:nvPr/>
-        </p:nvPicPr>
-        <p:blipFill>
-          <a:blip r:embed="rId4"/>
-          <a:stretch>
-            <a:fillRect/>
-          </a:stretch>
-        </p:blipFill>
-        <p:spPr>
-          <a:xfrm>
-            <a:off x="2747642" y="4249680"/>
-            <a:ext cx="6116137" cy="1640295"/>
+            <a:off x="5892800" y="1741714"/>
+            <a:ext cx="5689600" cy="4267200"/>
           </a:xfrm>
           <a:prstGeom prst="rect">
             <a:avLst/>
@@ -3481,7 +3446,7 @@
     </p:spTree>
     <p:extLst>
       <p:ext uri="{BB962C8B-B14F-4D97-AF65-F5344CB8AC3E}">
-        <p14:creationId xmlns:p14="http://schemas.microsoft.com/office/powerpoint/2010/main" val="3049155881"/>
+        <p14:creationId xmlns:p14="http://schemas.microsoft.com/office/powerpoint/2010/main" val="3750274392"/>
       </p:ext>
     </p:extLst>
   </p:cSld>
@@ -3578,42 +3543,523 @@
           </a:p>
         </p:txBody>
       </p:sp>
-      <p:pic>
-        <p:nvPicPr>
-          <p:cNvPr id="16" name="Immagine 15">
-            <a:extLst>
-              <a:ext uri="{FF2B5EF4-FFF2-40B4-BE49-F238E27FC236}">
-                <a16:creationId xmlns:a16="http://schemas.microsoft.com/office/drawing/2014/main" id="{51A10DA4-5C82-3B4C-B6EB-35D753E3E114}"/>
-              </a:ext>
-            </a:extLst>
-          </p:cNvPr>
-          <p:cNvPicPr>
-            <a:picLocks noChangeAspect="1"/>
-          </p:cNvPicPr>
-          <p:nvPr/>
-        </p:nvPicPr>
-        <p:blipFill>
-          <a:blip r:embed="rId2"/>
-          <a:stretch>
-            <a:fillRect/>
-          </a:stretch>
-        </p:blipFill>
-        <p:spPr>
-          <a:xfrm>
-            <a:off x="377372" y="1475623"/>
-            <a:ext cx="5689600" cy="4267200"/>
-          </a:xfrm>
-          <a:prstGeom prst="rect">
-            <a:avLst/>
-          </a:prstGeom>
-        </p:spPr>
-      </p:pic>
+      <mc:AlternateContent xmlns:mc="http://schemas.openxmlformats.org/markup-compatibility/2006">
+        <mc:Choice xmlns:a14="http://schemas.microsoft.com/office/drawing/2010/main" Requires="a14">
+          <p:sp>
+            <p:nvSpPr>
+              <p:cNvPr id="7" name="CasellaDiTesto 6">
+                <a:extLst>
+                  <a:ext uri="{FF2B5EF4-FFF2-40B4-BE49-F238E27FC236}">
+                    <a16:creationId xmlns:a16="http://schemas.microsoft.com/office/drawing/2014/main" id="{551F9BE8-FCCD-D044-96D2-F969D896E9F1}"/>
+                  </a:ext>
+                </a:extLst>
+              </p:cNvPr>
+              <p:cNvSpPr txBox="1"/>
+              <p:nvPr/>
+            </p:nvSpPr>
+            <p:spPr>
+              <a:xfrm>
+                <a:off x="1524000" y="1756229"/>
+                <a:ext cx="3570514" cy="3551806"/>
+              </a:xfrm>
+              <a:prstGeom prst="rect">
+                <a:avLst/>
+              </a:prstGeom>
+              <a:noFill/>
+            </p:spPr>
+            <p:txBody>
+              <a:bodyPr wrap="square" rtlCol="0">
+                <a:spAutoFit/>
+              </a:bodyPr>
+              <a:lstStyle/>
+              <a:p>
+                <a:r>
+                  <a:rPr lang="it-IT" dirty="0"/>
+                  <a:t>A partire dalla posizione iniziale </a:t>
+                </a:r>
+                <a14:m>
+                  <m:oMath xmlns:m="http://schemas.openxmlformats.org/officeDocument/2006/math">
+                    <m:r>
+                      <a:rPr lang="it-IT" b="0" i="1" smtClean="0">
+                        <a:latin typeface="Cambria Math" panose="02040503050406030204" pitchFamily="18" charset="0"/>
+                      </a:rPr>
+                      <m:t>𝑞</m:t>
+                    </m:r>
+                    <m:r>
+                      <a:rPr lang="it-IT" b="0" i="1" baseline="-25000" smtClean="0">
+                        <a:latin typeface="Cambria Math" panose="02040503050406030204" pitchFamily="18" charset="0"/>
+                      </a:rPr>
+                      <m:t>0</m:t>
+                    </m:r>
+                    <m:r>
+                      <a:rPr lang="it-IT" b="0" i="1" smtClean="0">
+                        <a:latin typeface="Cambria Math" panose="02040503050406030204" pitchFamily="18" charset="0"/>
+                      </a:rPr>
+                      <m:t>=</m:t>
+                    </m:r>
+                    <m:d>
+                      <m:dPr>
+                        <m:begChr m:val="["/>
+                        <m:endChr m:val="]"/>
+                        <m:ctrlPr>
+                          <a:rPr lang="it-IT" b="0" i="1" smtClean="0">
+                            <a:latin typeface="Cambria Math" panose="02040503050406030204" pitchFamily="18" charset="0"/>
+                          </a:rPr>
+                        </m:ctrlPr>
+                      </m:dPr>
+                      <m:e>
+                        <m:r>
+                          <a:rPr lang="it-IT" b="0" i="1" smtClean="0">
+                            <a:latin typeface="Cambria Math" panose="02040503050406030204" pitchFamily="18" charset="0"/>
+                          </a:rPr>
+                          <m:t>0,0,0,0,0,0</m:t>
+                        </m:r>
+                      </m:e>
+                    </m:d>
+                    <m:r>
+                      <a:rPr lang="it-IT" b="0" i="1" baseline="30000" smtClean="0">
+                        <a:latin typeface="Cambria Math" panose="02040503050406030204" pitchFamily="18" charset="0"/>
+                      </a:rPr>
+                      <m:t>𝑇</m:t>
+                    </m:r>
+                  </m:oMath>
+                </a14:m>
+                <a:r>
+                  <a:rPr lang="it-IT" dirty="0"/>
+                  <a:t> con velocità iniziale nulla,</a:t>
+                </a:r>
+              </a:p>
+              <a:p>
+                <a:r>
+                  <a:rPr lang="it-IT" dirty="0"/>
+                  <a:t>si desidera raggiungere la posizione finale </a:t>
+                </a:r>
+                <a14:m>
+                  <m:oMath xmlns:m="http://schemas.openxmlformats.org/officeDocument/2006/math">
+                    <m:r>
+                      <a:rPr lang="it-IT" b="0" i="1" smtClean="0">
+                        <a:latin typeface="Cambria Math" panose="02040503050406030204" pitchFamily="18" charset="0"/>
+                      </a:rPr>
+                      <m:t>𝑞</m:t>
+                    </m:r>
+                    <m:r>
+                      <a:rPr lang="it-IT" b="0" i="1" baseline="-25000" smtClean="0">
+                        <a:latin typeface="Cambria Math" panose="02040503050406030204" pitchFamily="18" charset="0"/>
+                      </a:rPr>
+                      <m:t>𝑑</m:t>
+                    </m:r>
+                    <m:r>
+                      <a:rPr lang="it-IT" b="0" i="1" smtClean="0">
+                        <a:latin typeface="Cambria Math" panose="02040503050406030204" pitchFamily="18" charset="0"/>
+                      </a:rPr>
+                      <m:t>=</m:t>
+                    </m:r>
+                    <m:d>
+                      <m:dPr>
+                        <m:begChr m:val="["/>
+                        <m:endChr m:val="]"/>
+                        <m:ctrlPr>
+                          <a:rPr lang="it-IT" b="0" i="1" smtClean="0">
+                            <a:latin typeface="Cambria Math" panose="02040503050406030204" pitchFamily="18" charset="0"/>
+                          </a:rPr>
+                        </m:ctrlPr>
+                      </m:dPr>
+                      <m:e>
+                        <m:r>
+                          <a:rPr lang="it-IT" b="0" i="1" smtClean="0">
+                            <a:latin typeface="Cambria Math" panose="02040503050406030204" pitchFamily="18" charset="0"/>
+                          </a:rPr>
+                          <m:t>−</m:t>
+                        </m:r>
+                        <m:f>
+                          <m:fPr>
+                            <m:ctrlPr>
+                              <a:rPr lang="it-IT" b="0" i="1" smtClean="0">
+                                <a:latin typeface="Cambria Math" panose="02040503050406030204" pitchFamily="18" charset="0"/>
+                              </a:rPr>
+                            </m:ctrlPr>
+                          </m:fPr>
+                          <m:num>
+                            <m:r>
+                              <a:rPr lang="it-IT" b="0" i="1" smtClean="0">
+                                <a:latin typeface="Cambria Math" panose="02040503050406030204" pitchFamily="18" charset="0"/>
+                                <a:ea typeface="Cambria Math" panose="02040503050406030204" pitchFamily="18" charset="0"/>
+                              </a:rPr>
+                              <m:t>𝜋</m:t>
+                            </m:r>
+                          </m:num>
+                          <m:den>
+                            <m:r>
+                              <a:rPr lang="it-IT" b="0" i="1" smtClean="0">
+                                <a:latin typeface="Cambria Math" panose="02040503050406030204" pitchFamily="18" charset="0"/>
+                              </a:rPr>
+                              <m:t>3</m:t>
+                            </m:r>
+                          </m:den>
+                        </m:f>
+                        <m:r>
+                          <a:rPr lang="it-IT" b="0" i="1" smtClean="0">
+                            <a:latin typeface="Cambria Math" panose="02040503050406030204" pitchFamily="18" charset="0"/>
+                          </a:rPr>
+                          <m:t>,</m:t>
+                        </m:r>
+                        <m:f>
+                          <m:fPr>
+                            <m:ctrlPr>
+                              <a:rPr lang="it-IT" i="1">
+                                <a:latin typeface="Cambria Math" panose="02040503050406030204" pitchFamily="18" charset="0"/>
+                              </a:rPr>
+                            </m:ctrlPr>
+                          </m:fPr>
+                          <m:num>
+                            <m:r>
+                              <a:rPr lang="it-IT" i="1">
+                                <a:latin typeface="Cambria Math" panose="02040503050406030204" pitchFamily="18" charset="0"/>
+                                <a:ea typeface="Cambria Math" panose="02040503050406030204" pitchFamily="18" charset="0"/>
+                              </a:rPr>
+                              <m:t>𝜋</m:t>
+                            </m:r>
+                          </m:num>
+                          <m:den>
+                            <m:r>
+                              <a:rPr lang="it-IT" i="1">
+                                <a:latin typeface="Cambria Math" panose="02040503050406030204" pitchFamily="18" charset="0"/>
+                              </a:rPr>
+                              <m:t>3</m:t>
+                            </m:r>
+                          </m:den>
+                        </m:f>
+                        <m:r>
+                          <a:rPr lang="it-IT" b="0" i="1" smtClean="0">
+                            <a:latin typeface="Cambria Math" panose="02040503050406030204" pitchFamily="18" charset="0"/>
+                          </a:rPr>
+                          <m:t>,3,−</m:t>
+                        </m:r>
+                        <m:f>
+                          <m:fPr>
+                            <m:ctrlPr>
+                              <a:rPr lang="it-IT" i="1">
+                                <a:latin typeface="Cambria Math" panose="02040503050406030204" pitchFamily="18" charset="0"/>
+                              </a:rPr>
+                            </m:ctrlPr>
+                          </m:fPr>
+                          <m:num>
+                            <m:r>
+                              <a:rPr lang="it-IT" i="1">
+                                <a:latin typeface="Cambria Math" panose="02040503050406030204" pitchFamily="18" charset="0"/>
+                                <a:ea typeface="Cambria Math" panose="02040503050406030204" pitchFamily="18" charset="0"/>
+                              </a:rPr>
+                              <m:t>𝜋</m:t>
+                            </m:r>
+                          </m:num>
+                          <m:den>
+                            <m:r>
+                              <a:rPr lang="it-IT" i="1">
+                                <a:latin typeface="Cambria Math" panose="02040503050406030204" pitchFamily="18" charset="0"/>
+                              </a:rPr>
+                              <m:t>3</m:t>
+                            </m:r>
+                          </m:den>
+                        </m:f>
+                        <m:r>
+                          <a:rPr lang="it-IT" b="0" i="1" smtClean="0">
+                            <a:latin typeface="Cambria Math" panose="02040503050406030204" pitchFamily="18" charset="0"/>
+                          </a:rPr>
+                          <m:t>,</m:t>
+                        </m:r>
+                        <m:f>
+                          <m:fPr>
+                            <m:ctrlPr>
+                              <a:rPr lang="it-IT" i="1">
+                                <a:latin typeface="Cambria Math" panose="02040503050406030204" pitchFamily="18" charset="0"/>
+                              </a:rPr>
+                            </m:ctrlPr>
+                          </m:fPr>
+                          <m:num>
+                            <m:r>
+                              <a:rPr lang="it-IT" i="1">
+                                <a:latin typeface="Cambria Math" panose="02040503050406030204" pitchFamily="18" charset="0"/>
+                                <a:ea typeface="Cambria Math" panose="02040503050406030204" pitchFamily="18" charset="0"/>
+                              </a:rPr>
+                              <m:t>𝜋</m:t>
+                            </m:r>
+                          </m:num>
+                          <m:den>
+                            <m:r>
+                              <a:rPr lang="it-IT" i="1">
+                                <a:latin typeface="Cambria Math" panose="02040503050406030204" pitchFamily="18" charset="0"/>
+                              </a:rPr>
+                              <m:t>3</m:t>
+                            </m:r>
+                          </m:den>
+                        </m:f>
+                        <m:r>
+                          <a:rPr lang="it-IT" b="0" i="1" smtClean="0">
+                            <a:latin typeface="Cambria Math" panose="02040503050406030204" pitchFamily="18" charset="0"/>
+                          </a:rPr>
+                          <m:t>,</m:t>
+                        </m:r>
+                        <m:f>
+                          <m:fPr>
+                            <m:ctrlPr>
+                              <a:rPr lang="it-IT" i="1">
+                                <a:latin typeface="Cambria Math" panose="02040503050406030204" pitchFamily="18" charset="0"/>
+                              </a:rPr>
+                            </m:ctrlPr>
+                          </m:fPr>
+                          <m:num>
+                            <m:r>
+                              <a:rPr lang="it-IT" i="1">
+                                <a:latin typeface="Cambria Math" panose="02040503050406030204" pitchFamily="18" charset="0"/>
+                                <a:ea typeface="Cambria Math" panose="02040503050406030204" pitchFamily="18" charset="0"/>
+                              </a:rPr>
+                              <m:t>𝜋</m:t>
+                            </m:r>
+                          </m:num>
+                          <m:den>
+                            <m:r>
+                              <a:rPr lang="it-IT" i="1">
+                                <a:latin typeface="Cambria Math" panose="02040503050406030204" pitchFamily="18" charset="0"/>
+                              </a:rPr>
+                              <m:t>3</m:t>
+                            </m:r>
+                          </m:den>
+                        </m:f>
+                      </m:e>
+                    </m:d>
+                    <m:r>
+                      <a:rPr lang="it-IT" b="0" i="1" baseline="30000" smtClean="0">
+                        <a:latin typeface="Cambria Math" panose="02040503050406030204" pitchFamily="18" charset="0"/>
+                      </a:rPr>
+                      <m:t>𝑇</m:t>
+                    </m:r>
+                  </m:oMath>
+                </a14:m>
+                <a:r>
+                  <a:rPr lang="it-IT" dirty="0"/>
+                  <a:t> sempre con velocità nulla.</a:t>
+                </a:r>
+                <a:endParaRPr lang="it-IT" baseline="30000" dirty="0"/>
+              </a:p>
+              <a:p>
+                <a:r>
+                  <a:rPr lang="it-IT" dirty="0"/>
+                  <a:t>Le traiettorie desiderate sono state ottenute interpolando dalla posizione iniziale alla posizione </a:t>
+                </a:r>
+              </a:p>
+              <a:p>
+                <a:r>
+                  <a:rPr lang="it-IT" dirty="0"/>
+                  <a:t>finale desiderata con un polinomio del terzo ordine del tipo </a:t>
+                </a:r>
+              </a:p>
+              <a:p>
+                <a14:m>
+                  <m:oMath xmlns:m="http://schemas.openxmlformats.org/officeDocument/2006/math">
+                    <m:r>
+                      <a:rPr lang="it-IT" b="0" i="1" smtClean="0">
+                        <a:latin typeface="Cambria Math" panose="02040503050406030204" pitchFamily="18" charset="0"/>
+                      </a:rPr>
+                      <m:t>𝑞</m:t>
+                    </m:r>
+                    <m:d>
+                      <m:dPr>
+                        <m:ctrlPr>
+                          <a:rPr lang="it-IT" b="0" i="1" smtClean="0">
+                            <a:latin typeface="Cambria Math" panose="02040503050406030204" pitchFamily="18" charset="0"/>
+                          </a:rPr>
+                        </m:ctrlPr>
+                      </m:dPr>
+                      <m:e>
+                        <m:r>
+                          <a:rPr lang="it-IT" b="0" i="1" smtClean="0">
+                            <a:latin typeface="Cambria Math" panose="02040503050406030204" pitchFamily="18" charset="0"/>
+                          </a:rPr>
+                          <m:t>𝑡</m:t>
+                        </m:r>
+                      </m:e>
+                    </m:d>
+                    <m:r>
+                      <a:rPr lang="it-IT" b="0" i="1" smtClean="0">
+                        <a:latin typeface="Cambria Math" panose="02040503050406030204" pitchFamily="18" charset="0"/>
+                      </a:rPr>
+                      <m:t>=</m:t>
+                    </m:r>
+                    <m:r>
+                      <a:rPr lang="it-IT" b="0" i="1" smtClean="0">
+                        <a:latin typeface="Cambria Math" panose="02040503050406030204" pitchFamily="18" charset="0"/>
+                      </a:rPr>
+                      <m:t>𝑎</m:t>
+                    </m:r>
+                    <m:r>
+                      <a:rPr lang="it-IT" b="0" i="1" baseline="-25000" smtClean="0">
+                        <a:latin typeface="Cambria Math" panose="02040503050406030204" pitchFamily="18" charset="0"/>
+                      </a:rPr>
+                      <m:t>3</m:t>
+                    </m:r>
+                    <m:r>
+                      <a:rPr lang="it-IT" b="0" i="1" smtClean="0">
+                        <a:latin typeface="Cambria Math" panose="02040503050406030204" pitchFamily="18" charset="0"/>
+                      </a:rPr>
+                      <m:t> </m:t>
+                    </m:r>
+                    <m:r>
+                      <a:rPr lang="it-IT" b="0" i="1" smtClean="0">
+                        <a:latin typeface="Cambria Math" panose="02040503050406030204" pitchFamily="18" charset="0"/>
+                      </a:rPr>
+                      <m:t>𝑡</m:t>
+                    </m:r>
+                    <m:r>
+                      <a:rPr lang="it-IT" b="0" i="1" baseline="30000" smtClean="0">
+                        <a:latin typeface="Cambria Math" panose="02040503050406030204" pitchFamily="18" charset="0"/>
+                      </a:rPr>
+                      <m:t>3</m:t>
+                    </m:r>
+                    <m:r>
+                      <a:rPr lang="it-IT" b="0" i="1" smtClean="0">
+                        <a:latin typeface="Cambria Math" panose="02040503050406030204" pitchFamily="18" charset="0"/>
+                      </a:rPr>
+                      <m:t>+</m:t>
+                    </m:r>
+                    <m:r>
+                      <a:rPr lang="it-IT" b="0" i="1" smtClean="0">
+                        <a:latin typeface="Cambria Math" panose="02040503050406030204" pitchFamily="18" charset="0"/>
+                      </a:rPr>
+                      <m:t>𝑎</m:t>
+                    </m:r>
+                    <m:r>
+                      <a:rPr lang="it-IT" b="0" i="1" baseline="-25000" smtClean="0">
+                        <a:latin typeface="Cambria Math" panose="02040503050406030204" pitchFamily="18" charset="0"/>
+                      </a:rPr>
+                      <m:t>2</m:t>
+                    </m:r>
+                    <m:r>
+                      <a:rPr lang="it-IT" b="0" i="1" smtClean="0">
+                        <a:latin typeface="Cambria Math" panose="02040503050406030204" pitchFamily="18" charset="0"/>
+                      </a:rPr>
+                      <m:t> </m:t>
+                    </m:r>
+                    <m:r>
+                      <a:rPr lang="it-IT" b="0" i="1" smtClean="0">
+                        <a:latin typeface="Cambria Math" panose="02040503050406030204" pitchFamily="18" charset="0"/>
+                      </a:rPr>
+                      <m:t>𝑡</m:t>
+                    </m:r>
+                    <m:r>
+                      <a:rPr lang="it-IT" b="0" i="1" baseline="30000" smtClean="0">
+                        <a:latin typeface="Cambria Math" panose="02040503050406030204" pitchFamily="18" charset="0"/>
+                      </a:rPr>
+                      <m:t>2</m:t>
+                    </m:r>
+                    <m:r>
+                      <a:rPr lang="it-IT" b="0" i="1" smtClean="0">
+                        <a:latin typeface="Cambria Math" panose="02040503050406030204" pitchFamily="18" charset="0"/>
+                      </a:rPr>
+                      <m:t>+</m:t>
+                    </m:r>
+                    <m:r>
+                      <a:rPr lang="it-IT" b="0" i="1" smtClean="0">
+                        <a:latin typeface="Cambria Math" panose="02040503050406030204" pitchFamily="18" charset="0"/>
+                      </a:rPr>
+                      <m:t>𝑎</m:t>
+                    </m:r>
+                    <m:r>
+                      <a:rPr lang="it-IT" b="0" i="1" baseline="-25000" smtClean="0">
+                        <a:latin typeface="Cambria Math" panose="02040503050406030204" pitchFamily="18" charset="0"/>
+                      </a:rPr>
+                      <m:t>1</m:t>
+                    </m:r>
+                    <m:r>
+                      <a:rPr lang="it-IT" b="0" i="1" smtClean="0">
+                        <a:latin typeface="Cambria Math" panose="02040503050406030204" pitchFamily="18" charset="0"/>
+                      </a:rPr>
+                      <m:t> </m:t>
+                    </m:r>
+                    <m:r>
+                      <a:rPr lang="it-IT" b="0" i="1" smtClean="0">
+                        <a:latin typeface="Cambria Math" panose="02040503050406030204" pitchFamily="18" charset="0"/>
+                      </a:rPr>
+                      <m:t>𝑡</m:t>
+                    </m:r>
+                    <m:r>
+                      <a:rPr lang="it-IT" b="0" i="1" smtClean="0">
+                        <a:latin typeface="Cambria Math" panose="02040503050406030204" pitchFamily="18" charset="0"/>
+                      </a:rPr>
+                      <m:t>+</m:t>
+                    </m:r>
+                    <m:r>
+                      <a:rPr lang="it-IT" b="0" i="1" smtClean="0">
+                        <a:latin typeface="Cambria Math" panose="02040503050406030204" pitchFamily="18" charset="0"/>
+                      </a:rPr>
+                      <m:t>𝑎</m:t>
+                    </m:r>
+                    <m:r>
+                      <a:rPr lang="it-IT" b="0" i="1" baseline="-25000" smtClean="0">
+                        <a:latin typeface="Cambria Math" panose="02040503050406030204" pitchFamily="18" charset="0"/>
+                      </a:rPr>
+                      <m:t>0</m:t>
+                    </m:r>
+                  </m:oMath>
+                </a14:m>
+                <a:r>
+                  <a:rPr lang="it-IT" dirty="0"/>
+                  <a:t>.</a:t>
+                </a:r>
+              </a:p>
+            </p:txBody>
+          </p:sp>
+        </mc:Choice>
+        <mc:Fallback>
+          <p:sp>
+            <p:nvSpPr>
+              <p:cNvPr id="7" name="CasellaDiTesto 6">
+                <a:extLst>
+                  <a:ext uri="{FF2B5EF4-FFF2-40B4-BE49-F238E27FC236}">
+                    <a16:creationId xmlns:a16="http://schemas.microsoft.com/office/drawing/2014/main" id="{551F9BE8-FCCD-D044-96D2-F969D896E9F1}"/>
+                  </a:ext>
+                </a:extLst>
+              </p:cNvPr>
+              <p:cNvSpPr txBox="1">
+                <a:spLocks noRot="1" noChangeAspect="1" noMove="1" noResize="1" noEditPoints="1" noAdjustHandles="1" noChangeArrowheads="1" noChangeShapeType="1" noTextEdit="1"/>
+              </p:cNvSpPr>
+              <p:nvPr/>
+            </p:nvSpPr>
+            <p:spPr>
+              <a:xfrm>
+                <a:off x="1524000" y="1756229"/>
+                <a:ext cx="3570514" cy="3551806"/>
+              </a:xfrm>
+              <a:prstGeom prst="rect">
+                <a:avLst/>
+              </a:prstGeom>
+              <a:blipFill>
+                <a:blip r:embed="rId2"/>
+                <a:stretch>
+                  <a:fillRect l="-1423" t="-356" r="-356" b="-1779"/>
+                </a:stretch>
+              </a:blipFill>
+            </p:spPr>
+            <p:txBody>
+              <a:bodyPr/>
+              <a:lstStyle/>
+              <a:p>
+                <a:r>
+                  <a:rPr lang="it-IT">
+                    <a:noFill/>
+                  </a:rPr>
+                  <a:t> </a:t>
+                </a:r>
+              </a:p>
+            </p:txBody>
+          </p:sp>
+        </mc:Fallback>
+      </mc:AlternateContent>
       <p:pic>
         <p:nvPicPr>
           <p:cNvPr id="3" name="Immagine 2">
             <a:extLst>
               <a:ext uri="{FF2B5EF4-FFF2-40B4-BE49-F238E27FC236}">
-                <a16:creationId xmlns:a16="http://schemas.microsoft.com/office/drawing/2014/main" id="{0612570B-82B2-5D49-9D7E-7DD274862FA4}"/>
+                <a16:creationId xmlns:a16="http://schemas.microsoft.com/office/drawing/2014/main" id="{8F7D8DB2-3CFD-DF40-9069-2699653760D4}"/>
               </a:ext>
             </a:extLst>
           </p:cNvPr>
@@ -3630,7 +4076,7 @@
         </p:blipFill>
         <p:spPr>
           <a:xfrm>
-            <a:off x="6066972" y="1475623"/>
+            <a:off x="5094514" y="1398532"/>
             <a:ext cx="5689600" cy="4267200"/>
           </a:xfrm>
           <a:prstGeom prst="rect">
@@ -3641,7 +4087,7 @@
     </p:spTree>
     <p:extLst>
       <p:ext uri="{BB962C8B-B14F-4D97-AF65-F5344CB8AC3E}">
-        <p14:creationId xmlns:p14="http://schemas.microsoft.com/office/powerpoint/2010/main" val="1393452628"/>
+        <p14:creationId xmlns:p14="http://schemas.microsoft.com/office/powerpoint/2010/main" val="3049155881"/>
       </p:ext>
     </p:extLst>
   </p:cSld>
@@ -3729,14 +4175,6 @@
             </a:r>
             <a:r>
               <a:rPr lang="it-IT" sz="3800" dirty="0" err="1"/>
-              <a:t>Adaptive</a:t>
-            </a:r>
-            <a:r>
-              <a:rPr lang="it-IT" sz="3800" dirty="0"/>
-              <a:t> </a:t>
-            </a:r>
-            <a:r>
-              <a:rPr lang="it-IT" sz="3800" dirty="0" err="1"/>
               <a:t>Computed</a:t>
             </a:r>
             <a:r>
@@ -3748,10 +4186,10 @@
       </p:sp>
       <p:pic>
         <p:nvPicPr>
-          <p:cNvPr id="13" name="Immagine 12">
-            <a:extLst>
-              <a:ext uri="{FF2B5EF4-FFF2-40B4-BE49-F238E27FC236}">
-                <a16:creationId xmlns:a16="http://schemas.microsoft.com/office/drawing/2014/main" id="{60A9E923-5377-204D-A79A-4E3EC60EC036}"/>
+          <p:cNvPr id="3" name="Immagine 2">
+            <a:extLst>
+              <a:ext uri="{FF2B5EF4-FFF2-40B4-BE49-F238E27FC236}">
+                <a16:creationId xmlns:a16="http://schemas.microsoft.com/office/drawing/2014/main" id="{BD323A43-8850-1242-8622-51DE2ED4CCD4}"/>
               </a:ext>
             </a:extLst>
           </p:cNvPr>
@@ -3768,8 +4206,8 @@
         </p:blipFill>
         <p:spPr>
           <a:xfrm>
-            <a:off x="8864312" y="4182110"/>
-            <a:ext cx="1460500" cy="304800"/>
+            <a:off x="2109190" y="1833586"/>
+            <a:ext cx="7973618" cy="651931"/>
           </a:xfrm>
           <a:prstGeom prst="rect">
             <a:avLst/>
@@ -3778,10 +4216,10 @@
       </p:pic>
       <p:pic>
         <p:nvPicPr>
-          <p:cNvPr id="15" name="Immagine 14">
-            <a:extLst>
-              <a:ext uri="{FF2B5EF4-FFF2-40B4-BE49-F238E27FC236}">
-                <a16:creationId xmlns:a16="http://schemas.microsoft.com/office/drawing/2014/main" id="{071058FC-0B93-E147-A0EA-71411EBAC8D3}"/>
+          <p:cNvPr id="7" name="Immagine 6">
+            <a:extLst>
+              <a:ext uri="{FF2B5EF4-FFF2-40B4-BE49-F238E27FC236}">
+                <a16:creationId xmlns:a16="http://schemas.microsoft.com/office/drawing/2014/main" id="{946B3FFD-0FFE-8244-B685-35A25EF941E7}"/>
               </a:ext>
             </a:extLst>
           </p:cNvPr>
@@ -3798,8 +4236,8 @@
         </p:blipFill>
         <p:spPr>
           <a:xfrm>
-            <a:off x="7829262" y="3146430"/>
-            <a:ext cx="1765300" cy="647700"/>
+            <a:off x="2222499" y="3847774"/>
+            <a:ext cx="3292929" cy="2083282"/>
           </a:xfrm>
           <a:prstGeom prst="rect">
             <a:avLst/>
@@ -3808,10 +4246,10 @@
       </p:pic>
       <p:pic>
         <p:nvPicPr>
-          <p:cNvPr id="17" name="Immagine 16">
-            <a:extLst>
-              <a:ext uri="{FF2B5EF4-FFF2-40B4-BE49-F238E27FC236}">
-                <a16:creationId xmlns:a16="http://schemas.microsoft.com/office/drawing/2014/main" id="{7E59E54C-4FB5-5E49-9D4A-B67F723DF438}"/>
+          <p:cNvPr id="11" name="Immagine 10">
+            <a:extLst>
+              <a:ext uri="{FF2B5EF4-FFF2-40B4-BE49-F238E27FC236}">
+                <a16:creationId xmlns:a16="http://schemas.microsoft.com/office/drawing/2014/main" id="{1A8F962F-7E7E-3342-A4D4-B3DFD7D9FDB6}"/>
               </a:ext>
             </a:extLst>
           </p:cNvPr>
@@ -3828,168 +4266,75 @@
         </p:blipFill>
         <p:spPr>
           <a:xfrm>
-            <a:off x="10004186" y="3146430"/>
-            <a:ext cx="952500" cy="635000"/>
+            <a:off x="6207578" y="3847774"/>
+            <a:ext cx="3224127" cy="2083282"/>
           </a:xfrm>
           <a:prstGeom prst="rect">
             <a:avLst/>
           </a:prstGeom>
         </p:spPr>
       </p:pic>
-      <p:pic>
-        <p:nvPicPr>
-          <p:cNvPr id="19" name="Immagine 18">
-            <a:extLst>
-              <a:ext uri="{FF2B5EF4-FFF2-40B4-BE49-F238E27FC236}">
-                <a16:creationId xmlns:a16="http://schemas.microsoft.com/office/drawing/2014/main" id="{909B45EB-77AF-1845-8667-F637DFBD7C45}"/>
-              </a:ext>
-            </a:extLst>
-          </p:cNvPr>
-          <p:cNvPicPr>
-            <a:picLocks noChangeAspect="1"/>
-          </p:cNvPicPr>
+      <p:sp>
+        <p:nvSpPr>
+          <p:cNvPr id="12" name="CasellaDiTesto 11">
+            <a:extLst>
+              <a:ext uri="{FF2B5EF4-FFF2-40B4-BE49-F238E27FC236}">
+                <a16:creationId xmlns:a16="http://schemas.microsoft.com/office/drawing/2014/main" id="{0B68C495-7B4E-B140-81DC-66CC8A1740F5}"/>
+              </a:ext>
+            </a:extLst>
+          </p:cNvPr>
+          <p:cNvSpPr txBox="1"/>
           <p:nvPr/>
-        </p:nvPicPr>
-        <p:blipFill>
-          <a:blip r:embed="rId5"/>
-          <a:stretch>
-            <a:fillRect/>
-          </a:stretch>
-        </p:blipFill>
+        </p:nvSpPr>
         <p:spPr>
           <a:xfrm>
-            <a:off x="8851612" y="4688278"/>
-            <a:ext cx="1485900" cy="330200"/>
+            <a:off x="464456" y="2843480"/>
+            <a:ext cx="11205029" cy="646331"/>
           </a:xfrm>
           <a:prstGeom prst="rect">
             <a:avLst/>
           </a:prstGeom>
+          <a:noFill/>
         </p:spPr>
-      </p:pic>
-      <p:pic>
-        <p:nvPicPr>
-          <p:cNvPr id="21" name="Immagine 20">
-            <a:extLst>
-              <a:ext uri="{FF2B5EF4-FFF2-40B4-BE49-F238E27FC236}">
-                <a16:creationId xmlns:a16="http://schemas.microsoft.com/office/drawing/2014/main" id="{628AF90A-A29E-6445-9513-C1B6ABAFF429}"/>
-              </a:ext>
-            </a:extLst>
-          </p:cNvPr>
-          <p:cNvPicPr>
-            <a:picLocks noChangeAspect="1"/>
-          </p:cNvPicPr>
-          <p:nvPr/>
-        </p:nvPicPr>
-        <p:blipFill>
-          <a:blip r:embed="rId6"/>
-          <a:stretch>
-            <a:fillRect/>
-          </a:stretch>
-        </p:blipFill>
-        <p:spPr>
-          <a:xfrm>
-            <a:off x="8718262" y="5219846"/>
-            <a:ext cx="1752600" cy="368300"/>
-          </a:xfrm>
-          <a:prstGeom prst="rect">
-            <a:avLst/>
-          </a:prstGeom>
-        </p:spPr>
-      </p:pic>
-      <p:pic>
-        <p:nvPicPr>
-          <p:cNvPr id="23" name="Immagine 22">
-            <a:extLst>
-              <a:ext uri="{FF2B5EF4-FFF2-40B4-BE49-F238E27FC236}">
-                <a16:creationId xmlns:a16="http://schemas.microsoft.com/office/drawing/2014/main" id="{23446BB1-0E7F-814F-9D19-AD5F0370A687}"/>
-              </a:ext>
-            </a:extLst>
-          </p:cNvPr>
-          <p:cNvPicPr>
-            <a:picLocks noChangeAspect="1"/>
-          </p:cNvPicPr>
-          <p:nvPr/>
-        </p:nvPicPr>
-        <p:blipFill>
-          <a:blip r:embed="rId7"/>
-          <a:stretch>
-            <a:fillRect/>
-          </a:stretch>
-        </p:blipFill>
-        <p:spPr>
-          <a:xfrm>
-            <a:off x="4362737" y="1460379"/>
-            <a:ext cx="3466525" cy="1017350"/>
-          </a:xfrm>
-          <a:prstGeom prst="rect">
-            <a:avLst/>
-          </a:prstGeom>
-        </p:spPr>
-      </p:pic>
-      <p:pic>
-        <p:nvPicPr>
-          <p:cNvPr id="25" name="Immagine 24">
-            <a:extLst>
-              <a:ext uri="{FF2B5EF4-FFF2-40B4-BE49-F238E27FC236}">
-                <a16:creationId xmlns:a16="http://schemas.microsoft.com/office/drawing/2014/main" id="{C0D593BF-8506-BC48-B81C-820693CDC4EB}"/>
-              </a:ext>
-            </a:extLst>
-          </p:cNvPr>
-          <p:cNvPicPr>
-            <a:picLocks noChangeAspect="1"/>
-          </p:cNvPicPr>
-          <p:nvPr/>
-        </p:nvPicPr>
-        <p:blipFill>
-          <a:blip r:embed="rId8"/>
-          <a:stretch>
-            <a:fillRect/>
-          </a:stretch>
-        </p:blipFill>
-        <p:spPr>
-          <a:xfrm>
-            <a:off x="800002" y="2623916"/>
-            <a:ext cx="6553200" cy="1625600"/>
-          </a:xfrm>
-          <a:prstGeom prst="rect">
-            <a:avLst/>
-          </a:prstGeom>
-        </p:spPr>
-      </p:pic>
-      <p:pic>
-        <p:nvPicPr>
-          <p:cNvPr id="27" name="Immagine 26">
-            <a:extLst>
-              <a:ext uri="{FF2B5EF4-FFF2-40B4-BE49-F238E27FC236}">
-                <a16:creationId xmlns:a16="http://schemas.microsoft.com/office/drawing/2014/main" id="{2BDB62C0-4D44-BF4C-B26B-2ED4661C33F9}"/>
-              </a:ext>
-            </a:extLst>
-          </p:cNvPr>
-          <p:cNvPicPr>
-            <a:picLocks noChangeAspect="1"/>
-          </p:cNvPicPr>
-          <p:nvPr/>
-        </p:nvPicPr>
-        <p:blipFill>
-          <a:blip r:embed="rId9"/>
-          <a:stretch>
-            <a:fillRect/>
-          </a:stretch>
-        </p:blipFill>
-        <p:spPr>
-          <a:xfrm>
-            <a:off x="800002" y="4395703"/>
-            <a:ext cx="5181600" cy="1638300"/>
-          </a:xfrm>
-          <a:prstGeom prst="rect">
-            <a:avLst/>
-          </a:prstGeom>
-        </p:spPr>
-      </p:pic>
+        <p:txBody>
+          <a:bodyPr wrap="square" rtlCol="0">
+            <a:spAutoFit/>
+          </a:bodyPr>
+          <a:lstStyle/>
+          <a:p>
+            <a:r>
+              <a:rPr lang="it-IT" dirty="0"/>
+              <a:t>Per avere la convergenza a zero dell’errore angolare, è stato introdotto un errore sulla posizione iniziale pari a 0.1 </a:t>
+            </a:r>
+            <a:r>
+              <a:rPr lang="it-IT" dirty="0" err="1"/>
+              <a:t>rad</a:t>
+            </a:r>
+            <a:r>
+              <a:rPr lang="it-IT" dirty="0"/>
+              <a:t>.</a:t>
+            </a:r>
+          </a:p>
+          <a:p>
+            <a:r>
+              <a:rPr lang="it-IT" dirty="0"/>
+              <a:t>Non è stato necessario il </a:t>
+            </a:r>
+            <a:r>
+              <a:rPr lang="it-IT" dirty="0" err="1"/>
+              <a:t>tuning</a:t>
+            </a:r>
+            <a:r>
+              <a:rPr lang="it-IT" dirty="0"/>
+              <a:t> dei guadagni, poiché sufficienti delle matrici identità:</a:t>
+            </a:r>
+          </a:p>
+        </p:txBody>
+      </p:sp>
     </p:spTree>
     <p:extLst>
       <p:ext uri="{BB962C8B-B14F-4D97-AF65-F5344CB8AC3E}">
-        <p14:creationId xmlns:p14="http://schemas.microsoft.com/office/powerpoint/2010/main" val="3511369780"/>
+        <p14:creationId xmlns:p14="http://schemas.microsoft.com/office/powerpoint/2010/main" val="2163185125"/>
       </p:ext>
     </p:extLst>
   </p:cSld>
@@ -4077,14 +4422,6 @@
             </a:r>
             <a:r>
               <a:rPr lang="it-IT" sz="3800" dirty="0" err="1"/>
-              <a:t>Adaptive</a:t>
-            </a:r>
-            <a:r>
-              <a:rPr lang="it-IT" sz="3800" dirty="0"/>
-              <a:t> </a:t>
-            </a:r>
-            <a:r>
-              <a:rPr lang="it-IT" sz="3800" dirty="0" err="1"/>
               <a:t>Computed</a:t>
             </a:r>
             <a:r>
@@ -4096,10 +4433,10 @@
       </p:sp>
       <p:pic>
         <p:nvPicPr>
-          <p:cNvPr id="11" name="Immagine 10">
-            <a:extLst>
-              <a:ext uri="{FF2B5EF4-FFF2-40B4-BE49-F238E27FC236}">
-                <a16:creationId xmlns:a16="http://schemas.microsoft.com/office/drawing/2014/main" id="{24474708-2AD1-E242-B19A-0598DECCEB08}"/>
+          <p:cNvPr id="2" name="Immagine 1">
+            <a:extLst>
+              <a:ext uri="{FF2B5EF4-FFF2-40B4-BE49-F238E27FC236}">
+                <a16:creationId xmlns:a16="http://schemas.microsoft.com/office/drawing/2014/main" id="{B54CE8FA-0446-B64F-8FC6-35D6EA0C880D}"/>
               </a:ext>
             </a:extLst>
           </p:cNvPr>
@@ -4116,8 +4453,8 @@
         </p:blipFill>
         <p:spPr>
           <a:xfrm>
-            <a:off x="449942" y="1475623"/>
-            <a:ext cx="5689600" cy="4267200"/>
+            <a:off x="0" y="180223"/>
+            <a:ext cx="12192000" cy="6858000"/>
           </a:xfrm>
           <a:prstGeom prst="rect">
             <a:avLst/>
@@ -4126,10 +4463,10 @@
       </p:pic>
       <p:pic>
         <p:nvPicPr>
-          <p:cNvPr id="13" name="Immagine 12">
-            <a:extLst>
-              <a:ext uri="{FF2B5EF4-FFF2-40B4-BE49-F238E27FC236}">
-                <a16:creationId xmlns:a16="http://schemas.microsoft.com/office/drawing/2014/main" id="{466A2D65-C0B0-0C42-93AC-8B75F09EF259}"/>
+          <p:cNvPr id="6" name="Immagine 5">
+            <a:extLst>
+              <a:ext uri="{FF2B5EF4-FFF2-40B4-BE49-F238E27FC236}">
+                <a16:creationId xmlns:a16="http://schemas.microsoft.com/office/drawing/2014/main" id="{BC392C76-04EA-B74D-93E7-53223B265B1A}"/>
               </a:ext>
             </a:extLst>
           </p:cNvPr>
@@ -4146,7 +4483,37 @@
         </p:blipFill>
         <p:spPr>
           <a:xfrm>
-            <a:off x="6139542" y="1490137"/>
+            <a:off x="406400" y="1475623"/>
+            <a:ext cx="5689600" cy="4267200"/>
+          </a:xfrm>
+          <a:prstGeom prst="rect">
+            <a:avLst/>
+          </a:prstGeom>
+        </p:spPr>
+      </p:pic>
+      <p:pic>
+        <p:nvPicPr>
+          <p:cNvPr id="8" name="Immagine 7">
+            <a:extLst>
+              <a:ext uri="{FF2B5EF4-FFF2-40B4-BE49-F238E27FC236}">
+                <a16:creationId xmlns:a16="http://schemas.microsoft.com/office/drawing/2014/main" id="{18A45E0B-D139-DF46-8575-785298637F72}"/>
+              </a:ext>
+            </a:extLst>
+          </p:cNvPr>
+          <p:cNvPicPr>
+            <a:picLocks noChangeAspect="1"/>
+          </p:cNvPicPr>
+          <p:nvPr/>
+        </p:nvPicPr>
+        <p:blipFill>
+          <a:blip r:embed="rId4"/>
+          <a:stretch>
+            <a:fillRect/>
+          </a:stretch>
+        </p:blipFill>
+        <p:spPr>
+          <a:xfrm>
+            <a:off x="6096000" y="1475623"/>
             <a:ext cx="5689600" cy="4267200"/>
           </a:xfrm>
           <a:prstGeom prst="rect">
@@ -4157,7 +4524,7 @@
     </p:spTree>
     <p:extLst>
       <p:ext uri="{BB962C8B-B14F-4D97-AF65-F5344CB8AC3E}">
-        <p14:creationId xmlns:p14="http://schemas.microsoft.com/office/powerpoint/2010/main" val="2471295502"/>
+        <p14:creationId xmlns:p14="http://schemas.microsoft.com/office/powerpoint/2010/main" val="1393452628"/>
       </p:ext>
     </p:extLst>
   </p:cSld>
@@ -4262,12 +4629,661 @@
           </a:p>
         </p:txBody>
       </p:sp>
+      <mc:AlternateContent xmlns:mc="http://schemas.openxmlformats.org/markup-compatibility/2006">
+        <mc:Choice xmlns:a14="http://schemas.microsoft.com/office/drawing/2010/main" Requires="a14">
+          <p:sp>
+            <p:nvSpPr>
+              <p:cNvPr id="7" name="CasellaDiTesto 6">
+                <a:extLst>
+                  <a:ext uri="{FF2B5EF4-FFF2-40B4-BE49-F238E27FC236}">
+                    <a16:creationId xmlns:a16="http://schemas.microsoft.com/office/drawing/2014/main" id="{551F9BE8-FCCD-D044-96D2-F969D896E9F1}"/>
+                  </a:ext>
+                </a:extLst>
+              </p:cNvPr>
+              <p:cNvSpPr txBox="1"/>
+              <p:nvPr/>
+            </p:nvSpPr>
+            <p:spPr>
+              <a:xfrm>
+                <a:off x="1524000" y="1756229"/>
+                <a:ext cx="3570514" cy="3551806"/>
+              </a:xfrm>
+              <a:prstGeom prst="rect">
+                <a:avLst/>
+              </a:prstGeom>
+              <a:noFill/>
+            </p:spPr>
+            <p:txBody>
+              <a:bodyPr wrap="square" rtlCol="0">
+                <a:spAutoFit/>
+              </a:bodyPr>
+              <a:lstStyle/>
+              <a:p>
+                <a:r>
+                  <a:rPr lang="it-IT" dirty="0"/>
+                  <a:t>A partire dalla posizione iniziale </a:t>
+                </a:r>
+                <a14:m>
+                  <m:oMath xmlns:m="http://schemas.openxmlformats.org/officeDocument/2006/math">
+                    <m:r>
+                      <a:rPr lang="it-IT" b="0" i="1" smtClean="0">
+                        <a:latin typeface="Cambria Math" panose="02040503050406030204" pitchFamily="18" charset="0"/>
+                      </a:rPr>
+                      <m:t>𝑞</m:t>
+                    </m:r>
+                    <m:r>
+                      <a:rPr lang="it-IT" b="0" i="1" baseline="-25000" smtClean="0">
+                        <a:latin typeface="Cambria Math" panose="02040503050406030204" pitchFamily="18" charset="0"/>
+                      </a:rPr>
+                      <m:t>0</m:t>
+                    </m:r>
+                    <m:r>
+                      <a:rPr lang="it-IT" b="0" i="1" smtClean="0">
+                        <a:latin typeface="Cambria Math" panose="02040503050406030204" pitchFamily="18" charset="0"/>
+                      </a:rPr>
+                      <m:t>=</m:t>
+                    </m:r>
+                    <m:d>
+                      <m:dPr>
+                        <m:begChr m:val="["/>
+                        <m:endChr m:val="]"/>
+                        <m:ctrlPr>
+                          <a:rPr lang="it-IT" b="0" i="1" smtClean="0">
+                            <a:latin typeface="Cambria Math" panose="02040503050406030204" pitchFamily="18" charset="0"/>
+                          </a:rPr>
+                        </m:ctrlPr>
+                      </m:dPr>
+                      <m:e>
+                        <m:r>
+                          <a:rPr lang="it-IT" b="0" i="1" smtClean="0">
+                            <a:latin typeface="Cambria Math" panose="02040503050406030204" pitchFamily="18" charset="0"/>
+                          </a:rPr>
+                          <m:t>0,0,0,0,0,0</m:t>
+                        </m:r>
+                      </m:e>
+                    </m:d>
+                    <m:r>
+                      <a:rPr lang="it-IT" b="0" i="1" baseline="30000" smtClean="0">
+                        <a:latin typeface="Cambria Math" panose="02040503050406030204" pitchFamily="18" charset="0"/>
+                      </a:rPr>
+                      <m:t>𝑇</m:t>
+                    </m:r>
+                  </m:oMath>
+                </a14:m>
+                <a:r>
+                  <a:rPr lang="it-IT" dirty="0"/>
+                  <a:t> con velocità iniziale nulla,</a:t>
+                </a:r>
+              </a:p>
+              <a:p>
+                <a:r>
+                  <a:rPr lang="it-IT" dirty="0"/>
+                  <a:t>si desidera raggiungere la posizione finale </a:t>
+                </a:r>
+                <a14:m>
+                  <m:oMath xmlns:m="http://schemas.openxmlformats.org/officeDocument/2006/math">
+                    <m:r>
+                      <a:rPr lang="it-IT" b="0" i="1" smtClean="0">
+                        <a:latin typeface="Cambria Math" panose="02040503050406030204" pitchFamily="18" charset="0"/>
+                      </a:rPr>
+                      <m:t>𝑞</m:t>
+                    </m:r>
+                    <m:r>
+                      <a:rPr lang="it-IT" b="0" i="1" baseline="-25000" smtClean="0">
+                        <a:latin typeface="Cambria Math" panose="02040503050406030204" pitchFamily="18" charset="0"/>
+                      </a:rPr>
+                      <m:t>𝑑</m:t>
+                    </m:r>
+                    <m:r>
+                      <a:rPr lang="it-IT" b="0" i="1" smtClean="0">
+                        <a:latin typeface="Cambria Math" panose="02040503050406030204" pitchFamily="18" charset="0"/>
+                      </a:rPr>
+                      <m:t>=</m:t>
+                    </m:r>
+                    <m:d>
+                      <m:dPr>
+                        <m:begChr m:val="["/>
+                        <m:endChr m:val="]"/>
+                        <m:ctrlPr>
+                          <a:rPr lang="it-IT" b="0" i="1" smtClean="0">
+                            <a:latin typeface="Cambria Math" panose="02040503050406030204" pitchFamily="18" charset="0"/>
+                          </a:rPr>
+                        </m:ctrlPr>
+                      </m:dPr>
+                      <m:e>
+                        <m:r>
+                          <a:rPr lang="it-IT" b="0" i="1" smtClean="0">
+                            <a:latin typeface="Cambria Math" panose="02040503050406030204" pitchFamily="18" charset="0"/>
+                          </a:rPr>
+                          <m:t>−</m:t>
+                        </m:r>
+                        <m:f>
+                          <m:fPr>
+                            <m:ctrlPr>
+                              <a:rPr lang="it-IT" b="0" i="1" smtClean="0">
+                                <a:latin typeface="Cambria Math" panose="02040503050406030204" pitchFamily="18" charset="0"/>
+                              </a:rPr>
+                            </m:ctrlPr>
+                          </m:fPr>
+                          <m:num>
+                            <m:r>
+                              <a:rPr lang="it-IT" b="0" i="1" smtClean="0">
+                                <a:latin typeface="Cambria Math" panose="02040503050406030204" pitchFamily="18" charset="0"/>
+                                <a:ea typeface="Cambria Math" panose="02040503050406030204" pitchFamily="18" charset="0"/>
+                              </a:rPr>
+                              <m:t>𝜋</m:t>
+                            </m:r>
+                          </m:num>
+                          <m:den>
+                            <m:r>
+                              <a:rPr lang="it-IT" b="0" i="1" smtClean="0">
+                                <a:latin typeface="Cambria Math" panose="02040503050406030204" pitchFamily="18" charset="0"/>
+                              </a:rPr>
+                              <m:t>3</m:t>
+                            </m:r>
+                          </m:den>
+                        </m:f>
+                        <m:r>
+                          <a:rPr lang="it-IT" b="0" i="1" smtClean="0">
+                            <a:latin typeface="Cambria Math" panose="02040503050406030204" pitchFamily="18" charset="0"/>
+                          </a:rPr>
+                          <m:t>,</m:t>
+                        </m:r>
+                        <m:f>
+                          <m:fPr>
+                            <m:ctrlPr>
+                              <a:rPr lang="it-IT" i="1">
+                                <a:latin typeface="Cambria Math" panose="02040503050406030204" pitchFamily="18" charset="0"/>
+                              </a:rPr>
+                            </m:ctrlPr>
+                          </m:fPr>
+                          <m:num>
+                            <m:r>
+                              <a:rPr lang="it-IT" i="1">
+                                <a:latin typeface="Cambria Math" panose="02040503050406030204" pitchFamily="18" charset="0"/>
+                                <a:ea typeface="Cambria Math" panose="02040503050406030204" pitchFamily="18" charset="0"/>
+                              </a:rPr>
+                              <m:t>𝜋</m:t>
+                            </m:r>
+                          </m:num>
+                          <m:den>
+                            <m:r>
+                              <a:rPr lang="it-IT" i="1">
+                                <a:latin typeface="Cambria Math" panose="02040503050406030204" pitchFamily="18" charset="0"/>
+                              </a:rPr>
+                              <m:t>3</m:t>
+                            </m:r>
+                          </m:den>
+                        </m:f>
+                        <m:r>
+                          <a:rPr lang="it-IT" b="0" i="1" smtClean="0">
+                            <a:latin typeface="Cambria Math" panose="02040503050406030204" pitchFamily="18" charset="0"/>
+                          </a:rPr>
+                          <m:t>,3,−</m:t>
+                        </m:r>
+                        <m:f>
+                          <m:fPr>
+                            <m:ctrlPr>
+                              <a:rPr lang="it-IT" i="1">
+                                <a:latin typeface="Cambria Math" panose="02040503050406030204" pitchFamily="18" charset="0"/>
+                              </a:rPr>
+                            </m:ctrlPr>
+                          </m:fPr>
+                          <m:num>
+                            <m:r>
+                              <a:rPr lang="it-IT" i="1">
+                                <a:latin typeface="Cambria Math" panose="02040503050406030204" pitchFamily="18" charset="0"/>
+                                <a:ea typeface="Cambria Math" panose="02040503050406030204" pitchFamily="18" charset="0"/>
+                              </a:rPr>
+                              <m:t>𝜋</m:t>
+                            </m:r>
+                          </m:num>
+                          <m:den>
+                            <m:r>
+                              <a:rPr lang="it-IT" i="1">
+                                <a:latin typeface="Cambria Math" panose="02040503050406030204" pitchFamily="18" charset="0"/>
+                              </a:rPr>
+                              <m:t>3</m:t>
+                            </m:r>
+                          </m:den>
+                        </m:f>
+                        <m:r>
+                          <a:rPr lang="it-IT" b="0" i="1" smtClean="0">
+                            <a:latin typeface="Cambria Math" panose="02040503050406030204" pitchFamily="18" charset="0"/>
+                          </a:rPr>
+                          <m:t>,</m:t>
+                        </m:r>
+                        <m:f>
+                          <m:fPr>
+                            <m:ctrlPr>
+                              <a:rPr lang="it-IT" i="1">
+                                <a:latin typeface="Cambria Math" panose="02040503050406030204" pitchFamily="18" charset="0"/>
+                              </a:rPr>
+                            </m:ctrlPr>
+                          </m:fPr>
+                          <m:num>
+                            <m:r>
+                              <a:rPr lang="it-IT" i="1">
+                                <a:latin typeface="Cambria Math" panose="02040503050406030204" pitchFamily="18" charset="0"/>
+                                <a:ea typeface="Cambria Math" panose="02040503050406030204" pitchFamily="18" charset="0"/>
+                              </a:rPr>
+                              <m:t>𝜋</m:t>
+                            </m:r>
+                          </m:num>
+                          <m:den>
+                            <m:r>
+                              <a:rPr lang="it-IT" i="1">
+                                <a:latin typeface="Cambria Math" panose="02040503050406030204" pitchFamily="18" charset="0"/>
+                              </a:rPr>
+                              <m:t>3</m:t>
+                            </m:r>
+                          </m:den>
+                        </m:f>
+                        <m:r>
+                          <a:rPr lang="it-IT" b="0" i="1" smtClean="0">
+                            <a:latin typeface="Cambria Math" panose="02040503050406030204" pitchFamily="18" charset="0"/>
+                          </a:rPr>
+                          <m:t>,</m:t>
+                        </m:r>
+                        <m:f>
+                          <m:fPr>
+                            <m:ctrlPr>
+                              <a:rPr lang="it-IT" i="1">
+                                <a:latin typeface="Cambria Math" panose="02040503050406030204" pitchFamily="18" charset="0"/>
+                              </a:rPr>
+                            </m:ctrlPr>
+                          </m:fPr>
+                          <m:num>
+                            <m:r>
+                              <a:rPr lang="it-IT" i="1">
+                                <a:latin typeface="Cambria Math" panose="02040503050406030204" pitchFamily="18" charset="0"/>
+                                <a:ea typeface="Cambria Math" panose="02040503050406030204" pitchFamily="18" charset="0"/>
+                              </a:rPr>
+                              <m:t>𝜋</m:t>
+                            </m:r>
+                          </m:num>
+                          <m:den>
+                            <m:r>
+                              <a:rPr lang="it-IT" i="1">
+                                <a:latin typeface="Cambria Math" panose="02040503050406030204" pitchFamily="18" charset="0"/>
+                              </a:rPr>
+                              <m:t>3</m:t>
+                            </m:r>
+                          </m:den>
+                        </m:f>
+                      </m:e>
+                    </m:d>
+                    <m:r>
+                      <a:rPr lang="it-IT" b="0" i="1" baseline="30000" smtClean="0">
+                        <a:latin typeface="Cambria Math" panose="02040503050406030204" pitchFamily="18" charset="0"/>
+                      </a:rPr>
+                      <m:t>𝑇</m:t>
+                    </m:r>
+                  </m:oMath>
+                </a14:m>
+                <a:r>
+                  <a:rPr lang="it-IT" dirty="0"/>
+                  <a:t> sempre con velocità nulla.</a:t>
+                </a:r>
+                <a:endParaRPr lang="it-IT" baseline="30000" dirty="0"/>
+              </a:p>
+              <a:p>
+                <a:r>
+                  <a:rPr lang="it-IT" dirty="0"/>
+                  <a:t>Le traiettorie desiderate sono state ottenute interpolando dalla posizione iniziale alla posizione </a:t>
+                </a:r>
+              </a:p>
+              <a:p>
+                <a:r>
+                  <a:rPr lang="it-IT" dirty="0"/>
+                  <a:t>finale desiderata con un polinomio del terzo ordine del tipo </a:t>
+                </a:r>
+              </a:p>
+              <a:p>
+                <a14:m>
+                  <m:oMath xmlns:m="http://schemas.openxmlformats.org/officeDocument/2006/math">
+                    <m:r>
+                      <a:rPr lang="it-IT" b="0" i="1" smtClean="0">
+                        <a:latin typeface="Cambria Math" panose="02040503050406030204" pitchFamily="18" charset="0"/>
+                      </a:rPr>
+                      <m:t>𝑞</m:t>
+                    </m:r>
+                    <m:d>
+                      <m:dPr>
+                        <m:ctrlPr>
+                          <a:rPr lang="it-IT" b="0" i="1" smtClean="0">
+                            <a:latin typeface="Cambria Math" panose="02040503050406030204" pitchFamily="18" charset="0"/>
+                          </a:rPr>
+                        </m:ctrlPr>
+                      </m:dPr>
+                      <m:e>
+                        <m:r>
+                          <a:rPr lang="it-IT" b="0" i="1" smtClean="0">
+                            <a:latin typeface="Cambria Math" panose="02040503050406030204" pitchFamily="18" charset="0"/>
+                          </a:rPr>
+                          <m:t>𝑡</m:t>
+                        </m:r>
+                      </m:e>
+                    </m:d>
+                    <m:r>
+                      <a:rPr lang="it-IT" b="0" i="1" smtClean="0">
+                        <a:latin typeface="Cambria Math" panose="02040503050406030204" pitchFamily="18" charset="0"/>
+                      </a:rPr>
+                      <m:t>=</m:t>
+                    </m:r>
+                    <m:r>
+                      <a:rPr lang="it-IT" b="0" i="1" smtClean="0">
+                        <a:latin typeface="Cambria Math" panose="02040503050406030204" pitchFamily="18" charset="0"/>
+                      </a:rPr>
+                      <m:t>𝑎</m:t>
+                    </m:r>
+                    <m:r>
+                      <a:rPr lang="it-IT" b="0" i="1" baseline="-25000" smtClean="0">
+                        <a:latin typeface="Cambria Math" panose="02040503050406030204" pitchFamily="18" charset="0"/>
+                      </a:rPr>
+                      <m:t>3</m:t>
+                    </m:r>
+                    <m:r>
+                      <a:rPr lang="it-IT" b="0" i="1" smtClean="0">
+                        <a:latin typeface="Cambria Math" panose="02040503050406030204" pitchFamily="18" charset="0"/>
+                      </a:rPr>
+                      <m:t> </m:t>
+                    </m:r>
+                    <m:r>
+                      <a:rPr lang="it-IT" b="0" i="1" smtClean="0">
+                        <a:latin typeface="Cambria Math" panose="02040503050406030204" pitchFamily="18" charset="0"/>
+                      </a:rPr>
+                      <m:t>𝑡</m:t>
+                    </m:r>
+                    <m:r>
+                      <a:rPr lang="it-IT" b="0" i="1" baseline="30000" smtClean="0">
+                        <a:latin typeface="Cambria Math" panose="02040503050406030204" pitchFamily="18" charset="0"/>
+                      </a:rPr>
+                      <m:t>3</m:t>
+                    </m:r>
+                    <m:r>
+                      <a:rPr lang="it-IT" b="0" i="1" smtClean="0">
+                        <a:latin typeface="Cambria Math" panose="02040503050406030204" pitchFamily="18" charset="0"/>
+                      </a:rPr>
+                      <m:t>+</m:t>
+                    </m:r>
+                    <m:r>
+                      <a:rPr lang="it-IT" b="0" i="1" smtClean="0">
+                        <a:latin typeface="Cambria Math" panose="02040503050406030204" pitchFamily="18" charset="0"/>
+                      </a:rPr>
+                      <m:t>𝑎</m:t>
+                    </m:r>
+                    <m:r>
+                      <a:rPr lang="it-IT" b="0" i="1" baseline="-25000" smtClean="0">
+                        <a:latin typeface="Cambria Math" panose="02040503050406030204" pitchFamily="18" charset="0"/>
+                      </a:rPr>
+                      <m:t>2</m:t>
+                    </m:r>
+                    <m:r>
+                      <a:rPr lang="it-IT" b="0" i="1" smtClean="0">
+                        <a:latin typeface="Cambria Math" panose="02040503050406030204" pitchFamily="18" charset="0"/>
+                      </a:rPr>
+                      <m:t> </m:t>
+                    </m:r>
+                    <m:r>
+                      <a:rPr lang="it-IT" b="0" i="1" smtClean="0">
+                        <a:latin typeface="Cambria Math" panose="02040503050406030204" pitchFamily="18" charset="0"/>
+                      </a:rPr>
+                      <m:t>𝑡</m:t>
+                    </m:r>
+                    <m:r>
+                      <a:rPr lang="it-IT" b="0" i="1" baseline="30000" smtClean="0">
+                        <a:latin typeface="Cambria Math" panose="02040503050406030204" pitchFamily="18" charset="0"/>
+                      </a:rPr>
+                      <m:t>2</m:t>
+                    </m:r>
+                    <m:r>
+                      <a:rPr lang="it-IT" b="0" i="1" smtClean="0">
+                        <a:latin typeface="Cambria Math" panose="02040503050406030204" pitchFamily="18" charset="0"/>
+                      </a:rPr>
+                      <m:t>+</m:t>
+                    </m:r>
+                    <m:r>
+                      <a:rPr lang="it-IT" b="0" i="1" smtClean="0">
+                        <a:latin typeface="Cambria Math" panose="02040503050406030204" pitchFamily="18" charset="0"/>
+                      </a:rPr>
+                      <m:t>𝑎</m:t>
+                    </m:r>
+                    <m:r>
+                      <a:rPr lang="it-IT" b="0" i="1" baseline="-25000" smtClean="0">
+                        <a:latin typeface="Cambria Math" panose="02040503050406030204" pitchFamily="18" charset="0"/>
+                      </a:rPr>
+                      <m:t>1</m:t>
+                    </m:r>
+                    <m:r>
+                      <a:rPr lang="it-IT" b="0" i="1" smtClean="0">
+                        <a:latin typeface="Cambria Math" panose="02040503050406030204" pitchFamily="18" charset="0"/>
+                      </a:rPr>
+                      <m:t> </m:t>
+                    </m:r>
+                    <m:r>
+                      <a:rPr lang="it-IT" b="0" i="1" smtClean="0">
+                        <a:latin typeface="Cambria Math" panose="02040503050406030204" pitchFamily="18" charset="0"/>
+                      </a:rPr>
+                      <m:t>𝑡</m:t>
+                    </m:r>
+                    <m:r>
+                      <a:rPr lang="it-IT" b="0" i="1" smtClean="0">
+                        <a:latin typeface="Cambria Math" panose="02040503050406030204" pitchFamily="18" charset="0"/>
+                      </a:rPr>
+                      <m:t>+</m:t>
+                    </m:r>
+                    <m:r>
+                      <a:rPr lang="it-IT" b="0" i="1" smtClean="0">
+                        <a:latin typeface="Cambria Math" panose="02040503050406030204" pitchFamily="18" charset="0"/>
+                      </a:rPr>
+                      <m:t>𝑎</m:t>
+                    </m:r>
+                    <m:r>
+                      <a:rPr lang="it-IT" b="0" i="1" baseline="-25000" smtClean="0">
+                        <a:latin typeface="Cambria Math" panose="02040503050406030204" pitchFamily="18" charset="0"/>
+                      </a:rPr>
+                      <m:t>0</m:t>
+                    </m:r>
+                  </m:oMath>
+                </a14:m>
+                <a:r>
+                  <a:rPr lang="it-IT" dirty="0"/>
+                  <a:t>.</a:t>
+                </a:r>
+              </a:p>
+            </p:txBody>
+          </p:sp>
+        </mc:Choice>
+        <mc:Fallback>
+          <p:sp>
+            <p:nvSpPr>
+              <p:cNvPr id="7" name="CasellaDiTesto 6">
+                <a:extLst>
+                  <a:ext uri="{FF2B5EF4-FFF2-40B4-BE49-F238E27FC236}">
+                    <a16:creationId xmlns:a16="http://schemas.microsoft.com/office/drawing/2014/main" id="{551F9BE8-FCCD-D044-96D2-F969D896E9F1}"/>
+                  </a:ext>
+                </a:extLst>
+              </p:cNvPr>
+              <p:cNvSpPr txBox="1">
+                <a:spLocks noRot="1" noChangeAspect="1" noMove="1" noResize="1" noEditPoints="1" noAdjustHandles="1" noChangeArrowheads="1" noChangeShapeType="1" noTextEdit="1"/>
+              </p:cNvSpPr>
+              <p:nvPr/>
+            </p:nvSpPr>
+            <p:spPr>
+              <a:xfrm>
+                <a:off x="1524000" y="1756229"/>
+                <a:ext cx="3570514" cy="3551806"/>
+              </a:xfrm>
+              <a:prstGeom prst="rect">
+                <a:avLst/>
+              </a:prstGeom>
+              <a:blipFill>
+                <a:blip r:embed="rId2"/>
+                <a:stretch>
+                  <a:fillRect l="-1423" t="-356" r="-356" b="-1779"/>
+                </a:stretch>
+              </a:blipFill>
+            </p:spPr>
+            <p:txBody>
+              <a:bodyPr/>
+              <a:lstStyle/>
+              <a:p>
+                <a:r>
+                  <a:rPr lang="it-IT">
+                    <a:noFill/>
+                  </a:rPr>
+                  <a:t> </a:t>
+                </a:r>
+              </a:p>
+            </p:txBody>
+          </p:sp>
+        </mc:Fallback>
+      </mc:AlternateContent>
       <p:pic>
         <p:nvPicPr>
-          <p:cNvPr id="3" name="Immagine 2">
-            <a:extLst>
-              <a:ext uri="{FF2B5EF4-FFF2-40B4-BE49-F238E27FC236}">
-                <a16:creationId xmlns:a16="http://schemas.microsoft.com/office/drawing/2014/main" id="{74E89475-B59D-504D-90BC-910774DF4D8D}"/>
+          <p:cNvPr id="4" name="Immagine 3">
+            <a:extLst>
+              <a:ext uri="{FF2B5EF4-FFF2-40B4-BE49-F238E27FC236}">
+                <a16:creationId xmlns:a16="http://schemas.microsoft.com/office/drawing/2014/main" id="{F5064286-C556-3F45-A2B5-1B789045D620}"/>
+              </a:ext>
+            </a:extLst>
+          </p:cNvPr>
+          <p:cNvPicPr>
+            <a:picLocks noChangeAspect="1"/>
+          </p:cNvPicPr>
+          <p:nvPr/>
+        </p:nvPicPr>
+        <p:blipFill>
+          <a:blip r:embed="rId3"/>
+          <a:stretch>
+            <a:fillRect/>
+          </a:stretch>
+        </p:blipFill>
+        <p:spPr>
+          <a:xfrm>
+            <a:off x="5094514" y="1756229"/>
+            <a:ext cx="5689600" cy="4267200"/>
+          </a:xfrm>
+          <a:prstGeom prst="rect">
+            <a:avLst/>
+          </a:prstGeom>
+        </p:spPr>
+      </p:pic>
+    </p:spTree>
+    <p:extLst>
+      <p:ext uri="{BB962C8B-B14F-4D97-AF65-F5344CB8AC3E}">
+        <p14:creationId xmlns:p14="http://schemas.microsoft.com/office/powerpoint/2010/main" val="3210747302"/>
+      </p:ext>
+    </p:extLst>
+  </p:cSld>
+  <p:clrMapOvr>
+    <a:masterClrMapping/>
+  </p:clrMapOvr>
+</p:sld>
+</file>
+
+<file path=ppt/slides/slide15.xml><?xml version="1.0" encoding="utf-8"?>
+<p:sld xmlns:a="http://schemas.openxmlformats.org/drawingml/2006/main" xmlns:r="http://schemas.openxmlformats.org/officeDocument/2006/relationships" xmlns:p="http://schemas.openxmlformats.org/presentationml/2006/main">
+  <p:cSld>
+    <p:spTree>
+      <p:nvGrpSpPr>
+        <p:cNvPr id="1" name=""/>
+        <p:cNvGrpSpPr/>
+        <p:nvPr/>
+      </p:nvGrpSpPr>
+      <p:grpSpPr>
+        <a:xfrm>
+          <a:off x="0" y="0"/>
+          <a:ext cx="0" cy="0"/>
+          <a:chOff x="0" y="0"/>
+          <a:chExt cx="0" cy="0"/>
+        </a:xfrm>
+      </p:grpSpPr>
+      <p:sp>
+        <p:nvSpPr>
+          <p:cNvPr id="5" name="Titolo 1">
+            <a:extLst>
+              <a:ext uri="{FF2B5EF4-FFF2-40B4-BE49-F238E27FC236}">
+                <a16:creationId xmlns:a16="http://schemas.microsoft.com/office/drawing/2014/main" id="{719936BE-0F9D-C74E-9E55-A7F2CE751F93}"/>
+              </a:ext>
+            </a:extLst>
+          </p:cNvPr>
+          <p:cNvSpPr txBox="1">
+            <a:spLocks/>
+          </p:cNvSpPr>
+          <p:nvPr/>
+        </p:nvSpPr>
+        <p:spPr>
+          <a:xfrm>
+            <a:off x="1524000" y="454393"/>
+            <a:ext cx="9144000" cy="1021230"/>
+          </a:xfrm>
+          <a:prstGeom prst="rect">
+            <a:avLst/>
+          </a:prstGeom>
+        </p:spPr>
+        <p:txBody>
+          <a:bodyPr vert="horz" lIns="91440" tIns="45720" rIns="91440" bIns="45720" rtlCol="0" anchor="ctr">
+            <a:normAutofit fontScale="85000" lnSpcReduction="20000"/>
+          </a:bodyPr>
+          <a:lstStyle>
+            <a:lvl1pPr algn="l" defTabSz="914400" rtl="0" eaLnBrk="1" latinLnBrk="0" hangingPunct="1">
+              <a:lnSpc>
+                <a:spcPct val="90000"/>
+              </a:lnSpc>
+              <a:spcBef>
+                <a:spcPct val="0"/>
+              </a:spcBef>
+              <a:buNone/>
+              <a:defRPr sz="4400" kern="1200">
+                <a:solidFill>
+                  <a:schemeClr val="tx1"/>
+                </a:solidFill>
+                <a:latin typeface="+mj-lt"/>
+                <a:ea typeface="+mj-ea"/>
+                <a:cs typeface="+mj-cs"/>
+              </a:defRPr>
+            </a:lvl1pPr>
+          </a:lstStyle>
+          <a:p>
+            <a:pPr algn="ctr"/>
+            <a:r>
+              <a:rPr lang="it-IT" sz="5200" dirty="0"/>
+              <a:t>Manipolatore di Stanford</a:t>
+            </a:r>
+          </a:p>
+          <a:p>
+            <a:pPr algn="ctr"/>
+            <a:r>
+              <a:rPr lang="it-IT" sz="3800" dirty="0"/>
+              <a:t>Controllore </a:t>
+            </a:r>
+            <a:r>
+              <a:rPr lang="it-IT" sz="3800" dirty="0" err="1"/>
+              <a:t>Adaptive</a:t>
+            </a:r>
+            <a:r>
+              <a:rPr lang="it-IT" sz="3800" dirty="0"/>
+              <a:t> </a:t>
+            </a:r>
+            <a:r>
+              <a:rPr lang="it-IT" sz="3800" dirty="0" err="1"/>
+              <a:t>Computed</a:t>
+            </a:r>
+            <a:r>
+              <a:rPr lang="it-IT" sz="3800" dirty="0"/>
+              <a:t> Torque</a:t>
+            </a:r>
+          </a:p>
+        </p:txBody>
+      </p:sp>
+      <p:pic>
+        <p:nvPicPr>
+          <p:cNvPr id="15" name="Immagine 14">
+            <a:extLst>
+              <a:ext uri="{FF2B5EF4-FFF2-40B4-BE49-F238E27FC236}">
+                <a16:creationId xmlns:a16="http://schemas.microsoft.com/office/drawing/2014/main" id="{071058FC-0B93-E147-A0EA-71411EBAC8D3}"/>
               </a:ext>
             </a:extLst>
           </p:cNvPr>
@@ -4284,14 +5300,549 @@
         </p:blipFill>
         <p:spPr>
           <a:xfrm>
-            <a:off x="6019800" y="1661318"/>
-            <a:ext cx="5689600" cy="4165600"/>
+            <a:off x="2320228" y="5041737"/>
+            <a:ext cx="1962353" cy="720000"/>
           </a:xfrm>
           <a:prstGeom prst="rect">
             <a:avLst/>
           </a:prstGeom>
         </p:spPr>
       </p:pic>
+      <p:pic>
+        <p:nvPicPr>
+          <p:cNvPr id="17" name="Immagine 16">
+            <a:extLst>
+              <a:ext uri="{FF2B5EF4-FFF2-40B4-BE49-F238E27FC236}">
+                <a16:creationId xmlns:a16="http://schemas.microsoft.com/office/drawing/2014/main" id="{7E59E54C-4FB5-5E49-9D4A-B67F723DF438}"/>
+              </a:ext>
+            </a:extLst>
+          </p:cNvPr>
+          <p:cNvPicPr>
+            <a:picLocks noChangeAspect="1"/>
+          </p:cNvPicPr>
+          <p:nvPr/>
+        </p:nvPicPr>
+        <p:blipFill>
+          <a:blip r:embed="rId3"/>
+          <a:stretch>
+            <a:fillRect/>
+          </a:stretch>
+        </p:blipFill>
+        <p:spPr>
+          <a:xfrm>
+            <a:off x="4282581" y="5019198"/>
+            <a:ext cx="1080000" cy="720000"/>
+          </a:xfrm>
+          <a:prstGeom prst="rect">
+            <a:avLst/>
+          </a:prstGeom>
+        </p:spPr>
+      </p:pic>
+      <p:pic>
+        <p:nvPicPr>
+          <p:cNvPr id="21" name="Immagine 20">
+            <a:extLst>
+              <a:ext uri="{FF2B5EF4-FFF2-40B4-BE49-F238E27FC236}">
+                <a16:creationId xmlns:a16="http://schemas.microsoft.com/office/drawing/2014/main" id="{628AF90A-A29E-6445-9513-C1B6ABAFF429}"/>
+              </a:ext>
+            </a:extLst>
+          </p:cNvPr>
+          <p:cNvPicPr>
+            <a:picLocks noChangeAspect="1"/>
+          </p:cNvPicPr>
+          <p:nvPr/>
+        </p:nvPicPr>
+        <p:blipFill>
+          <a:blip r:embed="rId4"/>
+          <a:stretch>
+            <a:fillRect/>
+          </a:stretch>
+        </p:blipFill>
+        <p:spPr>
+          <a:xfrm>
+            <a:off x="4377432" y="5863822"/>
+            <a:ext cx="3426207" cy="720000"/>
+          </a:xfrm>
+          <a:prstGeom prst="rect">
+            <a:avLst/>
+          </a:prstGeom>
+        </p:spPr>
+      </p:pic>
+      <p:pic>
+        <p:nvPicPr>
+          <p:cNvPr id="23" name="Immagine 22">
+            <a:extLst>
+              <a:ext uri="{FF2B5EF4-FFF2-40B4-BE49-F238E27FC236}">
+                <a16:creationId xmlns:a16="http://schemas.microsoft.com/office/drawing/2014/main" id="{23446BB1-0E7F-814F-9D19-AD5F0370A687}"/>
+              </a:ext>
+            </a:extLst>
+          </p:cNvPr>
+          <p:cNvPicPr>
+            <a:picLocks noChangeAspect="1"/>
+          </p:cNvPicPr>
+          <p:nvPr/>
+        </p:nvPicPr>
+        <p:blipFill>
+          <a:blip r:embed="rId5"/>
+          <a:stretch>
+            <a:fillRect/>
+          </a:stretch>
+        </p:blipFill>
+        <p:spPr>
+          <a:xfrm>
+            <a:off x="4156260" y="1475623"/>
+            <a:ext cx="3868555" cy="1135337"/>
+          </a:xfrm>
+          <a:prstGeom prst="rect">
+            <a:avLst/>
+          </a:prstGeom>
+        </p:spPr>
+      </p:pic>
+      <p:pic>
+        <p:nvPicPr>
+          <p:cNvPr id="3" name="Immagine 2">
+            <a:extLst>
+              <a:ext uri="{FF2B5EF4-FFF2-40B4-BE49-F238E27FC236}">
+                <a16:creationId xmlns:a16="http://schemas.microsoft.com/office/drawing/2014/main" id="{757BC09A-1A69-8946-AE3E-9D92A4C98765}"/>
+              </a:ext>
+            </a:extLst>
+          </p:cNvPr>
+          <p:cNvPicPr>
+            <a:picLocks noChangeAspect="1"/>
+          </p:cNvPicPr>
+          <p:nvPr/>
+        </p:nvPicPr>
+        <p:blipFill>
+          <a:blip r:embed="rId6"/>
+          <a:stretch>
+            <a:fillRect/>
+          </a:stretch>
+        </p:blipFill>
+        <p:spPr>
+          <a:xfrm>
+            <a:off x="5362581" y="5019198"/>
+            <a:ext cx="2563200" cy="720000"/>
+          </a:xfrm>
+          <a:prstGeom prst="rect">
+            <a:avLst/>
+          </a:prstGeom>
+        </p:spPr>
+      </p:pic>
+      <p:pic>
+        <p:nvPicPr>
+          <p:cNvPr id="6" name="Immagine 5">
+            <a:extLst>
+              <a:ext uri="{FF2B5EF4-FFF2-40B4-BE49-F238E27FC236}">
+                <a16:creationId xmlns:a16="http://schemas.microsoft.com/office/drawing/2014/main" id="{21579160-C955-CD49-A648-49B431236C92}"/>
+              </a:ext>
+            </a:extLst>
+          </p:cNvPr>
+          <p:cNvPicPr>
+            <a:picLocks noChangeAspect="1"/>
+          </p:cNvPicPr>
+          <p:nvPr/>
+        </p:nvPicPr>
+        <p:blipFill>
+          <a:blip r:embed="rId7"/>
+          <a:stretch>
+            <a:fillRect/>
+          </a:stretch>
+        </p:blipFill>
+        <p:spPr>
+          <a:xfrm>
+            <a:off x="8024815" y="5019198"/>
+            <a:ext cx="1900800" cy="720000"/>
+          </a:xfrm>
+          <a:prstGeom prst="rect">
+            <a:avLst/>
+          </a:prstGeom>
+        </p:spPr>
+      </p:pic>
+      <p:pic>
+        <p:nvPicPr>
+          <p:cNvPr id="8" name="Immagine 7">
+            <a:extLst>
+              <a:ext uri="{FF2B5EF4-FFF2-40B4-BE49-F238E27FC236}">
+                <a16:creationId xmlns:a16="http://schemas.microsoft.com/office/drawing/2014/main" id="{D80B9369-2FE2-0547-8A3D-49A3831860BE}"/>
+              </a:ext>
+            </a:extLst>
+          </p:cNvPr>
+          <p:cNvPicPr>
+            <a:picLocks noChangeAspect="1"/>
+          </p:cNvPicPr>
+          <p:nvPr/>
+        </p:nvPicPr>
+        <p:blipFill>
+          <a:blip r:embed="rId8"/>
+          <a:stretch>
+            <a:fillRect/>
+          </a:stretch>
+        </p:blipFill>
+        <p:spPr>
+          <a:xfrm>
+            <a:off x="6176241" y="3250941"/>
+            <a:ext cx="4127500" cy="1612900"/>
+          </a:xfrm>
+          <a:prstGeom prst="rect">
+            <a:avLst/>
+          </a:prstGeom>
+        </p:spPr>
+      </p:pic>
+      <p:pic>
+        <p:nvPicPr>
+          <p:cNvPr id="10" name="Immagine 9">
+            <a:extLst>
+              <a:ext uri="{FF2B5EF4-FFF2-40B4-BE49-F238E27FC236}">
+                <a16:creationId xmlns:a16="http://schemas.microsoft.com/office/drawing/2014/main" id="{54BDCA2C-37A9-4B47-AE86-1EBA933AA55E}"/>
+              </a:ext>
+            </a:extLst>
+          </p:cNvPr>
+          <p:cNvPicPr>
+            <a:picLocks noChangeAspect="1"/>
+          </p:cNvPicPr>
+          <p:nvPr/>
+        </p:nvPicPr>
+        <p:blipFill>
+          <a:blip r:embed="rId9"/>
+          <a:stretch>
+            <a:fillRect/>
+          </a:stretch>
+        </p:blipFill>
+        <p:spPr>
+          <a:xfrm>
+            <a:off x="1172441" y="3257291"/>
+            <a:ext cx="5003800" cy="1600200"/>
+          </a:xfrm>
+          <a:prstGeom prst="rect">
+            <a:avLst/>
+          </a:prstGeom>
+        </p:spPr>
+      </p:pic>
+      <p:sp>
+        <p:nvSpPr>
+          <p:cNvPr id="20" name="CasellaDiTesto 19">
+            <a:extLst>
+              <a:ext uri="{FF2B5EF4-FFF2-40B4-BE49-F238E27FC236}">
+                <a16:creationId xmlns:a16="http://schemas.microsoft.com/office/drawing/2014/main" id="{6650286C-9CC5-F34B-BC8A-94980E9B0DAD}"/>
+              </a:ext>
+            </a:extLst>
+          </p:cNvPr>
+          <p:cNvSpPr txBox="1"/>
+          <p:nvPr/>
+        </p:nvSpPr>
+        <p:spPr>
+          <a:xfrm>
+            <a:off x="488022" y="2610960"/>
+            <a:ext cx="11205029" cy="646331"/>
+          </a:xfrm>
+          <a:prstGeom prst="rect">
+            <a:avLst/>
+          </a:prstGeom>
+          <a:noFill/>
+        </p:spPr>
+        <p:txBody>
+          <a:bodyPr wrap="square" rtlCol="0">
+            <a:spAutoFit/>
+          </a:bodyPr>
+          <a:lstStyle/>
+          <a:p>
+            <a:r>
+              <a:rPr lang="it-IT" dirty="0"/>
+              <a:t>Per avere la convergenza a zero dell’errore angolare, è stato introdotto un errore sulla posizione iniziale pari a 0.1 </a:t>
+            </a:r>
+            <a:r>
+              <a:rPr lang="it-IT" dirty="0" err="1"/>
+              <a:t>rad</a:t>
+            </a:r>
+            <a:r>
+              <a:rPr lang="it-IT" dirty="0"/>
+              <a:t>.</a:t>
+            </a:r>
+          </a:p>
+          <a:p>
+            <a:r>
+              <a:rPr lang="it-IT" dirty="0"/>
+              <a:t>I valori dei guadagni del controllore sono stati tarati sulla base del comportamento del sistema, il risultato è stato:</a:t>
+            </a:r>
+          </a:p>
+        </p:txBody>
+      </p:sp>
+    </p:spTree>
+    <p:extLst>
+      <p:ext uri="{BB962C8B-B14F-4D97-AF65-F5344CB8AC3E}">
+        <p14:creationId xmlns:p14="http://schemas.microsoft.com/office/powerpoint/2010/main" val="3511369780"/>
+      </p:ext>
+    </p:extLst>
+  </p:cSld>
+  <p:clrMapOvr>
+    <a:masterClrMapping/>
+  </p:clrMapOvr>
+</p:sld>
+</file>
+
+<file path=ppt/slides/slide16.xml><?xml version="1.0" encoding="utf-8"?>
+<p:sld xmlns:a="http://schemas.openxmlformats.org/drawingml/2006/main" xmlns:r="http://schemas.openxmlformats.org/officeDocument/2006/relationships" xmlns:p="http://schemas.openxmlformats.org/presentationml/2006/main">
+  <p:cSld>
+    <p:spTree>
+      <p:nvGrpSpPr>
+        <p:cNvPr id="1" name=""/>
+        <p:cNvGrpSpPr/>
+        <p:nvPr/>
+      </p:nvGrpSpPr>
+      <p:grpSpPr>
+        <a:xfrm>
+          <a:off x="0" y="0"/>
+          <a:ext cx="0" cy="0"/>
+          <a:chOff x="0" y="0"/>
+          <a:chExt cx="0" cy="0"/>
+        </a:xfrm>
+      </p:grpSpPr>
+      <p:sp>
+        <p:nvSpPr>
+          <p:cNvPr id="5" name="Titolo 1">
+            <a:extLst>
+              <a:ext uri="{FF2B5EF4-FFF2-40B4-BE49-F238E27FC236}">
+                <a16:creationId xmlns:a16="http://schemas.microsoft.com/office/drawing/2014/main" id="{719936BE-0F9D-C74E-9E55-A7F2CE751F93}"/>
+              </a:ext>
+            </a:extLst>
+          </p:cNvPr>
+          <p:cNvSpPr txBox="1">
+            <a:spLocks/>
+          </p:cNvSpPr>
+          <p:nvPr/>
+        </p:nvSpPr>
+        <p:spPr>
+          <a:xfrm>
+            <a:off x="1524000" y="454393"/>
+            <a:ext cx="9144000" cy="1021230"/>
+          </a:xfrm>
+          <a:prstGeom prst="rect">
+            <a:avLst/>
+          </a:prstGeom>
+        </p:spPr>
+        <p:txBody>
+          <a:bodyPr vert="horz" lIns="91440" tIns="45720" rIns="91440" bIns="45720" rtlCol="0" anchor="ctr">
+            <a:normAutofit fontScale="85000" lnSpcReduction="20000"/>
+          </a:bodyPr>
+          <a:lstStyle>
+            <a:lvl1pPr algn="l" defTabSz="914400" rtl="0" eaLnBrk="1" latinLnBrk="0" hangingPunct="1">
+              <a:lnSpc>
+                <a:spcPct val="90000"/>
+              </a:lnSpc>
+              <a:spcBef>
+                <a:spcPct val="0"/>
+              </a:spcBef>
+              <a:buNone/>
+              <a:defRPr sz="4400" kern="1200">
+                <a:solidFill>
+                  <a:schemeClr val="tx1"/>
+                </a:solidFill>
+                <a:latin typeface="+mj-lt"/>
+                <a:ea typeface="+mj-ea"/>
+                <a:cs typeface="+mj-cs"/>
+              </a:defRPr>
+            </a:lvl1pPr>
+          </a:lstStyle>
+          <a:p>
+            <a:pPr algn="ctr"/>
+            <a:r>
+              <a:rPr lang="it-IT" sz="5200" dirty="0"/>
+              <a:t>Manipolatore di Stanford</a:t>
+            </a:r>
+          </a:p>
+          <a:p>
+            <a:pPr algn="ctr"/>
+            <a:r>
+              <a:rPr lang="it-IT" sz="3800" dirty="0"/>
+              <a:t>Controllore </a:t>
+            </a:r>
+            <a:r>
+              <a:rPr lang="it-IT" sz="3800" dirty="0" err="1"/>
+              <a:t>Adaptive</a:t>
+            </a:r>
+            <a:r>
+              <a:rPr lang="it-IT" sz="3800" dirty="0"/>
+              <a:t> </a:t>
+            </a:r>
+            <a:r>
+              <a:rPr lang="it-IT" sz="3800" dirty="0" err="1"/>
+              <a:t>Computed</a:t>
+            </a:r>
+            <a:r>
+              <a:rPr lang="it-IT" sz="3800" dirty="0"/>
+              <a:t> Torque</a:t>
+            </a:r>
+          </a:p>
+        </p:txBody>
+      </p:sp>
+      <p:pic>
+        <p:nvPicPr>
+          <p:cNvPr id="11" name="Immagine 10">
+            <a:extLst>
+              <a:ext uri="{FF2B5EF4-FFF2-40B4-BE49-F238E27FC236}">
+                <a16:creationId xmlns:a16="http://schemas.microsoft.com/office/drawing/2014/main" id="{24474708-2AD1-E242-B19A-0598DECCEB08}"/>
+              </a:ext>
+            </a:extLst>
+          </p:cNvPr>
+          <p:cNvPicPr>
+            <a:picLocks noChangeAspect="1"/>
+          </p:cNvPicPr>
+          <p:nvPr/>
+        </p:nvPicPr>
+        <p:blipFill>
+          <a:blip r:embed="rId2"/>
+          <a:stretch>
+            <a:fillRect/>
+          </a:stretch>
+        </p:blipFill>
+        <p:spPr>
+          <a:xfrm>
+            <a:off x="449942" y="1475623"/>
+            <a:ext cx="5689600" cy="4267200"/>
+          </a:xfrm>
+          <a:prstGeom prst="rect">
+            <a:avLst/>
+          </a:prstGeom>
+        </p:spPr>
+      </p:pic>
+      <p:pic>
+        <p:nvPicPr>
+          <p:cNvPr id="13" name="Immagine 12">
+            <a:extLst>
+              <a:ext uri="{FF2B5EF4-FFF2-40B4-BE49-F238E27FC236}">
+                <a16:creationId xmlns:a16="http://schemas.microsoft.com/office/drawing/2014/main" id="{466A2D65-C0B0-0C42-93AC-8B75F09EF259}"/>
+              </a:ext>
+            </a:extLst>
+          </p:cNvPr>
+          <p:cNvPicPr>
+            <a:picLocks noChangeAspect="1"/>
+          </p:cNvPicPr>
+          <p:nvPr/>
+        </p:nvPicPr>
+        <p:blipFill>
+          <a:blip r:embed="rId3"/>
+          <a:stretch>
+            <a:fillRect/>
+          </a:stretch>
+        </p:blipFill>
+        <p:spPr>
+          <a:xfrm>
+            <a:off x="6139542" y="1490137"/>
+            <a:ext cx="5689600" cy="4267200"/>
+          </a:xfrm>
+          <a:prstGeom prst="rect">
+            <a:avLst/>
+          </a:prstGeom>
+        </p:spPr>
+      </p:pic>
+    </p:spTree>
+    <p:extLst>
+      <p:ext uri="{BB962C8B-B14F-4D97-AF65-F5344CB8AC3E}">
+        <p14:creationId xmlns:p14="http://schemas.microsoft.com/office/powerpoint/2010/main" val="2471295502"/>
+      </p:ext>
+    </p:extLst>
+  </p:cSld>
+  <p:clrMapOvr>
+    <a:masterClrMapping/>
+  </p:clrMapOvr>
+</p:sld>
+</file>
+
+<file path=ppt/slides/slide17.xml><?xml version="1.0" encoding="utf-8"?>
+<p:sld xmlns:a="http://schemas.openxmlformats.org/drawingml/2006/main" xmlns:r="http://schemas.openxmlformats.org/officeDocument/2006/relationships" xmlns:p="http://schemas.openxmlformats.org/presentationml/2006/main">
+  <p:cSld>
+    <p:spTree>
+      <p:nvGrpSpPr>
+        <p:cNvPr id="1" name=""/>
+        <p:cNvGrpSpPr/>
+        <p:nvPr/>
+      </p:nvGrpSpPr>
+      <p:grpSpPr>
+        <a:xfrm>
+          <a:off x="0" y="0"/>
+          <a:ext cx="0" cy="0"/>
+          <a:chOff x="0" y="0"/>
+          <a:chExt cx="0" cy="0"/>
+        </a:xfrm>
+      </p:grpSpPr>
+      <p:sp>
+        <p:nvSpPr>
+          <p:cNvPr id="5" name="Titolo 1">
+            <a:extLst>
+              <a:ext uri="{FF2B5EF4-FFF2-40B4-BE49-F238E27FC236}">
+                <a16:creationId xmlns:a16="http://schemas.microsoft.com/office/drawing/2014/main" id="{719936BE-0F9D-C74E-9E55-A7F2CE751F93}"/>
+              </a:ext>
+            </a:extLst>
+          </p:cNvPr>
+          <p:cNvSpPr txBox="1">
+            <a:spLocks/>
+          </p:cNvSpPr>
+          <p:nvPr/>
+        </p:nvSpPr>
+        <p:spPr>
+          <a:xfrm>
+            <a:off x="1524000" y="454393"/>
+            <a:ext cx="9144000" cy="1021230"/>
+          </a:xfrm>
+          <a:prstGeom prst="rect">
+            <a:avLst/>
+          </a:prstGeom>
+        </p:spPr>
+        <p:txBody>
+          <a:bodyPr vert="horz" lIns="91440" tIns="45720" rIns="91440" bIns="45720" rtlCol="0" anchor="ctr">
+            <a:normAutofit fontScale="85000" lnSpcReduction="20000"/>
+          </a:bodyPr>
+          <a:lstStyle>
+            <a:lvl1pPr algn="l" defTabSz="914400" rtl="0" eaLnBrk="1" latinLnBrk="0" hangingPunct="1">
+              <a:lnSpc>
+                <a:spcPct val="90000"/>
+              </a:lnSpc>
+              <a:spcBef>
+                <a:spcPct val="0"/>
+              </a:spcBef>
+              <a:buNone/>
+              <a:defRPr sz="4400" kern="1200">
+                <a:solidFill>
+                  <a:schemeClr val="tx1"/>
+                </a:solidFill>
+                <a:latin typeface="+mj-lt"/>
+                <a:ea typeface="+mj-ea"/>
+                <a:cs typeface="+mj-cs"/>
+              </a:defRPr>
+            </a:lvl1pPr>
+          </a:lstStyle>
+          <a:p>
+            <a:pPr algn="ctr"/>
+            <a:r>
+              <a:rPr lang="it-IT" sz="5200" dirty="0"/>
+              <a:t>Manipolatore di Stanford</a:t>
+            </a:r>
+          </a:p>
+          <a:p>
+            <a:pPr algn="ctr"/>
+            <a:r>
+              <a:rPr lang="it-IT" sz="3800" dirty="0"/>
+              <a:t>Controllore </a:t>
+            </a:r>
+            <a:r>
+              <a:rPr lang="it-IT" sz="3800" dirty="0" err="1"/>
+              <a:t>Adaptive</a:t>
+            </a:r>
+            <a:r>
+              <a:rPr lang="it-IT" sz="3800" dirty="0"/>
+              <a:t> </a:t>
+            </a:r>
+            <a:r>
+              <a:rPr lang="it-IT" sz="3800" dirty="0" err="1"/>
+              <a:t>Computed</a:t>
+            </a:r>
+            <a:r>
+              <a:rPr lang="it-IT" sz="3800" dirty="0"/>
+              <a:t> Torque</a:t>
+            </a:r>
+          </a:p>
+        </p:txBody>
+      </p:sp>
       <mc:AlternateContent xmlns:mc="http://schemas.openxmlformats.org/markup-compatibility/2006">
         <mc:Choice xmlns:a14="http://schemas.microsoft.com/office/drawing/2010/main" Requires="a14">
           <p:sp>
@@ -4317,10 +5868,15 @@
               </a:xfrm>
             </p:spPr>
             <p:txBody>
-              <a:bodyPr/>
+              <a:bodyPr>
+                <a:normAutofit fontScale="92500" lnSpcReduction="10000"/>
+              </a:bodyPr>
               <a:lstStyle/>
               <a:p>
                 <a:pPr marL="0" indent="0">
+                  <a:lnSpc>
+                    <a:spcPct val="150000"/>
+                  </a:lnSpc>
                   <a:buNone/>
                 </a:pPr>
                 <a:r>
@@ -4333,19 +5889,14 @@
                 </a:r>
                 <a:r>
                   <a:rPr lang="it-IT" sz="1800" dirty="0"/>
-                  <a:t> dinamico è stato calcolato estrapolando il parametro m</a:t>
-                </a:r>
-                <a:r>
-                  <a:rPr lang="it-IT" sz="1800" baseline="-25000" dirty="0"/>
-                  <a:t>6</a:t>
-                </a:r>
-                <a:r>
-                  <a:rPr lang="it-IT" sz="1800" dirty="0"/>
-                  <a:t> dalle equazioni della dinamica, utilizzando come vettore dei parametri</a:t>
+                  <a:t> è stato calcolato estrapolando i parametri dinamici relativi alle masse e alle inerzie di ciascun link dalle equazioni della dinamica, utilizzando come vettore dei parametri:</a:t>
                 </a:r>
               </a:p>
               <a:p>
                 <a:pPr marL="0" indent="0">
+                  <a:lnSpc>
+                    <a:spcPct val="150000"/>
+                  </a:lnSpc>
                   <a:buNone/>
                 </a:pPr>
                 <a14:m>
@@ -4364,7 +5915,7 @@
                         <a:rPr lang="it-IT" sz="1800" b="0" i="1" smtClean="0">
                           <a:latin typeface="Cambria Math" panose="02040503050406030204" pitchFamily="18" charset="0"/>
                         </a:rPr>
-                        <m:t>= </m:t>
+                        <m:t>=</m:t>
                       </m:r>
                       <m:d>
                         <m:dPr>
@@ -4377,61 +5928,234 @@
                           </m:ctrlPr>
                         </m:dPr>
                         <m:e>
-                          <m:m>
-                            <m:mPr>
-                              <m:mcs>
-                                <m:mc>
-                                  <m:mcPr>
-                                    <m:count m:val="1"/>
-                                    <m:mcJc m:val="center"/>
-                                  </m:mcPr>
-                                </m:mc>
-                              </m:mcs>
-                              <m:ctrlPr>
-                                <a:rPr lang="it-IT" sz="1800" i="1">
-                                  <a:latin typeface="Cambria Math" panose="02040503050406030204" pitchFamily="18" charset="0"/>
-                                </a:rPr>
-                              </m:ctrlPr>
-                            </m:mPr>
-                            <m:mr>
-                              <m:e>
-                                <m:r>
-                                  <m:rPr>
-                                    <m:brk m:alnAt="7"/>
-                                  </m:rPr>
-                                  <a:rPr lang="it-IT" sz="1800" i="1">
-                                    <a:latin typeface="Cambria Math" panose="02040503050406030204" pitchFamily="18" charset="0"/>
-                                  </a:rPr>
-                                  <m:t>𝑚</m:t>
-                                </m:r>
-                                <m:r>
-                                  <a:rPr lang="it-IT" sz="1800" i="1" baseline="-25000">
-                                    <a:latin typeface="Cambria Math" panose="02040503050406030204" pitchFamily="18" charset="0"/>
-                                  </a:rPr>
-                                  <m:t>6</m:t>
-                                </m:r>
-                              </m:e>
-                            </m:mr>
-                            <m:mr>
-                              <m:e>
-                                <m:r>
-                                  <a:rPr lang="it-IT" sz="1800" i="1">
-                                    <a:latin typeface="Cambria Math" panose="02040503050406030204" pitchFamily="18" charset="0"/>
-                                  </a:rPr>
-                                  <m:t>1</m:t>
-                                </m:r>
-                              </m:e>
-                            </m:mr>
-                          </m:m>
+                          <m:r>
+                            <a:rPr lang="it-IT" sz="1800" b="0" i="1" smtClean="0">
+                              <a:latin typeface="Cambria Math" panose="02040503050406030204" pitchFamily="18" charset="0"/>
+                            </a:rPr>
+                            <m:t>𝑚</m:t>
+                          </m:r>
+                          <m:r>
+                            <a:rPr lang="it-IT" sz="1800" b="0" i="1" baseline="-25000" smtClean="0">
+                              <a:latin typeface="Cambria Math" panose="02040503050406030204" pitchFamily="18" charset="0"/>
+                            </a:rPr>
+                            <m:t>1</m:t>
+                          </m:r>
+                          <m:r>
+                            <a:rPr lang="it-IT" sz="1800" b="0" i="1" smtClean="0">
+                              <a:latin typeface="Cambria Math" panose="02040503050406030204" pitchFamily="18" charset="0"/>
+                            </a:rPr>
+                            <m:t>, </m:t>
+                          </m:r>
+                          <m:r>
+                            <a:rPr lang="it-IT" sz="1800" b="0" i="1" smtClean="0">
+                              <a:latin typeface="Cambria Math" panose="02040503050406030204" pitchFamily="18" charset="0"/>
+                            </a:rPr>
+                            <m:t>𝐼</m:t>
+                          </m:r>
+                          <m:r>
+                            <a:rPr lang="it-IT" sz="1800" b="0" i="1" baseline="-25000" smtClean="0">
+                              <a:latin typeface="Cambria Math" panose="02040503050406030204" pitchFamily="18" charset="0"/>
+                            </a:rPr>
+                            <m:t>1</m:t>
+                          </m:r>
+                          <m:r>
+                            <a:rPr lang="it-IT" sz="1800" b="0" i="1" smtClean="0">
+                              <a:latin typeface="Cambria Math" panose="02040503050406030204" pitchFamily="18" charset="0"/>
+                            </a:rPr>
+                            <m:t>,</m:t>
+                          </m:r>
+                          <m:r>
+                            <a:rPr lang="it-IT" sz="1800" b="0" i="1" smtClean="0">
+                              <a:latin typeface="Cambria Math" panose="02040503050406030204" pitchFamily="18" charset="0"/>
+                            </a:rPr>
+                            <m:t>𝑚</m:t>
+                          </m:r>
+                          <m:r>
+                            <a:rPr lang="it-IT" sz="1800" b="0" i="1" baseline="-25000" smtClean="0">
+                              <a:latin typeface="Cambria Math" panose="02040503050406030204" pitchFamily="18" charset="0"/>
+                            </a:rPr>
+                            <m:t>2</m:t>
+                          </m:r>
+                          <m:r>
+                            <a:rPr lang="it-IT" sz="1800" b="0" i="1" smtClean="0">
+                              <a:latin typeface="Cambria Math" panose="02040503050406030204" pitchFamily="18" charset="0"/>
+                            </a:rPr>
+                            <m:t>,</m:t>
+                          </m:r>
+                          <m:r>
+                            <a:rPr lang="it-IT" sz="1800" b="0" i="1" smtClean="0">
+                              <a:latin typeface="Cambria Math" panose="02040503050406030204" pitchFamily="18" charset="0"/>
+                            </a:rPr>
+                            <m:t>𝐼</m:t>
+                          </m:r>
+                          <m:r>
+                            <a:rPr lang="it-IT" sz="1800" b="0" i="1" baseline="-25000" smtClean="0">
+                              <a:latin typeface="Cambria Math" panose="02040503050406030204" pitchFamily="18" charset="0"/>
+                            </a:rPr>
+                            <m:t>2</m:t>
+                          </m:r>
+                          <m:r>
+                            <a:rPr lang="it-IT" sz="1800" b="0" i="1" smtClean="0">
+                              <a:latin typeface="Cambria Math" panose="02040503050406030204" pitchFamily="18" charset="0"/>
+                            </a:rPr>
+                            <m:t>,</m:t>
+                          </m:r>
+                          <m:r>
+                            <a:rPr lang="it-IT" sz="1800" b="0" i="1" smtClean="0">
+                              <a:latin typeface="Cambria Math" panose="02040503050406030204" pitchFamily="18" charset="0"/>
+                            </a:rPr>
+                            <m:t>𝑚</m:t>
+                          </m:r>
+                          <m:r>
+                            <a:rPr lang="it-IT" sz="1800" b="0" i="1" baseline="-25000" smtClean="0">
+                              <a:latin typeface="Cambria Math" panose="02040503050406030204" pitchFamily="18" charset="0"/>
+                            </a:rPr>
+                            <m:t>3</m:t>
+                          </m:r>
+                          <m:r>
+                            <a:rPr lang="it-IT" sz="1800" b="0" i="1" smtClean="0">
+                              <a:latin typeface="Cambria Math" panose="02040503050406030204" pitchFamily="18" charset="0"/>
+                            </a:rPr>
+                            <m:t>,</m:t>
+                          </m:r>
+                          <m:r>
+                            <a:rPr lang="it-IT" sz="1800" b="0" i="1" smtClean="0">
+                              <a:latin typeface="Cambria Math" panose="02040503050406030204" pitchFamily="18" charset="0"/>
+                            </a:rPr>
+                            <m:t>𝐼</m:t>
+                          </m:r>
+                          <m:r>
+                            <a:rPr lang="it-IT" sz="1800" b="0" i="1" baseline="-25000" smtClean="0">
+                              <a:latin typeface="Cambria Math" panose="02040503050406030204" pitchFamily="18" charset="0"/>
+                            </a:rPr>
+                            <m:t>3</m:t>
+                          </m:r>
+                          <m:r>
+                            <a:rPr lang="it-IT" sz="1800" b="0" i="1" smtClean="0">
+                              <a:latin typeface="Cambria Math" panose="02040503050406030204" pitchFamily="18" charset="0"/>
+                            </a:rPr>
+                            <m:t>,</m:t>
+                          </m:r>
+                          <m:r>
+                            <a:rPr lang="it-IT" sz="1800" b="0" i="1" smtClean="0">
+                              <a:latin typeface="Cambria Math" panose="02040503050406030204" pitchFamily="18" charset="0"/>
+                            </a:rPr>
+                            <m:t>𝑚</m:t>
+                          </m:r>
+                          <m:r>
+                            <a:rPr lang="it-IT" sz="1800" b="0" i="1" baseline="-25000" smtClean="0">
+                              <a:latin typeface="Cambria Math" panose="02040503050406030204" pitchFamily="18" charset="0"/>
+                            </a:rPr>
+                            <m:t>4</m:t>
+                          </m:r>
+                          <m:r>
+                            <a:rPr lang="it-IT" sz="1800" b="0" i="1" smtClean="0">
+                              <a:latin typeface="Cambria Math" panose="02040503050406030204" pitchFamily="18" charset="0"/>
+                            </a:rPr>
+                            <m:t>,</m:t>
+                          </m:r>
+                          <m:r>
+                            <a:rPr lang="it-IT" sz="1800" b="0" i="1" smtClean="0">
+                              <a:latin typeface="Cambria Math" panose="02040503050406030204" pitchFamily="18" charset="0"/>
+                            </a:rPr>
+                            <m:t>𝐼</m:t>
+                          </m:r>
+                          <m:r>
+                            <a:rPr lang="it-IT" sz="1800" b="0" i="1" baseline="-25000" smtClean="0">
+                              <a:latin typeface="Cambria Math" panose="02040503050406030204" pitchFamily="18" charset="0"/>
+                            </a:rPr>
+                            <m:t>4</m:t>
+                          </m:r>
+                          <m:r>
+                            <a:rPr lang="it-IT" sz="1800" b="0" i="1" smtClean="0">
+                              <a:latin typeface="Cambria Math" panose="02040503050406030204" pitchFamily="18" charset="0"/>
+                            </a:rPr>
+                            <m:t>,</m:t>
+                          </m:r>
+                          <m:r>
+                            <a:rPr lang="it-IT" sz="1800" b="0" i="1" smtClean="0">
+                              <a:latin typeface="Cambria Math" panose="02040503050406030204" pitchFamily="18" charset="0"/>
+                            </a:rPr>
+                            <m:t>𝑚</m:t>
+                          </m:r>
+                          <m:r>
+                            <a:rPr lang="it-IT" sz="1800" b="0" i="1" baseline="-25000" smtClean="0">
+                              <a:latin typeface="Cambria Math" panose="02040503050406030204" pitchFamily="18" charset="0"/>
+                            </a:rPr>
+                            <m:t>5</m:t>
+                          </m:r>
+                          <m:r>
+                            <a:rPr lang="it-IT" sz="1800" b="0" i="1" smtClean="0">
+                              <a:latin typeface="Cambria Math" panose="02040503050406030204" pitchFamily="18" charset="0"/>
+                            </a:rPr>
+                            <m:t>,</m:t>
+                          </m:r>
+                          <m:r>
+                            <a:rPr lang="it-IT" sz="1800" b="0" i="1" smtClean="0">
+                              <a:latin typeface="Cambria Math" panose="02040503050406030204" pitchFamily="18" charset="0"/>
+                            </a:rPr>
+                            <m:t>𝐼</m:t>
+                          </m:r>
+                          <m:r>
+                            <a:rPr lang="it-IT" sz="1800" b="0" i="1" baseline="-25000" smtClean="0">
+                              <a:latin typeface="Cambria Math" panose="02040503050406030204" pitchFamily="18" charset="0"/>
+                            </a:rPr>
+                            <m:t>5</m:t>
+                          </m:r>
+                          <m:r>
+                            <a:rPr lang="it-IT" sz="1800" b="0" i="1" smtClean="0">
+                              <a:latin typeface="Cambria Math" panose="02040503050406030204" pitchFamily="18" charset="0"/>
+                            </a:rPr>
+                            <m:t>,</m:t>
+                          </m:r>
+                          <m:r>
+                            <a:rPr lang="it-IT" sz="1800" b="0" i="1" smtClean="0">
+                              <a:latin typeface="Cambria Math" panose="02040503050406030204" pitchFamily="18" charset="0"/>
+                            </a:rPr>
+                            <m:t>𝑚</m:t>
+                          </m:r>
+                          <m:r>
+                            <a:rPr lang="it-IT" sz="1800" b="0" i="1" baseline="-25000" smtClean="0">
+                              <a:latin typeface="Cambria Math" panose="02040503050406030204" pitchFamily="18" charset="0"/>
+                            </a:rPr>
+                            <m:t>6</m:t>
+                          </m:r>
+                          <m:r>
+                            <a:rPr lang="it-IT" sz="1800" b="0" i="1" smtClean="0">
+                              <a:latin typeface="Cambria Math" panose="02040503050406030204" pitchFamily="18" charset="0"/>
+                            </a:rPr>
+                            <m:t>,</m:t>
+                          </m:r>
+                          <m:r>
+                            <a:rPr lang="it-IT" sz="1800" b="0" i="1" smtClean="0">
+                              <a:latin typeface="Cambria Math" panose="02040503050406030204" pitchFamily="18" charset="0"/>
+                            </a:rPr>
+                            <m:t>𝐼</m:t>
+                          </m:r>
+                          <m:r>
+                            <a:rPr lang="it-IT" sz="1800" b="0" i="1" baseline="-25000" smtClean="0">
+                              <a:latin typeface="Cambria Math" panose="02040503050406030204" pitchFamily="18" charset="0"/>
+                            </a:rPr>
+                            <m:t>6</m:t>
+                          </m:r>
                         </m:e>
                       </m:d>
+                      <m:r>
+                        <a:rPr lang="it-IT" sz="1800" b="0" i="1" baseline="30000" smtClean="0">
+                          <a:latin typeface="Cambria Math" panose="02040503050406030204" pitchFamily="18" charset="0"/>
+                        </a:rPr>
+                        <m:t>𝑇</m:t>
+                      </m:r>
                     </m:oMath>
                   </m:oMathPara>
                 </a14:m>
-                <a:endParaRPr lang="it-IT" sz="1800" dirty="0"/>
+                <a:endParaRPr lang="it-IT" sz="1800" baseline="30000" dirty="0"/>
               </a:p>
               <a:p>
                 <a:pPr marL="0" indent="0">
+                  <a:lnSpc>
+                    <a:spcPct val="150000"/>
+                  </a:lnSpc>
                   <a:buNone/>
                 </a:pPr>
                 <a:r>
@@ -4469,75 +6193,47 @@
                         <m:begChr m:val="["/>
                         <m:endChr m:val="]"/>
                         <m:ctrlPr>
-                          <a:rPr lang="it-IT" sz="1800" i="1">
+                          <a:rPr lang="it-IT" sz="1800" b="0" i="1" smtClean="0">
                             <a:latin typeface="Cambria Math" panose="02040503050406030204" pitchFamily="18" charset="0"/>
                           </a:rPr>
                         </m:ctrlPr>
                       </m:dPr>
                       <m:e>
-                        <m:m>
-                          <m:mPr>
-                            <m:mcs>
-                              <m:mc>
-                                <m:mcPr>
-                                  <m:count m:val="1"/>
-                                  <m:mcJc m:val="center"/>
-                                </m:mcPr>
-                              </m:mc>
-                            </m:mcs>
-                            <m:ctrlPr>
-                              <a:rPr lang="it-IT" sz="1800" i="1" smtClean="0">
-                                <a:latin typeface="Cambria Math" panose="02040503050406030204" pitchFamily="18" charset="0"/>
-                              </a:rPr>
-                            </m:ctrlPr>
-                          </m:mPr>
-                          <m:mr>
-                            <m:e>
-                              <m:r>
-                                <m:rPr>
-                                  <m:brk m:alnAt="7"/>
-                                </m:rPr>
-                                <a:rPr lang="it-IT" sz="1800" b="0" i="1" smtClean="0">
-                                  <a:latin typeface="Cambria Math" panose="02040503050406030204" pitchFamily="18" charset="0"/>
-                                </a:rPr>
-                                <m:t>3</m:t>
-                              </m:r>
-                            </m:e>
-                          </m:mr>
-                          <m:mr>
-                            <m:e>
-                              <m:r>
-                                <a:rPr lang="it-IT" sz="1800" i="1">
-                                  <a:latin typeface="Cambria Math" panose="02040503050406030204" pitchFamily="18" charset="0"/>
-                                </a:rPr>
-                                <m:t>1</m:t>
-                              </m:r>
-                            </m:e>
-                          </m:mr>
-                        </m:m>
+                        <m:r>
+                          <a:rPr lang="it-IT" sz="1800" b="0" i="1" smtClean="0">
+                            <a:latin typeface="Cambria Math" panose="02040503050406030204" pitchFamily="18" charset="0"/>
+                          </a:rPr>
+                          <m:t>1,1,1,1,1,1,1,1,1,1,1,1</m:t>
+                        </m:r>
                       </m:e>
                     </m:d>
+                    <m:r>
+                      <a:rPr lang="it-IT" sz="1800" b="0" i="1" baseline="30000" smtClean="0">
+                        <a:latin typeface="Cambria Math" panose="02040503050406030204" pitchFamily="18" charset="0"/>
+                      </a:rPr>
+                      <m:t>𝑇</m:t>
+                    </m:r>
                   </m:oMath>
                 </a14:m>
                 <a:r>
                   <a:rPr lang="it-IT" sz="1800" dirty="0"/>
-                  <a:t> il risultato atteso era che il segnale giallo riportato nella figura accanto assumesse valore finale pari a m</a:t>
+                  <a:t> e per la scelta fatta della matrici </a:t>
                 </a:r>
                 <a:r>
-                  <a:rPr lang="it-IT" sz="1800" baseline="-25000" dirty="0"/>
-                  <a:t>6</a:t>
+                  <a:rPr lang="it-IT" sz="1800" dirty="0" err="1"/>
+                  <a:t>R</a:t>
                 </a:r>
                 <a:r>
                   <a:rPr lang="it-IT" sz="1800" dirty="0"/>
-                  <a:t> per effetto della componente adattiva del controllore stesso. Nonostante il </a:t>
+                  <a:t> e </a:t>
                 </a:r>
                 <a:r>
                   <a:rPr lang="it-IT" sz="1800" dirty="0" err="1"/>
-                  <a:t>tuning</a:t>
+                  <a:t>Q</a:t>
                 </a:r>
                 <a:r>
                   <a:rPr lang="it-IT" sz="1800" dirty="0"/>
-                  <a:t> delle matrici utilizzate per l’adattamento questo comportamento atteso non si è verificato.</a:t>
+                  <a:t> si ottiene il seguente andamento, nel quale i parametri dinamici stimati vanno a convergere verso quelli desiderati.</a:t>
                 </a:r>
                 <a:endParaRPr lang="it-IT" sz="1800" baseline="-25000" dirty="0"/>
               </a:p>
@@ -4573,9 +6269,9 @@
                 <a:ext cx="5181600" cy="4001293"/>
               </a:xfrm>
               <a:blipFill>
-                <a:blip r:embed="rId3"/>
+                <a:blip r:embed="rId2"/>
                 <a:stretch>
-                  <a:fillRect l="-978" t="-1587" r="-1467"/>
+                  <a:fillRect l="-733"/>
                 </a:stretch>
               </a:blipFill>
             </p:spPr>
@@ -4594,6 +6290,36 @@
           </p:sp>
         </mc:Fallback>
       </mc:AlternateContent>
+      <p:pic>
+        <p:nvPicPr>
+          <p:cNvPr id="7" name="Immagine 6">
+            <a:extLst>
+              <a:ext uri="{FF2B5EF4-FFF2-40B4-BE49-F238E27FC236}">
+                <a16:creationId xmlns:a16="http://schemas.microsoft.com/office/drawing/2014/main" id="{D50B4C85-32A4-BB45-ADC9-C78099D3EE7F}"/>
+              </a:ext>
+            </a:extLst>
+          </p:cNvPr>
+          <p:cNvPicPr>
+            <a:picLocks noChangeAspect="1"/>
+          </p:cNvPicPr>
+          <p:nvPr/>
+        </p:nvPicPr>
+        <p:blipFill>
+          <a:blip r:embed="rId3"/>
+          <a:stretch>
+            <a:fillRect/>
+          </a:stretch>
+        </p:blipFill>
+        <p:spPr>
+          <a:xfrm>
+            <a:off x="6019800" y="1743471"/>
+            <a:ext cx="5831840" cy="4165600"/>
+          </a:xfrm>
+          <a:prstGeom prst="rect">
+            <a:avLst/>
+          </a:prstGeom>
+        </p:spPr>
+      </p:pic>
     </p:spTree>
     <p:extLst>
       <p:ext uri="{BB962C8B-B14F-4D97-AF65-F5344CB8AC3E}">
@@ -4803,7 +6529,7 @@
           <a:p>
             <a:fld id="{4EF59023-6175-3944-979D-CFE35E3A8267}" type="datetime1">
               <a:rPr lang="it-IT" smtClean="0"/>
-              <a:t>07/05/21</a:t>
+              <a:t>12/06/21</a:t>
             </a:fld>
             <a:endParaRPr lang="en-US" dirty="0"/>
           </a:p>
@@ -8498,42 +10224,523 @@
           </a:p>
         </p:txBody>
       </p:sp>
+      <mc:AlternateContent xmlns:mc="http://schemas.openxmlformats.org/markup-compatibility/2006">
+        <mc:Choice xmlns:a14="http://schemas.microsoft.com/office/drawing/2010/main" Requires="a14">
+          <p:sp>
+            <p:nvSpPr>
+              <p:cNvPr id="2" name="CasellaDiTesto 1">
+                <a:extLst>
+                  <a:ext uri="{FF2B5EF4-FFF2-40B4-BE49-F238E27FC236}">
+                    <a16:creationId xmlns:a16="http://schemas.microsoft.com/office/drawing/2014/main" id="{E561A598-E0CC-3344-9B96-3FFE152FB07B}"/>
+                  </a:ext>
+                </a:extLst>
+              </p:cNvPr>
+              <p:cNvSpPr txBox="1"/>
+              <p:nvPr/>
+            </p:nvSpPr>
+            <p:spPr>
+              <a:xfrm>
+                <a:off x="1524000" y="1756229"/>
+                <a:ext cx="3570514" cy="3551806"/>
+              </a:xfrm>
+              <a:prstGeom prst="rect">
+                <a:avLst/>
+              </a:prstGeom>
+              <a:noFill/>
+            </p:spPr>
+            <p:txBody>
+              <a:bodyPr wrap="square" rtlCol="0">
+                <a:spAutoFit/>
+              </a:bodyPr>
+              <a:lstStyle/>
+              <a:p>
+                <a:r>
+                  <a:rPr lang="it-IT" dirty="0"/>
+                  <a:t>A partire dalla posizione iniziale </a:t>
+                </a:r>
+                <a14:m>
+                  <m:oMath xmlns:m="http://schemas.openxmlformats.org/officeDocument/2006/math">
+                    <m:r>
+                      <a:rPr lang="it-IT" b="0" i="1" smtClean="0">
+                        <a:latin typeface="Cambria Math" panose="02040503050406030204" pitchFamily="18" charset="0"/>
+                      </a:rPr>
+                      <m:t>𝑞</m:t>
+                    </m:r>
+                    <m:r>
+                      <a:rPr lang="it-IT" b="0" i="1" baseline="-25000" smtClean="0">
+                        <a:latin typeface="Cambria Math" panose="02040503050406030204" pitchFamily="18" charset="0"/>
+                      </a:rPr>
+                      <m:t>0</m:t>
+                    </m:r>
+                    <m:r>
+                      <a:rPr lang="it-IT" b="0" i="1" smtClean="0">
+                        <a:latin typeface="Cambria Math" panose="02040503050406030204" pitchFamily="18" charset="0"/>
+                      </a:rPr>
+                      <m:t>=</m:t>
+                    </m:r>
+                    <m:d>
+                      <m:dPr>
+                        <m:begChr m:val="["/>
+                        <m:endChr m:val="]"/>
+                        <m:ctrlPr>
+                          <a:rPr lang="it-IT" b="0" i="1" smtClean="0">
+                            <a:latin typeface="Cambria Math" panose="02040503050406030204" pitchFamily="18" charset="0"/>
+                          </a:rPr>
+                        </m:ctrlPr>
+                      </m:dPr>
+                      <m:e>
+                        <m:r>
+                          <a:rPr lang="it-IT" b="0" i="1" smtClean="0">
+                            <a:latin typeface="Cambria Math" panose="02040503050406030204" pitchFamily="18" charset="0"/>
+                          </a:rPr>
+                          <m:t>0,0,0,0,0,0</m:t>
+                        </m:r>
+                      </m:e>
+                    </m:d>
+                    <m:r>
+                      <a:rPr lang="it-IT" b="0" i="1" baseline="30000" smtClean="0">
+                        <a:latin typeface="Cambria Math" panose="02040503050406030204" pitchFamily="18" charset="0"/>
+                      </a:rPr>
+                      <m:t>𝑇</m:t>
+                    </m:r>
+                  </m:oMath>
+                </a14:m>
+                <a:r>
+                  <a:rPr lang="it-IT" dirty="0"/>
+                  <a:t> con velocità iniziale nulla,</a:t>
+                </a:r>
+              </a:p>
+              <a:p>
+                <a:r>
+                  <a:rPr lang="it-IT" dirty="0"/>
+                  <a:t>si desidera raggiungere la posizione finale </a:t>
+                </a:r>
+                <a14:m>
+                  <m:oMath xmlns:m="http://schemas.openxmlformats.org/officeDocument/2006/math">
+                    <m:r>
+                      <a:rPr lang="it-IT" b="0" i="1" smtClean="0">
+                        <a:latin typeface="Cambria Math" panose="02040503050406030204" pitchFamily="18" charset="0"/>
+                      </a:rPr>
+                      <m:t>𝑞</m:t>
+                    </m:r>
+                    <m:r>
+                      <a:rPr lang="it-IT" b="0" i="1" baseline="-25000" smtClean="0">
+                        <a:latin typeface="Cambria Math" panose="02040503050406030204" pitchFamily="18" charset="0"/>
+                      </a:rPr>
+                      <m:t>𝑑</m:t>
+                    </m:r>
+                    <m:r>
+                      <a:rPr lang="it-IT" b="0" i="1" smtClean="0">
+                        <a:latin typeface="Cambria Math" panose="02040503050406030204" pitchFamily="18" charset="0"/>
+                      </a:rPr>
+                      <m:t>=</m:t>
+                    </m:r>
+                    <m:d>
+                      <m:dPr>
+                        <m:begChr m:val="["/>
+                        <m:endChr m:val="]"/>
+                        <m:ctrlPr>
+                          <a:rPr lang="it-IT" b="0" i="1" smtClean="0">
+                            <a:latin typeface="Cambria Math" panose="02040503050406030204" pitchFamily="18" charset="0"/>
+                          </a:rPr>
+                        </m:ctrlPr>
+                      </m:dPr>
+                      <m:e>
+                        <m:r>
+                          <a:rPr lang="it-IT" b="0" i="1" smtClean="0">
+                            <a:latin typeface="Cambria Math" panose="02040503050406030204" pitchFamily="18" charset="0"/>
+                          </a:rPr>
+                          <m:t>−</m:t>
+                        </m:r>
+                        <m:f>
+                          <m:fPr>
+                            <m:ctrlPr>
+                              <a:rPr lang="it-IT" b="0" i="1" smtClean="0">
+                                <a:latin typeface="Cambria Math" panose="02040503050406030204" pitchFamily="18" charset="0"/>
+                              </a:rPr>
+                            </m:ctrlPr>
+                          </m:fPr>
+                          <m:num>
+                            <m:r>
+                              <a:rPr lang="it-IT" b="0" i="1" smtClean="0">
+                                <a:latin typeface="Cambria Math" panose="02040503050406030204" pitchFamily="18" charset="0"/>
+                                <a:ea typeface="Cambria Math" panose="02040503050406030204" pitchFamily="18" charset="0"/>
+                              </a:rPr>
+                              <m:t>𝜋</m:t>
+                            </m:r>
+                          </m:num>
+                          <m:den>
+                            <m:r>
+                              <a:rPr lang="it-IT" b="0" i="1" smtClean="0">
+                                <a:latin typeface="Cambria Math" panose="02040503050406030204" pitchFamily="18" charset="0"/>
+                              </a:rPr>
+                              <m:t>3</m:t>
+                            </m:r>
+                          </m:den>
+                        </m:f>
+                        <m:r>
+                          <a:rPr lang="it-IT" b="0" i="1" smtClean="0">
+                            <a:latin typeface="Cambria Math" panose="02040503050406030204" pitchFamily="18" charset="0"/>
+                          </a:rPr>
+                          <m:t>,</m:t>
+                        </m:r>
+                        <m:f>
+                          <m:fPr>
+                            <m:ctrlPr>
+                              <a:rPr lang="it-IT" i="1">
+                                <a:latin typeface="Cambria Math" panose="02040503050406030204" pitchFamily="18" charset="0"/>
+                              </a:rPr>
+                            </m:ctrlPr>
+                          </m:fPr>
+                          <m:num>
+                            <m:r>
+                              <a:rPr lang="it-IT" i="1">
+                                <a:latin typeface="Cambria Math" panose="02040503050406030204" pitchFamily="18" charset="0"/>
+                                <a:ea typeface="Cambria Math" panose="02040503050406030204" pitchFamily="18" charset="0"/>
+                              </a:rPr>
+                              <m:t>𝜋</m:t>
+                            </m:r>
+                          </m:num>
+                          <m:den>
+                            <m:r>
+                              <a:rPr lang="it-IT" i="1">
+                                <a:latin typeface="Cambria Math" panose="02040503050406030204" pitchFamily="18" charset="0"/>
+                              </a:rPr>
+                              <m:t>3</m:t>
+                            </m:r>
+                          </m:den>
+                        </m:f>
+                        <m:r>
+                          <a:rPr lang="it-IT" b="0" i="1" smtClean="0">
+                            <a:latin typeface="Cambria Math" panose="02040503050406030204" pitchFamily="18" charset="0"/>
+                          </a:rPr>
+                          <m:t>,3,−</m:t>
+                        </m:r>
+                        <m:f>
+                          <m:fPr>
+                            <m:ctrlPr>
+                              <a:rPr lang="it-IT" i="1">
+                                <a:latin typeface="Cambria Math" panose="02040503050406030204" pitchFamily="18" charset="0"/>
+                              </a:rPr>
+                            </m:ctrlPr>
+                          </m:fPr>
+                          <m:num>
+                            <m:r>
+                              <a:rPr lang="it-IT" i="1">
+                                <a:latin typeface="Cambria Math" panose="02040503050406030204" pitchFamily="18" charset="0"/>
+                                <a:ea typeface="Cambria Math" panose="02040503050406030204" pitchFamily="18" charset="0"/>
+                              </a:rPr>
+                              <m:t>𝜋</m:t>
+                            </m:r>
+                          </m:num>
+                          <m:den>
+                            <m:r>
+                              <a:rPr lang="it-IT" i="1">
+                                <a:latin typeface="Cambria Math" panose="02040503050406030204" pitchFamily="18" charset="0"/>
+                              </a:rPr>
+                              <m:t>3</m:t>
+                            </m:r>
+                          </m:den>
+                        </m:f>
+                        <m:r>
+                          <a:rPr lang="it-IT" b="0" i="1" smtClean="0">
+                            <a:latin typeface="Cambria Math" panose="02040503050406030204" pitchFamily="18" charset="0"/>
+                          </a:rPr>
+                          <m:t>,</m:t>
+                        </m:r>
+                        <m:f>
+                          <m:fPr>
+                            <m:ctrlPr>
+                              <a:rPr lang="it-IT" i="1">
+                                <a:latin typeface="Cambria Math" panose="02040503050406030204" pitchFamily="18" charset="0"/>
+                              </a:rPr>
+                            </m:ctrlPr>
+                          </m:fPr>
+                          <m:num>
+                            <m:r>
+                              <a:rPr lang="it-IT" i="1">
+                                <a:latin typeface="Cambria Math" panose="02040503050406030204" pitchFamily="18" charset="0"/>
+                                <a:ea typeface="Cambria Math" panose="02040503050406030204" pitchFamily="18" charset="0"/>
+                              </a:rPr>
+                              <m:t>𝜋</m:t>
+                            </m:r>
+                          </m:num>
+                          <m:den>
+                            <m:r>
+                              <a:rPr lang="it-IT" i="1">
+                                <a:latin typeface="Cambria Math" panose="02040503050406030204" pitchFamily="18" charset="0"/>
+                              </a:rPr>
+                              <m:t>3</m:t>
+                            </m:r>
+                          </m:den>
+                        </m:f>
+                        <m:r>
+                          <a:rPr lang="it-IT" b="0" i="1" smtClean="0">
+                            <a:latin typeface="Cambria Math" panose="02040503050406030204" pitchFamily="18" charset="0"/>
+                          </a:rPr>
+                          <m:t>,</m:t>
+                        </m:r>
+                        <m:f>
+                          <m:fPr>
+                            <m:ctrlPr>
+                              <a:rPr lang="it-IT" i="1">
+                                <a:latin typeface="Cambria Math" panose="02040503050406030204" pitchFamily="18" charset="0"/>
+                              </a:rPr>
+                            </m:ctrlPr>
+                          </m:fPr>
+                          <m:num>
+                            <m:r>
+                              <a:rPr lang="it-IT" i="1">
+                                <a:latin typeface="Cambria Math" panose="02040503050406030204" pitchFamily="18" charset="0"/>
+                                <a:ea typeface="Cambria Math" panose="02040503050406030204" pitchFamily="18" charset="0"/>
+                              </a:rPr>
+                              <m:t>𝜋</m:t>
+                            </m:r>
+                          </m:num>
+                          <m:den>
+                            <m:r>
+                              <a:rPr lang="it-IT" i="1">
+                                <a:latin typeface="Cambria Math" panose="02040503050406030204" pitchFamily="18" charset="0"/>
+                              </a:rPr>
+                              <m:t>3</m:t>
+                            </m:r>
+                          </m:den>
+                        </m:f>
+                      </m:e>
+                    </m:d>
+                    <m:r>
+                      <a:rPr lang="it-IT" b="0" i="1" baseline="30000" smtClean="0">
+                        <a:latin typeface="Cambria Math" panose="02040503050406030204" pitchFamily="18" charset="0"/>
+                      </a:rPr>
+                      <m:t>𝑇</m:t>
+                    </m:r>
+                  </m:oMath>
+                </a14:m>
+                <a:r>
+                  <a:rPr lang="it-IT" dirty="0"/>
+                  <a:t> sempre con velocità nulla.</a:t>
+                </a:r>
+                <a:endParaRPr lang="it-IT" baseline="30000" dirty="0"/>
+              </a:p>
+              <a:p>
+                <a:r>
+                  <a:rPr lang="it-IT" dirty="0"/>
+                  <a:t>Le traiettorie desiderate sono state ottenute interpolando dalla posizione iniziale alla posizione </a:t>
+                </a:r>
+              </a:p>
+              <a:p>
+                <a:r>
+                  <a:rPr lang="it-IT" dirty="0"/>
+                  <a:t>finale desiderata con un polinomio del terzo ordine del tipo </a:t>
+                </a:r>
+              </a:p>
+              <a:p>
+                <a14:m>
+                  <m:oMath xmlns:m="http://schemas.openxmlformats.org/officeDocument/2006/math">
+                    <m:r>
+                      <a:rPr lang="it-IT" b="0" i="1" smtClean="0">
+                        <a:latin typeface="Cambria Math" panose="02040503050406030204" pitchFamily="18" charset="0"/>
+                      </a:rPr>
+                      <m:t>𝑞</m:t>
+                    </m:r>
+                    <m:d>
+                      <m:dPr>
+                        <m:ctrlPr>
+                          <a:rPr lang="it-IT" b="0" i="1" smtClean="0">
+                            <a:latin typeface="Cambria Math" panose="02040503050406030204" pitchFamily="18" charset="0"/>
+                          </a:rPr>
+                        </m:ctrlPr>
+                      </m:dPr>
+                      <m:e>
+                        <m:r>
+                          <a:rPr lang="it-IT" b="0" i="1" smtClean="0">
+                            <a:latin typeface="Cambria Math" panose="02040503050406030204" pitchFamily="18" charset="0"/>
+                          </a:rPr>
+                          <m:t>𝑡</m:t>
+                        </m:r>
+                      </m:e>
+                    </m:d>
+                    <m:r>
+                      <a:rPr lang="it-IT" b="0" i="1" smtClean="0">
+                        <a:latin typeface="Cambria Math" panose="02040503050406030204" pitchFamily="18" charset="0"/>
+                      </a:rPr>
+                      <m:t>=</m:t>
+                    </m:r>
+                    <m:r>
+                      <a:rPr lang="it-IT" b="0" i="1" smtClean="0">
+                        <a:latin typeface="Cambria Math" panose="02040503050406030204" pitchFamily="18" charset="0"/>
+                      </a:rPr>
+                      <m:t>𝑎</m:t>
+                    </m:r>
+                    <m:r>
+                      <a:rPr lang="it-IT" b="0" i="1" baseline="-25000" smtClean="0">
+                        <a:latin typeface="Cambria Math" panose="02040503050406030204" pitchFamily="18" charset="0"/>
+                      </a:rPr>
+                      <m:t>3</m:t>
+                    </m:r>
+                    <m:r>
+                      <a:rPr lang="it-IT" b="0" i="1" smtClean="0">
+                        <a:latin typeface="Cambria Math" panose="02040503050406030204" pitchFamily="18" charset="0"/>
+                      </a:rPr>
+                      <m:t> </m:t>
+                    </m:r>
+                    <m:r>
+                      <a:rPr lang="it-IT" b="0" i="1" smtClean="0">
+                        <a:latin typeface="Cambria Math" panose="02040503050406030204" pitchFamily="18" charset="0"/>
+                      </a:rPr>
+                      <m:t>𝑡</m:t>
+                    </m:r>
+                    <m:r>
+                      <a:rPr lang="it-IT" b="0" i="1" baseline="30000" smtClean="0">
+                        <a:latin typeface="Cambria Math" panose="02040503050406030204" pitchFamily="18" charset="0"/>
+                      </a:rPr>
+                      <m:t>3</m:t>
+                    </m:r>
+                    <m:r>
+                      <a:rPr lang="it-IT" b="0" i="1" smtClean="0">
+                        <a:latin typeface="Cambria Math" panose="02040503050406030204" pitchFamily="18" charset="0"/>
+                      </a:rPr>
+                      <m:t>+</m:t>
+                    </m:r>
+                    <m:r>
+                      <a:rPr lang="it-IT" b="0" i="1" smtClean="0">
+                        <a:latin typeface="Cambria Math" panose="02040503050406030204" pitchFamily="18" charset="0"/>
+                      </a:rPr>
+                      <m:t>𝑎</m:t>
+                    </m:r>
+                    <m:r>
+                      <a:rPr lang="it-IT" b="0" i="1" baseline="-25000" smtClean="0">
+                        <a:latin typeface="Cambria Math" panose="02040503050406030204" pitchFamily="18" charset="0"/>
+                      </a:rPr>
+                      <m:t>2</m:t>
+                    </m:r>
+                    <m:r>
+                      <a:rPr lang="it-IT" b="0" i="1" smtClean="0">
+                        <a:latin typeface="Cambria Math" panose="02040503050406030204" pitchFamily="18" charset="0"/>
+                      </a:rPr>
+                      <m:t> </m:t>
+                    </m:r>
+                    <m:r>
+                      <a:rPr lang="it-IT" b="0" i="1" smtClean="0">
+                        <a:latin typeface="Cambria Math" panose="02040503050406030204" pitchFamily="18" charset="0"/>
+                      </a:rPr>
+                      <m:t>𝑡</m:t>
+                    </m:r>
+                    <m:r>
+                      <a:rPr lang="it-IT" b="0" i="1" baseline="30000" smtClean="0">
+                        <a:latin typeface="Cambria Math" panose="02040503050406030204" pitchFamily="18" charset="0"/>
+                      </a:rPr>
+                      <m:t>2</m:t>
+                    </m:r>
+                    <m:r>
+                      <a:rPr lang="it-IT" b="0" i="1" smtClean="0">
+                        <a:latin typeface="Cambria Math" panose="02040503050406030204" pitchFamily="18" charset="0"/>
+                      </a:rPr>
+                      <m:t>+</m:t>
+                    </m:r>
+                    <m:r>
+                      <a:rPr lang="it-IT" b="0" i="1" smtClean="0">
+                        <a:latin typeface="Cambria Math" panose="02040503050406030204" pitchFamily="18" charset="0"/>
+                      </a:rPr>
+                      <m:t>𝑎</m:t>
+                    </m:r>
+                    <m:r>
+                      <a:rPr lang="it-IT" b="0" i="1" baseline="-25000" smtClean="0">
+                        <a:latin typeface="Cambria Math" panose="02040503050406030204" pitchFamily="18" charset="0"/>
+                      </a:rPr>
+                      <m:t>1</m:t>
+                    </m:r>
+                    <m:r>
+                      <a:rPr lang="it-IT" b="0" i="1" smtClean="0">
+                        <a:latin typeface="Cambria Math" panose="02040503050406030204" pitchFamily="18" charset="0"/>
+                      </a:rPr>
+                      <m:t> </m:t>
+                    </m:r>
+                    <m:r>
+                      <a:rPr lang="it-IT" b="0" i="1" smtClean="0">
+                        <a:latin typeface="Cambria Math" panose="02040503050406030204" pitchFamily="18" charset="0"/>
+                      </a:rPr>
+                      <m:t>𝑡</m:t>
+                    </m:r>
+                    <m:r>
+                      <a:rPr lang="it-IT" b="0" i="1" smtClean="0">
+                        <a:latin typeface="Cambria Math" panose="02040503050406030204" pitchFamily="18" charset="0"/>
+                      </a:rPr>
+                      <m:t>+</m:t>
+                    </m:r>
+                    <m:r>
+                      <a:rPr lang="it-IT" b="0" i="1" smtClean="0">
+                        <a:latin typeface="Cambria Math" panose="02040503050406030204" pitchFamily="18" charset="0"/>
+                      </a:rPr>
+                      <m:t>𝑎</m:t>
+                    </m:r>
+                    <m:r>
+                      <a:rPr lang="it-IT" b="0" i="1" baseline="-25000" smtClean="0">
+                        <a:latin typeface="Cambria Math" panose="02040503050406030204" pitchFamily="18" charset="0"/>
+                      </a:rPr>
+                      <m:t>0</m:t>
+                    </m:r>
+                  </m:oMath>
+                </a14:m>
+                <a:r>
+                  <a:rPr lang="it-IT" dirty="0"/>
+                  <a:t>.</a:t>
+                </a:r>
+              </a:p>
+            </p:txBody>
+          </p:sp>
+        </mc:Choice>
+        <mc:Fallback>
+          <p:sp>
+            <p:nvSpPr>
+              <p:cNvPr id="2" name="CasellaDiTesto 1">
+                <a:extLst>
+                  <a:ext uri="{FF2B5EF4-FFF2-40B4-BE49-F238E27FC236}">
+                    <a16:creationId xmlns:a16="http://schemas.microsoft.com/office/drawing/2014/main" id="{E561A598-E0CC-3344-9B96-3FFE152FB07B}"/>
+                  </a:ext>
+                </a:extLst>
+              </p:cNvPr>
+              <p:cNvSpPr txBox="1">
+                <a:spLocks noRot="1" noChangeAspect="1" noMove="1" noResize="1" noEditPoints="1" noAdjustHandles="1" noChangeArrowheads="1" noChangeShapeType="1" noTextEdit="1"/>
+              </p:cNvSpPr>
+              <p:nvPr/>
+            </p:nvSpPr>
+            <p:spPr>
+              <a:xfrm>
+                <a:off x="1524000" y="1756229"/>
+                <a:ext cx="3570514" cy="3551806"/>
+              </a:xfrm>
+              <a:prstGeom prst="rect">
+                <a:avLst/>
+              </a:prstGeom>
+              <a:blipFill>
+                <a:blip r:embed="rId2"/>
+                <a:stretch>
+                  <a:fillRect l="-1423" t="-356" r="-356" b="-1779"/>
+                </a:stretch>
+              </a:blipFill>
+            </p:spPr>
+            <p:txBody>
+              <a:bodyPr/>
+              <a:lstStyle/>
+              <a:p>
+                <a:r>
+                  <a:rPr lang="it-IT">
+                    <a:noFill/>
+                  </a:rPr>
+                  <a:t> </a:t>
+                </a:r>
+              </a:p>
+            </p:txBody>
+          </p:sp>
+        </mc:Fallback>
+      </mc:AlternateContent>
       <p:pic>
         <p:nvPicPr>
-          <p:cNvPr id="13" name="Immagine 12">
-            <a:extLst>
-              <a:ext uri="{FF2B5EF4-FFF2-40B4-BE49-F238E27FC236}">
-                <a16:creationId xmlns:a16="http://schemas.microsoft.com/office/drawing/2014/main" id="{BD5E09ED-0160-4F47-9FC0-A9802CBFCD7E}"/>
-              </a:ext>
-            </a:extLst>
-          </p:cNvPr>
-          <p:cNvPicPr>
-            <a:picLocks noChangeAspect="1"/>
-          </p:cNvPicPr>
-          <p:nvPr/>
-        </p:nvPicPr>
-        <p:blipFill>
-          <a:blip r:embed="rId2"/>
-          <a:stretch>
-            <a:fillRect/>
-          </a:stretch>
-        </p:blipFill>
-        <p:spPr>
-          <a:xfrm>
-            <a:off x="3644900" y="2590956"/>
-            <a:ext cx="4902200" cy="1625600"/>
-          </a:xfrm>
-          <a:prstGeom prst="rect">
-            <a:avLst/>
-          </a:prstGeom>
-        </p:spPr>
-      </p:pic>
-      <p:pic>
-        <p:nvPicPr>
-          <p:cNvPr id="15" name="Immagine 14">
-            <a:extLst>
-              <a:ext uri="{FF2B5EF4-FFF2-40B4-BE49-F238E27FC236}">
-                <a16:creationId xmlns:a16="http://schemas.microsoft.com/office/drawing/2014/main" id="{B8514C22-0A0C-9242-ADDB-3BD1FFA1A715}"/>
+          <p:cNvPr id="4" name="Immagine 3">
+            <a:extLst>
+              <a:ext uri="{FF2B5EF4-FFF2-40B4-BE49-F238E27FC236}">
+                <a16:creationId xmlns:a16="http://schemas.microsoft.com/office/drawing/2014/main" id="{6F09C21E-1169-0547-91E7-C9F08CD8BCCF}"/>
               </a:ext>
             </a:extLst>
           </p:cNvPr>
@@ -8550,38 +10757,8 @@
         </p:blipFill>
         <p:spPr>
           <a:xfrm>
-            <a:off x="4013200" y="4445118"/>
-            <a:ext cx="4165600" cy="1638300"/>
-          </a:xfrm>
-          <a:prstGeom prst="rect">
-            <a:avLst/>
-          </a:prstGeom>
-        </p:spPr>
-      </p:pic>
-      <p:pic>
-        <p:nvPicPr>
-          <p:cNvPr id="22" name="Immagine 21">
-            <a:extLst>
-              <a:ext uri="{FF2B5EF4-FFF2-40B4-BE49-F238E27FC236}">
-                <a16:creationId xmlns:a16="http://schemas.microsoft.com/office/drawing/2014/main" id="{92C4A989-E900-0A41-8AF0-3A74BCA2264C}"/>
-              </a:ext>
-            </a:extLst>
-          </p:cNvPr>
-          <p:cNvPicPr>
-            <a:picLocks noChangeAspect="1"/>
-          </p:cNvPicPr>
-          <p:nvPr/>
-        </p:nvPicPr>
-        <p:blipFill>
-          <a:blip r:embed="rId4"/>
-          <a:stretch>
-            <a:fillRect/>
-          </a:stretch>
-        </p:blipFill>
-        <p:spPr>
-          <a:xfrm>
-            <a:off x="4096657" y="1624541"/>
-            <a:ext cx="3998686" cy="737853"/>
+            <a:off x="5094514" y="1398532"/>
+            <a:ext cx="5689600" cy="4267200"/>
           </a:xfrm>
           <a:prstGeom prst="rect">
             <a:avLst/>
@@ -8682,10 +10859,10 @@
       </p:sp>
       <p:pic>
         <p:nvPicPr>
-          <p:cNvPr id="20" name="Immagine 19">
-            <a:extLst>
-              <a:ext uri="{FF2B5EF4-FFF2-40B4-BE49-F238E27FC236}">
-                <a16:creationId xmlns:a16="http://schemas.microsoft.com/office/drawing/2014/main" id="{17F55AAC-EBA3-0242-A102-B9C145469364}"/>
+          <p:cNvPr id="22" name="Immagine 21">
+            <a:extLst>
+              <a:ext uri="{FF2B5EF4-FFF2-40B4-BE49-F238E27FC236}">
+                <a16:creationId xmlns:a16="http://schemas.microsoft.com/office/drawing/2014/main" id="{92C4A989-E900-0A41-8AF0-3A74BCA2264C}"/>
               </a:ext>
             </a:extLst>
           </p:cNvPr>
@@ -8702,20 +10879,69 @@
         </p:blipFill>
         <p:spPr>
           <a:xfrm>
-            <a:off x="377372" y="1475623"/>
-            <a:ext cx="5689600" cy="4267200"/>
+            <a:off x="4096656" y="1824655"/>
+            <a:ext cx="3998686" cy="737853"/>
           </a:xfrm>
           <a:prstGeom prst="rect">
             <a:avLst/>
           </a:prstGeom>
         </p:spPr>
       </p:pic>
+      <p:sp>
+        <p:nvSpPr>
+          <p:cNvPr id="2" name="CasellaDiTesto 1">
+            <a:extLst>
+              <a:ext uri="{FF2B5EF4-FFF2-40B4-BE49-F238E27FC236}">
+                <a16:creationId xmlns:a16="http://schemas.microsoft.com/office/drawing/2014/main" id="{04137EF3-94EA-944C-A396-7C1B85313B51}"/>
+              </a:ext>
+            </a:extLst>
+          </p:cNvPr>
+          <p:cNvSpPr txBox="1"/>
+          <p:nvPr/>
+        </p:nvSpPr>
+        <p:spPr>
+          <a:xfrm>
+            <a:off x="493485" y="2911540"/>
+            <a:ext cx="11205029" cy="646331"/>
+          </a:xfrm>
+          <a:prstGeom prst="rect">
+            <a:avLst/>
+          </a:prstGeom>
+          <a:noFill/>
+        </p:spPr>
+        <p:txBody>
+          <a:bodyPr wrap="square" rtlCol="0">
+            <a:spAutoFit/>
+          </a:bodyPr>
+          <a:lstStyle/>
+          <a:p>
+            <a:r>
+              <a:rPr lang="it-IT" dirty="0"/>
+              <a:t>Per avere la convergenza a zero dell’errore angolare, è stato introdotto un errore sulla posizione iniziale pari a 0.1 </a:t>
+            </a:r>
+            <a:r>
+              <a:rPr lang="it-IT" dirty="0" err="1"/>
+              <a:t>rad</a:t>
+            </a:r>
+            <a:r>
+              <a:rPr lang="it-IT" dirty="0"/>
+              <a:t>.</a:t>
+            </a:r>
+          </a:p>
+          <a:p>
+            <a:r>
+              <a:rPr lang="it-IT" dirty="0"/>
+              <a:t>I valori dei guadagni del controllore sono stati tarati sulla base del comportamento del sistema, il risultato è stato:</a:t>
+            </a:r>
+          </a:p>
+        </p:txBody>
+      </p:sp>
       <p:pic>
         <p:nvPicPr>
-          <p:cNvPr id="6" name="Immagine 5">
-            <a:extLst>
-              <a:ext uri="{FF2B5EF4-FFF2-40B4-BE49-F238E27FC236}">
-                <a16:creationId xmlns:a16="http://schemas.microsoft.com/office/drawing/2014/main" id="{811AE29F-5FA5-2D4A-83F6-7DC2ABA11527}"/>
+          <p:cNvPr id="4" name="Immagine 3">
+            <a:extLst>
+              <a:ext uri="{FF2B5EF4-FFF2-40B4-BE49-F238E27FC236}">
+                <a16:creationId xmlns:a16="http://schemas.microsoft.com/office/drawing/2014/main" id="{79AB5AAC-0077-CC4C-A775-118ADEB2985C}"/>
               </a:ext>
             </a:extLst>
           </p:cNvPr>
@@ -8732,8 +10958,38 @@
         </p:blipFill>
         <p:spPr>
           <a:xfrm>
-            <a:off x="6066972" y="1475623"/>
-            <a:ext cx="5689600" cy="4267200"/>
+            <a:off x="2002971" y="3906903"/>
+            <a:ext cx="3797300" cy="1600200"/>
+          </a:xfrm>
+          <a:prstGeom prst="rect">
+            <a:avLst/>
+          </a:prstGeom>
+        </p:spPr>
+      </p:pic>
+      <p:pic>
+        <p:nvPicPr>
+          <p:cNvPr id="7" name="Immagine 6">
+            <a:extLst>
+              <a:ext uri="{FF2B5EF4-FFF2-40B4-BE49-F238E27FC236}">
+                <a16:creationId xmlns:a16="http://schemas.microsoft.com/office/drawing/2014/main" id="{DF26FDD7-EB3F-7E4D-952E-3DD61DA4232F}"/>
+              </a:ext>
+            </a:extLst>
+          </p:cNvPr>
+          <p:cNvPicPr>
+            <a:picLocks noChangeAspect="1"/>
+          </p:cNvPicPr>
+          <p:nvPr/>
+        </p:nvPicPr>
+        <p:blipFill>
+          <a:blip r:embed="rId4"/>
+          <a:stretch>
+            <a:fillRect/>
+          </a:stretch>
+        </p:blipFill>
+        <p:spPr>
+          <a:xfrm>
+            <a:off x="6859814" y="3913253"/>
+            <a:ext cx="3175000" cy="1587500"/>
           </a:xfrm>
           <a:prstGeom prst="rect">
             <a:avLst/>
@@ -8743,7 +10999,7 @@
     </p:spTree>
     <p:extLst>
       <p:ext uri="{BB962C8B-B14F-4D97-AF65-F5344CB8AC3E}">
-        <p14:creationId xmlns:p14="http://schemas.microsoft.com/office/powerpoint/2010/main" val="3750274392"/>
+        <p14:creationId xmlns:p14="http://schemas.microsoft.com/office/powerpoint/2010/main" val="1212048936"/>
       </p:ext>
     </p:extLst>
   </p:cSld>

--- a/Relazione/Presentazione.pptx
+++ b/Relazione/Presentazione.pptx
@@ -275,7 +275,7 @@
           <a:p>
             <a:fld id="{27153579-3A4D-BB42-BD49-BB0F80A81A61}" type="datetimeFigureOut">
               <a:rPr lang="it-IT" smtClean="0"/>
-              <a:t>12/06/21</a:t>
+              <a:t>28/07/21</a:t>
             </a:fld>
             <a:endParaRPr lang="it-IT"/>
           </a:p>
@@ -448,7 +448,7 @@
           <a:p>
             <a:fld id="{27153579-3A4D-BB42-BD49-BB0F80A81A61}" type="datetimeFigureOut">
               <a:rPr lang="it-IT" smtClean="0"/>
-              <a:t>12/06/21</a:t>
+              <a:t>28/07/21</a:t>
             </a:fld>
             <a:endParaRPr lang="it-IT"/>
           </a:p>
@@ -631,7 +631,7 @@
           <a:p>
             <a:fld id="{27153579-3A4D-BB42-BD49-BB0F80A81A61}" type="datetimeFigureOut">
               <a:rPr lang="it-IT" smtClean="0"/>
-              <a:t>12/06/21</a:t>
+              <a:t>28/07/21</a:t>
             </a:fld>
             <a:endParaRPr lang="it-IT"/>
           </a:p>
@@ -804,7 +804,7 @@
           <a:p>
             <a:fld id="{27153579-3A4D-BB42-BD49-BB0F80A81A61}" type="datetimeFigureOut">
               <a:rPr lang="it-IT" smtClean="0"/>
-              <a:t>12/06/21</a:t>
+              <a:t>28/07/21</a:t>
             </a:fld>
             <a:endParaRPr lang="it-IT"/>
           </a:p>
@@ -1082,7 +1082,7 @@
           <a:p>
             <a:fld id="{27153579-3A4D-BB42-BD49-BB0F80A81A61}" type="datetimeFigureOut">
               <a:rPr lang="it-IT" smtClean="0"/>
-              <a:t>12/06/21</a:t>
+              <a:t>28/07/21</a:t>
             </a:fld>
             <a:endParaRPr lang="it-IT"/>
           </a:p>
@@ -1297,7 +1297,7 @@
           <a:p>
             <a:fld id="{27153579-3A4D-BB42-BD49-BB0F80A81A61}" type="datetimeFigureOut">
               <a:rPr lang="it-IT" smtClean="0"/>
-              <a:t>12/06/21</a:t>
+              <a:t>28/07/21</a:t>
             </a:fld>
             <a:endParaRPr lang="it-IT"/>
           </a:p>
@@ -1665,7 +1665,7 @@
           <a:p>
             <a:fld id="{27153579-3A4D-BB42-BD49-BB0F80A81A61}" type="datetimeFigureOut">
               <a:rPr lang="it-IT" smtClean="0"/>
-              <a:t>12/06/21</a:t>
+              <a:t>28/07/21</a:t>
             </a:fld>
             <a:endParaRPr lang="it-IT"/>
           </a:p>
@@ -1806,7 +1806,7 @@
           <a:p>
             <a:fld id="{27153579-3A4D-BB42-BD49-BB0F80A81A61}" type="datetimeFigureOut">
               <a:rPr lang="it-IT" smtClean="0"/>
-              <a:t>12/06/21</a:t>
+              <a:t>28/07/21</a:t>
             </a:fld>
             <a:endParaRPr lang="it-IT"/>
           </a:p>
@@ -1919,7 +1919,7 @@
           <a:p>
             <a:fld id="{27153579-3A4D-BB42-BD49-BB0F80A81A61}" type="datetimeFigureOut">
               <a:rPr lang="it-IT" smtClean="0"/>
-              <a:t>12/06/21</a:t>
+              <a:t>28/07/21</a:t>
             </a:fld>
             <a:endParaRPr lang="it-IT"/>
           </a:p>
@@ -2208,7 +2208,7 @@
           <a:p>
             <a:fld id="{27153579-3A4D-BB42-BD49-BB0F80A81A61}" type="datetimeFigureOut">
               <a:rPr lang="it-IT" smtClean="0"/>
-              <a:t>12/06/21</a:t>
+              <a:t>28/07/21</a:t>
             </a:fld>
             <a:endParaRPr lang="it-IT"/>
           </a:p>
@@ -2499,7 +2499,7 @@
           <a:p>
             <a:fld id="{27153579-3A4D-BB42-BD49-BB0F80A81A61}" type="datetimeFigureOut">
               <a:rPr lang="it-IT" smtClean="0"/>
-              <a:t>12/06/21</a:t>
+              <a:t>28/07/21</a:t>
             </a:fld>
             <a:endParaRPr lang="it-IT"/>
           </a:p>
@@ -2715,7 +2715,7 @@
           <a:p>
             <a:fld id="{27153579-3A4D-BB42-BD49-BB0F80A81A61}" type="datetimeFigureOut">
               <a:rPr lang="it-IT" smtClean="0"/>
-              <a:t>12/06/21</a:t>
+              <a:t>28/07/21</a:t>
             </a:fld>
             <a:endParaRPr lang="it-IT"/>
           </a:p>
@@ -3543,8 +3543,8 @@
           </a:p>
         </p:txBody>
       </p:sp>
-      <mc:AlternateContent xmlns:mc="http://schemas.openxmlformats.org/markup-compatibility/2006">
-        <mc:Choice xmlns:a14="http://schemas.microsoft.com/office/drawing/2010/main" Requires="a14">
+      <mc:AlternateContent xmlns:mc="http://schemas.openxmlformats.org/markup-compatibility/2006" xmlns:a14="http://schemas.microsoft.com/office/drawing/2010/main">
+        <mc:Choice Requires="a14">
           <p:sp>
             <p:nvSpPr>
               <p:cNvPr id="7" name="CasellaDiTesto 6">
@@ -4009,7 +4009,7 @@
             </p:txBody>
           </p:sp>
         </mc:Choice>
-        <mc:Fallback>
+        <mc:Fallback xmlns="">
           <p:sp>
             <p:nvSpPr>
               <p:cNvPr id="7" name="CasellaDiTesto 6">
@@ -4698,7 +4698,19 @@
                           <a:rPr lang="it-IT" b="0" i="1" smtClean="0">
                             <a:latin typeface="Cambria Math" panose="02040503050406030204" pitchFamily="18" charset="0"/>
                           </a:rPr>
-                          <m:t>0,0,0,0,0,0</m:t>
+                          <m:t>0,0,</m:t>
+                        </m:r>
+                        <m:r>
+                          <a:rPr lang="it-IT" b="0" i="1" smtClean="0">
+                            <a:latin typeface="Cambria Math" panose="02040503050406030204" pitchFamily="18" charset="0"/>
+                          </a:rPr>
+                          <m:t>3</m:t>
+                        </m:r>
+                        <m:r>
+                          <a:rPr lang="it-IT" b="0" i="1" smtClean="0">
+                            <a:latin typeface="Cambria Math" panose="02040503050406030204" pitchFamily="18" charset="0"/>
+                          </a:rPr>
+                          <m:t>,0,0,0</m:t>
                         </m:r>
                       </m:e>
                     </m:d>
@@ -5400,10 +5412,10 @@
       </p:pic>
       <p:pic>
         <p:nvPicPr>
-          <p:cNvPr id="3" name="Immagine 2">
-            <a:extLst>
-              <a:ext uri="{FF2B5EF4-FFF2-40B4-BE49-F238E27FC236}">
-                <a16:creationId xmlns:a16="http://schemas.microsoft.com/office/drawing/2014/main" id="{757BC09A-1A69-8946-AE3E-9D92A4C98765}"/>
+          <p:cNvPr id="6" name="Immagine 5">
+            <a:extLst>
+              <a:ext uri="{FF2B5EF4-FFF2-40B4-BE49-F238E27FC236}">
+                <a16:creationId xmlns:a16="http://schemas.microsoft.com/office/drawing/2014/main" id="{21579160-C955-CD49-A648-49B431236C92}"/>
               </a:ext>
             </a:extLst>
           </p:cNvPr>
@@ -5420,98 +5432,8 @@
         </p:blipFill>
         <p:spPr>
           <a:xfrm>
-            <a:off x="5362581" y="5019198"/>
-            <a:ext cx="2563200" cy="720000"/>
-          </a:xfrm>
-          <a:prstGeom prst="rect">
-            <a:avLst/>
-          </a:prstGeom>
-        </p:spPr>
-      </p:pic>
-      <p:pic>
-        <p:nvPicPr>
-          <p:cNvPr id="6" name="Immagine 5">
-            <a:extLst>
-              <a:ext uri="{FF2B5EF4-FFF2-40B4-BE49-F238E27FC236}">
-                <a16:creationId xmlns:a16="http://schemas.microsoft.com/office/drawing/2014/main" id="{21579160-C955-CD49-A648-49B431236C92}"/>
-              </a:ext>
-            </a:extLst>
-          </p:cNvPr>
-          <p:cNvPicPr>
-            <a:picLocks noChangeAspect="1"/>
-          </p:cNvPicPr>
-          <p:nvPr/>
-        </p:nvPicPr>
-        <p:blipFill>
-          <a:blip r:embed="rId7"/>
-          <a:stretch>
-            <a:fillRect/>
-          </a:stretch>
-        </p:blipFill>
-        <p:spPr>
-          <a:xfrm>
             <a:off x="8024815" y="5019198"/>
             <a:ext cx="1900800" cy="720000"/>
-          </a:xfrm>
-          <a:prstGeom prst="rect">
-            <a:avLst/>
-          </a:prstGeom>
-        </p:spPr>
-      </p:pic>
-      <p:pic>
-        <p:nvPicPr>
-          <p:cNvPr id="8" name="Immagine 7">
-            <a:extLst>
-              <a:ext uri="{FF2B5EF4-FFF2-40B4-BE49-F238E27FC236}">
-                <a16:creationId xmlns:a16="http://schemas.microsoft.com/office/drawing/2014/main" id="{D80B9369-2FE2-0547-8A3D-49A3831860BE}"/>
-              </a:ext>
-            </a:extLst>
-          </p:cNvPr>
-          <p:cNvPicPr>
-            <a:picLocks noChangeAspect="1"/>
-          </p:cNvPicPr>
-          <p:nvPr/>
-        </p:nvPicPr>
-        <p:blipFill>
-          <a:blip r:embed="rId8"/>
-          <a:stretch>
-            <a:fillRect/>
-          </a:stretch>
-        </p:blipFill>
-        <p:spPr>
-          <a:xfrm>
-            <a:off x="6176241" y="3250941"/>
-            <a:ext cx="4127500" cy="1612900"/>
-          </a:xfrm>
-          <a:prstGeom prst="rect">
-            <a:avLst/>
-          </a:prstGeom>
-        </p:spPr>
-      </p:pic>
-      <p:pic>
-        <p:nvPicPr>
-          <p:cNvPr id="10" name="Immagine 9">
-            <a:extLst>
-              <a:ext uri="{FF2B5EF4-FFF2-40B4-BE49-F238E27FC236}">
-                <a16:creationId xmlns:a16="http://schemas.microsoft.com/office/drawing/2014/main" id="{54BDCA2C-37A9-4B47-AE86-1EBA933AA55E}"/>
-              </a:ext>
-            </a:extLst>
-          </p:cNvPr>
-          <p:cNvPicPr>
-            <a:picLocks noChangeAspect="1"/>
-          </p:cNvPicPr>
-          <p:nvPr/>
-        </p:nvPicPr>
-        <p:blipFill>
-          <a:blip r:embed="rId9"/>
-          <a:stretch>
-            <a:fillRect/>
-          </a:stretch>
-        </p:blipFill>
-        <p:spPr>
-          <a:xfrm>
-            <a:off x="1172441" y="3257291"/>
-            <a:ext cx="5003800" cy="1600200"/>
           </a:xfrm>
           <a:prstGeom prst="rect">
             <a:avLst/>
@@ -5567,6 +5489,96 @@
           </a:p>
         </p:txBody>
       </p:sp>
+      <p:pic>
+        <p:nvPicPr>
+          <p:cNvPr id="4" name="Immagine 3">
+            <a:extLst>
+              <a:ext uri="{FF2B5EF4-FFF2-40B4-BE49-F238E27FC236}">
+                <a16:creationId xmlns:a16="http://schemas.microsoft.com/office/drawing/2014/main" id="{7809A052-2DF1-F148-86A1-C354226A8A0A}"/>
+              </a:ext>
+            </a:extLst>
+          </p:cNvPr>
+          <p:cNvPicPr>
+            <a:picLocks noChangeAspect="1"/>
+          </p:cNvPicPr>
+          <p:nvPr/>
+        </p:nvPicPr>
+        <p:blipFill>
+          <a:blip r:embed="rId7"/>
+          <a:stretch>
+            <a:fillRect/>
+          </a:stretch>
+        </p:blipFill>
+        <p:spPr>
+          <a:xfrm>
+            <a:off x="1799303" y="3279831"/>
+            <a:ext cx="4376938" cy="1745486"/>
+          </a:xfrm>
+          <a:prstGeom prst="rect">
+            <a:avLst/>
+          </a:prstGeom>
+        </p:spPr>
+      </p:pic>
+      <p:pic>
+        <p:nvPicPr>
+          <p:cNvPr id="9" name="Immagine 8">
+            <a:extLst>
+              <a:ext uri="{FF2B5EF4-FFF2-40B4-BE49-F238E27FC236}">
+                <a16:creationId xmlns:a16="http://schemas.microsoft.com/office/drawing/2014/main" id="{BB034230-AB7E-6240-B1B2-7FF34F4A8733}"/>
+              </a:ext>
+            </a:extLst>
+          </p:cNvPr>
+          <p:cNvPicPr>
+            <a:picLocks noChangeAspect="1"/>
+          </p:cNvPicPr>
+          <p:nvPr/>
+        </p:nvPicPr>
+        <p:blipFill>
+          <a:blip r:embed="rId8"/>
+          <a:stretch>
+            <a:fillRect/>
+          </a:stretch>
+        </p:blipFill>
+        <p:spPr>
+          <a:xfrm>
+            <a:off x="6176241" y="3248323"/>
+            <a:ext cx="4127500" cy="1770875"/>
+          </a:xfrm>
+          <a:prstGeom prst="rect">
+            <a:avLst/>
+          </a:prstGeom>
+        </p:spPr>
+      </p:pic>
+      <p:pic>
+        <p:nvPicPr>
+          <p:cNvPr id="12" name="Immagine 11">
+            <a:extLst>
+              <a:ext uri="{FF2B5EF4-FFF2-40B4-BE49-F238E27FC236}">
+                <a16:creationId xmlns:a16="http://schemas.microsoft.com/office/drawing/2014/main" id="{85D07929-5B03-EC4A-9028-514CBDCDC2DE}"/>
+              </a:ext>
+            </a:extLst>
+          </p:cNvPr>
+          <p:cNvPicPr>
+            <a:picLocks noChangeAspect="1"/>
+          </p:cNvPicPr>
+          <p:nvPr/>
+        </p:nvPicPr>
+        <p:blipFill>
+          <a:blip r:embed="rId9"/>
+          <a:stretch>
+            <a:fillRect/>
+          </a:stretch>
+        </p:blipFill>
+        <p:spPr>
+          <a:xfrm>
+            <a:off x="5899792" y="4925537"/>
+            <a:ext cx="1587811" cy="907321"/>
+          </a:xfrm>
+          <a:prstGeom prst="rect">
+            <a:avLst/>
+          </a:prstGeom>
+        </p:spPr>
+      </p:pic>
     </p:spTree>
     <p:extLst>
       <p:ext uri="{BB962C8B-B14F-4D97-AF65-F5344CB8AC3E}">
@@ -5677,10 +5689,10 @@
       </p:sp>
       <p:pic>
         <p:nvPicPr>
-          <p:cNvPr id="11" name="Immagine 10">
-            <a:extLst>
-              <a:ext uri="{FF2B5EF4-FFF2-40B4-BE49-F238E27FC236}">
-                <a16:creationId xmlns:a16="http://schemas.microsoft.com/office/drawing/2014/main" id="{24474708-2AD1-E242-B19A-0598DECCEB08}"/>
+          <p:cNvPr id="3" name="Immagine 2">
+            <a:extLst>
+              <a:ext uri="{FF2B5EF4-FFF2-40B4-BE49-F238E27FC236}">
+                <a16:creationId xmlns:a16="http://schemas.microsoft.com/office/drawing/2014/main" id="{798C0263-E1FA-E94D-959F-8F0BE9F264A9}"/>
               </a:ext>
             </a:extLst>
           </p:cNvPr>
@@ -5697,7 +5709,7 @@
         </p:blipFill>
         <p:spPr>
           <a:xfrm>
-            <a:off x="449942" y="1475623"/>
+            <a:off x="449942" y="1490137"/>
             <a:ext cx="5689600" cy="4267200"/>
           </a:xfrm>
           <a:prstGeom prst="rect">
@@ -5707,10 +5719,10 @@
       </p:pic>
       <p:pic>
         <p:nvPicPr>
-          <p:cNvPr id="13" name="Immagine 12">
-            <a:extLst>
-              <a:ext uri="{FF2B5EF4-FFF2-40B4-BE49-F238E27FC236}">
-                <a16:creationId xmlns:a16="http://schemas.microsoft.com/office/drawing/2014/main" id="{466A2D65-C0B0-0C42-93AC-8B75F09EF259}"/>
+          <p:cNvPr id="6" name="Immagine 5">
+            <a:extLst>
+              <a:ext uri="{FF2B5EF4-FFF2-40B4-BE49-F238E27FC236}">
+                <a16:creationId xmlns:a16="http://schemas.microsoft.com/office/drawing/2014/main" id="{9497A573-DD39-0D4C-9287-F7E80CAD2A86}"/>
               </a:ext>
             </a:extLst>
           </p:cNvPr>
@@ -5727,7 +5739,7 @@
         </p:blipFill>
         <p:spPr>
           <a:xfrm>
-            <a:off x="6139542" y="1490137"/>
+            <a:off x="6139542" y="1475623"/>
             <a:ext cx="5689600" cy="4267200"/>
           </a:xfrm>
           <a:prstGeom prst="rect">
@@ -5869,7 +5881,7 @@
             </p:spPr>
             <p:txBody>
               <a:bodyPr>
-                <a:normAutofit fontScale="92500" lnSpcReduction="10000"/>
+                <a:normAutofit fontScale="92500"/>
               </a:bodyPr>
               <a:lstStyle/>
               <a:p>
@@ -5889,7 +5901,7 @@
                 </a:r>
                 <a:r>
                   <a:rPr lang="it-IT" sz="1800" dirty="0"/>
-                  <a:t> è stato calcolato estrapolando i parametri dinamici relativi alle masse e alle inerzie di ciascun link dalle equazioni della dinamica, utilizzando come vettore dei parametri:</a:t>
+                  <a:t> è stato calcolato estrapolando i parametri dinamici relativi alle masse di ciascun link dalle equazioni della dinamica, utilizzando come vettore dei parametri:</a:t>
                 </a:r>
               </a:p>
               <a:p>
@@ -5944,24 +5956,6 @@
                             <a:rPr lang="it-IT" sz="1800" b="0" i="1" smtClean="0">
                               <a:latin typeface="Cambria Math" panose="02040503050406030204" pitchFamily="18" charset="0"/>
                             </a:rPr>
-                            <m:t>, </m:t>
-                          </m:r>
-                          <m:r>
-                            <a:rPr lang="it-IT" sz="1800" b="0" i="1" smtClean="0">
-                              <a:latin typeface="Cambria Math" panose="02040503050406030204" pitchFamily="18" charset="0"/>
-                            </a:rPr>
-                            <m:t>𝐼</m:t>
-                          </m:r>
-                          <m:r>
-                            <a:rPr lang="it-IT" sz="1800" b="0" i="1" baseline="-25000" smtClean="0">
-                              <a:latin typeface="Cambria Math" panose="02040503050406030204" pitchFamily="18" charset="0"/>
-                            </a:rPr>
-                            <m:t>1</m:t>
-                          </m:r>
-                          <m:r>
-                            <a:rPr lang="it-IT" sz="1800" b="0" i="1" smtClean="0">
-                              <a:latin typeface="Cambria Math" panose="02040503050406030204" pitchFamily="18" charset="0"/>
-                            </a:rPr>
                             <m:t>,</m:t>
                           </m:r>
                           <m:r>
@@ -5986,19 +5980,7 @@
                             <a:rPr lang="it-IT" sz="1800" b="0" i="1" smtClean="0">
                               <a:latin typeface="Cambria Math" panose="02040503050406030204" pitchFamily="18" charset="0"/>
                             </a:rPr>
-                            <m:t>𝐼</m:t>
-                          </m:r>
-                          <m:r>
-                            <a:rPr lang="it-IT" sz="1800" b="0" i="1" baseline="-25000" smtClean="0">
-                              <a:latin typeface="Cambria Math" panose="02040503050406030204" pitchFamily="18" charset="0"/>
-                            </a:rPr>
-                            <m:t>2</m:t>
-                          </m:r>
-                          <m:r>
-                            <a:rPr lang="it-IT" sz="1800" b="0" i="1" smtClean="0">
-                              <a:latin typeface="Cambria Math" panose="02040503050406030204" pitchFamily="18" charset="0"/>
-                            </a:rPr>
-                            <m:t>,</m:t>
+                            <m:t> </m:t>
                           </m:r>
                           <m:r>
                             <a:rPr lang="it-IT" sz="1800" b="0" i="1" smtClean="0">
@@ -6022,19 +6004,7 @@
                             <a:rPr lang="it-IT" sz="1800" b="0" i="1" smtClean="0">
                               <a:latin typeface="Cambria Math" panose="02040503050406030204" pitchFamily="18" charset="0"/>
                             </a:rPr>
-                            <m:t>𝐼</m:t>
-                          </m:r>
-                          <m:r>
-                            <a:rPr lang="it-IT" sz="1800" b="0" i="1" baseline="-25000" smtClean="0">
-                              <a:latin typeface="Cambria Math" panose="02040503050406030204" pitchFamily="18" charset="0"/>
-                            </a:rPr>
-                            <m:t>3</m:t>
-                          </m:r>
-                          <m:r>
-                            <a:rPr lang="it-IT" sz="1800" b="0" i="1" smtClean="0">
-                              <a:latin typeface="Cambria Math" panose="02040503050406030204" pitchFamily="18" charset="0"/>
-                            </a:rPr>
-                            <m:t>,</m:t>
+                            <m:t> </m:t>
                           </m:r>
                           <m:r>
                             <a:rPr lang="it-IT" sz="1800" b="0" i="1" smtClean="0">
@@ -6058,19 +6028,7 @@
                             <a:rPr lang="it-IT" sz="1800" b="0" i="1" smtClean="0">
                               <a:latin typeface="Cambria Math" panose="02040503050406030204" pitchFamily="18" charset="0"/>
                             </a:rPr>
-                            <m:t>𝐼</m:t>
-                          </m:r>
-                          <m:r>
-                            <a:rPr lang="it-IT" sz="1800" b="0" i="1" baseline="-25000" smtClean="0">
-                              <a:latin typeface="Cambria Math" panose="02040503050406030204" pitchFamily="18" charset="0"/>
-                            </a:rPr>
-                            <m:t>4</m:t>
-                          </m:r>
-                          <m:r>
-                            <a:rPr lang="it-IT" sz="1800" b="0" i="1" smtClean="0">
-                              <a:latin typeface="Cambria Math" panose="02040503050406030204" pitchFamily="18" charset="0"/>
-                            </a:rPr>
-                            <m:t>,</m:t>
+                            <m:t> </m:t>
                           </m:r>
                           <m:r>
                             <a:rPr lang="it-IT" sz="1800" b="0" i="1" smtClean="0">
@@ -6094,43 +6052,13 @@
                             <a:rPr lang="it-IT" sz="1800" b="0" i="1" smtClean="0">
                               <a:latin typeface="Cambria Math" panose="02040503050406030204" pitchFamily="18" charset="0"/>
                             </a:rPr>
-                            <m:t>𝐼</m:t>
-                          </m:r>
-                          <m:r>
-                            <a:rPr lang="it-IT" sz="1800" b="0" i="1" baseline="-25000" smtClean="0">
-                              <a:latin typeface="Cambria Math" panose="02040503050406030204" pitchFamily="18" charset="0"/>
-                            </a:rPr>
-                            <m:t>5</m:t>
-                          </m:r>
-                          <m:r>
-                            <a:rPr lang="it-IT" sz="1800" b="0" i="1" smtClean="0">
-                              <a:latin typeface="Cambria Math" panose="02040503050406030204" pitchFamily="18" charset="0"/>
-                            </a:rPr>
-                            <m:t>,</m:t>
+                            <m:t> </m:t>
                           </m:r>
                           <m:r>
                             <a:rPr lang="it-IT" sz="1800" b="0" i="1" smtClean="0">
                               <a:latin typeface="Cambria Math" panose="02040503050406030204" pitchFamily="18" charset="0"/>
                             </a:rPr>
                             <m:t>𝑚</m:t>
-                          </m:r>
-                          <m:r>
-                            <a:rPr lang="it-IT" sz="1800" b="0" i="1" baseline="-25000" smtClean="0">
-                              <a:latin typeface="Cambria Math" panose="02040503050406030204" pitchFamily="18" charset="0"/>
-                            </a:rPr>
-                            <m:t>6</m:t>
-                          </m:r>
-                          <m:r>
-                            <a:rPr lang="it-IT" sz="1800" b="0" i="1" smtClean="0">
-                              <a:latin typeface="Cambria Math" panose="02040503050406030204" pitchFamily="18" charset="0"/>
-                            </a:rPr>
-                            <m:t>,</m:t>
-                          </m:r>
-                          <m:r>
-                            <a:rPr lang="it-IT" sz="1800" b="0" i="1" smtClean="0">
-                              <a:latin typeface="Cambria Math" panose="02040503050406030204" pitchFamily="18" charset="0"/>
-                            </a:rPr>
-                            <m:t>𝐼</m:t>
                           </m:r>
                           <m:r>
                             <a:rPr lang="it-IT" sz="1800" b="0" i="1" baseline="-25000" smtClean="0">
@@ -6182,42 +6110,11 @@
                         </m:r>
                       </m:e>
                     </m:acc>
-                    <m:r>
-                      <a:rPr lang="it-IT" sz="1800" b="0" i="1" smtClean="0">
-                        <a:latin typeface="Cambria Math" panose="02040503050406030204" pitchFamily="18" charset="0"/>
-                      </a:rPr>
-                      <m:t>=</m:t>
-                    </m:r>
-                    <m:d>
-                      <m:dPr>
-                        <m:begChr m:val="["/>
-                        <m:endChr m:val="]"/>
-                        <m:ctrlPr>
-                          <a:rPr lang="it-IT" sz="1800" b="0" i="1" smtClean="0">
-                            <a:latin typeface="Cambria Math" panose="02040503050406030204" pitchFamily="18" charset="0"/>
-                          </a:rPr>
-                        </m:ctrlPr>
-                      </m:dPr>
-                      <m:e>
-                        <m:r>
-                          <a:rPr lang="it-IT" sz="1800" b="0" i="1" smtClean="0">
-                            <a:latin typeface="Cambria Math" panose="02040503050406030204" pitchFamily="18" charset="0"/>
-                          </a:rPr>
-                          <m:t>1,1,1,1,1,1,1,1,1,1,1,1</m:t>
-                        </m:r>
-                      </m:e>
-                    </m:d>
-                    <m:r>
-                      <a:rPr lang="it-IT" sz="1800" b="0" i="1" baseline="30000" smtClean="0">
-                        <a:latin typeface="Cambria Math" panose="02040503050406030204" pitchFamily="18" charset="0"/>
-                      </a:rPr>
-                      <m:t>𝑇</m:t>
-                    </m:r>
                   </m:oMath>
                 </a14:m>
                 <a:r>
                   <a:rPr lang="it-IT" sz="1800" dirty="0"/>
-                  <a:t> e per la scelta fatta della matrici </a:t>
+                  <a:t> in modo che le masse avessero uno scostamento di +0.5 kg rispetto a quelle reali e per la scelta fatta della matrici </a:t>
                 </a:r>
                 <a:r>
                   <a:rPr lang="it-IT" sz="1800" dirty="0" err="1"/>
@@ -6233,7 +6130,7 @@
                 </a:r>
                 <a:r>
                   <a:rPr lang="it-IT" sz="1800" dirty="0"/>
-                  <a:t> si ottiene il seguente andamento, nel quale i parametri dinamici stimati vanno a convergere verso quelli desiderati.</a:t>
+                  <a:t> si ottiene il seguente andamento dell’errore di stima.</a:t>
                 </a:r>
                 <a:endParaRPr lang="it-IT" sz="1800" baseline="-25000" dirty="0"/>
               </a:p>
@@ -6271,7 +6168,7 @@
               <a:blipFill>
                 <a:blip r:embed="rId2"/>
                 <a:stretch>
-                  <a:fillRect l="-733"/>
+                  <a:fillRect l="-733" r="-1467"/>
                 </a:stretch>
               </a:blipFill>
             </p:spPr>
@@ -6292,10 +6189,10 @@
       </mc:AlternateContent>
       <p:pic>
         <p:nvPicPr>
-          <p:cNvPr id="7" name="Immagine 6">
-            <a:extLst>
-              <a:ext uri="{FF2B5EF4-FFF2-40B4-BE49-F238E27FC236}">
-                <a16:creationId xmlns:a16="http://schemas.microsoft.com/office/drawing/2014/main" id="{D50B4C85-32A4-BB45-ADC9-C78099D3EE7F}"/>
+          <p:cNvPr id="3" name="Immagine 2">
+            <a:extLst>
+              <a:ext uri="{FF2B5EF4-FFF2-40B4-BE49-F238E27FC236}">
+                <a16:creationId xmlns:a16="http://schemas.microsoft.com/office/drawing/2014/main" id="{82F967B9-B55B-B24C-A951-31BFEE2D159A}"/>
               </a:ext>
             </a:extLst>
           </p:cNvPr>
@@ -6312,8 +6209,8 @@
         </p:blipFill>
         <p:spPr>
           <a:xfrm>
-            <a:off x="6019800" y="1743471"/>
-            <a:ext cx="5831840" cy="4165600"/>
+            <a:off x="6019800" y="1692671"/>
+            <a:ext cx="5689600" cy="4267200"/>
           </a:xfrm>
           <a:prstGeom prst="rect">
             <a:avLst/>
@@ -6529,7 +6426,7 @@
           <a:p>
             <a:fld id="{4EF59023-6175-3944-979D-CFE35E3A8267}" type="datetime1">
               <a:rPr lang="it-IT" smtClean="0"/>
-              <a:t>12/06/21</a:t>
+              <a:t>28/07/21</a:t>
             </a:fld>
             <a:endParaRPr lang="en-US" dirty="0"/>
           </a:p>
@@ -10224,8 +10121,8 @@
           </a:p>
         </p:txBody>
       </p:sp>
-      <mc:AlternateContent xmlns:mc="http://schemas.openxmlformats.org/markup-compatibility/2006">
-        <mc:Choice xmlns:a14="http://schemas.microsoft.com/office/drawing/2010/main" Requires="a14">
+      <mc:AlternateContent xmlns:mc="http://schemas.openxmlformats.org/markup-compatibility/2006" xmlns:a14="http://schemas.microsoft.com/office/drawing/2010/main">
+        <mc:Choice Requires="a14">
           <p:sp>
             <p:nvSpPr>
               <p:cNvPr id="2" name="CasellaDiTesto 1">
@@ -10690,7 +10587,7 @@
             </p:txBody>
           </p:sp>
         </mc:Choice>
-        <mc:Fallback>
+        <mc:Fallback xmlns="">
           <p:sp>
             <p:nvSpPr>
               <p:cNvPr id="2" name="CasellaDiTesto 1">

--- a/Relazione/Presentazione.pptx
+++ b/Relazione/Presentazione.pptx
@@ -22,6 +22,15 @@
     <p:sldId id="267" r:id="rId16"/>
     <p:sldId id="268" r:id="rId17"/>
     <p:sldId id="269" r:id="rId18"/>
+    <p:sldId id="274" r:id="rId19"/>
+    <p:sldId id="273" r:id="rId20"/>
+    <p:sldId id="275" r:id="rId21"/>
+    <p:sldId id="276" r:id="rId22"/>
+    <p:sldId id="277" r:id="rId23"/>
+    <p:sldId id="278" r:id="rId24"/>
+    <p:sldId id="279" r:id="rId25"/>
+    <p:sldId id="280" r:id="rId26"/>
+    <p:sldId id="281" r:id="rId27"/>
   </p:sldIdLst>
   <p:sldSz cx="12192000" cy="6858000"/>
   <p:notesSz cx="6858000" cy="9144000"/>
@@ -275,7 +284,7 @@
           <a:p>
             <a:fld id="{27153579-3A4D-BB42-BD49-BB0F80A81A61}" type="datetimeFigureOut">
               <a:rPr lang="it-IT" smtClean="0"/>
-              <a:t>28/07/21</a:t>
+              <a:t>11/10/21</a:t>
             </a:fld>
             <a:endParaRPr lang="it-IT"/>
           </a:p>
@@ -448,7 +457,7 @@
           <a:p>
             <a:fld id="{27153579-3A4D-BB42-BD49-BB0F80A81A61}" type="datetimeFigureOut">
               <a:rPr lang="it-IT" smtClean="0"/>
-              <a:t>28/07/21</a:t>
+              <a:t>11/10/21</a:t>
             </a:fld>
             <a:endParaRPr lang="it-IT"/>
           </a:p>
@@ -631,7 +640,7 @@
           <a:p>
             <a:fld id="{27153579-3A4D-BB42-BD49-BB0F80A81A61}" type="datetimeFigureOut">
               <a:rPr lang="it-IT" smtClean="0"/>
-              <a:t>28/07/21</a:t>
+              <a:t>11/10/21</a:t>
             </a:fld>
             <a:endParaRPr lang="it-IT"/>
           </a:p>
@@ -804,7 +813,7 @@
           <a:p>
             <a:fld id="{27153579-3A4D-BB42-BD49-BB0F80A81A61}" type="datetimeFigureOut">
               <a:rPr lang="it-IT" smtClean="0"/>
-              <a:t>28/07/21</a:t>
+              <a:t>11/10/21</a:t>
             </a:fld>
             <a:endParaRPr lang="it-IT"/>
           </a:p>
@@ -1082,7 +1091,7 @@
           <a:p>
             <a:fld id="{27153579-3A4D-BB42-BD49-BB0F80A81A61}" type="datetimeFigureOut">
               <a:rPr lang="it-IT" smtClean="0"/>
-              <a:t>28/07/21</a:t>
+              <a:t>11/10/21</a:t>
             </a:fld>
             <a:endParaRPr lang="it-IT"/>
           </a:p>
@@ -1297,7 +1306,7 @@
           <a:p>
             <a:fld id="{27153579-3A4D-BB42-BD49-BB0F80A81A61}" type="datetimeFigureOut">
               <a:rPr lang="it-IT" smtClean="0"/>
-              <a:t>28/07/21</a:t>
+              <a:t>11/10/21</a:t>
             </a:fld>
             <a:endParaRPr lang="it-IT"/>
           </a:p>
@@ -1665,7 +1674,7 @@
           <a:p>
             <a:fld id="{27153579-3A4D-BB42-BD49-BB0F80A81A61}" type="datetimeFigureOut">
               <a:rPr lang="it-IT" smtClean="0"/>
-              <a:t>28/07/21</a:t>
+              <a:t>11/10/21</a:t>
             </a:fld>
             <a:endParaRPr lang="it-IT"/>
           </a:p>
@@ -1806,7 +1815,7 @@
           <a:p>
             <a:fld id="{27153579-3A4D-BB42-BD49-BB0F80A81A61}" type="datetimeFigureOut">
               <a:rPr lang="it-IT" smtClean="0"/>
-              <a:t>28/07/21</a:t>
+              <a:t>11/10/21</a:t>
             </a:fld>
             <a:endParaRPr lang="it-IT"/>
           </a:p>
@@ -1919,7 +1928,7 @@
           <a:p>
             <a:fld id="{27153579-3A4D-BB42-BD49-BB0F80A81A61}" type="datetimeFigureOut">
               <a:rPr lang="it-IT" smtClean="0"/>
-              <a:t>28/07/21</a:t>
+              <a:t>11/10/21</a:t>
             </a:fld>
             <a:endParaRPr lang="it-IT"/>
           </a:p>
@@ -2208,7 +2217,7 @@
           <a:p>
             <a:fld id="{27153579-3A4D-BB42-BD49-BB0F80A81A61}" type="datetimeFigureOut">
               <a:rPr lang="it-IT" smtClean="0"/>
-              <a:t>28/07/21</a:t>
+              <a:t>11/10/21</a:t>
             </a:fld>
             <a:endParaRPr lang="it-IT"/>
           </a:p>
@@ -2499,7 +2508,7 @@
           <a:p>
             <a:fld id="{27153579-3A4D-BB42-BD49-BB0F80A81A61}" type="datetimeFigureOut">
               <a:rPr lang="it-IT" smtClean="0"/>
-              <a:t>28/07/21</a:t>
+              <a:t>11/10/21</a:t>
             </a:fld>
             <a:endParaRPr lang="it-IT"/>
           </a:p>
@@ -2715,7 +2724,7 @@
           <a:p>
             <a:fld id="{27153579-3A4D-BB42-BD49-BB0F80A81A61}" type="datetimeFigureOut">
               <a:rPr lang="it-IT" smtClean="0"/>
-              <a:t>28/07/21</a:t>
+              <a:t>11/10/21</a:t>
             </a:fld>
             <a:endParaRPr lang="it-IT"/>
           </a:p>
@@ -3274,7 +3283,7 @@
           <a:p>
             <a:r>
               <a:rPr lang="it-IT" dirty="0"/>
-              <a:t>Docente: 							Studente:</a:t>
+              <a:t>Docenti: 							Studente:</a:t>
             </a:r>
           </a:p>
           <a:p>
@@ -4361,12 +4370,102 @@
           <a:chExt cx="0" cy="0"/>
         </a:xfrm>
       </p:grpSpPr>
+      <p:pic>
+        <p:nvPicPr>
+          <p:cNvPr id="2" name="Immagine 1">
+            <a:extLst>
+              <a:ext uri="{FF2B5EF4-FFF2-40B4-BE49-F238E27FC236}">
+                <a16:creationId xmlns:a16="http://schemas.microsoft.com/office/drawing/2014/main" id="{B54CE8FA-0446-B64F-8FC6-35D6EA0C880D}"/>
+              </a:ext>
+            </a:extLst>
+          </p:cNvPr>
+          <p:cNvPicPr>
+            <a:picLocks noChangeAspect="1"/>
+          </p:cNvPicPr>
+          <p:nvPr/>
+        </p:nvPicPr>
+        <p:blipFill>
+          <a:blip r:embed="rId2"/>
+          <a:stretch>
+            <a:fillRect/>
+          </a:stretch>
+        </p:blipFill>
+        <p:spPr>
+          <a:xfrm>
+            <a:off x="0" y="3282461"/>
+            <a:ext cx="12192000" cy="3755761"/>
+          </a:xfrm>
+          <a:prstGeom prst="rect">
+            <a:avLst/>
+          </a:prstGeom>
+        </p:spPr>
+      </p:pic>
+      <p:pic>
+        <p:nvPicPr>
+          <p:cNvPr id="6" name="Immagine 5">
+            <a:extLst>
+              <a:ext uri="{FF2B5EF4-FFF2-40B4-BE49-F238E27FC236}">
+                <a16:creationId xmlns:a16="http://schemas.microsoft.com/office/drawing/2014/main" id="{BC392C76-04EA-B74D-93E7-53223B265B1A}"/>
+              </a:ext>
+            </a:extLst>
+          </p:cNvPr>
+          <p:cNvPicPr>
+            <a:picLocks noChangeAspect="1"/>
+          </p:cNvPicPr>
+          <p:nvPr/>
+        </p:nvPicPr>
+        <p:blipFill>
+          <a:blip r:embed="rId3"/>
+          <a:stretch>
+            <a:fillRect/>
+          </a:stretch>
+        </p:blipFill>
+        <p:spPr>
+          <a:xfrm>
+            <a:off x="406400" y="1475623"/>
+            <a:ext cx="5689600" cy="4267200"/>
+          </a:xfrm>
+          <a:prstGeom prst="rect">
+            <a:avLst/>
+          </a:prstGeom>
+        </p:spPr>
+      </p:pic>
+      <p:pic>
+        <p:nvPicPr>
+          <p:cNvPr id="8" name="Immagine 7">
+            <a:extLst>
+              <a:ext uri="{FF2B5EF4-FFF2-40B4-BE49-F238E27FC236}">
+                <a16:creationId xmlns:a16="http://schemas.microsoft.com/office/drawing/2014/main" id="{18A45E0B-D139-DF46-8575-785298637F72}"/>
+              </a:ext>
+            </a:extLst>
+          </p:cNvPr>
+          <p:cNvPicPr>
+            <a:picLocks noChangeAspect="1"/>
+          </p:cNvPicPr>
+          <p:nvPr/>
+        </p:nvPicPr>
+        <p:blipFill>
+          <a:blip r:embed="rId4"/>
+          <a:stretch>
+            <a:fillRect/>
+          </a:stretch>
+        </p:blipFill>
+        <p:spPr>
+          <a:xfrm>
+            <a:off x="6096000" y="1475623"/>
+            <a:ext cx="5689600" cy="4267200"/>
+          </a:xfrm>
+          <a:prstGeom prst="rect">
+            <a:avLst/>
+          </a:prstGeom>
+        </p:spPr>
+      </p:pic>
       <p:sp>
         <p:nvSpPr>
-          <p:cNvPr id="5" name="Titolo 1">
-            <a:extLst>
-              <a:ext uri="{FF2B5EF4-FFF2-40B4-BE49-F238E27FC236}">
-                <a16:creationId xmlns:a16="http://schemas.microsoft.com/office/drawing/2014/main" id="{719936BE-0F9D-C74E-9E55-A7F2CE751F93}"/>
+          <p:cNvPr id="7" name="Titolo 1">
+            <a:extLst>
+              <a:ext uri="{FF2B5EF4-FFF2-40B4-BE49-F238E27FC236}">
+                <a16:creationId xmlns:a16="http://schemas.microsoft.com/office/drawing/2014/main" id="{63D9663B-71F0-B445-8B19-981E9062F22A}"/>
               </a:ext>
             </a:extLst>
           </p:cNvPr>
@@ -4431,96 +4530,6 @@
           </a:p>
         </p:txBody>
       </p:sp>
-      <p:pic>
-        <p:nvPicPr>
-          <p:cNvPr id="2" name="Immagine 1">
-            <a:extLst>
-              <a:ext uri="{FF2B5EF4-FFF2-40B4-BE49-F238E27FC236}">
-                <a16:creationId xmlns:a16="http://schemas.microsoft.com/office/drawing/2014/main" id="{B54CE8FA-0446-B64F-8FC6-35D6EA0C880D}"/>
-              </a:ext>
-            </a:extLst>
-          </p:cNvPr>
-          <p:cNvPicPr>
-            <a:picLocks noChangeAspect="1"/>
-          </p:cNvPicPr>
-          <p:nvPr/>
-        </p:nvPicPr>
-        <p:blipFill>
-          <a:blip r:embed="rId2"/>
-          <a:stretch>
-            <a:fillRect/>
-          </a:stretch>
-        </p:blipFill>
-        <p:spPr>
-          <a:xfrm>
-            <a:off x="0" y="180223"/>
-            <a:ext cx="12192000" cy="6858000"/>
-          </a:xfrm>
-          <a:prstGeom prst="rect">
-            <a:avLst/>
-          </a:prstGeom>
-        </p:spPr>
-      </p:pic>
-      <p:pic>
-        <p:nvPicPr>
-          <p:cNvPr id="6" name="Immagine 5">
-            <a:extLst>
-              <a:ext uri="{FF2B5EF4-FFF2-40B4-BE49-F238E27FC236}">
-                <a16:creationId xmlns:a16="http://schemas.microsoft.com/office/drawing/2014/main" id="{BC392C76-04EA-B74D-93E7-53223B265B1A}"/>
-              </a:ext>
-            </a:extLst>
-          </p:cNvPr>
-          <p:cNvPicPr>
-            <a:picLocks noChangeAspect="1"/>
-          </p:cNvPicPr>
-          <p:nvPr/>
-        </p:nvPicPr>
-        <p:blipFill>
-          <a:blip r:embed="rId3"/>
-          <a:stretch>
-            <a:fillRect/>
-          </a:stretch>
-        </p:blipFill>
-        <p:spPr>
-          <a:xfrm>
-            <a:off x="406400" y="1475623"/>
-            <a:ext cx="5689600" cy="4267200"/>
-          </a:xfrm>
-          <a:prstGeom prst="rect">
-            <a:avLst/>
-          </a:prstGeom>
-        </p:spPr>
-      </p:pic>
-      <p:pic>
-        <p:nvPicPr>
-          <p:cNvPr id="8" name="Immagine 7">
-            <a:extLst>
-              <a:ext uri="{FF2B5EF4-FFF2-40B4-BE49-F238E27FC236}">
-                <a16:creationId xmlns:a16="http://schemas.microsoft.com/office/drawing/2014/main" id="{18A45E0B-D139-DF46-8575-785298637F72}"/>
-              </a:ext>
-            </a:extLst>
-          </p:cNvPr>
-          <p:cNvPicPr>
-            <a:picLocks noChangeAspect="1"/>
-          </p:cNvPicPr>
-          <p:nvPr/>
-        </p:nvPicPr>
-        <p:blipFill>
-          <a:blip r:embed="rId4"/>
-          <a:stretch>
-            <a:fillRect/>
-          </a:stretch>
-        </p:blipFill>
-        <p:spPr>
-          <a:xfrm>
-            <a:off x="6096000" y="1475623"/>
-            <a:ext cx="5689600" cy="4267200"/>
-          </a:xfrm>
-          <a:prstGeom prst="rect">
-            <a:avLst/>
-          </a:prstGeom>
-        </p:spPr>
-      </p:pic>
     </p:spTree>
     <p:extLst>
       <p:ext uri="{BB962C8B-B14F-4D97-AF65-F5344CB8AC3E}">
@@ -4629,8 +4638,8 @@
           </a:p>
         </p:txBody>
       </p:sp>
-      <mc:AlternateContent xmlns:mc="http://schemas.openxmlformats.org/markup-compatibility/2006">
-        <mc:Choice xmlns:a14="http://schemas.microsoft.com/office/drawing/2010/main" Requires="a14">
+      <mc:AlternateContent xmlns:mc="http://schemas.openxmlformats.org/markup-compatibility/2006" xmlns:a14="http://schemas.microsoft.com/office/drawing/2010/main">
+        <mc:Choice Requires="a14">
           <p:sp>
             <p:nvSpPr>
               <p:cNvPr id="7" name="CasellaDiTesto 6">
@@ -4698,19 +4707,7 @@
                           <a:rPr lang="it-IT" b="0" i="1" smtClean="0">
                             <a:latin typeface="Cambria Math" panose="02040503050406030204" pitchFamily="18" charset="0"/>
                           </a:rPr>
-                          <m:t>0,0,</m:t>
-                        </m:r>
-                        <m:r>
-                          <a:rPr lang="it-IT" b="0" i="1" smtClean="0">
-                            <a:latin typeface="Cambria Math" panose="02040503050406030204" pitchFamily="18" charset="0"/>
-                          </a:rPr>
-                          <m:t>3</m:t>
-                        </m:r>
-                        <m:r>
-                          <a:rPr lang="it-IT" b="0" i="1" smtClean="0">
-                            <a:latin typeface="Cambria Math" panose="02040503050406030204" pitchFamily="18" charset="0"/>
-                          </a:rPr>
-                          <m:t>,0,0,0</m:t>
+                          <m:t>0,0,3,0,0,0</m:t>
                         </m:r>
                       </m:e>
                     </m:d>
@@ -5107,7 +5104,7 @@
             </p:txBody>
           </p:sp>
         </mc:Choice>
-        <mc:Fallback>
+        <mc:Fallback xmlns="">
           <p:sp>
             <p:nvSpPr>
               <p:cNvPr id="7" name="CasellaDiTesto 6">
@@ -5855,8 +5852,8 @@
           </a:p>
         </p:txBody>
       </p:sp>
-      <mc:AlternateContent xmlns:mc="http://schemas.openxmlformats.org/markup-compatibility/2006">
-        <mc:Choice xmlns:a14="http://schemas.microsoft.com/office/drawing/2010/main" Requires="a14">
+      <mc:AlternateContent xmlns:mc="http://schemas.openxmlformats.org/markup-compatibility/2006" xmlns:a14="http://schemas.microsoft.com/office/drawing/2010/main">
+        <mc:Choice Requires="a14">
           <p:sp>
             <p:nvSpPr>
               <p:cNvPr id="16" name="Segnaposto contenuto 15">
@@ -5974,13 +5971,7 @@
                             <a:rPr lang="it-IT" sz="1800" b="0" i="1" smtClean="0">
                               <a:latin typeface="Cambria Math" panose="02040503050406030204" pitchFamily="18" charset="0"/>
                             </a:rPr>
-                            <m:t>,</m:t>
-                          </m:r>
-                          <m:r>
-                            <a:rPr lang="it-IT" sz="1800" b="0" i="1" smtClean="0">
-                              <a:latin typeface="Cambria Math" panose="02040503050406030204" pitchFamily="18" charset="0"/>
-                            </a:rPr>
-                            <m:t> </m:t>
+                            <m:t>, </m:t>
                           </m:r>
                           <m:r>
                             <a:rPr lang="it-IT" sz="1800" b="0" i="1" smtClean="0">
@@ -5998,13 +5989,7 @@
                             <a:rPr lang="it-IT" sz="1800" b="0" i="1" smtClean="0">
                               <a:latin typeface="Cambria Math" panose="02040503050406030204" pitchFamily="18" charset="0"/>
                             </a:rPr>
-                            <m:t>,</m:t>
-                          </m:r>
-                          <m:r>
-                            <a:rPr lang="it-IT" sz="1800" b="0" i="1" smtClean="0">
-                              <a:latin typeface="Cambria Math" panose="02040503050406030204" pitchFamily="18" charset="0"/>
-                            </a:rPr>
-                            <m:t> </m:t>
+                            <m:t>, </m:t>
                           </m:r>
                           <m:r>
                             <a:rPr lang="it-IT" sz="1800" b="0" i="1" smtClean="0">
@@ -6022,13 +6007,7 @@
                             <a:rPr lang="it-IT" sz="1800" b="0" i="1" smtClean="0">
                               <a:latin typeface="Cambria Math" panose="02040503050406030204" pitchFamily="18" charset="0"/>
                             </a:rPr>
-                            <m:t>,</m:t>
-                          </m:r>
-                          <m:r>
-                            <a:rPr lang="it-IT" sz="1800" b="0" i="1" smtClean="0">
-                              <a:latin typeface="Cambria Math" panose="02040503050406030204" pitchFamily="18" charset="0"/>
-                            </a:rPr>
-                            <m:t> </m:t>
+                            <m:t>, </m:t>
                           </m:r>
                           <m:r>
                             <a:rPr lang="it-IT" sz="1800" b="0" i="1" smtClean="0">
@@ -6046,13 +6025,7 @@
                             <a:rPr lang="it-IT" sz="1800" b="0" i="1" smtClean="0">
                               <a:latin typeface="Cambria Math" panose="02040503050406030204" pitchFamily="18" charset="0"/>
                             </a:rPr>
-                            <m:t>,</m:t>
-                          </m:r>
-                          <m:r>
-                            <a:rPr lang="it-IT" sz="1800" b="0" i="1" smtClean="0">
-                              <a:latin typeface="Cambria Math" panose="02040503050406030204" pitchFamily="18" charset="0"/>
-                            </a:rPr>
-                            <m:t> </m:t>
+                            <m:t>, </m:t>
                           </m:r>
                           <m:r>
                             <a:rPr lang="it-IT" sz="1800" b="0" i="1" smtClean="0">
@@ -6143,7 +6116,7 @@
             </p:txBody>
           </p:sp>
         </mc:Choice>
-        <mc:Fallback>
+        <mc:Fallback xmlns="">
           <p:sp>
             <p:nvSpPr>
               <p:cNvPr id="16" name="Segnaposto contenuto 15">
@@ -6230,6 +6203,477 @@
 </p:sld>
 </file>
 
+<file path=ppt/slides/slide18.xml><?xml version="1.0" encoding="utf-8"?>
+<p:sld xmlns:a="http://schemas.openxmlformats.org/drawingml/2006/main" xmlns:r="http://schemas.openxmlformats.org/officeDocument/2006/relationships" xmlns:p="http://schemas.openxmlformats.org/presentationml/2006/main">
+  <p:cSld>
+    <p:spTree>
+      <p:nvGrpSpPr>
+        <p:cNvPr id="1" name=""/>
+        <p:cNvGrpSpPr/>
+        <p:nvPr/>
+      </p:nvGrpSpPr>
+      <p:grpSpPr>
+        <a:xfrm>
+          <a:off x="0" y="0"/>
+          <a:ext cx="0" cy="0"/>
+          <a:chOff x="0" y="0"/>
+          <a:chExt cx="0" cy="0"/>
+        </a:xfrm>
+      </p:grpSpPr>
+      <p:sp>
+        <p:nvSpPr>
+          <p:cNvPr id="2" name="Titolo 1">
+            <a:extLst>
+              <a:ext uri="{FF2B5EF4-FFF2-40B4-BE49-F238E27FC236}">
+                <a16:creationId xmlns:a16="http://schemas.microsoft.com/office/drawing/2014/main" id="{EC4DE27F-9EE0-A747-BF3B-EE0B89D62F48}"/>
+              </a:ext>
+            </a:extLst>
+          </p:cNvPr>
+          <p:cNvSpPr>
+            <a:spLocks noGrp="1"/>
+          </p:cNvSpPr>
+          <p:nvPr>
+            <p:ph type="ctrTitle"/>
+          </p:nvPr>
+        </p:nvSpPr>
+        <p:spPr>
+          <a:xfrm>
+            <a:off x="1524000" y="454393"/>
+            <a:ext cx="9144000" cy="1021230"/>
+          </a:xfrm>
+        </p:spPr>
+        <p:txBody>
+          <a:bodyPr/>
+          <a:lstStyle/>
+          <a:p>
+            <a:r>
+              <a:rPr lang="it-IT" dirty="0" err="1"/>
+              <a:t>Granty</a:t>
+            </a:r>
+            <a:r>
+              <a:rPr lang="it-IT" dirty="0"/>
+              <a:t> </a:t>
+            </a:r>
+            <a:r>
+              <a:rPr lang="it-IT" dirty="0" err="1"/>
+              <a:t>crane</a:t>
+            </a:r>
+            <a:endParaRPr lang="it-IT" dirty="0"/>
+          </a:p>
+        </p:txBody>
+      </p:sp>
+      <p:pic>
+        <p:nvPicPr>
+          <p:cNvPr id="4" name="Immagine 3">
+            <a:extLst>
+              <a:ext uri="{FF2B5EF4-FFF2-40B4-BE49-F238E27FC236}">
+                <a16:creationId xmlns:a16="http://schemas.microsoft.com/office/drawing/2014/main" id="{96D82E7F-6103-A546-BCE8-2F5085DF3467}"/>
+              </a:ext>
+            </a:extLst>
+          </p:cNvPr>
+          <p:cNvPicPr>
+            <a:picLocks noChangeAspect="1"/>
+          </p:cNvPicPr>
+          <p:nvPr/>
+        </p:nvPicPr>
+        <p:blipFill>
+          <a:blip r:embed="rId2"/>
+          <a:stretch>
+            <a:fillRect/>
+          </a:stretch>
+        </p:blipFill>
+        <p:spPr>
+          <a:xfrm>
+            <a:off x="1524000" y="1475623"/>
+            <a:ext cx="3683000" cy="4089400"/>
+          </a:xfrm>
+          <a:prstGeom prst="rect">
+            <a:avLst/>
+          </a:prstGeom>
+        </p:spPr>
+      </p:pic>
+      <p:sp>
+        <p:nvSpPr>
+          <p:cNvPr id="10" name="CasellaDiTesto 9">
+            <a:extLst>
+              <a:ext uri="{FF2B5EF4-FFF2-40B4-BE49-F238E27FC236}">
+                <a16:creationId xmlns:a16="http://schemas.microsoft.com/office/drawing/2014/main" id="{F46E9E04-607C-DB49-8EC7-C6CC7AC882D2}"/>
+              </a:ext>
+            </a:extLst>
+          </p:cNvPr>
+          <p:cNvSpPr txBox="1"/>
+          <p:nvPr/>
+        </p:nvSpPr>
+        <p:spPr>
+          <a:xfrm>
+            <a:off x="5410714" y="2227661"/>
+            <a:ext cx="5257286" cy="2585323"/>
+          </a:xfrm>
+          <a:prstGeom prst="rect">
+            <a:avLst/>
+          </a:prstGeom>
+          <a:noFill/>
+        </p:spPr>
+        <p:txBody>
+          <a:bodyPr wrap="square" rtlCol="0">
+            <a:spAutoFit/>
+          </a:bodyPr>
+          <a:lstStyle/>
+          <a:p>
+            <a:r>
+              <a:rPr lang="it-IT" dirty="0"/>
+              <a:t>Un modello di carro-ponte è rappresentato nella figura a fianco, assumendo che il carrello possa muoversi soltanto lungo la direzione del binario sul quale è posto, è ragionevole assumere che lo spostamento nella direzione perpendicolare al binario sia nullo e così anche l’angolo </a:t>
+            </a:r>
+            <a:r>
+              <a:rPr lang="it-IT" dirty="0" err="1"/>
+              <a:t>ɸ</a:t>
+            </a:r>
+            <a:r>
+              <a:rPr lang="it-IT" dirty="0"/>
+              <a:t>.</a:t>
+            </a:r>
+          </a:p>
+          <a:p>
+            <a:r>
+              <a:rPr lang="it-IT" dirty="0"/>
+              <a:t>Si assume che anche la forza sia diretta lungo la direzione del binario, riportando così il modello ad una sua semplificazione in 2D.</a:t>
+            </a:r>
+          </a:p>
+        </p:txBody>
+      </p:sp>
+    </p:spTree>
+    <p:extLst>
+      <p:ext uri="{BB962C8B-B14F-4D97-AF65-F5344CB8AC3E}">
+        <p14:creationId xmlns:p14="http://schemas.microsoft.com/office/powerpoint/2010/main" val="2508728585"/>
+      </p:ext>
+    </p:extLst>
+  </p:cSld>
+  <p:clrMapOvr>
+    <a:masterClrMapping/>
+  </p:clrMapOvr>
+</p:sld>
+</file>
+
+<file path=ppt/slides/slide19.xml><?xml version="1.0" encoding="utf-8"?>
+<p:sld xmlns:a="http://schemas.openxmlformats.org/drawingml/2006/main" xmlns:r="http://schemas.openxmlformats.org/officeDocument/2006/relationships" xmlns:p="http://schemas.openxmlformats.org/presentationml/2006/main">
+  <p:cSld>
+    <p:spTree>
+      <p:nvGrpSpPr>
+        <p:cNvPr id="1" name=""/>
+        <p:cNvGrpSpPr/>
+        <p:nvPr/>
+      </p:nvGrpSpPr>
+      <p:grpSpPr>
+        <a:xfrm>
+          <a:off x="0" y="0"/>
+          <a:ext cx="0" cy="0"/>
+          <a:chOff x="0" y="0"/>
+          <a:chExt cx="0" cy="0"/>
+        </a:xfrm>
+      </p:grpSpPr>
+      <p:pic>
+        <p:nvPicPr>
+          <p:cNvPr id="5" name="Immagine 4">
+            <a:extLst>
+              <a:ext uri="{FF2B5EF4-FFF2-40B4-BE49-F238E27FC236}">
+                <a16:creationId xmlns:a16="http://schemas.microsoft.com/office/drawing/2014/main" id="{6B271FC1-9853-8B46-B074-A5E6D5A515AD}"/>
+              </a:ext>
+            </a:extLst>
+          </p:cNvPr>
+          <p:cNvPicPr>
+            <a:picLocks noChangeAspect="1"/>
+          </p:cNvPicPr>
+          <p:nvPr/>
+        </p:nvPicPr>
+        <p:blipFill>
+          <a:blip r:embed="rId2"/>
+          <a:stretch>
+            <a:fillRect/>
+          </a:stretch>
+        </p:blipFill>
+        <p:spPr>
+          <a:xfrm>
+            <a:off x="1714029" y="1475623"/>
+            <a:ext cx="4191943" cy="2667600"/>
+          </a:xfrm>
+          <a:prstGeom prst="rect">
+            <a:avLst/>
+          </a:prstGeom>
+        </p:spPr>
+      </p:pic>
+      <p:sp>
+        <p:nvSpPr>
+          <p:cNvPr id="6" name="CasellaDiTesto 5">
+            <a:extLst>
+              <a:ext uri="{FF2B5EF4-FFF2-40B4-BE49-F238E27FC236}">
+                <a16:creationId xmlns:a16="http://schemas.microsoft.com/office/drawing/2014/main" id="{11F4C9D8-CB26-E74E-B18E-7614421A6E93}"/>
+              </a:ext>
+            </a:extLst>
+          </p:cNvPr>
+          <p:cNvSpPr txBox="1"/>
+          <p:nvPr/>
+        </p:nvSpPr>
+        <p:spPr>
+          <a:xfrm>
+            <a:off x="1524000" y="4143223"/>
+            <a:ext cx="5531730" cy="1938992"/>
+          </a:xfrm>
+          <a:prstGeom prst="rect">
+            <a:avLst/>
+          </a:prstGeom>
+          <a:noFill/>
+        </p:spPr>
+        <p:txBody>
+          <a:bodyPr wrap="square" rtlCol="0">
+            <a:spAutoFit/>
+          </a:bodyPr>
+          <a:lstStyle/>
+          <a:p>
+            <a:r>
+              <a:rPr lang="it-IT" sz="2000" dirty="0"/>
+              <a:t>Parametri del modello:	l = 0.2 m</a:t>
+            </a:r>
+          </a:p>
+          <a:p>
+            <a:r>
+              <a:rPr lang="it-IT" sz="2000" dirty="0"/>
+              <a:t>			g = 9.81 m/s</a:t>
+            </a:r>
+            <a:r>
+              <a:rPr lang="it-IT" sz="2000" baseline="30000" dirty="0"/>
+              <a:t>2</a:t>
+            </a:r>
+          </a:p>
+          <a:p>
+            <a:r>
+              <a:rPr lang="it-IT" sz="2000" dirty="0"/>
+              <a:t>			M = 0.548069759 kg</a:t>
+            </a:r>
+          </a:p>
+          <a:p>
+            <a:r>
+              <a:rPr lang="it-IT" sz="2000" dirty="0"/>
+              <a:t>			m</a:t>
+            </a:r>
+            <a:r>
+              <a:rPr lang="it-IT" sz="2000" baseline="-25000" dirty="0"/>
+              <a:t>1</a:t>
+            </a:r>
+            <a:r>
+              <a:rPr lang="it-IT" sz="2000" dirty="0"/>
+              <a:t> = 0.088338025 kg</a:t>
+            </a:r>
+          </a:p>
+          <a:p>
+            <a:r>
+              <a:rPr lang="it-IT" sz="2000" dirty="0"/>
+              <a:t>			m</a:t>
+            </a:r>
+            <a:r>
+              <a:rPr lang="it-IT" sz="2000" baseline="-25000" dirty="0"/>
+              <a:t>2</a:t>
+            </a:r>
+            <a:r>
+              <a:rPr lang="it-IT" sz="2000" dirty="0"/>
+              <a:t> = 0.022245336 kg</a:t>
+            </a:r>
+          </a:p>
+          <a:p>
+            <a:r>
+              <a:rPr lang="it-IT" sz="2000" dirty="0"/>
+              <a:t>			b</a:t>
+            </a:r>
+            <a:r>
+              <a:rPr lang="it-IT" sz="2000" baseline="-25000" dirty="0"/>
+              <a:t>1</a:t>
+            </a:r>
+            <a:r>
+              <a:rPr lang="it-IT" sz="2000" dirty="0"/>
+              <a:t> = 0.1	b</a:t>
+            </a:r>
+            <a:r>
+              <a:rPr lang="it-IT" sz="2000" baseline="-25000" dirty="0"/>
+              <a:t>2</a:t>
+            </a:r>
+            <a:r>
+              <a:rPr lang="it-IT" sz="2000" dirty="0"/>
+              <a:t> = 0.5</a:t>
+            </a:r>
+          </a:p>
+        </p:txBody>
+      </p:sp>
+      <p:sp>
+        <p:nvSpPr>
+          <p:cNvPr id="8" name="Titolo 1">
+            <a:extLst>
+              <a:ext uri="{FF2B5EF4-FFF2-40B4-BE49-F238E27FC236}">
+                <a16:creationId xmlns:a16="http://schemas.microsoft.com/office/drawing/2014/main" id="{E8EDF0BB-0558-644B-BB96-58C4BD179ABC}"/>
+              </a:ext>
+            </a:extLst>
+          </p:cNvPr>
+          <p:cNvSpPr txBox="1">
+            <a:spLocks/>
+          </p:cNvSpPr>
+          <p:nvPr/>
+        </p:nvSpPr>
+        <p:spPr>
+          <a:xfrm>
+            <a:off x="1524000" y="454393"/>
+            <a:ext cx="9144000" cy="1021230"/>
+          </a:xfrm>
+          <a:prstGeom prst="rect">
+            <a:avLst/>
+          </a:prstGeom>
+        </p:spPr>
+        <p:txBody>
+          <a:bodyPr vert="horz" lIns="91440" tIns="45720" rIns="91440" bIns="45720" rtlCol="0" anchor="ctr">
+            <a:normAutofit/>
+          </a:bodyPr>
+          <a:lstStyle>
+            <a:lvl1pPr algn="l" defTabSz="914400" rtl="0" eaLnBrk="1" latinLnBrk="0" hangingPunct="1">
+              <a:lnSpc>
+                <a:spcPct val="90000"/>
+              </a:lnSpc>
+              <a:spcBef>
+                <a:spcPct val="0"/>
+              </a:spcBef>
+              <a:buNone/>
+              <a:defRPr sz="4400" kern="1200">
+                <a:solidFill>
+                  <a:schemeClr val="tx1"/>
+                </a:solidFill>
+                <a:latin typeface="+mj-lt"/>
+                <a:ea typeface="+mj-ea"/>
+                <a:cs typeface="+mj-cs"/>
+              </a:defRPr>
+            </a:lvl1pPr>
+          </a:lstStyle>
+          <a:p>
+            <a:pPr algn="ctr"/>
+            <a:r>
+              <a:rPr lang="it-IT" dirty="0" err="1"/>
+              <a:t>Granty</a:t>
+            </a:r>
+            <a:r>
+              <a:rPr lang="it-IT" dirty="0"/>
+              <a:t> </a:t>
+            </a:r>
+            <a:r>
+              <a:rPr lang="it-IT" dirty="0" err="1"/>
+              <a:t>crane</a:t>
+            </a:r>
+            <a:endParaRPr lang="it-IT" dirty="0"/>
+          </a:p>
+        </p:txBody>
+      </p:sp>
+      <p:sp>
+        <p:nvSpPr>
+          <p:cNvPr id="9" name="CasellaDiTesto 8">
+            <a:extLst>
+              <a:ext uri="{FF2B5EF4-FFF2-40B4-BE49-F238E27FC236}">
+                <a16:creationId xmlns:a16="http://schemas.microsoft.com/office/drawing/2014/main" id="{86F89E2B-2067-3C4F-A4E7-D7C1F99F332E}"/>
+              </a:ext>
+            </a:extLst>
+          </p:cNvPr>
+          <p:cNvSpPr txBox="1"/>
+          <p:nvPr/>
+        </p:nvSpPr>
+        <p:spPr>
+          <a:xfrm>
+            <a:off x="6978917" y="1475623"/>
+            <a:ext cx="2959510" cy="461665"/>
+          </a:xfrm>
+          <a:prstGeom prst="rect">
+            <a:avLst/>
+          </a:prstGeom>
+          <a:noFill/>
+        </p:spPr>
+        <p:txBody>
+          <a:bodyPr wrap="square" rtlCol="0">
+            <a:spAutoFit/>
+          </a:bodyPr>
+          <a:lstStyle/>
+          <a:p>
+            <a:r>
+              <a:rPr lang="it-IT" sz="2400" dirty="0"/>
+              <a:t>MODELLO DINAMICO:</a:t>
+            </a:r>
+          </a:p>
+        </p:txBody>
+      </p:sp>
+      <p:pic>
+        <p:nvPicPr>
+          <p:cNvPr id="11" name="Immagine 10">
+            <a:extLst>
+              <a:ext uri="{FF2B5EF4-FFF2-40B4-BE49-F238E27FC236}">
+                <a16:creationId xmlns:a16="http://schemas.microsoft.com/office/drawing/2014/main" id="{F0486A9B-6256-E942-9507-095F0D92416D}"/>
+              </a:ext>
+            </a:extLst>
+          </p:cNvPr>
+          <p:cNvPicPr>
+            <a:picLocks noChangeAspect="1"/>
+          </p:cNvPicPr>
+          <p:nvPr/>
+        </p:nvPicPr>
+        <p:blipFill>
+          <a:blip r:embed="rId3"/>
+          <a:stretch>
+            <a:fillRect/>
+          </a:stretch>
+        </p:blipFill>
+        <p:spPr>
+          <a:xfrm>
+            <a:off x="5905972" y="1937288"/>
+            <a:ext cx="5105400" cy="1085850"/>
+          </a:xfrm>
+          <a:prstGeom prst="rect">
+            <a:avLst/>
+          </a:prstGeom>
+        </p:spPr>
+      </p:pic>
+      <p:pic>
+        <p:nvPicPr>
+          <p:cNvPr id="13" name="Immagine 12">
+            <a:extLst>
+              <a:ext uri="{FF2B5EF4-FFF2-40B4-BE49-F238E27FC236}">
+                <a16:creationId xmlns:a16="http://schemas.microsoft.com/office/drawing/2014/main" id="{E4C3C8CA-AA19-7547-AFE9-5AAE043E0B99}"/>
+              </a:ext>
+            </a:extLst>
+          </p:cNvPr>
+          <p:cNvPicPr>
+            <a:picLocks noChangeAspect="1"/>
+          </p:cNvPicPr>
+          <p:nvPr/>
+        </p:nvPicPr>
+        <p:blipFill>
+          <a:blip r:embed="rId4"/>
+          <a:stretch>
+            <a:fillRect/>
+          </a:stretch>
+        </p:blipFill>
+        <p:spPr>
+          <a:xfrm>
+            <a:off x="7245759" y="3023138"/>
+            <a:ext cx="2095500" cy="1485900"/>
+          </a:xfrm>
+          <a:prstGeom prst="rect">
+            <a:avLst/>
+          </a:prstGeom>
+        </p:spPr>
+      </p:pic>
+    </p:spTree>
+    <p:extLst>
+      <p:ext uri="{BB962C8B-B14F-4D97-AF65-F5344CB8AC3E}">
+        <p14:creationId xmlns:p14="http://schemas.microsoft.com/office/powerpoint/2010/main" val="46173228"/>
+      </p:ext>
+    </p:extLst>
+  </p:cSld>
+  <p:clrMapOvr>
+    <a:masterClrMapping/>
+  </p:clrMapOvr>
+</p:sld>
+</file>
+
 <file path=ppt/slides/slide2.xml><?xml version="1.0" encoding="utf-8"?>
 <p:sld xmlns:a="http://schemas.openxmlformats.org/drawingml/2006/main" xmlns:r="http://schemas.openxmlformats.org/officeDocument/2006/relationships" xmlns:p="http://schemas.openxmlformats.org/presentationml/2006/main">
   <p:cSld>
@@ -6388,6 +6832,41 @@
             </a:r>
           </a:p>
           <a:p>
+            <a:pPr marL="0" indent="0">
+              <a:buClr>
+                <a:schemeClr val="tx2">
+                  <a:lumMod val="20000"/>
+                  <a:lumOff val="80000"/>
+                </a:schemeClr>
+              </a:buClr>
+              <a:buNone/>
+            </a:pPr>
+            <a:endParaRPr lang="it-IT" dirty="0"/>
+          </a:p>
+          <a:p>
+            <a:pPr>
+              <a:buClr>
+                <a:schemeClr val="tx2">
+                  <a:lumMod val="20000"/>
+                  <a:lumOff val="80000"/>
+                </a:schemeClr>
+              </a:buClr>
+            </a:pPr>
+            <a:r>
+              <a:rPr lang="it-IT" dirty="0" err="1"/>
+              <a:t>Granty</a:t>
+            </a:r>
+            <a:r>
+              <a:rPr lang="it-IT" dirty="0"/>
+              <a:t> </a:t>
+            </a:r>
+            <a:r>
+              <a:rPr lang="it-IT" dirty="0" err="1"/>
+              <a:t>crane</a:t>
+            </a:r>
+            <a:endParaRPr lang="it-IT" dirty="0"/>
+          </a:p>
+          <a:p>
             <a:pPr lvl="1">
               <a:buClr>
                 <a:schemeClr val="tx2">
@@ -6398,8 +6877,27 @@
             </a:pPr>
             <a:r>
               <a:rPr lang="it-IT" dirty="0"/>
-              <a:t>Confronti tra controllori</a:t>
-            </a:r>
+              <a:t>Controllabilità e Osservabilità</a:t>
+            </a:r>
+          </a:p>
+          <a:p>
+            <a:pPr lvl="1">
+              <a:buClr>
+                <a:schemeClr val="tx2">
+                  <a:lumMod val="20000"/>
+                  <a:lumOff val="80000"/>
+                </a:schemeClr>
+              </a:buClr>
+            </a:pPr>
+            <a:r>
+              <a:rPr lang="it-IT" dirty="0"/>
+              <a:t>Feedback </a:t>
+            </a:r>
+            <a:r>
+              <a:rPr lang="it-IT" dirty="0" err="1"/>
+              <a:t>Linearization</a:t>
+            </a:r>
+            <a:endParaRPr lang="it-IT" dirty="0"/>
           </a:p>
         </p:txBody>
       </p:sp>
@@ -6426,7 +6924,7 @@
           <a:p>
             <a:fld id="{4EF59023-6175-3944-979D-CFE35E3A8267}" type="datetime1">
               <a:rPr lang="it-IT" smtClean="0"/>
-              <a:t>28/07/21</a:t>
+              <a:t>11/10/21</a:t>
             </a:fld>
             <a:endParaRPr lang="en-US" dirty="0"/>
           </a:p>
@@ -6494,6 +6992,3324 @@
     <p:extLst>
       <p:ext uri="{BB962C8B-B14F-4D97-AF65-F5344CB8AC3E}">
         <p14:creationId xmlns:p14="http://schemas.microsoft.com/office/powerpoint/2010/main" val="1287215491"/>
+      </p:ext>
+    </p:extLst>
+  </p:cSld>
+  <p:clrMapOvr>
+    <a:masterClrMapping/>
+  </p:clrMapOvr>
+</p:sld>
+</file>
+
+<file path=ppt/slides/slide20.xml><?xml version="1.0" encoding="utf-8"?>
+<p:sld xmlns:a="http://schemas.openxmlformats.org/drawingml/2006/main" xmlns:r="http://schemas.openxmlformats.org/officeDocument/2006/relationships" xmlns:p="http://schemas.openxmlformats.org/presentationml/2006/main">
+  <p:cSld>
+    <p:spTree>
+      <p:nvGrpSpPr>
+        <p:cNvPr id="1" name=""/>
+        <p:cNvGrpSpPr/>
+        <p:nvPr/>
+      </p:nvGrpSpPr>
+      <p:grpSpPr>
+        <a:xfrm>
+          <a:off x="0" y="0"/>
+          <a:ext cx="0" cy="0"/>
+          <a:chOff x="0" y="0"/>
+          <a:chExt cx="0" cy="0"/>
+        </a:xfrm>
+      </p:grpSpPr>
+      <p:pic>
+        <p:nvPicPr>
+          <p:cNvPr id="5" name="Immagine 4">
+            <a:extLst>
+              <a:ext uri="{FF2B5EF4-FFF2-40B4-BE49-F238E27FC236}">
+                <a16:creationId xmlns:a16="http://schemas.microsoft.com/office/drawing/2014/main" id="{6B271FC1-9853-8B46-B074-A5E6D5A515AD}"/>
+              </a:ext>
+            </a:extLst>
+          </p:cNvPr>
+          <p:cNvPicPr>
+            <a:picLocks noChangeAspect="1"/>
+          </p:cNvPicPr>
+          <p:nvPr/>
+        </p:nvPicPr>
+        <p:blipFill>
+          <a:blip r:embed="rId2"/>
+          <a:stretch>
+            <a:fillRect/>
+          </a:stretch>
+        </p:blipFill>
+        <p:spPr>
+          <a:xfrm>
+            <a:off x="1714030" y="1475623"/>
+            <a:ext cx="2093143" cy="1332000"/>
+          </a:xfrm>
+          <a:prstGeom prst="rect">
+            <a:avLst/>
+          </a:prstGeom>
+        </p:spPr>
+      </p:pic>
+      <p:sp>
+        <p:nvSpPr>
+          <p:cNvPr id="8" name="Titolo 1">
+            <a:extLst>
+              <a:ext uri="{FF2B5EF4-FFF2-40B4-BE49-F238E27FC236}">
+                <a16:creationId xmlns:a16="http://schemas.microsoft.com/office/drawing/2014/main" id="{E8EDF0BB-0558-644B-BB96-58C4BD179ABC}"/>
+              </a:ext>
+            </a:extLst>
+          </p:cNvPr>
+          <p:cNvSpPr txBox="1">
+            <a:spLocks/>
+          </p:cNvSpPr>
+          <p:nvPr/>
+        </p:nvSpPr>
+        <p:spPr>
+          <a:xfrm>
+            <a:off x="1524000" y="454393"/>
+            <a:ext cx="9144000" cy="1021230"/>
+          </a:xfrm>
+          <a:prstGeom prst="rect">
+            <a:avLst/>
+          </a:prstGeom>
+        </p:spPr>
+        <p:txBody>
+          <a:bodyPr vert="horz" lIns="91440" tIns="45720" rIns="91440" bIns="45720" rtlCol="0" anchor="ctr">
+            <a:normAutofit/>
+          </a:bodyPr>
+          <a:lstStyle>
+            <a:lvl1pPr algn="l" defTabSz="914400" rtl="0" eaLnBrk="1" latinLnBrk="0" hangingPunct="1">
+              <a:lnSpc>
+                <a:spcPct val="90000"/>
+              </a:lnSpc>
+              <a:spcBef>
+                <a:spcPct val="0"/>
+              </a:spcBef>
+              <a:buNone/>
+              <a:defRPr sz="4400" kern="1200">
+                <a:solidFill>
+                  <a:schemeClr val="tx1"/>
+                </a:solidFill>
+                <a:latin typeface="+mj-lt"/>
+                <a:ea typeface="+mj-ea"/>
+                <a:cs typeface="+mj-cs"/>
+              </a:defRPr>
+            </a:lvl1pPr>
+          </a:lstStyle>
+          <a:p>
+            <a:pPr algn="ctr"/>
+            <a:r>
+              <a:rPr lang="it-IT" dirty="0" err="1"/>
+              <a:t>Granty</a:t>
+            </a:r>
+            <a:r>
+              <a:rPr lang="it-IT" dirty="0"/>
+              <a:t> </a:t>
+            </a:r>
+            <a:r>
+              <a:rPr lang="it-IT" dirty="0" err="1"/>
+              <a:t>crane</a:t>
+            </a:r>
+            <a:endParaRPr lang="it-IT" dirty="0"/>
+          </a:p>
+        </p:txBody>
+      </p:sp>
+      <p:sp>
+        <p:nvSpPr>
+          <p:cNvPr id="9" name="CasellaDiTesto 8">
+            <a:extLst>
+              <a:ext uri="{FF2B5EF4-FFF2-40B4-BE49-F238E27FC236}">
+                <a16:creationId xmlns:a16="http://schemas.microsoft.com/office/drawing/2014/main" id="{86F89E2B-2067-3C4F-A4E7-D7C1F99F332E}"/>
+              </a:ext>
+            </a:extLst>
+          </p:cNvPr>
+          <p:cNvSpPr txBox="1"/>
+          <p:nvPr/>
+        </p:nvSpPr>
+        <p:spPr>
+          <a:xfrm>
+            <a:off x="3997202" y="1475623"/>
+            <a:ext cx="6670797" cy="1384995"/>
+          </a:xfrm>
+          <a:prstGeom prst="rect">
+            <a:avLst/>
+          </a:prstGeom>
+          <a:noFill/>
+        </p:spPr>
+        <p:txBody>
+          <a:bodyPr wrap="square" rtlCol="0">
+            <a:spAutoFit/>
+          </a:bodyPr>
+          <a:lstStyle/>
+          <a:p>
+            <a:r>
+              <a:rPr lang="it-IT" sz="2400" dirty="0"/>
+              <a:t>MODELLO DINAMICO:</a:t>
+            </a:r>
+          </a:p>
+          <a:p>
+            <a:r>
+              <a:rPr lang="it-IT" sz="2000" dirty="0"/>
+              <a:t>A partire dalle equazioni della slide precedente, con semplici calcoli si ottengono le equazioni della dinamica del modello, scritte in forma standard che seguono, con vettore di stato:</a:t>
+            </a:r>
+          </a:p>
+        </p:txBody>
+      </p:sp>
+      <p:pic>
+        <p:nvPicPr>
+          <p:cNvPr id="3" name="Immagine 2">
+            <a:extLst>
+              <a:ext uri="{FF2B5EF4-FFF2-40B4-BE49-F238E27FC236}">
+                <a16:creationId xmlns:a16="http://schemas.microsoft.com/office/drawing/2014/main" id="{F55D6311-1534-8A48-A8EE-1261BFF4A2AC}"/>
+              </a:ext>
+            </a:extLst>
+          </p:cNvPr>
+          <p:cNvPicPr>
+            <a:picLocks noChangeAspect="1"/>
+          </p:cNvPicPr>
+          <p:nvPr/>
+        </p:nvPicPr>
+        <p:blipFill>
+          <a:blip r:embed="rId3"/>
+          <a:stretch>
+            <a:fillRect/>
+          </a:stretch>
+        </p:blipFill>
+        <p:spPr>
+          <a:xfrm>
+            <a:off x="6748400" y="2860618"/>
+            <a:ext cx="1168400" cy="1181100"/>
+          </a:xfrm>
+          <a:prstGeom prst="rect">
+            <a:avLst/>
+          </a:prstGeom>
+        </p:spPr>
+      </p:pic>
+      <p:pic>
+        <p:nvPicPr>
+          <p:cNvPr id="7" name="Immagine 6">
+            <a:extLst>
+              <a:ext uri="{FF2B5EF4-FFF2-40B4-BE49-F238E27FC236}">
+                <a16:creationId xmlns:a16="http://schemas.microsoft.com/office/drawing/2014/main" id="{A539952D-DE65-B548-BF2B-F3A0D95C318E}"/>
+              </a:ext>
+            </a:extLst>
+          </p:cNvPr>
+          <p:cNvPicPr>
+            <a:picLocks noChangeAspect="1"/>
+          </p:cNvPicPr>
+          <p:nvPr/>
+        </p:nvPicPr>
+        <p:blipFill>
+          <a:blip r:embed="rId4"/>
+          <a:stretch>
+            <a:fillRect/>
+          </a:stretch>
+        </p:blipFill>
+        <p:spPr>
+          <a:xfrm>
+            <a:off x="1362075" y="4041718"/>
+            <a:ext cx="9467850" cy="2266950"/>
+          </a:xfrm>
+          <a:prstGeom prst="rect">
+            <a:avLst/>
+          </a:prstGeom>
+        </p:spPr>
+      </p:pic>
+    </p:spTree>
+    <p:extLst>
+      <p:ext uri="{BB962C8B-B14F-4D97-AF65-F5344CB8AC3E}">
+        <p14:creationId xmlns:p14="http://schemas.microsoft.com/office/powerpoint/2010/main" val="445715538"/>
+      </p:ext>
+    </p:extLst>
+  </p:cSld>
+  <p:clrMapOvr>
+    <a:masterClrMapping/>
+  </p:clrMapOvr>
+</p:sld>
+</file>
+
+<file path=ppt/slides/slide21.xml><?xml version="1.0" encoding="utf-8"?>
+<p:sld xmlns:a="http://schemas.openxmlformats.org/drawingml/2006/main" xmlns:r="http://schemas.openxmlformats.org/officeDocument/2006/relationships" xmlns:p="http://schemas.openxmlformats.org/presentationml/2006/main">
+  <p:cSld>
+    <p:spTree>
+      <p:nvGrpSpPr>
+        <p:cNvPr id="1" name=""/>
+        <p:cNvGrpSpPr/>
+        <p:nvPr/>
+      </p:nvGrpSpPr>
+      <p:grpSpPr>
+        <a:xfrm>
+          <a:off x="0" y="0"/>
+          <a:ext cx="0" cy="0"/>
+          <a:chOff x="0" y="0"/>
+          <a:chExt cx="0" cy="0"/>
+        </a:xfrm>
+      </p:grpSpPr>
+      <p:pic>
+        <p:nvPicPr>
+          <p:cNvPr id="5" name="Immagine 4">
+            <a:extLst>
+              <a:ext uri="{FF2B5EF4-FFF2-40B4-BE49-F238E27FC236}">
+                <a16:creationId xmlns:a16="http://schemas.microsoft.com/office/drawing/2014/main" id="{6B271FC1-9853-8B46-B074-A5E6D5A515AD}"/>
+              </a:ext>
+            </a:extLst>
+          </p:cNvPr>
+          <p:cNvPicPr>
+            <a:picLocks noChangeAspect="1"/>
+          </p:cNvPicPr>
+          <p:nvPr/>
+        </p:nvPicPr>
+        <p:blipFill>
+          <a:blip r:embed="rId2"/>
+          <a:stretch>
+            <a:fillRect/>
+          </a:stretch>
+        </p:blipFill>
+        <p:spPr>
+          <a:xfrm>
+            <a:off x="1714030" y="1475623"/>
+            <a:ext cx="2093143" cy="1332000"/>
+          </a:xfrm>
+          <a:prstGeom prst="rect">
+            <a:avLst/>
+          </a:prstGeom>
+        </p:spPr>
+      </p:pic>
+      <p:sp>
+        <p:nvSpPr>
+          <p:cNvPr id="8" name="Titolo 1">
+            <a:extLst>
+              <a:ext uri="{FF2B5EF4-FFF2-40B4-BE49-F238E27FC236}">
+                <a16:creationId xmlns:a16="http://schemas.microsoft.com/office/drawing/2014/main" id="{E8EDF0BB-0558-644B-BB96-58C4BD179ABC}"/>
+              </a:ext>
+            </a:extLst>
+          </p:cNvPr>
+          <p:cNvSpPr txBox="1">
+            <a:spLocks/>
+          </p:cNvSpPr>
+          <p:nvPr/>
+        </p:nvSpPr>
+        <p:spPr>
+          <a:xfrm>
+            <a:off x="1524000" y="454393"/>
+            <a:ext cx="9144000" cy="1021230"/>
+          </a:xfrm>
+          <a:prstGeom prst="rect">
+            <a:avLst/>
+          </a:prstGeom>
+        </p:spPr>
+        <p:txBody>
+          <a:bodyPr vert="horz" lIns="91440" tIns="45720" rIns="91440" bIns="45720" rtlCol="0" anchor="ctr">
+            <a:normAutofit/>
+          </a:bodyPr>
+          <a:lstStyle>
+            <a:lvl1pPr algn="l" defTabSz="914400" rtl="0" eaLnBrk="1" latinLnBrk="0" hangingPunct="1">
+              <a:lnSpc>
+                <a:spcPct val="90000"/>
+              </a:lnSpc>
+              <a:spcBef>
+                <a:spcPct val="0"/>
+              </a:spcBef>
+              <a:buNone/>
+              <a:defRPr sz="4400" kern="1200">
+                <a:solidFill>
+                  <a:schemeClr val="tx1"/>
+                </a:solidFill>
+                <a:latin typeface="+mj-lt"/>
+                <a:ea typeface="+mj-ea"/>
+                <a:cs typeface="+mj-cs"/>
+              </a:defRPr>
+            </a:lvl1pPr>
+          </a:lstStyle>
+          <a:p>
+            <a:pPr algn="ctr"/>
+            <a:r>
+              <a:rPr lang="it-IT" dirty="0" err="1"/>
+              <a:t>Granty</a:t>
+            </a:r>
+            <a:r>
+              <a:rPr lang="it-IT" dirty="0"/>
+              <a:t> </a:t>
+            </a:r>
+            <a:r>
+              <a:rPr lang="it-IT" dirty="0" err="1"/>
+              <a:t>crane</a:t>
+            </a:r>
+            <a:endParaRPr lang="it-IT" dirty="0"/>
+          </a:p>
+        </p:txBody>
+      </p:sp>
+      <p:sp>
+        <p:nvSpPr>
+          <p:cNvPr id="9" name="CasellaDiTesto 8">
+            <a:extLst>
+              <a:ext uri="{FF2B5EF4-FFF2-40B4-BE49-F238E27FC236}">
+                <a16:creationId xmlns:a16="http://schemas.microsoft.com/office/drawing/2014/main" id="{86F89E2B-2067-3C4F-A4E7-D7C1F99F332E}"/>
+              </a:ext>
+            </a:extLst>
+          </p:cNvPr>
+          <p:cNvSpPr txBox="1"/>
+          <p:nvPr/>
+        </p:nvSpPr>
+        <p:spPr>
+          <a:xfrm>
+            <a:off x="3997202" y="1475623"/>
+            <a:ext cx="6670797" cy="1384995"/>
+          </a:xfrm>
+          <a:prstGeom prst="rect">
+            <a:avLst/>
+          </a:prstGeom>
+          <a:noFill/>
+        </p:spPr>
+        <p:txBody>
+          <a:bodyPr wrap="square" rtlCol="0">
+            <a:spAutoFit/>
+          </a:bodyPr>
+          <a:lstStyle/>
+          <a:p>
+            <a:r>
+              <a:rPr lang="it-IT" sz="2400" dirty="0"/>
+              <a:t>MODELLO DINAMICO:</a:t>
+            </a:r>
+          </a:p>
+          <a:p>
+            <a:r>
+              <a:rPr lang="it-IT" sz="2000" dirty="0"/>
+              <a:t>È quindi possibile individuare il vettore delle funzioni di stato, delle funzioni di ingresso e delle uscite e scrivere il sistema nella forma </a:t>
+            </a:r>
+          </a:p>
+        </p:txBody>
+      </p:sp>
+      <p:pic>
+        <p:nvPicPr>
+          <p:cNvPr id="4" name="Immagine 3">
+            <a:extLst>
+              <a:ext uri="{FF2B5EF4-FFF2-40B4-BE49-F238E27FC236}">
+                <a16:creationId xmlns:a16="http://schemas.microsoft.com/office/drawing/2014/main" id="{0BEAAF86-3F48-8847-8D11-8CCFF5FC089D}"/>
+              </a:ext>
+            </a:extLst>
+          </p:cNvPr>
+          <p:cNvPicPr>
+            <a:picLocks noChangeAspect="1"/>
+          </p:cNvPicPr>
+          <p:nvPr/>
+        </p:nvPicPr>
+        <p:blipFill>
+          <a:blip r:embed="rId3"/>
+          <a:stretch>
+            <a:fillRect/>
+          </a:stretch>
+        </p:blipFill>
+        <p:spPr>
+          <a:xfrm>
+            <a:off x="6507100" y="2807623"/>
+            <a:ext cx="1651000" cy="660400"/>
+          </a:xfrm>
+          <a:prstGeom prst="rect">
+            <a:avLst/>
+          </a:prstGeom>
+        </p:spPr>
+      </p:pic>
+      <p:pic>
+        <p:nvPicPr>
+          <p:cNvPr id="7" name="Immagine 6">
+            <a:extLst>
+              <a:ext uri="{FF2B5EF4-FFF2-40B4-BE49-F238E27FC236}">
+                <a16:creationId xmlns:a16="http://schemas.microsoft.com/office/drawing/2014/main" id="{F9F8DC63-EB5D-374B-9F4A-A1EF5FF89A21}"/>
+              </a:ext>
+            </a:extLst>
+          </p:cNvPr>
+          <p:cNvPicPr>
+            <a:picLocks noChangeAspect="1"/>
+          </p:cNvPicPr>
+          <p:nvPr/>
+        </p:nvPicPr>
+        <p:blipFill>
+          <a:blip r:embed="rId4"/>
+          <a:stretch>
+            <a:fillRect/>
+          </a:stretch>
+        </p:blipFill>
+        <p:spPr>
+          <a:xfrm>
+            <a:off x="1524000" y="3468023"/>
+            <a:ext cx="6477000" cy="1603375"/>
+          </a:xfrm>
+          <a:prstGeom prst="rect">
+            <a:avLst/>
+          </a:prstGeom>
+        </p:spPr>
+      </p:pic>
+      <p:pic>
+        <p:nvPicPr>
+          <p:cNvPr id="11" name="Immagine 10">
+            <a:extLst>
+              <a:ext uri="{FF2B5EF4-FFF2-40B4-BE49-F238E27FC236}">
+                <a16:creationId xmlns:a16="http://schemas.microsoft.com/office/drawing/2014/main" id="{1A63D091-8FD0-D943-8BE5-2D5DFF337684}"/>
+              </a:ext>
+            </a:extLst>
+          </p:cNvPr>
+          <p:cNvPicPr>
+            <a:picLocks noChangeAspect="1"/>
+          </p:cNvPicPr>
+          <p:nvPr/>
+        </p:nvPicPr>
+        <p:blipFill>
+          <a:blip r:embed="rId5"/>
+          <a:stretch>
+            <a:fillRect/>
+          </a:stretch>
+        </p:blipFill>
+        <p:spPr>
+          <a:xfrm>
+            <a:off x="8001000" y="3468023"/>
+            <a:ext cx="3302000" cy="1619250"/>
+          </a:xfrm>
+          <a:prstGeom prst="rect">
+            <a:avLst/>
+          </a:prstGeom>
+        </p:spPr>
+      </p:pic>
+      <p:pic>
+        <p:nvPicPr>
+          <p:cNvPr id="13" name="Immagine 12">
+            <a:extLst>
+              <a:ext uri="{FF2B5EF4-FFF2-40B4-BE49-F238E27FC236}">
+                <a16:creationId xmlns:a16="http://schemas.microsoft.com/office/drawing/2014/main" id="{C530E6AB-1756-1D43-AEB4-01AD4ABF131F}"/>
+              </a:ext>
+            </a:extLst>
+          </p:cNvPr>
+          <p:cNvPicPr>
+            <a:picLocks noChangeAspect="1"/>
+          </p:cNvPicPr>
+          <p:nvPr/>
+        </p:nvPicPr>
+        <p:blipFill>
+          <a:blip r:embed="rId6"/>
+          <a:stretch>
+            <a:fillRect/>
+          </a:stretch>
+        </p:blipFill>
+        <p:spPr>
+          <a:xfrm>
+            <a:off x="5207000" y="5087273"/>
+            <a:ext cx="1778000" cy="889000"/>
+          </a:xfrm>
+          <a:prstGeom prst="rect">
+            <a:avLst/>
+          </a:prstGeom>
+        </p:spPr>
+      </p:pic>
+    </p:spTree>
+    <p:extLst>
+      <p:ext uri="{BB962C8B-B14F-4D97-AF65-F5344CB8AC3E}">
+        <p14:creationId xmlns:p14="http://schemas.microsoft.com/office/powerpoint/2010/main" val="432094374"/>
+      </p:ext>
+    </p:extLst>
+  </p:cSld>
+  <p:clrMapOvr>
+    <a:masterClrMapping/>
+  </p:clrMapOvr>
+</p:sld>
+</file>
+
+<file path=ppt/slides/slide22.xml><?xml version="1.0" encoding="utf-8"?>
+<p:sld xmlns:a="http://schemas.openxmlformats.org/drawingml/2006/main" xmlns:r="http://schemas.openxmlformats.org/officeDocument/2006/relationships" xmlns:p="http://schemas.openxmlformats.org/presentationml/2006/main">
+  <p:cSld>
+    <p:spTree>
+      <p:nvGrpSpPr>
+        <p:cNvPr id="1" name=""/>
+        <p:cNvGrpSpPr/>
+        <p:nvPr/>
+      </p:nvGrpSpPr>
+      <p:grpSpPr>
+        <a:xfrm>
+          <a:off x="0" y="0"/>
+          <a:ext cx="0" cy="0"/>
+          <a:chOff x="0" y="0"/>
+          <a:chExt cx="0" cy="0"/>
+        </a:xfrm>
+      </p:grpSpPr>
+      <p:pic>
+        <p:nvPicPr>
+          <p:cNvPr id="5" name="Immagine 4">
+            <a:extLst>
+              <a:ext uri="{FF2B5EF4-FFF2-40B4-BE49-F238E27FC236}">
+                <a16:creationId xmlns:a16="http://schemas.microsoft.com/office/drawing/2014/main" id="{6B271FC1-9853-8B46-B074-A5E6D5A515AD}"/>
+              </a:ext>
+            </a:extLst>
+          </p:cNvPr>
+          <p:cNvPicPr>
+            <a:picLocks noChangeAspect="1"/>
+          </p:cNvPicPr>
+          <p:nvPr/>
+        </p:nvPicPr>
+        <p:blipFill>
+          <a:blip r:embed="rId2"/>
+          <a:stretch>
+            <a:fillRect/>
+          </a:stretch>
+        </p:blipFill>
+        <p:spPr>
+          <a:xfrm>
+            <a:off x="1714030" y="1475623"/>
+            <a:ext cx="2093143" cy="1332000"/>
+          </a:xfrm>
+          <a:prstGeom prst="rect">
+            <a:avLst/>
+          </a:prstGeom>
+        </p:spPr>
+      </p:pic>
+      <p:sp>
+        <p:nvSpPr>
+          <p:cNvPr id="8" name="Titolo 1">
+            <a:extLst>
+              <a:ext uri="{FF2B5EF4-FFF2-40B4-BE49-F238E27FC236}">
+                <a16:creationId xmlns:a16="http://schemas.microsoft.com/office/drawing/2014/main" id="{E8EDF0BB-0558-644B-BB96-58C4BD179ABC}"/>
+              </a:ext>
+            </a:extLst>
+          </p:cNvPr>
+          <p:cNvSpPr txBox="1">
+            <a:spLocks/>
+          </p:cNvSpPr>
+          <p:nvPr/>
+        </p:nvSpPr>
+        <p:spPr>
+          <a:xfrm>
+            <a:off x="1524000" y="454393"/>
+            <a:ext cx="9144000" cy="1021230"/>
+          </a:xfrm>
+          <a:prstGeom prst="rect">
+            <a:avLst/>
+          </a:prstGeom>
+        </p:spPr>
+        <p:txBody>
+          <a:bodyPr vert="horz" lIns="91440" tIns="45720" rIns="91440" bIns="45720" rtlCol="0" anchor="ctr">
+            <a:normAutofit/>
+          </a:bodyPr>
+          <a:lstStyle>
+            <a:lvl1pPr algn="l" defTabSz="914400" rtl="0" eaLnBrk="1" latinLnBrk="0" hangingPunct="1">
+              <a:lnSpc>
+                <a:spcPct val="90000"/>
+              </a:lnSpc>
+              <a:spcBef>
+                <a:spcPct val="0"/>
+              </a:spcBef>
+              <a:buNone/>
+              <a:defRPr sz="4400" kern="1200">
+                <a:solidFill>
+                  <a:schemeClr val="tx1"/>
+                </a:solidFill>
+                <a:latin typeface="+mj-lt"/>
+                <a:ea typeface="+mj-ea"/>
+                <a:cs typeface="+mj-cs"/>
+              </a:defRPr>
+            </a:lvl1pPr>
+          </a:lstStyle>
+          <a:p>
+            <a:pPr algn="ctr"/>
+            <a:r>
+              <a:rPr lang="it-IT" dirty="0" err="1"/>
+              <a:t>Granty</a:t>
+            </a:r>
+            <a:r>
+              <a:rPr lang="it-IT" dirty="0"/>
+              <a:t> </a:t>
+            </a:r>
+            <a:r>
+              <a:rPr lang="it-IT" dirty="0" err="1"/>
+              <a:t>crane</a:t>
+            </a:r>
+            <a:endParaRPr lang="it-IT" dirty="0"/>
+          </a:p>
+        </p:txBody>
+      </p:sp>
+      <mc:AlternateContent xmlns:mc="http://schemas.openxmlformats.org/markup-compatibility/2006">
+        <mc:Choice xmlns:a14="http://schemas.microsoft.com/office/drawing/2010/main" Requires="a14">
+          <p:sp>
+            <p:nvSpPr>
+              <p:cNvPr id="9" name="CasellaDiTesto 8">
+                <a:extLst>
+                  <a:ext uri="{FF2B5EF4-FFF2-40B4-BE49-F238E27FC236}">
+                    <a16:creationId xmlns:a16="http://schemas.microsoft.com/office/drawing/2014/main" id="{86F89E2B-2067-3C4F-A4E7-D7C1F99F332E}"/>
+                  </a:ext>
+                </a:extLst>
+              </p:cNvPr>
+              <p:cNvSpPr txBox="1"/>
+              <p:nvPr/>
+            </p:nvSpPr>
+            <p:spPr>
+              <a:xfrm>
+                <a:off x="3997202" y="1475623"/>
+                <a:ext cx="6670797" cy="2123658"/>
+              </a:xfrm>
+              <a:prstGeom prst="rect">
+                <a:avLst/>
+              </a:prstGeom>
+              <a:noFill/>
+            </p:spPr>
+            <p:txBody>
+              <a:bodyPr wrap="square" rtlCol="0">
+                <a:spAutoFit/>
+              </a:bodyPr>
+              <a:lstStyle/>
+              <a:p>
+                <a:r>
+                  <a:rPr lang="it-IT" sz="2400" dirty="0"/>
+                  <a:t>CONTROLLABILITA’</a:t>
+                </a:r>
+                <a:endParaRPr lang="it-IT" sz="2000" dirty="0"/>
+              </a:p>
+              <a:p>
+                <a:r>
+                  <a:rPr lang="it-IT" dirty="0"/>
+                  <a:t>A partire dal </a:t>
+                </a:r>
+                <a:r>
+                  <a:rPr lang="it-IT" i="1" dirty="0"/>
+                  <a:t>Teorema di Chow</a:t>
+                </a:r>
+                <a:r>
+                  <a:rPr lang="it-IT" dirty="0"/>
+                  <a:t>, è stato verificato che il sistema fosse localmente accessibile, costruendo la </a:t>
+                </a:r>
+                <a:r>
+                  <a:rPr lang="it-IT" i="1" dirty="0"/>
+                  <a:t>distribuzione di accessibilità</a:t>
+                </a:r>
+                <a:r>
+                  <a:rPr lang="it-IT" dirty="0"/>
+                  <a:t> e verificando la condizione </a:t>
+                </a:r>
+                <a14:m>
+                  <m:oMath xmlns:m="http://schemas.openxmlformats.org/officeDocument/2006/math">
+                    <m:d>
+                      <m:dPr>
+                        <m:begChr m:val="⟨"/>
+                        <m:endChr m:val="⟩"/>
+                        <m:ctrlPr>
+                          <a:rPr lang="it-IT" i="1" smtClean="0">
+                            <a:latin typeface="Cambria Math" panose="02040503050406030204" pitchFamily="18" charset="0"/>
+                          </a:rPr>
+                        </m:ctrlPr>
+                      </m:dPr>
+                      <m:e>
+                        <m:r>
+                          <a:rPr lang="it-IT" i="1" smtClean="0">
+                            <a:latin typeface="Cambria Math" panose="02040503050406030204" pitchFamily="18" charset="0"/>
+                            <a:ea typeface="Cambria Math" panose="02040503050406030204" pitchFamily="18" charset="0"/>
+                          </a:rPr>
+                          <m:t>∆</m:t>
+                        </m:r>
+                        <m:r>
+                          <a:rPr lang="it-IT" b="0" i="1" smtClean="0">
+                            <a:latin typeface="Cambria Math" panose="02040503050406030204" pitchFamily="18" charset="0"/>
+                            <a:ea typeface="Cambria Math" panose="02040503050406030204" pitchFamily="18" charset="0"/>
+                          </a:rPr>
+                          <m:t> | ∆</m:t>
+                        </m:r>
+                        <m:r>
+                          <a:rPr lang="it-IT" b="0" i="1" baseline="-25000" smtClean="0">
+                            <a:latin typeface="Cambria Math" panose="02040503050406030204" pitchFamily="18" charset="0"/>
+                            <a:ea typeface="Cambria Math" panose="02040503050406030204" pitchFamily="18" charset="0"/>
+                          </a:rPr>
+                          <m:t>0</m:t>
+                        </m:r>
+                      </m:e>
+                    </m:d>
+                    <m:r>
+                      <a:rPr lang="it-IT" b="0" i="1" smtClean="0">
+                        <a:latin typeface="Cambria Math" panose="02040503050406030204" pitchFamily="18" charset="0"/>
+                      </a:rPr>
+                      <m:t>=</m:t>
+                    </m:r>
+                    <m:r>
+                      <a:rPr lang="it-IT" b="0" i="1" smtClean="0">
+                        <a:latin typeface="Cambria Math" panose="02040503050406030204" pitchFamily="18" charset="0"/>
+                      </a:rPr>
+                      <m:t>𝑛</m:t>
+                    </m:r>
+                  </m:oMath>
+                </a14:m>
+                <a:endParaRPr lang="it-IT" dirty="0"/>
+              </a:p>
+              <a:p>
+                <a:r>
+                  <a:rPr lang="it-IT" dirty="0"/>
+                  <a:t>nella quale</a:t>
+                </a:r>
+              </a:p>
+              <a:p>
+                <a14:m>
+                  <m:oMathPara xmlns:m="http://schemas.openxmlformats.org/officeDocument/2006/math">
+                    <m:oMathParaPr>
+                      <m:jc m:val="centerGroup"/>
+                    </m:oMathParaPr>
+                    <m:oMath xmlns:m="http://schemas.openxmlformats.org/officeDocument/2006/math">
+                      <m:r>
+                        <a:rPr lang="it-IT" i="1" smtClean="0">
+                          <a:latin typeface="Cambria Math" panose="02040503050406030204" pitchFamily="18" charset="0"/>
+                          <a:ea typeface="Cambria Math" panose="02040503050406030204" pitchFamily="18" charset="0"/>
+                        </a:rPr>
+                        <m:t>∆</m:t>
+                      </m:r>
+                      <m:r>
+                        <a:rPr lang="it-IT" b="0" i="1" baseline="-25000" smtClean="0">
+                          <a:latin typeface="Cambria Math" panose="02040503050406030204" pitchFamily="18" charset="0"/>
+                          <a:ea typeface="Cambria Math" panose="02040503050406030204" pitchFamily="18" charset="0"/>
+                        </a:rPr>
+                        <m:t>0</m:t>
+                      </m:r>
+                      <m:r>
+                        <a:rPr lang="it-IT" b="0" i="1" smtClean="0">
+                          <a:latin typeface="Cambria Math" panose="02040503050406030204" pitchFamily="18" charset="0"/>
+                          <a:ea typeface="Cambria Math" panose="02040503050406030204" pitchFamily="18" charset="0"/>
+                        </a:rPr>
+                        <m:t> =</m:t>
+                      </m:r>
+                      <m:r>
+                        <a:rPr lang="it-IT" b="0" i="1" smtClean="0">
+                          <a:latin typeface="Cambria Math" panose="02040503050406030204" pitchFamily="18" charset="0"/>
+                          <a:ea typeface="Cambria Math" panose="02040503050406030204" pitchFamily="18" charset="0"/>
+                        </a:rPr>
+                        <m:t>𝑠𝑝𝑎𝑛</m:t>
+                      </m:r>
+                      <m:d>
+                        <m:dPr>
+                          <m:ctrlPr>
+                            <a:rPr lang="it-IT" b="0" i="1" smtClean="0">
+                              <a:latin typeface="Cambria Math" panose="02040503050406030204" pitchFamily="18" charset="0"/>
+                              <a:ea typeface="Cambria Math" panose="02040503050406030204" pitchFamily="18" charset="0"/>
+                            </a:rPr>
+                          </m:ctrlPr>
+                        </m:dPr>
+                        <m:e>
+                          <m:r>
+                            <a:rPr lang="it-IT" b="0" i="1" smtClean="0">
+                              <a:latin typeface="Cambria Math" panose="02040503050406030204" pitchFamily="18" charset="0"/>
+                              <a:ea typeface="Cambria Math" panose="02040503050406030204" pitchFamily="18" charset="0"/>
+                            </a:rPr>
+                            <m:t>𝑔</m:t>
+                          </m:r>
+                        </m:e>
+                      </m:d>
+                    </m:oMath>
+                  </m:oMathPara>
+                </a14:m>
+                <a:endParaRPr lang="it-IT" b="0" dirty="0">
+                  <a:ea typeface="Cambria Math" panose="02040503050406030204" pitchFamily="18" charset="0"/>
+                </a:endParaRPr>
+              </a:p>
+              <a:p>
+                <a14:m>
+                  <m:oMathPara xmlns:m="http://schemas.openxmlformats.org/officeDocument/2006/math">
+                    <m:oMathParaPr>
+                      <m:jc m:val="centerGroup"/>
+                    </m:oMathParaPr>
+                    <m:oMath xmlns:m="http://schemas.openxmlformats.org/officeDocument/2006/math">
+                      <m:r>
+                        <a:rPr lang="it-IT" i="1" smtClean="0">
+                          <a:latin typeface="Cambria Math" panose="02040503050406030204" pitchFamily="18" charset="0"/>
+                          <a:ea typeface="Cambria Math" panose="02040503050406030204" pitchFamily="18" charset="0"/>
+                        </a:rPr>
+                        <m:t>∆</m:t>
+                      </m:r>
+                      <m:r>
+                        <a:rPr lang="it-IT" b="0" i="1" smtClean="0">
+                          <a:latin typeface="Cambria Math" panose="02040503050406030204" pitchFamily="18" charset="0"/>
+                          <a:ea typeface="Cambria Math" panose="02040503050406030204" pitchFamily="18" charset="0"/>
+                        </a:rPr>
+                        <m:t> =</m:t>
+                      </m:r>
+                      <m:r>
+                        <a:rPr lang="it-IT" b="0" i="1" smtClean="0">
+                          <a:latin typeface="Cambria Math" panose="02040503050406030204" pitchFamily="18" charset="0"/>
+                          <a:ea typeface="Cambria Math" panose="02040503050406030204" pitchFamily="18" charset="0"/>
+                        </a:rPr>
+                        <m:t>𝑠𝑝𝑎𝑛</m:t>
+                      </m:r>
+                      <m:r>
+                        <a:rPr lang="it-IT" b="0" i="1" smtClean="0">
+                          <a:latin typeface="Cambria Math" panose="02040503050406030204" pitchFamily="18" charset="0"/>
+                          <a:ea typeface="Cambria Math" panose="02040503050406030204" pitchFamily="18" charset="0"/>
+                        </a:rPr>
+                        <m:t>(</m:t>
+                      </m:r>
+                      <m:r>
+                        <a:rPr lang="it-IT" b="0" i="1" smtClean="0">
+                          <a:latin typeface="Cambria Math" panose="02040503050406030204" pitchFamily="18" charset="0"/>
+                          <a:ea typeface="Cambria Math" panose="02040503050406030204" pitchFamily="18" charset="0"/>
+                        </a:rPr>
+                        <m:t>𝑓</m:t>
+                      </m:r>
+                      <m:r>
+                        <a:rPr lang="it-IT" b="0" i="1" smtClean="0">
+                          <a:latin typeface="Cambria Math" panose="02040503050406030204" pitchFamily="18" charset="0"/>
+                          <a:ea typeface="Cambria Math" panose="02040503050406030204" pitchFamily="18" charset="0"/>
+                        </a:rPr>
+                        <m:t>, </m:t>
+                      </m:r>
+                      <m:r>
+                        <a:rPr lang="it-IT" b="0" i="1" smtClean="0">
+                          <a:latin typeface="Cambria Math" panose="02040503050406030204" pitchFamily="18" charset="0"/>
+                          <a:ea typeface="Cambria Math" panose="02040503050406030204" pitchFamily="18" charset="0"/>
+                        </a:rPr>
+                        <m:t>𝑔</m:t>
+                      </m:r>
+                      <m:r>
+                        <a:rPr lang="it-IT" b="0" i="1" smtClean="0">
+                          <a:latin typeface="Cambria Math" panose="02040503050406030204" pitchFamily="18" charset="0"/>
+                          <a:ea typeface="Cambria Math" panose="02040503050406030204" pitchFamily="18" charset="0"/>
+                        </a:rPr>
+                        <m:t>)</m:t>
+                      </m:r>
+                    </m:oMath>
+                  </m:oMathPara>
+                </a14:m>
+                <a:endParaRPr lang="it-IT" dirty="0"/>
+              </a:p>
+            </p:txBody>
+          </p:sp>
+        </mc:Choice>
+        <mc:Fallback>
+          <p:sp>
+            <p:nvSpPr>
+              <p:cNvPr id="9" name="CasellaDiTesto 8">
+                <a:extLst>
+                  <a:ext uri="{FF2B5EF4-FFF2-40B4-BE49-F238E27FC236}">
+                    <a16:creationId xmlns:a16="http://schemas.microsoft.com/office/drawing/2014/main" id="{86F89E2B-2067-3C4F-A4E7-D7C1F99F332E}"/>
+                  </a:ext>
+                </a:extLst>
+              </p:cNvPr>
+              <p:cNvSpPr txBox="1">
+                <a:spLocks noRot="1" noChangeAspect="1" noMove="1" noResize="1" noEditPoints="1" noAdjustHandles="1" noChangeArrowheads="1" noChangeShapeType="1" noTextEdit="1"/>
+              </p:cNvSpPr>
+              <p:nvPr/>
+            </p:nvSpPr>
+            <p:spPr>
+              <a:xfrm>
+                <a:off x="3997202" y="1475623"/>
+                <a:ext cx="6670797" cy="2123658"/>
+              </a:xfrm>
+              <a:prstGeom prst="rect">
+                <a:avLst/>
+              </a:prstGeom>
+              <a:blipFill>
+                <a:blip r:embed="rId3"/>
+                <a:stretch>
+                  <a:fillRect l="-1331" t="-1786" b="-2381"/>
+                </a:stretch>
+              </a:blipFill>
+            </p:spPr>
+            <p:txBody>
+              <a:bodyPr/>
+              <a:lstStyle/>
+              <a:p>
+                <a:r>
+                  <a:rPr lang="it-IT">
+                    <a:noFill/>
+                  </a:rPr>
+                  <a:t> </a:t>
+                </a:r>
+              </a:p>
+            </p:txBody>
+          </p:sp>
+        </mc:Fallback>
+      </mc:AlternateContent>
+      <mc:AlternateContent xmlns:mc="http://schemas.openxmlformats.org/markup-compatibility/2006">
+        <mc:Choice xmlns:a14="http://schemas.microsoft.com/office/drawing/2010/main" Requires="a14">
+          <p:sp>
+            <p:nvSpPr>
+              <p:cNvPr id="2" name="CasellaDiTesto 1">
+                <a:extLst>
+                  <a:ext uri="{FF2B5EF4-FFF2-40B4-BE49-F238E27FC236}">
+                    <a16:creationId xmlns:a16="http://schemas.microsoft.com/office/drawing/2014/main" id="{9278A8CE-5C45-E341-95D0-FC8B837E9441}"/>
+                  </a:ext>
+                </a:extLst>
+              </p:cNvPr>
+              <p:cNvSpPr txBox="1"/>
+              <p:nvPr/>
+            </p:nvSpPr>
+            <p:spPr>
+              <a:xfrm>
+                <a:off x="223495" y="3599281"/>
+                <a:ext cx="11745010" cy="2094356"/>
+              </a:xfrm>
+              <a:prstGeom prst="rect">
+                <a:avLst/>
+              </a:prstGeom>
+              <a:noFill/>
+            </p:spPr>
+            <p:txBody>
+              <a:bodyPr wrap="none" rtlCol="0">
+                <a:spAutoFit/>
+              </a:bodyPr>
+              <a:lstStyle/>
+              <a:p>
+                <a:pPr algn="ctr"/>
+                <a:r>
+                  <a:rPr lang="it-IT" dirty="0"/>
+                  <a:t>La matrice </a:t>
+                </a:r>
+                <a14:m>
+                  <m:oMath xmlns:m="http://schemas.openxmlformats.org/officeDocument/2006/math">
+                    <m:r>
+                      <a:rPr lang="it-IT" i="1">
+                        <a:latin typeface="Cambria Math" panose="02040503050406030204" pitchFamily="18" charset="0"/>
+                        <a:ea typeface="Cambria Math" panose="02040503050406030204" pitchFamily="18" charset="0"/>
+                      </a:rPr>
+                      <m:t>∆ =</m:t>
+                    </m:r>
+                    <m:r>
+                      <a:rPr lang="it-IT" i="1">
+                        <a:latin typeface="Cambria Math" panose="02040503050406030204" pitchFamily="18" charset="0"/>
+                        <a:ea typeface="Cambria Math" panose="02040503050406030204" pitchFamily="18" charset="0"/>
+                      </a:rPr>
+                      <m:t>[ </m:t>
+                    </m:r>
+                    <m:r>
+                      <a:rPr lang="it-IT" i="1">
+                        <a:latin typeface="Cambria Math" panose="02040503050406030204" pitchFamily="18" charset="0"/>
+                        <a:ea typeface="Cambria Math" panose="02040503050406030204" pitchFamily="18" charset="0"/>
+                      </a:rPr>
+                      <m:t>𝑔</m:t>
+                    </m:r>
+                    <m:r>
+                      <a:rPr lang="it-IT" i="1">
+                        <a:latin typeface="Cambria Math" panose="02040503050406030204" pitchFamily="18" charset="0"/>
+                        <a:ea typeface="Cambria Math" panose="02040503050406030204" pitchFamily="18" charset="0"/>
+                      </a:rPr>
+                      <m:t> </m:t>
+                    </m:r>
+                    <m:d>
+                      <m:dPr>
+                        <m:begChr m:val="["/>
+                        <m:endChr m:val="]"/>
+                        <m:ctrlPr>
+                          <a:rPr lang="it-IT" i="1">
+                            <a:latin typeface="Cambria Math" panose="02040503050406030204" pitchFamily="18" charset="0"/>
+                            <a:ea typeface="Cambria Math" panose="02040503050406030204" pitchFamily="18" charset="0"/>
+                          </a:rPr>
+                        </m:ctrlPr>
+                      </m:dPr>
+                      <m:e>
+                        <m:r>
+                          <a:rPr lang="it-IT" i="1">
+                            <a:latin typeface="Cambria Math" panose="02040503050406030204" pitchFamily="18" charset="0"/>
+                            <a:ea typeface="Cambria Math" panose="02040503050406030204" pitchFamily="18" charset="0"/>
+                          </a:rPr>
+                          <m:t>𝑓</m:t>
+                        </m:r>
+                        <m:r>
+                          <a:rPr lang="it-IT" i="1">
+                            <a:latin typeface="Cambria Math" panose="02040503050406030204" pitchFamily="18" charset="0"/>
+                            <a:ea typeface="Cambria Math" panose="02040503050406030204" pitchFamily="18" charset="0"/>
+                          </a:rPr>
+                          <m:t>,</m:t>
+                        </m:r>
+                        <m:r>
+                          <a:rPr lang="it-IT" i="1">
+                            <a:latin typeface="Cambria Math" panose="02040503050406030204" pitchFamily="18" charset="0"/>
+                            <a:ea typeface="Cambria Math" panose="02040503050406030204" pitchFamily="18" charset="0"/>
+                          </a:rPr>
+                          <m:t>𝑔</m:t>
+                        </m:r>
+                      </m:e>
+                    </m:d>
+                    <m:r>
+                      <a:rPr lang="it-IT" i="1">
+                        <a:latin typeface="Cambria Math" panose="02040503050406030204" pitchFamily="18" charset="0"/>
+                        <a:ea typeface="Cambria Math" panose="02040503050406030204" pitchFamily="18" charset="0"/>
+                      </a:rPr>
+                      <m:t> [</m:t>
+                    </m:r>
+                    <m:r>
+                      <a:rPr lang="it-IT" i="1">
+                        <a:latin typeface="Cambria Math" panose="02040503050406030204" pitchFamily="18" charset="0"/>
+                        <a:ea typeface="Cambria Math" panose="02040503050406030204" pitchFamily="18" charset="0"/>
+                      </a:rPr>
+                      <m:t>𝑓</m:t>
+                    </m:r>
+                    <m:r>
+                      <a:rPr lang="it-IT" i="1">
+                        <a:latin typeface="Cambria Math" panose="02040503050406030204" pitchFamily="18" charset="0"/>
+                        <a:ea typeface="Cambria Math" panose="02040503050406030204" pitchFamily="18" charset="0"/>
+                      </a:rPr>
+                      <m:t>,[</m:t>
+                    </m:r>
+                    <m:r>
+                      <a:rPr lang="it-IT" i="1">
+                        <a:latin typeface="Cambria Math" panose="02040503050406030204" pitchFamily="18" charset="0"/>
+                        <a:ea typeface="Cambria Math" panose="02040503050406030204" pitchFamily="18" charset="0"/>
+                      </a:rPr>
+                      <m:t>𝑓</m:t>
+                    </m:r>
+                    <m:r>
+                      <a:rPr lang="it-IT" i="1">
+                        <a:latin typeface="Cambria Math" panose="02040503050406030204" pitchFamily="18" charset="0"/>
+                        <a:ea typeface="Cambria Math" panose="02040503050406030204" pitchFamily="18" charset="0"/>
+                      </a:rPr>
+                      <m:t>,</m:t>
+                    </m:r>
+                    <m:r>
+                      <a:rPr lang="it-IT" i="1">
+                        <a:latin typeface="Cambria Math" panose="02040503050406030204" pitchFamily="18" charset="0"/>
+                        <a:ea typeface="Cambria Math" panose="02040503050406030204" pitchFamily="18" charset="0"/>
+                      </a:rPr>
+                      <m:t>𝑔</m:t>
+                    </m:r>
+                    <m:r>
+                      <a:rPr lang="it-IT" i="1">
+                        <a:latin typeface="Cambria Math" panose="02040503050406030204" pitchFamily="18" charset="0"/>
+                        <a:ea typeface="Cambria Math" panose="02040503050406030204" pitchFamily="18" charset="0"/>
+                      </a:rPr>
+                      <m:t>]] [</m:t>
+                    </m:r>
+                    <m:r>
+                      <a:rPr lang="it-IT" i="1">
+                        <a:latin typeface="Cambria Math" panose="02040503050406030204" pitchFamily="18" charset="0"/>
+                        <a:ea typeface="Cambria Math" panose="02040503050406030204" pitchFamily="18" charset="0"/>
+                      </a:rPr>
+                      <m:t>𝑓</m:t>
+                    </m:r>
+                    <m:r>
+                      <a:rPr lang="it-IT" i="1">
+                        <a:latin typeface="Cambria Math" panose="02040503050406030204" pitchFamily="18" charset="0"/>
+                        <a:ea typeface="Cambria Math" panose="02040503050406030204" pitchFamily="18" charset="0"/>
+                      </a:rPr>
+                      <m:t>,[</m:t>
+                    </m:r>
+                    <m:r>
+                      <a:rPr lang="it-IT" i="1">
+                        <a:latin typeface="Cambria Math" panose="02040503050406030204" pitchFamily="18" charset="0"/>
+                        <a:ea typeface="Cambria Math" panose="02040503050406030204" pitchFamily="18" charset="0"/>
+                      </a:rPr>
+                      <m:t>𝑓</m:t>
+                    </m:r>
+                    <m:r>
+                      <a:rPr lang="it-IT" i="1">
+                        <a:latin typeface="Cambria Math" panose="02040503050406030204" pitchFamily="18" charset="0"/>
+                        <a:ea typeface="Cambria Math" panose="02040503050406030204" pitchFamily="18" charset="0"/>
+                      </a:rPr>
+                      <m:t>,[</m:t>
+                    </m:r>
+                    <m:r>
+                      <a:rPr lang="it-IT" i="1">
+                        <a:latin typeface="Cambria Math" panose="02040503050406030204" pitchFamily="18" charset="0"/>
+                        <a:ea typeface="Cambria Math" panose="02040503050406030204" pitchFamily="18" charset="0"/>
+                      </a:rPr>
+                      <m:t>𝑓</m:t>
+                    </m:r>
+                    <m:r>
+                      <a:rPr lang="it-IT" i="1">
+                        <a:latin typeface="Cambria Math" panose="02040503050406030204" pitchFamily="18" charset="0"/>
+                        <a:ea typeface="Cambria Math" panose="02040503050406030204" pitchFamily="18" charset="0"/>
+                      </a:rPr>
+                      <m:t>,</m:t>
+                    </m:r>
+                    <m:r>
+                      <a:rPr lang="it-IT" i="1">
+                        <a:latin typeface="Cambria Math" panose="02040503050406030204" pitchFamily="18" charset="0"/>
+                        <a:ea typeface="Cambria Math" panose="02040503050406030204" pitchFamily="18" charset="0"/>
+                      </a:rPr>
+                      <m:t>𝑔</m:t>
+                    </m:r>
+                    <m:r>
+                      <a:rPr lang="it-IT" i="1">
+                        <a:latin typeface="Cambria Math" panose="02040503050406030204" pitchFamily="18" charset="0"/>
+                        <a:ea typeface="Cambria Math" panose="02040503050406030204" pitchFamily="18" charset="0"/>
+                      </a:rPr>
+                      <m:t>]]] [</m:t>
+                    </m:r>
+                    <m:r>
+                      <a:rPr lang="it-IT" i="1">
+                        <a:latin typeface="Cambria Math" panose="02040503050406030204" pitchFamily="18" charset="0"/>
+                        <a:ea typeface="Cambria Math" panose="02040503050406030204" pitchFamily="18" charset="0"/>
+                      </a:rPr>
+                      <m:t>𝑓</m:t>
+                    </m:r>
+                    <m:r>
+                      <a:rPr lang="it-IT" i="1">
+                        <a:latin typeface="Cambria Math" panose="02040503050406030204" pitchFamily="18" charset="0"/>
+                        <a:ea typeface="Cambria Math" panose="02040503050406030204" pitchFamily="18" charset="0"/>
+                      </a:rPr>
+                      <m:t>,[</m:t>
+                    </m:r>
+                    <m:r>
+                      <a:rPr lang="it-IT" i="1">
+                        <a:latin typeface="Cambria Math" panose="02040503050406030204" pitchFamily="18" charset="0"/>
+                        <a:ea typeface="Cambria Math" panose="02040503050406030204" pitchFamily="18" charset="0"/>
+                      </a:rPr>
+                      <m:t>𝑓</m:t>
+                    </m:r>
+                    <m:r>
+                      <a:rPr lang="it-IT" i="1">
+                        <a:latin typeface="Cambria Math" panose="02040503050406030204" pitchFamily="18" charset="0"/>
+                        <a:ea typeface="Cambria Math" panose="02040503050406030204" pitchFamily="18" charset="0"/>
+                      </a:rPr>
+                      <m:t>,[</m:t>
+                    </m:r>
+                    <m:r>
+                      <a:rPr lang="it-IT" i="1">
+                        <a:latin typeface="Cambria Math" panose="02040503050406030204" pitchFamily="18" charset="0"/>
+                        <a:ea typeface="Cambria Math" panose="02040503050406030204" pitchFamily="18" charset="0"/>
+                      </a:rPr>
+                      <m:t>𝑓</m:t>
+                    </m:r>
+                    <m:r>
+                      <a:rPr lang="it-IT" i="1">
+                        <a:latin typeface="Cambria Math" panose="02040503050406030204" pitchFamily="18" charset="0"/>
+                        <a:ea typeface="Cambria Math" panose="02040503050406030204" pitchFamily="18" charset="0"/>
+                      </a:rPr>
+                      <m:t>,[</m:t>
+                    </m:r>
+                    <m:r>
+                      <a:rPr lang="it-IT" i="1">
+                        <a:latin typeface="Cambria Math" panose="02040503050406030204" pitchFamily="18" charset="0"/>
+                        <a:ea typeface="Cambria Math" panose="02040503050406030204" pitchFamily="18" charset="0"/>
+                      </a:rPr>
+                      <m:t>𝑓</m:t>
+                    </m:r>
+                    <m:r>
+                      <a:rPr lang="it-IT" i="1">
+                        <a:latin typeface="Cambria Math" panose="02040503050406030204" pitchFamily="18" charset="0"/>
+                        <a:ea typeface="Cambria Math" panose="02040503050406030204" pitchFamily="18" charset="0"/>
+                      </a:rPr>
+                      <m:t>,</m:t>
+                    </m:r>
+                    <m:r>
+                      <a:rPr lang="it-IT" i="1">
+                        <a:latin typeface="Cambria Math" panose="02040503050406030204" pitchFamily="18" charset="0"/>
+                        <a:ea typeface="Cambria Math" panose="02040503050406030204" pitchFamily="18" charset="0"/>
+                      </a:rPr>
+                      <m:t>𝑔</m:t>
+                    </m:r>
+                    <m:r>
+                      <a:rPr lang="it-IT" i="1">
+                        <a:latin typeface="Cambria Math" panose="02040503050406030204" pitchFamily="18" charset="0"/>
+                        <a:ea typeface="Cambria Math" panose="02040503050406030204" pitchFamily="18" charset="0"/>
+                      </a:rPr>
+                      <m:t>]]]]]</m:t>
+                    </m:r>
+                  </m:oMath>
+                </a14:m>
+                <a:r>
+                  <a:rPr lang="it-IT" i="1" dirty="0"/>
+                  <a:t> </a:t>
+                </a:r>
+                <a:r>
+                  <a:rPr lang="it-IT" dirty="0"/>
+                  <a:t>ha rango 4 e quindi il sistema è localmente accessibile.</a:t>
+                </a:r>
+              </a:p>
+              <a:p>
+                <a:pPr algn="ctr"/>
+                <a:endParaRPr lang="it-IT" dirty="0"/>
+              </a:p>
+              <a:p>
+                <a:pPr algn="ctr"/>
+                <a:r>
+                  <a:rPr lang="it-IT" dirty="0"/>
+                  <a:t>Il teorema di Chow è condizione necessaria e sufficiente per l’accessibilità, ma solo necessaria per la controllabilità, </a:t>
+                </a:r>
+              </a:p>
+              <a:p>
+                <a:pPr algn="ctr"/>
+                <a:r>
+                  <a:rPr lang="it-IT" dirty="0"/>
+                  <a:t>perché il sistema sia anche controllabile è necessario verificare che sia soddisfatta a condizione:</a:t>
+                </a:r>
+              </a:p>
+              <a:p>
+                <a:pPr algn="ctr"/>
+                <a14:m>
+                  <m:oMathPara xmlns:m="http://schemas.openxmlformats.org/officeDocument/2006/math">
+                    <m:oMathParaPr>
+                      <m:jc m:val="centerGroup"/>
+                    </m:oMathParaPr>
+                    <m:oMath xmlns:m="http://schemas.openxmlformats.org/officeDocument/2006/math">
+                      <m:r>
+                        <a:rPr lang="it-IT" b="0" i="1" smtClean="0">
+                          <a:latin typeface="Cambria Math" panose="02040503050406030204" pitchFamily="18" charset="0"/>
+                        </a:rPr>
+                        <m:t>𝑓</m:t>
+                      </m:r>
+                      <m:d>
+                        <m:dPr>
+                          <m:ctrlPr>
+                            <a:rPr lang="it-IT" b="0" i="1" smtClean="0">
+                              <a:latin typeface="Cambria Math" panose="02040503050406030204" pitchFamily="18" charset="0"/>
+                            </a:rPr>
+                          </m:ctrlPr>
+                        </m:dPr>
+                        <m:e>
+                          <m:r>
+                            <a:rPr lang="it-IT" b="0" i="1" smtClean="0">
+                              <a:latin typeface="Cambria Math" panose="02040503050406030204" pitchFamily="18" charset="0"/>
+                            </a:rPr>
+                            <m:t>𝑞</m:t>
+                          </m:r>
+                          <m:r>
+                            <a:rPr lang="it-IT" b="0" i="1" baseline="-25000" smtClean="0">
+                              <a:latin typeface="Cambria Math" panose="02040503050406030204" pitchFamily="18" charset="0"/>
+                            </a:rPr>
+                            <m:t>0</m:t>
+                          </m:r>
+                        </m:e>
+                      </m:d>
+                      <m:r>
+                        <a:rPr lang="it-IT" b="0" i="1" smtClean="0">
+                          <a:latin typeface="Cambria Math" panose="02040503050406030204" pitchFamily="18" charset="0"/>
+                        </a:rPr>
+                        <m:t>=0 </m:t>
+                      </m:r>
+                      <m:r>
+                        <a:rPr lang="it-IT" b="0" i="1" smtClean="0">
+                          <a:latin typeface="Cambria Math" panose="02040503050406030204" pitchFamily="18" charset="0"/>
+                        </a:rPr>
+                        <m:t>𝑒</m:t>
+                      </m:r>
+                      <m:func>
+                        <m:funcPr>
+                          <m:ctrlPr>
+                            <a:rPr lang="it-IT" b="0" i="1" smtClean="0">
+                              <a:latin typeface="Cambria Math" panose="02040503050406030204" pitchFamily="18" charset="0"/>
+                            </a:rPr>
+                          </m:ctrlPr>
+                        </m:funcPr>
+                        <m:fName>
+                          <m:r>
+                            <m:rPr>
+                              <m:sty m:val="p"/>
+                            </m:rPr>
+                            <a:rPr lang="it-IT" b="0" i="0" smtClean="0">
+                              <a:latin typeface="Cambria Math" panose="02040503050406030204" pitchFamily="18" charset="0"/>
+                            </a:rPr>
+                            <m:t>dim</m:t>
+                          </m:r>
+                        </m:fName>
+                        <m:e>
+                          <m:r>
+                            <a:rPr lang="it-IT" b="0" i="1" smtClean="0">
+                              <a:latin typeface="Cambria Math" panose="02040503050406030204" pitchFamily="18" charset="0"/>
+                              <a:ea typeface="Cambria Math" panose="02040503050406030204" pitchFamily="18" charset="0"/>
+                            </a:rPr>
+                            <m:t>∆</m:t>
+                          </m:r>
+                          <m:r>
+                            <a:rPr lang="it-IT" b="0" i="1" baseline="-25000" smtClean="0">
+                              <a:latin typeface="Cambria Math" panose="02040503050406030204" pitchFamily="18" charset="0"/>
+                              <a:ea typeface="Cambria Math" panose="02040503050406030204" pitchFamily="18" charset="0"/>
+                            </a:rPr>
+                            <m:t>𝐿</m:t>
+                          </m:r>
+                          <m:d>
+                            <m:dPr>
+                              <m:ctrlPr>
+                                <a:rPr lang="it-IT" b="0" i="1" smtClean="0">
+                                  <a:latin typeface="Cambria Math" panose="02040503050406030204" pitchFamily="18" charset="0"/>
+                                  <a:ea typeface="Cambria Math" panose="02040503050406030204" pitchFamily="18" charset="0"/>
+                                </a:rPr>
+                              </m:ctrlPr>
+                            </m:dPr>
+                            <m:e>
+                              <m:r>
+                                <a:rPr lang="it-IT" b="0" i="1" smtClean="0">
+                                  <a:latin typeface="Cambria Math" panose="02040503050406030204" pitchFamily="18" charset="0"/>
+                                  <a:ea typeface="Cambria Math" panose="02040503050406030204" pitchFamily="18" charset="0"/>
+                                </a:rPr>
+                                <m:t>𝑞</m:t>
+                              </m:r>
+                              <m:r>
+                                <a:rPr lang="it-IT" b="0" i="1" baseline="-25000" smtClean="0">
+                                  <a:latin typeface="Cambria Math" panose="02040503050406030204" pitchFamily="18" charset="0"/>
+                                  <a:ea typeface="Cambria Math" panose="02040503050406030204" pitchFamily="18" charset="0"/>
+                                </a:rPr>
+                                <m:t>0</m:t>
+                              </m:r>
+                            </m:e>
+                          </m:d>
+                        </m:e>
+                      </m:func>
+                      <m:r>
+                        <a:rPr lang="it-IT" b="0" i="1" smtClean="0">
+                          <a:latin typeface="Cambria Math" panose="02040503050406030204" pitchFamily="18" charset="0"/>
+                          <a:ea typeface="Cambria Math" panose="02040503050406030204" pitchFamily="18" charset="0"/>
+                        </a:rPr>
+                        <m:t>=</m:t>
+                      </m:r>
+                      <m:r>
+                        <a:rPr lang="it-IT" b="0" i="1" smtClean="0">
+                          <a:latin typeface="Cambria Math" panose="02040503050406030204" pitchFamily="18" charset="0"/>
+                          <a:ea typeface="Cambria Math" panose="02040503050406030204" pitchFamily="18" charset="0"/>
+                        </a:rPr>
+                        <m:t>𝑛</m:t>
+                      </m:r>
+                      <m:r>
+                        <a:rPr lang="it-IT" b="0" i="1" smtClean="0">
+                          <a:latin typeface="Cambria Math" panose="02040503050406030204" pitchFamily="18" charset="0"/>
+                          <a:ea typeface="Cambria Math" panose="02040503050406030204" pitchFamily="18" charset="0"/>
+                        </a:rPr>
+                        <m:t> </m:t>
+                      </m:r>
+                      <m:r>
+                        <a:rPr lang="it-IT" b="0" i="1" smtClean="0">
+                          <a:latin typeface="Cambria Math" panose="02040503050406030204" pitchFamily="18" charset="0"/>
+                          <a:ea typeface="Cambria Math" panose="02040503050406030204" pitchFamily="18" charset="0"/>
+                        </a:rPr>
+                        <m:t>𝑐𝑜𝑛</m:t>
+                      </m:r>
+                      <m:r>
+                        <a:rPr lang="it-IT" b="0" i="1" smtClean="0">
+                          <a:latin typeface="Cambria Math" panose="02040503050406030204" pitchFamily="18" charset="0"/>
+                          <a:ea typeface="Cambria Math" panose="02040503050406030204" pitchFamily="18" charset="0"/>
+                        </a:rPr>
+                        <m:t> ∆</m:t>
+                      </m:r>
+                      <m:r>
+                        <a:rPr lang="it-IT" b="0" i="1" baseline="-25000" smtClean="0">
+                          <a:latin typeface="Cambria Math" panose="02040503050406030204" pitchFamily="18" charset="0"/>
+                          <a:ea typeface="Cambria Math" panose="02040503050406030204" pitchFamily="18" charset="0"/>
+                        </a:rPr>
+                        <m:t>𝐿</m:t>
+                      </m:r>
+                      <m:r>
+                        <a:rPr lang="it-IT" b="0" i="1" smtClean="0">
+                          <a:latin typeface="Cambria Math" panose="02040503050406030204" pitchFamily="18" charset="0"/>
+                          <a:ea typeface="Cambria Math" panose="02040503050406030204" pitchFamily="18" charset="0"/>
+                        </a:rPr>
+                        <m:t>=</m:t>
+                      </m:r>
+                      <m:r>
+                        <a:rPr lang="it-IT" b="0" i="1" smtClean="0">
+                          <a:latin typeface="Cambria Math" panose="02040503050406030204" pitchFamily="18" charset="0"/>
+                          <a:ea typeface="Cambria Math" panose="02040503050406030204" pitchFamily="18" charset="0"/>
+                        </a:rPr>
+                        <m:t>𝑠𝑝𝑎𝑛</m:t>
+                      </m:r>
+                      <m:r>
+                        <a:rPr lang="it-IT" b="0" i="1" smtClean="0">
+                          <a:latin typeface="Cambria Math" panose="02040503050406030204" pitchFamily="18" charset="0"/>
+                          <a:ea typeface="Cambria Math" panose="02040503050406030204" pitchFamily="18" charset="0"/>
+                        </a:rPr>
+                        <m:t>(</m:t>
+                      </m:r>
+                      <m:r>
+                        <a:rPr lang="it-IT" b="0" i="1" smtClean="0">
+                          <a:latin typeface="Cambria Math" panose="02040503050406030204" pitchFamily="18" charset="0"/>
+                          <a:ea typeface="Cambria Math" panose="02040503050406030204" pitchFamily="18" charset="0"/>
+                        </a:rPr>
+                        <m:t>𝑔</m:t>
+                      </m:r>
+                      <m:r>
+                        <a:rPr lang="it-IT" b="0" i="1" smtClean="0">
+                          <a:latin typeface="Cambria Math" panose="02040503050406030204" pitchFamily="18" charset="0"/>
+                          <a:ea typeface="Cambria Math" panose="02040503050406030204" pitchFamily="18" charset="0"/>
+                        </a:rPr>
+                        <m:t>, </m:t>
+                      </m:r>
+                      <m:d>
+                        <m:dPr>
+                          <m:begChr m:val="["/>
+                          <m:endChr m:val="]"/>
+                          <m:ctrlPr>
+                            <a:rPr lang="it-IT" b="0" i="1" smtClean="0">
+                              <a:latin typeface="Cambria Math" panose="02040503050406030204" pitchFamily="18" charset="0"/>
+                              <a:ea typeface="Cambria Math" panose="02040503050406030204" pitchFamily="18" charset="0"/>
+                            </a:rPr>
+                          </m:ctrlPr>
+                        </m:dPr>
+                        <m:e>
+                          <m:r>
+                            <a:rPr lang="it-IT" b="0" i="1" smtClean="0">
+                              <a:latin typeface="Cambria Math" panose="02040503050406030204" pitchFamily="18" charset="0"/>
+                              <a:ea typeface="Cambria Math" panose="02040503050406030204" pitchFamily="18" charset="0"/>
+                            </a:rPr>
+                            <m:t>𝑓</m:t>
+                          </m:r>
+                          <m:r>
+                            <a:rPr lang="it-IT" b="0" i="1" smtClean="0">
+                              <a:latin typeface="Cambria Math" panose="02040503050406030204" pitchFamily="18" charset="0"/>
+                              <a:ea typeface="Cambria Math" panose="02040503050406030204" pitchFamily="18" charset="0"/>
+                            </a:rPr>
+                            <m:t>,</m:t>
+                          </m:r>
+                          <m:r>
+                            <a:rPr lang="it-IT" b="0" i="1" smtClean="0">
+                              <a:latin typeface="Cambria Math" panose="02040503050406030204" pitchFamily="18" charset="0"/>
+                              <a:ea typeface="Cambria Math" panose="02040503050406030204" pitchFamily="18" charset="0"/>
+                            </a:rPr>
+                            <m:t>𝑔</m:t>
+                          </m:r>
+                        </m:e>
+                      </m:d>
+                      <m:r>
+                        <a:rPr lang="it-IT" b="0" i="1" smtClean="0">
+                          <a:latin typeface="Cambria Math" panose="02040503050406030204" pitchFamily="18" charset="0"/>
+                          <a:ea typeface="Cambria Math" panose="02040503050406030204" pitchFamily="18" charset="0"/>
+                        </a:rPr>
+                        <m:t>, …</m:t>
+                      </m:r>
+                      <m:sSubSup>
+                        <m:sSubSupPr>
+                          <m:ctrlPr>
+                            <a:rPr lang="it-IT" b="0" i="1" smtClean="0">
+                              <a:latin typeface="Cambria Math" panose="02040503050406030204" pitchFamily="18" charset="0"/>
+                              <a:ea typeface="Cambria Math" panose="02040503050406030204" pitchFamily="18" charset="0"/>
+                            </a:rPr>
+                          </m:ctrlPr>
+                        </m:sSubSupPr>
+                        <m:e>
+                          <m:r>
+                            <a:rPr lang="it-IT" b="0" i="1" smtClean="0">
+                              <a:latin typeface="Cambria Math" panose="02040503050406030204" pitchFamily="18" charset="0"/>
+                              <a:ea typeface="Cambria Math" panose="02040503050406030204" pitchFamily="18" charset="0"/>
+                            </a:rPr>
+                            <m:t>𝑎𝑑</m:t>
+                          </m:r>
+                        </m:e>
+                        <m:sub>
+                          <m:r>
+                            <a:rPr lang="it-IT" b="0" i="1" smtClean="0">
+                              <a:latin typeface="Cambria Math" panose="02040503050406030204" pitchFamily="18" charset="0"/>
+                              <a:ea typeface="Cambria Math" panose="02040503050406030204" pitchFamily="18" charset="0"/>
+                            </a:rPr>
+                            <m:t>𝑓</m:t>
+                          </m:r>
+                        </m:sub>
+                        <m:sup>
+                          <m:r>
+                            <a:rPr lang="it-IT" b="0" i="1" smtClean="0">
+                              <a:latin typeface="Cambria Math" panose="02040503050406030204" pitchFamily="18" charset="0"/>
+                              <a:ea typeface="Cambria Math" panose="02040503050406030204" pitchFamily="18" charset="0"/>
+                            </a:rPr>
+                            <m:t>𝜇</m:t>
+                          </m:r>
+                          <m:r>
+                            <a:rPr lang="it-IT" b="0" i="1" baseline="-25000" smtClean="0">
+                              <a:latin typeface="Cambria Math" panose="02040503050406030204" pitchFamily="18" charset="0"/>
+                              <a:ea typeface="Cambria Math" panose="02040503050406030204" pitchFamily="18" charset="0"/>
+                            </a:rPr>
+                            <m:t>𝑖</m:t>
+                          </m:r>
+                        </m:sup>
+                      </m:sSubSup>
+                      <m:r>
+                        <a:rPr lang="it-IT" b="0" i="1" smtClean="0">
+                          <a:latin typeface="Cambria Math" panose="02040503050406030204" pitchFamily="18" charset="0"/>
+                          <a:ea typeface="Cambria Math" panose="02040503050406030204" pitchFamily="18" charset="0"/>
+                        </a:rPr>
+                        <m:t>𝑔</m:t>
+                      </m:r>
+                      <m:r>
+                        <a:rPr lang="it-IT" b="0" i="1" smtClean="0">
+                          <a:latin typeface="Cambria Math" panose="02040503050406030204" pitchFamily="18" charset="0"/>
+                          <a:ea typeface="Cambria Math" panose="02040503050406030204" pitchFamily="18" charset="0"/>
+                        </a:rPr>
+                        <m:t>)</m:t>
+                      </m:r>
+                    </m:oMath>
+                  </m:oMathPara>
+                </a14:m>
+                <a:endParaRPr lang="it-IT" dirty="0"/>
+              </a:p>
+              <a:p>
+                <a:pPr algn="ctr"/>
+                <a:r>
+                  <a:rPr lang="it-IT" dirty="0"/>
+                  <a:t>Questa condizione risulta verificata dal sistema in esame e pertanto è possibile concludere che sia anche </a:t>
+                </a:r>
+              </a:p>
+              <a:p>
+                <a:pPr algn="ctr"/>
+                <a:r>
+                  <a:rPr lang="it-IT" dirty="0"/>
+                  <a:t>localmente controllabile.</a:t>
+                </a:r>
+              </a:p>
+            </p:txBody>
+          </p:sp>
+        </mc:Choice>
+        <mc:Fallback>
+          <p:sp>
+            <p:nvSpPr>
+              <p:cNvPr id="2" name="CasellaDiTesto 1">
+                <a:extLst>
+                  <a:ext uri="{FF2B5EF4-FFF2-40B4-BE49-F238E27FC236}">
+                    <a16:creationId xmlns:a16="http://schemas.microsoft.com/office/drawing/2014/main" id="{9278A8CE-5C45-E341-95D0-FC8B837E9441}"/>
+                  </a:ext>
+                </a:extLst>
+              </p:cNvPr>
+              <p:cNvSpPr txBox="1">
+                <a:spLocks noRot="1" noChangeAspect="1" noMove="1" noResize="1" noEditPoints="1" noAdjustHandles="1" noChangeArrowheads="1" noChangeShapeType="1" noTextEdit="1"/>
+              </p:cNvSpPr>
+              <p:nvPr/>
+            </p:nvSpPr>
+            <p:spPr>
+              <a:xfrm>
+                <a:off x="223495" y="3599281"/>
+                <a:ext cx="11745010" cy="2094356"/>
+              </a:xfrm>
+              <a:prstGeom prst="rect">
+                <a:avLst/>
+              </a:prstGeom>
+              <a:blipFill>
+                <a:blip r:embed="rId4"/>
+                <a:stretch>
+                  <a:fillRect t="-602" b="-3614"/>
+                </a:stretch>
+              </a:blipFill>
+            </p:spPr>
+            <p:txBody>
+              <a:bodyPr/>
+              <a:lstStyle/>
+              <a:p>
+                <a:r>
+                  <a:rPr lang="it-IT">
+                    <a:noFill/>
+                  </a:rPr>
+                  <a:t> </a:t>
+                </a:r>
+              </a:p>
+            </p:txBody>
+          </p:sp>
+        </mc:Fallback>
+      </mc:AlternateContent>
+    </p:spTree>
+    <p:extLst>
+      <p:ext uri="{BB962C8B-B14F-4D97-AF65-F5344CB8AC3E}">
+        <p14:creationId xmlns:p14="http://schemas.microsoft.com/office/powerpoint/2010/main" val="609915009"/>
+      </p:ext>
+    </p:extLst>
+  </p:cSld>
+  <p:clrMapOvr>
+    <a:masterClrMapping/>
+  </p:clrMapOvr>
+</p:sld>
+</file>
+
+<file path=ppt/slides/slide23.xml><?xml version="1.0" encoding="utf-8"?>
+<p:sld xmlns:a="http://schemas.openxmlformats.org/drawingml/2006/main" xmlns:r="http://schemas.openxmlformats.org/officeDocument/2006/relationships" xmlns:p="http://schemas.openxmlformats.org/presentationml/2006/main">
+  <p:cSld>
+    <p:spTree>
+      <p:nvGrpSpPr>
+        <p:cNvPr id="1" name=""/>
+        <p:cNvGrpSpPr/>
+        <p:nvPr/>
+      </p:nvGrpSpPr>
+      <p:grpSpPr>
+        <a:xfrm>
+          <a:off x="0" y="0"/>
+          <a:ext cx="0" cy="0"/>
+          <a:chOff x="0" y="0"/>
+          <a:chExt cx="0" cy="0"/>
+        </a:xfrm>
+      </p:grpSpPr>
+      <p:sp>
+        <p:nvSpPr>
+          <p:cNvPr id="8" name="Titolo 1">
+            <a:extLst>
+              <a:ext uri="{FF2B5EF4-FFF2-40B4-BE49-F238E27FC236}">
+                <a16:creationId xmlns:a16="http://schemas.microsoft.com/office/drawing/2014/main" id="{E8EDF0BB-0558-644B-BB96-58C4BD179ABC}"/>
+              </a:ext>
+            </a:extLst>
+          </p:cNvPr>
+          <p:cNvSpPr txBox="1">
+            <a:spLocks/>
+          </p:cNvSpPr>
+          <p:nvPr/>
+        </p:nvSpPr>
+        <p:spPr>
+          <a:xfrm>
+            <a:off x="1524000" y="454393"/>
+            <a:ext cx="9144000" cy="1021230"/>
+          </a:xfrm>
+          <a:prstGeom prst="rect">
+            <a:avLst/>
+          </a:prstGeom>
+        </p:spPr>
+        <p:txBody>
+          <a:bodyPr vert="horz" lIns="91440" tIns="45720" rIns="91440" bIns="45720" rtlCol="0" anchor="ctr">
+            <a:normAutofit/>
+          </a:bodyPr>
+          <a:lstStyle>
+            <a:lvl1pPr algn="l" defTabSz="914400" rtl="0" eaLnBrk="1" latinLnBrk="0" hangingPunct="1">
+              <a:lnSpc>
+                <a:spcPct val="90000"/>
+              </a:lnSpc>
+              <a:spcBef>
+                <a:spcPct val="0"/>
+              </a:spcBef>
+              <a:buNone/>
+              <a:defRPr sz="4400" kern="1200">
+                <a:solidFill>
+                  <a:schemeClr val="tx1"/>
+                </a:solidFill>
+                <a:latin typeface="+mj-lt"/>
+                <a:ea typeface="+mj-ea"/>
+                <a:cs typeface="+mj-cs"/>
+              </a:defRPr>
+            </a:lvl1pPr>
+          </a:lstStyle>
+          <a:p>
+            <a:pPr algn="ctr"/>
+            <a:r>
+              <a:rPr lang="it-IT" dirty="0" err="1"/>
+              <a:t>Granty</a:t>
+            </a:r>
+            <a:r>
+              <a:rPr lang="it-IT" dirty="0"/>
+              <a:t> </a:t>
+            </a:r>
+            <a:r>
+              <a:rPr lang="it-IT" dirty="0" err="1"/>
+              <a:t>crane</a:t>
+            </a:r>
+            <a:endParaRPr lang="it-IT" dirty="0"/>
+          </a:p>
+        </p:txBody>
+      </p:sp>
+      <mc:AlternateContent xmlns:mc="http://schemas.openxmlformats.org/markup-compatibility/2006">
+        <mc:Choice xmlns:a14="http://schemas.microsoft.com/office/drawing/2010/main" Requires="a14">
+          <p:sp>
+            <p:nvSpPr>
+              <p:cNvPr id="9" name="CasellaDiTesto 8">
+                <a:extLst>
+                  <a:ext uri="{FF2B5EF4-FFF2-40B4-BE49-F238E27FC236}">
+                    <a16:creationId xmlns:a16="http://schemas.microsoft.com/office/drawing/2014/main" id="{86F89E2B-2067-3C4F-A4E7-D7C1F99F332E}"/>
+                  </a:ext>
+                </a:extLst>
+              </p:cNvPr>
+              <p:cNvSpPr txBox="1"/>
+              <p:nvPr/>
+            </p:nvSpPr>
+            <p:spPr>
+              <a:xfrm>
+                <a:off x="1766548" y="2807623"/>
+                <a:ext cx="8658903" cy="2830518"/>
+              </a:xfrm>
+              <a:prstGeom prst="rect">
+                <a:avLst/>
+              </a:prstGeom>
+              <a:noFill/>
+            </p:spPr>
+            <p:txBody>
+              <a:bodyPr wrap="square" rtlCol="0">
+                <a:spAutoFit/>
+              </a:bodyPr>
+              <a:lstStyle/>
+              <a:p>
+                <a:r>
+                  <a:rPr lang="it-IT" sz="2400" dirty="0"/>
+                  <a:t>OSSERVABILITA’</a:t>
+                </a:r>
+                <a:endParaRPr lang="it-IT" sz="2000" dirty="0"/>
+              </a:p>
+              <a:p>
+                <a:pPr algn="ctr"/>
+                <a:r>
+                  <a:rPr lang="it-IT" sz="2000" dirty="0"/>
+                  <a:t>Per valutare l’osservabilità del sistema è stata costruita la </a:t>
+                </a:r>
+                <a:r>
+                  <a:rPr lang="it-IT" sz="2000" dirty="0" err="1"/>
+                  <a:t>co</a:t>
+                </a:r>
+                <a:r>
+                  <a:rPr lang="it-IT" sz="2000" i="1" dirty="0" err="1"/>
+                  <a:t>distribuzione</a:t>
+                </a:r>
+                <a:r>
+                  <a:rPr lang="it-IT" sz="2000" i="1" dirty="0"/>
+                  <a:t> di osservabilità</a:t>
+                </a:r>
+                <a:r>
+                  <a:rPr lang="it-IT" sz="2000" dirty="0"/>
+                  <a:t> e verificata la condizione</a:t>
+                </a:r>
+                <a:r>
+                  <a:rPr lang="it-IT" sz="2400" dirty="0"/>
+                  <a:t> </a:t>
+                </a:r>
+              </a:p>
+              <a:p>
+                <a:pPr algn="ctr"/>
+                <a14:m>
+                  <m:oMathPara xmlns:m="http://schemas.openxmlformats.org/officeDocument/2006/math">
+                    <m:oMathParaPr>
+                      <m:jc m:val="centerGroup"/>
+                    </m:oMathParaPr>
+                    <m:oMath xmlns:m="http://schemas.openxmlformats.org/officeDocument/2006/math">
+                      <m:r>
+                        <a:rPr lang="it-IT" sz="2000" b="0" i="1" smtClean="0">
+                          <a:latin typeface="Cambria Math" panose="02040503050406030204" pitchFamily="18" charset="0"/>
+                        </a:rPr>
+                        <m:t>𝑑𝑂</m:t>
+                      </m:r>
+                      <m:r>
+                        <a:rPr lang="it-IT" sz="2000" b="0" i="1" smtClean="0">
+                          <a:latin typeface="Cambria Math" panose="02040503050406030204" pitchFamily="18" charset="0"/>
+                        </a:rPr>
+                        <m:t>=</m:t>
+                      </m:r>
+                      <m:r>
+                        <a:rPr lang="it-IT" sz="2000" b="0" i="1" smtClean="0">
+                          <a:latin typeface="Cambria Math" panose="02040503050406030204" pitchFamily="18" charset="0"/>
+                        </a:rPr>
+                        <m:t>𝑠𝑝𝑎𝑛</m:t>
+                      </m:r>
+                      <m:d>
+                        <m:dPr>
+                          <m:ctrlPr>
+                            <a:rPr lang="it-IT" sz="2000" b="0" i="1" smtClean="0">
+                              <a:latin typeface="Cambria Math" panose="02040503050406030204" pitchFamily="18" charset="0"/>
+                            </a:rPr>
+                          </m:ctrlPr>
+                        </m:dPr>
+                        <m:e>
+                          <m:r>
+                            <a:rPr lang="it-IT" sz="2000" b="0" i="1" smtClean="0">
+                              <a:latin typeface="Cambria Math" panose="02040503050406030204" pitchFamily="18" charset="0"/>
+                            </a:rPr>
+                            <m:t>𝑑h</m:t>
+                          </m:r>
+                          <m:d>
+                            <m:dPr>
+                              <m:ctrlPr>
+                                <a:rPr lang="it-IT" sz="2000" b="0" i="1" smtClean="0">
+                                  <a:latin typeface="Cambria Math" panose="02040503050406030204" pitchFamily="18" charset="0"/>
+                                </a:rPr>
+                              </m:ctrlPr>
+                            </m:dPr>
+                            <m:e>
+                              <m:r>
+                                <a:rPr lang="it-IT" sz="2000" b="0" i="1" smtClean="0">
+                                  <a:latin typeface="Cambria Math" panose="02040503050406030204" pitchFamily="18" charset="0"/>
+                                </a:rPr>
+                                <m:t>𝑞</m:t>
+                              </m:r>
+                            </m:e>
+                          </m:d>
+                          <m:r>
+                            <a:rPr lang="it-IT" sz="2000" b="0" i="1" smtClean="0">
+                              <a:latin typeface="Cambria Math" panose="02040503050406030204" pitchFamily="18" charset="0"/>
+                            </a:rPr>
+                            <m:t>, </m:t>
+                          </m:r>
+                          <m:r>
+                            <a:rPr lang="it-IT" sz="2000" b="0" i="1" smtClean="0">
+                              <a:latin typeface="Cambria Math" panose="02040503050406030204" pitchFamily="18" charset="0"/>
+                            </a:rPr>
+                            <m:t>𝑑𝐿𝑓h</m:t>
+                          </m:r>
+                          <m:d>
+                            <m:dPr>
+                              <m:ctrlPr>
+                                <a:rPr lang="it-IT" sz="2000" b="0" i="1" smtClean="0">
+                                  <a:latin typeface="Cambria Math" panose="02040503050406030204" pitchFamily="18" charset="0"/>
+                                </a:rPr>
+                              </m:ctrlPr>
+                            </m:dPr>
+                            <m:e>
+                              <m:r>
+                                <a:rPr lang="it-IT" sz="2000" b="0" i="1" smtClean="0">
+                                  <a:latin typeface="Cambria Math" panose="02040503050406030204" pitchFamily="18" charset="0"/>
+                                </a:rPr>
+                                <m:t>𝑞</m:t>
+                              </m:r>
+                            </m:e>
+                          </m:d>
+                          <m:r>
+                            <a:rPr lang="it-IT" sz="2000" b="0" i="1" smtClean="0">
+                              <a:latin typeface="Cambria Math" panose="02040503050406030204" pitchFamily="18" charset="0"/>
+                            </a:rPr>
+                            <m:t>, </m:t>
+                          </m:r>
+                          <m:r>
+                            <a:rPr lang="it-IT" sz="2000" b="0" i="1" smtClean="0">
+                              <a:latin typeface="Cambria Math" panose="02040503050406030204" pitchFamily="18" charset="0"/>
+                            </a:rPr>
+                            <m:t>𝑑𝐿𝑔h</m:t>
+                          </m:r>
+                          <m:d>
+                            <m:dPr>
+                              <m:ctrlPr>
+                                <a:rPr lang="it-IT" sz="2000" b="0" i="1" smtClean="0">
+                                  <a:latin typeface="Cambria Math" panose="02040503050406030204" pitchFamily="18" charset="0"/>
+                                </a:rPr>
+                              </m:ctrlPr>
+                            </m:dPr>
+                            <m:e>
+                              <m:r>
+                                <a:rPr lang="it-IT" sz="2000" b="0" i="1" smtClean="0">
+                                  <a:latin typeface="Cambria Math" panose="02040503050406030204" pitchFamily="18" charset="0"/>
+                                </a:rPr>
+                                <m:t>𝑞</m:t>
+                              </m:r>
+                            </m:e>
+                          </m:d>
+                          <m:r>
+                            <a:rPr lang="it-IT" sz="2000" b="0" i="1" smtClean="0">
+                              <a:latin typeface="Cambria Math" panose="02040503050406030204" pitchFamily="18" charset="0"/>
+                            </a:rPr>
+                            <m:t>,</m:t>
+                          </m:r>
+                          <m:r>
+                            <a:rPr lang="it-IT" sz="2000" b="0" i="1" smtClean="0">
+                              <a:latin typeface="Cambria Math" panose="02040503050406030204" pitchFamily="18" charset="0"/>
+                            </a:rPr>
+                            <m:t>𝑑</m:t>
+                          </m:r>
+                          <m:sSub>
+                            <m:sSubPr>
+                              <m:ctrlPr>
+                                <a:rPr lang="it-IT" sz="2000" b="0" i="1" smtClean="0">
+                                  <a:latin typeface="Cambria Math" panose="02040503050406030204" pitchFamily="18" charset="0"/>
+                                </a:rPr>
+                              </m:ctrlPr>
+                            </m:sSubPr>
+                            <m:e>
+                              <m:r>
+                                <a:rPr lang="it-IT" sz="2000" b="0" i="1" smtClean="0">
+                                  <a:latin typeface="Cambria Math" panose="02040503050406030204" pitchFamily="18" charset="0"/>
+                                </a:rPr>
+                                <m:t>𝐿</m:t>
+                              </m:r>
+                            </m:e>
+                            <m:sub>
+                              <m:sSup>
+                                <m:sSupPr>
+                                  <m:ctrlPr>
+                                    <a:rPr lang="it-IT" sz="2000" b="0" i="1" smtClean="0">
+                                      <a:latin typeface="Cambria Math" panose="02040503050406030204" pitchFamily="18" charset="0"/>
+                                    </a:rPr>
+                                  </m:ctrlPr>
+                                </m:sSupPr>
+                                <m:e>
+                                  <m:r>
+                                    <a:rPr lang="it-IT" sz="2000" b="0" i="1" smtClean="0">
+                                      <a:latin typeface="Cambria Math" panose="02040503050406030204" pitchFamily="18" charset="0"/>
+                                    </a:rPr>
+                                    <m:t>𝑓</m:t>
+                                  </m:r>
+                                </m:e>
+                                <m:sup>
+                                  <m:r>
+                                    <a:rPr lang="it-IT" sz="2000" b="0" i="1" smtClean="0">
+                                      <a:latin typeface="Cambria Math" panose="02040503050406030204" pitchFamily="18" charset="0"/>
+                                    </a:rPr>
+                                    <m:t>2</m:t>
+                                  </m:r>
+                                </m:sup>
+                              </m:sSup>
+                            </m:sub>
+                          </m:sSub>
+                          <m:r>
+                            <a:rPr lang="it-IT" sz="2000" b="0" i="1" smtClean="0">
+                              <a:latin typeface="Cambria Math" panose="02040503050406030204" pitchFamily="18" charset="0"/>
+                            </a:rPr>
+                            <m:t>h</m:t>
+                          </m:r>
+                          <m:d>
+                            <m:dPr>
+                              <m:ctrlPr>
+                                <a:rPr lang="it-IT" sz="2000" b="0" i="1" smtClean="0">
+                                  <a:latin typeface="Cambria Math" panose="02040503050406030204" pitchFamily="18" charset="0"/>
+                                </a:rPr>
+                              </m:ctrlPr>
+                            </m:dPr>
+                            <m:e>
+                              <m:r>
+                                <a:rPr lang="it-IT" sz="2000" b="0" i="1" smtClean="0">
+                                  <a:latin typeface="Cambria Math" panose="02040503050406030204" pitchFamily="18" charset="0"/>
+                                </a:rPr>
+                                <m:t>𝑞</m:t>
+                              </m:r>
+                            </m:e>
+                          </m:d>
+                          <m:r>
+                            <a:rPr lang="it-IT" sz="2000" b="0" i="1" smtClean="0">
+                              <a:latin typeface="Cambria Math" panose="02040503050406030204" pitchFamily="18" charset="0"/>
+                            </a:rPr>
+                            <m:t>,</m:t>
+                          </m:r>
+                          <m:r>
+                            <a:rPr lang="it-IT" sz="2000" b="0" i="1" smtClean="0">
+                              <a:latin typeface="Cambria Math" panose="02040503050406030204" pitchFamily="18" charset="0"/>
+                            </a:rPr>
+                            <m:t>𝑑𝐿𝑔</m:t>
+                          </m:r>
+                          <m:r>
+                            <a:rPr lang="it-IT" sz="2000" b="0" i="1" smtClean="0">
+                              <a:latin typeface="Cambria Math" panose="02040503050406030204" pitchFamily="18" charset="0"/>
+                            </a:rPr>
+                            <m:t>𝐿</m:t>
+                          </m:r>
+                          <m:r>
+                            <a:rPr lang="it-IT" sz="2000" b="0" i="1" baseline="-25000" smtClean="0">
+                              <a:latin typeface="Cambria Math" panose="02040503050406030204" pitchFamily="18" charset="0"/>
+                            </a:rPr>
+                            <m:t>𝑓</m:t>
+                          </m:r>
+                          <m:r>
+                            <a:rPr lang="it-IT" sz="2000" b="0" i="1" smtClean="0">
+                              <a:latin typeface="Cambria Math" panose="02040503050406030204" pitchFamily="18" charset="0"/>
+                            </a:rPr>
+                            <m:t>h</m:t>
+                          </m:r>
+                          <m:d>
+                            <m:dPr>
+                              <m:ctrlPr>
+                                <a:rPr lang="it-IT" sz="2000" b="0" i="1" smtClean="0">
+                                  <a:latin typeface="Cambria Math" panose="02040503050406030204" pitchFamily="18" charset="0"/>
+                                </a:rPr>
+                              </m:ctrlPr>
+                            </m:dPr>
+                            <m:e>
+                              <m:r>
+                                <a:rPr lang="it-IT" sz="2000" b="0" i="1" smtClean="0">
+                                  <a:latin typeface="Cambria Math" panose="02040503050406030204" pitchFamily="18" charset="0"/>
+                                </a:rPr>
+                                <m:t>𝑞</m:t>
+                              </m:r>
+                            </m:e>
+                          </m:d>
+                          <m:r>
+                            <a:rPr lang="it-IT" sz="2000" b="0" i="1" smtClean="0">
+                              <a:latin typeface="Cambria Math" panose="02040503050406030204" pitchFamily="18" charset="0"/>
+                            </a:rPr>
+                            <m:t>,</m:t>
+                          </m:r>
+                          <m:r>
+                            <a:rPr lang="it-IT" sz="2000" b="0" i="1" smtClean="0">
+                              <a:latin typeface="Cambria Math" panose="02040503050406030204" pitchFamily="18" charset="0"/>
+                            </a:rPr>
+                            <m:t>𝑑𝐿𝑓</m:t>
+                          </m:r>
+                          <m:r>
+                            <a:rPr lang="it-IT" sz="2000" b="0" i="1" smtClean="0">
+                              <a:latin typeface="Cambria Math" panose="02040503050406030204" pitchFamily="18" charset="0"/>
+                            </a:rPr>
+                            <m:t>𝐿</m:t>
+                          </m:r>
+                          <m:r>
+                            <a:rPr lang="it-IT" sz="2000" b="0" i="1" baseline="-25000" smtClean="0">
+                              <a:latin typeface="Cambria Math" panose="02040503050406030204" pitchFamily="18" charset="0"/>
+                            </a:rPr>
+                            <m:t>𝑔</m:t>
+                          </m:r>
+                          <m:r>
+                            <a:rPr lang="it-IT" sz="2000" b="0" i="1" smtClean="0">
+                              <a:latin typeface="Cambria Math" panose="02040503050406030204" pitchFamily="18" charset="0"/>
+                            </a:rPr>
+                            <m:t>h</m:t>
+                          </m:r>
+                          <m:d>
+                            <m:dPr>
+                              <m:ctrlPr>
+                                <a:rPr lang="it-IT" sz="2000" b="0" i="1" smtClean="0">
+                                  <a:latin typeface="Cambria Math" panose="02040503050406030204" pitchFamily="18" charset="0"/>
+                                </a:rPr>
+                              </m:ctrlPr>
+                            </m:dPr>
+                            <m:e>
+                              <m:r>
+                                <a:rPr lang="it-IT" sz="2000" b="0" i="1" smtClean="0">
+                                  <a:latin typeface="Cambria Math" panose="02040503050406030204" pitchFamily="18" charset="0"/>
+                                </a:rPr>
+                                <m:t>𝑞</m:t>
+                              </m:r>
+                            </m:e>
+                          </m:d>
+                        </m:e>
+                      </m:d>
+                      <m:r>
+                        <a:rPr lang="it-IT" sz="2000" b="0" i="1" smtClean="0">
+                          <a:latin typeface="Cambria Math" panose="02040503050406030204" pitchFamily="18" charset="0"/>
+                        </a:rPr>
+                        <m:t>=</m:t>
+                      </m:r>
+                      <m:r>
+                        <a:rPr lang="it-IT" sz="2000" b="0" i="1" smtClean="0">
+                          <a:latin typeface="Cambria Math" panose="02040503050406030204" pitchFamily="18" charset="0"/>
+                        </a:rPr>
+                        <m:t>𝑛</m:t>
+                      </m:r>
+                    </m:oMath>
+                  </m:oMathPara>
+                </a14:m>
+                <a:endParaRPr lang="it-IT" sz="2000" dirty="0"/>
+              </a:p>
+              <a:p>
+                <a:pPr algn="ctr"/>
+                <a:r>
+                  <a:rPr lang="it-IT" sz="2000" dirty="0"/>
+                  <a:t>per cui il sistema risulta localmente osservabile.</a:t>
+                </a:r>
+              </a:p>
+              <a:p>
+                <a:pPr algn="ctr"/>
+                <a:r>
+                  <a:rPr lang="it-IT" sz="2000" dirty="0"/>
+                  <a:t>Per la scelta effettuata delle funzioni di uscita il rango della matrice </a:t>
+                </a:r>
+                <a14:m>
+                  <m:oMath xmlns:m="http://schemas.openxmlformats.org/officeDocument/2006/math">
+                    <m:r>
+                      <a:rPr lang="it-IT" sz="2000" i="1">
+                        <a:latin typeface="Cambria Math" panose="02040503050406030204" pitchFamily="18" charset="0"/>
+                      </a:rPr>
+                      <m:t>𝑑𝑂</m:t>
+                    </m:r>
+                  </m:oMath>
+                </a14:m>
+                <a:r>
+                  <a:rPr lang="it-IT" sz="2000" dirty="0"/>
+                  <a:t> risulta essere pari a 4 , è quindi possibile concludere che il sistema sia localmente osservabile.</a:t>
+                </a:r>
+              </a:p>
+            </p:txBody>
+          </p:sp>
+        </mc:Choice>
+        <mc:Fallback>
+          <p:sp>
+            <p:nvSpPr>
+              <p:cNvPr id="9" name="CasellaDiTesto 8">
+                <a:extLst>
+                  <a:ext uri="{FF2B5EF4-FFF2-40B4-BE49-F238E27FC236}">
+                    <a16:creationId xmlns:a16="http://schemas.microsoft.com/office/drawing/2014/main" id="{86F89E2B-2067-3C4F-A4E7-D7C1F99F332E}"/>
+                  </a:ext>
+                </a:extLst>
+              </p:cNvPr>
+              <p:cNvSpPr txBox="1">
+                <a:spLocks noRot="1" noChangeAspect="1" noMove="1" noResize="1" noEditPoints="1" noAdjustHandles="1" noChangeArrowheads="1" noChangeShapeType="1" noTextEdit="1"/>
+              </p:cNvSpPr>
+              <p:nvPr/>
+            </p:nvSpPr>
+            <p:spPr>
+              <a:xfrm>
+                <a:off x="1766548" y="2807623"/>
+                <a:ext cx="8658903" cy="2830518"/>
+              </a:xfrm>
+              <a:prstGeom prst="rect">
+                <a:avLst/>
+              </a:prstGeom>
+              <a:blipFill>
+                <a:blip r:embed="rId2"/>
+                <a:stretch>
+                  <a:fillRect l="-1025" t="-1786" b="-2232"/>
+                </a:stretch>
+              </a:blipFill>
+            </p:spPr>
+            <p:txBody>
+              <a:bodyPr/>
+              <a:lstStyle/>
+              <a:p>
+                <a:r>
+                  <a:rPr lang="it-IT">
+                    <a:noFill/>
+                  </a:rPr>
+                  <a:t> </a:t>
+                </a:r>
+              </a:p>
+            </p:txBody>
+          </p:sp>
+        </mc:Fallback>
+      </mc:AlternateContent>
+      <p:pic>
+        <p:nvPicPr>
+          <p:cNvPr id="6" name="Immagine 5">
+            <a:extLst>
+              <a:ext uri="{FF2B5EF4-FFF2-40B4-BE49-F238E27FC236}">
+                <a16:creationId xmlns:a16="http://schemas.microsoft.com/office/drawing/2014/main" id="{E6250F99-85E5-234E-8497-D887077950D0}"/>
+              </a:ext>
+            </a:extLst>
+          </p:cNvPr>
+          <p:cNvPicPr>
+            <a:picLocks noChangeAspect="1"/>
+          </p:cNvPicPr>
+          <p:nvPr/>
+        </p:nvPicPr>
+        <p:blipFill>
+          <a:blip r:embed="rId3"/>
+          <a:stretch>
+            <a:fillRect/>
+          </a:stretch>
+        </p:blipFill>
+        <p:spPr>
+          <a:xfrm>
+            <a:off x="1714030" y="1475623"/>
+            <a:ext cx="2093143" cy="1332000"/>
+          </a:xfrm>
+          <a:prstGeom prst="rect">
+            <a:avLst/>
+          </a:prstGeom>
+        </p:spPr>
+      </p:pic>
+    </p:spTree>
+    <p:extLst>
+      <p:ext uri="{BB962C8B-B14F-4D97-AF65-F5344CB8AC3E}">
+        <p14:creationId xmlns:p14="http://schemas.microsoft.com/office/powerpoint/2010/main" val="132746671"/>
+      </p:ext>
+    </p:extLst>
+  </p:cSld>
+  <p:clrMapOvr>
+    <a:masterClrMapping/>
+  </p:clrMapOvr>
+</p:sld>
+</file>
+
+<file path=ppt/slides/slide24.xml><?xml version="1.0" encoding="utf-8"?>
+<p:sld xmlns:a="http://schemas.openxmlformats.org/drawingml/2006/main" xmlns:r="http://schemas.openxmlformats.org/officeDocument/2006/relationships" xmlns:p="http://schemas.openxmlformats.org/presentationml/2006/main">
+  <p:cSld>
+    <p:spTree>
+      <p:nvGrpSpPr>
+        <p:cNvPr id="1" name=""/>
+        <p:cNvGrpSpPr/>
+        <p:nvPr/>
+      </p:nvGrpSpPr>
+      <p:grpSpPr>
+        <a:xfrm>
+          <a:off x="0" y="0"/>
+          <a:ext cx="0" cy="0"/>
+          <a:chOff x="0" y="0"/>
+          <a:chExt cx="0" cy="0"/>
+        </a:xfrm>
+      </p:grpSpPr>
+      <p:sp>
+        <p:nvSpPr>
+          <p:cNvPr id="8" name="Titolo 1">
+            <a:extLst>
+              <a:ext uri="{FF2B5EF4-FFF2-40B4-BE49-F238E27FC236}">
+                <a16:creationId xmlns:a16="http://schemas.microsoft.com/office/drawing/2014/main" id="{E8EDF0BB-0558-644B-BB96-58C4BD179ABC}"/>
+              </a:ext>
+            </a:extLst>
+          </p:cNvPr>
+          <p:cNvSpPr txBox="1">
+            <a:spLocks/>
+          </p:cNvSpPr>
+          <p:nvPr/>
+        </p:nvSpPr>
+        <p:spPr>
+          <a:xfrm>
+            <a:off x="1524000" y="454393"/>
+            <a:ext cx="9144000" cy="1021230"/>
+          </a:xfrm>
+          <a:prstGeom prst="rect">
+            <a:avLst/>
+          </a:prstGeom>
+        </p:spPr>
+        <p:txBody>
+          <a:bodyPr vert="horz" lIns="91440" tIns="45720" rIns="91440" bIns="45720" rtlCol="0" anchor="ctr">
+            <a:normAutofit/>
+          </a:bodyPr>
+          <a:lstStyle>
+            <a:lvl1pPr algn="l" defTabSz="914400" rtl="0" eaLnBrk="1" latinLnBrk="0" hangingPunct="1">
+              <a:lnSpc>
+                <a:spcPct val="90000"/>
+              </a:lnSpc>
+              <a:spcBef>
+                <a:spcPct val="0"/>
+              </a:spcBef>
+              <a:buNone/>
+              <a:defRPr sz="4400" kern="1200">
+                <a:solidFill>
+                  <a:schemeClr val="tx1"/>
+                </a:solidFill>
+                <a:latin typeface="+mj-lt"/>
+                <a:ea typeface="+mj-ea"/>
+                <a:cs typeface="+mj-cs"/>
+              </a:defRPr>
+            </a:lvl1pPr>
+          </a:lstStyle>
+          <a:p>
+            <a:pPr algn="ctr"/>
+            <a:r>
+              <a:rPr lang="it-IT" dirty="0" err="1"/>
+              <a:t>Granty</a:t>
+            </a:r>
+            <a:r>
+              <a:rPr lang="it-IT" dirty="0"/>
+              <a:t> </a:t>
+            </a:r>
+            <a:r>
+              <a:rPr lang="it-IT" dirty="0" err="1"/>
+              <a:t>crane</a:t>
+            </a:r>
+            <a:endParaRPr lang="it-IT" dirty="0"/>
+          </a:p>
+        </p:txBody>
+      </p:sp>
+      <mc:AlternateContent xmlns:mc="http://schemas.openxmlformats.org/markup-compatibility/2006">
+        <mc:Choice xmlns:a14="http://schemas.microsoft.com/office/drawing/2010/main" Requires="a14">
+          <p:sp>
+            <p:nvSpPr>
+              <p:cNvPr id="9" name="CasellaDiTesto 8">
+                <a:extLst>
+                  <a:ext uri="{FF2B5EF4-FFF2-40B4-BE49-F238E27FC236}">
+                    <a16:creationId xmlns:a16="http://schemas.microsoft.com/office/drawing/2014/main" id="{86F89E2B-2067-3C4F-A4E7-D7C1F99F332E}"/>
+                  </a:ext>
+                </a:extLst>
+              </p:cNvPr>
+              <p:cNvSpPr txBox="1"/>
+              <p:nvPr/>
+            </p:nvSpPr>
+            <p:spPr>
+              <a:xfrm>
+                <a:off x="3807173" y="1475623"/>
+                <a:ext cx="8015859" cy="2919582"/>
+              </a:xfrm>
+              <a:prstGeom prst="rect">
+                <a:avLst/>
+              </a:prstGeom>
+              <a:noFill/>
+            </p:spPr>
+            <p:txBody>
+              <a:bodyPr wrap="square" rtlCol="0">
+                <a:spAutoFit/>
+              </a:bodyPr>
+              <a:lstStyle/>
+              <a:p>
+                <a:r>
+                  <a:rPr lang="it-IT" sz="2400" dirty="0"/>
+                  <a:t>FEEDBACK LINEARIZATION</a:t>
+                </a:r>
+                <a:endParaRPr lang="it-IT" sz="2000" dirty="0"/>
+              </a:p>
+              <a:p>
+                <a:pPr algn="ctr"/>
+                <a:r>
+                  <a:rPr lang="it-IT" sz="2000" dirty="0"/>
+                  <a:t>Per la scelta fatta delle funzioni di uscita, il sistema ha grado relativo pari a 4, dimensione dello spazio di stato.</a:t>
+                </a:r>
+              </a:p>
+              <a:p>
+                <a:pPr algn="ctr"/>
+                <a:r>
+                  <a:rPr lang="it-IT" sz="2000" dirty="0"/>
+                  <a:t>Inoltre il sistema verifica le condizioni:</a:t>
+                </a:r>
+              </a:p>
+              <a:p>
+                <a:pPr marL="457200" indent="-457200" algn="ctr">
+                  <a:buAutoNum type="alphaLcParenBoth"/>
+                </a:pPr>
+                <a14:m>
+                  <m:oMath xmlns:m="http://schemas.openxmlformats.org/officeDocument/2006/math">
+                    <m:r>
+                      <a:rPr lang="it-IT" sz="2000" b="0" i="1" smtClean="0">
+                        <a:latin typeface="Cambria Math" panose="02040503050406030204" pitchFamily="18" charset="0"/>
+                      </a:rPr>
+                      <m:t>𝑟𝑎𝑛𝑘</m:t>
+                    </m:r>
+                    <m:d>
+                      <m:dPr>
+                        <m:begChr m:val="["/>
+                        <m:endChr m:val="]"/>
+                        <m:ctrlPr>
+                          <a:rPr lang="it-IT" sz="2000" b="0" i="1" smtClean="0">
+                            <a:latin typeface="Cambria Math" panose="02040503050406030204" pitchFamily="18" charset="0"/>
+                          </a:rPr>
+                        </m:ctrlPr>
+                      </m:dPr>
+                      <m:e>
+                        <m:r>
+                          <a:rPr lang="it-IT" sz="2000" b="0" i="1" smtClean="0">
+                            <a:latin typeface="Cambria Math" panose="02040503050406030204" pitchFamily="18" charset="0"/>
+                          </a:rPr>
+                          <m:t>𝑔</m:t>
+                        </m:r>
+                        <m:d>
+                          <m:dPr>
+                            <m:ctrlPr>
+                              <a:rPr lang="it-IT" sz="2000" b="0" i="1" smtClean="0">
+                                <a:latin typeface="Cambria Math" panose="02040503050406030204" pitchFamily="18" charset="0"/>
+                              </a:rPr>
+                            </m:ctrlPr>
+                          </m:dPr>
+                          <m:e>
+                            <m:r>
+                              <a:rPr lang="it-IT" sz="2000" b="0" i="1" smtClean="0">
+                                <a:latin typeface="Cambria Math" panose="02040503050406030204" pitchFamily="18" charset="0"/>
+                              </a:rPr>
+                              <m:t>𝑞</m:t>
+                            </m:r>
+                            <m:r>
+                              <a:rPr lang="it-IT" sz="2000" b="0" i="1" baseline="-25000" smtClean="0">
+                                <a:latin typeface="Cambria Math" panose="02040503050406030204" pitchFamily="18" charset="0"/>
+                              </a:rPr>
+                              <m:t>0</m:t>
+                            </m:r>
+                          </m:e>
+                        </m:d>
+                        <m:r>
+                          <a:rPr lang="it-IT" sz="2000" b="0" i="1" smtClean="0">
+                            <a:latin typeface="Cambria Math" panose="02040503050406030204" pitchFamily="18" charset="0"/>
+                          </a:rPr>
+                          <m:t> </m:t>
+                        </m:r>
+                        <m:r>
+                          <a:rPr lang="it-IT" sz="2000" b="0" i="1" smtClean="0">
+                            <a:latin typeface="Cambria Math" panose="02040503050406030204" pitchFamily="18" charset="0"/>
+                          </a:rPr>
+                          <m:t>𝑎𝑑𝑓</m:t>
+                        </m:r>
+                        <m:r>
+                          <a:rPr lang="it-IT" sz="2000" b="0" i="1" smtClean="0">
+                            <a:latin typeface="Cambria Math" panose="02040503050406030204" pitchFamily="18" charset="0"/>
+                          </a:rPr>
+                          <m:t>𝑔</m:t>
+                        </m:r>
+                        <m:d>
+                          <m:dPr>
+                            <m:ctrlPr>
+                              <a:rPr lang="it-IT" sz="2000" b="0" i="1" smtClean="0">
+                                <a:latin typeface="Cambria Math" panose="02040503050406030204" pitchFamily="18" charset="0"/>
+                              </a:rPr>
+                            </m:ctrlPr>
+                          </m:dPr>
+                          <m:e>
+                            <m:r>
+                              <a:rPr lang="it-IT" sz="2000" b="0" i="1" smtClean="0">
+                                <a:latin typeface="Cambria Math" panose="02040503050406030204" pitchFamily="18" charset="0"/>
+                              </a:rPr>
+                              <m:t>𝑞</m:t>
+                            </m:r>
+                            <m:r>
+                              <a:rPr lang="it-IT" sz="2000" b="0" i="1" baseline="-25000" smtClean="0">
+                                <a:latin typeface="Cambria Math" panose="02040503050406030204" pitchFamily="18" charset="0"/>
+                              </a:rPr>
+                              <m:t>0</m:t>
+                            </m:r>
+                          </m:e>
+                        </m:d>
+                        <m:r>
+                          <a:rPr lang="it-IT" sz="2000" b="0" i="1" smtClean="0">
+                            <a:latin typeface="Cambria Math" panose="02040503050406030204" pitchFamily="18" charset="0"/>
+                          </a:rPr>
+                          <m:t> …</m:t>
+                        </m:r>
+                        <m:sSubSup>
+                          <m:sSubSupPr>
+                            <m:ctrlPr>
+                              <a:rPr lang="it-IT" sz="2000" b="0" i="1" smtClean="0">
+                                <a:latin typeface="Cambria Math" panose="02040503050406030204" pitchFamily="18" charset="0"/>
+                              </a:rPr>
+                            </m:ctrlPr>
+                          </m:sSubSupPr>
+                          <m:e>
+                            <m:r>
+                              <a:rPr lang="it-IT" sz="2000" b="0" i="1" smtClean="0">
+                                <a:latin typeface="Cambria Math" panose="02040503050406030204" pitchFamily="18" charset="0"/>
+                              </a:rPr>
+                              <m:t>𝑎𝑑</m:t>
+                            </m:r>
+                          </m:e>
+                          <m:sub>
+                            <m:r>
+                              <a:rPr lang="it-IT" sz="2000" b="0" i="1" smtClean="0">
+                                <a:latin typeface="Cambria Math" panose="02040503050406030204" pitchFamily="18" charset="0"/>
+                              </a:rPr>
+                              <m:t>𝑓</m:t>
+                            </m:r>
+                          </m:sub>
+                          <m:sup>
+                            <m:d>
+                              <m:dPr>
+                                <m:ctrlPr>
+                                  <a:rPr lang="it-IT" sz="2000" i="1">
+                                    <a:latin typeface="Cambria Math" panose="02040503050406030204" pitchFamily="18" charset="0"/>
+                                  </a:rPr>
+                                </m:ctrlPr>
+                              </m:dPr>
+                              <m:e>
+                                <m:r>
+                                  <a:rPr lang="it-IT" sz="2000" i="1">
+                                    <a:latin typeface="Cambria Math" panose="02040503050406030204" pitchFamily="18" charset="0"/>
+                                  </a:rPr>
+                                  <m:t>𝑛</m:t>
+                                </m:r>
+                                <m:r>
+                                  <a:rPr lang="it-IT" sz="2000" i="1">
+                                    <a:latin typeface="Cambria Math" panose="02040503050406030204" pitchFamily="18" charset="0"/>
+                                  </a:rPr>
+                                  <m:t>−1</m:t>
+                                </m:r>
+                              </m:e>
+                            </m:d>
+                          </m:sup>
+                        </m:sSubSup>
+                        <m:r>
+                          <a:rPr lang="it-IT" sz="2000" b="0" i="1" smtClean="0">
+                            <a:latin typeface="Cambria Math" panose="02040503050406030204" pitchFamily="18" charset="0"/>
+                          </a:rPr>
+                          <m:t>𝑔</m:t>
+                        </m:r>
+                        <m:d>
+                          <m:dPr>
+                            <m:ctrlPr>
+                              <a:rPr lang="it-IT" sz="2000" b="0" i="1" smtClean="0">
+                                <a:latin typeface="Cambria Math" panose="02040503050406030204" pitchFamily="18" charset="0"/>
+                              </a:rPr>
+                            </m:ctrlPr>
+                          </m:dPr>
+                          <m:e>
+                            <m:r>
+                              <a:rPr lang="it-IT" sz="2000" b="0" i="1" smtClean="0">
+                                <a:latin typeface="Cambria Math" panose="02040503050406030204" pitchFamily="18" charset="0"/>
+                              </a:rPr>
+                              <m:t>𝑞</m:t>
+                            </m:r>
+                            <m:r>
+                              <a:rPr lang="it-IT" sz="2000" b="0" i="1" baseline="-25000" smtClean="0">
+                                <a:latin typeface="Cambria Math" panose="02040503050406030204" pitchFamily="18" charset="0"/>
+                              </a:rPr>
+                              <m:t>0</m:t>
+                            </m:r>
+                          </m:e>
+                        </m:d>
+                      </m:e>
+                    </m:d>
+                    <m:r>
+                      <a:rPr lang="it-IT" sz="2000" b="0" i="1" smtClean="0">
+                        <a:latin typeface="Cambria Math" panose="02040503050406030204" pitchFamily="18" charset="0"/>
+                      </a:rPr>
+                      <m:t>=</m:t>
+                    </m:r>
+                    <m:r>
+                      <a:rPr lang="it-IT" sz="2000" b="0" i="1" smtClean="0">
+                        <a:latin typeface="Cambria Math" panose="02040503050406030204" pitchFamily="18" charset="0"/>
+                      </a:rPr>
+                      <m:t>𝑛</m:t>
+                    </m:r>
+                  </m:oMath>
+                </a14:m>
+                <a:endParaRPr lang="it-IT" sz="2000" b="0" dirty="0"/>
+              </a:p>
+              <a:p>
+                <a:pPr marL="457200" indent="-457200" algn="ctr">
+                  <a:buAutoNum type="alphaLcParenBoth"/>
+                </a:pPr>
+                <a14:m>
+                  <m:oMath xmlns:m="http://schemas.openxmlformats.org/officeDocument/2006/math">
+                    <m:r>
+                      <a:rPr lang="it-IT" sz="2000" b="0" i="1" smtClean="0">
+                        <a:latin typeface="Cambria Math" panose="02040503050406030204" pitchFamily="18" charset="0"/>
+                      </a:rPr>
+                      <m:t>𝑠𝑝𝑎𝑛</m:t>
+                    </m:r>
+                    <m:d>
+                      <m:dPr>
+                        <m:ctrlPr>
+                          <a:rPr lang="it-IT" sz="2000" b="0" i="1" smtClean="0">
+                            <a:latin typeface="Cambria Math" panose="02040503050406030204" pitchFamily="18" charset="0"/>
+                          </a:rPr>
+                        </m:ctrlPr>
+                      </m:dPr>
+                      <m:e>
+                        <m:r>
+                          <a:rPr lang="it-IT" sz="2000" b="0" i="1" smtClean="0">
+                            <a:latin typeface="Cambria Math" panose="02040503050406030204" pitchFamily="18" charset="0"/>
+                          </a:rPr>
+                          <m:t>𝑔</m:t>
+                        </m:r>
+                        <m:r>
+                          <a:rPr lang="it-IT" sz="2000" b="0" i="1" smtClean="0">
+                            <a:latin typeface="Cambria Math" panose="02040503050406030204" pitchFamily="18" charset="0"/>
+                          </a:rPr>
+                          <m:t>, </m:t>
+                        </m:r>
+                        <m:r>
+                          <a:rPr lang="it-IT" sz="2000" b="0" i="1" smtClean="0">
+                            <a:latin typeface="Cambria Math" panose="02040503050406030204" pitchFamily="18" charset="0"/>
+                          </a:rPr>
+                          <m:t>𝑎𝑑𝑓𝑔</m:t>
+                        </m:r>
+                        <m:r>
+                          <a:rPr lang="it-IT" sz="2000" b="0" i="1" smtClean="0">
+                            <a:latin typeface="Cambria Math" panose="02040503050406030204" pitchFamily="18" charset="0"/>
+                          </a:rPr>
+                          <m:t>,  …, </m:t>
+                        </m:r>
+                        <m:sSubSup>
+                          <m:sSubSupPr>
+                            <m:ctrlPr>
+                              <a:rPr lang="it-IT" sz="2000" b="0" i="1" smtClean="0">
+                                <a:latin typeface="Cambria Math" panose="02040503050406030204" pitchFamily="18" charset="0"/>
+                              </a:rPr>
+                            </m:ctrlPr>
+                          </m:sSubSupPr>
+                          <m:e>
+                            <m:r>
+                              <a:rPr lang="it-IT" sz="2000" b="0" i="1" smtClean="0">
+                                <a:latin typeface="Cambria Math" panose="02040503050406030204" pitchFamily="18" charset="0"/>
+                              </a:rPr>
+                              <m:t>𝑎𝑑</m:t>
+                            </m:r>
+                          </m:e>
+                          <m:sub>
+                            <m:r>
+                              <a:rPr lang="it-IT" sz="2000" b="0" i="1" smtClean="0">
+                                <a:latin typeface="Cambria Math" panose="02040503050406030204" pitchFamily="18" charset="0"/>
+                              </a:rPr>
+                              <m:t>𝑓</m:t>
+                            </m:r>
+                          </m:sub>
+                          <m:sup>
+                            <m:r>
+                              <a:rPr lang="it-IT" sz="2000" b="0" i="1" smtClean="0">
+                                <a:latin typeface="Cambria Math" panose="02040503050406030204" pitchFamily="18" charset="0"/>
+                              </a:rPr>
+                              <m:t>(</m:t>
+                            </m:r>
+                            <m:r>
+                              <a:rPr lang="it-IT" sz="2000" b="0" i="1" smtClean="0">
+                                <a:latin typeface="Cambria Math" panose="02040503050406030204" pitchFamily="18" charset="0"/>
+                              </a:rPr>
+                              <m:t>𝑛</m:t>
+                            </m:r>
+                            <m:r>
+                              <a:rPr lang="it-IT" sz="2000" b="0" i="1" smtClean="0">
+                                <a:latin typeface="Cambria Math" panose="02040503050406030204" pitchFamily="18" charset="0"/>
+                              </a:rPr>
+                              <m:t>−2)</m:t>
+                            </m:r>
+                          </m:sup>
+                        </m:sSubSup>
+                        <m:r>
+                          <a:rPr lang="it-IT" sz="2000" b="0" i="1" smtClean="0">
+                            <a:latin typeface="Cambria Math" panose="02040503050406030204" pitchFamily="18" charset="0"/>
+                          </a:rPr>
+                          <m:t>𝑔</m:t>
+                        </m:r>
+                      </m:e>
+                    </m:d>
+                    <m:r>
+                      <a:rPr lang="it-IT" sz="2000" b="0" i="1" smtClean="0">
+                        <a:latin typeface="Cambria Math" panose="02040503050406030204" pitchFamily="18" charset="0"/>
+                      </a:rPr>
+                      <m:t> </m:t>
+                    </m:r>
+                    <m:r>
+                      <a:rPr lang="it-IT" sz="2000" b="0" i="1" smtClean="0">
+                        <a:latin typeface="Cambria Math" panose="02040503050406030204" pitchFamily="18" charset="0"/>
+                      </a:rPr>
+                      <m:t>𝑠𝑖𝑎</m:t>
+                    </m:r>
+                    <m:r>
+                      <a:rPr lang="it-IT" sz="2000" b="0" i="1" smtClean="0">
+                        <a:latin typeface="Cambria Math" panose="02040503050406030204" pitchFamily="18" charset="0"/>
+                      </a:rPr>
+                      <m:t> </m:t>
+                    </m:r>
+                    <m:r>
+                      <a:rPr lang="it-IT" sz="2000" b="0" i="1" smtClean="0">
+                        <a:latin typeface="Cambria Math" panose="02040503050406030204" pitchFamily="18" charset="0"/>
+                      </a:rPr>
+                      <m:t>𝑖𝑛𝑣𝑜𝑙𝑢𝑡𝑖𝑣𝑜</m:t>
+                    </m:r>
+                  </m:oMath>
+                </a14:m>
+                <a:endParaRPr lang="it-IT" sz="2000" dirty="0"/>
+              </a:p>
+              <a:p>
+                <a:pPr algn="ctr"/>
+                <a:r>
+                  <a:rPr lang="it-IT" sz="2000" dirty="0"/>
+                  <a:t>per cui esistono un cambiamento di variabili </a:t>
+                </a:r>
+                <a14:m>
+                  <m:oMath xmlns:m="http://schemas.openxmlformats.org/officeDocument/2006/math">
+                    <m:r>
+                      <m:rPr>
+                        <m:sty m:val="p"/>
+                      </m:rPr>
+                      <a:rPr lang="el-GR" sz="2000" i="1" smtClean="0">
+                        <a:latin typeface="Cambria Math" panose="02040503050406030204" pitchFamily="18" charset="0"/>
+                        <a:ea typeface="Cambria Math" panose="02040503050406030204" pitchFamily="18" charset="0"/>
+                      </a:rPr>
+                      <m:t>Φ</m:t>
+                    </m:r>
+                    <m:r>
+                      <a:rPr lang="it-IT" sz="2000" b="0" i="1" smtClean="0">
+                        <a:latin typeface="Cambria Math" panose="02040503050406030204" pitchFamily="18" charset="0"/>
+                        <a:ea typeface="Cambria Math" panose="02040503050406030204" pitchFamily="18" charset="0"/>
+                      </a:rPr>
+                      <m:t>(</m:t>
+                    </m:r>
+                    <m:r>
+                      <a:rPr lang="it-IT" sz="2000" b="0" i="1" smtClean="0">
+                        <a:latin typeface="Cambria Math" panose="02040503050406030204" pitchFamily="18" charset="0"/>
+                        <a:ea typeface="Cambria Math" panose="02040503050406030204" pitchFamily="18" charset="0"/>
+                      </a:rPr>
+                      <m:t>𝑞</m:t>
+                    </m:r>
+                    <m:r>
+                      <a:rPr lang="it-IT" sz="2000" b="0" i="1" smtClean="0">
+                        <a:latin typeface="Cambria Math" panose="02040503050406030204" pitchFamily="18" charset="0"/>
+                        <a:ea typeface="Cambria Math" panose="02040503050406030204" pitchFamily="18" charset="0"/>
+                      </a:rPr>
+                      <m:t>)</m:t>
+                    </m:r>
+                  </m:oMath>
+                </a14:m>
+                <a:r>
+                  <a:rPr lang="it-IT" sz="2000" dirty="0"/>
+                  <a:t> e le funzioni di retroazione statica </a:t>
+                </a:r>
+                <a14:m>
+                  <m:oMath xmlns:m="http://schemas.openxmlformats.org/officeDocument/2006/math">
+                    <m:r>
+                      <a:rPr lang="el-GR" sz="2000" i="1" smtClean="0">
+                        <a:latin typeface="Cambria Math" panose="02040503050406030204" pitchFamily="18" charset="0"/>
+                        <a:ea typeface="Cambria Math" panose="02040503050406030204" pitchFamily="18" charset="0"/>
+                      </a:rPr>
+                      <m:t>𝛼</m:t>
+                    </m:r>
+                    <m:r>
+                      <a:rPr lang="it-IT" sz="2000" i="1">
+                        <a:latin typeface="Cambria Math" panose="02040503050406030204" pitchFamily="18" charset="0"/>
+                        <a:ea typeface="Cambria Math" panose="02040503050406030204" pitchFamily="18" charset="0"/>
+                      </a:rPr>
+                      <m:t>(</m:t>
+                    </m:r>
+                    <m:r>
+                      <a:rPr lang="it-IT" sz="2000" b="0" i="1" smtClean="0">
+                        <a:latin typeface="Cambria Math" panose="02040503050406030204" pitchFamily="18" charset="0"/>
+                        <a:ea typeface="Cambria Math" panose="02040503050406030204" pitchFamily="18" charset="0"/>
+                      </a:rPr>
+                      <m:t>𝑞</m:t>
+                    </m:r>
+                    <m:r>
+                      <a:rPr lang="it-IT" sz="2000" i="1">
+                        <a:latin typeface="Cambria Math" panose="02040503050406030204" pitchFamily="18" charset="0"/>
+                        <a:ea typeface="Cambria Math" panose="02040503050406030204" pitchFamily="18" charset="0"/>
+                      </a:rPr>
+                      <m:t>)</m:t>
+                    </m:r>
+                  </m:oMath>
+                </a14:m>
+                <a:r>
+                  <a:rPr lang="it-IT" sz="2000" dirty="0"/>
+                  <a:t> e </a:t>
+                </a:r>
+                <a14:m>
+                  <m:oMath xmlns:m="http://schemas.openxmlformats.org/officeDocument/2006/math">
+                    <m:r>
+                      <a:rPr lang="el-GR" sz="2000" i="1" smtClean="0">
+                        <a:latin typeface="Cambria Math" panose="02040503050406030204" pitchFamily="18" charset="0"/>
+                        <a:ea typeface="Cambria Math" panose="02040503050406030204" pitchFamily="18" charset="0"/>
+                      </a:rPr>
+                      <m:t>𝛽</m:t>
+                    </m:r>
+                    <m:d>
+                      <m:dPr>
+                        <m:ctrlPr>
+                          <a:rPr lang="it-IT" sz="2000" i="1" smtClean="0">
+                            <a:latin typeface="Cambria Math" panose="02040503050406030204" pitchFamily="18" charset="0"/>
+                            <a:ea typeface="Cambria Math" panose="02040503050406030204" pitchFamily="18" charset="0"/>
+                          </a:rPr>
+                        </m:ctrlPr>
+                      </m:dPr>
+                      <m:e>
+                        <m:r>
+                          <a:rPr lang="it-IT" sz="2000" b="0" i="1" smtClean="0">
+                            <a:latin typeface="Cambria Math" panose="02040503050406030204" pitchFamily="18" charset="0"/>
+                            <a:ea typeface="Cambria Math" panose="02040503050406030204" pitchFamily="18" charset="0"/>
+                          </a:rPr>
+                          <m:t>𝑞</m:t>
+                        </m:r>
+                      </m:e>
+                    </m:d>
+                  </m:oMath>
+                </a14:m>
+                <a:r>
+                  <a:rPr lang="it-IT" sz="2000" dirty="0"/>
+                  <a:t> tali da linearizzare il sistema.</a:t>
+                </a:r>
+              </a:p>
+            </p:txBody>
+          </p:sp>
+        </mc:Choice>
+        <mc:Fallback>
+          <p:sp>
+            <p:nvSpPr>
+              <p:cNvPr id="9" name="CasellaDiTesto 8">
+                <a:extLst>
+                  <a:ext uri="{FF2B5EF4-FFF2-40B4-BE49-F238E27FC236}">
+                    <a16:creationId xmlns:a16="http://schemas.microsoft.com/office/drawing/2014/main" id="{86F89E2B-2067-3C4F-A4E7-D7C1F99F332E}"/>
+                  </a:ext>
+                </a:extLst>
+              </p:cNvPr>
+              <p:cNvSpPr txBox="1">
+                <a:spLocks noRot="1" noChangeAspect="1" noMove="1" noResize="1" noEditPoints="1" noAdjustHandles="1" noChangeArrowheads="1" noChangeShapeType="1" noTextEdit="1"/>
+              </p:cNvSpPr>
+              <p:nvPr/>
+            </p:nvSpPr>
+            <p:spPr>
+              <a:xfrm>
+                <a:off x="3807173" y="1475623"/>
+                <a:ext cx="8015859" cy="2919582"/>
+              </a:xfrm>
+              <a:prstGeom prst="rect">
+                <a:avLst/>
+              </a:prstGeom>
+              <a:blipFill>
+                <a:blip r:embed="rId2"/>
+                <a:stretch>
+                  <a:fillRect l="-1268" t="-1299" r="-317" b="-2165"/>
+                </a:stretch>
+              </a:blipFill>
+            </p:spPr>
+            <p:txBody>
+              <a:bodyPr/>
+              <a:lstStyle/>
+              <a:p>
+                <a:r>
+                  <a:rPr lang="it-IT">
+                    <a:noFill/>
+                  </a:rPr>
+                  <a:t> </a:t>
+                </a:r>
+              </a:p>
+            </p:txBody>
+          </p:sp>
+        </mc:Fallback>
+      </mc:AlternateContent>
+      <p:pic>
+        <p:nvPicPr>
+          <p:cNvPr id="6" name="Immagine 5">
+            <a:extLst>
+              <a:ext uri="{FF2B5EF4-FFF2-40B4-BE49-F238E27FC236}">
+                <a16:creationId xmlns:a16="http://schemas.microsoft.com/office/drawing/2014/main" id="{E6250F99-85E5-234E-8497-D887077950D0}"/>
+              </a:ext>
+            </a:extLst>
+          </p:cNvPr>
+          <p:cNvPicPr>
+            <a:picLocks noChangeAspect="1"/>
+          </p:cNvPicPr>
+          <p:nvPr/>
+        </p:nvPicPr>
+        <p:blipFill>
+          <a:blip r:embed="rId3"/>
+          <a:stretch>
+            <a:fillRect/>
+          </a:stretch>
+        </p:blipFill>
+        <p:spPr>
+          <a:xfrm>
+            <a:off x="1714030" y="1475623"/>
+            <a:ext cx="2093143" cy="1332000"/>
+          </a:xfrm>
+          <a:prstGeom prst="rect">
+            <a:avLst/>
+          </a:prstGeom>
+        </p:spPr>
+      </p:pic>
+      <p:sp>
+        <p:nvSpPr>
+          <p:cNvPr id="2" name="CasellaDiTesto 1">
+            <a:extLst>
+              <a:ext uri="{FF2B5EF4-FFF2-40B4-BE49-F238E27FC236}">
+                <a16:creationId xmlns:a16="http://schemas.microsoft.com/office/drawing/2014/main" id="{E264DEEC-A4F3-4B42-865F-34C843C86AC4}"/>
+              </a:ext>
+            </a:extLst>
+          </p:cNvPr>
+          <p:cNvSpPr txBox="1"/>
+          <p:nvPr/>
+        </p:nvSpPr>
+        <p:spPr>
+          <a:xfrm>
+            <a:off x="1529298" y="4395205"/>
+            <a:ext cx="9138702" cy="400110"/>
+          </a:xfrm>
+          <a:prstGeom prst="rect">
+            <a:avLst/>
+          </a:prstGeom>
+          <a:noFill/>
+        </p:spPr>
+        <p:txBody>
+          <a:bodyPr wrap="square" rtlCol="0">
+            <a:spAutoFit/>
+          </a:bodyPr>
+          <a:lstStyle/>
+          <a:p>
+            <a:pPr algn="ctr"/>
+            <a:r>
+              <a:rPr lang="it-IT" sz="2000" dirty="0"/>
+              <a:t>Si ottiene quindi una nuova espressione per il sistema in forma linearizzata:</a:t>
+            </a:r>
+          </a:p>
+        </p:txBody>
+      </p:sp>
+      <p:pic>
+        <p:nvPicPr>
+          <p:cNvPr id="4" name="Immagine 3">
+            <a:extLst>
+              <a:ext uri="{FF2B5EF4-FFF2-40B4-BE49-F238E27FC236}">
+                <a16:creationId xmlns:a16="http://schemas.microsoft.com/office/drawing/2014/main" id="{2C6A0E1B-C092-A948-8BDC-A80A86EA34BB}"/>
+              </a:ext>
+            </a:extLst>
+          </p:cNvPr>
+          <p:cNvPicPr>
+            <a:picLocks noChangeAspect="1"/>
+          </p:cNvPicPr>
+          <p:nvPr/>
+        </p:nvPicPr>
+        <p:blipFill>
+          <a:blip r:embed="rId4"/>
+          <a:stretch>
+            <a:fillRect/>
+          </a:stretch>
+        </p:blipFill>
+        <p:spPr>
+          <a:xfrm>
+            <a:off x="2760601" y="4910859"/>
+            <a:ext cx="1422400" cy="1130300"/>
+          </a:xfrm>
+          <a:prstGeom prst="rect">
+            <a:avLst/>
+          </a:prstGeom>
+        </p:spPr>
+      </p:pic>
+      <p:pic>
+        <p:nvPicPr>
+          <p:cNvPr id="11" name="Immagine 10">
+            <a:extLst>
+              <a:ext uri="{FF2B5EF4-FFF2-40B4-BE49-F238E27FC236}">
+                <a16:creationId xmlns:a16="http://schemas.microsoft.com/office/drawing/2014/main" id="{4FBCAE45-0528-CF45-9332-70F418EC2E48}"/>
+              </a:ext>
+            </a:extLst>
+          </p:cNvPr>
+          <p:cNvPicPr>
+            <a:picLocks noChangeAspect="1"/>
+          </p:cNvPicPr>
+          <p:nvPr/>
+        </p:nvPicPr>
+        <p:blipFill>
+          <a:blip r:embed="rId5"/>
+          <a:stretch>
+            <a:fillRect/>
+          </a:stretch>
+        </p:blipFill>
+        <p:spPr>
+          <a:xfrm>
+            <a:off x="4595249" y="4864067"/>
+            <a:ext cx="2514600" cy="1143000"/>
+          </a:xfrm>
+          <a:prstGeom prst="rect">
+            <a:avLst/>
+          </a:prstGeom>
+        </p:spPr>
+      </p:pic>
+      <p:pic>
+        <p:nvPicPr>
+          <p:cNvPr id="13" name="Immagine 12">
+            <a:extLst>
+              <a:ext uri="{FF2B5EF4-FFF2-40B4-BE49-F238E27FC236}">
+                <a16:creationId xmlns:a16="http://schemas.microsoft.com/office/drawing/2014/main" id="{19B6F227-AD86-D04D-92DE-160C5367F494}"/>
+              </a:ext>
+            </a:extLst>
+          </p:cNvPr>
+          <p:cNvPicPr>
+            <a:picLocks noChangeAspect="1"/>
+          </p:cNvPicPr>
+          <p:nvPr/>
+        </p:nvPicPr>
+        <p:blipFill>
+          <a:blip r:embed="rId6"/>
+          <a:stretch>
+            <a:fillRect/>
+          </a:stretch>
+        </p:blipFill>
+        <p:spPr>
+          <a:xfrm>
+            <a:off x="7618349" y="5012459"/>
+            <a:ext cx="1714500" cy="927100"/>
+          </a:xfrm>
+          <a:prstGeom prst="rect">
+            <a:avLst/>
+          </a:prstGeom>
+        </p:spPr>
+      </p:pic>
+    </p:spTree>
+    <p:extLst>
+      <p:ext uri="{BB962C8B-B14F-4D97-AF65-F5344CB8AC3E}">
+        <p14:creationId xmlns:p14="http://schemas.microsoft.com/office/powerpoint/2010/main" val="3145499344"/>
+      </p:ext>
+    </p:extLst>
+  </p:cSld>
+  <p:clrMapOvr>
+    <a:masterClrMapping/>
+  </p:clrMapOvr>
+</p:sld>
+</file>
+
+<file path=ppt/slides/slide25.xml><?xml version="1.0" encoding="utf-8"?>
+<p:sld xmlns:a="http://schemas.openxmlformats.org/drawingml/2006/main" xmlns:r="http://schemas.openxmlformats.org/officeDocument/2006/relationships" xmlns:p="http://schemas.openxmlformats.org/presentationml/2006/main">
+  <p:cSld>
+    <p:spTree>
+      <p:nvGrpSpPr>
+        <p:cNvPr id="1" name=""/>
+        <p:cNvGrpSpPr/>
+        <p:nvPr/>
+      </p:nvGrpSpPr>
+      <p:grpSpPr>
+        <a:xfrm>
+          <a:off x="0" y="0"/>
+          <a:ext cx="0" cy="0"/>
+          <a:chOff x="0" y="0"/>
+          <a:chExt cx="0" cy="0"/>
+        </a:xfrm>
+      </p:grpSpPr>
+      <p:sp>
+        <p:nvSpPr>
+          <p:cNvPr id="8" name="Titolo 1">
+            <a:extLst>
+              <a:ext uri="{FF2B5EF4-FFF2-40B4-BE49-F238E27FC236}">
+                <a16:creationId xmlns:a16="http://schemas.microsoft.com/office/drawing/2014/main" id="{E8EDF0BB-0558-644B-BB96-58C4BD179ABC}"/>
+              </a:ext>
+            </a:extLst>
+          </p:cNvPr>
+          <p:cNvSpPr txBox="1">
+            <a:spLocks/>
+          </p:cNvSpPr>
+          <p:nvPr/>
+        </p:nvSpPr>
+        <p:spPr>
+          <a:xfrm>
+            <a:off x="1524000" y="454393"/>
+            <a:ext cx="9144000" cy="1021230"/>
+          </a:xfrm>
+          <a:prstGeom prst="rect">
+            <a:avLst/>
+          </a:prstGeom>
+        </p:spPr>
+        <p:txBody>
+          <a:bodyPr vert="horz" lIns="91440" tIns="45720" rIns="91440" bIns="45720" rtlCol="0" anchor="ctr">
+            <a:normAutofit/>
+          </a:bodyPr>
+          <a:lstStyle>
+            <a:lvl1pPr algn="l" defTabSz="914400" rtl="0" eaLnBrk="1" latinLnBrk="0" hangingPunct="1">
+              <a:lnSpc>
+                <a:spcPct val="90000"/>
+              </a:lnSpc>
+              <a:spcBef>
+                <a:spcPct val="0"/>
+              </a:spcBef>
+              <a:buNone/>
+              <a:defRPr sz="4400" kern="1200">
+                <a:solidFill>
+                  <a:schemeClr val="tx1"/>
+                </a:solidFill>
+                <a:latin typeface="+mj-lt"/>
+                <a:ea typeface="+mj-ea"/>
+                <a:cs typeface="+mj-cs"/>
+              </a:defRPr>
+            </a:lvl1pPr>
+          </a:lstStyle>
+          <a:p>
+            <a:pPr algn="ctr"/>
+            <a:r>
+              <a:rPr lang="it-IT" dirty="0" err="1"/>
+              <a:t>Granty</a:t>
+            </a:r>
+            <a:r>
+              <a:rPr lang="it-IT" dirty="0"/>
+              <a:t> </a:t>
+            </a:r>
+            <a:r>
+              <a:rPr lang="it-IT" dirty="0" err="1"/>
+              <a:t>crane</a:t>
+            </a:r>
+            <a:endParaRPr lang="it-IT" dirty="0"/>
+          </a:p>
+        </p:txBody>
+      </p:sp>
+      <p:sp>
+        <p:nvSpPr>
+          <p:cNvPr id="9" name="CasellaDiTesto 8">
+            <a:extLst>
+              <a:ext uri="{FF2B5EF4-FFF2-40B4-BE49-F238E27FC236}">
+                <a16:creationId xmlns:a16="http://schemas.microsoft.com/office/drawing/2014/main" id="{86F89E2B-2067-3C4F-A4E7-D7C1F99F332E}"/>
+              </a:ext>
+            </a:extLst>
+          </p:cNvPr>
+          <p:cNvSpPr txBox="1"/>
+          <p:nvPr/>
+        </p:nvSpPr>
+        <p:spPr>
+          <a:xfrm>
+            <a:off x="3807173" y="1475623"/>
+            <a:ext cx="8015859" cy="2000548"/>
+          </a:xfrm>
+          <a:prstGeom prst="rect">
+            <a:avLst/>
+          </a:prstGeom>
+          <a:noFill/>
+        </p:spPr>
+        <p:txBody>
+          <a:bodyPr wrap="square" rtlCol="0">
+            <a:spAutoFit/>
+          </a:bodyPr>
+          <a:lstStyle/>
+          <a:p>
+            <a:r>
+              <a:rPr lang="it-IT" sz="2400" dirty="0"/>
+              <a:t>FEEDBACK LINEARIZATION - CONTROLLER</a:t>
+            </a:r>
+            <a:endParaRPr lang="it-IT" sz="2000" dirty="0"/>
+          </a:p>
+          <a:p>
+            <a:r>
+              <a:rPr lang="it-IT" sz="2000" dirty="0"/>
+              <a:t>Per il sistema linearizzato è stato progettato un controllore di tipo PD, imponendo come riferimento il vettore </a:t>
+            </a:r>
+            <a:r>
+              <a:rPr lang="it-IT" sz="2000" dirty="0" err="1"/>
+              <a:t>q</a:t>
+            </a:r>
+            <a:r>
+              <a:rPr lang="it-IT" sz="2000" baseline="-25000" dirty="0" err="1"/>
+              <a:t>ref</a:t>
+            </a:r>
+            <a:r>
+              <a:rPr lang="it-IT" sz="2000" dirty="0"/>
+              <a:t> = [0,0,3,0]</a:t>
+            </a:r>
+            <a:r>
+              <a:rPr lang="it-IT" sz="2000" baseline="30000" dirty="0"/>
+              <a:t>T</a:t>
+            </a:r>
+            <a:r>
+              <a:rPr lang="it-IT" sz="2000" dirty="0"/>
+              <a:t>, cioè richiedendo che all’istante finale il sistema abbia velocità lineare e angolare nulle e la posizione del carrello sia spostata di 3m a destra rispetto alla posizione iniziale, pur mantenendo l’angolo del carico nullo.</a:t>
+            </a:r>
+          </a:p>
+        </p:txBody>
+      </p:sp>
+      <p:pic>
+        <p:nvPicPr>
+          <p:cNvPr id="6" name="Immagine 5">
+            <a:extLst>
+              <a:ext uri="{FF2B5EF4-FFF2-40B4-BE49-F238E27FC236}">
+                <a16:creationId xmlns:a16="http://schemas.microsoft.com/office/drawing/2014/main" id="{E6250F99-85E5-234E-8497-D887077950D0}"/>
+              </a:ext>
+            </a:extLst>
+          </p:cNvPr>
+          <p:cNvPicPr>
+            <a:picLocks noChangeAspect="1"/>
+          </p:cNvPicPr>
+          <p:nvPr/>
+        </p:nvPicPr>
+        <p:blipFill>
+          <a:blip r:embed="rId2"/>
+          <a:stretch>
+            <a:fillRect/>
+          </a:stretch>
+        </p:blipFill>
+        <p:spPr>
+          <a:xfrm>
+            <a:off x="1714030" y="1475623"/>
+            <a:ext cx="2093143" cy="1332000"/>
+          </a:xfrm>
+          <a:prstGeom prst="rect">
+            <a:avLst/>
+          </a:prstGeom>
+        </p:spPr>
+      </p:pic>
+      <p:pic>
+        <p:nvPicPr>
+          <p:cNvPr id="5" name="Immagine 4">
+            <a:extLst>
+              <a:ext uri="{FF2B5EF4-FFF2-40B4-BE49-F238E27FC236}">
+                <a16:creationId xmlns:a16="http://schemas.microsoft.com/office/drawing/2014/main" id="{5FF6D8C6-6243-6645-A0B5-1D9142946D8C}"/>
+              </a:ext>
+            </a:extLst>
+          </p:cNvPr>
+          <p:cNvPicPr>
+            <a:picLocks noChangeAspect="1"/>
+          </p:cNvPicPr>
+          <p:nvPr/>
+        </p:nvPicPr>
+        <p:blipFill>
+          <a:blip r:embed="rId3"/>
+          <a:stretch>
+            <a:fillRect/>
+          </a:stretch>
+        </p:blipFill>
+        <p:spPr>
+          <a:xfrm>
+            <a:off x="2628900" y="3476171"/>
+            <a:ext cx="6934200" cy="2796540"/>
+          </a:xfrm>
+          <a:prstGeom prst="rect">
+            <a:avLst/>
+          </a:prstGeom>
+        </p:spPr>
+      </p:pic>
+    </p:spTree>
+    <p:extLst>
+      <p:ext uri="{BB962C8B-B14F-4D97-AF65-F5344CB8AC3E}">
+        <p14:creationId xmlns:p14="http://schemas.microsoft.com/office/powerpoint/2010/main" val="3282804330"/>
+      </p:ext>
+    </p:extLst>
+  </p:cSld>
+  <p:clrMapOvr>
+    <a:masterClrMapping/>
+  </p:clrMapOvr>
+</p:sld>
+</file>
+
+<file path=ppt/slides/slide26.xml><?xml version="1.0" encoding="utf-8"?>
+<p:sld xmlns:a="http://schemas.openxmlformats.org/drawingml/2006/main" xmlns:r="http://schemas.openxmlformats.org/officeDocument/2006/relationships" xmlns:p="http://schemas.openxmlformats.org/presentationml/2006/main">
+  <p:cSld>
+    <p:spTree>
+      <p:nvGrpSpPr>
+        <p:cNvPr id="1" name=""/>
+        <p:cNvGrpSpPr/>
+        <p:nvPr/>
+      </p:nvGrpSpPr>
+      <p:grpSpPr>
+        <a:xfrm>
+          <a:off x="0" y="0"/>
+          <a:ext cx="0" cy="0"/>
+          <a:chOff x="0" y="0"/>
+          <a:chExt cx="0" cy="0"/>
+        </a:xfrm>
+      </p:grpSpPr>
+      <p:sp>
+        <p:nvSpPr>
+          <p:cNvPr id="8" name="Titolo 1">
+            <a:extLst>
+              <a:ext uri="{FF2B5EF4-FFF2-40B4-BE49-F238E27FC236}">
+                <a16:creationId xmlns:a16="http://schemas.microsoft.com/office/drawing/2014/main" id="{E8EDF0BB-0558-644B-BB96-58C4BD179ABC}"/>
+              </a:ext>
+            </a:extLst>
+          </p:cNvPr>
+          <p:cNvSpPr txBox="1">
+            <a:spLocks/>
+          </p:cNvSpPr>
+          <p:nvPr/>
+        </p:nvSpPr>
+        <p:spPr>
+          <a:xfrm>
+            <a:off x="1524000" y="454393"/>
+            <a:ext cx="9144000" cy="1021230"/>
+          </a:xfrm>
+          <a:prstGeom prst="rect">
+            <a:avLst/>
+          </a:prstGeom>
+        </p:spPr>
+        <p:txBody>
+          <a:bodyPr vert="horz" lIns="91440" tIns="45720" rIns="91440" bIns="45720" rtlCol="0" anchor="ctr">
+            <a:normAutofit/>
+          </a:bodyPr>
+          <a:lstStyle>
+            <a:lvl1pPr algn="l" defTabSz="914400" rtl="0" eaLnBrk="1" latinLnBrk="0" hangingPunct="1">
+              <a:lnSpc>
+                <a:spcPct val="90000"/>
+              </a:lnSpc>
+              <a:spcBef>
+                <a:spcPct val="0"/>
+              </a:spcBef>
+              <a:buNone/>
+              <a:defRPr sz="4400" kern="1200">
+                <a:solidFill>
+                  <a:schemeClr val="tx1"/>
+                </a:solidFill>
+                <a:latin typeface="+mj-lt"/>
+                <a:ea typeface="+mj-ea"/>
+                <a:cs typeface="+mj-cs"/>
+              </a:defRPr>
+            </a:lvl1pPr>
+          </a:lstStyle>
+          <a:p>
+            <a:pPr algn="ctr"/>
+            <a:r>
+              <a:rPr lang="it-IT" dirty="0" err="1"/>
+              <a:t>Granty</a:t>
+            </a:r>
+            <a:r>
+              <a:rPr lang="it-IT" dirty="0"/>
+              <a:t> </a:t>
+            </a:r>
+            <a:r>
+              <a:rPr lang="it-IT" dirty="0" err="1"/>
+              <a:t>crane</a:t>
+            </a:r>
+            <a:endParaRPr lang="it-IT" dirty="0"/>
+          </a:p>
+        </p:txBody>
+      </p:sp>
+      <p:sp>
+        <p:nvSpPr>
+          <p:cNvPr id="9" name="CasellaDiTesto 8">
+            <a:extLst>
+              <a:ext uri="{FF2B5EF4-FFF2-40B4-BE49-F238E27FC236}">
+                <a16:creationId xmlns:a16="http://schemas.microsoft.com/office/drawing/2014/main" id="{86F89E2B-2067-3C4F-A4E7-D7C1F99F332E}"/>
+              </a:ext>
+            </a:extLst>
+          </p:cNvPr>
+          <p:cNvSpPr txBox="1"/>
+          <p:nvPr/>
+        </p:nvSpPr>
+        <p:spPr>
+          <a:xfrm>
+            <a:off x="3807173" y="1475623"/>
+            <a:ext cx="8015859" cy="461665"/>
+          </a:xfrm>
+          <a:prstGeom prst="rect">
+            <a:avLst/>
+          </a:prstGeom>
+          <a:noFill/>
+        </p:spPr>
+        <p:txBody>
+          <a:bodyPr wrap="square" rtlCol="0">
+            <a:spAutoFit/>
+          </a:bodyPr>
+          <a:lstStyle/>
+          <a:p>
+            <a:r>
+              <a:rPr lang="it-IT" sz="2400" dirty="0"/>
+              <a:t>FEEDBACK LINEARIZATION - CONTROLLER</a:t>
+            </a:r>
+            <a:endParaRPr lang="it-IT" sz="2000" dirty="0"/>
+          </a:p>
+        </p:txBody>
+      </p:sp>
+      <p:pic>
+        <p:nvPicPr>
+          <p:cNvPr id="6" name="Immagine 5">
+            <a:extLst>
+              <a:ext uri="{FF2B5EF4-FFF2-40B4-BE49-F238E27FC236}">
+                <a16:creationId xmlns:a16="http://schemas.microsoft.com/office/drawing/2014/main" id="{E6250F99-85E5-234E-8497-D887077950D0}"/>
+              </a:ext>
+            </a:extLst>
+          </p:cNvPr>
+          <p:cNvPicPr>
+            <a:picLocks noChangeAspect="1"/>
+          </p:cNvPicPr>
+          <p:nvPr/>
+        </p:nvPicPr>
+        <p:blipFill>
+          <a:blip r:embed="rId2"/>
+          <a:stretch>
+            <a:fillRect/>
+          </a:stretch>
+        </p:blipFill>
+        <p:spPr>
+          <a:xfrm>
+            <a:off x="1714030" y="1475623"/>
+            <a:ext cx="2093143" cy="1332000"/>
+          </a:xfrm>
+          <a:prstGeom prst="rect">
+            <a:avLst/>
+          </a:prstGeom>
+        </p:spPr>
+      </p:pic>
+    </p:spTree>
+    <p:extLst>
+      <p:ext uri="{BB962C8B-B14F-4D97-AF65-F5344CB8AC3E}">
+        <p14:creationId xmlns:p14="http://schemas.microsoft.com/office/powerpoint/2010/main" val="2378044821"/>
       </p:ext>
     </p:extLst>
   </p:cSld>

--- a/Relazione/Presentazione.pptx
+++ b/Relazione/Presentazione.pptx
@@ -10118,10 +10118,10 @@
       </p:pic>
       <p:pic>
         <p:nvPicPr>
-          <p:cNvPr id="5" name="Immagine 4">
-            <a:extLst>
-              <a:ext uri="{FF2B5EF4-FFF2-40B4-BE49-F238E27FC236}">
-                <a16:creationId xmlns:a16="http://schemas.microsoft.com/office/drawing/2014/main" id="{5FF6D8C6-6243-6645-A0B5-1D9142946D8C}"/>
+          <p:cNvPr id="10" name="Immagine 9">
+            <a:extLst>
+              <a:ext uri="{FF2B5EF4-FFF2-40B4-BE49-F238E27FC236}">
+                <a16:creationId xmlns:a16="http://schemas.microsoft.com/office/drawing/2014/main" id="{071D20F1-F8A4-704A-AE94-00682FBAC34E}"/>
               </a:ext>
             </a:extLst>
           </p:cNvPr>
@@ -10138,8 +10138,8 @@
         </p:blipFill>
         <p:spPr>
           <a:xfrm>
-            <a:off x="2628900" y="3476171"/>
-            <a:ext cx="6934200" cy="2796540"/>
+            <a:off x="1981200" y="3476171"/>
+            <a:ext cx="8229600" cy="3038475"/>
           </a:xfrm>
           <a:prstGeom prst="rect">
             <a:avLst/>
@@ -10298,8 +10298,68 @@
         </p:blipFill>
         <p:spPr>
           <a:xfrm>
-            <a:off x="1714030" y="1475623"/>
+            <a:off x="1714030" y="809623"/>
             <a:ext cx="2093143" cy="1332000"/>
+          </a:xfrm>
+          <a:prstGeom prst="rect">
+            <a:avLst/>
+          </a:prstGeom>
+        </p:spPr>
+      </p:pic>
+      <p:pic>
+        <p:nvPicPr>
+          <p:cNvPr id="21" name="Immagine 20">
+            <a:extLst>
+              <a:ext uri="{FF2B5EF4-FFF2-40B4-BE49-F238E27FC236}">
+                <a16:creationId xmlns:a16="http://schemas.microsoft.com/office/drawing/2014/main" id="{92D93CE7-720B-124D-A377-72D7E22EB25C}"/>
+              </a:ext>
+            </a:extLst>
+          </p:cNvPr>
+          <p:cNvPicPr>
+            <a:picLocks noChangeAspect="1"/>
+          </p:cNvPicPr>
+          <p:nvPr/>
+        </p:nvPicPr>
+        <p:blipFill>
+          <a:blip r:embed="rId3"/>
+          <a:stretch>
+            <a:fillRect/>
+          </a:stretch>
+        </p:blipFill>
+        <p:spPr>
+          <a:xfrm>
+            <a:off x="326189" y="2141623"/>
+            <a:ext cx="5689600" cy="4267200"/>
+          </a:xfrm>
+          <a:prstGeom prst="rect">
+            <a:avLst/>
+          </a:prstGeom>
+        </p:spPr>
+      </p:pic>
+      <p:pic>
+        <p:nvPicPr>
+          <p:cNvPr id="23" name="Immagine 22">
+            <a:extLst>
+              <a:ext uri="{FF2B5EF4-FFF2-40B4-BE49-F238E27FC236}">
+                <a16:creationId xmlns:a16="http://schemas.microsoft.com/office/drawing/2014/main" id="{B3415B36-ACEF-EF4E-B307-C04D8D3CFE42}"/>
+              </a:ext>
+            </a:extLst>
+          </p:cNvPr>
+          <p:cNvPicPr>
+            <a:picLocks noChangeAspect="1"/>
+          </p:cNvPicPr>
+          <p:nvPr/>
+        </p:nvPicPr>
+        <p:blipFill>
+          <a:blip r:embed="rId4"/>
+          <a:stretch>
+            <a:fillRect/>
+          </a:stretch>
+        </p:blipFill>
+        <p:spPr>
+          <a:xfrm>
+            <a:off x="6015789" y="2141623"/>
+            <a:ext cx="5689600" cy="4267200"/>
           </a:xfrm>
           <a:prstGeom prst="rect">
             <a:avLst/>

--- a/Relazione/Presentazione.pptx
+++ b/Relazione/Presentazione.pptx
@@ -284,7 +284,7 @@
           <a:p>
             <a:fld id="{27153579-3A4D-BB42-BD49-BB0F80A81A61}" type="datetimeFigureOut">
               <a:rPr lang="it-IT" smtClean="0"/>
-              <a:t>11/10/21</a:t>
+              <a:t>27/10/21</a:t>
             </a:fld>
             <a:endParaRPr lang="it-IT"/>
           </a:p>
@@ -457,7 +457,7 @@
           <a:p>
             <a:fld id="{27153579-3A4D-BB42-BD49-BB0F80A81A61}" type="datetimeFigureOut">
               <a:rPr lang="it-IT" smtClean="0"/>
-              <a:t>11/10/21</a:t>
+              <a:t>27/10/21</a:t>
             </a:fld>
             <a:endParaRPr lang="it-IT"/>
           </a:p>
@@ -640,7 +640,7 @@
           <a:p>
             <a:fld id="{27153579-3A4D-BB42-BD49-BB0F80A81A61}" type="datetimeFigureOut">
               <a:rPr lang="it-IT" smtClean="0"/>
-              <a:t>11/10/21</a:t>
+              <a:t>27/10/21</a:t>
             </a:fld>
             <a:endParaRPr lang="it-IT"/>
           </a:p>
@@ -813,7 +813,7 @@
           <a:p>
             <a:fld id="{27153579-3A4D-BB42-BD49-BB0F80A81A61}" type="datetimeFigureOut">
               <a:rPr lang="it-IT" smtClean="0"/>
-              <a:t>11/10/21</a:t>
+              <a:t>27/10/21</a:t>
             </a:fld>
             <a:endParaRPr lang="it-IT"/>
           </a:p>
@@ -1091,7 +1091,7 @@
           <a:p>
             <a:fld id="{27153579-3A4D-BB42-BD49-BB0F80A81A61}" type="datetimeFigureOut">
               <a:rPr lang="it-IT" smtClean="0"/>
-              <a:t>11/10/21</a:t>
+              <a:t>27/10/21</a:t>
             </a:fld>
             <a:endParaRPr lang="it-IT"/>
           </a:p>
@@ -1306,7 +1306,7 @@
           <a:p>
             <a:fld id="{27153579-3A4D-BB42-BD49-BB0F80A81A61}" type="datetimeFigureOut">
               <a:rPr lang="it-IT" smtClean="0"/>
-              <a:t>11/10/21</a:t>
+              <a:t>27/10/21</a:t>
             </a:fld>
             <a:endParaRPr lang="it-IT"/>
           </a:p>
@@ -1674,7 +1674,7 @@
           <a:p>
             <a:fld id="{27153579-3A4D-BB42-BD49-BB0F80A81A61}" type="datetimeFigureOut">
               <a:rPr lang="it-IT" smtClean="0"/>
-              <a:t>11/10/21</a:t>
+              <a:t>27/10/21</a:t>
             </a:fld>
             <a:endParaRPr lang="it-IT"/>
           </a:p>
@@ -1815,7 +1815,7 @@
           <a:p>
             <a:fld id="{27153579-3A4D-BB42-BD49-BB0F80A81A61}" type="datetimeFigureOut">
               <a:rPr lang="it-IT" smtClean="0"/>
-              <a:t>11/10/21</a:t>
+              <a:t>27/10/21</a:t>
             </a:fld>
             <a:endParaRPr lang="it-IT"/>
           </a:p>
@@ -1928,7 +1928,7 @@
           <a:p>
             <a:fld id="{27153579-3A4D-BB42-BD49-BB0F80A81A61}" type="datetimeFigureOut">
               <a:rPr lang="it-IT" smtClean="0"/>
-              <a:t>11/10/21</a:t>
+              <a:t>27/10/21</a:t>
             </a:fld>
             <a:endParaRPr lang="it-IT"/>
           </a:p>
@@ -2217,7 +2217,7 @@
           <a:p>
             <a:fld id="{27153579-3A4D-BB42-BD49-BB0F80A81A61}" type="datetimeFigureOut">
               <a:rPr lang="it-IT" smtClean="0"/>
-              <a:t>11/10/21</a:t>
+              <a:t>27/10/21</a:t>
             </a:fld>
             <a:endParaRPr lang="it-IT"/>
           </a:p>
@@ -2508,7 +2508,7 @@
           <a:p>
             <a:fld id="{27153579-3A4D-BB42-BD49-BB0F80A81A61}" type="datetimeFigureOut">
               <a:rPr lang="it-IT" smtClean="0"/>
-              <a:t>11/10/21</a:t>
+              <a:t>27/10/21</a:t>
             </a:fld>
             <a:endParaRPr lang="it-IT"/>
           </a:p>
@@ -2724,7 +2724,7 @@
           <a:p>
             <a:fld id="{27153579-3A4D-BB42-BD49-BB0F80A81A61}" type="datetimeFigureOut">
               <a:rPr lang="it-IT" smtClean="0"/>
-              <a:t>11/10/21</a:t>
+              <a:t>27/10/21</a:t>
             </a:fld>
             <a:endParaRPr lang="it-IT"/>
           </a:p>
@@ -3150,7 +3150,9 @@
               </a:ext>
             </a:extLst>
           </p:cNvPr>
-          <p:cNvPicPr/>
+          <p:cNvPicPr>
+            <a:picLocks noChangeAspect="1"/>
+          </p:cNvPicPr>
           <p:nvPr/>
         </p:nvPicPr>
         <p:blipFill>
@@ -3168,7 +3170,7 @@
         <p:spPr>
           <a:xfrm>
             <a:off x="241420" y="265431"/>
-            <a:ext cx="1306026" cy="1305462"/>
+            <a:ext cx="1428750" cy="1295400"/>
           </a:xfrm>
           <a:prstGeom prst="rect">
             <a:avLst/>
@@ -3446,6 +3448,144 @@
           <a:xfrm>
             <a:off x="5892800" y="1741714"/>
             <a:ext cx="5689600" cy="4267200"/>
+          </a:xfrm>
+          <a:prstGeom prst="rect">
+            <a:avLst/>
+          </a:prstGeom>
+        </p:spPr>
+      </p:pic>
+      <p:sp>
+        <p:nvSpPr>
+          <p:cNvPr id="6" name="Segnaposto data 3">
+            <a:extLst>
+              <a:ext uri="{FF2B5EF4-FFF2-40B4-BE49-F238E27FC236}">
+                <a16:creationId xmlns:a16="http://schemas.microsoft.com/office/drawing/2014/main" id="{C3BDAB99-7C55-E548-82F5-482F54CB8900}"/>
+              </a:ext>
+            </a:extLst>
+          </p:cNvPr>
+          <p:cNvSpPr>
+            <a:spLocks noGrp="1"/>
+          </p:cNvSpPr>
+          <p:nvPr>
+            <p:ph type="dt" sz="half" idx="10"/>
+          </p:nvPr>
+        </p:nvSpPr>
+        <p:spPr>
+          <a:xfrm>
+            <a:off x="838200" y="6356350"/>
+            <a:ext cx="2743200" cy="365125"/>
+          </a:xfrm>
+        </p:spPr>
+        <p:txBody>
+          <a:bodyPr/>
+          <a:lstStyle/>
+          <a:p>
+            <a:fld id="{4EF59023-6175-3944-979D-CFE35E3A8267}" type="datetime1">
+              <a:rPr lang="it-IT" smtClean="0"/>
+              <a:t>27/10/21</a:t>
+            </a:fld>
+            <a:endParaRPr lang="en-US" dirty="0"/>
+          </a:p>
+        </p:txBody>
+      </p:sp>
+      <p:sp>
+        <p:nvSpPr>
+          <p:cNvPr id="8" name="Segnaposto piè di pagina 4">
+            <a:extLst>
+              <a:ext uri="{FF2B5EF4-FFF2-40B4-BE49-F238E27FC236}">
+                <a16:creationId xmlns:a16="http://schemas.microsoft.com/office/drawing/2014/main" id="{4143A46B-9A4B-3B4A-92F8-F669C53BF16B}"/>
+              </a:ext>
+            </a:extLst>
+          </p:cNvPr>
+          <p:cNvSpPr>
+            <a:spLocks noGrp="1"/>
+          </p:cNvSpPr>
+          <p:nvPr>
+            <p:ph type="ftr" sz="quarter" idx="11"/>
+          </p:nvPr>
+        </p:nvSpPr>
+        <p:spPr>
+          <a:xfrm>
+            <a:off x="4038600" y="6356350"/>
+            <a:ext cx="4114800" cy="365125"/>
+          </a:xfrm>
+        </p:spPr>
+        <p:txBody>
+          <a:bodyPr/>
+          <a:lstStyle/>
+          <a:p>
+            <a:r>
+              <a:rPr lang="en-US"/>
+              <a:t>Arianna Gasparri</a:t>
+            </a:r>
+            <a:endParaRPr lang="en-US" dirty="0"/>
+          </a:p>
+        </p:txBody>
+      </p:sp>
+      <p:sp>
+        <p:nvSpPr>
+          <p:cNvPr id="9" name="Segnaposto numero diapositiva 5">
+            <a:extLst>
+              <a:ext uri="{FF2B5EF4-FFF2-40B4-BE49-F238E27FC236}">
+                <a16:creationId xmlns:a16="http://schemas.microsoft.com/office/drawing/2014/main" id="{8DC50362-4952-3D41-97A5-FCA4B0555286}"/>
+              </a:ext>
+            </a:extLst>
+          </p:cNvPr>
+          <p:cNvSpPr>
+            <a:spLocks noGrp="1"/>
+          </p:cNvSpPr>
+          <p:nvPr>
+            <p:ph type="sldNum" sz="quarter" idx="12"/>
+          </p:nvPr>
+        </p:nvSpPr>
+        <p:spPr>
+          <a:xfrm>
+            <a:off x="8610600" y="6356350"/>
+            <a:ext cx="2743200" cy="365125"/>
+          </a:xfrm>
+        </p:spPr>
+        <p:txBody>
+          <a:bodyPr/>
+          <a:lstStyle/>
+          <a:p>
+            <a:fld id="{6D22F896-40B5-4ADD-8801-0D06FADFA095}" type="slidenum">
+              <a:rPr lang="en-US" smtClean="0"/>
+              <a:t>10</a:t>
+            </a:fld>
+            <a:endParaRPr lang="en-US" dirty="0"/>
+          </a:p>
+        </p:txBody>
+      </p:sp>
+      <p:pic>
+        <p:nvPicPr>
+          <p:cNvPr id="10" name="Immagine 9">
+            <a:extLst>
+              <a:ext uri="{FF2B5EF4-FFF2-40B4-BE49-F238E27FC236}">
+                <a16:creationId xmlns:a16="http://schemas.microsoft.com/office/drawing/2014/main" id="{7CD29E99-6F18-A44D-BA56-FA830E7E0F9A}"/>
+              </a:ext>
+            </a:extLst>
+          </p:cNvPr>
+          <p:cNvPicPr>
+            <a:picLocks noChangeAspect="1"/>
+          </p:cNvPicPr>
+          <p:nvPr/>
+        </p:nvPicPr>
+        <p:blipFill>
+          <a:blip r:embed="rId4" cstate="print">
+            <a:extLst>
+              <a:ext uri="{28A0092B-C50C-407E-A947-70E740481C1C}">
+                <a14:useLocalDpi xmlns:a14="http://schemas.microsoft.com/office/drawing/2010/main" val="0"/>
+              </a:ext>
+            </a:extLst>
+          </a:blip>
+          <a:stretch>
+            <a:fillRect/>
+          </a:stretch>
+        </p:blipFill>
+        <p:spPr>
+          <a:xfrm>
+            <a:off x="241420" y="265431"/>
+            <a:ext cx="571500" cy="518160"/>
           </a:xfrm>
           <a:prstGeom prst="rect">
             <a:avLst/>
@@ -4093,6 +4233,144 @@
           </a:prstGeom>
         </p:spPr>
       </p:pic>
+      <p:sp>
+        <p:nvSpPr>
+          <p:cNvPr id="6" name="Segnaposto data 3">
+            <a:extLst>
+              <a:ext uri="{FF2B5EF4-FFF2-40B4-BE49-F238E27FC236}">
+                <a16:creationId xmlns:a16="http://schemas.microsoft.com/office/drawing/2014/main" id="{8ED66DBA-1765-F84A-A3B3-811C7DC8BE96}"/>
+              </a:ext>
+            </a:extLst>
+          </p:cNvPr>
+          <p:cNvSpPr>
+            <a:spLocks noGrp="1"/>
+          </p:cNvSpPr>
+          <p:nvPr>
+            <p:ph type="dt" sz="half" idx="10"/>
+          </p:nvPr>
+        </p:nvSpPr>
+        <p:spPr>
+          <a:xfrm>
+            <a:off x="838200" y="6356350"/>
+            <a:ext cx="2743200" cy="365125"/>
+          </a:xfrm>
+        </p:spPr>
+        <p:txBody>
+          <a:bodyPr/>
+          <a:lstStyle/>
+          <a:p>
+            <a:fld id="{4EF59023-6175-3944-979D-CFE35E3A8267}" type="datetime1">
+              <a:rPr lang="it-IT" smtClean="0"/>
+              <a:t>27/10/21</a:t>
+            </a:fld>
+            <a:endParaRPr lang="en-US" dirty="0"/>
+          </a:p>
+        </p:txBody>
+      </p:sp>
+      <p:sp>
+        <p:nvSpPr>
+          <p:cNvPr id="8" name="Segnaposto piè di pagina 4">
+            <a:extLst>
+              <a:ext uri="{FF2B5EF4-FFF2-40B4-BE49-F238E27FC236}">
+                <a16:creationId xmlns:a16="http://schemas.microsoft.com/office/drawing/2014/main" id="{45210977-E70C-B642-B610-C9AC23A21306}"/>
+              </a:ext>
+            </a:extLst>
+          </p:cNvPr>
+          <p:cNvSpPr>
+            <a:spLocks noGrp="1"/>
+          </p:cNvSpPr>
+          <p:nvPr>
+            <p:ph type="ftr" sz="quarter" idx="11"/>
+          </p:nvPr>
+        </p:nvSpPr>
+        <p:spPr>
+          <a:xfrm>
+            <a:off x="4038600" y="6356350"/>
+            <a:ext cx="4114800" cy="365125"/>
+          </a:xfrm>
+        </p:spPr>
+        <p:txBody>
+          <a:bodyPr/>
+          <a:lstStyle/>
+          <a:p>
+            <a:r>
+              <a:rPr lang="en-US"/>
+              <a:t>Arianna Gasparri</a:t>
+            </a:r>
+            <a:endParaRPr lang="en-US" dirty="0"/>
+          </a:p>
+        </p:txBody>
+      </p:sp>
+      <p:sp>
+        <p:nvSpPr>
+          <p:cNvPr id="9" name="Segnaposto numero diapositiva 5">
+            <a:extLst>
+              <a:ext uri="{FF2B5EF4-FFF2-40B4-BE49-F238E27FC236}">
+                <a16:creationId xmlns:a16="http://schemas.microsoft.com/office/drawing/2014/main" id="{6B2329E3-C28C-384F-9BC5-340BEE7303CC}"/>
+              </a:ext>
+            </a:extLst>
+          </p:cNvPr>
+          <p:cNvSpPr>
+            <a:spLocks noGrp="1"/>
+          </p:cNvSpPr>
+          <p:nvPr>
+            <p:ph type="sldNum" sz="quarter" idx="12"/>
+          </p:nvPr>
+        </p:nvSpPr>
+        <p:spPr>
+          <a:xfrm>
+            <a:off x="8610600" y="6356350"/>
+            <a:ext cx="2743200" cy="365125"/>
+          </a:xfrm>
+        </p:spPr>
+        <p:txBody>
+          <a:bodyPr/>
+          <a:lstStyle/>
+          <a:p>
+            <a:fld id="{6D22F896-40B5-4ADD-8801-0D06FADFA095}" type="slidenum">
+              <a:rPr lang="en-US" smtClean="0"/>
+              <a:t>11</a:t>
+            </a:fld>
+            <a:endParaRPr lang="en-US" dirty="0"/>
+          </a:p>
+        </p:txBody>
+      </p:sp>
+      <p:pic>
+        <p:nvPicPr>
+          <p:cNvPr id="10" name="Immagine 9">
+            <a:extLst>
+              <a:ext uri="{FF2B5EF4-FFF2-40B4-BE49-F238E27FC236}">
+                <a16:creationId xmlns:a16="http://schemas.microsoft.com/office/drawing/2014/main" id="{09F6753C-1272-0441-901C-E8F603EBB50B}"/>
+              </a:ext>
+            </a:extLst>
+          </p:cNvPr>
+          <p:cNvPicPr>
+            <a:picLocks noChangeAspect="1"/>
+          </p:cNvPicPr>
+          <p:nvPr/>
+        </p:nvPicPr>
+        <p:blipFill>
+          <a:blip r:embed="rId4" cstate="print">
+            <a:extLst>
+              <a:ext uri="{28A0092B-C50C-407E-A947-70E740481C1C}">
+                <a14:useLocalDpi xmlns:a14="http://schemas.microsoft.com/office/drawing/2010/main" val="0"/>
+              </a:ext>
+            </a:extLst>
+          </a:blip>
+          <a:stretch>
+            <a:fillRect/>
+          </a:stretch>
+        </p:blipFill>
+        <p:spPr>
+          <a:xfrm>
+            <a:off x="241420" y="265431"/>
+            <a:ext cx="571500" cy="518160"/>
+          </a:xfrm>
+          <a:prstGeom prst="rect">
+            <a:avLst/>
+          </a:prstGeom>
+        </p:spPr>
+      </p:pic>
     </p:spTree>
     <p:extLst>
       <p:ext uri="{BB962C8B-B14F-4D97-AF65-F5344CB8AC3E}">
@@ -4340,6 +4618,144 @@
           </a:p>
         </p:txBody>
       </p:sp>
+      <p:sp>
+        <p:nvSpPr>
+          <p:cNvPr id="8" name="Segnaposto data 3">
+            <a:extLst>
+              <a:ext uri="{FF2B5EF4-FFF2-40B4-BE49-F238E27FC236}">
+                <a16:creationId xmlns:a16="http://schemas.microsoft.com/office/drawing/2014/main" id="{7B0028A1-BF42-1D40-A8DF-D57C7E6BEF7E}"/>
+              </a:ext>
+            </a:extLst>
+          </p:cNvPr>
+          <p:cNvSpPr>
+            <a:spLocks noGrp="1"/>
+          </p:cNvSpPr>
+          <p:nvPr>
+            <p:ph type="dt" sz="half" idx="10"/>
+          </p:nvPr>
+        </p:nvSpPr>
+        <p:spPr>
+          <a:xfrm>
+            <a:off x="838200" y="6356350"/>
+            <a:ext cx="2743200" cy="365125"/>
+          </a:xfrm>
+        </p:spPr>
+        <p:txBody>
+          <a:bodyPr/>
+          <a:lstStyle/>
+          <a:p>
+            <a:fld id="{4EF59023-6175-3944-979D-CFE35E3A8267}" type="datetime1">
+              <a:rPr lang="it-IT" smtClean="0"/>
+              <a:t>27/10/21</a:t>
+            </a:fld>
+            <a:endParaRPr lang="en-US" dirty="0"/>
+          </a:p>
+        </p:txBody>
+      </p:sp>
+      <p:sp>
+        <p:nvSpPr>
+          <p:cNvPr id="9" name="Segnaposto piè di pagina 4">
+            <a:extLst>
+              <a:ext uri="{FF2B5EF4-FFF2-40B4-BE49-F238E27FC236}">
+                <a16:creationId xmlns:a16="http://schemas.microsoft.com/office/drawing/2014/main" id="{D85F9A65-2C4E-EB4F-8F79-D6EC3F0478C8}"/>
+              </a:ext>
+            </a:extLst>
+          </p:cNvPr>
+          <p:cNvSpPr>
+            <a:spLocks noGrp="1"/>
+          </p:cNvSpPr>
+          <p:nvPr>
+            <p:ph type="ftr" sz="quarter" idx="11"/>
+          </p:nvPr>
+        </p:nvSpPr>
+        <p:spPr>
+          <a:xfrm>
+            <a:off x="4038600" y="6356350"/>
+            <a:ext cx="4114800" cy="365125"/>
+          </a:xfrm>
+        </p:spPr>
+        <p:txBody>
+          <a:bodyPr/>
+          <a:lstStyle/>
+          <a:p>
+            <a:r>
+              <a:rPr lang="en-US"/>
+              <a:t>Arianna Gasparri</a:t>
+            </a:r>
+            <a:endParaRPr lang="en-US" dirty="0"/>
+          </a:p>
+        </p:txBody>
+      </p:sp>
+      <p:sp>
+        <p:nvSpPr>
+          <p:cNvPr id="10" name="Segnaposto numero diapositiva 5">
+            <a:extLst>
+              <a:ext uri="{FF2B5EF4-FFF2-40B4-BE49-F238E27FC236}">
+                <a16:creationId xmlns:a16="http://schemas.microsoft.com/office/drawing/2014/main" id="{9248474E-7CA0-304D-91EB-D2557E852922}"/>
+              </a:ext>
+            </a:extLst>
+          </p:cNvPr>
+          <p:cNvSpPr>
+            <a:spLocks noGrp="1"/>
+          </p:cNvSpPr>
+          <p:nvPr>
+            <p:ph type="sldNum" sz="quarter" idx="12"/>
+          </p:nvPr>
+        </p:nvSpPr>
+        <p:spPr>
+          <a:xfrm>
+            <a:off x="8610600" y="6356350"/>
+            <a:ext cx="2743200" cy="365125"/>
+          </a:xfrm>
+        </p:spPr>
+        <p:txBody>
+          <a:bodyPr/>
+          <a:lstStyle/>
+          <a:p>
+            <a:fld id="{6D22F896-40B5-4ADD-8801-0D06FADFA095}" type="slidenum">
+              <a:rPr lang="en-US" smtClean="0"/>
+              <a:t>12</a:t>
+            </a:fld>
+            <a:endParaRPr lang="en-US" dirty="0"/>
+          </a:p>
+        </p:txBody>
+      </p:sp>
+      <p:pic>
+        <p:nvPicPr>
+          <p:cNvPr id="13" name="Immagine 12">
+            <a:extLst>
+              <a:ext uri="{FF2B5EF4-FFF2-40B4-BE49-F238E27FC236}">
+                <a16:creationId xmlns:a16="http://schemas.microsoft.com/office/drawing/2014/main" id="{566ADAF7-B3F1-5640-BAC8-9A57F638F2F1}"/>
+              </a:ext>
+            </a:extLst>
+          </p:cNvPr>
+          <p:cNvPicPr>
+            <a:picLocks noChangeAspect="1"/>
+          </p:cNvPicPr>
+          <p:nvPr/>
+        </p:nvPicPr>
+        <p:blipFill>
+          <a:blip r:embed="rId5" cstate="print">
+            <a:extLst>
+              <a:ext uri="{28A0092B-C50C-407E-A947-70E740481C1C}">
+                <a14:useLocalDpi xmlns:a14="http://schemas.microsoft.com/office/drawing/2010/main" val="0"/>
+              </a:ext>
+            </a:extLst>
+          </a:blip>
+          <a:stretch>
+            <a:fillRect/>
+          </a:stretch>
+        </p:blipFill>
+        <p:spPr>
+          <a:xfrm>
+            <a:off x="241420" y="265431"/>
+            <a:ext cx="571500" cy="518160"/>
+          </a:xfrm>
+          <a:prstGeom prst="rect">
+            <a:avLst/>
+          </a:prstGeom>
+        </p:spPr>
+      </p:pic>
     </p:spTree>
     <p:extLst>
       <p:ext uri="{BB962C8B-B14F-4D97-AF65-F5344CB8AC3E}">
@@ -4530,6 +4946,144 @@
           </a:p>
         </p:txBody>
       </p:sp>
+      <p:sp>
+        <p:nvSpPr>
+          <p:cNvPr id="9" name="Segnaposto data 3">
+            <a:extLst>
+              <a:ext uri="{FF2B5EF4-FFF2-40B4-BE49-F238E27FC236}">
+                <a16:creationId xmlns:a16="http://schemas.microsoft.com/office/drawing/2014/main" id="{F6FF7FBC-F998-6141-8DC8-5EC81C3FDA75}"/>
+              </a:ext>
+            </a:extLst>
+          </p:cNvPr>
+          <p:cNvSpPr>
+            <a:spLocks noGrp="1"/>
+          </p:cNvSpPr>
+          <p:nvPr>
+            <p:ph type="dt" sz="half" idx="10"/>
+          </p:nvPr>
+        </p:nvSpPr>
+        <p:spPr>
+          <a:xfrm>
+            <a:off x="838200" y="6356350"/>
+            <a:ext cx="2743200" cy="365125"/>
+          </a:xfrm>
+        </p:spPr>
+        <p:txBody>
+          <a:bodyPr/>
+          <a:lstStyle/>
+          <a:p>
+            <a:fld id="{4EF59023-6175-3944-979D-CFE35E3A8267}" type="datetime1">
+              <a:rPr lang="it-IT" smtClean="0"/>
+              <a:t>27/10/21</a:t>
+            </a:fld>
+            <a:endParaRPr lang="en-US" dirty="0"/>
+          </a:p>
+        </p:txBody>
+      </p:sp>
+      <p:sp>
+        <p:nvSpPr>
+          <p:cNvPr id="10" name="Segnaposto piè di pagina 4">
+            <a:extLst>
+              <a:ext uri="{FF2B5EF4-FFF2-40B4-BE49-F238E27FC236}">
+                <a16:creationId xmlns:a16="http://schemas.microsoft.com/office/drawing/2014/main" id="{964090CD-B39A-A044-B089-BE2CCA736FE3}"/>
+              </a:ext>
+            </a:extLst>
+          </p:cNvPr>
+          <p:cNvSpPr>
+            <a:spLocks noGrp="1"/>
+          </p:cNvSpPr>
+          <p:nvPr>
+            <p:ph type="ftr" sz="quarter" idx="11"/>
+          </p:nvPr>
+        </p:nvSpPr>
+        <p:spPr>
+          <a:xfrm>
+            <a:off x="4038600" y="6356350"/>
+            <a:ext cx="4114800" cy="365125"/>
+          </a:xfrm>
+        </p:spPr>
+        <p:txBody>
+          <a:bodyPr/>
+          <a:lstStyle/>
+          <a:p>
+            <a:r>
+              <a:rPr lang="en-US"/>
+              <a:t>Arianna Gasparri</a:t>
+            </a:r>
+            <a:endParaRPr lang="en-US" dirty="0"/>
+          </a:p>
+        </p:txBody>
+      </p:sp>
+      <p:sp>
+        <p:nvSpPr>
+          <p:cNvPr id="11" name="Segnaposto numero diapositiva 5">
+            <a:extLst>
+              <a:ext uri="{FF2B5EF4-FFF2-40B4-BE49-F238E27FC236}">
+                <a16:creationId xmlns:a16="http://schemas.microsoft.com/office/drawing/2014/main" id="{218D4881-57AD-5B4A-B4E2-2BF41EDDAA7C}"/>
+              </a:ext>
+            </a:extLst>
+          </p:cNvPr>
+          <p:cNvSpPr>
+            <a:spLocks noGrp="1"/>
+          </p:cNvSpPr>
+          <p:nvPr>
+            <p:ph type="sldNum" sz="quarter" idx="12"/>
+          </p:nvPr>
+        </p:nvSpPr>
+        <p:spPr>
+          <a:xfrm>
+            <a:off x="8610600" y="6356350"/>
+            <a:ext cx="2743200" cy="365125"/>
+          </a:xfrm>
+        </p:spPr>
+        <p:txBody>
+          <a:bodyPr/>
+          <a:lstStyle/>
+          <a:p>
+            <a:fld id="{6D22F896-40B5-4ADD-8801-0D06FADFA095}" type="slidenum">
+              <a:rPr lang="en-US" smtClean="0"/>
+              <a:t>13</a:t>
+            </a:fld>
+            <a:endParaRPr lang="en-US" dirty="0"/>
+          </a:p>
+        </p:txBody>
+      </p:sp>
+      <p:pic>
+        <p:nvPicPr>
+          <p:cNvPr id="12" name="Immagine 11">
+            <a:extLst>
+              <a:ext uri="{FF2B5EF4-FFF2-40B4-BE49-F238E27FC236}">
+                <a16:creationId xmlns:a16="http://schemas.microsoft.com/office/drawing/2014/main" id="{FBF3D642-8EF7-7C41-B9AF-52550567E848}"/>
+              </a:ext>
+            </a:extLst>
+          </p:cNvPr>
+          <p:cNvPicPr>
+            <a:picLocks noChangeAspect="1"/>
+          </p:cNvPicPr>
+          <p:nvPr/>
+        </p:nvPicPr>
+        <p:blipFill>
+          <a:blip r:embed="rId5" cstate="print">
+            <a:extLst>
+              <a:ext uri="{28A0092B-C50C-407E-A947-70E740481C1C}">
+                <a14:useLocalDpi xmlns:a14="http://schemas.microsoft.com/office/drawing/2010/main" val="0"/>
+              </a:ext>
+            </a:extLst>
+          </a:blip>
+          <a:stretch>
+            <a:fillRect/>
+          </a:stretch>
+        </p:blipFill>
+        <p:spPr>
+          <a:xfrm>
+            <a:off x="241420" y="265431"/>
+            <a:ext cx="571500" cy="518160"/>
+          </a:xfrm>
+          <a:prstGeom prst="rect">
+            <a:avLst/>
+          </a:prstGeom>
+        </p:spPr>
+      </p:pic>
     </p:spTree>
     <p:extLst>
       <p:ext uri="{BB962C8B-B14F-4D97-AF65-F5344CB8AC3E}">
@@ -5179,6 +5733,144 @@
           </a:prstGeom>
         </p:spPr>
       </p:pic>
+      <p:sp>
+        <p:nvSpPr>
+          <p:cNvPr id="6" name="Segnaposto data 3">
+            <a:extLst>
+              <a:ext uri="{FF2B5EF4-FFF2-40B4-BE49-F238E27FC236}">
+                <a16:creationId xmlns:a16="http://schemas.microsoft.com/office/drawing/2014/main" id="{9389CDEA-B0FD-A944-AD22-B36A4AEE0F53}"/>
+              </a:ext>
+            </a:extLst>
+          </p:cNvPr>
+          <p:cNvSpPr>
+            <a:spLocks noGrp="1"/>
+          </p:cNvSpPr>
+          <p:nvPr>
+            <p:ph type="dt" sz="half" idx="10"/>
+          </p:nvPr>
+        </p:nvSpPr>
+        <p:spPr>
+          <a:xfrm>
+            <a:off x="838200" y="6356350"/>
+            <a:ext cx="2743200" cy="365125"/>
+          </a:xfrm>
+        </p:spPr>
+        <p:txBody>
+          <a:bodyPr/>
+          <a:lstStyle/>
+          <a:p>
+            <a:fld id="{4EF59023-6175-3944-979D-CFE35E3A8267}" type="datetime1">
+              <a:rPr lang="it-IT" smtClean="0"/>
+              <a:t>27/10/21</a:t>
+            </a:fld>
+            <a:endParaRPr lang="en-US" dirty="0"/>
+          </a:p>
+        </p:txBody>
+      </p:sp>
+      <p:sp>
+        <p:nvSpPr>
+          <p:cNvPr id="8" name="Segnaposto piè di pagina 4">
+            <a:extLst>
+              <a:ext uri="{FF2B5EF4-FFF2-40B4-BE49-F238E27FC236}">
+                <a16:creationId xmlns:a16="http://schemas.microsoft.com/office/drawing/2014/main" id="{66C9879D-E1B4-1E4C-BFE3-CF2F93888B1D}"/>
+              </a:ext>
+            </a:extLst>
+          </p:cNvPr>
+          <p:cNvSpPr>
+            <a:spLocks noGrp="1"/>
+          </p:cNvSpPr>
+          <p:nvPr>
+            <p:ph type="ftr" sz="quarter" idx="11"/>
+          </p:nvPr>
+        </p:nvSpPr>
+        <p:spPr>
+          <a:xfrm>
+            <a:off x="4038600" y="6356350"/>
+            <a:ext cx="4114800" cy="365125"/>
+          </a:xfrm>
+        </p:spPr>
+        <p:txBody>
+          <a:bodyPr/>
+          <a:lstStyle/>
+          <a:p>
+            <a:r>
+              <a:rPr lang="en-US"/>
+              <a:t>Arianna Gasparri</a:t>
+            </a:r>
+            <a:endParaRPr lang="en-US" dirty="0"/>
+          </a:p>
+        </p:txBody>
+      </p:sp>
+      <p:sp>
+        <p:nvSpPr>
+          <p:cNvPr id="9" name="Segnaposto numero diapositiva 5">
+            <a:extLst>
+              <a:ext uri="{FF2B5EF4-FFF2-40B4-BE49-F238E27FC236}">
+                <a16:creationId xmlns:a16="http://schemas.microsoft.com/office/drawing/2014/main" id="{0D33E861-F727-474B-A00F-43E7B31879D2}"/>
+              </a:ext>
+            </a:extLst>
+          </p:cNvPr>
+          <p:cNvSpPr>
+            <a:spLocks noGrp="1"/>
+          </p:cNvSpPr>
+          <p:nvPr>
+            <p:ph type="sldNum" sz="quarter" idx="12"/>
+          </p:nvPr>
+        </p:nvSpPr>
+        <p:spPr>
+          <a:xfrm>
+            <a:off x="8610600" y="6356350"/>
+            <a:ext cx="2743200" cy="365125"/>
+          </a:xfrm>
+        </p:spPr>
+        <p:txBody>
+          <a:bodyPr/>
+          <a:lstStyle/>
+          <a:p>
+            <a:fld id="{6D22F896-40B5-4ADD-8801-0D06FADFA095}" type="slidenum">
+              <a:rPr lang="en-US" smtClean="0"/>
+              <a:t>14</a:t>
+            </a:fld>
+            <a:endParaRPr lang="en-US" dirty="0"/>
+          </a:p>
+        </p:txBody>
+      </p:sp>
+      <p:pic>
+        <p:nvPicPr>
+          <p:cNvPr id="10" name="Immagine 9">
+            <a:extLst>
+              <a:ext uri="{FF2B5EF4-FFF2-40B4-BE49-F238E27FC236}">
+                <a16:creationId xmlns:a16="http://schemas.microsoft.com/office/drawing/2014/main" id="{BA6052B7-8E63-8C4E-9F38-8C6DED9D7E57}"/>
+              </a:ext>
+            </a:extLst>
+          </p:cNvPr>
+          <p:cNvPicPr>
+            <a:picLocks noChangeAspect="1"/>
+          </p:cNvPicPr>
+          <p:nvPr/>
+        </p:nvPicPr>
+        <p:blipFill>
+          <a:blip r:embed="rId4" cstate="print">
+            <a:extLst>
+              <a:ext uri="{28A0092B-C50C-407E-A947-70E740481C1C}">
+                <a14:useLocalDpi xmlns:a14="http://schemas.microsoft.com/office/drawing/2010/main" val="0"/>
+              </a:ext>
+            </a:extLst>
+          </a:blip>
+          <a:stretch>
+            <a:fillRect/>
+          </a:stretch>
+        </p:blipFill>
+        <p:spPr>
+          <a:xfrm>
+            <a:off x="241420" y="265431"/>
+            <a:ext cx="571500" cy="518160"/>
+          </a:xfrm>
+          <a:prstGeom prst="rect">
+            <a:avLst/>
+          </a:prstGeom>
+        </p:spPr>
+      </p:pic>
     </p:spTree>
     <p:extLst>
       <p:ext uri="{BB962C8B-B14F-4D97-AF65-F5344CB8AC3E}">
@@ -5570,6 +6262,144 @@
           <a:xfrm>
             <a:off x="5899792" y="4925537"/>
             <a:ext cx="1587811" cy="907321"/>
+          </a:xfrm>
+          <a:prstGeom prst="rect">
+            <a:avLst/>
+          </a:prstGeom>
+        </p:spPr>
+      </p:pic>
+      <p:sp>
+        <p:nvSpPr>
+          <p:cNvPr id="13" name="Segnaposto data 3">
+            <a:extLst>
+              <a:ext uri="{FF2B5EF4-FFF2-40B4-BE49-F238E27FC236}">
+                <a16:creationId xmlns:a16="http://schemas.microsoft.com/office/drawing/2014/main" id="{1288FA98-6F83-5446-A155-11A560C65BEF}"/>
+              </a:ext>
+            </a:extLst>
+          </p:cNvPr>
+          <p:cNvSpPr>
+            <a:spLocks noGrp="1"/>
+          </p:cNvSpPr>
+          <p:nvPr>
+            <p:ph type="dt" sz="half" idx="10"/>
+          </p:nvPr>
+        </p:nvSpPr>
+        <p:spPr>
+          <a:xfrm>
+            <a:off x="838200" y="6356350"/>
+            <a:ext cx="2743200" cy="365125"/>
+          </a:xfrm>
+        </p:spPr>
+        <p:txBody>
+          <a:bodyPr/>
+          <a:lstStyle/>
+          <a:p>
+            <a:fld id="{4EF59023-6175-3944-979D-CFE35E3A8267}" type="datetime1">
+              <a:rPr lang="it-IT" smtClean="0"/>
+              <a:t>27/10/21</a:t>
+            </a:fld>
+            <a:endParaRPr lang="en-US" dirty="0"/>
+          </a:p>
+        </p:txBody>
+      </p:sp>
+      <p:sp>
+        <p:nvSpPr>
+          <p:cNvPr id="14" name="Segnaposto piè di pagina 4">
+            <a:extLst>
+              <a:ext uri="{FF2B5EF4-FFF2-40B4-BE49-F238E27FC236}">
+                <a16:creationId xmlns:a16="http://schemas.microsoft.com/office/drawing/2014/main" id="{4B9E0F37-9F56-9346-84D5-B5288B48BB3C}"/>
+              </a:ext>
+            </a:extLst>
+          </p:cNvPr>
+          <p:cNvSpPr>
+            <a:spLocks noGrp="1"/>
+          </p:cNvSpPr>
+          <p:nvPr>
+            <p:ph type="ftr" sz="quarter" idx="11"/>
+          </p:nvPr>
+        </p:nvSpPr>
+        <p:spPr>
+          <a:xfrm>
+            <a:off x="4038600" y="6356350"/>
+            <a:ext cx="4114800" cy="365125"/>
+          </a:xfrm>
+        </p:spPr>
+        <p:txBody>
+          <a:bodyPr/>
+          <a:lstStyle/>
+          <a:p>
+            <a:r>
+              <a:rPr lang="en-US"/>
+              <a:t>Arianna Gasparri</a:t>
+            </a:r>
+            <a:endParaRPr lang="en-US" dirty="0"/>
+          </a:p>
+        </p:txBody>
+      </p:sp>
+      <p:sp>
+        <p:nvSpPr>
+          <p:cNvPr id="16" name="Segnaposto numero diapositiva 5">
+            <a:extLst>
+              <a:ext uri="{FF2B5EF4-FFF2-40B4-BE49-F238E27FC236}">
+                <a16:creationId xmlns:a16="http://schemas.microsoft.com/office/drawing/2014/main" id="{4C841B63-D05E-5D4C-8EAE-231F63ED41DE}"/>
+              </a:ext>
+            </a:extLst>
+          </p:cNvPr>
+          <p:cNvSpPr>
+            <a:spLocks noGrp="1"/>
+          </p:cNvSpPr>
+          <p:nvPr>
+            <p:ph type="sldNum" sz="quarter" idx="12"/>
+          </p:nvPr>
+        </p:nvSpPr>
+        <p:spPr>
+          <a:xfrm>
+            <a:off x="8610600" y="6356350"/>
+            <a:ext cx="2743200" cy="365125"/>
+          </a:xfrm>
+        </p:spPr>
+        <p:txBody>
+          <a:bodyPr/>
+          <a:lstStyle/>
+          <a:p>
+            <a:fld id="{6D22F896-40B5-4ADD-8801-0D06FADFA095}" type="slidenum">
+              <a:rPr lang="en-US" smtClean="0"/>
+              <a:t>15</a:t>
+            </a:fld>
+            <a:endParaRPr lang="en-US" dirty="0"/>
+          </a:p>
+        </p:txBody>
+      </p:sp>
+      <p:pic>
+        <p:nvPicPr>
+          <p:cNvPr id="18" name="Immagine 17">
+            <a:extLst>
+              <a:ext uri="{FF2B5EF4-FFF2-40B4-BE49-F238E27FC236}">
+                <a16:creationId xmlns:a16="http://schemas.microsoft.com/office/drawing/2014/main" id="{F0D2B1AA-C966-3941-91DA-794B16FA9F9E}"/>
+              </a:ext>
+            </a:extLst>
+          </p:cNvPr>
+          <p:cNvPicPr>
+            <a:picLocks noChangeAspect="1"/>
+          </p:cNvPicPr>
+          <p:nvPr/>
+        </p:nvPicPr>
+        <p:blipFill>
+          <a:blip r:embed="rId10" cstate="print">
+            <a:extLst>
+              <a:ext uri="{28A0092B-C50C-407E-A947-70E740481C1C}">
+                <a14:useLocalDpi xmlns:a14="http://schemas.microsoft.com/office/drawing/2010/main" val="0"/>
+              </a:ext>
+            </a:extLst>
+          </a:blip>
+          <a:stretch>
+            <a:fillRect/>
+          </a:stretch>
+        </p:blipFill>
+        <p:spPr>
+          <a:xfrm>
+            <a:off x="241420" y="265431"/>
+            <a:ext cx="571500" cy="518160"/>
           </a:xfrm>
           <a:prstGeom prst="rect">
             <a:avLst/>
@@ -5738,6 +6568,144 @@
           <a:xfrm>
             <a:off x="6139542" y="1475623"/>
             <a:ext cx="5689600" cy="4267200"/>
+          </a:xfrm>
+          <a:prstGeom prst="rect">
+            <a:avLst/>
+          </a:prstGeom>
+        </p:spPr>
+      </p:pic>
+      <p:sp>
+        <p:nvSpPr>
+          <p:cNvPr id="7" name="Segnaposto data 3">
+            <a:extLst>
+              <a:ext uri="{FF2B5EF4-FFF2-40B4-BE49-F238E27FC236}">
+                <a16:creationId xmlns:a16="http://schemas.microsoft.com/office/drawing/2014/main" id="{D6359A70-006A-6B4F-BC05-F8F7B673093D}"/>
+              </a:ext>
+            </a:extLst>
+          </p:cNvPr>
+          <p:cNvSpPr>
+            <a:spLocks noGrp="1"/>
+          </p:cNvSpPr>
+          <p:nvPr>
+            <p:ph type="dt" sz="half" idx="10"/>
+          </p:nvPr>
+        </p:nvSpPr>
+        <p:spPr>
+          <a:xfrm>
+            <a:off x="838200" y="6356350"/>
+            <a:ext cx="2743200" cy="365125"/>
+          </a:xfrm>
+        </p:spPr>
+        <p:txBody>
+          <a:bodyPr/>
+          <a:lstStyle/>
+          <a:p>
+            <a:fld id="{4EF59023-6175-3944-979D-CFE35E3A8267}" type="datetime1">
+              <a:rPr lang="it-IT" smtClean="0"/>
+              <a:t>27/10/21</a:t>
+            </a:fld>
+            <a:endParaRPr lang="en-US" dirty="0"/>
+          </a:p>
+        </p:txBody>
+      </p:sp>
+      <p:sp>
+        <p:nvSpPr>
+          <p:cNvPr id="8" name="Segnaposto piè di pagina 4">
+            <a:extLst>
+              <a:ext uri="{FF2B5EF4-FFF2-40B4-BE49-F238E27FC236}">
+                <a16:creationId xmlns:a16="http://schemas.microsoft.com/office/drawing/2014/main" id="{CD955663-191A-934F-97C2-20334E15E58A}"/>
+              </a:ext>
+            </a:extLst>
+          </p:cNvPr>
+          <p:cNvSpPr>
+            <a:spLocks noGrp="1"/>
+          </p:cNvSpPr>
+          <p:nvPr>
+            <p:ph type="ftr" sz="quarter" idx="11"/>
+          </p:nvPr>
+        </p:nvSpPr>
+        <p:spPr>
+          <a:xfrm>
+            <a:off x="4038600" y="6356350"/>
+            <a:ext cx="4114800" cy="365125"/>
+          </a:xfrm>
+        </p:spPr>
+        <p:txBody>
+          <a:bodyPr/>
+          <a:lstStyle/>
+          <a:p>
+            <a:r>
+              <a:rPr lang="en-US"/>
+              <a:t>Arianna Gasparri</a:t>
+            </a:r>
+            <a:endParaRPr lang="en-US" dirty="0"/>
+          </a:p>
+        </p:txBody>
+      </p:sp>
+      <p:sp>
+        <p:nvSpPr>
+          <p:cNvPr id="9" name="Segnaposto numero diapositiva 5">
+            <a:extLst>
+              <a:ext uri="{FF2B5EF4-FFF2-40B4-BE49-F238E27FC236}">
+                <a16:creationId xmlns:a16="http://schemas.microsoft.com/office/drawing/2014/main" id="{8CAD91CA-12AC-7D4C-B369-4CB8FF073B27}"/>
+              </a:ext>
+            </a:extLst>
+          </p:cNvPr>
+          <p:cNvSpPr>
+            <a:spLocks noGrp="1"/>
+          </p:cNvSpPr>
+          <p:nvPr>
+            <p:ph type="sldNum" sz="quarter" idx="12"/>
+          </p:nvPr>
+        </p:nvSpPr>
+        <p:spPr>
+          <a:xfrm>
+            <a:off x="8610600" y="6356350"/>
+            <a:ext cx="2743200" cy="365125"/>
+          </a:xfrm>
+        </p:spPr>
+        <p:txBody>
+          <a:bodyPr/>
+          <a:lstStyle/>
+          <a:p>
+            <a:fld id="{6D22F896-40B5-4ADD-8801-0D06FADFA095}" type="slidenum">
+              <a:rPr lang="en-US" smtClean="0"/>
+              <a:t>16</a:t>
+            </a:fld>
+            <a:endParaRPr lang="en-US" dirty="0"/>
+          </a:p>
+        </p:txBody>
+      </p:sp>
+      <p:pic>
+        <p:nvPicPr>
+          <p:cNvPr id="10" name="Immagine 9">
+            <a:extLst>
+              <a:ext uri="{FF2B5EF4-FFF2-40B4-BE49-F238E27FC236}">
+                <a16:creationId xmlns:a16="http://schemas.microsoft.com/office/drawing/2014/main" id="{E3E0FDBD-E860-0542-A2A8-DC2D514505E9}"/>
+              </a:ext>
+            </a:extLst>
+          </p:cNvPr>
+          <p:cNvPicPr>
+            <a:picLocks noChangeAspect="1"/>
+          </p:cNvPicPr>
+          <p:nvPr/>
+        </p:nvPicPr>
+        <p:blipFill>
+          <a:blip r:embed="rId4" cstate="print">
+            <a:extLst>
+              <a:ext uri="{28A0092B-C50C-407E-A947-70E740481C1C}">
+                <a14:useLocalDpi xmlns:a14="http://schemas.microsoft.com/office/drawing/2010/main" val="0"/>
+              </a:ext>
+            </a:extLst>
+          </a:blip>
+          <a:stretch>
+            <a:fillRect/>
+          </a:stretch>
+        </p:blipFill>
+        <p:spPr>
+          <a:xfrm>
+            <a:off x="241420" y="265431"/>
+            <a:ext cx="571500" cy="518160"/>
           </a:xfrm>
           <a:prstGeom prst="rect">
             <a:avLst/>
@@ -6190,6 +7158,144 @@
           </a:prstGeom>
         </p:spPr>
       </p:pic>
+      <p:sp>
+        <p:nvSpPr>
+          <p:cNvPr id="6" name="Segnaposto data 3">
+            <a:extLst>
+              <a:ext uri="{FF2B5EF4-FFF2-40B4-BE49-F238E27FC236}">
+                <a16:creationId xmlns:a16="http://schemas.microsoft.com/office/drawing/2014/main" id="{E31BE159-E7C8-C24F-9CBB-A7F601D7B4BC}"/>
+              </a:ext>
+            </a:extLst>
+          </p:cNvPr>
+          <p:cNvSpPr>
+            <a:spLocks noGrp="1"/>
+          </p:cNvSpPr>
+          <p:nvPr>
+            <p:ph type="dt" sz="half" idx="10"/>
+          </p:nvPr>
+        </p:nvSpPr>
+        <p:spPr>
+          <a:xfrm>
+            <a:off x="838200" y="6356350"/>
+            <a:ext cx="2743200" cy="365125"/>
+          </a:xfrm>
+        </p:spPr>
+        <p:txBody>
+          <a:bodyPr/>
+          <a:lstStyle/>
+          <a:p>
+            <a:fld id="{4EF59023-6175-3944-979D-CFE35E3A8267}" type="datetime1">
+              <a:rPr lang="it-IT" smtClean="0"/>
+              <a:t>27/10/21</a:t>
+            </a:fld>
+            <a:endParaRPr lang="en-US" dirty="0"/>
+          </a:p>
+        </p:txBody>
+      </p:sp>
+      <p:sp>
+        <p:nvSpPr>
+          <p:cNvPr id="7" name="Segnaposto piè di pagina 4">
+            <a:extLst>
+              <a:ext uri="{FF2B5EF4-FFF2-40B4-BE49-F238E27FC236}">
+                <a16:creationId xmlns:a16="http://schemas.microsoft.com/office/drawing/2014/main" id="{FB85E8B1-FEDB-9D4D-BEDC-B47C1654AEA9}"/>
+              </a:ext>
+            </a:extLst>
+          </p:cNvPr>
+          <p:cNvSpPr>
+            <a:spLocks noGrp="1"/>
+          </p:cNvSpPr>
+          <p:nvPr>
+            <p:ph type="ftr" sz="quarter" idx="11"/>
+          </p:nvPr>
+        </p:nvSpPr>
+        <p:spPr>
+          <a:xfrm>
+            <a:off x="4038600" y="6356350"/>
+            <a:ext cx="4114800" cy="365125"/>
+          </a:xfrm>
+        </p:spPr>
+        <p:txBody>
+          <a:bodyPr/>
+          <a:lstStyle/>
+          <a:p>
+            <a:r>
+              <a:rPr lang="en-US"/>
+              <a:t>Arianna Gasparri</a:t>
+            </a:r>
+            <a:endParaRPr lang="en-US" dirty="0"/>
+          </a:p>
+        </p:txBody>
+      </p:sp>
+      <p:sp>
+        <p:nvSpPr>
+          <p:cNvPr id="8" name="Segnaposto numero diapositiva 5">
+            <a:extLst>
+              <a:ext uri="{FF2B5EF4-FFF2-40B4-BE49-F238E27FC236}">
+                <a16:creationId xmlns:a16="http://schemas.microsoft.com/office/drawing/2014/main" id="{39627B88-FC50-354B-82EE-0494B9651314}"/>
+              </a:ext>
+            </a:extLst>
+          </p:cNvPr>
+          <p:cNvSpPr>
+            <a:spLocks noGrp="1"/>
+          </p:cNvSpPr>
+          <p:nvPr>
+            <p:ph type="sldNum" sz="quarter" idx="12"/>
+          </p:nvPr>
+        </p:nvSpPr>
+        <p:spPr>
+          <a:xfrm>
+            <a:off x="8610600" y="6356350"/>
+            <a:ext cx="2743200" cy="365125"/>
+          </a:xfrm>
+        </p:spPr>
+        <p:txBody>
+          <a:bodyPr/>
+          <a:lstStyle/>
+          <a:p>
+            <a:fld id="{6D22F896-40B5-4ADD-8801-0D06FADFA095}" type="slidenum">
+              <a:rPr lang="en-US" smtClean="0"/>
+              <a:t>17</a:t>
+            </a:fld>
+            <a:endParaRPr lang="en-US" dirty="0"/>
+          </a:p>
+        </p:txBody>
+      </p:sp>
+      <p:pic>
+        <p:nvPicPr>
+          <p:cNvPr id="9" name="Immagine 8">
+            <a:extLst>
+              <a:ext uri="{FF2B5EF4-FFF2-40B4-BE49-F238E27FC236}">
+                <a16:creationId xmlns:a16="http://schemas.microsoft.com/office/drawing/2014/main" id="{53B4ECF9-C7E1-9548-8C2B-0D320A06911B}"/>
+              </a:ext>
+            </a:extLst>
+          </p:cNvPr>
+          <p:cNvPicPr>
+            <a:picLocks noChangeAspect="1"/>
+          </p:cNvPicPr>
+          <p:nvPr/>
+        </p:nvPicPr>
+        <p:blipFill>
+          <a:blip r:embed="rId4" cstate="print">
+            <a:extLst>
+              <a:ext uri="{28A0092B-C50C-407E-A947-70E740481C1C}">
+                <a14:useLocalDpi xmlns:a14="http://schemas.microsoft.com/office/drawing/2010/main" val="0"/>
+              </a:ext>
+            </a:extLst>
+          </a:blip>
+          <a:stretch>
+            <a:fillRect/>
+          </a:stretch>
+        </p:blipFill>
+        <p:spPr>
+          <a:xfrm>
+            <a:off x="241420" y="265431"/>
+            <a:ext cx="571500" cy="518160"/>
+          </a:xfrm>
+          <a:prstGeom prst="rect">
+            <a:avLst/>
+          </a:prstGeom>
+        </p:spPr>
+      </p:pic>
     </p:spTree>
     <p:extLst>
       <p:ext uri="{BB962C8B-B14F-4D97-AF65-F5344CB8AC3E}">
@@ -6341,6 +7447,144 @@
           </a:p>
         </p:txBody>
       </p:sp>
+      <p:sp>
+        <p:nvSpPr>
+          <p:cNvPr id="5" name="Segnaposto data 3">
+            <a:extLst>
+              <a:ext uri="{FF2B5EF4-FFF2-40B4-BE49-F238E27FC236}">
+                <a16:creationId xmlns:a16="http://schemas.microsoft.com/office/drawing/2014/main" id="{E482AEE9-99FE-5941-933D-546A9D875D94}"/>
+              </a:ext>
+            </a:extLst>
+          </p:cNvPr>
+          <p:cNvSpPr>
+            <a:spLocks noGrp="1"/>
+          </p:cNvSpPr>
+          <p:nvPr>
+            <p:ph type="dt" sz="half" idx="10"/>
+          </p:nvPr>
+        </p:nvSpPr>
+        <p:spPr>
+          <a:xfrm>
+            <a:off x="838200" y="6356350"/>
+            <a:ext cx="2743200" cy="365125"/>
+          </a:xfrm>
+        </p:spPr>
+        <p:txBody>
+          <a:bodyPr/>
+          <a:lstStyle/>
+          <a:p>
+            <a:fld id="{4EF59023-6175-3944-979D-CFE35E3A8267}" type="datetime1">
+              <a:rPr lang="it-IT" smtClean="0"/>
+              <a:t>27/10/21</a:t>
+            </a:fld>
+            <a:endParaRPr lang="en-US" dirty="0"/>
+          </a:p>
+        </p:txBody>
+      </p:sp>
+      <p:sp>
+        <p:nvSpPr>
+          <p:cNvPr id="6" name="Segnaposto piè di pagina 4">
+            <a:extLst>
+              <a:ext uri="{FF2B5EF4-FFF2-40B4-BE49-F238E27FC236}">
+                <a16:creationId xmlns:a16="http://schemas.microsoft.com/office/drawing/2014/main" id="{764284B5-3467-AE48-80D4-203ED67BF382}"/>
+              </a:ext>
+            </a:extLst>
+          </p:cNvPr>
+          <p:cNvSpPr>
+            <a:spLocks noGrp="1"/>
+          </p:cNvSpPr>
+          <p:nvPr>
+            <p:ph type="ftr" sz="quarter" idx="11"/>
+          </p:nvPr>
+        </p:nvSpPr>
+        <p:spPr>
+          <a:xfrm>
+            <a:off x="4038600" y="6356350"/>
+            <a:ext cx="4114800" cy="365125"/>
+          </a:xfrm>
+        </p:spPr>
+        <p:txBody>
+          <a:bodyPr/>
+          <a:lstStyle/>
+          <a:p>
+            <a:r>
+              <a:rPr lang="en-US"/>
+              <a:t>Arianna Gasparri</a:t>
+            </a:r>
+            <a:endParaRPr lang="en-US" dirty="0"/>
+          </a:p>
+        </p:txBody>
+      </p:sp>
+      <p:sp>
+        <p:nvSpPr>
+          <p:cNvPr id="7" name="Segnaposto numero diapositiva 5">
+            <a:extLst>
+              <a:ext uri="{FF2B5EF4-FFF2-40B4-BE49-F238E27FC236}">
+                <a16:creationId xmlns:a16="http://schemas.microsoft.com/office/drawing/2014/main" id="{19E6B972-3060-C34D-B468-73BD169952F1}"/>
+              </a:ext>
+            </a:extLst>
+          </p:cNvPr>
+          <p:cNvSpPr>
+            <a:spLocks noGrp="1"/>
+          </p:cNvSpPr>
+          <p:nvPr>
+            <p:ph type="sldNum" sz="quarter" idx="12"/>
+          </p:nvPr>
+        </p:nvSpPr>
+        <p:spPr>
+          <a:xfrm>
+            <a:off x="8610600" y="6356350"/>
+            <a:ext cx="2743200" cy="365125"/>
+          </a:xfrm>
+        </p:spPr>
+        <p:txBody>
+          <a:bodyPr/>
+          <a:lstStyle/>
+          <a:p>
+            <a:fld id="{6D22F896-40B5-4ADD-8801-0D06FADFA095}" type="slidenum">
+              <a:rPr lang="en-US" smtClean="0"/>
+              <a:t>18</a:t>
+            </a:fld>
+            <a:endParaRPr lang="en-US" dirty="0"/>
+          </a:p>
+        </p:txBody>
+      </p:sp>
+      <p:pic>
+        <p:nvPicPr>
+          <p:cNvPr id="8" name="Immagine 7">
+            <a:extLst>
+              <a:ext uri="{FF2B5EF4-FFF2-40B4-BE49-F238E27FC236}">
+                <a16:creationId xmlns:a16="http://schemas.microsoft.com/office/drawing/2014/main" id="{6C031ED0-BD61-034F-8985-0C2000CE0D92}"/>
+              </a:ext>
+            </a:extLst>
+          </p:cNvPr>
+          <p:cNvPicPr>
+            <a:picLocks noChangeAspect="1"/>
+          </p:cNvPicPr>
+          <p:nvPr/>
+        </p:nvPicPr>
+        <p:blipFill>
+          <a:blip r:embed="rId3" cstate="print">
+            <a:extLst>
+              <a:ext uri="{28A0092B-C50C-407E-A947-70E740481C1C}">
+                <a14:useLocalDpi xmlns:a14="http://schemas.microsoft.com/office/drawing/2010/main" val="0"/>
+              </a:ext>
+            </a:extLst>
+          </a:blip>
+          <a:stretch>
+            <a:fillRect/>
+          </a:stretch>
+        </p:blipFill>
+        <p:spPr>
+          <a:xfrm>
+            <a:off x="241420" y="265431"/>
+            <a:ext cx="571500" cy="518160"/>
+          </a:xfrm>
+          <a:prstGeom prst="rect">
+            <a:avLst/>
+          </a:prstGeom>
+        </p:spPr>
+      </p:pic>
     </p:spTree>
     <p:extLst>
       <p:ext uri="{BB962C8B-B14F-4D97-AF65-F5344CB8AC3E}">
@@ -6661,6 +7905,144 @@
           </a:prstGeom>
         </p:spPr>
       </p:pic>
+      <p:sp>
+        <p:nvSpPr>
+          <p:cNvPr id="10" name="Segnaposto data 3">
+            <a:extLst>
+              <a:ext uri="{FF2B5EF4-FFF2-40B4-BE49-F238E27FC236}">
+                <a16:creationId xmlns:a16="http://schemas.microsoft.com/office/drawing/2014/main" id="{AE9DE227-D43C-9C44-B244-06A48DAF973E}"/>
+              </a:ext>
+            </a:extLst>
+          </p:cNvPr>
+          <p:cNvSpPr>
+            <a:spLocks noGrp="1"/>
+          </p:cNvSpPr>
+          <p:nvPr>
+            <p:ph type="dt" sz="half" idx="10"/>
+          </p:nvPr>
+        </p:nvSpPr>
+        <p:spPr>
+          <a:xfrm>
+            <a:off x="838200" y="6356350"/>
+            <a:ext cx="2743200" cy="365125"/>
+          </a:xfrm>
+        </p:spPr>
+        <p:txBody>
+          <a:bodyPr/>
+          <a:lstStyle/>
+          <a:p>
+            <a:fld id="{4EF59023-6175-3944-979D-CFE35E3A8267}" type="datetime1">
+              <a:rPr lang="it-IT" smtClean="0"/>
+              <a:t>27/10/21</a:t>
+            </a:fld>
+            <a:endParaRPr lang="en-US" dirty="0"/>
+          </a:p>
+        </p:txBody>
+      </p:sp>
+      <p:sp>
+        <p:nvSpPr>
+          <p:cNvPr id="12" name="Segnaposto piè di pagina 4">
+            <a:extLst>
+              <a:ext uri="{FF2B5EF4-FFF2-40B4-BE49-F238E27FC236}">
+                <a16:creationId xmlns:a16="http://schemas.microsoft.com/office/drawing/2014/main" id="{C8041FC7-4B67-C24D-A0EB-D22E155B7B73}"/>
+              </a:ext>
+            </a:extLst>
+          </p:cNvPr>
+          <p:cNvSpPr>
+            <a:spLocks noGrp="1"/>
+          </p:cNvSpPr>
+          <p:nvPr>
+            <p:ph type="ftr" sz="quarter" idx="11"/>
+          </p:nvPr>
+        </p:nvSpPr>
+        <p:spPr>
+          <a:xfrm>
+            <a:off x="4038600" y="6356350"/>
+            <a:ext cx="4114800" cy="365125"/>
+          </a:xfrm>
+        </p:spPr>
+        <p:txBody>
+          <a:bodyPr/>
+          <a:lstStyle/>
+          <a:p>
+            <a:r>
+              <a:rPr lang="en-US"/>
+              <a:t>Arianna Gasparri</a:t>
+            </a:r>
+            <a:endParaRPr lang="en-US" dirty="0"/>
+          </a:p>
+        </p:txBody>
+      </p:sp>
+      <p:sp>
+        <p:nvSpPr>
+          <p:cNvPr id="14" name="Segnaposto numero diapositiva 5">
+            <a:extLst>
+              <a:ext uri="{FF2B5EF4-FFF2-40B4-BE49-F238E27FC236}">
+                <a16:creationId xmlns:a16="http://schemas.microsoft.com/office/drawing/2014/main" id="{8F0BA2E5-108C-2E43-8954-A62D7E19AE52}"/>
+              </a:ext>
+            </a:extLst>
+          </p:cNvPr>
+          <p:cNvSpPr>
+            <a:spLocks noGrp="1"/>
+          </p:cNvSpPr>
+          <p:nvPr>
+            <p:ph type="sldNum" sz="quarter" idx="12"/>
+          </p:nvPr>
+        </p:nvSpPr>
+        <p:spPr>
+          <a:xfrm>
+            <a:off x="8610600" y="6356350"/>
+            <a:ext cx="2743200" cy="365125"/>
+          </a:xfrm>
+        </p:spPr>
+        <p:txBody>
+          <a:bodyPr/>
+          <a:lstStyle/>
+          <a:p>
+            <a:fld id="{6D22F896-40B5-4ADD-8801-0D06FADFA095}" type="slidenum">
+              <a:rPr lang="en-US" smtClean="0"/>
+              <a:t>19</a:t>
+            </a:fld>
+            <a:endParaRPr lang="en-US" dirty="0"/>
+          </a:p>
+        </p:txBody>
+      </p:sp>
+      <p:pic>
+        <p:nvPicPr>
+          <p:cNvPr id="15" name="Immagine 14">
+            <a:extLst>
+              <a:ext uri="{FF2B5EF4-FFF2-40B4-BE49-F238E27FC236}">
+                <a16:creationId xmlns:a16="http://schemas.microsoft.com/office/drawing/2014/main" id="{0C65000D-18E6-5B46-A632-C7057EBDDC71}"/>
+              </a:ext>
+            </a:extLst>
+          </p:cNvPr>
+          <p:cNvPicPr>
+            <a:picLocks noChangeAspect="1"/>
+          </p:cNvPicPr>
+          <p:nvPr/>
+        </p:nvPicPr>
+        <p:blipFill>
+          <a:blip r:embed="rId5" cstate="print">
+            <a:extLst>
+              <a:ext uri="{28A0092B-C50C-407E-A947-70E740481C1C}">
+                <a14:useLocalDpi xmlns:a14="http://schemas.microsoft.com/office/drawing/2010/main" val="0"/>
+              </a:ext>
+            </a:extLst>
+          </a:blip>
+          <a:stretch>
+            <a:fillRect/>
+          </a:stretch>
+        </p:blipFill>
+        <p:spPr>
+          <a:xfrm>
+            <a:off x="241420" y="265431"/>
+            <a:ext cx="571500" cy="518160"/>
+          </a:xfrm>
+          <a:prstGeom prst="rect">
+            <a:avLst/>
+          </a:prstGeom>
+        </p:spPr>
+      </p:pic>
     </p:spTree>
     <p:extLst>
       <p:ext uri="{BB962C8B-B14F-4D97-AF65-F5344CB8AC3E}">
@@ -6917,14 +8299,19 @@
             <p:ph type="dt" sz="half" idx="10"/>
           </p:nvPr>
         </p:nvSpPr>
-        <p:spPr/>
+        <p:spPr>
+          <a:xfrm>
+            <a:off x="838200" y="6356350"/>
+            <a:ext cx="2743200" cy="365125"/>
+          </a:xfrm>
+        </p:spPr>
         <p:txBody>
           <a:bodyPr/>
           <a:lstStyle/>
           <a:p>
             <a:fld id="{4EF59023-6175-3944-979D-CFE35E3A8267}" type="datetime1">
               <a:rPr lang="it-IT" smtClean="0"/>
-              <a:t>11/10/21</a:t>
+              <a:t>27/10/21</a:t>
             </a:fld>
             <a:endParaRPr lang="en-US" dirty="0"/>
           </a:p>
@@ -6988,6 +8375,42 @@
           </a:p>
         </p:txBody>
       </p:sp>
+      <p:pic>
+        <p:nvPicPr>
+          <p:cNvPr id="7" name="Immagine 6">
+            <a:extLst>
+              <a:ext uri="{FF2B5EF4-FFF2-40B4-BE49-F238E27FC236}">
+                <a16:creationId xmlns:a16="http://schemas.microsoft.com/office/drawing/2014/main" id="{E86DC6E7-73E5-B045-B761-B306134FAD25}"/>
+              </a:ext>
+            </a:extLst>
+          </p:cNvPr>
+          <p:cNvPicPr>
+            <a:picLocks noChangeAspect="1"/>
+          </p:cNvPicPr>
+          <p:nvPr/>
+        </p:nvPicPr>
+        <p:blipFill>
+          <a:blip r:embed="rId2" cstate="print">
+            <a:extLst>
+              <a:ext uri="{28A0092B-C50C-407E-A947-70E740481C1C}">
+                <a14:useLocalDpi xmlns:a14="http://schemas.microsoft.com/office/drawing/2010/main" val="0"/>
+              </a:ext>
+            </a:extLst>
+          </a:blip>
+          <a:stretch>
+            <a:fillRect/>
+          </a:stretch>
+        </p:blipFill>
+        <p:spPr>
+          <a:xfrm>
+            <a:off x="241420" y="265431"/>
+            <a:ext cx="571500" cy="518160"/>
+          </a:xfrm>
+          <a:prstGeom prst="rect">
+            <a:avLst/>
+          </a:prstGeom>
+        </p:spPr>
+      </p:pic>
     </p:spTree>
     <p:extLst>
       <p:ext uri="{BB962C8B-B14F-4D97-AF65-F5344CB8AC3E}">
@@ -7207,6 +8630,144 @@
           <a:xfrm>
             <a:off x="1362075" y="4041718"/>
             <a:ext cx="9467850" cy="2266950"/>
+          </a:xfrm>
+          <a:prstGeom prst="rect">
+            <a:avLst/>
+          </a:prstGeom>
+        </p:spPr>
+      </p:pic>
+      <p:sp>
+        <p:nvSpPr>
+          <p:cNvPr id="10" name="Segnaposto data 3">
+            <a:extLst>
+              <a:ext uri="{FF2B5EF4-FFF2-40B4-BE49-F238E27FC236}">
+                <a16:creationId xmlns:a16="http://schemas.microsoft.com/office/drawing/2014/main" id="{3531B279-D577-5248-90AF-F64E19A5EBC5}"/>
+              </a:ext>
+            </a:extLst>
+          </p:cNvPr>
+          <p:cNvSpPr>
+            <a:spLocks noGrp="1"/>
+          </p:cNvSpPr>
+          <p:nvPr>
+            <p:ph type="dt" sz="half" idx="10"/>
+          </p:nvPr>
+        </p:nvSpPr>
+        <p:spPr>
+          <a:xfrm>
+            <a:off x="838200" y="6356350"/>
+            <a:ext cx="2743200" cy="365125"/>
+          </a:xfrm>
+        </p:spPr>
+        <p:txBody>
+          <a:bodyPr/>
+          <a:lstStyle/>
+          <a:p>
+            <a:fld id="{4EF59023-6175-3944-979D-CFE35E3A8267}" type="datetime1">
+              <a:rPr lang="it-IT" smtClean="0"/>
+              <a:t>27/10/21</a:t>
+            </a:fld>
+            <a:endParaRPr lang="en-US" dirty="0"/>
+          </a:p>
+        </p:txBody>
+      </p:sp>
+      <p:sp>
+        <p:nvSpPr>
+          <p:cNvPr id="11" name="Segnaposto piè di pagina 4">
+            <a:extLst>
+              <a:ext uri="{FF2B5EF4-FFF2-40B4-BE49-F238E27FC236}">
+                <a16:creationId xmlns:a16="http://schemas.microsoft.com/office/drawing/2014/main" id="{100EDC2C-9436-5043-BE62-64D2D4DC14C5}"/>
+              </a:ext>
+            </a:extLst>
+          </p:cNvPr>
+          <p:cNvSpPr>
+            <a:spLocks noGrp="1"/>
+          </p:cNvSpPr>
+          <p:nvPr>
+            <p:ph type="ftr" sz="quarter" idx="11"/>
+          </p:nvPr>
+        </p:nvSpPr>
+        <p:spPr>
+          <a:xfrm>
+            <a:off x="4038600" y="6356350"/>
+            <a:ext cx="4114800" cy="365125"/>
+          </a:xfrm>
+        </p:spPr>
+        <p:txBody>
+          <a:bodyPr/>
+          <a:lstStyle/>
+          <a:p>
+            <a:r>
+              <a:rPr lang="en-US"/>
+              <a:t>Arianna Gasparri</a:t>
+            </a:r>
+            <a:endParaRPr lang="en-US" dirty="0"/>
+          </a:p>
+        </p:txBody>
+      </p:sp>
+      <p:sp>
+        <p:nvSpPr>
+          <p:cNvPr id="12" name="Segnaposto numero diapositiva 5">
+            <a:extLst>
+              <a:ext uri="{FF2B5EF4-FFF2-40B4-BE49-F238E27FC236}">
+                <a16:creationId xmlns:a16="http://schemas.microsoft.com/office/drawing/2014/main" id="{6ED4B9F5-DFA8-DC4A-B941-8259C37F3D57}"/>
+              </a:ext>
+            </a:extLst>
+          </p:cNvPr>
+          <p:cNvSpPr>
+            <a:spLocks noGrp="1"/>
+          </p:cNvSpPr>
+          <p:nvPr>
+            <p:ph type="sldNum" sz="quarter" idx="12"/>
+          </p:nvPr>
+        </p:nvSpPr>
+        <p:spPr>
+          <a:xfrm>
+            <a:off x="8610600" y="6356350"/>
+            <a:ext cx="2743200" cy="365125"/>
+          </a:xfrm>
+        </p:spPr>
+        <p:txBody>
+          <a:bodyPr/>
+          <a:lstStyle/>
+          <a:p>
+            <a:fld id="{6D22F896-40B5-4ADD-8801-0D06FADFA095}" type="slidenum">
+              <a:rPr lang="en-US" smtClean="0"/>
+              <a:t>20</a:t>
+            </a:fld>
+            <a:endParaRPr lang="en-US" dirty="0"/>
+          </a:p>
+        </p:txBody>
+      </p:sp>
+      <p:pic>
+        <p:nvPicPr>
+          <p:cNvPr id="13" name="Immagine 12">
+            <a:extLst>
+              <a:ext uri="{FF2B5EF4-FFF2-40B4-BE49-F238E27FC236}">
+                <a16:creationId xmlns:a16="http://schemas.microsoft.com/office/drawing/2014/main" id="{D4502927-51E7-A144-A796-FAD147598A31}"/>
+              </a:ext>
+            </a:extLst>
+          </p:cNvPr>
+          <p:cNvPicPr>
+            <a:picLocks noChangeAspect="1"/>
+          </p:cNvPicPr>
+          <p:nvPr/>
+        </p:nvPicPr>
+        <p:blipFill>
+          <a:blip r:embed="rId5" cstate="print">
+            <a:extLst>
+              <a:ext uri="{28A0092B-C50C-407E-A947-70E740481C1C}">
+                <a14:useLocalDpi xmlns:a14="http://schemas.microsoft.com/office/drawing/2010/main" val="0"/>
+              </a:ext>
+            </a:extLst>
+          </a:blip>
+          <a:stretch>
+            <a:fillRect/>
+          </a:stretch>
+        </p:blipFill>
+        <p:spPr>
+          <a:xfrm>
+            <a:off x="241420" y="265431"/>
+            <a:ext cx="571500" cy="518160"/>
           </a:xfrm>
           <a:prstGeom prst="rect">
             <a:avLst/>
@@ -7498,6 +9059,144 @@
           </a:prstGeom>
         </p:spPr>
       </p:pic>
+      <p:sp>
+        <p:nvSpPr>
+          <p:cNvPr id="10" name="Segnaposto data 3">
+            <a:extLst>
+              <a:ext uri="{FF2B5EF4-FFF2-40B4-BE49-F238E27FC236}">
+                <a16:creationId xmlns:a16="http://schemas.microsoft.com/office/drawing/2014/main" id="{05C89D9B-6C9B-4E48-9D4F-6AFF98E923D7}"/>
+              </a:ext>
+            </a:extLst>
+          </p:cNvPr>
+          <p:cNvSpPr>
+            <a:spLocks noGrp="1"/>
+          </p:cNvSpPr>
+          <p:nvPr>
+            <p:ph type="dt" sz="half" idx="10"/>
+          </p:nvPr>
+        </p:nvSpPr>
+        <p:spPr>
+          <a:xfrm>
+            <a:off x="838200" y="6356350"/>
+            <a:ext cx="2743200" cy="365125"/>
+          </a:xfrm>
+        </p:spPr>
+        <p:txBody>
+          <a:bodyPr/>
+          <a:lstStyle/>
+          <a:p>
+            <a:fld id="{4EF59023-6175-3944-979D-CFE35E3A8267}" type="datetime1">
+              <a:rPr lang="it-IT" smtClean="0"/>
+              <a:t>27/10/21</a:t>
+            </a:fld>
+            <a:endParaRPr lang="en-US" dirty="0"/>
+          </a:p>
+        </p:txBody>
+      </p:sp>
+      <p:sp>
+        <p:nvSpPr>
+          <p:cNvPr id="12" name="Segnaposto piè di pagina 4">
+            <a:extLst>
+              <a:ext uri="{FF2B5EF4-FFF2-40B4-BE49-F238E27FC236}">
+                <a16:creationId xmlns:a16="http://schemas.microsoft.com/office/drawing/2014/main" id="{B10A4DC1-2B85-F745-82E6-0410F049FAD0}"/>
+              </a:ext>
+            </a:extLst>
+          </p:cNvPr>
+          <p:cNvSpPr>
+            <a:spLocks noGrp="1"/>
+          </p:cNvSpPr>
+          <p:nvPr>
+            <p:ph type="ftr" sz="quarter" idx="11"/>
+          </p:nvPr>
+        </p:nvSpPr>
+        <p:spPr>
+          <a:xfrm>
+            <a:off x="4038600" y="6356350"/>
+            <a:ext cx="4114800" cy="365125"/>
+          </a:xfrm>
+        </p:spPr>
+        <p:txBody>
+          <a:bodyPr/>
+          <a:lstStyle/>
+          <a:p>
+            <a:r>
+              <a:rPr lang="en-US"/>
+              <a:t>Arianna Gasparri</a:t>
+            </a:r>
+            <a:endParaRPr lang="en-US" dirty="0"/>
+          </a:p>
+        </p:txBody>
+      </p:sp>
+      <p:sp>
+        <p:nvSpPr>
+          <p:cNvPr id="14" name="Segnaposto numero diapositiva 5">
+            <a:extLst>
+              <a:ext uri="{FF2B5EF4-FFF2-40B4-BE49-F238E27FC236}">
+                <a16:creationId xmlns:a16="http://schemas.microsoft.com/office/drawing/2014/main" id="{64915A39-08C4-D34D-A369-F65F3351495A}"/>
+              </a:ext>
+            </a:extLst>
+          </p:cNvPr>
+          <p:cNvSpPr>
+            <a:spLocks noGrp="1"/>
+          </p:cNvSpPr>
+          <p:nvPr>
+            <p:ph type="sldNum" sz="quarter" idx="12"/>
+          </p:nvPr>
+        </p:nvSpPr>
+        <p:spPr>
+          <a:xfrm>
+            <a:off x="8610600" y="6356350"/>
+            <a:ext cx="2743200" cy="365125"/>
+          </a:xfrm>
+        </p:spPr>
+        <p:txBody>
+          <a:bodyPr/>
+          <a:lstStyle/>
+          <a:p>
+            <a:fld id="{6D22F896-40B5-4ADD-8801-0D06FADFA095}" type="slidenum">
+              <a:rPr lang="en-US" smtClean="0"/>
+              <a:t>21</a:t>
+            </a:fld>
+            <a:endParaRPr lang="en-US" dirty="0"/>
+          </a:p>
+        </p:txBody>
+      </p:sp>
+      <p:pic>
+        <p:nvPicPr>
+          <p:cNvPr id="15" name="Immagine 14">
+            <a:extLst>
+              <a:ext uri="{FF2B5EF4-FFF2-40B4-BE49-F238E27FC236}">
+                <a16:creationId xmlns:a16="http://schemas.microsoft.com/office/drawing/2014/main" id="{2F70A25C-5291-AE45-918C-B8931863406E}"/>
+              </a:ext>
+            </a:extLst>
+          </p:cNvPr>
+          <p:cNvPicPr>
+            <a:picLocks noChangeAspect="1"/>
+          </p:cNvPicPr>
+          <p:nvPr/>
+        </p:nvPicPr>
+        <p:blipFill>
+          <a:blip r:embed="rId7" cstate="print">
+            <a:extLst>
+              <a:ext uri="{28A0092B-C50C-407E-A947-70E740481C1C}">
+                <a14:useLocalDpi xmlns:a14="http://schemas.microsoft.com/office/drawing/2010/main" val="0"/>
+              </a:ext>
+            </a:extLst>
+          </a:blip>
+          <a:stretch>
+            <a:fillRect/>
+          </a:stretch>
+        </p:blipFill>
+        <p:spPr>
+          <a:xfrm>
+            <a:off x="241420" y="265431"/>
+            <a:ext cx="571500" cy="518160"/>
+          </a:xfrm>
+          <a:prstGeom prst="rect">
+            <a:avLst/>
+          </a:prstGeom>
+        </p:spPr>
+      </p:pic>
     </p:spTree>
     <p:extLst>
       <p:ext uri="{BB962C8B-B14F-4D97-AF65-F5344CB8AC3E}">
@@ -7622,8 +9321,8 @@
           </a:p>
         </p:txBody>
       </p:sp>
-      <mc:AlternateContent xmlns:mc="http://schemas.openxmlformats.org/markup-compatibility/2006">
-        <mc:Choice xmlns:a14="http://schemas.microsoft.com/office/drawing/2010/main" Requires="a14">
+      <mc:AlternateContent xmlns:mc="http://schemas.openxmlformats.org/markup-compatibility/2006" xmlns:a14="http://schemas.microsoft.com/office/drawing/2010/main">
+        <mc:Choice Requires="a14">
           <p:sp>
             <p:nvSpPr>
               <p:cNvPr id="9" name="CasellaDiTesto 8">
@@ -7738,6 +9437,7 @@
                 </a:r>
               </a:p>
               <a:p>
+                <a:pPr/>
                 <a14:m>
                   <m:oMathPara xmlns:m="http://schemas.openxmlformats.org/officeDocument/2006/math">
                     <m:oMathParaPr>
@@ -7799,6 +9499,7 @@
                 </a:endParaRPr>
               </a:p>
               <a:p>
+                <a:pPr/>
                 <a14:m>
                   <m:oMathPara xmlns:m="http://schemas.openxmlformats.org/officeDocument/2006/math">
                     <m:oMathParaPr>
@@ -7869,7 +9570,7 @@
             </p:txBody>
           </p:sp>
         </mc:Choice>
-        <mc:Fallback>
+        <mc:Fallback xmlns="">
           <p:sp>
             <p:nvSpPr>
               <p:cNvPr id="9" name="CasellaDiTesto 8">
@@ -7914,8 +9615,8 @@
           </p:sp>
         </mc:Fallback>
       </mc:AlternateContent>
-      <mc:AlternateContent xmlns:mc="http://schemas.openxmlformats.org/markup-compatibility/2006">
-        <mc:Choice xmlns:a14="http://schemas.microsoft.com/office/drawing/2010/main" Requires="a14">
+      <mc:AlternateContent xmlns:mc="http://schemas.openxmlformats.org/markup-compatibility/2006" xmlns:a14="http://schemas.microsoft.com/office/drawing/2010/main">
+        <mc:Choice Requires="a14">
           <p:sp>
             <p:nvSpPr>
               <p:cNvPr id="2" name="CasellaDiTesto 1">
@@ -7956,14 +9657,7 @@
                         <a:latin typeface="Cambria Math" panose="02040503050406030204" pitchFamily="18" charset="0"/>
                         <a:ea typeface="Cambria Math" panose="02040503050406030204" pitchFamily="18" charset="0"/>
                       </a:rPr>
-                      <m:t>∆ =</m:t>
-                    </m:r>
-                    <m:r>
-                      <a:rPr lang="it-IT" i="1">
-                        <a:latin typeface="Cambria Math" panose="02040503050406030204" pitchFamily="18" charset="0"/>
-                        <a:ea typeface="Cambria Math" panose="02040503050406030204" pitchFamily="18" charset="0"/>
-                      </a:rPr>
-                      <m:t>[ </m:t>
+                      <m:t>∆ =[ </m:t>
                     </m:r>
                     <m:r>
                       <a:rPr lang="it-IT" i="1">
@@ -8528,7 +10222,7 @@
             </p:txBody>
           </p:sp>
         </mc:Choice>
-        <mc:Fallback>
+        <mc:Fallback xmlns="">
           <p:sp>
             <p:nvSpPr>
               <p:cNvPr id="2" name="CasellaDiTesto 1">
@@ -8573,6 +10267,144 @@
           </p:sp>
         </mc:Fallback>
       </mc:AlternateContent>
+      <p:sp>
+        <p:nvSpPr>
+          <p:cNvPr id="6" name="Segnaposto data 3">
+            <a:extLst>
+              <a:ext uri="{FF2B5EF4-FFF2-40B4-BE49-F238E27FC236}">
+                <a16:creationId xmlns:a16="http://schemas.microsoft.com/office/drawing/2014/main" id="{219A264E-098F-4149-BE8F-EDA2A5581D98}"/>
+              </a:ext>
+            </a:extLst>
+          </p:cNvPr>
+          <p:cNvSpPr>
+            <a:spLocks noGrp="1"/>
+          </p:cNvSpPr>
+          <p:nvPr>
+            <p:ph type="dt" sz="half" idx="10"/>
+          </p:nvPr>
+        </p:nvSpPr>
+        <p:spPr>
+          <a:xfrm>
+            <a:off x="838200" y="6356350"/>
+            <a:ext cx="2743200" cy="365125"/>
+          </a:xfrm>
+        </p:spPr>
+        <p:txBody>
+          <a:bodyPr/>
+          <a:lstStyle/>
+          <a:p>
+            <a:fld id="{4EF59023-6175-3944-979D-CFE35E3A8267}" type="datetime1">
+              <a:rPr lang="it-IT" smtClean="0"/>
+              <a:t>27/10/21</a:t>
+            </a:fld>
+            <a:endParaRPr lang="en-US" dirty="0"/>
+          </a:p>
+        </p:txBody>
+      </p:sp>
+      <p:sp>
+        <p:nvSpPr>
+          <p:cNvPr id="7" name="Segnaposto piè di pagina 4">
+            <a:extLst>
+              <a:ext uri="{FF2B5EF4-FFF2-40B4-BE49-F238E27FC236}">
+                <a16:creationId xmlns:a16="http://schemas.microsoft.com/office/drawing/2014/main" id="{03F9EED6-163E-E04B-B109-81B39E06D11B}"/>
+              </a:ext>
+            </a:extLst>
+          </p:cNvPr>
+          <p:cNvSpPr>
+            <a:spLocks noGrp="1"/>
+          </p:cNvSpPr>
+          <p:nvPr>
+            <p:ph type="ftr" sz="quarter" idx="11"/>
+          </p:nvPr>
+        </p:nvSpPr>
+        <p:spPr>
+          <a:xfrm>
+            <a:off x="4038600" y="6356350"/>
+            <a:ext cx="4114800" cy="365125"/>
+          </a:xfrm>
+        </p:spPr>
+        <p:txBody>
+          <a:bodyPr/>
+          <a:lstStyle/>
+          <a:p>
+            <a:r>
+              <a:rPr lang="en-US"/>
+              <a:t>Arianna Gasparri</a:t>
+            </a:r>
+            <a:endParaRPr lang="en-US" dirty="0"/>
+          </a:p>
+        </p:txBody>
+      </p:sp>
+      <p:sp>
+        <p:nvSpPr>
+          <p:cNvPr id="10" name="Segnaposto numero diapositiva 5">
+            <a:extLst>
+              <a:ext uri="{FF2B5EF4-FFF2-40B4-BE49-F238E27FC236}">
+                <a16:creationId xmlns:a16="http://schemas.microsoft.com/office/drawing/2014/main" id="{EB062610-E99D-C943-8B19-438C0ED214A7}"/>
+              </a:ext>
+            </a:extLst>
+          </p:cNvPr>
+          <p:cNvSpPr>
+            <a:spLocks noGrp="1"/>
+          </p:cNvSpPr>
+          <p:nvPr>
+            <p:ph type="sldNum" sz="quarter" idx="12"/>
+          </p:nvPr>
+        </p:nvSpPr>
+        <p:spPr>
+          <a:xfrm>
+            <a:off x="8610600" y="6356350"/>
+            <a:ext cx="2743200" cy="365125"/>
+          </a:xfrm>
+        </p:spPr>
+        <p:txBody>
+          <a:bodyPr/>
+          <a:lstStyle/>
+          <a:p>
+            <a:fld id="{6D22F896-40B5-4ADD-8801-0D06FADFA095}" type="slidenum">
+              <a:rPr lang="en-US" smtClean="0"/>
+              <a:t>22</a:t>
+            </a:fld>
+            <a:endParaRPr lang="en-US" dirty="0"/>
+          </a:p>
+        </p:txBody>
+      </p:sp>
+      <p:pic>
+        <p:nvPicPr>
+          <p:cNvPr id="11" name="Immagine 10">
+            <a:extLst>
+              <a:ext uri="{FF2B5EF4-FFF2-40B4-BE49-F238E27FC236}">
+                <a16:creationId xmlns:a16="http://schemas.microsoft.com/office/drawing/2014/main" id="{F7339FC9-972B-244B-A659-BF7218C34C8E}"/>
+              </a:ext>
+            </a:extLst>
+          </p:cNvPr>
+          <p:cNvPicPr>
+            <a:picLocks noChangeAspect="1"/>
+          </p:cNvPicPr>
+          <p:nvPr/>
+        </p:nvPicPr>
+        <p:blipFill>
+          <a:blip r:embed="rId5" cstate="print">
+            <a:extLst>
+              <a:ext uri="{28A0092B-C50C-407E-A947-70E740481C1C}">
+                <a14:useLocalDpi xmlns:a14="http://schemas.microsoft.com/office/drawing/2010/main" val="0"/>
+              </a:ext>
+            </a:extLst>
+          </a:blip>
+          <a:stretch>
+            <a:fillRect/>
+          </a:stretch>
+        </p:blipFill>
+        <p:spPr>
+          <a:xfrm>
+            <a:off x="241420" y="265431"/>
+            <a:ext cx="571500" cy="518160"/>
+          </a:xfrm>
+          <a:prstGeom prst="rect">
+            <a:avLst/>
+          </a:prstGeom>
+        </p:spPr>
+      </p:pic>
     </p:spTree>
     <p:extLst>
       <p:ext uri="{BB962C8B-B14F-4D97-AF65-F5344CB8AC3E}">
@@ -8667,8 +10499,8 @@
           </a:p>
         </p:txBody>
       </p:sp>
-      <mc:AlternateContent xmlns:mc="http://schemas.openxmlformats.org/markup-compatibility/2006">
-        <mc:Choice xmlns:a14="http://schemas.microsoft.com/office/drawing/2010/main" Requires="a14">
+      <mc:AlternateContent xmlns:mc="http://schemas.openxmlformats.org/markup-compatibility/2006" xmlns:a14="http://schemas.microsoft.com/office/drawing/2010/main">
+        <mc:Choice Requires="a14">
           <p:sp>
             <p:nvSpPr>
               <p:cNvPr id="9" name="CasellaDiTesto 8">
@@ -8935,19 +10767,7 @@
                             <a:rPr lang="it-IT" sz="2000" b="0" i="1" smtClean="0">
                               <a:latin typeface="Cambria Math" panose="02040503050406030204" pitchFamily="18" charset="0"/>
                             </a:rPr>
-                            <m:t>𝑑𝐿𝑔</m:t>
-                          </m:r>
-                          <m:r>
-                            <a:rPr lang="it-IT" sz="2000" b="0" i="1" smtClean="0">
-                              <a:latin typeface="Cambria Math" panose="02040503050406030204" pitchFamily="18" charset="0"/>
-                            </a:rPr>
-                            <m:t>𝐿</m:t>
-                          </m:r>
-                          <m:r>
-                            <a:rPr lang="it-IT" sz="2000" b="0" i="1" baseline="-25000" smtClean="0">
-                              <a:latin typeface="Cambria Math" panose="02040503050406030204" pitchFamily="18" charset="0"/>
-                            </a:rPr>
-                            <m:t>𝑓</m:t>
+                            <m:t>𝑑𝐿𝑔𝐿𝑓</m:t>
                           </m:r>
                           <m:r>
                             <a:rPr lang="it-IT" sz="2000" b="0" i="1" smtClean="0">
@@ -8982,19 +10802,7 @@
                             <a:rPr lang="it-IT" sz="2000" b="0" i="1" smtClean="0">
                               <a:latin typeface="Cambria Math" panose="02040503050406030204" pitchFamily="18" charset="0"/>
                             </a:rPr>
-                            <m:t>𝑑𝐿𝑓</m:t>
-                          </m:r>
-                          <m:r>
-                            <a:rPr lang="it-IT" sz="2000" b="0" i="1" smtClean="0">
-                              <a:latin typeface="Cambria Math" panose="02040503050406030204" pitchFamily="18" charset="0"/>
-                            </a:rPr>
-                            <m:t>𝐿</m:t>
-                          </m:r>
-                          <m:r>
-                            <a:rPr lang="it-IT" sz="2000" b="0" i="1" baseline="-25000" smtClean="0">
-                              <a:latin typeface="Cambria Math" panose="02040503050406030204" pitchFamily="18" charset="0"/>
-                            </a:rPr>
-                            <m:t>𝑔</m:t>
+                            <m:t>𝑑𝐿𝑓𝐿𝑔</m:t>
                           </m:r>
                           <m:r>
                             <a:rPr lang="it-IT" sz="2000" b="0" i="1" smtClean="0">
@@ -9069,7 +10877,7 @@
             </p:txBody>
           </p:sp>
         </mc:Choice>
-        <mc:Fallback>
+        <mc:Fallback xmlns="">
           <p:sp>
             <p:nvSpPr>
               <p:cNvPr id="9" name="CasellaDiTesto 8">
@@ -9144,6 +10952,144 @@
           </a:prstGeom>
         </p:spPr>
       </p:pic>
+      <p:sp>
+        <p:nvSpPr>
+          <p:cNvPr id="5" name="Segnaposto data 3">
+            <a:extLst>
+              <a:ext uri="{FF2B5EF4-FFF2-40B4-BE49-F238E27FC236}">
+                <a16:creationId xmlns:a16="http://schemas.microsoft.com/office/drawing/2014/main" id="{10832284-2AF9-D442-A2BC-3A4C6C544DF0}"/>
+              </a:ext>
+            </a:extLst>
+          </p:cNvPr>
+          <p:cNvSpPr>
+            <a:spLocks noGrp="1"/>
+          </p:cNvSpPr>
+          <p:nvPr>
+            <p:ph type="dt" sz="half" idx="10"/>
+          </p:nvPr>
+        </p:nvSpPr>
+        <p:spPr>
+          <a:xfrm>
+            <a:off x="838200" y="6356350"/>
+            <a:ext cx="2743200" cy="365125"/>
+          </a:xfrm>
+        </p:spPr>
+        <p:txBody>
+          <a:bodyPr/>
+          <a:lstStyle/>
+          <a:p>
+            <a:fld id="{4EF59023-6175-3944-979D-CFE35E3A8267}" type="datetime1">
+              <a:rPr lang="it-IT" smtClean="0"/>
+              <a:t>27/10/21</a:t>
+            </a:fld>
+            <a:endParaRPr lang="en-US" dirty="0"/>
+          </a:p>
+        </p:txBody>
+      </p:sp>
+      <p:sp>
+        <p:nvSpPr>
+          <p:cNvPr id="7" name="Segnaposto piè di pagina 4">
+            <a:extLst>
+              <a:ext uri="{FF2B5EF4-FFF2-40B4-BE49-F238E27FC236}">
+                <a16:creationId xmlns:a16="http://schemas.microsoft.com/office/drawing/2014/main" id="{5C3B2BD7-91A2-CA4F-9DA6-4CE984B6F87C}"/>
+              </a:ext>
+            </a:extLst>
+          </p:cNvPr>
+          <p:cNvSpPr>
+            <a:spLocks noGrp="1"/>
+          </p:cNvSpPr>
+          <p:nvPr>
+            <p:ph type="ftr" sz="quarter" idx="11"/>
+          </p:nvPr>
+        </p:nvSpPr>
+        <p:spPr>
+          <a:xfrm>
+            <a:off x="4038600" y="6356350"/>
+            <a:ext cx="4114800" cy="365125"/>
+          </a:xfrm>
+        </p:spPr>
+        <p:txBody>
+          <a:bodyPr/>
+          <a:lstStyle/>
+          <a:p>
+            <a:r>
+              <a:rPr lang="en-US"/>
+              <a:t>Arianna Gasparri</a:t>
+            </a:r>
+            <a:endParaRPr lang="en-US" dirty="0"/>
+          </a:p>
+        </p:txBody>
+      </p:sp>
+      <p:sp>
+        <p:nvSpPr>
+          <p:cNvPr id="10" name="Segnaposto numero diapositiva 5">
+            <a:extLst>
+              <a:ext uri="{FF2B5EF4-FFF2-40B4-BE49-F238E27FC236}">
+                <a16:creationId xmlns:a16="http://schemas.microsoft.com/office/drawing/2014/main" id="{5568013C-6B52-9D43-B6C2-2654FF7BD98A}"/>
+              </a:ext>
+            </a:extLst>
+          </p:cNvPr>
+          <p:cNvSpPr>
+            <a:spLocks noGrp="1"/>
+          </p:cNvSpPr>
+          <p:nvPr>
+            <p:ph type="sldNum" sz="quarter" idx="12"/>
+          </p:nvPr>
+        </p:nvSpPr>
+        <p:spPr>
+          <a:xfrm>
+            <a:off x="8610600" y="6356350"/>
+            <a:ext cx="2743200" cy="365125"/>
+          </a:xfrm>
+        </p:spPr>
+        <p:txBody>
+          <a:bodyPr/>
+          <a:lstStyle/>
+          <a:p>
+            <a:fld id="{6D22F896-40B5-4ADD-8801-0D06FADFA095}" type="slidenum">
+              <a:rPr lang="en-US" smtClean="0"/>
+              <a:t>23</a:t>
+            </a:fld>
+            <a:endParaRPr lang="en-US" dirty="0"/>
+          </a:p>
+        </p:txBody>
+      </p:sp>
+      <p:pic>
+        <p:nvPicPr>
+          <p:cNvPr id="11" name="Immagine 10">
+            <a:extLst>
+              <a:ext uri="{FF2B5EF4-FFF2-40B4-BE49-F238E27FC236}">
+                <a16:creationId xmlns:a16="http://schemas.microsoft.com/office/drawing/2014/main" id="{E9214F11-0DDC-E448-AFA0-4E2BD04563C4}"/>
+              </a:ext>
+            </a:extLst>
+          </p:cNvPr>
+          <p:cNvPicPr>
+            <a:picLocks noChangeAspect="1"/>
+          </p:cNvPicPr>
+          <p:nvPr/>
+        </p:nvPicPr>
+        <p:blipFill>
+          <a:blip r:embed="rId4" cstate="print">
+            <a:extLst>
+              <a:ext uri="{28A0092B-C50C-407E-A947-70E740481C1C}">
+                <a14:useLocalDpi xmlns:a14="http://schemas.microsoft.com/office/drawing/2010/main" val="0"/>
+              </a:ext>
+            </a:extLst>
+          </a:blip>
+          <a:stretch>
+            <a:fillRect/>
+          </a:stretch>
+        </p:blipFill>
+        <p:spPr>
+          <a:xfrm>
+            <a:off x="241420" y="265431"/>
+            <a:ext cx="571500" cy="518160"/>
+          </a:xfrm>
+          <a:prstGeom prst="rect">
+            <a:avLst/>
+          </a:prstGeom>
+        </p:spPr>
+      </p:pic>
     </p:spTree>
     <p:extLst>
       <p:ext uri="{BB962C8B-B14F-4D97-AF65-F5344CB8AC3E}">
@@ -9238,8 +11184,8 @@
           </a:p>
         </p:txBody>
       </p:sp>
-      <mc:AlternateContent xmlns:mc="http://schemas.openxmlformats.org/markup-compatibility/2006">
-        <mc:Choice xmlns:a14="http://schemas.microsoft.com/office/drawing/2010/main" Requires="a14">
+      <mc:AlternateContent xmlns:mc="http://schemas.openxmlformats.org/markup-compatibility/2006" xmlns:a14="http://schemas.microsoft.com/office/drawing/2010/main">
+        <mc:Choice Requires="a14">
           <p:sp>
             <p:nvSpPr>
               <p:cNvPr id="9" name="CasellaDiTesto 8">
@@ -9350,13 +11296,7 @@
                           <a:rPr lang="it-IT" sz="2000" b="0" i="1" smtClean="0">
                             <a:latin typeface="Cambria Math" panose="02040503050406030204" pitchFamily="18" charset="0"/>
                           </a:rPr>
-                          <m:t>𝑎𝑑𝑓</m:t>
-                        </m:r>
-                        <m:r>
-                          <a:rPr lang="it-IT" sz="2000" b="0" i="1" smtClean="0">
-                            <a:latin typeface="Cambria Math" panose="02040503050406030204" pitchFamily="18" charset="0"/>
-                          </a:rPr>
-                          <m:t>𝑔</m:t>
+                          <m:t>𝑎𝑑𝑓𝑔</m:t>
                         </m:r>
                         <m:d>
                           <m:dPr>
@@ -9729,7 +11669,7 @@
             </p:txBody>
           </p:sp>
         </mc:Choice>
-        <mc:Fallback>
+        <mc:Fallback xmlns="">
           <p:sp>
             <p:nvSpPr>
               <p:cNvPr id="9" name="CasellaDiTesto 8">
@@ -9930,6 +11870,144 @@
           </a:prstGeom>
         </p:spPr>
       </p:pic>
+      <p:sp>
+        <p:nvSpPr>
+          <p:cNvPr id="10" name="Segnaposto data 3">
+            <a:extLst>
+              <a:ext uri="{FF2B5EF4-FFF2-40B4-BE49-F238E27FC236}">
+                <a16:creationId xmlns:a16="http://schemas.microsoft.com/office/drawing/2014/main" id="{EA0D57D5-9B88-AE46-9537-16989AFDF7B1}"/>
+              </a:ext>
+            </a:extLst>
+          </p:cNvPr>
+          <p:cNvSpPr>
+            <a:spLocks noGrp="1"/>
+          </p:cNvSpPr>
+          <p:nvPr>
+            <p:ph type="dt" sz="half" idx="10"/>
+          </p:nvPr>
+        </p:nvSpPr>
+        <p:spPr>
+          <a:xfrm>
+            <a:off x="838200" y="6356350"/>
+            <a:ext cx="2743200" cy="365125"/>
+          </a:xfrm>
+        </p:spPr>
+        <p:txBody>
+          <a:bodyPr/>
+          <a:lstStyle/>
+          <a:p>
+            <a:fld id="{4EF59023-6175-3944-979D-CFE35E3A8267}" type="datetime1">
+              <a:rPr lang="it-IT" smtClean="0"/>
+              <a:t>27/10/21</a:t>
+            </a:fld>
+            <a:endParaRPr lang="en-US" dirty="0"/>
+          </a:p>
+        </p:txBody>
+      </p:sp>
+      <p:sp>
+        <p:nvSpPr>
+          <p:cNvPr id="12" name="Segnaposto piè di pagina 4">
+            <a:extLst>
+              <a:ext uri="{FF2B5EF4-FFF2-40B4-BE49-F238E27FC236}">
+                <a16:creationId xmlns:a16="http://schemas.microsoft.com/office/drawing/2014/main" id="{DD896EB6-027F-2040-B941-F6E2A70D04CE}"/>
+              </a:ext>
+            </a:extLst>
+          </p:cNvPr>
+          <p:cNvSpPr>
+            <a:spLocks noGrp="1"/>
+          </p:cNvSpPr>
+          <p:nvPr>
+            <p:ph type="ftr" sz="quarter" idx="11"/>
+          </p:nvPr>
+        </p:nvSpPr>
+        <p:spPr>
+          <a:xfrm>
+            <a:off x="4038600" y="6356350"/>
+            <a:ext cx="4114800" cy="365125"/>
+          </a:xfrm>
+        </p:spPr>
+        <p:txBody>
+          <a:bodyPr/>
+          <a:lstStyle/>
+          <a:p>
+            <a:r>
+              <a:rPr lang="en-US"/>
+              <a:t>Arianna Gasparri</a:t>
+            </a:r>
+            <a:endParaRPr lang="en-US" dirty="0"/>
+          </a:p>
+        </p:txBody>
+      </p:sp>
+      <p:sp>
+        <p:nvSpPr>
+          <p:cNvPr id="14" name="Segnaposto numero diapositiva 5">
+            <a:extLst>
+              <a:ext uri="{FF2B5EF4-FFF2-40B4-BE49-F238E27FC236}">
+                <a16:creationId xmlns:a16="http://schemas.microsoft.com/office/drawing/2014/main" id="{2BB93AAA-AE2C-A74F-B5B8-5BA05A821B01}"/>
+              </a:ext>
+            </a:extLst>
+          </p:cNvPr>
+          <p:cNvSpPr>
+            <a:spLocks noGrp="1"/>
+          </p:cNvSpPr>
+          <p:nvPr>
+            <p:ph type="sldNum" sz="quarter" idx="12"/>
+          </p:nvPr>
+        </p:nvSpPr>
+        <p:spPr>
+          <a:xfrm>
+            <a:off x="8610600" y="6356350"/>
+            <a:ext cx="2743200" cy="365125"/>
+          </a:xfrm>
+        </p:spPr>
+        <p:txBody>
+          <a:bodyPr/>
+          <a:lstStyle/>
+          <a:p>
+            <a:fld id="{6D22F896-40B5-4ADD-8801-0D06FADFA095}" type="slidenum">
+              <a:rPr lang="en-US" smtClean="0"/>
+              <a:t>24</a:t>
+            </a:fld>
+            <a:endParaRPr lang="en-US" dirty="0"/>
+          </a:p>
+        </p:txBody>
+      </p:sp>
+      <p:pic>
+        <p:nvPicPr>
+          <p:cNvPr id="15" name="Immagine 14">
+            <a:extLst>
+              <a:ext uri="{FF2B5EF4-FFF2-40B4-BE49-F238E27FC236}">
+                <a16:creationId xmlns:a16="http://schemas.microsoft.com/office/drawing/2014/main" id="{6D331639-9E5A-0D44-BA8D-D1A37BE79805}"/>
+              </a:ext>
+            </a:extLst>
+          </p:cNvPr>
+          <p:cNvPicPr>
+            <a:picLocks noChangeAspect="1"/>
+          </p:cNvPicPr>
+          <p:nvPr/>
+        </p:nvPicPr>
+        <p:blipFill>
+          <a:blip r:embed="rId7" cstate="print">
+            <a:extLst>
+              <a:ext uri="{28A0092B-C50C-407E-A947-70E740481C1C}">
+                <a14:useLocalDpi xmlns:a14="http://schemas.microsoft.com/office/drawing/2010/main" val="0"/>
+              </a:ext>
+            </a:extLst>
+          </a:blip>
+          <a:stretch>
+            <a:fillRect/>
+          </a:stretch>
+        </p:blipFill>
+        <p:spPr>
+          <a:xfrm>
+            <a:off x="241420" y="265431"/>
+            <a:ext cx="571500" cy="518160"/>
+          </a:xfrm>
+          <a:prstGeom prst="rect">
+            <a:avLst/>
+          </a:prstGeom>
+        </p:spPr>
+      </p:pic>
     </p:spTree>
     <p:extLst>
       <p:ext uri="{BB962C8B-B14F-4D97-AF65-F5344CB8AC3E}">
@@ -10140,6 +12218,144 @@
           <a:xfrm>
             <a:off x="1981200" y="3476171"/>
             <a:ext cx="8229600" cy="3038475"/>
+          </a:xfrm>
+          <a:prstGeom prst="rect">
+            <a:avLst/>
+          </a:prstGeom>
+        </p:spPr>
+      </p:pic>
+      <p:sp>
+        <p:nvSpPr>
+          <p:cNvPr id="7" name="Segnaposto data 3">
+            <a:extLst>
+              <a:ext uri="{FF2B5EF4-FFF2-40B4-BE49-F238E27FC236}">
+                <a16:creationId xmlns:a16="http://schemas.microsoft.com/office/drawing/2014/main" id="{35E100FE-194D-2B46-B256-44E938A611F9}"/>
+              </a:ext>
+            </a:extLst>
+          </p:cNvPr>
+          <p:cNvSpPr>
+            <a:spLocks noGrp="1"/>
+          </p:cNvSpPr>
+          <p:nvPr>
+            <p:ph type="dt" sz="half" idx="10"/>
+          </p:nvPr>
+        </p:nvSpPr>
+        <p:spPr>
+          <a:xfrm>
+            <a:off x="838200" y="6356350"/>
+            <a:ext cx="2743200" cy="365125"/>
+          </a:xfrm>
+        </p:spPr>
+        <p:txBody>
+          <a:bodyPr/>
+          <a:lstStyle/>
+          <a:p>
+            <a:fld id="{4EF59023-6175-3944-979D-CFE35E3A8267}" type="datetime1">
+              <a:rPr lang="it-IT" smtClean="0"/>
+              <a:t>27/10/21</a:t>
+            </a:fld>
+            <a:endParaRPr lang="en-US" dirty="0"/>
+          </a:p>
+        </p:txBody>
+      </p:sp>
+      <p:sp>
+        <p:nvSpPr>
+          <p:cNvPr id="11" name="Segnaposto piè di pagina 4">
+            <a:extLst>
+              <a:ext uri="{FF2B5EF4-FFF2-40B4-BE49-F238E27FC236}">
+                <a16:creationId xmlns:a16="http://schemas.microsoft.com/office/drawing/2014/main" id="{A9841E37-1C5D-F642-8423-20D7BE916AE2}"/>
+              </a:ext>
+            </a:extLst>
+          </p:cNvPr>
+          <p:cNvSpPr>
+            <a:spLocks noGrp="1"/>
+          </p:cNvSpPr>
+          <p:nvPr>
+            <p:ph type="ftr" sz="quarter" idx="11"/>
+          </p:nvPr>
+        </p:nvSpPr>
+        <p:spPr>
+          <a:xfrm>
+            <a:off x="4038600" y="6356350"/>
+            <a:ext cx="4114800" cy="365125"/>
+          </a:xfrm>
+        </p:spPr>
+        <p:txBody>
+          <a:bodyPr/>
+          <a:lstStyle/>
+          <a:p>
+            <a:r>
+              <a:rPr lang="en-US"/>
+              <a:t>Arianna Gasparri</a:t>
+            </a:r>
+            <a:endParaRPr lang="en-US" dirty="0"/>
+          </a:p>
+        </p:txBody>
+      </p:sp>
+      <p:sp>
+        <p:nvSpPr>
+          <p:cNvPr id="12" name="Segnaposto numero diapositiva 5">
+            <a:extLst>
+              <a:ext uri="{FF2B5EF4-FFF2-40B4-BE49-F238E27FC236}">
+                <a16:creationId xmlns:a16="http://schemas.microsoft.com/office/drawing/2014/main" id="{14DDBC56-62C7-E94C-A46F-CF3766D3EE2F}"/>
+              </a:ext>
+            </a:extLst>
+          </p:cNvPr>
+          <p:cNvSpPr>
+            <a:spLocks noGrp="1"/>
+          </p:cNvSpPr>
+          <p:nvPr>
+            <p:ph type="sldNum" sz="quarter" idx="12"/>
+          </p:nvPr>
+        </p:nvSpPr>
+        <p:spPr>
+          <a:xfrm>
+            <a:off x="8610600" y="6356350"/>
+            <a:ext cx="2743200" cy="365125"/>
+          </a:xfrm>
+        </p:spPr>
+        <p:txBody>
+          <a:bodyPr/>
+          <a:lstStyle/>
+          <a:p>
+            <a:fld id="{6D22F896-40B5-4ADD-8801-0D06FADFA095}" type="slidenum">
+              <a:rPr lang="en-US" smtClean="0"/>
+              <a:t>25</a:t>
+            </a:fld>
+            <a:endParaRPr lang="en-US" dirty="0"/>
+          </a:p>
+        </p:txBody>
+      </p:sp>
+      <p:pic>
+        <p:nvPicPr>
+          <p:cNvPr id="13" name="Immagine 12">
+            <a:extLst>
+              <a:ext uri="{FF2B5EF4-FFF2-40B4-BE49-F238E27FC236}">
+                <a16:creationId xmlns:a16="http://schemas.microsoft.com/office/drawing/2014/main" id="{8667F2DC-B326-FA4F-BF1C-D5A87EFE2C53}"/>
+              </a:ext>
+            </a:extLst>
+          </p:cNvPr>
+          <p:cNvPicPr>
+            <a:picLocks noChangeAspect="1"/>
+          </p:cNvPicPr>
+          <p:nvPr/>
+        </p:nvPicPr>
+        <p:blipFill>
+          <a:blip r:embed="rId4" cstate="print">
+            <a:extLst>
+              <a:ext uri="{28A0092B-C50C-407E-A947-70E740481C1C}">
+                <a14:useLocalDpi xmlns:a14="http://schemas.microsoft.com/office/drawing/2010/main" val="0"/>
+              </a:ext>
+            </a:extLst>
+          </a:blip>
+          <a:stretch>
+            <a:fillRect/>
+          </a:stretch>
+        </p:blipFill>
+        <p:spPr>
+          <a:xfrm>
+            <a:off x="241420" y="265431"/>
+            <a:ext cx="571500" cy="518160"/>
           </a:xfrm>
           <a:prstGeom prst="rect">
             <a:avLst/>
@@ -10366,6 +12582,144 @@
           </a:prstGeom>
         </p:spPr>
       </p:pic>
+      <p:sp>
+        <p:nvSpPr>
+          <p:cNvPr id="7" name="Segnaposto data 3">
+            <a:extLst>
+              <a:ext uri="{FF2B5EF4-FFF2-40B4-BE49-F238E27FC236}">
+                <a16:creationId xmlns:a16="http://schemas.microsoft.com/office/drawing/2014/main" id="{6B3D6E58-06BF-1341-B405-6074E5570CBE}"/>
+              </a:ext>
+            </a:extLst>
+          </p:cNvPr>
+          <p:cNvSpPr>
+            <a:spLocks noGrp="1"/>
+          </p:cNvSpPr>
+          <p:nvPr>
+            <p:ph type="dt" sz="half" idx="10"/>
+          </p:nvPr>
+        </p:nvSpPr>
+        <p:spPr>
+          <a:xfrm>
+            <a:off x="838200" y="6356350"/>
+            <a:ext cx="2743200" cy="365125"/>
+          </a:xfrm>
+        </p:spPr>
+        <p:txBody>
+          <a:bodyPr/>
+          <a:lstStyle/>
+          <a:p>
+            <a:fld id="{4EF59023-6175-3944-979D-CFE35E3A8267}" type="datetime1">
+              <a:rPr lang="it-IT" smtClean="0"/>
+              <a:t>27/10/21</a:t>
+            </a:fld>
+            <a:endParaRPr lang="en-US" dirty="0"/>
+          </a:p>
+        </p:txBody>
+      </p:sp>
+      <p:sp>
+        <p:nvSpPr>
+          <p:cNvPr id="10" name="Segnaposto piè di pagina 4">
+            <a:extLst>
+              <a:ext uri="{FF2B5EF4-FFF2-40B4-BE49-F238E27FC236}">
+                <a16:creationId xmlns:a16="http://schemas.microsoft.com/office/drawing/2014/main" id="{D5B28A30-8656-2745-A574-AC8117BE6070}"/>
+              </a:ext>
+            </a:extLst>
+          </p:cNvPr>
+          <p:cNvSpPr>
+            <a:spLocks noGrp="1"/>
+          </p:cNvSpPr>
+          <p:nvPr>
+            <p:ph type="ftr" sz="quarter" idx="11"/>
+          </p:nvPr>
+        </p:nvSpPr>
+        <p:spPr>
+          <a:xfrm>
+            <a:off x="4038600" y="6356350"/>
+            <a:ext cx="4114800" cy="365125"/>
+          </a:xfrm>
+        </p:spPr>
+        <p:txBody>
+          <a:bodyPr/>
+          <a:lstStyle/>
+          <a:p>
+            <a:r>
+              <a:rPr lang="en-US"/>
+              <a:t>Arianna Gasparri</a:t>
+            </a:r>
+            <a:endParaRPr lang="en-US" dirty="0"/>
+          </a:p>
+        </p:txBody>
+      </p:sp>
+      <p:sp>
+        <p:nvSpPr>
+          <p:cNvPr id="11" name="Segnaposto numero diapositiva 5">
+            <a:extLst>
+              <a:ext uri="{FF2B5EF4-FFF2-40B4-BE49-F238E27FC236}">
+                <a16:creationId xmlns:a16="http://schemas.microsoft.com/office/drawing/2014/main" id="{06FA9C7D-77F5-8F44-99B9-244BA8DF5120}"/>
+              </a:ext>
+            </a:extLst>
+          </p:cNvPr>
+          <p:cNvSpPr>
+            <a:spLocks noGrp="1"/>
+          </p:cNvSpPr>
+          <p:nvPr>
+            <p:ph type="sldNum" sz="quarter" idx="12"/>
+          </p:nvPr>
+        </p:nvSpPr>
+        <p:spPr>
+          <a:xfrm>
+            <a:off x="8610600" y="6356350"/>
+            <a:ext cx="2743200" cy="365125"/>
+          </a:xfrm>
+        </p:spPr>
+        <p:txBody>
+          <a:bodyPr/>
+          <a:lstStyle/>
+          <a:p>
+            <a:fld id="{6D22F896-40B5-4ADD-8801-0D06FADFA095}" type="slidenum">
+              <a:rPr lang="en-US" smtClean="0"/>
+              <a:t>26</a:t>
+            </a:fld>
+            <a:endParaRPr lang="en-US" dirty="0"/>
+          </a:p>
+        </p:txBody>
+      </p:sp>
+      <p:pic>
+        <p:nvPicPr>
+          <p:cNvPr id="12" name="Immagine 11">
+            <a:extLst>
+              <a:ext uri="{FF2B5EF4-FFF2-40B4-BE49-F238E27FC236}">
+                <a16:creationId xmlns:a16="http://schemas.microsoft.com/office/drawing/2014/main" id="{C69BD7AD-13DF-B64A-AA40-5E86A6150330}"/>
+              </a:ext>
+            </a:extLst>
+          </p:cNvPr>
+          <p:cNvPicPr>
+            <a:picLocks noChangeAspect="1"/>
+          </p:cNvPicPr>
+          <p:nvPr/>
+        </p:nvPicPr>
+        <p:blipFill>
+          <a:blip r:embed="rId5" cstate="print">
+            <a:extLst>
+              <a:ext uri="{28A0092B-C50C-407E-A947-70E740481C1C}">
+                <a14:useLocalDpi xmlns:a14="http://schemas.microsoft.com/office/drawing/2010/main" val="0"/>
+              </a:ext>
+            </a:extLst>
+          </a:blip>
+          <a:stretch>
+            <a:fillRect/>
+          </a:stretch>
+        </p:blipFill>
+        <p:spPr>
+          <a:xfrm>
+            <a:off x="241420" y="265431"/>
+            <a:ext cx="571500" cy="518160"/>
+          </a:xfrm>
+          <a:prstGeom prst="rect">
+            <a:avLst/>
+          </a:prstGeom>
+        </p:spPr>
+      </p:pic>
     </p:spTree>
     <p:extLst>
       <p:ext uri="{BB962C8B-B14F-4D97-AF65-F5344CB8AC3E}">
@@ -10662,6 +13016,144 @@
           </a:p>
         </p:txBody>
       </p:sp>
+      <p:sp>
+        <p:nvSpPr>
+          <p:cNvPr id="6" name="Segnaposto data 3">
+            <a:extLst>
+              <a:ext uri="{FF2B5EF4-FFF2-40B4-BE49-F238E27FC236}">
+                <a16:creationId xmlns:a16="http://schemas.microsoft.com/office/drawing/2014/main" id="{4B8E3AC9-0A90-6E41-BFFB-1991A59A19B5}"/>
+              </a:ext>
+            </a:extLst>
+          </p:cNvPr>
+          <p:cNvSpPr>
+            <a:spLocks noGrp="1"/>
+          </p:cNvSpPr>
+          <p:nvPr>
+            <p:ph type="dt" sz="half" idx="10"/>
+          </p:nvPr>
+        </p:nvSpPr>
+        <p:spPr>
+          <a:xfrm>
+            <a:off x="838200" y="6356350"/>
+            <a:ext cx="2743200" cy="365125"/>
+          </a:xfrm>
+        </p:spPr>
+        <p:txBody>
+          <a:bodyPr/>
+          <a:lstStyle/>
+          <a:p>
+            <a:fld id="{4EF59023-6175-3944-979D-CFE35E3A8267}" type="datetime1">
+              <a:rPr lang="it-IT" smtClean="0"/>
+              <a:t>27/10/21</a:t>
+            </a:fld>
+            <a:endParaRPr lang="en-US" dirty="0"/>
+          </a:p>
+        </p:txBody>
+      </p:sp>
+      <p:sp>
+        <p:nvSpPr>
+          <p:cNvPr id="9" name="Segnaposto piè di pagina 4">
+            <a:extLst>
+              <a:ext uri="{FF2B5EF4-FFF2-40B4-BE49-F238E27FC236}">
+                <a16:creationId xmlns:a16="http://schemas.microsoft.com/office/drawing/2014/main" id="{456B644D-8EC7-0E4C-9CD3-53F6522C8E3E}"/>
+              </a:ext>
+            </a:extLst>
+          </p:cNvPr>
+          <p:cNvSpPr>
+            <a:spLocks noGrp="1"/>
+          </p:cNvSpPr>
+          <p:nvPr>
+            <p:ph type="ftr" sz="quarter" idx="11"/>
+          </p:nvPr>
+        </p:nvSpPr>
+        <p:spPr>
+          <a:xfrm>
+            <a:off x="4038600" y="6356350"/>
+            <a:ext cx="4114800" cy="365125"/>
+          </a:xfrm>
+        </p:spPr>
+        <p:txBody>
+          <a:bodyPr/>
+          <a:lstStyle/>
+          <a:p>
+            <a:r>
+              <a:rPr lang="en-US"/>
+              <a:t>Arianna Gasparri</a:t>
+            </a:r>
+            <a:endParaRPr lang="en-US" dirty="0"/>
+          </a:p>
+        </p:txBody>
+      </p:sp>
+      <p:sp>
+        <p:nvSpPr>
+          <p:cNvPr id="10" name="Segnaposto numero diapositiva 5">
+            <a:extLst>
+              <a:ext uri="{FF2B5EF4-FFF2-40B4-BE49-F238E27FC236}">
+                <a16:creationId xmlns:a16="http://schemas.microsoft.com/office/drawing/2014/main" id="{906F5B4A-AEF0-EA45-B4E7-6A7716E1F8CB}"/>
+              </a:ext>
+            </a:extLst>
+          </p:cNvPr>
+          <p:cNvSpPr>
+            <a:spLocks noGrp="1"/>
+          </p:cNvSpPr>
+          <p:nvPr>
+            <p:ph type="sldNum" sz="quarter" idx="12"/>
+          </p:nvPr>
+        </p:nvSpPr>
+        <p:spPr>
+          <a:xfrm>
+            <a:off x="8610600" y="6356350"/>
+            <a:ext cx="2743200" cy="365125"/>
+          </a:xfrm>
+        </p:spPr>
+        <p:txBody>
+          <a:bodyPr/>
+          <a:lstStyle/>
+          <a:p>
+            <a:fld id="{6D22F896-40B5-4ADD-8801-0D06FADFA095}" type="slidenum">
+              <a:rPr lang="en-US" smtClean="0"/>
+              <a:t>3</a:t>
+            </a:fld>
+            <a:endParaRPr lang="en-US" dirty="0"/>
+          </a:p>
+        </p:txBody>
+      </p:sp>
+      <p:pic>
+        <p:nvPicPr>
+          <p:cNvPr id="11" name="Immagine 10">
+            <a:extLst>
+              <a:ext uri="{FF2B5EF4-FFF2-40B4-BE49-F238E27FC236}">
+                <a16:creationId xmlns:a16="http://schemas.microsoft.com/office/drawing/2014/main" id="{8E317C00-55E5-EE47-B1DA-1185583F28B3}"/>
+              </a:ext>
+            </a:extLst>
+          </p:cNvPr>
+          <p:cNvPicPr>
+            <a:picLocks noChangeAspect="1"/>
+          </p:cNvPicPr>
+          <p:nvPr/>
+        </p:nvPicPr>
+        <p:blipFill>
+          <a:blip r:embed="rId4" cstate="print">
+            <a:extLst>
+              <a:ext uri="{28A0092B-C50C-407E-A947-70E740481C1C}">
+                <a14:useLocalDpi xmlns:a14="http://schemas.microsoft.com/office/drawing/2010/main" val="0"/>
+              </a:ext>
+            </a:extLst>
+          </a:blip>
+          <a:stretch>
+            <a:fillRect/>
+          </a:stretch>
+        </p:blipFill>
+        <p:spPr>
+          <a:xfrm>
+            <a:off x="241420" y="265431"/>
+            <a:ext cx="571500" cy="518160"/>
+          </a:xfrm>
+          <a:prstGeom prst="rect">
+            <a:avLst/>
+          </a:prstGeom>
+        </p:spPr>
+      </p:pic>
     </p:spTree>
     <p:extLst>
       <p:ext uri="{BB962C8B-B14F-4D97-AF65-F5344CB8AC3E}">
@@ -12565,6 +15057,144 @@
           </a:p>
         </p:txBody>
       </p:sp>
+      <p:sp>
+        <p:nvSpPr>
+          <p:cNvPr id="8" name="Segnaposto data 3">
+            <a:extLst>
+              <a:ext uri="{FF2B5EF4-FFF2-40B4-BE49-F238E27FC236}">
+                <a16:creationId xmlns:a16="http://schemas.microsoft.com/office/drawing/2014/main" id="{7FA3F3EA-7F14-6840-89D3-5E2D2490D68C}"/>
+              </a:ext>
+            </a:extLst>
+          </p:cNvPr>
+          <p:cNvSpPr>
+            <a:spLocks noGrp="1"/>
+          </p:cNvSpPr>
+          <p:nvPr>
+            <p:ph type="dt" sz="half" idx="10"/>
+          </p:nvPr>
+        </p:nvSpPr>
+        <p:spPr>
+          <a:xfrm>
+            <a:off x="838200" y="6356350"/>
+            <a:ext cx="2743200" cy="365125"/>
+          </a:xfrm>
+        </p:spPr>
+        <p:txBody>
+          <a:bodyPr/>
+          <a:lstStyle/>
+          <a:p>
+            <a:fld id="{4EF59023-6175-3944-979D-CFE35E3A8267}" type="datetime1">
+              <a:rPr lang="it-IT" smtClean="0"/>
+              <a:t>27/10/21</a:t>
+            </a:fld>
+            <a:endParaRPr lang="en-US" dirty="0"/>
+          </a:p>
+        </p:txBody>
+      </p:sp>
+      <p:sp>
+        <p:nvSpPr>
+          <p:cNvPr id="10" name="Segnaposto piè di pagina 4">
+            <a:extLst>
+              <a:ext uri="{FF2B5EF4-FFF2-40B4-BE49-F238E27FC236}">
+                <a16:creationId xmlns:a16="http://schemas.microsoft.com/office/drawing/2014/main" id="{C7223079-51AF-904D-AE4F-28A380DE959C}"/>
+              </a:ext>
+            </a:extLst>
+          </p:cNvPr>
+          <p:cNvSpPr>
+            <a:spLocks noGrp="1"/>
+          </p:cNvSpPr>
+          <p:nvPr>
+            <p:ph type="ftr" sz="quarter" idx="11"/>
+          </p:nvPr>
+        </p:nvSpPr>
+        <p:spPr>
+          <a:xfrm>
+            <a:off x="4038600" y="6356350"/>
+            <a:ext cx="4114800" cy="365125"/>
+          </a:xfrm>
+        </p:spPr>
+        <p:txBody>
+          <a:bodyPr/>
+          <a:lstStyle/>
+          <a:p>
+            <a:r>
+              <a:rPr lang="en-US"/>
+              <a:t>Arianna Gasparri</a:t>
+            </a:r>
+            <a:endParaRPr lang="en-US" dirty="0"/>
+          </a:p>
+        </p:txBody>
+      </p:sp>
+      <p:sp>
+        <p:nvSpPr>
+          <p:cNvPr id="11" name="Segnaposto numero diapositiva 5">
+            <a:extLst>
+              <a:ext uri="{FF2B5EF4-FFF2-40B4-BE49-F238E27FC236}">
+                <a16:creationId xmlns:a16="http://schemas.microsoft.com/office/drawing/2014/main" id="{EE4667CB-767F-C546-A716-BAF718BF5AB1}"/>
+              </a:ext>
+            </a:extLst>
+          </p:cNvPr>
+          <p:cNvSpPr>
+            <a:spLocks noGrp="1"/>
+          </p:cNvSpPr>
+          <p:nvPr>
+            <p:ph type="sldNum" sz="quarter" idx="12"/>
+          </p:nvPr>
+        </p:nvSpPr>
+        <p:spPr>
+          <a:xfrm>
+            <a:off x="8610600" y="6356350"/>
+            <a:ext cx="2743200" cy="365125"/>
+          </a:xfrm>
+        </p:spPr>
+        <p:txBody>
+          <a:bodyPr/>
+          <a:lstStyle/>
+          <a:p>
+            <a:fld id="{6D22F896-40B5-4ADD-8801-0D06FADFA095}" type="slidenum">
+              <a:rPr lang="en-US" smtClean="0"/>
+              <a:t>4</a:t>
+            </a:fld>
+            <a:endParaRPr lang="en-US" dirty="0"/>
+          </a:p>
+        </p:txBody>
+      </p:sp>
+      <p:pic>
+        <p:nvPicPr>
+          <p:cNvPr id="12" name="Immagine 11">
+            <a:extLst>
+              <a:ext uri="{FF2B5EF4-FFF2-40B4-BE49-F238E27FC236}">
+                <a16:creationId xmlns:a16="http://schemas.microsoft.com/office/drawing/2014/main" id="{B9467F14-0AD3-8245-8F95-2CD40916853F}"/>
+              </a:ext>
+            </a:extLst>
+          </p:cNvPr>
+          <p:cNvPicPr>
+            <a:picLocks noChangeAspect="1"/>
+          </p:cNvPicPr>
+          <p:nvPr/>
+        </p:nvPicPr>
+        <p:blipFill>
+          <a:blip r:embed="rId4" cstate="print">
+            <a:extLst>
+              <a:ext uri="{28A0092B-C50C-407E-A947-70E740481C1C}">
+                <a14:useLocalDpi xmlns:a14="http://schemas.microsoft.com/office/drawing/2010/main" val="0"/>
+              </a:ext>
+            </a:extLst>
+          </a:blip>
+          <a:stretch>
+            <a:fillRect/>
+          </a:stretch>
+        </p:blipFill>
+        <p:spPr>
+          <a:xfrm>
+            <a:off x="241420" y="265431"/>
+            <a:ext cx="571500" cy="518160"/>
+          </a:xfrm>
+          <a:prstGeom prst="rect">
+            <a:avLst/>
+          </a:prstGeom>
+        </p:spPr>
+      </p:pic>
     </p:spTree>
     <p:extLst>
       <p:ext uri="{BB962C8B-B14F-4D97-AF65-F5344CB8AC3E}">
@@ -12795,6 +15425,144 @@
           <a:xfrm>
             <a:off x="1784718" y="4412748"/>
             <a:ext cx="3657600" cy="1219200"/>
+          </a:xfrm>
+          <a:prstGeom prst="rect">
+            <a:avLst/>
+          </a:prstGeom>
+        </p:spPr>
+      </p:pic>
+      <p:sp>
+        <p:nvSpPr>
+          <p:cNvPr id="8" name="Segnaposto data 3">
+            <a:extLst>
+              <a:ext uri="{FF2B5EF4-FFF2-40B4-BE49-F238E27FC236}">
+                <a16:creationId xmlns:a16="http://schemas.microsoft.com/office/drawing/2014/main" id="{A686B70D-1A3D-2A4C-A0F9-A6A69FD70E87}"/>
+              </a:ext>
+            </a:extLst>
+          </p:cNvPr>
+          <p:cNvSpPr>
+            <a:spLocks noGrp="1"/>
+          </p:cNvSpPr>
+          <p:nvPr>
+            <p:ph type="dt" sz="half" idx="10"/>
+          </p:nvPr>
+        </p:nvSpPr>
+        <p:spPr>
+          <a:xfrm>
+            <a:off x="838200" y="6356350"/>
+            <a:ext cx="2743200" cy="365125"/>
+          </a:xfrm>
+        </p:spPr>
+        <p:txBody>
+          <a:bodyPr/>
+          <a:lstStyle/>
+          <a:p>
+            <a:fld id="{4EF59023-6175-3944-979D-CFE35E3A8267}" type="datetime1">
+              <a:rPr lang="it-IT" smtClean="0"/>
+              <a:t>27/10/21</a:t>
+            </a:fld>
+            <a:endParaRPr lang="en-US" dirty="0"/>
+          </a:p>
+        </p:txBody>
+      </p:sp>
+      <p:sp>
+        <p:nvSpPr>
+          <p:cNvPr id="9" name="Segnaposto piè di pagina 4">
+            <a:extLst>
+              <a:ext uri="{FF2B5EF4-FFF2-40B4-BE49-F238E27FC236}">
+                <a16:creationId xmlns:a16="http://schemas.microsoft.com/office/drawing/2014/main" id="{A06E9C3F-6C77-D74B-A1EF-F4BE47E7215C}"/>
+              </a:ext>
+            </a:extLst>
+          </p:cNvPr>
+          <p:cNvSpPr>
+            <a:spLocks noGrp="1"/>
+          </p:cNvSpPr>
+          <p:nvPr>
+            <p:ph type="ftr" sz="quarter" idx="11"/>
+          </p:nvPr>
+        </p:nvSpPr>
+        <p:spPr>
+          <a:xfrm>
+            <a:off x="4038600" y="6356350"/>
+            <a:ext cx="4114800" cy="365125"/>
+          </a:xfrm>
+        </p:spPr>
+        <p:txBody>
+          <a:bodyPr/>
+          <a:lstStyle/>
+          <a:p>
+            <a:r>
+              <a:rPr lang="en-US"/>
+              <a:t>Arianna Gasparri</a:t>
+            </a:r>
+            <a:endParaRPr lang="en-US" dirty="0"/>
+          </a:p>
+        </p:txBody>
+      </p:sp>
+      <p:sp>
+        <p:nvSpPr>
+          <p:cNvPr id="10" name="Segnaposto numero diapositiva 5">
+            <a:extLst>
+              <a:ext uri="{FF2B5EF4-FFF2-40B4-BE49-F238E27FC236}">
+                <a16:creationId xmlns:a16="http://schemas.microsoft.com/office/drawing/2014/main" id="{7636B61E-8FB2-8948-9E0B-70C7EFB21070}"/>
+              </a:ext>
+            </a:extLst>
+          </p:cNvPr>
+          <p:cNvSpPr>
+            <a:spLocks noGrp="1"/>
+          </p:cNvSpPr>
+          <p:nvPr>
+            <p:ph type="sldNum" sz="quarter" idx="12"/>
+          </p:nvPr>
+        </p:nvSpPr>
+        <p:spPr>
+          <a:xfrm>
+            <a:off x="8610600" y="6356350"/>
+            <a:ext cx="2743200" cy="365125"/>
+          </a:xfrm>
+        </p:spPr>
+        <p:txBody>
+          <a:bodyPr/>
+          <a:lstStyle/>
+          <a:p>
+            <a:fld id="{6D22F896-40B5-4ADD-8801-0D06FADFA095}" type="slidenum">
+              <a:rPr lang="en-US" smtClean="0"/>
+              <a:t>5</a:t>
+            </a:fld>
+            <a:endParaRPr lang="en-US" dirty="0"/>
+          </a:p>
+        </p:txBody>
+      </p:sp>
+      <p:pic>
+        <p:nvPicPr>
+          <p:cNvPr id="11" name="Immagine 10">
+            <a:extLst>
+              <a:ext uri="{FF2B5EF4-FFF2-40B4-BE49-F238E27FC236}">
+                <a16:creationId xmlns:a16="http://schemas.microsoft.com/office/drawing/2014/main" id="{824BD356-4160-F04B-8768-162A3C004CC1}"/>
+              </a:ext>
+            </a:extLst>
+          </p:cNvPr>
+          <p:cNvPicPr>
+            <a:picLocks noChangeAspect="1"/>
+          </p:cNvPicPr>
+          <p:nvPr/>
+        </p:nvPicPr>
+        <p:blipFill>
+          <a:blip r:embed="rId5" cstate="print">
+            <a:extLst>
+              <a:ext uri="{28A0092B-C50C-407E-A947-70E740481C1C}">
+                <a14:useLocalDpi xmlns:a14="http://schemas.microsoft.com/office/drawing/2010/main" val="0"/>
+              </a:ext>
+            </a:extLst>
+          </a:blip>
+          <a:stretch>
+            <a:fillRect/>
+          </a:stretch>
+        </p:blipFill>
+        <p:spPr>
+          <a:xfrm>
+            <a:off x="241420" y="265431"/>
+            <a:ext cx="571500" cy="518160"/>
           </a:xfrm>
           <a:prstGeom prst="rect">
             <a:avLst/>
@@ -12831,8 +15599,8 @@
           <a:chExt cx="0" cy="0"/>
         </a:xfrm>
       </p:grpSpPr>
-      <mc:AlternateContent xmlns:mc="http://schemas.openxmlformats.org/markup-compatibility/2006" xmlns:a14="http://schemas.microsoft.com/office/drawing/2010/main">
-        <mc:Choice Requires="a14">
+      <mc:AlternateContent xmlns:mc="http://schemas.openxmlformats.org/markup-compatibility/2006">
+        <mc:Choice xmlns:a14="http://schemas.microsoft.com/office/drawing/2010/main" Requires="a14">
           <p:sp>
             <p:nvSpPr>
               <p:cNvPr id="5" name="CasellaDiTesto 4">
@@ -13170,7 +15938,7 @@
                 </a14:m>
                 <a:r>
                   <a:rPr lang="it-IT" dirty="0"/>
-                  <a:t> che sono necessari per generare il movimento specificato dall'accelerazioni </a:t>
+                  <a:t> che sono necessarie per generare il movimento specificato dall'accelerazioni </a:t>
                 </a:r>
                 <a14:m>
                   <m:oMath xmlns:m="http://schemas.openxmlformats.org/officeDocument/2006/math">
@@ -13296,7 +16064,7 @@
             </p:txBody>
           </p:sp>
         </mc:Choice>
-        <mc:Fallback xmlns="">
+        <mc:Fallback>
           <p:sp>
             <p:nvSpPr>
               <p:cNvPr id="5" name="CasellaDiTesto 4">
@@ -13456,6 +16224,144 @@
           </a:prstGeom>
         </p:spPr>
       </p:pic>
+      <p:sp>
+        <p:nvSpPr>
+          <p:cNvPr id="6" name="Segnaposto data 3">
+            <a:extLst>
+              <a:ext uri="{FF2B5EF4-FFF2-40B4-BE49-F238E27FC236}">
+                <a16:creationId xmlns:a16="http://schemas.microsoft.com/office/drawing/2014/main" id="{38F6EE5D-77D9-F448-BC50-2E996C438BC9}"/>
+              </a:ext>
+            </a:extLst>
+          </p:cNvPr>
+          <p:cNvSpPr>
+            <a:spLocks noGrp="1"/>
+          </p:cNvSpPr>
+          <p:nvPr>
+            <p:ph type="dt" sz="half" idx="10"/>
+          </p:nvPr>
+        </p:nvSpPr>
+        <p:spPr>
+          <a:xfrm>
+            <a:off x="838200" y="6356350"/>
+            <a:ext cx="2743200" cy="365125"/>
+          </a:xfrm>
+        </p:spPr>
+        <p:txBody>
+          <a:bodyPr/>
+          <a:lstStyle/>
+          <a:p>
+            <a:fld id="{4EF59023-6175-3944-979D-CFE35E3A8267}" type="datetime1">
+              <a:rPr lang="it-IT" smtClean="0"/>
+              <a:t>27/10/21</a:t>
+            </a:fld>
+            <a:endParaRPr lang="en-US" dirty="0"/>
+          </a:p>
+        </p:txBody>
+      </p:sp>
+      <p:sp>
+        <p:nvSpPr>
+          <p:cNvPr id="10" name="Segnaposto piè di pagina 4">
+            <a:extLst>
+              <a:ext uri="{FF2B5EF4-FFF2-40B4-BE49-F238E27FC236}">
+                <a16:creationId xmlns:a16="http://schemas.microsoft.com/office/drawing/2014/main" id="{EF14EF10-BEB1-384D-A6AB-034F29521330}"/>
+              </a:ext>
+            </a:extLst>
+          </p:cNvPr>
+          <p:cNvSpPr>
+            <a:spLocks noGrp="1"/>
+          </p:cNvSpPr>
+          <p:nvPr>
+            <p:ph type="ftr" sz="quarter" idx="11"/>
+          </p:nvPr>
+        </p:nvSpPr>
+        <p:spPr>
+          <a:xfrm>
+            <a:off x="4038600" y="6356350"/>
+            <a:ext cx="4114800" cy="365125"/>
+          </a:xfrm>
+        </p:spPr>
+        <p:txBody>
+          <a:bodyPr/>
+          <a:lstStyle/>
+          <a:p>
+            <a:r>
+              <a:rPr lang="en-US"/>
+              <a:t>Arianna Gasparri</a:t>
+            </a:r>
+            <a:endParaRPr lang="en-US" dirty="0"/>
+          </a:p>
+        </p:txBody>
+      </p:sp>
+      <p:sp>
+        <p:nvSpPr>
+          <p:cNvPr id="11" name="Segnaposto numero diapositiva 5">
+            <a:extLst>
+              <a:ext uri="{FF2B5EF4-FFF2-40B4-BE49-F238E27FC236}">
+                <a16:creationId xmlns:a16="http://schemas.microsoft.com/office/drawing/2014/main" id="{187C42DF-AC11-0148-A869-BAECC1EDB5F6}"/>
+              </a:ext>
+            </a:extLst>
+          </p:cNvPr>
+          <p:cNvSpPr>
+            <a:spLocks noGrp="1"/>
+          </p:cNvSpPr>
+          <p:nvPr>
+            <p:ph type="sldNum" sz="quarter" idx="12"/>
+          </p:nvPr>
+        </p:nvSpPr>
+        <p:spPr>
+          <a:xfrm>
+            <a:off x="8610600" y="6356350"/>
+            <a:ext cx="2743200" cy="365125"/>
+          </a:xfrm>
+        </p:spPr>
+        <p:txBody>
+          <a:bodyPr/>
+          <a:lstStyle/>
+          <a:p>
+            <a:fld id="{6D22F896-40B5-4ADD-8801-0D06FADFA095}" type="slidenum">
+              <a:rPr lang="en-US" smtClean="0"/>
+              <a:t>6</a:t>
+            </a:fld>
+            <a:endParaRPr lang="en-US" dirty="0"/>
+          </a:p>
+        </p:txBody>
+      </p:sp>
+      <p:pic>
+        <p:nvPicPr>
+          <p:cNvPr id="12" name="Immagine 11">
+            <a:extLst>
+              <a:ext uri="{FF2B5EF4-FFF2-40B4-BE49-F238E27FC236}">
+                <a16:creationId xmlns:a16="http://schemas.microsoft.com/office/drawing/2014/main" id="{970A1B8C-F133-CF47-AD17-474AB28A018F}"/>
+              </a:ext>
+            </a:extLst>
+          </p:cNvPr>
+          <p:cNvPicPr>
+            <a:picLocks noChangeAspect="1"/>
+          </p:cNvPicPr>
+          <p:nvPr/>
+        </p:nvPicPr>
+        <p:blipFill>
+          <a:blip r:embed="rId5" cstate="print">
+            <a:extLst>
+              <a:ext uri="{28A0092B-C50C-407E-A947-70E740481C1C}">
+                <a14:useLocalDpi xmlns:a14="http://schemas.microsoft.com/office/drawing/2010/main" val="0"/>
+              </a:ext>
+            </a:extLst>
+          </a:blip>
+          <a:stretch>
+            <a:fillRect/>
+          </a:stretch>
+        </p:blipFill>
+        <p:spPr>
+          <a:xfrm>
+            <a:off x="241420" y="265431"/>
+            <a:ext cx="571500" cy="518160"/>
+          </a:xfrm>
+          <a:prstGeom prst="rect">
+            <a:avLst/>
+          </a:prstGeom>
+        </p:spPr>
+      </p:pic>
     </p:spTree>
     <p:extLst>
       <p:ext uri="{BB962C8B-B14F-4D97-AF65-F5344CB8AC3E}">
@@ -13905,6 +16811,144 @@
           </a:p>
         </p:txBody>
       </p:sp>
+      <p:sp>
+        <p:nvSpPr>
+          <p:cNvPr id="14" name="Segnaposto data 3">
+            <a:extLst>
+              <a:ext uri="{FF2B5EF4-FFF2-40B4-BE49-F238E27FC236}">
+                <a16:creationId xmlns:a16="http://schemas.microsoft.com/office/drawing/2014/main" id="{3E166D57-1629-0B40-8A51-1F1D5258E3CA}"/>
+              </a:ext>
+            </a:extLst>
+          </p:cNvPr>
+          <p:cNvSpPr>
+            <a:spLocks noGrp="1"/>
+          </p:cNvSpPr>
+          <p:nvPr>
+            <p:ph type="dt" sz="half" idx="10"/>
+          </p:nvPr>
+        </p:nvSpPr>
+        <p:spPr>
+          <a:xfrm>
+            <a:off x="838200" y="6356350"/>
+            <a:ext cx="2743200" cy="365125"/>
+          </a:xfrm>
+        </p:spPr>
+        <p:txBody>
+          <a:bodyPr/>
+          <a:lstStyle/>
+          <a:p>
+            <a:fld id="{4EF59023-6175-3944-979D-CFE35E3A8267}" type="datetime1">
+              <a:rPr lang="it-IT" smtClean="0"/>
+              <a:t>27/10/21</a:t>
+            </a:fld>
+            <a:endParaRPr lang="en-US" dirty="0"/>
+          </a:p>
+        </p:txBody>
+      </p:sp>
+      <p:sp>
+        <p:nvSpPr>
+          <p:cNvPr id="15" name="Segnaposto piè di pagina 4">
+            <a:extLst>
+              <a:ext uri="{FF2B5EF4-FFF2-40B4-BE49-F238E27FC236}">
+                <a16:creationId xmlns:a16="http://schemas.microsoft.com/office/drawing/2014/main" id="{0CDCD4B5-8D93-5549-8C75-6BF85D8AEF0F}"/>
+              </a:ext>
+            </a:extLst>
+          </p:cNvPr>
+          <p:cNvSpPr>
+            <a:spLocks noGrp="1"/>
+          </p:cNvSpPr>
+          <p:nvPr>
+            <p:ph type="ftr" sz="quarter" idx="11"/>
+          </p:nvPr>
+        </p:nvSpPr>
+        <p:spPr>
+          <a:xfrm>
+            <a:off x="4038600" y="6356350"/>
+            <a:ext cx="4114800" cy="365125"/>
+          </a:xfrm>
+        </p:spPr>
+        <p:txBody>
+          <a:bodyPr/>
+          <a:lstStyle/>
+          <a:p>
+            <a:r>
+              <a:rPr lang="en-US"/>
+              <a:t>Arianna Gasparri</a:t>
+            </a:r>
+            <a:endParaRPr lang="en-US" dirty="0"/>
+          </a:p>
+        </p:txBody>
+      </p:sp>
+      <p:sp>
+        <p:nvSpPr>
+          <p:cNvPr id="16" name="Segnaposto numero diapositiva 5">
+            <a:extLst>
+              <a:ext uri="{FF2B5EF4-FFF2-40B4-BE49-F238E27FC236}">
+                <a16:creationId xmlns:a16="http://schemas.microsoft.com/office/drawing/2014/main" id="{3D8CB778-5B77-A843-A62B-74D4FE62DD72}"/>
+              </a:ext>
+            </a:extLst>
+          </p:cNvPr>
+          <p:cNvSpPr>
+            <a:spLocks noGrp="1"/>
+          </p:cNvSpPr>
+          <p:nvPr>
+            <p:ph type="sldNum" sz="quarter" idx="12"/>
+          </p:nvPr>
+        </p:nvSpPr>
+        <p:spPr>
+          <a:xfrm>
+            <a:off x="8610600" y="6356350"/>
+            <a:ext cx="2743200" cy="365125"/>
+          </a:xfrm>
+        </p:spPr>
+        <p:txBody>
+          <a:bodyPr/>
+          <a:lstStyle/>
+          <a:p>
+            <a:fld id="{6D22F896-40B5-4ADD-8801-0D06FADFA095}" type="slidenum">
+              <a:rPr lang="en-US" smtClean="0"/>
+              <a:t>7</a:t>
+            </a:fld>
+            <a:endParaRPr lang="en-US" dirty="0"/>
+          </a:p>
+        </p:txBody>
+      </p:sp>
+      <p:pic>
+        <p:nvPicPr>
+          <p:cNvPr id="17" name="Immagine 16">
+            <a:extLst>
+              <a:ext uri="{FF2B5EF4-FFF2-40B4-BE49-F238E27FC236}">
+                <a16:creationId xmlns:a16="http://schemas.microsoft.com/office/drawing/2014/main" id="{64F6139B-9AA2-4944-9E7D-EEB60ABEF8B4}"/>
+              </a:ext>
+            </a:extLst>
+          </p:cNvPr>
+          <p:cNvPicPr>
+            <a:picLocks noChangeAspect="1"/>
+          </p:cNvPicPr>
+          <p:nvPr/>
+        </p:nvPicPr>
+        <p:blipFill>
+          <a:blip r:embed="rId5" cstate="print">
+            <a:extLst>
+              <a:ext uri="{28A0092B-C50C-407E-A947-70E740481C1C}">
+                <a14:useLocalDpi xmlns:a14="http://schemas.microsoft.com/office/drawing/2010/main" val="0"/>
+              </a:ext>
+            </a:extLst>
+          </a:blip>
+          <a:stretch>
+            <a:fillRect/>
+          </a:stretch>
+        </p:blipFill>
+        <p:spPr>
+          <a:xfrm>
+            <a:off x="241420" y="265431"/>
+            <a:ext cx="571500" cy="518160"/>
+          </a:xfrm>
+          <a:prstGeom prst="rect">
+            <a:avLst/>
+          </a:prstGeom>
+        </p:spPr>
+      </p:pic>
     </p:spTree>
     <p:extLst>
       <p:ext uri="{BB962C8B-B14F-4D97-AF65-F5344CB8AC3E}">
@@ -14538,6 +17582,144 @@
           </a:prstGeom>
         </p:spPr>
       </p:pic>
+      <p:sp>
+        <p:nvSpPr>
+          <p:cNvPr id="6" name="Segnaposto data 3">
+            <a:extLst>
+              <a:ext uri="{FF2B5EF4-FFF2-40B4-BE49-F238E27FC236}">
+                <a16:creationId xmlns:a16="http://schemas.microsoft.com/office/drawing/2014/main" id="{395D4D99-6CC3-B948-BA90-D637513919B0}"/>
+              </a:ext>
+            </a:extLst>
+          </p:cNvPr>
+          <p:cNvSpPr>
+            <a:spLocks noGrp="1"/>
+          </p:cNvSpPr>
+          <p:nvPr>
+            <p:ph type="dt" sz="half" idx="10"/>
+          </p:nvPr>
+        </p:nvSpPr>
+        <p:spPr>
+          <a:xfrm>
+            <a:off x="838200" y="6356350"/>
+            <a:ext cx="2743200" cy="365125"/>
+          </a:xfrm>
+        </p:spPr>
+        <p:txBody>
+          <a:bodyPr/>
+          <a:lstStyle/>
+          <a:p>
+            <a:fld id="{4EF59023-6175-3944-979D-CFE35E3A8267}" type="datetime1">
+              <a:rPr lang="it-IT" smtClean="0"/>
+              <a:t>27/10/21</a:t>
+            </a:fld>
+            <a:endParaRPr lang="en-US" dirty="0"/>
+          </a:p>
+        </p:txBody>
+      </p:sp>
+      <p:sp>
+        <p:nvSpPr>
+          <p:cNvPr id="7" name="Segnaposto piè di pagina 4">
+            <a:extLst>
+              <a:ext uri="{FF2B5EF4-FFF2-40B4-BE49-F238E27FC236}">
+                <a16:creationId xmlns:a16="http://schemas.microsoft.com/office/drawing/2014/main" id="{B1278691-0DCC-F94E-876D-F4F9488EAA19}"/>
+              </a:ext>
+            </a:extLst>
+          </p:cNvPr>
+          <p:cNvSpPr>
+            <a:spLocks noGrp="1"/>
+          </p:cNvSpPr>
+          <p:nvPr>
+            <p:ph type="ftr" sz="quarter" idx="11"/>
+          </p:nvPr>
+        </p:nvSpPr>
+        <p:spPr>
+          <a:xfrm>
+            <a:off x="4038600" y="6356350"/>
+            <a:ext cx="4114800" cy="365125"/>
+          </a:xfrm>
+        </p:spPr>
+        <p:txBody>
+          <a:bodyPr/>
+          <a:lstStyle/>
+          <a:p>
+            <a:r>
+              <a:rPr lang="en-US"/>
+              <a:t>Arianna Gasparri</a:t>
+            </a:r>
+            <a:endParaRPr lang="en-US" dirty="0"/>
+          </a:p>
+        </p:txBody>
+      </p:sp>
+      <p:sp>
+        <p:nvSpPr>
+          <p:cNvPr id="8" name="Segnaposto numero diapositiva 5">
+            <a:extLst>
+              <a:ext uri="{FF2B5EF4-FFF2-40B4-BE49-F238E27FC236}">
+                <a16:creationId xmlns:a16="http://schemas.microsoft.com/office/drawing/2014/main" id="{B960D371-878D-3644-B57D-4B28C824C92F}"/>
+              </a:ext>
+            </a:extLst>
+          </p:cNvPr>
+          <p:cNvSpPr>
+            <a:spLocks noGrp="1"/>
+          </p:cNvSpPr>
+          <p:nvPr>
+            <p:ph type="sldNum" sz="quarter" idx="12"/>
+          </p:nvPr>
+        </p:nvSpPr>
+        <p:spPr>
+          <a:xfrm>
+            <a:off x="8610600" y="6356350"/>
+            <a:ext cx="2743200" cy="365125"/>
+          </a:xfrm>
+        </p:spPr>
+        <p:txBody>
+          <a:bodyPr/>
+          <a:lstStyle/>
+          <a:p>
+            <a:fld id="{6D22F896-40B5-4ADD-8801-0D06FADFA095}" type="slidenum">
+              <a:rPr lang="en-US" smtClean="0"/>
+              <a:t>8</a:t>
+            </a:fld>
+            <a:endParaRPr lang="en-US" dirty="0"/>
+          </a:p>
+        </p:txBody>
+      </p:sp>
+      <p:pic>
+        <p:nvPicPr>
+          <p:cNvPr id="9" name="Immagine 8">
+            <a:extLst>
+              <a:ext uri="{FF2B5EF4-FFF2-40B4-BE49-F238E27FC236}">
+                <a16:creationId xmlns:a16="http://schemas.microsoft.com/office/drawing/2014/main" id="{1E8BF8B2-B066-144E-B720-811B674331B1}"/>
+              </a:ext>
+            </a:extLst>
+          </p:cNvPr>
+          <p:cNvPicPr>
+            <a:picLocks noChangeAspect="1"/>
+          </p:cNvPicPr>
+          <p:nvPr/>
+        </p:nvPicPr>
+        <p:blipFill>
+          <a:blip r:embed="rId4" cstate="print">
+            <a:extLst>
+              <a:ext uri="{28A0092B-C50C-407E-A947-70E740481C1C}">
+                <a14:useLocalDpi xmlns:a14="http://schemas.microsoft.com/office/drawing/2010/main" val="0"/>
+              </a:ext>
+            </a:extLst>
+          </a:blip>
+          <a:stretch>
+            <a:fillRect/>
+          </a:stretch>
+        </p:blipFill>
+        <p:spPr>
+          <a:xfrm>
+            <a:off x="241420" y="265431"/>
+            <a:ext cx="571500" cy="518160"/>
+          </a:xfrm>
+          <a:prstGeom prst="rect">
+            <a:avLst/>
+          </a:prstGeom>
+        </p:spPr>
+      </p:pic>
     </p:spTree>
     <p:extLst>
       <p:ext uri="{BB962C8B-B14F-4D97-AF65-F5344CB8AC3E}">
@@ -14763,6 +17945,144 @@
           <a:xfrm>
             <a:off x="6859814" y="3913253"/>
             <a:ext cx="3175000" cy="1587500"/>
+          </a:xfrm>
+          <a:prstGeom prst="rect">
+            <a:avLst/>
+          </a:prstGeom>
+        </p:spPr>
+      </p:pic>
+      <p:sp>
+        <p:nvSpPr>
+          <p:cNvPr id="8" name="Segnaposto data 3">
+            <a:extLst>
+              <a:ext uri="{FF2B5EF4-FFF2-40B4-BE49-F238E27FC236}">
+                <a16:creationId xmlns:a16="http://schemas.microsoft.com/office/drawing/2014/main" id="{3E7C4031-113F-EC4F-AE0C-F6023746B0DB}"/>
+              </a:ext>
+            </a:extLst>
+          </p:cNvPr>
+          <p:cNvSpPr>
+            <a:spLocks noGrp="1"/>
+          </p:cNvSpPr>
+          <p:nvPr>
+            <p:ph type="dt" sz="half" idx="10"/>
+          </p:nvPr>
+        </p:nvSpPr>
+        <p:spPr>
+          <a:xfrm>
+            <a:off x="838200" y="6356350"/>
+            <a:ext cx="2743200" cy="365125"/>
+          </a:xfrm>
+        </p:spPr>
+        <p:txBody>
+          <a:bodyPr/>
+          <a:lstStyle/>
+          <a:p>
+            <a:fld id="{4EF59023-6175-3944-979D-CFE35E3A8267}" type="datetime1">
+              <a:rPr lang="it-IT" smtClean="0"/>
+              <a:t>27/10/21</a:t>
+            </a:fld>
+            <a:endParaRPr lang="en-US" dirty="0"/>
+          </a:p>
+        </p:txBody>
+      </p:sp>
+      <p:sp>
+        <p:nvSpPr>
+          <p:cNvPr id="9" name="Segnaposto piè di pagina 4">
+            <a:extLst>
+              <a:ext uri="{FF2B5EF4-FFF2-40B4-BE49-F238E27FC236}">
+                <a16:creationId xmlns:a16="http://schemas.microsoft.com/office/drawing/2014/main" id="{7A03C511-D48B-EE45-9B4E-BF99CAC98449}"/>
+              </a:ext>
+            </a:extLst>
+          </p:cNvPr>
+          <p:cNvSpPr>
+            <a:spLocks noGrp="1"/>
+          </p:cNvSpPr>
+          <p:nvPr>
+            <p:ph type="ftr" sz="quarter" idx="11"/>
+          </p:nvPr>
+        </p:nvSpPr>
+        <p:spPr>
+          <a:xfrm>
+            <a:off x="4038600" y="6356350"/>
+            <a:ext cx="4114800" cy="365125"/>
+          </a:xfrm>
+        </p:spPr>
+        <p:txBody>
+          <a:bodyPr/>
+          <a:lstStyle/>
+          <a:p>
+            <a:r>
+              <a:rPr lang="en-US"/>
+              <a:t>Arianna Gasparri</a:t>
+            </a:r>
+            <a:endParaRPr lang="en-US" dirty="0"/>
+          </a:p>
+        </p:txBody>
+      </p:sp>
+      <p:sp>
+        <p:nvSpPr>
+          <p:cNvPr id="10" name="Segnaposto numero diapositiva 5">
+            <a:extLst>
+              <a:ext uri="{FF2B5EF4-FFF2-40B4-BE49-F238E27FC236}">
+                <a16:creationId xmlns:a16="http://schemas.microsoft.com/office/drawing/2014/main" id="{A9C1C722-7DE2-BA4B-A28E-07524601EB93}"/>
+              </a:ext>
+            </a:extLst>
+          </p:cNvPr>
+          <p:cNvSpPr>
+            <a:spLocks noGrp="1"/>
+          </p:cNvSpPr>
+          <p:nvPr>
+            <p:ph type="sldNum" sz="quarter" idx="12"/>
+          </p:nvPr>
+        </p:nvSpPr>
+        <p:spPr>
+          <a:xfrm>
+            <a:off x="8610600" y="6356350"/>
+            <a:ext cx="2743200" cy="365125"/>
+          </a:xfrm>
+        </p:spPr>
+        <p:txBody>
+          <a:bodyPr/>
+          <a:lstStyle/>
+          <a:p>
+            <a:fld id="{6D22F896-40B5-4ADD-8801-0D06FADFA095}" type="slidenum">
+              <a:rPr lang="en-US" smtClean="0"/>
+              <a:t>9</a:t>
+            </a:fld>
+            <a:endParaRPr lang="en-US" dirty="0"/>
+          </a:p>
+        </p:txBody>
+      </p:sp>
+      <p:pic>
+        <p:nvPicPr>
+          <p:cNvPr id="11" name="Immagine 10">
+            <a:extLst>
+              <a:ext uri="{FF2B5EF4-FFF2-40B4-BE49-F238E27FC236}">
+                <a16:creationId xmlns:a16="http://schemas.microsoft.com/office/drawing/2014/main" id="{49AD5853-91D4-B342-B8E7-425741D7C4F3}"/>
+              </a:ext>
+            </a:extLst>
+          </p:cNvPr>
+          <p:cNvPicPr>
+            <a:picLocks noChangeAspect="1"/>
+          </p:cNvPicPr>
+          <p:nvPr/>
+        </p:nvPicPr>
+        <p:blipFill>
+          <a:blip r:embed="rId5" cstate="print">
+            <a:extLst>
+              <a:ext uri="{28A0092B-C50C-407E-A947-70E740481C1C}">
+                <a14:useLocalDpi xmlns:a14="http://schemas.microsoft.com/office/drawing/2010/main" val="0"/>
+              </a:ext>
+            </a:extLst>
+          </a:blip>
+          <a:stretch>
+            <a:fillRect/>
+          </a:stretch>
+        </p:blipFill>
+        <p:spPr>
+          <a:xfrm>
+            <a:off x="241420" y="265431"/>
+            <a:ext cx="571500" cy="518160"/>
           </a:xfrm>
           <a:prstGeom prst="rect">
             <a:avLst/>

--- a/Relazione/Presentazione.pptx
+++ b/Relazione/Presentazione.pptx
@@ -22,15 +22,17 @@
     <p:sldId id="267" r:id="rId16"/>
     <p:sldId id="268" r:id="rId17"/>
     <p:sldId id="269" r:id="rId18"/>
-    <p:sldId id="274" r:id="rId19"/>
-    <p:sldId id="273" r:id="rId20"/>
-    <p:sldId id="275" r:id="rId21"/>
-    <p:sldId id="276" r:id="rId22"/>
-    <p:sldId id="277" r:id="rId23"/>
-    <p:sldId id="278" r:id="rId24"/>
-    <p:sldId id="279" r:id="rId25"/>
-    <p:sldId id="280" r:id="rId26"/>
-    <p:sldId id="281" r:id="rId27"/>
+    <p:sldId id="282" r:id="rId19"/>
+    <p:sldId id="283" r:id="rId20"/>
+    <p:sldId id="274" r:id="rId21"/>
+    <p:sldId id="273" r:id="rId22"/>
+    <p:sldId id="275" r:id="rId23"/>
+    <p:sldId id="276" r:id="rId24"/>
+    <p:sldId id="277" r:id="rId25"/>
+    <p:sldId id="278" r:id="rId26"/>
+    <p:sldId id="279" r:id="rId27"/>
+    <p:sldId id="280" r:id="rId28"/>
+    <p:sldId id="281" r:id="rId29"/>
   </p:sldIdLst>
   <p:sldSz cx="12192000" cy="6858000"/>
   <p:notesSz cx="6858000" cy="9144000"/>
@@ -284,7 +286,7 @@
           <a:p>
             <a:fld id="{27153579-3A4D-BB42-BD49-BB0F80A81A61}" type="datetimeFigureOut">
               <a:rPr lang="it-IT" smtClean="0"/>
-              <a:t>27/10/21</a:t>
+              <a:t>02/11/21</a:t>
             </a:fld>
             <a:endParaRPr lang="it-IT"/>
           </a:p>
@@ -457,7 +459,7 @@
           <a:p>
             <a:fld id="{27153579-3A4D-BB42-BD49-BB0F80A81A61}" type="datetimeFigureOut">
               <a:rPr lang="it-IT" smtClean="0"/>
-              <a:t>27/10/21</a:t>
+              <a:t>02/11/21</a:t>
             </a:fld>
             <a:endParaRPr lang="it-IT"/>
           </a:p>
@@ -640,7 +642,7 @@
           <a:p>
             <a:fld id="{27153579-3A4D-BB42-BD49-BB0F80A81A61}" type="datetimeFigureOut">
               <a:rPr lang="it-IT" smtClean="0"/>
-              <a:t>27/10/21</a:t>
+              <a:t>02/11/21</a:t>
             </a:fld>
             <a:endParaRPr lang="it-IT"/>
           </a:p>
@@ -813,7 +815,7 @@
           <a:p>
             <a:fld id="{27153579-3A4D-BB42-BD49-BB0F80A81A61}" type="datetimeFigureOut">
               <a:rPr lang="it-IT" smtClean="0"/>
-              <a:t>27/10/21</a:t>
+              <a:t>02/11/21</a:t>
             </a:fld>
             <a:endParaRPr lang="it-IT"/>
           </a:p>
@@ -1091,7 +1093,7 @@
           <a:p>
             <a:fld id="{27153579-3A4D-BB42-BD49-BB0F80A81A61}" type="datetimeFigureOut">
               <a:rPr lang="it-IT" smtClean="0"/>
-              <a:t>27/10/21</a:t>
+              <a:t>02/11/21</a:t>
             </a:fld>
             <a:endParaRPr lang="it-IT"/>
           </a:p>
@@ -1306,7 +1308,7 @@
           <a:p>
             <a:fld id="{27153579-3A4D-BB42-BD49-BB0F80A81A61}" type="datetimeFigureOut">
               <a:rPr lang="it-IT" smtClean="0"/>
-              <a:t>27/10/21</a:t>
+              <a:t>02/11/21</a:t>
             </a:fld>
             <a:endParaRPr lang="it-IT"/>
           </a:p>
@@ -1674,7 +1676,7 @@
           <a:p>
             <a:fld id="{27153579-3A4D-BB42-BD49-BB0F80A81A61}" type="datetimeFigureOut">
               <a:rPr lang="it-IT" smtClean="0"/>
-              <a:t>27/10/21</a:t>
+              <a:t>02/11/21</a:t>
             </a:fld>
             <a:endParaRPr lang="it-IT"/>
           </a:p>
@@ -1815,7 +1817,7 @@
           <a:p>
             <a:fld id="{27153579-3A4D-BB42-BD49-BB0F80A81A61}" type="datetimeFigureOut">
               <a:rPr lang="it-IT" smtClean="0"/>
-              <a:t>27/10/21</a:t>
+              <a:t>02/11/21</a:t>
             </a:fld>
             <a:endParaRPr lang="it-IT"/>
           </a:p>
@@ -1928,7 +1930,7 @@
           <a:p>
             <a:fld id="{27153579-3A4D-BB42-BD49-BB0F80A81A61}" type="datetimeFigureOut">
               <a:rPr lang="it-IT" smtClean="0"/>
-              <a:t>27/10/21</a:t>
+              <a:t>02/11/21</a:t>
             </a:fld>
             <a:endParaRPr lang="it-IT"/>
           </a:p>
@@ -2217,7 +2219,7 @@
           <a:p>
             <a:fld id="{27153579-3A4D-BB42-BD49-BB0F80A81A61}" type="datetimeFigureOut">
               <a:rPr lang="it-IT" smtClean="0"/>
-              <a:t>27/10/21</a:t>
+              <a:t>02/11/21</a:t>
             </a:fld>
             <a:endParaRPr lang="it-IT"/>
           </a:p>
@@ -2508,7 +2510,7 @@
           <a:p>
             <a:fld id="{27153579-3A4D-BB42-BD49-BB0F80A81A61}" type="datetimeFigureOut">
               <a:rPr lang="it-IT" smtClean="0"/>
-              <a:t>27/10/21</a:t>
+              <a:t>02/11/21</a:t>
             </a:fld>
             <a:endParaRPr lang="it-IT"/>
           </a:p>
@@ -2724,7 +2726,7 @@
           <a:p>
             <a:fld id="{27153579-3A4D-BB42-BD49-BB0F80A81A61}" type="datetimeFigureOut">
               <a:rPr lang="it-IT" smtClean="0"/>
-              <a:t>27/10/21</a:t>
+              <a:t>02/11/21</a:t>
             </a:fld>
             <a:endParaRPr lang="it-IT"/>
           </a:p>
@@ -3482,7 +3484,7 @@
           <a:p>
             <a:fld id="{4EF59023-6175-3944-979D-CFE35E3A8267}" type="datetime1">
               <a:rPr lang="it-IT" smtClean="0"/>
-              <a:t>27/10/21</a:t>
+              <a:t>02/11/21</a:t>
             </a:fld>
             <a:endParaRPr lang="en-US" dirty="0"/>
           </a:p>
@@ -4261,7 +4263,7 @@
           <a:p>
             <a:fld id="{4EF59023-6175-3944-979D-CFE35E3A8267}" type="datetime1">
               <a:rPr lang="it-IT" smtClean="0"/>
-              <a:t>27/10/21</a:t>
+              <a:t>02/11/21</a:t>
             </a:fld>
             <a:endParaRPr lang="en-US" dirty="0"/>
           </a:p>
@@ -4646,7 +4648,7 @@
           <a:p>
             <a:fld id="{4EF59023-6175-3944-979D-CFE35E3A8267}" type="datetime1">
               <a:rPr lang="it-IT" smtClean="0"/>
-              <a:t>27/10/21</a:t>
+              <a:t>02/11/21</a:t>
             </a:fld>
             <a:endParaRPr lang="en-US" dirty="0"/>
           </a:p>
@@ -4974,7 +4976,7 @@
           <a:p>
             <a:fld id="{4EF59023-6175-3944-979D-CFE35E3A8267}" type="datetime1">
               <a:rPr lang="it-IT" smtClean="0"/>
-              <a:t>27/10/21</a:t>
+              <a:t>02/11/21</a:t>
             </a:fld>
             <a:endParaRPr lang="en-US" dirty="0"/>
           </a:p>
@@ -5761,7 +5763,7 @@
           <a:p>
             <a:fld id="{4EF59023-6175-3944-979D-CFE35E3A8267}" type="datetime1">
               <a:rPr lang="it-IT" smtClean="0"/>
-              <a:t>27/10/21</a:t>
+              <a:t>02/11/21</a:t>
             </a:fld>
             <a:endParaRPr lang="en-US" dirty="0"/>
           </a:p>
@@ -6296,7 +6298,7 @@
           <a:p>
             <a:fld id="{4EF59023-6175-3944-979D-CFE35E3A8267}" type="datetime1">
               <a:rPr lang="it-IT" smtClean="0"/>
-              <a:t>27/10/21</a:t>
+              <a:t>02/11/21</a:t>
             </a:fld>
             <a:endParaRPr lang="en-US" dirty="0"/>
           </a:p>
@@ -6602,7 +6604,7 @@
           <a:p>
             <a:fld id="{4EF59023-6175-3944-979D-CFE35E3A8267}" type="datetime1">
               <a:rPr lang="it-IT" smtClean="0"/>
-              <a:t>27/10/21</a:t>
+              <a:t>02/11/21</a:t>
             </a:fld>
             <a:endParaRPr lang="en-US" dirty="0"/>
           </a:p>
@@ -7186,7 +7188,7 @@
           <a:p>
             <a:fld id="{4EF59023-6175-3944-979D-CFE35E3A8267}" type="datetime1">
               <a:rPr lang="it-IT" smtClean="0"/>
-              <a:t>27/10/21</a:t>
+              <a:t>02/11/21</a:t>
             </a:fld>
             <a:endParaRPr lang="en-US" dirty="0"/>
           </a:p>
@@ -7328,10 +7330,72 @@
       </p:grpSpPr>
       <p:sp>
         <p:nvSpPr>
-          <p:cNvPr id="2" name="Titolo 1">
-            <a:extLst>
-              <a:ext uri="{FF2B5EF4-FFF2-40B4-BE49-F238E27FC236}">
-                <a16:creationId xmlns:a16="http://schemas.microsoft.com/office/drawing/2014/main" id="{EC4DE27F-9EE0-A747-BF3B-EE0B89D62F48}"/>
+          <p:cNvPr id="5" name="Titolo 1">
+            <a:extLst>
+              <a:ext uri="{FF2B5EF4-FFF2-40B4-BE49-F238E27FC236}">
+                <a16:creationId xmlns:a16="http://schemas.microsoft.com/office/drawing/2014/main" id="{719936BE-0F9D-C74E-9E55-A7F2CE751F93}"/>
+              </a:ext>
+            </a:extLst>
+          </p:cNvPr>
+          <p:cNvSpPr txBox="1">
+            <a:spLocks/>
+          </p:cNvSpPr>
+          <p:nvPr/>
+        </p:nvSpPr>
+        <p:spPr>
+          <a:xfrm>
+            <a:off x="1524000" y="454393"/>
+            <a:ext cx="9144000" cy="1021230"/>
+          </a:xfrm>
+          <a:prstGeom prst="rect">
+            <a:avLst/>
+          </a:prstGeom>
+        </p:spPr>
+        <p:txBody>
+          <a:bodyPr vert="horz" lIns="91440" tIns="45720" rIns="91440" bIns="45720" rtlCol="0" anchor="ctr">
+            <a:normAutofit fontScale="85000" lnSpcReduction="20000"/>
+          </a:bodyPr>
+          <a:lstStyle>
+            <a:lvl1pPr algn="l" defTabSz="914400" rtl="0" eaLnBrk="1" latinLnBrk="0" hangingPunct="1">
+              <a:lnSpc>
+                <a:spcPct val="90000"/>
+              </a:lnSpc>
+              <a:spcBef>
+                <a:spcPct val="0"/>
+              </a:spcBef>
+              <a:buNone/>
+              <a:defRPr sz="4400" kern="1200">
+                <a:solidFill>
+                  <a:schemeClr val="tx1"/>
+                </a:solidFill>
+                <a:latin typeface="+mj-lt"/>
+                <a:ea typeface="+mj-ea"/>
+                <a:cs typeface="+mj-cs"/>
+              </a:defRPr>
+            </a:lvl1pPr>
+          </a:lstStyle>
+          <a:p>
+            <a:pPr algn="ctr"/>
+            <a:r>
+              <a:rPr lang="it-IT" sz="5200" dirty="0"/>
+              <a:t>Manipolatore di Stanford</a:t>
+            </a:r>
+          </a:p>
+          <a:p>
+            <a:pPr algn="ctr"/>
+            <a:r>
+              <a:rPr lang="it-IT" sz="3800" dirty="0"/>
+              <a:t>Confronto tra controllori</a:t>
+            </a:r>
+          </a:p>
+        </p:txBody>
+      </p:sp>
+      <p:sp>
+        <p:nvSpPr>
+          <p:cNvPr id="6" name="Segnaposto data 3">
+            <a:extLst>
+              <a:ext uri="{FF2B5EF4-FFF2-40B4-BE49-F238E27FC236}">
+                <a16:creationId xmlns:a16="http://schemas.microsoft.com/office/drawing/2014/main" id="{E31BE159-E7C8-C24F-9CBB-A7F601D7B4BC}"/>
               </a:ext>
             </a:extLst>
           </p:cNvPr>
@@ -7339,41 +7403,101 @@
             <a:spLocks noGrp="1"/>
           </p:cNvSpPr>
           <p:nvPr>
-            <p:ph type="ctrTitle"/>
+            <p:ph type="dt" sz="half" idx="10"/>
           </p:nvPr>
         </p:nvSpPr>
         <p:spPr>
           <a:xfrm>
-            <a:off x="1524000" y="454393"/>
-            <a:ext cx="9144000" cy="1021230"/>
+            <a:off x="838200" y="6356350"/>
+            <a:ext cx="2743200" cy="365125"/>
           </a:xfrm>
         </p:spPr>
         <p:txBody>
           <a:bodyPr/>
           <a:lstStyle/>
           <a:p>
-            <a:r>
-              <a:rPr lang="it-IT" dirty="0" err="1"/>
-              <a:t>Granty</a:t>
-            </a:r>
-            <a:r>
-              <a:rPr lang="it-IT" dirty="0"/>
-              <a:t> </a:t>
-            </a:r>
-            <a:r>
-              <a:rPr lang="it-IT" dirty="0" err="1"/>
-              <a:t>crane</a:t>
-            </a:r>
-            <a:endParaRPr lang="it-IT" dirty="0"/>
+            <a:fld id="{4EF59023-6175-3944-979D-CFE35E3A8267}" type="datetime1">
+              <a:rPr lang="it-IT" smtClean="0"/>
+              <a:t>02/11/21</a:t>
+            </a:fld>
+            <a:endParaRPr lang="en-US" dirty="0"/>
+          </a:p>
+        </p:txBody>
+      </p:sp>
+      <p:sp>
+        <p:nvSpPr>
+          <p:cNvPr id="7" name="Segnaposto piè di pagina 4">
+            <a:extLst>
+              <a:ext uri="{FF2B5EF4-FFF2-40B4-BE49-F238E27FC236}">
+                <a16:creationId xmlns:a16="http://schemas.microsoft.com/office/drawing/2014/main" id="{FB85E8B1-FEDB-9D4D-BEDC-B47C1654AEA9}"/>
+              </a:ext>
+            </a:extLst>
+          </p:cNvPr>
+          <p:cNvSpPr>
+            <a:spLocks noGrp="1"/>
+          </p:cNvSpPr>
+          <p:nvPr>
+            <p:ph type="ftr" sz="quarter" idx="11"/>
+          </p:nvPr>
+        </p:nvSpPr>
+        <p:spPr>
+          <a:xfrm>
+            <a:off x="4038600" y="6356350"/>
+            <a:ext cx="4114800" cy="365125"/>
+          </a:xfrm>
+        </p:spPr>
+        <p:txBody>
+          <a:bodyPr/>
+          <a:lstStyle/>
+          <a:p>
+            <a:r>
+              <a:rPr lang="en-US"/>
+              <a:t>Arianna Gasparri</a:t>
+            </a:r>
+            <a:endParaRPr lang="en-US" dirty="0"/>
+          </a:p>
+        </p:txBody>
+      </p:sp>
+      <p:sp>
+        <p:nvSpPr>
+          <p:cNvPr id="8" name="Segnaposto numero diapositiva 5">
+            <a:extLst>
+              <a:ext uri="{FF2B5EF4-FFF2-40B4-BE49-F238E27FC236}">
+                <a16:creationId xmlns:a16="http://schemas.microsoft.com/office/drawing/2014/main" id="{39627B88-FC50-354B-82EE-0494B9651314}"/>
+              </a:ext>
+            </a:extLst>
+          </p:cNvPr>
+          <p:cNvSpPr>
+            <a:spLocks noGrp="1"/>
+          </p:cNvSpPr>
+          <p:nvPr>
+            <p:ph type="sldNum" sz="quarter" idx="12"/>
+          </p:nvPr>
+        </p:nvSpPr>
+        <p:spPr>
+          <a:xfrm>
+            <a:off x="8610600" y="6356350"/>
+            <a:ext cx="2743200" cy="365125"/>
+          </a:xfrm>
+        </p:spPr>
+        <p:txBody>
+          <a:bodyPr/>
+          <a:lstStyle/>
+          <a:p>
+            <a:fld id="{6D22F896-40B5-4ADD-8801-0D06FADFA095}" type="slidenum">
+              <a:rPr lang="en-US" smtClean="0"/>
+              <a:t>18</a:t>
+            </a:fld>
+            <a:endParaRPr lang="en-US" dirty="0"/>
           </a:p>
         </p:txBody>
       </p:sp>
       <p:pic>
         <p:nvPicPr>
-          <p:cNvPr id="4" name="Immagine 3">
-            <a:extLst>
-              <a:ext uri="{FF2B5EF4-FFF2-40B4-BE49-F238E27FC236}">
-                <a16:creationId xmlns:a16="http://schemas.microsoft.com/office/drawing/2014/main" id="{96D82E7F-6103-A546-BCE8-2F5085DF3467}"/>
+          <p:cNvPr id="9" name="Immagine 8">
+            <a:extLst>
+              <a:ext uri="{FF2B5EF4-FFF2-40B4-BE49-F238E27FC236}">
+                <a16:creationId xmlns:a16="http://schemas.microsoft.com/office/drawing/2014/main" id="{53B4ECF9-C7E1-9548-8C2B-0D320A06911B}"/>
               </a:ext>
             </a:extLst>
           </p:cNvPr>
@@ -7383,178 +7507,33 @@
           <p:nvPr/>
         </p:nvPicPr>
         <p:blipFill>
-          <a:blip r:embed="rId2"/>
+          <a:blip r:embed="rId2" cstate="print">
+            <a:extLst>
+              <a:ext uri="{28A0092B-C50C-407E-A947-70E740481C1C}">
+                <a14:useLocalDpi xmlns:a14="http://schemas.microsoft.com/office/drawing/2010/main" val="0"/>
+              </a:ext>
+            </a:extLst>
+          </a:blip>
           <a:stretch>
             <a:fillRect/>
           </a:stretch>
         </p:blipFill>
         <p:spPr>
           <a:xfrm>
-            <a:off x="1524000" y="1475623"/>
-            <a:ext cx="3683000" cy="4089400"/>
+            <a:off x="241420" y="265431"/>
+            <a:ext cx="571500" cy="518160"/>
           </a:xfrm>
           <a:prstGeom prst="rect">
             <a:avLst/>
           </a:prstGeom>
         </p:spPr>
       </p:pic>
-      <p:sp>
-        <p:nvSpPr>
-          <p:cNvPr id="10" name="CasellaDiTesto 9">
-            <a:extLst>
-              <a:ext uri="{FF2B5EF4-FFF2-40B4-BE49-F238E27FC236}">
-                <a16:creationId xmlns:a16="http://schemas.microsoft.com/office/drawing/2014/main" id="{F46E9E04-607C-DB49-8EC7-C6CC7AC882D2}"/>
-              </a:ext>
-            </a:extLst>
-          </p:cNvPr>
-          <p:cNvSpPr txBox="1"/>
-          <p:nvPr/>
-        </p:nvSpPr>
-        <p:spPr>
-          <a:xfrm>
-            <a:off x="5410714" y="2227661"/>
-            <a:ext cx="5257286" cy="2585323"/>
-          </a:xfrm>
-          <a:prstGeom prst="rect">
-            <a:avLst/>
-          </a:prstGeom>
-          <a:noFill/>
-        </p:spPr>
-        <p:txBody>
-          <a:bodyPr wrap="square" rtlCol="0">
-            <a:spAutoFit/>
-          </a:bodyPr>
-          <a:lstStyle/>
-          <a:p>
-            <a:r>
-              <a:rPr lang="it-IT" dirty="0"/>
-              <a:t>Un modello di carro-ponte è rappresentato nella figura a fianco, assumendo che il carrello possa muoversi soltanto lungo la direzione del binario sul quale è posto, è ragionevole assumere che lo spostamento nella direzione perpendicolare al binario sia nullo e così anche l’angolo </a:t>
-            </a:r>
-            <a:r>
-              <a:rPr lang="it-IT" dirty="0" err="1"/>
-              <a:t>ɸ</a:t>
-            </a:r>
-            <a:r>
-              <a:rPr lang="it-IT" dirty="0"/>
-              <a:t>.</a:t>
-            </a:r>
-          </a:p>
-          <a:p>
-            <a:r>
-              <a:rPr lang="it-IT" dirty="0"/>
-              <a:t>Si assume che anche la forza sia diretta lungo la direzione del binario, riportando così il modello ad una sua semplificazione in 2D.</a:t>
-            </a:r>
-          </a:p>
-        </p:txBody>
-      </p:sp>
-      <p:sp>
-        <p:nvSpPr>
-          <p:cNvPr id="5" name="Segnaposto data 3">
-            <a:extLst>
-              <a:ext uri="{FF2B5EF4-FFF2-40B4-BE49-F238E27FC236}">
-                <a16:creationId xmlns:a16="http://schemas.microsoft.com/office/drawing/2014/main" id="{E482AEE9-99FE-5941-933D-546A9D875D94}"/>
-              </a:ext>
-            </a:extLst>
-          </p:cNvPr>
-          <p:cNvSpPr>
-            <a:spLocks noGrp="1"/>
-          </p:cNvSpPr>
-          <p:nvPr>
-            <p:ph type="dt" sz="half" idx="10"/>
-          </p:nvPr>
-        </p:nvSpPr>
-        <p:spPr>
-          <a:xfrm>
-            <a:off x="838200" y="6356350"/>
-            <a:ext cx="2743200" cy="365125"/>
-          </a:xfrm>
-        </p:spPr>
-        <p:txBody>
-          <a:bodyPr/>
-          <a:lstStyle/>
-          <a:p>
-            <a:fld id="{4EF59023-6175-3944-979D-CFE35E3A8267}" type="datetime1">
-              <a:rPr lang="it-IT" smtClean="0"/>
-              <a:t>27/10/21</a:t>
-            </a:fld>
-            <a:endParaRPr lang="en-US" dirty="0"/>
-          </a:p>
-        </p:txBody>
-      </p:sp>
-      <p:sp>
-        <p:nvSpPr>
-          <p:cNvPr id="6" name="Segnaposto piè di pagina 4">
-            <a:extLst>
-              <a:ext uri="{FF2B5EF4-FFF2-40B4-BE49-F238E27FC236}">
-                <a16:creationId xmlns:a16="http://schemas.microsoft.com/office/drawing/2014/main" id="{764284B5-3467-AE48-80D4-203ED67BF382}"/>
-              </a:ext>
-            </a:extLst>
-          </p:cNvPr>
-          <p:cNvSpPr>
-            <a:spLocks noGrp="1"/>
-          </p:cNvSpPr>
-          <p:nvPr>
-            <p:ph type="ftr" sz="quarter" idx="11"/>
-          </p:nvPr>
-        </p:nvSpPr>
-        <p:spPr>
-          <a:xfrm>
-            <a:off x="4038600" y="6356350"/>
-            <a:ext cx="4114800" cy="365125"/>
-          </a:xfrm>
-        </p:spPr>
-        <p:txBody>
-          <a:bodyPr/>
-          <a:lstStyle/>
-          <a:p>
-            <a:r>
-              <a:rPr lang="en-US"/>
-              <a:t>Arianna Gasparri</a:t>
-            </a:r>
-            <a:endParaRPr lang="en-US" dirty="0"/>
-          </a:p>
-        </p:txBody>
-      </p:sp>
-      <p:sp>
-        <p:nvSpPr>
-          <p:cNvPr id="7" name="Segnaposto numero diapositiva 5">
-            <a:extLst>
-              <a:ext uri="{FF2B5EF4-FFF2-40B4-BE49-F238E27FC236}">
-                <a16:creationId xmlns:a16="http://schemas.microsoft.com/office/drawing/2014/main" id="{19E6B972-3060-C34D-B468-73BD169952F1}"/>
-              </a:ext>
-            </a:extLst>
-          </p:cNvPr>
-          <p:cNvSpPr>
-            <a:spLocks noGrp="1"/>
-          </p:cNvSpPr>
-          <p:nvPr>
-            <p:ph type="sldNum" sz="quarter" idx="12"/>
-          </p:nvPr>
-        </p:nvSpPr>
-        <p:spPr>
-          <a:xfrm>
-            <a:off x="8610600" y="6356350"/>
-            <a:ext cx="2743200" cy="365125"/>
-          </a:xfrm>
-        </p:spPr>
-        <p:txBody>
-          <a:bodyPr/>
-          <a:lstStyle/>
-          <a:p>
-            <a:fld id="{6D22F896-40B5-4ADD-8801-0D06FADFA095}" type="slidenum">
-              <a:rPr lang="en-US" smtClean="0"/>
-              <a:t>18</a:t>
-            </a:fld>
-            <a:endParaRPr lang="en-US" dirty="0"/>
-          </a:p>
-        </p:txBody>
-      </p:sp>
       <p:pic>
         <p:nvPicPr>
-          <p:cNvPr id="8" name="Immagine 7">
-            <a:extLst>
-              <a:ext uri="{FF2B5EF4-FFF2-40B4-BE49-F238E27FC236}">
-                <a16:creationId xmlns:a16="http://schemas.microsoft.com/office/drawing/2014/main" id="{6C031ED0-BD61-034F-8985-0C2000CE0D92}"/>
+          <p:cNvPr id="12" name="Immagine 11">
+            <a:extLst>
+              <a:ext uri="{FF2B5EF4-FFF2-40B4-BE49-F238E27FC236}">
+                <a16:creationId xmlns:a16="http://schemas.microsoft.com/office/drawing/2014/main" id="{08E706B6-E40E-8542-886B-8D1899167A60}"/>
               </a:ext>
             </a:extLst>
           </p:cNvPr>
@@ -7564,21 +7543,15 @@
           <p:nvPr/>
         </p:nvPicPr>
         <p:blipFill>
-          <a:blip r:embed="rId3" cstate="print">
-            <a:extLst>
-              <a:ext uri="{28A0092B-C50C-407E-A947-70E740481C1C}">
-                <a14:useLocalDpi xmlns:a14="http://schemas.microsoft.com/office/drawing/2010/main" val="0"/>
-              </a:ext>
-            </a:extLst>
-          </a:blip>
+          <a:blip r:embed="rId3"/>
           <a:stretch>
             <a:fillRect/>
           </a:stretch>
         </p:blipFill>
         <p:spPr>
           <a:xfrm>
-            <a:off x="241420" y="265431"/>
-            <a:ext cx="571500" cy="518160"/>
+            <a:off x="1219200" y="1475623"/>
+            <a:ext cx="9753600" cy="4777740"/>
           </a:xfrm>
           <a:prstGeom prst="rect">
             <a:avLst/>
@@ -7588,7 +7561,7 @@
     </p:spTree>
     <p:extLst>
       <p:ext uri="{BB962C8B-B14F-4D97-AF65-F5344CB8AC3E}">
-        <p14:creationId xmlns:p14="http://schemas.microsoft.com/office/powerpoint/2010/main" val="2508728585"/>
+        <p14:creationId xmlns:p14="http://schemas.microsoft.com/office/powerpoint/2010/main" val="3419258340"/>
       </p:ext>
     </p:extLst>
   </p:cSld>
@@ -7615,143 +7588,12 @@
           <a:chExt cx="0" cy="0"/>
         </a:xfrm>
       </p:grpSpPr>
-      <p:pic>
-        <p:nvPicPr>
-          <p:cNvPr id="5" name="Immagine 4">
-            <a:extLst>
-              <a:ext uri="{FF2B5EF4-FFF2-40B4-BE49-F238E27FC236}">
-                <a16:creationId xmlns:a16="http://schemas.microsoft.com/office/drawing/2014/main" id="{6B271FC1-9853-8B46-B074-A5E6D5A515AD}"/>
-              </a:ext>
-            </a:extLst>
-          </p:cNvPr>
-          <p:cNvPicPr>
-            <a:picLocks noChangeAspect="1"/>
-          </p:cNvPicPr>
-          <p:nvPr/>
-        </p:nvPicPr>
-        <p:blipFill>
-          <a:blip r:embed="rId2"/>
-          <a:stretch>
-            <a:fillRect/>
-          </a:stretch>
-        </p:blipFill>
-        <p:spPr>
-          <a:xfrm>
-            <a:off x="1714029" y="1475623"/>
-            <a:ext cx="4191943" cy="2667600"/>
-          </a:xfrm>
-          <a:prstGeom prst="rect">
-            <a:avLst/>
-          </a:prstGeom>
-        </p:spPr>
-      </p:pic>
-      <p:sp>
-        <p:nvSpPr>
-          <p:cNvPr id="6" name="CasellaDiTesto 5">
-            <a:extLst>
-              <a:ext uri="{FF2B5EF4-FFF2-40B4-BE49-F238E27FC236}">
-                <a16:creationId xmlns:a16="http://schemas.microsoft.com/office/drawing/2014/main" id="{11F4C9D8-CB26-E74E-B18E-7614421A6E93}"/>
-              </a:ext>
-            </a:extLst>
-          </p:cNvPr>
-          <p:cNvSpPr txBox="1"/>
-          <p:nvPr/>
-        </p:nvSpPr>
-        <p:spPr>
-          <a:xfrm>
-            <a:off x="1524000" y="4143223"/>
-            <a:ext cx="5531730" cy="1938992"/>
-          </a:xfrm>
-          <a:prstGeom prst="rect">
-            <a:avLst/>
-          </a:prstGeom>
-          <a:noFill/>
-        </p:spPr>
-        <p:txBody>
-          <a:bodyPr wrap="square" rtlCol="0">
-            <a:spAutoFit/>
-          </a:bodyPr>
-          <a:lstStyle/>
-          <a:p>
-            <a:r>
-              <a:rPr lang="it-IT" sz="2000" dirty="0"/>
-              <a:t>Parametri del modello:	l = 0.2 m</a:t>
-            </a:r>
-          </a:p>
-          <a:p>
-            <a:r>
-              <a:rPr lang="it-IT" sz="2000" dirty="0"/>
-              <a:t>			g = 9.81 m/s</a:t>
-            </a:r>
-            <a:r>
-              <a:rPr lang="it-IT" sz="2000" baseline="30000" dirty="0"/>
-              <a:t>2</a:t>
-            </a:r>
-          </a:p>
-          <a:p>
-            <a:r>
-              <a:rPr lang="it-IT" sz="2000" dirty="0"/>
-              <a:t>			M = 0.548069759 kg</a:t>
-            </a:r>
-          </a:p>
-          <a:p>
-            <a:r>
-              <a:rPr lang="it-IT" sz="2000" dirty="0"/>
-              <a:t>			m</a:t>
-            </a:r>
-            <a:r>
-              <a:rPr lang="it-IT" sz="2000" baseline="-25000" dirty="0"/>
-              <a:t>1</a:t>
-            </a:r>
-            <a:r>
-              <a:rPr lang="it-IT" sz="2000" dirty="0"/>
-              <a:t> = 0.088338025 kg</a:t>
-            </a:r>
-          </a:p>
-          <a:p>
-            <a:r>
-              <a:rPr lang="it-IT" sz="2000" dirty="0"/>
-              <a:t>			m</a:t>
-            </a:r>
-            <a:r>
-              <a:rPr lang="it-IT" sz="2000" baseline="-25000" dirty="0"/>
-              <a:t>2</a:t>
-            </a:r>
-            <a:r>
-              <a:rPr lang="it-IT" sz="2000" dirty="0"/>
-              <a:t> = 0.022245336 kg</a:t>
-            </a:r>
-          </a:p>
-          <a:p>
-            <a:r>
-              <a:rPr lang="it-IT" sz="2000" dirty="0"/>
-              <a:t>			b</a:t>
-            </a:r>
-            <a:r>
-              <a:rPr lang="it-IT" sz="2000" baseline="-25000" dirty="0"/>
-              <a:t>1</a:t>
-            </a:r>
-            <a:r>
-              <a:rPr lang="it-IT" sz="2000" dirty="0"/>
-              <a:t> = 0.1	b</a:t>
-            </a:r>
-            <a:r>
-              <a:rPr lang="it-IT" sz="2000" baseline="-25000" dirty="0"/>
-              <a:t>2</a:t>
-            </a:r>
-            <a:r>
-              <a:rPr lang="it-IT" sz="2000" dirty="0"/>
-              <a:t> = 0.5</a:t>
-            </a:r>
-          </a:p>
-        </p:txBody>
-      </p:sp>
-      <p:sp>
-        <p:nvSpPr>
-          <p:cNvPr id="8" name="Titolo 1">
-            <a:extLst>
-              <a:ext uri="{FF2B5EF4-FFF2-40B4-BE49-F238E27FC236}">
-                <a16:creationId xmlns:a16="http://schemas.microsoft.com/office/drawing/2014/main" id="{E8EDF0BB-0558-644B-BB96-58C4BD179ABC}"/>
+      <p:sp>
+        <p:nvSpPr>
+          <p:cNvPr id="5" name="Titolo 1">
+            <a:extLst>
+              <a:ext uri="{FF2B5EF4-FFF2-40B4-BE49-F238E27FC236}">
+                <a16:creationId xmlns:a16="http://schemas.microsoft.com/office/drawing/2014/main" id="{719936BE-0F9D-C74E-9E55-A7F2CE751F93}"/>
               </a:ext>
             </a:extLst>
           </p:cNvPr>
@@ -7771,7 +7613,7 @@
         </p:spPr>
         <p:txBody>
           <a:bodyPr vert="horz" lIns="91440" tIns="45720" rIns="91440" bIns="45720" rtlCol="0" anchor="ctr">
-            <a:normAutofit/>
+            <a:normAutofit fontScale="85000" lnSpcReduction="20000"/>
           </a:bodyPr>
           <a:lstStyle>
             <a:lvl1pPr algn="l" defTabSz="914400" rtl="0" eaLnBrk="1" latinLnBrk="0" hangingPunct="1">
@@ -7795,62 +7637,127 @@
           <a:p>
             <a:pPr algn="ctr"/>
             <a:r>
-              <a:rPr lang="it-IT" dirty="0" err="1"/>
-              <a:t>Granty</a:t>
-            </a:r>
-            <a:r>
-              <a:rPr lang="it-IT" dirty="0"/>
-              <a:t> </a:t>
-            </a:r>
-            <a:r>
-              <a:rPr lang="it-IT" dirty="0" err="1"/>
-              <a:t>crane</a:t>
-            </a:r>
-            <a:endParaRPr lang="it-IT" dirty="0"/>
-          </a:p>
-        </p:txBody>
-      </p:sp>
-      <p:sp>
-        <p:nvSpPr>
-          <p:cNvPr id="9" name="CasellaDiTesto 8">
-            <a:extLst>
-              <a:ext uri="{FF2B5EF4-FFF2-40B4-BE49-F238E27FC236}">
-                <a16:creationId xmlns:a16="http://schemas.microsoft.com/office/drawing/2014/main" id="{86F89E2B-2067-3C4F-A4E7-D7C1F99F332E}"/>
-              </a:ext>
-            </a:extLst>
-          </p:cNvPr>
-          <p:cNvSpPr txBox="1"/>
-          <p:nvPr/>
-        </p:nvSpPr>
-        <p:spPr>
-          <a:xfrm>
-            <a:off x="6978917" y="1475623"/>
-            <a:ext cx="2959510" cy="461665"/>
-          </a:xfrm>
-          <a:prstGeom prst="rect">
-            <a:avLst/>
-          </a:prstGeom>
-          <a:noFill/>
-        </p:spPr>
-        <p:txBody>
-          <a:bodyPr wrap="square" rtlCol="0">
-            <a:spAutoFit/>
-          </a:bodyPr>
+              <a:rPr lang="it-IT" sz="5200" dirty="0"/>
+              <a:t>Manipolatore di Stanford</a:t>
+            </a:r>
+          </a:p>
+          <a:p>
+            <a:pPr algn="ctr"/>
+            <a:r>
+              <a:rPr lang="it-IT" sz="3800" dirty="0"/>
+              <a:t>Confronto tra controllori</a:t>
+            </a:r>
+          </a:p>
+        </p:txBody>
+      </p:sp>
+      <p:sp>
+        <p:nvSpPr>
+          <p:cNvPr id="6" name="Segnaposto data 3">
+            <a:extLst>
+              <a:ext uri="{FF2B5EF4-FFF2-40B4-BE49-F238E27FC236}">
+                <a16:creationId xmlns:a16="http://schemas.microsoft.com/office/drawing/2014/main" id="{E31BE159-E7C8-C24F-9CBB-A7F601D7B4BC}"/>
+              </a:ext>
+            </a:extLst>
+          </p:cNvPr>
+          <p:cNvSpPr>
+            <a:spLocks noGrp="1"/>
+          </p:cNvSpPr>
+          <p:nvPr>
+            <p:ph type="dt" sz="half" idx="10"/>
+          </p:nvPr>
+        </p:nvSpPr>
+        <p:spPr>
+          <a:xfrm>
+            <a:off x="838200" y="6356350"/>
+            <a:ext cx="2743200" cy="365125"/>
+          </a:xfrm>
+        </p:spPr>
+        <p:txBody>
+          <a:bodyPr/>
           <a:lstStyle/>
           <a:p>
-            <a:r>
-              <a:rPr lang="it-IT" sz="2400" dirty="0"/>
-              <a:t>MODELLO DINAMICO:</a:t>
-            </a:r>
+            <a:fld id="{4EF59023-6175-3944-979D-CFE35E3A8267}" type="datetime1">
+              <a:rPr lang="it-IT" smtClean="0"/>
+              <a:t>02/11/21</a:t>
+            </a:fld>
+            <a:endParaRPr lang="en-US" dirty="0"/>
+          </a:p>
+        </p:txBody>
+      </p:sp>
+      <p:sp>
+        <p:nvSpPr>
+          <p:cNvPr id="7" name="Segnaposto piè di pagina 4">
+            <a:extLst>
+              <a:ext uri="{FF2B5EF4-FFF2-40B4-BE49-F238E27FC236}">
+                <a16:creationId xmlns:a16="http://schemas.microsoft.com/office/drawing/2014/main" id="{FB85E8B1-FEDB-9D4D-BEDC-B47C1654AEA9}"/>
+              </a:ext>
+            </a:extLst>
+          </p:cNvPr>
+          <p:cNvSpPr>
+            <a:spLocks noGrp="1"/>
+          </p:cNvSpPr>
+          <p:nvPr>
+            <p:ph type="ftr" sz="quarter" idx="11"/>
+          </p:nvPr>
+        </p:nvSpPr>
+        <p:spPr>
+          <a:xfrm>
+            <a:off x="4038600" y="6356350"/>
+            <a:ext cx="4114800" cy="365125"/>
+          </a:xfrm>
+        </p:spPr>
+        <p:txBody>
+          <a:bodyPr/>
+          <a:lstStyle/>
+          <a:p>
+            <a:r>
+              <a:rPr lang="en-US"/>
+              <a:t>Arianna Gasparri</a:t>
+            </a:r>
+            <a:endParaRPr lang="en-US" dirty="0"/>
+          </a:p>
+        </p:txBody>
+      </p:sp>
+      <p:sp>
+        <p:nvSpPr>
+          <p:cNvPr id="8" name="Segnaposto numero diapositiva 5">
+            <a:extLst>
+              <a:ext uri="{FF2B5EF4-FFF2-40B4-BE49-F238E27FC236}">
+                <a16:creationId xmlns:a16="http://schemas.microsoft.com/office/drawing/2014/main" id="{39627B88-FC50-354B-82EE-0494B9651314}"/>
+              </a:ext>
+            </a:extLst>
+          </p:cNvPr>
+          <p:cNvSpPr>
+            <a:spLocks noGrp="1"/>
+          </p:cNvSpPr>
+          <p:nvPr>
+            <p:ph type="sldNum" sz="quarter" idx="12"/>
+          </p:nvPr>
+        </p:nvSpPr>
+        <p:spPr>
+          <a:xfrm>
+            <a:off x="8610600" y="6356350"/>
+            <a:ext cx="2743200" cy="365125"/>
+          </a:xfrm>
+        </p:spPr>
+        <p:txBody>
+          <a:bodyPr/>
+          <a:lstStyle/>
+          <a:p>
+            <a:fld id="{6D22F896-40B5-4ADD-8801-0D06FADFA095}" type="slidenum">
+              <a:rPr lang="en-US" smtClean="0"/>
+              <a:t>19</a:t>
+            </a:fld>
+            <a:endParaRPr lang="en-US" dirty="0"/>
           </a:p>
         </p:txBody>
       </p:sp>
       <p:pic>
         <p:nvPicPr>
-          <p:cNvPr id="11" name="Immagine 10">
-            <a:extLst>
-              <a:ext uri="{FF2B5EF4-FFF2-40B4-BE49-F238E27FC236}">
-                <a16:creationId xmlns:a16="http://schemas.microsoft.com/office/drawing/2014/main" id="{F0486A9B-6256-E942-9507-095F0D92416D}"/>
+          <p:cNvPr id="9" name="Immagine 8">
+            <a:extLst>
+              <a:ext uri="{FF2B5EF4-FFF2-40B4-BE49-F238E27FC236}">
+                <a16:creationId xmlns:a16="http://schemas.microsoft.com/office/drawing/2014/main" id="{53B4ECF9-C7E1-9548-8C2B-0D320A06911B}"/>
               </a:ext>
             </a:extLst>
           </p:cNvPr>
@@ -7860,169 +7767,7 @@
           <p:nvPr/>
         </p:nvPicPr>
         <p:blipFill>
-          <a:blip r:embed="rId3"/>
-          <a:stretch>
-            <a:fillRect/>
-          </a:stretch>
-        </p:blipFill>
-        <p:spPr>
-          <a:xfrm>
-            <a:off x="5905972" y="1937288"/>
-            <a:ext cx="5105400" cy="1085850"/>
-          </a:xfrm>
-          <a:prstGeom prst="rect">
-            <a:avLst/>
-          </a:prstGeom>
-        </p:spPr>
-      </p:pic>
-      <p:pic>
-        <p:nvPicPr>
-          <p:cNvPr id="13" name="Immagine 12">
-            <a:extLst>
-              <a:ext uri="{FF2B5EF4-FFF2-40B4-BE49-F238E27FC236}">
-                <a16:creationId xmlns:a16="http://schemas.microsoft.com/office/drawing/2014/main" id="{E4C3C8CA-AA19-7547-AFE9-5AAE043E0B99}"/>
-              </a:ext>
-            </a:extLst>
-          </p:cNvPr>
-          <p:cNvPicPr>
-            <a:picLocks noChangeAspect="1"/>
-          </p:cNvPicPr>
-          <p:nvPr/>
-        </p:nvPicPr>
-        <p:blipFill>
-          <a:blip r:embed="rId4"/>
-          <a:stretch>
-            <a:fillRect/>
-          </a:stretch>
-        </p:blipFill>
-        <p:spPr>
-          <a:xfrm>
-            <a:off x="7245759" y="3023138"/>
-            <a:ext cx="2095500" cy="1485900"/>
-          </a:xfrm>
-          <a:prstGeom prst="rect">
-            <a:avLst/>
-          </a:prstGeom>
-        </p:spPr>
-      </p:pic>
-      <p:sp>
-        <p:nvSpPr>
-          <p:cNvPr id="10" name="Segnaposto data 3">
-            <a:extLst>
-              <a:ext uri="{FF2B5EF4-FFF2-40B4-BE49-F238E27FC236}">
-                <a16:creationId xmlns:a16="http://schemas.microsoft.com/office/drawing/2014/main" id="{AE9DE227-D43C-9C44-B244-06A48DAF973E}"/>
-              </a:ext>
-            </a:extLst>
-          </p:cNvPr>
-          <p:cNvSpPr>
-            <a:spLocks noGrp="1"/>
-          </p:cNvSpPr>
-          <p:nvPr>
-            <p:ph type="dt" sz="half" idx="10"/>
-          </p:nvPr>
-        </p:nvSpPr>
-        <p:spPr>
-          <a:xfrm>
-            <a:off x="838200" y="6356350"/>
-            <a:ext cx="2743200" cy="365125"/>
-          </a:xfrm>
-        </p:spPr>
-        <p:txBody>
-          <a:bodyPr/>
-          <a:lstStyle/>
-          <a:p>
-            <a:fld id="{4EF59023-6175-3944-979D-CFE35E3A8267}" type="datetime1">
-              <a:rPr lang="it-IT" smtClean="0"/>
-              <a:t>27/10/21</a:t>
-            </a:fld>
-            <a:endParaRPr lang="en-US" dirty="0"/>
-          </a:p>
-        </p:txBody>
-      </p:sp>
-      <p:sp>
-        <p:nvSpPr>
-          <p:cNvPr id="12" name="Segnaposto piè di pagina 4">
-            <a:extLst>
-              <a:ext uri="{FF2B5EF4-FFF2-40B4-BE49-F238E27FC236}">
-                <a16:creationId xmlns:a16="http://schemas.microsoft.com/office/drawing/2014/main" id="{C8041FC7-4B67-C24D-A0EB-D22E155B7B73}"/>
-              </a:ext>
-            </a:extLst>
-          </p:cNvPr>
-          <p:cNvSpPr>
-            <a:spLocks noGrp="1"/>
-          </p:cNvSpPr>
-          <p:nvPr>
-            <p:ph type="ftr" sz="quarter" idx="11"/>
-          </p:nvPr>
-        </p:nvSpPr>
-        <p:spPr>
-          <a:xfrm>
-            <a:off x="4038600" y="6356350"/>
-            <a:ext cx="4114800" cy="365125"/>
-          </a:xfrm>
-        </p:spPr>
-        <p:txBody>
-          <a:bodyPr/>
-          <a:lstStyle/>
-          <a:p>
-            <a:r>
-              <a:rPr lang="en-US"/>
-              <a:t>Arianna Gasparri</a:t>
-            </a:r>
-            <a:endParaRPr lang="en-US" dirty="0"/>
-          </a:p>
-        </p:txBody>
-      </p:sp>
-      <p:sp>
-        <p:nvSpPr>
-          <p:cNvPr id="14" name="Segnaposto numero diapositiva 5">
-            <a:extLst>
-              <a:ext uri="{FF2B5EF4-FFF2-40B4-BE49-F238E27FC236}">
-                <a16:creationId xmlns:a16="http://schemas.microsoft.com/office/drawing/2014/main" id="{8F0BA2E5-108C-2E43-8954-A62D7E19AE52}"/>
-              </a:ext>
-            </a:extLst>
-          </p:cNvPr>
-          <p:cNvSpPr>
-            <a:spLocks noGrp="1"/>
-          </p:cNvSpPr>
-          <p:nvPr>
-            <p:ph type="sldNum" sz="quarter" idx="12"/>
-          </p:nvPr>
-        </p:nvSpPr>
-        <p:spPr>
-          <a:xfrm>
-            <a:off x="8610600" y="6356350"/>
-            <a:ext cx="2743200" cy="365125"/>
-          </a:xfrm>
-        </p:spPr>
-        <p:txBody>
-          <a:bodyPr/>
-          <a:lstStyle/>
-          <a:p>
-            <a:fld id="{6D22F896-40B5-4ADD-8801-0D06FADFA095}" type="slidenum">
-              <a:rPr lang="en-US" smtClean="0"/>
-              <a:t>19</a:t>
-            </a:fld>
-            <a:endParaRPr lang="en-US" dirty="0"/>
-          </a:p>
-        </p:txBody>
-      </p:sp>
-      <p:pic>
-        <p:nvPicPr>
-          <p:cNvPr id="15" name="Immagine 14">
-            <a:extLst>
-              <a:ext uri="{FF2B5EF4-FFF2-40B4-BE49-F238E27FC236}">
-                <a16:creationId xmlns:a16="http://schemas.microsoft.com/office/drawing/2014/main" id="{0C65000D-18E6-5B46-A632-C7057EBDDC71}"/>
-              </a:ext>
-            </a:extLst>
-          </p:cNvPr>
-          <p:cNvPicPr>
-            <a:picLocks noChangeAspect="1"/>
-          </p:cNvPicPr>
-          <p:nvPr/>
-        </p:nvPicPr>
-        <p:blipFill>
-          <a:blip r:embed="rId5" cstate="print">
+          <a:blip r:embed="rId2" cstate="print">
             <a:extLst>
               <a:ext uri="{28A0092B-C50C-407E-A947-70E740481C1C}">
                 <a14:useLocalDpi xmlns:a14="http://schemas.microsoft.com/office/drawing/2010/main" val="0"/>
@@ -8043,10 +7788,120 @@
           </a:prstGeom>
         </p:spPr>
       </p:pic>
+      <p:sp>
+        <p:nvSpPr>
+          <p:cNvPr id="2" name="CasellaDiTesto 1">
+            <a:extLst>
+              <a:ext uri="{FF2B5EF4-FFF2-40B4-BE49-F238E27FC236}">
+                <a16:creationId xmlns:a16="http://schemas.microsoft.com/office/drawing/2014/main" id="{19D6790E-DDC0-D147-AE78-97A565A623DE}"/>
+              </a:ext>
+            </a:extLst>
+          </p:cNvPr>
+          <p:cNvSpPr txBox="1"/>
+          <p:nvPr/>
+        </p:nvSpPr>
+        <p:spPr>
+          <a:xfrm>
+            <a:off x="1524000" y="1475623"/>
+            <a:ext cx="9144000" cy="4204356"/>
+          </a:xfrm>
+          <a:prstGeom prst="rect">
+            <a:avLst/>
+          </a:prstGeom>
+          <a:noFill/>
+        </p:spPr>
+        <p:txBody>
+          <a:bodyPr wrap="square" rtlCol="0">
+            <a:spAutoFit/>
+          </a:bodyPr>
+          <a:lstStyle/>
+          <a:p>
+            <a:pPr algn="ctr">
+              <a:lnSpc>
+                <a:spcPct val="150000"/>
+              </a:lnSpc>
+            </a:pPr>
+            <a:r>
+              <a:rPr lang="it-IT" dirty="0"/>
+              <a:t>Dall’immagine precedente è possibile concludere il controllore </a:t>
+            </a:r>
+            <a:r>
+              <a:rPr lang="it-IT" dirty="0" err="1"/>
+              <a:t>Adaptive</a:t>
+            </a:r>
+            <a:r>
+              <a:rPr lang="it-IT" dirty="0"/>
+              <a:t> </a:t>
+            </a:r>
+            <a:r>
+              <a:rPr lang="it-IT" dirty="0" err="1"/>
+              <a:t>Computed</a:t>
+            </a:r>
+            <a:r>
+              <a:rPr lang="it-IT" dirty="0"/>
+              <a:t> Torque è quello che genera le coppie più alte, fino a 10 volte maggiori di quelle prodotte dal controllore PD con Compensazione di Gravità e ancora maggiori delle coppie generate dal controllo a Coppia Calcolata.</a:t>
+            </a:r>
+          </a:p>
+          <a:p>
+            <a:pPr algn="ctr">
+              <a:lnSpc>
+                <a:spcPct val="150000"/>
+              </a:lnSpc>
+            </a:pPr>
+            <a:endParaRPr lang="it-IT" dirty="0"/>
+          </a:p>
+          <a:p>
+            <a:pPr algn="ctr">
+              <a:lnSpc>
+                <a:spcPct val="150000"/>
+              </a:lnSpc>
+            </a:pPr>
+            <a:r>
+              <a:rPr lang="it-IT" dirty="0"/>
+              <a:t>La coppia minore è generata, però, dal controllore </a:t>
+            </a:r>
+            <a:r>
+              <a:rPr lang="it-IT" dirty="0" err="1"/>
+              <a:t>Computed</a:t>
+            </a:r>
+            <a:r>
+              <a:rPr lang="it-IT" dirty="0"/>
+              <a:t> Torque, che è anche il più veloce, per il quale l’errore di annulla già dopo 15 s.</a:t>
+            </a:r>
+          </a:p>
+          <a:p>
+            <a:pPr algn="ctr">
+              <a:lnSpc>
+                <a:spcPct val="150000"/>
+              </a:lnSpc>
+            </a:pPr>
+            <a:endParaRPr lang="it-IT" dirty="0"/>
+          </a:p>
+          <a:p>
+            <a:pPr algn="ctr">
+              <a:lnSpc>
+                <a:spcPct val="150000"/>
+              </a:lnSpc>
+            </a:pPr>
+            <a:r>
+              <a:rPr lang="it-IT" dirty="0"/>
+              <a:t>Inoltre il controllore a coppia calcolata adattivo, non è in grado di fare convergere a 0 l’errore di posizione angolare ai giunti, pur presentando un errore massimo di 0.01 </a:t>
+            </a:r>
+            <a:r>
+              <a:rPr lang="it-IT" dirty="0" err="1"/>
+              <a:t>rad</a:t>
+            </a:r>
+            <a:r>
+              <a:rPr lang="it-IT" dirty="0"/>
+              <a:t>, cioè circa 0.5°.</a:t>
+            </a:r>
+          </a:p>
+        </p:txBody>
+      </p:sp>
     </p:spTree>
     <p:extLst>
       <p:ext uri="{BB962C8B-B14F-4D97-AF65-F5344CB8AC3E}">
-        <p14:creationId xmlns:p14="http://schemas.microsoft.com/office/powerpoint/2010/main" val="46173228"/>
+        <p14:creationId xmlns:p14="http://schemas.microsoft.com/office/powerpoint/2010/main" val="427369254"/>
       </p:ext>
     </p:extLst>
   </p:cSld>
@@ -8214,6 +8069,20 @@
             </a:r>
           </a:p>
           <a:p>
+            <a:pPr lvl="1">
+              <a:buClr>
+                <a:schemeClr val="tx2">
+                  <a:lumMod val="20000"/>
+                  <a:lumOff val="80000"/>
+                </a:schemeClr>
+              </a:buClr>
+            </a:pPr>
+            <a:r>
+              <a:rPr lang="it-IT" dirty="0"/>
+              <a:t>Confronto tra controllori</a:t>
+            </a:r>
+          </a:p>
+          <a:p>
             <a:pPr marL="0" indent="0">
               <a:buClr>
                 <a:schemeClr val="tx2">
@@ -8311,7 +8180,7 @@
           <a:p>
             <a:fld id="{4EF59023-6175-3944-979D-CFE35E3A8267}" type="datetime1">
               <a:rPr lang="it-IT" smtClean="0"/>
-              <a:t>27/10/21</a:t>
+              <a:t>02/11/21</a:t>
             </a:fld>
             <a:endParaRPr lang="en-US" dirty="0"/>
           </a:p>
@@ -8441,12 +8310,54 @@
           <a:chExt cx="0" cy="0"/>
         </a:xfrm>
       </p:grpSpPr>
+      <p:sp>
+        <p:nvSpPr>
+          <p:cNvPr id="2" name="Titolo 1">
+            <a:extLst>
+              <a:ext uri="{FF2B5EF4-FFF2-40B4-BE49-F238E27FC236}">
+                <a16:creationId xmlns:a16="http://schemas.microsoft.com/office/drawing/2014/main" id="{EC4DE27F-9EE0-A747-BF3B-EE0B89D62F48}"/>
+              </a:ext>
+            </a:extLst>
+          </p:cNvPr>
+          <p:cNvSpPr>
+            <a:spLocks noGrp="1"/>
+          </p:cNvSpPr>
+          <p:nvPr>
+            <p:ph type="ctrTitle"/>
+          </p:nvPr>
+        </p:nvSpPr>
+        <p:spPr>
+          <a:xfrm>
+            <a:off x="1524000" y="454393"/>
+            <a:ext cx="9144000" cy="1021230"/>
+          </a:xfrm>
+        </p:spPr>
+        <p:txBody>
+          <a:bodyPr/>
+          <a:lstStyle/>
+          <a:p>
+            <a:r>
+              <a:rPr lang="it-IT" dirty="0" err="1"/>
+              <a:t>Granty</a:t>
+            </a:r>
+            <a:r>
+              <a:rPr lang="it-IT" dirty="0"/>
+              <a:t> </a:t>
+            </a:r>
+            <a:r>
+              <a:rPr lang="it-IT" dirty="0" err="1"/>
+              <a:t>crane</a:t>
+            </a:r>
+            <a:endParaRPr lang="it-IT" dirty="0"/>
+          </a:p>
+        </p:txBody>
+      </p:sp>
       <p:pic>
         <p:nvPicPr>
-          <p:cNvPr id="5" name="Immagine 4">
-            <a:extLst>
-              <a:ext uri="{FF2B5EF4-FFF2-40B4-BE49-F238E27FC236}">
-                <a16:creationId xmlns:a16="http://schemas.microsoft.com/office/drawing/2014/main" id="{6B271FC1-9853-8B46-B074-A5E6D5A515AD}"/>
+          <p:cNvPr id="4" name="Immagine 3">
+            <a:extLst>
+              <a:ext uri="{FF2B5EF4-FFF2-40B4-BE49-F238E27FC236}">
+                <a16:creationId xmlns:a16="http://schemas.microsoft.com/office/drawing/2014/main" id="{96D82E7F-6103-A546-BCE8-2F5085DF3467}"/>
               </a:ext>
             </a:extLst>
           </p:cNvPr>
@@ -8463,8 +8374,8 @@
         </p:blipFill>
         <p:spPr>
           <a:xfrm>
-            <a:off x="1714030" y="1475623"/>
-            <a:ext cx="2093143" cy="1332000"/>
+            <a:off x="1524000" y="1475623"/>
+            <a:ext cx="3683000" cy="4089400"/>
           </a:xfrm>
           <a:prstGeom prst="rect">
             <a:avLst/>
@@ -8473,74 +8384,10 @@
       </p:pic>
       <p:sp>
         <p:nvSpPr>
-          <p:cNvPr id="8" name="Titolo 1">
-            <a:extLst>
-              <a:ext uri="{FF2B5EF4-FFF2-40B4-BE49-F238E27FC236}">
-                <a16:creationId xmlns:a16="http://schemas.microsoft.com/office/drawing/2014/main" id="{E8EDF0BB-0558-644B-BB96-58C4BD179ABC}"/>
-              </a:ext>
-            </a:extLst>
-          </p:cNvPr>
-          <p:cNvSpPr txBox="1">
-            <a:spLocks/>
-          </p:cNvSpPr>
-          <p:nvPr/>
-        </p:nvSpPr>
-        <p:spPr>
-          <a:xfrm>
-            <a:off x="1524000" y="454393"/>
-            <a:ext cx="9144000" cy="1021230"/>
-          </a:xfrm>
-          <a:prstGeom prst="rect">
-            <a:avLst/>
-          </a:prstGeom>
-        </p:spPr>
-        <p:txBody>
-          <a:bodyPr vert="horz" lIns="91440" tIns="45720" rIns="91440" bIns="45720" rtlCol="0" anchor="ctr">
-            <a:normAutofit/>
-          </a:bodyPr>
-          <a:lstStyle>
-            <a:lvl1pPr algn="l" defTabSz="914400" rtl="0" eaLnBrk="1" latinLnBrk="0" hangingPunct="1">
-              <a:lnSpc>
-                <a:spcPct val="90000"/>
-              </a:lnSpc>
-              <a:spcBef>
-                <a:spcPct val="0"/>
-              </a:spcBef>
-              <a:buNone/>
-              <a:defRPr sz="4400" kern="1200">
-                <a:solidFill>
-                  <a:schemeClr val="tx1"/>
-                </a:solidFill>
-                <a:latin typeface="+mj-lt"/>
-                <a:ea typeface="+mj-ea"/>
-                <a:cs typeface="+mj-cs"/>
-              </a:defRPr>
-            </a:lvl1pPr>
-          </a:lstStyle>
-          <a:p>
-            <a:pPr algn="ctr"/>
-            <a:r>
-              <a:rPr lang="it-IT" dirty="0" err="1"/>
-              <a:t>Granty</a:t>
-            </a:r>
-            <a:r>
-              <a:rPr lang="it-IT" dirty="0"/>
-              <a:t> </a:t>
-            </a:r>
-            <a:r>
-              <a:rPr lang="it-IT" dirty="0" err="1"/>
-              <a:t>crane</a:t>
-            </a:r>
-            <a:endParaRPr lang="it-IT" dirty="0"/>
-          </a:p>
-        </p:txBody>
-      </p:sp>
-      <p:sp>
-        <p:nvSpPr>
-          <p:cNvPr id="9" name="CasellaDiTesto 8">
-            <a:extLst>
-              <a:ext uri="{FF2B5EF4-FFF2-40B4-BE49-F238E27FC236}">
-                <a16:creationId xmlns:a16="http://schemas.microsoft.com/office/drawing/2014/main" id="{86F89E2B-2067-3C4F-A4E7-D7C1F99F332E}"/>
+          <p:cNvPr id="10" name="CasellaDiTesto 9">
+            <a:extLst>
+              <a:ext uri="{FF2B5EF4-FFF2-40B4-BE49-F238E27FC236}">
+                <a16:creationId xmlns:a16="http://schemas.microsoft.com/office/drawing/2014/main" id="{F46E9E04-607C-DB49-8EC7-C6CC7AC882D2}"/>
               </a:ext>
             </a:extLst>
           </p:cNvPr>
@@ -8549,8 +8396,8 @@
         </p:nvSpPr>
         <p:spPr>
           <a:xfrm>
-            <a:off x="3997202" y="1475623"/>
-            <a:ext cx="6670797" cy="1384995"/>
+            <a:off x="5410714" y="2227661"/>
+            <a:ext cx="5257286" cy="2585323"/>
           </a:xfrm>
           <a:prstGeom prst="rect">
             <a:avLst/>
@@ -8564,24 +8411,134 @@
           <a:lstStyle/>
           <a:p>
             <a:r>
-              <a:rPr lang="it-IT" sz="2400" dirty="0"/>
-              <a:t>MODELLO DINAMICO:</a:t>
-            </a:r>
-          </a:p>
-          <a:p>
-            <a:r>
-              <a:rPr lang="it-IT" sz="2000" dirty="0"/>
-              <a:t>A partire dalle equazioni della slide precedente, con semplici calcoli si ottengono le equazioni della dinamica del modello, scritte in forma standard che seguono, con vettore di stato:</a:t>
-            </a:r>
+              <a:rPr lang="it-IT" dirty="0"/>
+              <a:t>Un modello di carro-ponte è rappresentato nella figura a fianco, assumendo che il carrello possa muoversi soltanto lungo la direzione del binario sul quale è posto, è ragionevole assumere che lo spostamento nella direzione perpendicolare al binario sia nullo e così anche l’angolo </a:t>
+            </a:r>
+            <a:r>
+              <a:rPr lang="it-IT" dirty="0" err="1"/>
+              <a:t>ɸ</a:t>
+            </a:r>
+            <a:r>
+              <a:rPr lang="it-IT" dirty="0"/>
+              <a:t>.</a:t>
+            </a:r>
+          </a:p>
+          <a:p>
+            <a:r>
+              <a:rPr lang="it-IT" dirty="0"/>
+              <a:t>Si assume che anche la forza sia diretta lungo la direzione del binario, riportando così il modello ad una sua semplificazione in 2D.</a:t>
+            </a:r>
+          </a:p>
+        </p:txBody>
+      </p:sp>
+      <p:sp>
+        <p:nvSpPr>
+          <p:cNvPr id="5" name="Segnaposto data 3">
+            <a:extLst>
+              <a:ext uri="{FF2B5EF4-FFF2-40B4-BE49-F238E27FC236}">
+                <a16:creationId xmlns:a16="http://schemas.microsoft.com/office/drawing/2014/main" id="{E482AEE9-99FE-5941-933D-546A9D875D94}"/>
+              </a:ext>
+            </a:extLst>
+          </p:cNvPr>
+          <p:cNvSpPr>
+            <a:spLocks noGrp="1"/>
+          </p:cNvSpPr>
+          <p:nvPr>
+            <p:ph type="dt" sz="half" idx="10"/>
+          </p:nvPr>
+        </p:nvSpPr>
+        <p:spPr>
+          <a:xfrm>
+            <a:off x="838200" y="6356350"/>
+            <a:ext cx="2743200" cy="365125"/>
+          </a:xfrm>
+        </p:spPr>
+        <p:txBody>
+          <a:bodyPr/>
+          <a:lstStyle/>
+          <a:p>
+            <a:fld id="{4EF59023-6175-3944-979D-CFE35E3A8267}" type="datetime1">
+              <a:rPr lang="it-IT" smtClean="0"/>
+              <a:t>02/11/21</a:t>
+            </a:fld>
+            <a:endParaRPr lang="en-US" dirty="0"/>
+          </a:p>
+        </p:txBody>
+      </p:sp>
+      <p:sp>
+        <p:nvSpPr>
+          <p:cNvPr id="6" name="Segnaposto piè di pagina 4">
+            <a:extLst>
+              <a:ext uri="{FF2B5EF4-FFF2-40B4-BE49-F238E27FC236}">
+                <a16:creationId xmlns:a16="http://schemas.microsoft.com/office/drawing/2014/main" id="{764284B5-3467-AE48-80D4-203ED67BF382}"/>
+              </a:ext>
+            </a:extLst>
+          </p:cNvPr>
+          <p:cNvSpPr>
+            <a:spLocks noGrp="1"/>
+          </p:cNvSpPr>
+          <p:nvPr>
+            <p:ph type="ftr" sz="quarter" idx="11"/>
+          </p:nvPr>
+        </p:nvSpPr>
+        <p:spPr>
+          <a:xfrm>
+            <a:off x="4038600" y="6356350"/>
+            <a:ext cx="4114800" cy="365125"/>
+          </a:xfrm>
+        </p:spPr>
+        <p:txBody>
+          <a:bodyPr/>
+          <a:lstStyle/>
+          <a:p>
+            <a:r>
+              <a:rPr lang="en-US"/>
+              <a:t>Arianna Gasparri</a:t>
+            </a:r>
+            <a:endParaRPr lang="en-US" dirty="0"/>
+          </a:p>
+        </p:txBody>
+      </p:sp>
+      <p:sp>
+        <p:nvSpPr>
+          <p:cNvPr id="7" name="Segnaposto numero diapositiva 5">
+            <a:extLst>
+              <a:ext uri="{FF2B5EF4-FFF2-40B4-BE49-F238E27FC236}">
+                <a16:creationId xmlns:a16="http://schemas.microsoft.com/office/drawing/2014/main" id="{19E6B972-3060-C34D-B468-73BD169952F1}"/>
+              </a:ext>
+            </a:extLst>
+          </p:cNvPr>
+          <p:cNvSpPr>
+            <a:spLocks noGrp="1"/>
+          </p:cNvSpPr>
+          <p:nvPr>
+            <p:ph type="sldNum" sz="quarter" idx="12"/>
+          </p:nvPr>
+        </p:nvSpPr>
+        <p:spPr>
+          <a:xfrm>
+            <a:off x="8610600" y="6356350"/>
+            <a:ext cx="2743200" cy="365125"/>
+          </a:xfrm>
+        </p:spPr>
+        <p:txBody>
+          <a:bodyPr/>
+          <a:lstStyle/>
+          <a:p>
+            <a:fld id="{6D22F896-40B5-4ADD-8801-0D06FADFA095}" type="slidenum">
+              <a:rPr lang="en-US" smtClean="0"/>
+              <a:t>20</a:t>
+            </a:fld>
+            <a:endParaRPr lang="en-US" dirty="0"/>
           </a:p>
         </p:txBody>
       </p:sp>
       <p:pic>
         <p:nvPicPr>
-          <p:cNvPr id="3" name="Immagine 2">
-            <a:extLst>
-              <a:ext uri="{FF2B5EF4-FFF2-40B4-BE49-F238E27FC236}">
-                <a16:creationId xmlns:a16="http://schemas.microsoft.com/office/drawing/2014/main" id="{F55D6311-1534-8A48-A8EE-1261BFF4A2AC}"/>
+          <p:cNvPr id="8" name="Immagine 7">
+            <a:extLst>
+              <a:ext uri="{FF2B5EF4-FFF2-40B4-BE49-F238E27FC236}">
+                <a16:creationId xmlns:a16="http://schemas.microsoft.com/office/drawing/2014/main" id="{6C031ED0-BD61-034F-8985-0C2000CE0D92}"/>
               </a:ext>
             </a:extLst>
           </p:cNvPr>
@@ -8591,169 +8548,7 @@
           <p:nvPr/>
         </p:nvPicPr>
         <p:blipFill>
-          <a:blip r:embed="rId3"/>
-          <a:stretch>
-            <a:fillRect/>
-          </a:stretch>
-        </p:blipFill>
-        <p:spPr>
-          <a:xfrm>
-            <a:off x="6748400" y="2860618"/>
-            <a:ext cx="1168400" cy="1181100"/>
-          </a:xfrm>
-          <a:prstGeom prst="rect">
-            <a:avLst/>
-          </a:prstGeom>
-        </p:spPr>
-      </p:pic>
-      <p:pic>
-        <p:nvPicPr>
-          <p:cNvPr id="7" name="Immagine 6">
-            <a:extLst>
-              <a:ext uri="{FF2B5EF4-FFF2-40B4-BE49-F238E27FC236}">
-                <a16:creationId xmlns:a16="http://schemas.microsoft.com/office/drawing/2014/main" id="{A539952D-DE65-B548-BF2B-F3A0D95C318E}"/>
-              </a:ext>
-            </a:extLst>
-          </p:cNvPr>
-          <p:cNvPicPr>
-            <a:picLocks noChangeAspect="1"/>
-          </p:cNvPicPr>
-          <p:nvPr/>
-        </p:nvPicPr>
-        <p:blipFill>
-          <a:blip r:embed="rId4"/>
-          <a:stretch>
-            <a:fillRect/>
-          </a:stretch>
-        </p:blipFill>
-        <p:spPr>
-          <a:xfrm>
-            <a:off x="1362075" y="4041718"/>
-            <a:ext cx="9467850" cy="2266950"/>
-          </a:xfrm>
-          <a:prstGeom prst="rect">
-            <a:avLst/>
-          </a:prstGeom>
-        </p:spPr>
-      </p:pic>
-      <p:sp>
-        <p:nvSpPr>
-          <p:cNvPr id="10" name="Segnaposto data 3">
-            <a:extLst>
-              <a:ext uri="{FF2B5EF4-FFF2-40B4-BE49-F238E27FC236}">
-                <a16:creationId xmlns:a16="http://schemas.microsoft.com/office/drawing/2014/main" id="{3531B279-D577-5248-90AF-F64E19A5EBC5}"/>
-              </a:ext>
-            </a:extLst>
-          </p:cNvPr>
-          <p:cNvSpPr>
-            <a:spLocks noGrp="1"/>
-          </p:cNvSpPr>
-          <p:nvPr>
-            <p:ph type="dt" sz="half" idx="10"/>
-          </p:nvPr>
-        </p:nvSpPr>
-        <p:spPr>
-          <a:xfrm>
-            <a:off x="838200" y="6356350"/>
-            <a:ext cx="2743200" cy="365125"/>
-          </a:xfrm>
-        </p:spPr>
-        <p:txBody>
-          <a:bodyPr/>
-          <a:lstStyle/>
-          <a:p>
-            <a:fld id="{4EF59023-6175-3944-979D-CFE35E3A8267}" type="datetime1">
-              <a:rPr lang="it-IT" smtClean="0"/>
-              <a:t>27/10/21</a:t>
-            </a:fld>
-            <a:endParaRPr lang="en-US" dirty="0"/>
-          </a:p>
-        </p:txBody>
-      </p:sp>
-      <p:sp>
-        <p:nvSpPr>
-          <p:cNvPr id="11" name="Segnaposto piè di pagina 4">
-            <a:extLst>
-              <a:ext uri="{FF2B5EF4-FFF2-40B4-BE49-F238E27FC236}">
-                <a16:creationId xmlns:a16="http://schemas.microsoft.com/office/drawing/2014/main" id="{100EDC2C-9436-5043-BE62-64D2D4DC14C5}"/>
-              </a:ext>
-            </a:extLst>
-          </p:cNvPr>
-          <p:cNvSpPr>
-            <a:spLocks noGrp="1"/>
-          </p:cNvSpPr>
-          <p:nvPr>
-            <p:ph type="ftr" sz="quarter" idx="11"/>
-          </p:nvPr>
-        </p:nvSpPr>
-        <p:spPr>
-          <a:xfrm>
-            <a:off x="4038600" y="6356350"/>
-            <a:ext cx="4114800" cy="365125"/>
-          </a:xfrm>
-        </p:spPr>
-        <p:txBody>
-          <a:bodyPr/>
-          <a:lstStyle/>
-          <a:p>
-            <a:r>
-              <a:rPr lang="en-US"/>
-              <a:t>Arianna Gasparri</a:t>
-            </a:r>
-            <a:endParaRPr lang="en-US" dirty="0"/>
-          </a:p>
-        </p:txBody>
-      </p:sp>
-      <p:sp>
-        <p:nvSpPr>
-          <p:cNvPr id="12" name="Segnaposto numero diapositiva 5">
-            <a:extLst>
-              <a:ext uri="{FF2B5EF4-FFF2-40B4-BE49-F238E27FC236}">
-                <a16:creationId xmlns:a16="http://schemas.microsoft.com/office/drawing/2014/main" id="{6ED4B9F5-DFA8-DC4A-B941-8259C37F3D57}"/>
-              </a:ext>
-            </a:extLst>
-          </p:cNvPr>
-          <p:cNvSpPr>
-            <a:spLocks noGrp="1"/>
-          </p:cNvSpPr>
-          <p:nvPr>
-            <p:ph type="sldNum" sz="quarter" idx="12"/>
-          </p:nvPr>
-        </p:nvSpPr>
-        <p:spPr>
-          <a:xfrm>
-            <a:off x="8610600" y="6356350"/>
-            <a:ext cx="2743200" cy="365125"/>
-          </a:xfrm>
-        </p:spPr>
-        <p:txBody>
-          <a:bodyPr/>
-          <a:lstStyle/>
-          <a:p>
-            <a:fld id="{6D22F896-40B5-4ADD-8801-0D06FADFA095}" type="slidenum">
-              <a:rPr lang="en-US" smtClean="0"/>
-              <a:t>20</a:t>
-            </a:fld>
-            <a:endParaRPr lang="en-US" dirty="0"/>
-          </a:p>
-        </p:txBody>
-      </p:sp>
-      <p:pic>
-        <p:nvPicPr>
-          <p:cNvPr id="13" name="Immagine 12">
-            <a:extLst>
-              <a:ext uri="{FF2B5EF4-FFF2-40B4-BE49-F238E27FC236}">
-                <a16:creationId xmlns:a16="http://schemas.microsoft.com/office/drawing/2014/main" id="{D4502927-51E7-A144-A796-FAD147598A31}"/>
-              </a:ext>
-            </a:extLst>
-          </p:cNvPr>
-          <p:cNvPicPr>
-            <a:picLocks noChangeAspect="1"/>
-          </p:cNvPicPr>
-          <p:nvPr/>
-        </p:nvPicPr>
-        <p:blipFill>
-          <a:blip r:embed="rId5" cstate="print">
+          <a:blip r:embed="rId3" cstate="print">
             <a:extLst>
               <a:ext uri="{28A0092B-C50C-407E-A947-70E740481C1C}">
                 <a14:useLocalDpi xmlns:a14="http://schemas.microsoft.com/office/drawing/2010/main" val="0"/>
@@ -8777,7 +8572,7 @@
     </p:spTree>
     <p:extLst>
       <p:ext uri="{BB962C8B-B14F-4D97-AF65-F5344CB8AC3E}">
-        <p14:creationId xmlns:p14="http://schemas.microsoft.com/office/powerpoint/2010/main" val="445715538"/>
+        <p14:creationId xmlns:p14="http://schemas.microsoft.com/office/powerpoint/2010/main" val="2508728585"/>
       </p:ext>
     </p:extLst>
   </p:cSld>
@@ -8826,14 +8621,115 @@
         </p:blipFill>
         <p:spPr>
           <a:xfrm>
-            <a:off x="1714030" y="1475623"/>
-            <a:ext cx="2093143" cy="1332000"/>
+            <a:off x="1714029" y="1475623"/>
+            <a:ext cx="4191943" cy="2667600"/>
           </a:xfrm>
           <a:prstGeom prst="rect">
             <a:avLst/>
           </a:prstGeom>
         </p:spPr>
       </p:pic>
+      <p:sp>
+        <p:nvSpPr>
+          <p:cNvPr id="6" name="CasellaDiTesto 5">
+            <a:extLst>
+              <a:ext uri="{FF2B5EF4-FFF2-40B4-BE49-F238E27FC236}">
+                <a16:creationId xmlns:a16="http://schemas.microsoft.com/office/drawing/2014/main" id="{11F4C9D8-CB26-E74E-B18E-7614421A6E93}"/>
+              </a:ext>
+            </a:extLst>
+          </p:cNvPr>
+          <p:cNvSpPr txBox="1"/>
+          <p:nvPr/>
+        </p:nvSpPr>
+        <p:spPr>
+          <a:xfrm>
+            <a:off x="1524000" y="4143223"/>
+            <a:ext cx="5531730" cy="1938992"/>
+          </a:xfrm>
+          <a:prstGeom prst="rect">
+            <a:avLst/>
+          </a:prstGeom>
+          <a:noFill/>
+        </p:spPr>
+        <p:txBody>
+          <a:bodyPr wrap="square" rtlCol="0">
+            <a:spAutoFit/>
+          </a:bodyPr>
+          <a:lstStyle/>
+          <a:p>
+            <a:r>
+              <a:rPr lang="it-IT" sz="2000" dirty="0"/>
+              <a:t>Parametri del modello:	l = 0.2 m</a:t>
+            </a:r>
+          </a:p>
+          <a:p>
+            <a:r>
+              <a:rPr lang="it-IT" sz="2000" dirty="0"/>
+              <a:t>			g = 9.81 m/s</a:t>
+            </a:r>
+            <a:r>
+              <a:rPr lang="it-IT" sz="2000" baseline="30000" dirty="0"/>
+              <a:t>2</a:t>
+            </a:r>
+          </a:p>
+          <a:p>
+            <a:r>
+              <a:rPr lang="it-IT" sz="2000" dirty="0"/>
+              <a:t>			M = 0.548069759 kg</a:t>
+            </a:r>
+          </a:p>
+          <a:p>
+            <a:r>
+              <a:rPr lang="it-IT" sz="2000" dirty="0"/>
+              <a:t>			m</a:t>
+            </a:r>
+            <a:r>
+              <a:rPr lang="it-IT" sz="2000" baseline="-25000" dirty="0"/>
+              <a:t>1</a:t>
+            </a:r>
+            <a:r>
+              <a:rPr lang="it-IT" sz="2000" dirty="0"/>
+              <a:t> = 0.088338025 kg</a:t>
+            </a:r>
+          </a:p>
+          <a:p>
+            <a:r>
+              <a:rPr lang="it-IT" sz="2000" dirty="0"/>
+              <a:t>			m</a:t>
+            </a:r>
+            <a:r>
+              <a:rPr lang="it-IT" sz="2000" baseline="-25000" dirty="0"/>
+              <a:t>2</a:t>
+            </a:r>
+            <a:r>
+              <a:rPr lang="it-IT" sz="2000" dirty="0"/>
+              <a:t> = 0.022245336 kg</a:t>
+            </a:r>
+          </a:p>
+          <a:p>
+            <a:r>
+              <a:rPr lang="it-IT" sz="2000" dirty="0"/>
+              <a:t>			b</a:t>
+            </a:r>
+            <a:r>
+              <a:rPr lang="it-IT" sz="2000" baseline="-25000" dirty="0"/>
+              <a:t>1</a:t>
+            </a:r>
+            <a:r>
+              <a:rPr lang="it-IT" sz="2000" dirty="0"/>
+              <a:t> = 0.1	b</a:t>
+            </a:r>
+            <a:r>
+              <a:rPr lang="it-IT" sz="2000" baseline="-25000" dirty="0"/>
+              <a:t>2</a:t>
+            </a:r>
+            <a:r>
+              <a:rPr lang="it-IT" sz="2000" dirty="0"/>
+              <a:t> = 0.5</a:t>
+            </a:r>
+          </a:p>
+        </p:txBody>
+      </p:sp>
       <p:sp>
         <p:nvSpPr>
           <p:cNvPr id="8" name="Titolo 1">
@@ -8912,8 +8808,8 @@
         </p:nvSpPr>
         <p:spPr>
           <a:xfrm>
-            <a:off x="3997202" y="1475623"/>
-            <a:ext cx="6670797" cy="1384995"/>
+            <a:off x="6978917" y="1475623"/>
+            <a:ext cx="2959510" cy="461665"/>
           </a:xfrm>
           <a:prstGeom prst="rect">
             <a:avLst/>
@@ -8931,20 +8827,14 @@
               <a:t>MODELLO DINAMICO:</a:t>
             </a:r>
           </a:p>
-          <a:p>
-            <a:r>
-              <a:rPr lang="it-IT" sz="2000" dirty="0"/>
-              <a:t>È quindi possibile individuare il vettore delle funzioni di stato, delle funzioni di ingresso e delle uscite e scrivere il sistema nella forma </a:t>
-            </a:r>
-          </a:p>
         </p:txBody>
       </p:sp>
       <p:pic>
         <p:nvPicPr>
-          <p:cNvPr id="4" name="Immagine 3">
-            <a:extLst>
-              <a:ext uri="{FF2B5EF4-FFF2-40B4-BE49-F238E27FC236}">
-                <a16:creationId xmlns:a16="http://schemas.microsoft.com/office/drawing/2014/main" id="{0BEAAF86-3F48-8847-8D11-8CCFF5FC089D}"/>
+          <p:cNvPr id="11" name="Immagine 10">
+            <a:extLst>
+              <a:ext uri="{FF2B5EF4-FFF2-40B4-BE49-F238E27FC236}">
+                <a16:creationId xmlns:a16="http://schemas.microsoft.com/office/drawing/2014/main" id="{F0486A9B-6256-E942-9507-095F0D92416D}"/>
               </a:ext>
             </a:extLst>
           </p:cNvPr>
@@ -8961,8 +8851,8 @@
         </p:blipFill>
         <p:spPr>
           <a:xfrm>
-            <a:off x="6507100" y="2807623"/>
-            <a:ext cx="1651000" cy="660400"/>
+            <a:off x="5905972" y="1937288"/>
+            <a:ext cx="5105400" cy="1085850"/>
           </a:xfrm>
           <a:prstGeom prst="rect">
             <a:avLst/>
@@ -8971,10 +8861,10 @@
       </p:pic>
       <p:pic>
         <p:nvPicPr>
-          <p:cNvPr id="7" name="Immagine 6">
-            <a:extLst>
-              <a:ext uri="{FF2B5EF4-FFF2-40B4-BE49-F238E27FC236}">
-                <a16:creationId xmlns:a16="http://schemas.microsoft.com/office/drawing/2014/main" id="{F9F8DC63-EB5D-374B-9F4A-A1EF5FF89A21}"/>
+          <p:cNvPr id="13" name="Immagine 12">
+            <a:extLst>
+              <a:ext uri="{FF2B5EF4-FFF2-40B4-BE49-F238E27FC236}">
+                <a16:creationId xmlns:a16="http://schemas.microsoft.com/office/drawing/2014/main" id="{E4C3C8CA-AA19-7547-AFE9-5AAE043E0B99}"/>
               </a:ext>
             </a:extLst>
           </p:cNvPr>
@@ -8991,6 +8881,732 @@
         </p:blipFill>
         <p:spPr>
           <a:xfrm>
+            <a:off x="7245759" y="3023138"/>
+            <a:ext cx="2095500" cy="1485900"/>
+          </a:xfrm>
+          <a:prstGeom prst="rect">
+            <a:avLst/>
+          </a:prstGeom>
+        </p:spPr>
+      </p:pic>
+      <p:sp>
+        <p:nvSpPr>
+          <p:cNvPr id="10" name="Segnaposto data 3">
+            <a:extLst>
+              <a:ext uri="{FF2B5EF4-FFF2-40B4-BE49-F238E27FC236}">
+                <a16:creationId xmlns:a16="http://schemas.microsoft.com/office/drawing/2014/main" id="{AE9DE227-D43C-9C44-B244-06A48DAF973E}"/>
+              </a:ext>
+            </a:extLst>
+          </p:cNvPr>
+          <p:cNvSpPr>
+            <a:spLocks noGrp="1"/>
+          </p:cNvSpPr>
+          <p:nvPr>
+            <p:ph type="dt" sz="half" idx="10"/>
+          </p:nvPr>
+        </p:nvSpPr>
+        <p:spPr>
+          <a:xfrm>
+            <a:off x="838200" y="6356350"/>
+            <a:ext cx="2743200" cy="365125"/>
+          </a:xfrm>
+        </p:spPr>
+        <p:txBody>
+          <a:bodyPr/>
+          <a:lstStyle/>
+          <a:p>
+            <a:fld id="{4EF59023-6175-3944-979D-CFE35E3A8267}" type="datetime1">
+              <a:rPr lang="it-IT" smtClean="0"/>
+              <a:t>02/11/21</a:t>
+            </a:fld>
+            <a:endParaRPr lang="en-US" dirty="0"/>
+          </a:p>
+        </p:txBody>
+      </p:sp>
+      <p:sp>
+        <p:nvSpPr>
+          <p:cNvPr id="12" name="Segnaposto piè di pagina 4">
+            <a:extLst>
+              <a:ext uri="{FF2B5EF4-FFF2-40B4-BE49-F238E27FC236}">
+                <a16:creationId xmlns:a16="http://schemas.microsoft.com/office/drawing/2014/main" id="{C8041FC7-4B67-C24D-A0EB-D22E155B7B73}"/>
+              </a:ext>
+            </a:extLst>
+          </p:cNvPr>
+          <p:cNvSpPr>
+            <a:spLocks noGrp="1"/>
+          </p:cNvSpPr>
+          <p:nvPr>
+            <p:ph type="ftr" sz="quarter" idx="11"/>
+          </p:nvPr>
+        </p:nvSpPr>
+        <p:spPr>
+          <a:xfrm>
+            <a:off x="4038600" y="6356350"/>
+            <a:ext cx="4114800" cy="365125"/>
+          </a:xfrm>
+        </p:spPr>
+        <p:txBody>
+          <a:bodyPr/>
+          <a:lstStyle/>
+          <a:p>
+            <a:r>
+              <a:rPr lang="en-US"/>
+              <a:t>Arianna Gasparri</a:t>
+            </a:r>
+            <a:endParaRPr lang="en-US" dirty="0"/>
+          </a:p>
+        </p:txBody>
+      </p:sp>
+      <p:sp>
+        <p:nvSpPr>
+          <p:cNvPr id="14" name="Segnaposto numero diapositiva 5">
+            <a:extLst>
+              <a:ext uri="{FF2B5EF4-FFF2-40B4-BE49-F238E27FC236}">
+                <a16:creationId xmlns:a16="http://schemas.microsoft.com/office/drawing/2014/main" id="{8F0BA2E5-108C-2E43-8954-A62D7E19AE52}"/>
+              </a:ext>
+            </a:extLst>
+          </p:cNvPr>
+          <p:cNvSpPr>
+            <a:spLocks noGrp="1"/>
+          </p:cNvSpPr>
+          <p:nvPr>
+            <p:ph type="sldNum" sz="quarter" idx="12"/>
+          </p:nvPr>
+        </p:nvSpPr>
+        <p:spPr>
+          <a:xfrm>
+            <a:off x="8610600" y="6356350"/>
+            <a:ext cx="2743200" cy="365125"/>
+          </a:xfrm>
+        </p:spPr>
+        <p:txBody>
+          <a:bodyPr/>
+          <a:lstStyle/>
+          <a:p>
+            <a:fld id="{6D22F896-40B5-4ADD-8801-0D06FADFA095}" type="slidenum">
+              <a:rPr lang="en-US" smtClean="0"/>
+              <a:t>21</a:t>
+            </a:fld>
+            <a:endParaRPr lang="en-US" dirty="0"/>
+          </a:p>
+        </p:txBody>
+      </p:sp>
+      <p:pic>
+        <p:nvPicPr>
+          <p:cNvPr id="15" name="Immagine 14">
+            <a:extLst>
+              <a:ext uri="{FF2B5EF4-FFF2-40B4-BE49-F238E27FC236}">
+                <a16:creationId xmlns:a16="http://schemas.microsoft.com/office/drawing/2014/main" id="{0C65000D-18E6-5B46-A632-C7057EBDDC71}"/>
+              </a:ext>
+            </a:extLst>
+          </p:cNvPr>
+          <p:cNvPicPr>
+            <a:picLocks noChangeAspect="1"/>
+          </p:cNvPicPr>
+          <p:nvPr/>
+        </p:nvPicPr>
+        <p:blipFill>
+          <a:blip r:embed="rId5" cstate="print">
+            <a:extLst>
+              <a:ext uri="{28A0092B-C50C-407E-A947-70E740481C1C}">
+                <a14:useLocalDpi xmlns:a14="http://schemas.microsoft.com/office/drawing/2010/main" val="0"/>
+              </a:ext>
+            </a:extLst>
+          </a:blip>
+          <a:stretch>
+            <a:fillRect/>
+          </a:stretch>
+        </p:blipFill>
+        <p:spPr>
+          <a:xfrm>
+            <a:off x="241420" y="265431"/>
+            <a:ext cx="571500" cy="518160"/>
+          </a:xfrm>
+          <a:prstGeom prst="rect">
+            <a:avLst/>
+          </a:prstGeom>
+        </p:spPr>
+      </p:pic>
+    </p:spTree>
+    <p:extLst>
+      <p:ext uri="{BB962C8B-B14F-4D97-AF65-F5344CB8AC3E}">
+        <p14:creationId xmlns:p14="http://schemas.microsoft.com/office/powerpoint/2010/main" val="46173228"/>
+      </p:ext>
+    </p:extLst>
+  </p:cSld>
+  <p:clrMapOvr>
+    <a:masterClrMapping/>
+  </p:clrMapOvr>
+</p:sld>
+</file>
+
+<file path=ppt/slides/slide22.xml><?xml version="1.0" encoding="utf-8"?>
+<p:sld xmlns:a="http://schemas.openxmlformats.org/drawingml/2006/main" xmlns:r="http://schemas.openxmlformats.org/officeDocument/2006/relationships" xmlns:p="http://schemas.openxmlformats.org/presentationml/2006/main">
+  <p:cSld>
+    <p:spTree>
+      <p:nvGrpSpPr>
+        <p:cNvPr id="1" name=""/>
+        <p:cNvGrpSpPr/>
+        <p:nvPr/>
+      </p:nvGrpSpPr>
+      <p:grpSpPr>
+        <a:xfrm>
+          <a:off x="0" y="0"/>
+          <a:ext cx="0" cy="0"/>
+          <a:chOff x="0" y="0"/>
+          <a:chExt cx="0" cy="0"/>
+        </a:xfrm>
+      </p:grpSpPr>
+      <p:pic>
+        <p:nvPicPr>
+          <p:cNvPr id="5" name="Immagine 4">
+            <a:extLst>
+              <a:ext uri="{FF2B5EF4-FFF2-40B4-BE49-F238E27FC236}">
+                <a16:creationId xmlns:a16="http://schemas.microsoft.com/office/drawing/2014/main" id="{6B271FC1-9853-8B46-B074-A5E6D5A515AD}"/>
+              </a:ext>
+            </a:extLst>
+          </p:cNvPr>
+          <p:cNvPicPr>
+            <a:picLocks noChangeAspect="1"/>
+          </p:cNvPicPr>
+          <p:nvPr/>
+        </p:nvPicPr>
+        <p:blipFill>
+          <a:blip r:embed="rId2"/>
+          <a:stretch>
+            <a:fillRect/>
+          </a:stretch>
+        </p:blipFill>
+        <p:spPr>
+          <a:xfrm>
+            <a:off x="1714030" y="1475623"/>
+            <a:ext cx="2093143" cy="1332000"/>
+          </a:xfrm>
+          <a:prstGeom prst="rect">
+            <a:avLst/>
+          </a:prstGeom>
+        </p:spPr>
+      </p:pic>
+      <p:sp>
+        <p:nvSpPr>
+          <p:cNvPr id="8" name="Titolo 1">
+            <a:extLst>
+              <a:ext uri="{FF2B5EF4-FFF2-40B4-BE49-F238E27FC236}">
+                <a16:creationId xmlns:a16="http://schemas.microsoft.com/office/drawing/2014/main" id="{E8EDF0BB-0558-644B-BB96-58C4BD179ABC}"/>
+              </a:ext>
+            </a:extLst>
+          </p:cNvPr>
+          <p:cNvSpPr txBox="1">
+            <a:spLocks/>
+          </p:cNvSpPr>
+          <p:nvPr/>
+        </p:nvSpPr>
+        <p:spPr>
+          <a:xfrm>
+            <a:off x="1524000" y="454393"/>
+            <a:ext cx="9144000" cy="1021230"/>
+          </a:xfrm>
+          <a:prstGeom prst="rect">
+            <a:avLst/>
+          </a:prstGeom>
+        </p:spPr>
+        <p:txBody>
+          <a:bodyPr vert="horz" lIns="91440" tIns="45720" rIns="91440" bIns="45720" rtlCol="0" anchor="ctr">
+            <a:normAutofit/>
+          </a:bodyPr>
+          <a:lstStyle>
+            <a:lvl1pPr algn="l" defTabSz="914400" rtl="0" eaLnBrk="1" latinLnBrk="0" hangingPunct="1">
+              <a:lnSpc>
+                <a:spcPct val="90000"/>
+              </a:lnSpc>
+              <a:spcBef>
+                <a:spcPct val="0"/>
+              </a:spcBef>
+              <a:buNone/>
+              <a:defRPr sz="4400" kern="1200">
+                <a:solidFill>
+                  <a:schemeClr val="tx1"/>
+                </a:solidFill>
+                <a:latin typeface="+mj-lt"/>
+                <a:ea typeface="+mj-ea"/>
+                <a:cs typeface="+mj-cs"/>
+              </a:defRPr>
+            </a:lvl1pPr>
+          </a:lstStyle>
+          <a:p>
+            <a:pPr algn="ctr"/>
+            <a:r>
+              <a:rPr lang="it-IT" dirty="0" err="1"/>
+              <a:t>Granty</a:t>
+            </a:r>
+            <a:r>
+              <a:rPr lang="it-IT" dirty="0"/>
+              <a:t> </a:t>
+            </a:r>
+            <a:r>
+              <a:rPr lang="it-IT" dirty="0" err="1"/>
+              <a:t>crane</a:t>
+            </a:r>
+            <a:endParaRPr lang="it-IT" dirty="0"/>
+          </a:p>
+        </p:txBody>
+      </p:sp>
+      <p:sp>
+        <p:nvSpPr>
+          <p:cNvPr id="9" name="CasellaDiTesto 8">
+            <a:extLst>
+              <a:ext uri="{FF2B5EF4-FFF2-40B4-BE49-F238E27FC236}">
+                <a16:creationId xmlns:a16="http://schemas.microsoft.com/office/drawing/2014/main" id="{86F89E2B-2067-3C4F-A4E7-D7C1F99F332E}"/>
+              </a:ext>
+            </a:extLst>
+          </p:cNvPr>
+          <p:cNvSpPr txBox="1"/>
+          <p:nvPr/>
+        </p:nvSpPr>
+        <p:spPr>
+          <a:xfrm>
+            <a:off x="3997202" y="1475623"/>
+            <a:ext cx="6670797" cy="1384995"/>
+          </a:xfrm>
+          <a:prstGeom prst="rect">
+            <a:avLst/>
+          </a:prstGeom>
+          <a:noFill/>
+        </p:spPr>
+        <p:txBody>
+          <a:bodyPr wrap="square" rtlCol="0">
+            <a:spAutoFit/>
+          </a:bodyPr>
+          <a:lstStyle/>
+          <a:p>
+            <a:r>
+              <a:rPr lang="it-IT" sz="2400" dirty="0"/>
+              <a:t>MODELLO DINAMICO:</a:t>
+            </a:r>
+          </a:p>
+          <a:p>
+            <a:r>
+              <a:rPr lang="it-IT" sz="2000" dirty="0"/>
+              <a:t>A partire dalle equazioni della slide precedente, con semplici calcoli si ottengono le equazioni della dinamica del modello, scritte in forma standard che seguono, con vettore di stato:</a:t>
+            </a:r>
+          </a:p>
+        </p:txBody>
+      </p:sp>
+      <p:pic>
+        <p:nvPicPr>
+          <p:cNvPr id="3" name="Immagine 2">
+            <a:extLst>
+              <a:ext uri="{FF2B5EF4-FFF2-40B4-BE49-F238E27FC236}">
+                <a16:creationId xmlns:a16="http://schemas.microsoft.com/office/drawing/2014/main" id="{F55D6311-1534-8A48-A8EE-1261BFF4A2AC}"/>
+              </a:ext>
+            </a:extLst>
+          </p:cNvPr>
+          <p:cNvPicPr>
+            <a:picLocks noChangeAspect="1"/>
+          </p:cNvPicPr>
+          <p:nvPr/>
+        </p:nvPicPr>
+        <p:blipFill>
+          <a:blip r:embed="rId3"/>
+          <a:stretch>
+            <a:fillRect/>
+          </a:stretch>
+        </p:blipFill>
+        <p:spPr>
+          <a:xfrm>
+            <a:off x="6748400" y="2860618"/>
+            <a:ext cx="1168400" cy="1181100"/>
+          </a:xfrm>
+          <a:prstGeom prst="rect">
+            <a:avLst/>
+          </a:prstGeom>
+        </p:spPr>
+      </p:pic>
+      <p:pic>
+        <p:nvPicPr>
+          <p:cNvPr id="7" name="Immagine 6">
+            <a:extLst>
+              <a:ext uri="{FF2B5EF4-FFF2-40B4-BE49-F238E27FC236}">
+                <a16:creationId xmlns:a16="http://schemas.microsoft.com/office/drawing/2014/main" id="{A539952D-DE65-B548-BF2B-F3A0D95C318E}"/>
+              </a:ext>
+            </a:extLst>
+          </p:cNvPr>
+          <p:cNvPicPr>
+            <a:picLocks noChangeAspect="1"/>
+          </p:cNvPicPr>
+          <p:nvPr/>
+        </p:nvPicPr>
+        <p:blipFill>
+          <a:blip r:embed="rId4"/>
+          <a:stretch>
+            <a:fillRect/>
+          </a:stretch>
+        </p:blipFill>
+        <p:spPr>
+          <a:xfrm>
+            <a:off x="1362075" y="4041718"/>
+            <a:ext cx="9467850" cy="2266950"/>
+          </a:xfrm>
+          <a:prstGeom prst="rect">
+            <a:avLst/>
+          </a:prstGeom>
+        </p:spPr>
+      </p:pic>
+      <p:sp>
+        <p:nvSpPr>
+          <p:cNvPr id="10" name="Segnaposto data 3">
+            <a:extLst>
+              <a:ext uri="{FF2B5EF4-FFF2-40B4-BE49-F238E27FC236}">
+                <a16:creationId xmlns:a16="http://schemas.microsoft.com/office/drawing/2014/main" id="{3531B279-D577-5248-90AF-F64E19A5EBC5}"/>
+              </a:ext>
+            </a:extLst>
+          </p:cNvPr>
+          <p:cNvSpPr>
+            <a:spLocks noGrp="1"/>
+          </p:cNvSpPr>
+          <p:nvPr>
+            <p:ph type="dt" sz="half" idx="10"/>
+          </p:nvPr>
+        </p:nvSpPr>
+        <p:spPr>
+          <a:xfrm>
+            <a:off x="838200" y="6356350"/>
+            <a:ext cx="2743200" cy="365125"/>
+          </a:xfrm>
+        </p:spPr>
+        <p:txBody>
+          <a:bodyPr/>
+          <a:lstStyle/>
+          <a:p>
+            <a:fld id="{4EF59023-6175-3944-979D-CFE35E3A8267}" type="datetime1">
+              <a:rPr lang="it-IT" smtClean="0"/>
+              <a:t>02/11/21</a:t>
+            </a:fld>
+            <a:endParaRPr lang="en-US" dirty="0"/>
+          </a:p>
+        </p:txBody>
+      </p:sp>
+      <p:sp>
+        <p:nvSpPr>
+          <p:cNvPr id="11" name="Segnaposto piè di pagina 4">
+            <a:extLst>
+              <a:ext uri="{FF2B5EF4-FFF2-40B4-BE49-F238E27FC236}">
+                <a16:creationId xmlns:a16="http://schemas.microsoft.com/office/drawing/2014/main" id="{100EDC2C-9436-5043-BE62-64D2D4DC14C5}"/>
+              </a:ext>
+            </a:extLst>
+          </p:cNvPr>
+          <p:cNvSpPr>
+            <a:spLocks noGrp="1"/>
+          </p:cNvSpPr>
+          <p:nvPr>
+            <p:ph type="ftr" sz="quarter" idx="11"/>
+          </p:nvPr>
+        </p:nvSpPr>
+        <p:spPr>
+          <a:xfrm>
+            <a:off x="4038600" y="6356350"/>
+            <a:ext cx="4114800" cy="365125"/>
+          </a:xfrm>
+        </p:spPr>
+        <p:txBody>
+          <a:bodyPr/>
+          <a:lstStyle/>
+          <a:p>
+            <a:r>
+              <a:rPr lang="en-US"/>
+              <a:t>Arianna Gasparri</a:t>
+            </a:r>
+            <a:endParaRPr lang="en-US" dirty="0"/>
+          </a:p>
+        </p:txBody>
+      </p:sp>
+      <p:sp>
+        <p:nvSpPr>
+          <p:cNvPr id="12" name="Segnaposto numero diapositiva 5">
+            <a:extLst>
+              <a:ext uri="{FF2B5EF4-FFF2-40B4-BE49-F238E27FC236}">
+                <a16:creationId xmlns:a16="http://schemas.microsoft.com/office/drawing/2014/main" id="{6ED4B9F5-DFA8-DC4A-B941-8259C37F3D57}"/>
+              </a:ext>
+            </a:extLst>
+          </p:cNvPr>
+          <p:cNvSpPr>
+            <a:spLocks noGrp="1"/>
+          </p:cNvSpPr>
+          <p:nvPr>
+            <p:ph type="sldNum" sz="quarter" idx="12"/>
+          </p:nvPr>
+        </p:nvSpPr>
+        <p:spPr>
+          <a:xfrm>
+            <a:off x="8610600" y="6356350"/>
+            <a:ext cx="2743200" cy="365125"/>
+          </a:xfrm>
+        </p:spPr>
+        <p:txBody>
+          <a:bodyPr/>
+          <a:lstStyle/>
+          <a:p>
+            <a:fld id="{6D22F896-40B5-4ADD-8801-0D06FADFA095}" type="slidenum">
+              <a:rPr lang="en-US" smtClean="0"/>
+              <a:t>22</a:t>
+            </a:fld>
+            <a:endParaRPr lang="en-US" dirty="0"/>
+          </a:p>
+        </p:txBody>
+      </p:sp>
+      <p:pic>
+        <p:nvPicPr>
+          <p:cNvPr id="13" name="Immagine 12">
+            <a:extLst>
+              <a:ext uri="{FF2B5EF4-FFF2-40B4-BE49-F238E27FC236}">
+                <a16:creationId xmlns:a16="http://schemas.microsoft.com/office/drawing/2014/main" id="{D4502927-51E7-A144-A796-FAD147598A31}"/>
+              </a:ext>
+            </a:extLst>
+          </p:cNvPr>
+          <p:cNvPicPr>
+            <a:picLocks noChangeAspect="1"/>
+          </p:cNvPicPr>
+          <p:nvPr/>
+        </p:nvPicPr>
+        <p:blipFill>
+          <a:blip r:embed="rId5" cstate="print">
+            <a:extLst>
+              <a:ext uri="{28A0092B-C50C-407E-A947-70E740481C1C}">
+                <a14:useLocalDpi xmlns:a14="http://schemas.microsoft.com/office/drawing/2010/main" val="0"/>
+              </a:ext>
+            </a:extLst>
+          </a:blip>
+          <a:stretch>
+            <a:fillRect/>
+          </a:stretch>
+        </p:blipFill>
+        <p:spPr>
+          <a:xfrm>
+            <a:off x="241420" y="265431"/>
+            <a:ext cx="571500" cy="518160"/>
+          </a:xfrm>
+          <a:prstGeom prst="rect">
+            <a:avLst/>
+          </a:prstGeom>
+        </p:spPr>
+      </p:pic>
+    </p:spTree>
+    <p:extLst>
+      <p:ext uri="{BB962C8B-B14F-4D97-AF65-F5344CB8AC3E}">
+        <p14:creationId xmlns:p14="http://schemas.microsoft.com/office/powerpoint/2010/main" val="445715538"/>
+      </p:ext>
+    </p:extLst>
+  </p:cSld>
+  <p:clrMapOvr>
+    <a:masterClrMapping/>
+  </p:clrMapOvr>
+</p:sld>
+</file>
+
+<file path=ppt/slides/slide23.xml><?xml version="1.0" encoding="utf-8"?>
+<p:sld xmlns:a="http://schemas.openxmlformats.org/drawingml/2006/main" xmlns:r="http://schemas.openxmlformats.org/officeDocument/2006/relationships" xmlns:p="http://schemas.openxmlformats.org/presentationml/2006/main">
+  <p:cSld>
+    <p:spTree>
+      <p:nvGrpSpPr>
+        <p:cNvPr id="1" name=""/>
+        <p:cNvGrpSpPr/>
+        <p:nvPr/>
+      </p:nvGrpSpPr>
+      <p:grpSpPr>
+        <a:xfrm>
+          <a:off x="0" y="0"/>
+          <a:ext cx="0" cy="0"/>
+          <a:chOff x="0" y="0"/>
+          <a:chExt cx="0" cy="0"/>
+        </a:xfrm>
+      </p:grpSpPr>
+      <p:pic>
+        <p:nvPicPr>
+          <p:cNvPr id="5" name="Immagine 4">
+            <a:extLst>
+              <a:ext uri="{FF2B5EF4-FFF2-40B4-BE49-F238E27FC236}">
+                <a16:creationId xmlns:a16="http://schemas.microsoft.com/office/drawing/2014/main" id="{6B271FC1-9853-8B46-B074-A5E6D5A515AD}"/>
+              </a:ext>
+            </a:extLst>
+          </p:cNvPr>
+          <p:cNvPicPr>
+            <a:picLocks noChangeAspect="1"/>
+          </p:cNvPicPr>
+          <p:nvPr/>
+        </p:nvPicPr>
+        <p:blipFill>
+          <a:blip r:embed="rId2"/>
+          <a:stretch>
+            <a:fillRect/>
+          </a:stretch>
+        </p:blipFill>
+        <p:spPr>
+          <a:xfrm>
+            <a:off x="1714030" y="1475623"/>
+            <a:ext cx="2093143" cy="1332000"/>
+          </a:xfrm>
+          <a:prstGeom prst="rect">
+            <a:avLst/>
+          </a:prstGeom>
+        </p:spPr>
+      </p:pic>
+      <p:sp>
+        <p:nvSpPr>
+          <p:cNvPr id="8" name="Titolo 1">
+            <a:extLst>
+              <a:ext uri="{FF2B5EF4-FFF2-40B4-BE49-F238E27FC236}">
+                <a16:creationId xmlns:a16="http://schemas.microsoft.com/office/drawing/2014/main" id="{E8EDF0BB-0558-644B-BB96-58C4BD179ABC}"/>
+              </a:ext>
+            </a:extLst>
+          </p:cNvPr>
+          <p:cNvSpPr txBox="1">
+            <a:spLocks/>
+          </p:cNvSpPr>
+          <p:nvPr/>
+        </p:nvSpPr>
+        <p:spPr>
+          <a:xfrm>
+            <a:off x="1524000" y="454393"/>
+            <a:ext cx="9144000" cy="1021230"/>
+          </a:xfrm>
+          <a:prstGeom prst="rect">
+            <a:avLst/>
+          </a:prstGeom>
+        </p:spPr>
+        <p:txBody>
+          <a:bodyPr vert="horz" lIns="91440" tIns="45720" rIns="91440" bIns="45720" rtlCol="0" anchor="ctr">
+            <a:normAutofit/>
+          </a:bodyPr>
+          <a:lstStyle>
+            <a:lvl1pPr algn="l" defTabSz="914400" rtl="0" eaLnBrk="1" latinLnBrk="0" hangingPunct="1">
+              <a:lnSpc>
+                <a:spcPct val="90000"/>
+              </a:lnSpc>
+              <a:spcBef>
+                <a:spcPct val="0"/>
+              </a:spcBef>
+              <a:buNone/>
+              <a:defRPr sz="4400" kern="1200">
+                <a:solidFill>
+                  <a:schemeClr val="tx1"/>
+                </a:solidFill>
+                <a:latin typeface="+mj-lt"/>
+                <a:ea typeface="+mj-ea"/>
+                <a:cs typeface="+mj-cs"/>
+              </a:defRPr>
+            </a:lvl1pPr>
+          </a:lstStyle>
+          <a:p>
+            <a:pPr algn="ctr"/>
+            <a:r>
+              <a:rPr lang="it-IT" dirty="0" err="1"/>
+              <a:t>Granty</a:t>
+            </a:r>
+            <a:r>
+              <a:rPr lang="it-IT" dirty="0"/>
+              <a:t> </a:t>
+            </a:r>
+            <a:r>
+              <a:rPr lang="it-IT" dirty="0" err="1"/>
+              <a:t>crane</a:t>
+            </a:r>
+            <a:endParaRPr lang="it-IT" dirty="0"/>
+          </a:p>
+        </p:txBody>
+      </p:sp>
+      <p:sp>
+        <p:nvSpPr>
+          <p:cNvPr id="9" name="CasellaDiTesto 8">
+            <a:extLst>
+              <a:ext uri="{FF2B5EF4-FFF2-40B4-BE49-F238E27FC236}">
+                <a16:creationId xmlns:a16="http://schemas.microsoft.com/office/drawing/2014/main" id="{86F89E2B-2067-3C4F-A4E7-D7C1F99F332E}"/>
+              </a:ext>
+            </a:extLst>
+          </p:cNvPr>
+          <p:cNvSpPr txBox="1"/>
+          <p:nvPr/>
+        </p:nvSpPr>
+        <p:spPr>
+          <a:xfrm>
+            <a:off x="3997202" y="1475623"/>
+            <a:ext cx="6670797" cy="1384995"/>
+          </a:xfrm>
+          <a:prstGeom prst="rect">
+            <a:avLst/>
+          </a:prstGeom>
+          <a:noFill/>
+        </p:spPr>
+        <p:txBody>
+          <a:bodyPr wrap="square" rtlCol="0">
+            <a:spAutoFit/>
+          </a:bodyPr>
+          <a:lstStyle/>
+          <a:p>
+            <a:r>
+              <a:rPr lang="it-IT" sz="2400" dirty="0"/>
+              <a:t>MODELLO DINAMICO:</a:t>
+            </a:r>
+          </a:p>
+          <a:p>
+            <a:r>
+              <a:rPr lang="it-IT" sz="2000" dirty="0"/>
+              <a:t>È quindi possibile individuare il vettore delle funzioni di stato, delle funzioni di ingresso e delle uscite e scrivere il sistema nella forma </a:t>
+            </a:r>
+          </a:p>
+        </p:txBody>
+      </p:sp>
+      <p:pic>
+        <p:nvPicPr>
+          <p:cNvPr id="4" name="Immagine 3">
+            <a:extLst>
+              <a:ext uri="{FF2B5EF4-FFF2-40B4-BE49-F238E27FC236}">
+                <a16:creationId xmlns:a16="http://schemas.microsoft.com/office/drawing/2014/main" id="{0BEAAF86-3F48-8847-8D11-8CCFF5FC089D}"/>
+              </a:ext>
+            </a:extLst>
+          </p:cNvPr>
+          <p:cNvPicPr>
+            <a:picLocks noChangeAspect="1"/>
+          </p:cNvPicPr>
+          <p:nvPr/>
+        </p:nvPicPr>
+        <p:blipFill>
+          <a:blip r:embed="rId3"/>
+          <a:stretch>
+            <a:fillRect/>
+          </a:stretch>
+        </p:blipFill>
+        <p:spPr>
+          <a:xfrm>
+            <a:off x="6507100" y="2807623"/>
+            <a:ext cx="1651000" cy="660400"/>
+          </a:xfrm>
+          <a:prstGeom prst="rect">
+            <a:avLst/>
+          </a:prstGeom>
+        </p:spPr>
+      </p:pic>
+      <p:pic>
+        <p:nvPicPr>
+          <p:cNvPr id="7" name="Immagine 6">
+            <a:extLst>
+              <a:ext uri="{FF2B5EF4-FFF2-40B4-BE49-F238E27FC236}">
+                <a16:creationId xmlns:a16="http://schemas.microsoft.com/office/drawing/2014/main" id="{F9F8DC63-EB5D-374B-9F4A-A1EF5FF89A21}"/>
+              </a:ext>
+            </a:extLst>
+          </p:cNvPr>
+          <p:cNvPicPr>
+            <a:picLocks noChangeAspect="1"/>
+          </p:cNvPicPr>
+          <p:nvPr/>
+        </p:nvPicPr>
+        <p:blipFill>
+          <a:blip r:embed="rId4"/>
+          <a:stretch>
+            <a:fillRect/>
+          </a:stretch>
+        </p:blipFill>
+        <p:spPr>
+          <a:xfrm>
             <a:off x="1524000" y="3468023"/>
             <a:ext cx="6477000" cy="1603375"/>
           </a:xfrm>
@@ -9087,7 +9703,7 @@
           <a:p>
             <a:fld id="{4EF59023-6175-3944-979D-CFE35E3A8267}" type="datetime1">
               <a:rPr lang="it-IT" smtClean="0"/>
-              <a:t>27/10/21</a:t>
+              <a:t>02/11/21</a:t>
             </a:fld>
             <a:endParaRPr lang="en-US" dirty="0"/>
           </a:p>
@@ -9155,7 +9771,7 @@
           <a:p>
             <a:fld id="{6D22F896-40B5-4ADD-8801-0D06FADFA095}" type="slidenum">
               <a:rPr lang="en-US" smtClean="0"/>
-              <a:t>21</a:t>
+              <a:t>23</a:t>
             </a:fld>
             <a:endParaRPr lang="en-US" dirty="0"/>
           </a:p>
@@ -9210,7 +9826,7 @@
 </p:sld>
 </file>
 
-<file path=ppt/slides/slide22.xml><?xml version="1.0" encoding="utf-8"?>
+<file path=ppt/slides/slide24.xml><?xml version="1.0" encoding="utf-8"?>
 <p:sld xmlns:a="http://schemas.openxmlformats.org/drawingml/2006/main" xmlns:r="http://schemas.openxmlformats.org/officeDocument/2006/relationships" xmlns:p="http://schemas.openxmlformats.org/presentationml/2006/main">
   <p:cSld>
     <p:spTree>
@@ -10295,7 +10911,7 @@
           <a:p>
             <a:fld id="{4EF59023-6175-3944-979D-CFE35E3A8267}" type="datetime1">
               <a:rPr lang="it-IT" smtClean="0"/>
-              <a:t>27/10/21</a:t>
+              <a:t>02/11/21</a:t>
             </a:fld>
             <a:endParaRPr lang="en-US" dirty="0"/>
           </a:p>
@@ -10363,7 +10979,7 @@
           <a:p>
             <a:fld id="{6D22F896-40B5-4ADD-8801-0D06FADFA095}" type="slidenum">
               <a:rPr lang="en-US" smtClean="0"/>
-              <a:t>22</a:t>
+              <a:t>24</a:t>
             </a:fld>
             <a:endParaRPr lang="en-US" dirty="0"/>
           </a:p>
@@ -10418,7 +11034,7 @@
 </p:sld>
 </file>
 
-<file path=ppt/slides/slide23.xml><?xml version="1.0" encoding="utf-8"?>
+<file path=ppt/slides/slide25.xml><?xml version="1.0" encoding="utf-8"?>
 <p:sld xmlns:a="http://schemas.openxmlformats.org/drawingml/2006/main" xmlns:r="http://schemas.openxmlformats.org/officeDocument/2006/relationships" xmlns:p="http://schemas.openxmlformats.org/presentationml/2006/main">
   <p:cSld>
     <p:spTree>
@@ -10767,13 +11383,7 @@
                             <a:rPr lang="it-IT" sz="2000" b="0" i="1" smtClean="0">
                               <a:latin typeface="Cambria Math" panose="02040503050406030204" pitchFamily="18" charset="0"/>
                             </a:rPr>
-                            <m:t>𝑑𝐿𝑔𝐿𝑓</m:t>
-                          </m:r>
-                          <m:r>
-                            <a:rPr lang="it-IT" sz="2000" b="0" i="1" smtClean="0">
-                              <a:latin typeface="Cambria Math" panose="02040503050406030204" pitchFamily="18" charset="0"/>
-                            </a:rPr>
-                            <m:t>h</m:t>
+                            <m:t>𝑑𝐿𝑔𝐿𝑓h</m:t>
                           </m:r>
                           <m:d>
                             <m:dPr>
@@ -10802,13 +11412,7 @@
                             <a:rPr lang="it-IT" sz="2000" b="0" i="1" smtClean="0">
                               <a:latin typeface="Cambria Math" panose="02040503050406030204" pitchFamily="18" charset="0"/>
                             </a:rPr>
-                            <m:t>𝑑𝐿𝑓𝐿𝑔</m:t>
-                          </m:r>
-                          <m:r>
-                            <a:rPr lang="it-IT" sz="2000" b="0" i="1" smtClean="0">
-                              <a:latin typeface="Cambria Math" panose="02040503050406030204" pitchFamily="18" charset="0"/>
-                            </a:rPr>
-                            <m:t>h</m:t>
+                            <m:t>𝑑𝐿𝑓𝐿𝑔h</m:t>
                           </m:r>
                           <m:d>
                             <m:dPr>
@@ -10980,7 +11584,7 @@
           <a:p>
             <a:fld id="{4EF59023-6175-3944-979D-CFE35E3A8267}" type="datetime1">
               <a:rPr lang="it-IT" smtClean="0"/>
-              <a:t>27/10/21</a:t>
+              <a:t>02/11/21</a:t>
             </a:fld>
             <a:endParaRPr lang="en-US" dirty="0"/>
           </a:p>
@@ -11048,7 +11652,7 @@
           <a:p>
             <a:fld id="{6D22F896-40B5-4ADD-8801-0D06FADFA095}" type="slidenum">
               <a:rPr lang="en-US" smtClean="0"/>
-              <a:t>23</a:t>
+              <a:t>25</a:t>
             </a:fld>
             <a:endParaRPr lang="en-US" dirty="0"/>
           </a:p>
@@ -11103,7 +11707,7 @@
 </p:sld>
 </file>
 
-<file path=ppt/slides/slide24.xml><?xml version="1.0" encoding="utf-8"?>
+<file path=ppt/slides/slide26.xml><?xml version="1.0" encoding="utf-8"?>
 <p:sld xmlns:a="http://schemas.openxmlformats.org/drawingml/2006/main" xmlns:r="http://schemas.openxmlformats.org/officeDocument/2006/relationships" xmlns:p="http://schemas.openxmlformats.org/presentationml/2006/main">
   <p:cSld>
     <p:spTree>
@@ -11898,7 +12502,7 @@
           <a:p>
             <a:fld id="{4EF59023-6175-3944-979D-CFE35E3A8267}" type="datetime1">
               <a:rPr lang="it-IT" smtClean="0"/>
-              <a:t>27/10/21</a:t>
+              <a:t>02/11/21</a:t>
             </a:fld>
             <a:endParaRPr lang="en-US" dirty="0"/>
           </a:p>
@@ -11966,7 +12570,7 @@
           <a:p>
             <a:fld id="{6D22F896-40B5-4ADD-8801-0D06FADFA095}" type="slidenum">
               <a:rPr lang="en-US" smtClean="0"/>
-              <a:t>24</a:t>
+              <a:t>26</a:t>
             </a:fld>
             <a:endParaRPr lang="en-US" dirty="0"/>
           </a:p>
@@ -12021,7 +12625,7 @@
 </p:sld>
 </file>
 
-<file path=ppt/slides/slide25.xml><?xml version="1.0" encoding="utf-8"?>
+<file path=ppt/slides/slide27.xml><?xml version="1.0" encoding="utf-8"?>
 <p:sld xmlns:a="http://schemas.openxmlformats.org/drawingml/2006/main" xmlns:r="http://schemas.openxmlformats.org/officeDocument/2006/relationships" xmlns:p="http://schemas.openxmlformats.org/presentationml/2006/main">
   <p:cSld>
     <p:spTree>
@@ -12252,7 +12856,7 @@
           <a:p>
             <a:fld id="{4EF59023-6175-3944-979D-CFE35E3A8267}" type="datetime1">
               <a:rPr lang="it-IT" smtClean="0"/>
-              <a:t>27/10/21</a:t>
+              <a:t>02/11/21</a:t>
             </a:fld>
             <a:endParaRPr lang="en-US" dirty="0"/>
           </a:p>
@@ -12320,7 +12924,7 @@
           <a:p>
             <a:fld id="{6D22F896-40B5-4ADD-8801-0D06FADFA095}" type="slidenum">
               <a:rPr lang="en-US" smtClean="0"/>
-              <a:t>25</a:t>
+              <a:t>27</a:t>
             </a:fld>
             <a:endParaRPr lang="en-US" dirty="0"/>
           </a:p>
@@ -12375,7 +12979,7 @@
 </p:sld>
 </file>
 
-<file path=ppt/slides/slide26.xml><?xml version="1.0" encoding="utf-8"?>
+<file path=ppt/slides/slide28.xml><?xml version="1.0" encoding="utf-8"?>
 <p:sld xmlns:a="http://schemas.openxmlformats.org/drawingml/2006/main" xmlns:r="http://schemas.openxmlformats.org/officeDocument/2006/relationships" xmlns:p="http://schemas.openxmlformats.org/presentationml/2006/main">
   <p:cSld>
     <p:spTree>
@@ -12610,7 +13214,7 @@
           <a:p>
             <a:fld id="{4EF59023-6175-3944-979D-CFE35E3A8267}" type="datetime1">
               <a:rPr lang="it-IT" smtClean="0"/>
-              <a:t>27/10/21</a:t>
+              <a:t>02/11/21</a:t>
             </a:fld>
             <a:endParaRPr lang="en-US" dirty="0"/>
           </a:p>
@@ -12678,7 +13282,7 @@
           <a:p>
             <a:fld id="{6D22F896-40B5-4ADD-8801-0D06FADFA095}" type="slidenum">
               <a:rPr lang="en-US" smtClean="0"/>
-              <a:t>26</a:t>
+              <a:t>28</a:t>
             </a:fld>
             <a:endParaRPr lang="en-US" dirty="0"/>
           </a:p>
@@ -13044,7 +13648,7 @@
           <a:p>
             <a:fld id="{4EF59023-6175-3944-979D-CFE35E3A8267}" type="datetime1">
               <a:rPr lang="it-IT" smtClean="0"/>
-              <a:t>27/10/21</a:t>
+              <a:t>02/11/21</a:t>
             </a:fld>
             <a:endParaRPr lang="en-US" dirty="0"/>
           </a:p>
@@ -15085,7 +15689,7 @@
           <a:p>
             <a:fld id="{4EF59023-6175-3944-979D-CFE35E3A8267}" type="datetime1">
               <a:rPr lang="it-IT" smtClean="0"/>
-              <a:t>27/10/21</a:t>
+              <a:t>02/11/21</a:t>
             </a:fld>
             <a:endParaRPr lang="en-US" dirty="0"/>
           </a:p>
@@ -15459,7 +16063,7 @@
           <a:p>
             <a:fld id="{4EF59023-6175-3944-979D-CFE35E3A8267}" type="datetime1">
               <a:rPr lang="it-IT" smtClean="0"/>
-              <a:t>27/10/21</a:t>
+              <a:t>02/11/21</a:t>
             </a:fld>
             <a:endParaRPr lang="en-US" dirty="0"/>
           </a:p>
@@ -15599,8 +16203,8 @@
           <a:chExt cx="0" cy="0"/>
         </a:xfrm>
       </p:grpSpPr>
-      <mc:AlternateContent xmlns:mc="http://schemas.openxmlformats.org/markup-compatibility/2006">
-        <mc:Choice xmlns:a14="http://schemas.microsoft.com/office/drawing/2010/main" Requires="a14">
+      <mc:AlternateContent xmlns:mc="http://schemas.openxmlformats.org/markup-compatibility/2006" xmlns:a14="http://schemas.microsoft.com/office/drawing/2010/main">
+        <mc:Choice Requires="a14">
           <p:sp>
             <p:nvSpPr>
               <p:cNvPr id="5" name="CasellaDiTesto 4">
@@ -16064,7 +16668,7 @@
             </p:txBody>
           </p:sp>
         </mc:Choice>
-        <mc:Fallback>
+        <mc:Fallback xmlns="">
           <p:sp>
             <p:nvSpPr>
               <p:cNvPr id="5" name="CasellaDiTesto 4">
@@ -16252,7 +16856,7 @@
           <a:p>
             <a:fld id="{4EF59023-6175-3944-979D-CFE35E3A8267}" type="datetime1">
               <a:rPr lang="it-IT" smtClean="0"/>
-              <a:t>27/10/21</a:t>
+              <a:t>02/11/21</a:t>
             </a:fld>
             <a:endParaRPr lang="en-US" dirty="0"/>
           </a:p>
@@ -16839,7 +17443,7 @@
           <a:p>
             <a:fld id="{4EF59023-6175-3944-979D-CFE35E3A8267}" type="datetime1">
               <a:rPr lang="it-IT" smtClean="0"/>
-              <a:t>27/10/21</a:t>
+              <a:t>02/11/21</a:t>
             </a:fld>
             <a:endParaRPr lang="en-US" dirty="0"/>
           </a:p>
@@ -17610,7 +18214,7 @@
           <a:p>
             <a:fld id="{4EF59023-6175-3944-979D-CFE35E3A8267}" type="datetime1">
               <a:rPr lang="it-IT" smtClean="0"/>
-              <a:t>27/10/21</a:t>
+              <a:t>02/11/21</a:t>
             </a:fld>
             <a:endParaRPr lang="en-US" dirty="0"/>
           </a:p>
@@ -17979,7 +18583,7 @@
           <a:p>
             <a:fld id="{4EF59023-6175-3944-979D-CFE35E3A8267}" type="datetime1">
               <a:rPr lang="it-IT" smtClean="0"/>
-              <a:t>27/10/21</a:t>
+              <a:t>02/11/21</a:t>
             </a:fld>
             <a:endParaRPr lang="en-US" dirty="0"/>
           </a:p>

--- a/Relazione/Presentazione.pptx
+++ b/Relazione/Presentazione.pptx
@@ -286,7 +286,7 @@
           <a:p>
             <a:fld id="{27153579-3A4D-BB42-BD49-BB0F80A81A61}" type="datetimeFigureOut">
               <a:rPr lang="it-IT" smtClean="0"/>
-              <a:t>02/11/21</a:t>
+              <a:t>14/11/21</a:t>
             </a:fld>
             <a:endParaRPr lang="it-IT"/>
           </a:p>
@@ -459,7 +459,7 @@
           <a:p>
             <a:fld id="{27153579-3A4D-BB42-BD49-BB0F80A81A61}" type="datetimeFigureOut">
               <a:rPr lang="it-IT" smtClean="0"/>
-              <a:t>02/11/21</a:t>
+              <a:t>14/11/21</a:t>
             </a:fld>
             <a:endParaRPr lang="it-IT"/>
           </a:p>
@@ -642,7 +642,7 @@
           <a:p>
             <a:fld id="{27153579-3A4D-BB42-BD49-BB0F80A81A61}" type="datetimeFigureOut">
               <a:rPr lang="it-IT" smtClean="0"/>
-              <a:t>02/11/21</a:t>
+              <a:t>14/11/21</a:t>
             </a:fld>
             <a:endParaRPr lang="it-IT"/>
           </a:p>
@@ -815,7 +815,7 @@
           <a:p>
             <a:fld id="{27153579-3A4D-BB42-BD49-BB0F80A81A61}" type="datetimeFigureOut">
               <a:rPr lang="it-IT" smtClean="0"/>
-              <a:t>02/11/21</a:t>
+              <a:t>14/11/21</a:t>
             </a:fld>
             <a:endParaRPr lang="it-IT"/>
           </a:p>
@@ -1093,7 +1093,7 @@
           <a:p>
             <a:fld id="{27153579-3A4D-BB42-BD49-BB0F80A81A61}" type="datetimeFigureOut">
               <a:rPr lang="it-IT" smtClean="0"/>
-              <a:t>02/11/21</a:t>
+              <a:t>14/11/21</a:t>
             </a:fld>
             <a:endParaRPr lang="it-IT"/>
           </a:p>
@@ -1308,7 +1308,7 @@
           <a:p>
             <a:fld id="{27153579-3A4D-BB42-BD49-BB0F80A81A61}" type="datetimeFigureOut">
               <a:rPr lang="it-IT" smtClean="0"/>
-              <a:t>02/11/21</a:t>
+              <a:t>14/11/21</a:t>
             </a:fld>
             <a:endParaRPr lang="it-IT"/>
           </a:p>
@@ -1676,7 +1676,7 @@
           <a:p>
             <a:fld id="{27153579-3A4D-BB42-BD49-BB0F80A81A61}" type="datetimeFigureOut">
               <a:rPr lang="it-IT" smtClean="0"/>
-              <a:t>02/11/21</a:t>
+              <a:t>14/11/21</a:t>
             </a:fld>
             <a:endParaRPr lang="it-IT"/>
           </a:p>
@@ -1817,7 +1817,7 @@
           <a:p>
             <a:fld id="{27153579-3A4D-BB42-BD49-BB0F80A81A61}" type="datetimeFigureOut">
               <a:rPr lang="it-IT" smtClean="0"/>
-              <a:t>02/11/21</a:t>
+              <a:t>14/11/21</a:t>
             </a:fld>
             <a:endParaRPr lang="it-IT"/>
           </a:p>
@@ -1930,7 +1930,7 @@
           <a:p>
             <a:fld id="{27153579-3A4D-BB42-BD49-BB0F80A81A61}" type="datetimeFigureOut">
               <a:rPr lang="it-IT" smtClean="0"/>
-              <a:t>02/11/21</a:t>
+              <a:t>14/11/21</a:t>
             </a:fld>
             <a:endParaRPr lang="it-IT"/>
           </a:p>
@@ -2219,7 +2219,7 @@
           <a:p>
             <a:fld id="{27153579-3A4D-BB42-BD49-BB0F80A81A61}" type="datetimeFigureOut">
               <a:rPr lang="it-IT" smtClean="0"/>
-              <a:t>02/11/21</a:t>
+              <a:t>14/11/21</a:t>
             </a:fld>
             <a:endParaRPr lang="it-IT"/>
           </a:p>
@@ -2510,7 +2510,7 @@
           <a:p>
             <a:fld id="{27153579-3A4D-BB42-BD49-BB0F80A81A61}" type="datetimeFigureOut">
               <a:rPr lang="it-IT" smtClean="0"/>
-              <a:t>02/11/21</a:t>
+              <a:t>14/11/21</a:t>
             </a:fld>
             <a:endParaRPr lang="it-IT"/>
           </a:p>
@@ -2726,7 +2726,7 @@
           <a:p>
             <a:fld id="{27153579-3A4D-BB42-BD49-BB0F80A81A61}" type="datetimeFigureOut">
               <a:rPr lang="it-IT" smtClean="0"/>
-              <a:t>02/11/21</a:t>
+              <a:t>14/11/21</a:t>
             </a:fld>
             <a:endParaRPr lang="it-IT"/>
           </a:p>
@@ -3484,7 +3484,7 @@
           <a:p>
             <a:fld id="{4EF59023-6175-3944-979D-CFE35E3A8267}" type="datetime1">
               <a:rPr lang="it-IT" smtClean="0"/>
-              <a:t>02/11/21</a:t>
+              <a:t>14/11/21</a:t>
             </a:fld>
             <a:endParaRPr lang="en-US" dirty="0"/>
           </a:p>
@@ -4263,7 +4263,7 @@
           <a:p>
             <a:fld id="{4EF59023-6175-3944-979D-CFE35E3A8267}" type="datetime1">
               <a:rPr lang="it-IT" smtClean="0"/>
-              <a:t>02/11/21</a:t>
+              <a:t>14/11/21</a:t>
             </a:fld>
             <a:endParaRPr lang="en-US" dirty="0"/>
           </a:p>
@@ -4648,7 +4648,7 @@
           <a:p>
             <a:fld id="{4EF59023-6175-3944-979D-CFE35E3A8267}" type="datetime1">
               <a:rPr lang="it-IT" smtClean="0"/>
-              <a:t>02/11/21</a:t>
+              <a:t>14/11/21</a:t>
             </a:fld>
             <a:endParaRPr lang="en-US" dirty="0"/>
           </a:p>
@@ -4976,7 +4976,7 @@
           <a:p>
             <a:fld id="{4EF59023-6175-3944-979D-CFE35E3A8267}" type="datetime1">
               <a:rPr lang="it-IT" smtClean="0"/>
-              <a:t>02/11/21</a:t>
+              <a:t>14/11/21</a:t>
             </a:fld>
             <a:endParaRPr lang="en-US" dirty="0"/>
           </a:p>
@@ -5763,7 +5763,7 @@
           <a:p>
             <a:fld id="{4EF59023-6175-3944-979D-CFE35E3A8267}" type="datetime1">
               <a:rPr lang="it-IT" smtClean="0"/>
-              <a:t>02/11/21</a:t>
+              <a:t>14/11/21</a:t>
             </a:fld>
             <a:endParaRPr lang="en-US" dirty="0"/>
           </a:p>
@@ -6298,7 +6298,7 @@
           <a:p>
             <a:fld id="{4EF59023-6175-3944-979D-CFE35E3A8267}" type="datetime1">
               <a:rPr lang="it-IT" smtClean="0"/>
-              <a:t>02/11/21</a:t>
+              <a:t>14/11/21</a:t>
             </a:fld>
             <a:endParaRPr lang="en-US" dirty="0"/>
           </a:p>
@@ -6604,7 +6604,7 @@
           <a:p>
             <a:fld id="{4EF59023-6175-3944-979D-CFE35E3A8267}" type="datetime1">
               <a:rPr lang="it-IT" smtClean="0"/>
-              <a:t>02/11/21</a:t>
+              <a:t>14/11/21</a:t>
             </a:fld>
             <a:endParaRPr lang="en-US" dirty="0"/>
           </a:p>
@@ -7188,7 +7188,7 @@
           <a:p>
             <a:fld id="{4EF59023-6175-3944-979D-CFE35E3A8267}" type="datetime1">
               <a:rPr lang="it-IT" smtClean="0"/>
-              <a:t>02/11/21</a:t>
+              <a:t>14/11/21</a:t>
             </a:fld>
             <a:endParaRPr lang="en-US" dirty="0"/>
           </a:p>
@@ -7418,7 +7418,7 @@
           <a:p>
             <a:fld id="{4EF59023-6175-3944-979D-CFE35E3A8267}" type="datetime1">
               <a:rPr lang="it-IT" smtClean="0"/>
-              <a:t>02/11/21</a:t>
+              <a:t>14/11/21</a:t>
             </a:fld>
             <a:endParaRPr lang="en-US" dirty="0"/>
           </a:p>
@@ -7678,7 +7678,7 @@
           <a:p>
             <a:fld id="{4EF59023-6175-3944-979D-CFE35E3A8267}" type="datetime1">
               <a:rPr lang="it-IT" smtClean="0"/>
-              <a:t>02/11/21</a:t>
+              <a:t>14/11/21</a:t>
             </a:fld>
             <a:endParaRPr lang="en-US" dirty="0"/>
           </a:p>
@@ -8180,7 +8180,7 @@
           <a:p>
             <a:fld id="{4EF59023-6175-3944-979D-CFE35E3A8267}" type="datetime1">
               <a:rPr lang="it-IT" smtClean="0"/>
-              <a:t>02/11/21</a:t>
+              <a:t>14/11/21</a:t>
             </a:fld>
             <a:endParaRPr lang="en-US" dirty="0"/>
           </a:p>
@@ -8459,7 +8459,7 @@
           <a:p>
             <a:fld id="{4EF59023-6175-3944-979D-CFE35E3A8267}" type="datetime1">
               <a:rPr lang="it-IT" smtClean="0"/>
-              <a:t>02/11/21</a:t>
+              <a:t>14/11/21</a:t>
             </a:fld>
             <a:endParaRPr lang="en-US" dirty="0"/>
           </a:p>
@@ -8917,7 +8917,7 @@
           <a:p>
             <a:fld id="{4EF59023-6175-3944-979D-CFE35E3A8267}" type="datetime1">
               <a:rPr lang="it-IT" smtClean="0"/>
-              <a:t>02/11/21</a:t>
+              <a:t>14/11/21</a:t>
             </a:fld>
             <a:endParaRPr lang="en-US" dirty="0"/>
           </a:p>
@@ -9280,7 +9280,7 @@
           <a:p>
             <a:fld id="{4EF59023-6175-3944-979D-CFE35E3A8267}" type="datetime1">
               <a:rPr lang="it-IT" smtClean="0"/>
-              <a:t>02/11/21</a:t>
+              <a:t>14/11/21</a:t>
             </a:fld>
             <a:endParaRPr lang="en-US" dirty="0"/>
           </a:p>
@@ -9703,7 +9703,7 @@
           <a:p>
             <a:fld id="{4EF59023-6175-3944-979D-CFE35E3A8267}" type="datetime1">
               <a:rPr lang="it-IT" smtClean="0"/>
-              <a:t>02/11/21</a:t>
+              <a:t>14/11/21</a:t>
             </a:fld>
             <a:endParaRPr lang="en-US" dirty="0"/>
           </a:p>
@@ -10911,7 +10911,7 @@
           <a:p>
             <a:fld id="{4EF59023-6175-3944-979D-CFE35E3A8267}" type="datetime1">
               <a:rPr lang="it-IT" smtClean="0"/>
-              <a:t>02/11/21</a:t>
+              <a:t>14/11/21</a:t>
             </a:fld>
             <a:endParaRPr lang="en-US" dirty="0"/>
           </a:p>
@@ -11584,7 +11584,7 @@
           <a:p>
             <a:fld id="{4EF59023-6175-3944-979D-CFE35E3A8267}" type="datetime1">
               <a:rPr lang="it-IT" smtClean="0"/>
-              <a:t>02/11/21</a:t>
+              <a:t>14/11/21</a:t>
             </a:fld>
             <a:endParaRPr lang="en-US" dirty="0"/>
           </a:p>
@@ -12502,7 +12502,7 @@
           <a:p>
             <a:fld id="{4EF59023-6175-3944-979D-CFE35E3A8267}" type="datetime1">
               <a:rPr lang="it-IT" smtClean="0"/>
-              <a:t>02/11/21</a:t>
+              <a:t>14/11/21</a:t>
             </a:fld>
             <a:endParaRPr lang="en-US" dirty="0"/>
           </a:p>
@@ -12743,7 +12743,15 @@
           <a:p>
             <a:r>
               <a:rPr lang="it-IT" sz="2000" dirty="0"/>
-              <a:t>Per il sistema linearizzato è stato progettato un controllore di tipo PD, imponendo come riferimento il vettore </a:t>
+              <a:t>Per il sistema linearizzato è stato progettato un controllore di </a:t>
+            </a:r>
+            <a:r>
+              <a:rPr lang="it-IT" sz="2000"/>
+              <a:t>tipo PID</a:t>
+            </a:r>
+            <a:r>
+              <a:rPr lang="it-IT" sz="2000" dirty="0"/>
+              <a:t>, imponendo come riferimento il vettore </a:t>
             </a:r>
             <a:r>
               <a:rPr lang="it-IT" sz="2000" dirty="0" err="1"/>
@@ -12856,7 +12864,7 @@
           <a:p>
             <a:fld id="{4EF59023-6175-3944-979D-CFE35E3A8267}" type="datetime1">
               <a:rPr lang="it-IT" smtClean="0"/>
-              <a:t>02/11/21</a:t>
+              <a:t>14/11/21</a:t>
             </a:fld>
             <a:endParaRPr lang="en-US" dirty="0"/>
           </a:p>
@@ -13214,7 +13222,7 @@
           <a:p>
             <a:fld id="{4EF59023-6175-3944-979D-CFE35E3A8267}" type="datetime1">
               <a:rPr lang="it-IT" smtClean="0"/>
-              <a:t>02/11/21</a:t>
+              <a:t>14/11/21</a:t>
             </a:fld>
             <a:endParaRPr lang="en-US" dirty="0"/>
           </a:p>
@@ -13648,7 +13656,7 @@
           <a:p>
             <a:fld id="{4EF59023-6175-3944-979D-CFE35E3A8267}" type="datetime1">
               <a:rPr lang="it-IT" smtClean="0"/>
-              <a:t>02/11/21</a:t>
+              <a:t>14/11/21</a:t>
             </a:fld>
             <a:endParaRPr lang="en-US" dirty="0"/>
           </a:p>
@@ -15689,7 +15697,7 @@
           <a:p>
             <a:fld id="{4EF59023-6175-3944-979D-CFE35E3A8267}" type="datetime1">
               <a:rPr lang="it-IT" smtClean="0"/>
-              <a:t>02/11/21</a:t>
+              <a:t>14/11/21</a:t>
             </a:fld>
             <a:endParaRPr lang="en-US" dirty="0"/>
           </a:p>
@@ -16063,7 +16071,7 @@
           <a:p>
             <a:fld id="{4EF59023-6175-3944-979D-CFE35E3A8267}" type="datetime1">
               <a:rPr lang="it-IT" smtClean="0"/>
-              <a:t>02/11/21</a:t>
+              <a:t>14/11/21</a:t>
             </a:fld>
             <a:endParaRPr lang="en-US" dirty="0"/>
           </a:p>
@@ -16856,7 +16864,7 @@
           <a:p>
             <a:fld id="{4EF59023-6175-3944-979D-CFE35E3A8267}" type="datetime1">
               <a:rPr lang="it-IT" smtClean="0"/>
-              <a:t>02/11/21</a:t>
+              <a:t>14/11/21</a:t>
             </a:fld>
             <a:endParaRPr lang="en-US" dirty="0"/>
           </a:p>
@@ -17443,7 +17451,7 @@
           <a:p>
             <a:fld id="{4EF59023-6175-3944-979D-CFE35E3A8267}" type="datetime1">
               <a:rPr lang="it-IT" smtClean="0"/>
-              <a:t>02/11/21</a:t>
+              <a:t>14/11/21</a:t>
             </a:fld>
             <a:endParaRPr lang="en-US" dirty="0"/>
           </a:p>
@@ -18214,7 +18222,7 @@
           <a:p>
             <a:fld id="{4EF59023-6175-3944-979D-CFE35E3A8267}" type="datetime1">
               <a:rPr lang="it-IT" smtClean="0"/>
-              <a:t>02/11/21</a:t>
+              <a:t>14/11/21</a:t>
             </a:fld>
             <a:endParaRPr lang="en-US" dirty="0"/>
           </a:p>
@@ -18583,7 +18591,7 @@
           <a:p>
             <a:fld id="{4EF59023-6175-3944-979D-CFE35E3A8267}" type="datetime1">
               <a:rPr lang="it-IT" smtClean="0"/>
-              <a:t>02/11/21</a:t>
+              <a:t>14/11/21</a:t>
             </a:fld>
             <a:endParaRPr lang="en-US" dirty="0"/>
           </a:p>

--- a/Relazione/Presentazione.pptx
+++ b/Relazione/Presentazione.pptx
@@ -38,12 +38,14 @@
     <p:sldId id="280" r:id="rId32"/>
     <p:sldId id="281" r:id="rId33"/>
     <p:sldId id="294" r:id="rId34"/>
-    <p:sldId id="295" r:id="rId35"/>
-    <p:sldId id="296" r:id="rId36"/>
-    <p:sldId id="298" r:id="rId37"/>
-    <p:sldId id="299" r:id="rId38"/>
-    <p:sldId id="301" r:id="rId39"/>
-    <p:sldId id="302" r:id="rId40"/>
+    <p:sldId id="303" r:id="rId35"/>
+    <p:sldId id="304" r:id="rId36"/>
+    <p:sldId id="295" r:id="rId37"/>
+    <p:sldId id="296" r:id="rId38"/>
+    <p:sldId id="298" r:id="rId39"/>
+    <p:sldId id="299" r:id="rId40"/>
+    <p:sldId id="301" r:id="rId41"/>
+    <p:sldId id="302" r:id="rId42"/>
   </p:sldIdLst>
   <p:sldSz cx="12192000" cy="6858000"/>
   <p:notesSz cx="6858000" cy="9144000"/>
@@ -297,7 +299,7 @@
           <a:p>
             <a:fld id="{27153579-3A4D-BB42-BD49-BB0F80A81A61}" type="datetimeFigureOut">
               <a:rPr lang="it-IT" smtClean="0"/>
-              <a:t>08/01/22</a:t>
+              <a:t>28/01/2022</a:t>
             </a:fld>
             <a:endParaRPr lang="it-IT"/>
           </a:p>
@@ -470,7 +472,7 @@
           <a:p>
             <a:fld id="{27153579-3A4D-BB42-BD49-BB0F80A81A61}" type="datetimeFigureOut">
               <a:rPr lang="it-IT" smtClean="0"/>
-              <a:t>08/01/22</a:t>
+              <a:t>28/01/2022</a:t>
             </a:fld>
             <a:endParaRPr lang="it-IT"/>
           </a:p>
@@ -653,7 +655,7 @@
           <a:p>
             <a:fld id="{27153579-3A4D-BB42-BD49-BB0F80A81A61}" type="datetimeFigureOut">
               <a:rPr lang="it-IT" smtClean="0"/>
-              <a:t>08/01/22</a:t>
+              <a:t>28/01/2022</a:t>
             </a:fld>
             <a:endParaRPr lang="it-IT"/>
           </a:p>
@@ -826,7 +828,7 @@
           <a:p>
             <a:fld id="{27153579-3A4D-BB42-BD49-BB0F80A81A61}" type="datetimeFigureOut">
               <a:rPr lang="it-IT" smtClean="0"/>
-              <a:t>08/01/22</a:t>
+              <a:t>28/01/2022</a:t>
             </a:fld>
             <a:endParaRPr lang="it-IT"/>
           </a:p>
@@ -1104,7 +1106,7 @@
           <a:p>
             <a:fld id="{27153579-3A4D-BB42-BD49-BB0F80A81A61}" type="datetimeFigureOut">
               <a:rPr lang="it-IT" smtClean="0"/>
-              <a:t>08/01/22</a:t>
+              <a:t>28/01/2022</a:t>
             </a:fld>
             <a:endParaRPr lang="it-IT"/>
           </a:p>
@@ -1319,7 +1321,7 @@
           <a:p>
             <a:fld id="{27153579-3A4D-BB42-BD49-BB0F80A81A61}" type="datetimeFigureOut">
               <a:rPr lang="it-IT" smtClean="0"/>
-              <a:t>08/01/22</a:t>
+              <a:t>28/01/2022</a:t>
             </a:fld>
             <a:endParaRPr lang="it-IT"/>
           </a:p>
@@ -1687,7 +1689,7 @@
           <a:p>
             <a:fld id="{27153579-3A4D-BB42-BD49-BB0F80A81A61}" type="datetimeFigureOut">
               <a:rPr lang="it-IT" smtClean="0"/>
-              <a:t>08/01/22</a:t>
+              <a:t>28/01/2022</a:t>
             </a:fld>
             <a:endParaRPr lang="it-IT"/>
           </a:p>
@@ -1828,7 +1830,7 @@
           <a:p>
             <a:fld id="{27153579-3A4D-BB42-BD49-BB0F80A81A61}" type="datetimeFigureOut">
               <a:rPr lang="it-IT" smtClean="0"/>
-              <a:t>08/01/22</a:t>
+              <a:t>28/01/2022</a:t>
             </a:fld>
             <a:endParaRPr lang="it-IT"/>
           </a:p>
@@ -1941,7 +1943,7 @@
           <a:p>
             <a:fld id="{27153579-3A4D-BB42-BD49-BB0F80A81A61}" type="datetimeFigureOut">
               <a:rPr lang="it-IT" smtClean="0"/>
-              <a:t>08/01/22</a:t>
+              <a:t>28/01/2022</a:t>
             </a:fld>
             <a:endParaRPr lang="it-IT"/>
           </a:p>
@@ -2230,7 +2232,7 @@
           <a:p>
             <a:fld id="{27153579-3A4D-BB42-BD49-BB0F80A81A61}" type="datetimeFigureOut">
               <a:rPr lang="it-IT" smtClean="0"/>
-              <a:t>08/01/22</a:t>
+              <a:t>28/01/2022</a:t>
             </a:fld>
             <a:endParaRPr lang="it-IT"/>
           </a:p>
@@ -2521,7 +2523,7 @@
           <a:p>
             <a:fld id="{27153579-3A4D-BB42-BD49-BB0F80A81A61}" type="datetimeFigureOut">
               <a:rPr lang="it-IT" smtClean="0"/>
-              <a:t>08/01/22</a:t>
+              <a:t>28/01/2022</a:t>
             </a:fld>
             <a:endParaRPr lang="it-IT"/>
           </a:p>
@@ -2737,7 +2739,7 @@
           <a:p>
             <a:fld id="{27153579-3A4D-BB42-BD49-BB0F80A81A61}" type="datetimeFigureOut">
               <a:rPr lang="it-IT" smtClean="0"/>
-              <a:t>08/01/22</a:t>
+              <a:t>28/01/2022</a:t>
             </a:fld>
             <a:endParaRPr lang="it-IT"/>
           </a:p>
@@ -3258,6 +3260,10 @@
               <a:rPr lang="it-IT" sz="2200" u="sng" dirty="0"/>
               <a:t>Tavole Applicative</a:t>
             </a:r>
+            <a:r>
+              <a:rPr lang="it-IT" dirty="0"/>
+              <a:t/>
+            </a:r>
             <a:br>
               <a:rPr lang="it-IT" dirty="0"/>
             </a:br>
@@ -3481,7 +3487,7 @@
           <a:p>
             <a:fld id="{4EF59023-6175-3944-979D-CFE35E3A8267}" type="datetime1">
               <a:rPr lang="it-IT" smtClean="0"/>
-              <a:t>10/01/22</a:t>
+              <a:t>28/01/2022</a:t>
             </a:fld>
             <a:endParaRPr lang="en-US" dirty="0"/>
           </a:p>
@@ -3795,7 +3801,7 @@
           <a:p>
             <a:fld id="{4EF59023-6175-3944-979D-CFE35E3A8267}" type="datetime1">
               <a:rPr lang="it-IT" smtClean="0"/>
-              <a:t>10/01/22</a:t>
+              <a:t>28/01/2022</a:t>
             </a:fld>
             <a:endParaRPr lang="en-US" dirty="0"/>
           </a:p>
@@ -4139,7 +4145,7 @@
           <a:p>
             <a:fld id="{4EF59023-6175-3944-979D-CFE35E3A8267}" type="datetime1">
               <a:rPr lang="it-IT" smtClean="0"/>
-              <a:t>10/01/22</a:t>
+              <a:t>28/01/2022</a:t>
             </a:fld>
             <a:endParaRPr lang="en-US" dirty="0"/>
           </a:p>
@@ -4461,7 +4467,7 @@
           <a:p>
             <a:fld id="{4EF59023-6175-3944-979D-CFE35E3A8267}" type="datetime1">
               <a:rPr lang="it-IT" smtClean="0"/>
-              <a:t>10/01/22</a:t>
+              <a:t>28/01/2022</a:t>
             </a:fld>
             <a:endParaRPr lang="en-US" dirty="0"/>
           </a:p>
@@ -4819,7 +4825,7 @@
           <a:p>
             <a:fld id="{4EF59023-6175-3944-979D-CFE35E3A8267}" type="datetime1">
               <a:rPr lang="it-IT" smtClean="0"/>
-              <a:t>11/01/22</a:t>
+              <a:t>28/01/2022</a:t>
             </a:fld>
             <a:endParaRPr lang="en-US" dirty="0"/>
           </a:p>
@@ -5132,7 +5138,7 @@
           <a:p>
             <a:fld id="{4EF59023-6175-3944-979D-CFE35E3A8267}" type="datetime1">
               <a:rPr lang="it-IT" smtClean="0"/>
-              <a:t>11/01/22</a:t>
+              <a:t>28/01/2022</a:t>
             </a:fld>
             <a:endParaRPr lang="en-US" dirty="0"/>
           </a:p>
@@ -5242,8 +5248,8 @@
           </a:prstGeom>
         </p:spPr>
       </p:pic>
-      <mc:AlternateContent xmlns:mc="http://schemas.openxmlformats.org/markup-compatibility/2006">
-        <mc:Choice xmlns:a14="http://schemas.microsoft.com/office/drawing/2010/main" Requires="a14">
+      <mc:AlternateContent xmlns:mc="http://schemas.openxmlformats.org/markup-compatibility/2006" xmlns:a14="http://schemas.microsoft.com/office/drawing/2010/main">
+        <mc:Choice Requires="a14">
           <p:sp>
             <p:nvSpPr>
               <p:cNvPr id="3" name="CasellaDiTesto 2">
@@ -5708,7 +5714,7 @@
             </p:txBody>
           </p:sp>
         </mc:Choice>
-        <mc:Fallback>
+        <mc:Fallback xmlns="">
           <p:sp>
             <p:nvSpPr>
               <p:cNvPr id="3" name="CasellaDiTesto 2">
@@ -5838,7 +5844,7 @@
         </p:spPr>
         <p:txBody>
           <a:bodyPr vert="horz" lIns="91440" tIns="45720" rIns="91440" bIns="45720" rtlCol="0" anchor="ctr">
-            <a:normAutofit fontScale="85000" lnSpcReduction="20000"/>
+            <a:normAutofit fontScale="92500" lnSpcReduction="20000"/>
           </a:bodyPr>
           <a:lstStyle>
             <a:lvl1pPr algn="l" defTabSz="914400" rtl="0" eaLnBrk="1" latinLnBrk="0" hangingPunct="1">
@@ -5963,7 +5969,7 @@
           <a:p>
             <a:fld id="{4EF59023-6175-3944-979D-CFE35E3A8267}" type="datetime1">
               <a:rPr lang="it-IT" smtClean="0"/>
-              <a:t>11/01/22</a:t>
+              <a:t>28/01/2022</a:t>
             </a:fld>
             <a:endParaRPr lang="en-US" dirty="0"/>
           </a:p>
@@ -6313,7 +6319,7 @@
         </p:spPr>
         <p:txBody>
           <a:bodyPr vert="horz" lIns="91440" tIns="45720" rIns="91440" bIns="45720" rtlCol="0" anchor="ctr">
-            <a:normAutofit fontScale="85000" lnSpcReduction="20000"/>
+            <a:normAutofit fontScale="92500" lnSpcReduction="20000"/>
           </a:bodyPr>
           <a:lstStyle>
             <a:lvl1pPr algn="l" defTabSz="914400" rtl="0" eaLnBrk="1" latinLnBrk="0" hangingPunct="1">
@@ -6386,7 +6392,7 @@
           <a:p>
             <a:fld id="{4EF59023-6175-3944-979D-CFE35E3A8267}" type="datetime1">
               <a:rPr lang="it-IT" smtClean="0"/>
-              <a:t>11/01/22</a:t>
+              <a:t>28/01/2022</a:t>
             </a:fld>
             <a:endParaRPr lang="en-US" dirty="0"/>
           </a:p>
@@ -6624,7 +6630,7 @@
         </p:spPr>
         <p:txBody>
           <a:bodyPr vert="horz" lIns="91440" tIns="45720" rIns="91440" bIns="45720" rtlCol="0" anchor="ctr">
-            <a:normAutofit fontScale="85000" lnSpcReduction="20000"/>
+            <a:normAutofit fontScale="92500" lnSpcReduction="20000"/>
           </a:bodyPr>
           <a:lstStyle>
             <a:lvl1pPr algn="l" defTabSz="914400" rtl="0" eaLnBrk="1" latinLnBrk="0" hangingPunct="1">
@@ -6920,7 +6926,7 @@
           <a:p>
             <a:fld id="{4EF59023-6175-3944-979D-CFE35E3A8267}" type="datetime1">
               <a:rPr lang="it-IT" smtClean="0"/>
-              <a:t>08/01/22</a:t>
+              <a:t>28/01/2022</a:t>
             </a:fld>
             <a:endParaRPr lang="en-US" dirty="0"/>
           </a:p>
@@ -7145,7 +7151,7 @@
         </p:spPr>
         <p:txBody>
           <a:bodyPr vert="horz" lIns="91440" tIns="45720" rIns="91440" bIns="45720" rtlCol="0" anchor="ctr">
-            <a:normAutofit fontScale="85000" lnSpcReduction="20000"/>
+            <a:normAutofit fontScale="92500" lnSpcReduction="20000"/>
           </a:bodyPr>
           <a:lstStyle>
             <a:lvl1pPr algn="l" defTabSz="914400" rtl="0" eaLnBrk="1" latinLnBrk="0" hangingPunct="1">
@@ -7226,7 +7232,7 @@
           <a:p>
             <a:fld id="{4EF59023-6175-3944-979D-CFE35E3A8267}" type="datetime1">
               <a:rPr lang="it-IT" smtClean="0"/>
-              <a:t>08/01/22</a:t>
+              <a:t>28/01/2022</a:t>
             </a:fld>
             <a:endParaRPr lang="en-US" dirty="0"/>
           </a:p>
@@ -7602,18 +7608,9 @@
               </a:buClr>
             </a:pPr>
             <a:r>
-              <a:rPr lang="it-IT" dirty="0" err="1"/>
-              <a:t>Granty</a:t>
-            </a:r>
-            <a:r>
               <a:rPr lang="it-IT" dirty="0"/>
-              <a:t> </a:t>
-            </a:r>
-            <a:r>
-              <a:rPr lang="it-IT" dirty="0" err="1"/>
-              <a:t>crane</a:t>
-            </a:r>
-            <a:endParaRPr lang="it-IT" dirty="0"/>
+              <a:t>Gantry crane</a:t>
+            </a:r>
           </a:p>
           <a:p>
             <a:pPr lvl="1">
@@ -7678,7 +7675,7 @@
           <a:p>
             <a:fld id="{4EF59023-6175-3944-979D-CFE35E3A8267}" type="datetime1">
               <a:rPr lang="it-IT" smtClean="0"/>
-              <a:t>08/01/22</a:t>
+              <a:t>28/01/2022</a:t>
             </a:fld>
             <a:endParaRPr lang="en-US" dirty="0"/>
           </a:p>
@@ -7833,7 +7830,7 @@
         </p:spPr>
         <p:txBody>
           <a:bodyPr vert="horz" lIns="91440" tIns="45720" rIns="91440" bIns="45720" rtlCol="0" anchor="ctr">
-            <a:normAutofit fontScale="85000" lnSpcReduction="20000"/>
+            <a:normAutofit fontScale="92500" lnSpcReduction="20000"/>
           </a:bodyPr>
           <a:lstStyle>
             <a:lvl1pPr algn="l" defTabSz="914400" rtl="0" eaLnBrk="1" latinLnBrk="0" hangingPunct="1">
@@ -7886,8 +7883,8 @@
           </a:p>
         </p:txBody>
       </p:sp>
-      <mc:AlternateContent xmlns:mc="http://schemas.openxmlformats.org/markup-compatibility/2006">
-        <mc:Choice xmlns:a14="http://schemas.microsoft.com/office/drawing/2010/main" Requires="a14">
+      <mc:AlternateContent xmlns:mc="http://schemas.openxmlformats.org/markup-compatibility/2006" xmlns:a14="http://schemas.microsoft.com/office/drawing/2010/main">
+        <mc:Choice Requires="a14">
           <p:sp>
             <p:nvSpPr>
               <p:cNvPr id="16" name="Segnaposto contenuto 15">
@@ -8144,7 +8141,7 @@
             </p:txBody>
           </p:sp>
         </mc:Choice>
-        <mc:Fallback>
+        <mc:Fallback xmlns="">
           <p:sp>
             <p:nvSpPr>
               <p:cNvPr id="16" name="Segnaposto contenuto 15">
@@ -8216,7 +8213,7 @@
           <a:p>
             <a:fld id="{4EF59023-6175-3944-979D-CFE35E3A8267}" type="datetime1">
               <a:rPr lang="it-IT" smtClean="0"/>
-              <a:t>08/01/22</a:t>
+              <a:t>28/01/2022</a:t>
             </a:fld>
             <a:endParaRPr lang="en-US" dirty="0"/>
           </a:p>
@@ -8411,7 +8408,7 @@
         </p:spPr>
         <p:txBody>
           <a:bodyPr vert="horz" lIns="91440" tIns="45720" rIns="91440" bIns="45720" rtlCol="0" anchor="ctr">
-            <a:normAutofit fontScale="85000" lnSpcReduction="20000"/>
+            <a:normAutofit fontScale="92500" lnSpcReduction="20000"/>
           </a:bodyPr>
           <a:lstStyle>
             <a:lvl1pPr algn="l" defTabSz="914400" rtl="0" eaLnBrk="1" latinLnBrk="0" hangingPunct="1">
@@ -8464,8 +8461,8 @@
           </a:p>
         </p:txBody>
       </p:sp>
-      <mc:AlternateContent xmlns:mc="http://schemas.openxmlformats.org/markup-compatibility/2006">
-        <mc:Choice xmlns:a14="http://schemas.microsoft.com/office/drawing/2010/main" Requires="a14">
+      <mc:AlternateContent xmlns:mc="http://schemas.openxmlformats.org/markup-compatibility/2006" xmlns:a14="http://schemas.microsoft.com/office/drawing/2010/main">
+        <mc:Choice Requires="a14">
           <p:sp>
             <p:nvSpPr>
               <p:cNvPr id="16" name="Segnaposto contenuto 15">
@@ -8722,7 +8719,7 @@
             </p:txBody>
           </p:sp>
         </mc:Choice>
-        <mc:Fallback>
+        <mc:Fallback xmlns="">
           <p:sp>
             <p:nvSpPr>
               <p:cNvPr id="16" name="Segnaposto contenuto 15">
@@ -8794,7 +8791,7 @@
           <a:p>
             <a:fld id="{4EF59023-6175-3944-979D-CFE35E3A8267}" type="datetime1">
               <a:rPr lang="it-IT" smtClean="0"/>
-              <a:t>11/01/22</a:t>
+              <a:t>28/01/2022</a:t>
             </a:fld>
             <a:endParaRPr lang="en-US" dirty="0"/>
           </a:p>
@@ -8989,7 +8986,7 @@
         </p:spPr>
         <p:txBody>
           <a:bodyPr vert="horz" lIns="91440" tIns="45720" rIns="91440" bIns="45720" rtlCol="0" anchor="ctr">
-            <a:normAutofit fontScale="85000" lnSpcReduction="20000"/>
+            <a:normAutofit fontScale="92500" lnSpcReduction="20000"/>
           </a:bodyPr>
           <a:lstStyle>
             <a:lvl1pPr algn="l" defTabSz="914400" rtl="0" eaLnBrk="1" latinLnBrk="0" hangingPunct="1">
@@ -9054,7 +9051,7 @@
           <a:p>
             <a:fld id="{4EF59023-6175-3944-979D-CFE35E3A8267}" type="datetime1">
               <a:rPr lang="it-IT" smtClean="0"/>
-              <a:t>08/01/22</a:t>
+              <a:t>28/01/2022</a:t>
             </a:fld>
             <a:endParaRPr lang="en-US" dirty="0"/>
           </a:p>
@@ -9166,28 +9163,28 @@
       </p:pic>
       <p:pic>
         <p:nvPicPr>
-          <p:cNvPr id="3" name="Immagine 2">
-            <a:extLst>
-              <a:ext uri="{FF2B5EF4-FFF2-40B4-BE49-F238E27FC236}">
-                <a16:creationId xmlns:a16="http://schemas.microsoft.com/office/drawing/2014/main" id="{E226C766-5FC1-2B48-A33F-4C6DAB0A4FD1}"/>
-              </a:ext>
-            </a:extLst>
-          </p:cNvPr>
+          <p:cNvPr id="2" name="Immagine 1"/>
           <p:cNvPicPr>
             <a:picLocks noChangeAspect="1"/>
           </p:cNvPicPr>
           <p:nvPr/>
         </p:nvPicPr>
         <p:blipFill>
-          <a:blip r:embed="rId3"/>
+          <a:blip r:embed="rId3">
+            <a:extLst>
+              <a:ext uri="{28A0092B-C50C-407E-A947-70E740481C1C}">
+                <a14:useLocalDpi xmlns:a14="http://schemas.microsoft.com/office/drawing/2010/main" val="0"/>
+              </a:ext>
+            </a:extLst>
+          </a:blip>
           <a:stretch>
             <a:fillRect/>
           </a:stretch>
         </p:blipFill>
         <p:spPr>
           <a:xfrm>
-            <a:off x="1219200" y="1475623"/>
-            <a:ext cx="9753600" cy="4777740"/>
+            <a:off x="1219809" y="1475623"/>
+            <a:ext cx="9752381" cy="4777143"/>
           </a:xfrm>
           <a:prstGeom prst="rect">
             <a:avLst/>
@@ -9249,7 +9246,7 @@
         </p:spPr>
         <p:txBody>
           <a:bodyPr vert="horz" lIns="91440" tIns="45720" rIns="91440" bIns="45720" rtlCol="0" anchor="ctr">
-            <a:normAutofit fontScale="85000" lnSpcReduction="20000"/>
+            <a:normAutofit fontScale="92500" lnSpcReduction="20000"/>
           </a:bodyPr>
           <a:lstStyle>
             <a:lvl1pPr algn="l" defTabSz="914400" rtl="0" eaLnBrk="1" latinLnBrk="0" hangingPunct="1">
@@ -9314,7 +9311,7 @@
           <a:p>
             <a:fld id="{4EF59023-6175-3944-979D-CFE35E3A8267}" type="datetime1">
               <a:rPr lang="it-IT" smtClean="0"/>
-              <a:t>08/01/22</a:t>
+              <a:t>28/01/2022</a:t>
             </a:fld>
             <a:endParaRPr lang="en-US" dirty="0"/>
           </a:p>
@@ -9424,8 +9421,8 @@
           </a:prstGeom>
         </p:spPr>
       </p:pic>
-      <mc:AlternateContent xmlns:mc="http://schemas.openxmlformats.org/markup-compatibility/2006">
-        <mc:Choice xmlns:a14="http://schemas.microsoft.com/office/drawing/2010/main" Requires="a14">
+      <mc:AlternateContent xmlns:mc="http://schemas.openxmlformats.org/markup-compatibility/2006" xmlns:a14="http://schemas.microsoft.com/office/drawing/2010/main">
+        <mc:Choice Requires="a14">
           <p:sp>
             <p:nvSpPr>
               <p:cNvPr id="2" name="CasellaDiTesto 1">
@@ -9542,7 +9539,7 @@
             </p:txBody>
           </p:sp>
         </mc:Choice>
-        <mc:Fallback>
+        <mc:Fallback xmlns="">
           <p:sp>
             <p:nvSpPr>
               <p:cNvPr id="2" name="CasellaDiTesto 1">
@@ -9797,18 +9794,9 @@
           <a:p>
             <a:pPr algn="ctr"/>
             <a:r>
-              <a:rPr lang="it-IT" dirty="0" err="1"/>
-              <a:t>Granty</a:t>
-            </a:r>
-            <a:r>
               <a:rPr lang="it-IT" dirty="0"/>
-              <a:t> </a:t>
-            </a:r>
-            <a:r>
-              <a:rPr lang="it-IT" dirty="0" err="1"/>
-              <a:t>crane</a:t>
-            </a:r>
-            <a:endParaRPr lang="it-IT" dirty="0"/>
+              <a:t>Gantry crane</a:t>
+            </a:r>
           </a:p>
         </p:txBody>
       </p:sp>
@@ -9935,7 +9923,7 @@
           <a:p>
             <a:fld id="{4EF59023-6175-3944-979D-CFE35E3A8267}" type="datetime1">
               <a:rPr lang="it-IT" smtClean="0"/>
-              <a:t>11/01/22</a:t>
+              <a:t>28/01/2022</a:t>
             </a:fld>
             <a:endParaRPr lang="en-US" dirty="0"/>
           </a:p>
@@ -10154,18 +10142,9 @@
           <a:p>
             <a:pPr algn="ctr"/>
             <a:r>
-              <a:rPr lang="it-IT" dirty="0" err="1"/>
-              <a:t>Granty</a:t>
-            </a:r>
-            <a:r>
               <a:rPr lang="it-IT" dirty="0"/>
-              <a:t> </a:t>
-            </a:r>
-            <a:r>
-              <a:rPr lang="it-IT" dirty="0" err="1"/>
-              <a:t>crane</a:t>
-            </a:r>
-            <a:endParaRPr lang="it-IT" dirty="0"/>
+              <a:t>Gantry crane</a:t>
+            </a:r>
           </a:p>
         </p:txBody>
       </p:sp>
@@ -10298,7 +10277,7 @@
           <a:p>
             <a:fld id="{4EF59023-6175-3944-979D-CFE35E3A8267}" type="datetime1">
               <a:rPr lang="it-IT" smtClean="0"/>
-              <a:t>08/01/22</a:t>
+              <a:t>28/01/2022</a:t>
             </a:fld>
             <a:endParaRPr lang="en-US" dirty="0"/>
           </a:p>
@@ -10517,18 +10496,9 @@
           <a:p>
             <a:pPr algn="ctr"/>
             <a:r>
-              <a:rPr lang="it-IT" dirty="0" err="1"/>
-              <a:t>Granty</a:t>
-            </a:r>
-            <a:r>
               <a:rPr lang="it-IT" dirty="0"/>
-              <a:t> </a:t>
-            </a:r>
-            <a:r>
-              <a:rPr lang="it-IT" dirty="0" err="1"/>
-              <a:t>crane</a:t>
-            </a:r>
-            <a:endParaRPr lang="it-IT" dirty="0"/>
+              <a:t>Gantry crane</a:t>
+            </a:r>
           </a:p>
         </p:txBody>
       </p:sp>
@@ -10699,7 +10669,7 @@
           <a:p>
             <a:fld id="{4EF59023-6175-3944-979D-CFE35E3A8267}" type="datetime1">
               <a:rPr lang="it-IT" smtClean="0"/>
-              <a:t>08/01/22</a:t>
+              <a:t>28/01/2022</a:t>
             </a:fld>
             <a:endParaRPr lang="en-US" dirty="0"/>
           </a:p>
@@ -10948,23 +10918,14 @@
           <a:p>
             <a:pPr algn="ctr"/>
             <a:r>
-              <a:rPr lang="it-IT" dirty="0" err="1"/>
-              <a:t>Granty</a:t>
-            </a:r>
-            <a:r>
               <a:rPr lang="it-IT" dirty="0"/>
-              <a:t> </a:t>
-            </a:r>
-            <a:r>
-              <a:rPr lang="it-IT" dirty="0" err="1"/>
-              <a:t>crane</a:t>
-            </a:r>
-            <a:endParaRPr lang="it-IT" dirty="0"/>
-          </a:p>
-        </p:txBody>
-      </p:sp>
-      <mc:AlternateContent xmlns:mc="http://schemas.openxmlformats.org/markup-compatibility/2006">
-        <mc:Choice xmlns:a14="http://schemas.microsoft.com/office/drawing/2010/main" Requires="a14">
+              <a:t>Gantry crane</a:t>
+            </a:r>
+          </a:p>
+        </p:txBody>
+      </p:sp>
+      <mc:AlternateContent xmlns:mc="http://schemas.openxmlformats.org/markup-compatibility/2006" xmlns:a14="http://schemas.microsoft.com/office/drawing/2010/main">
+        <mc:Choice Requires="a14">
           <p:sp>
             <p:nvSpPr>
               <p:cNvPr id="9" name="CasellaDiTesto 8">
@@ -11212,7 +11173,7 @@
             </p:txBody>
           </p:sp>
         </mc:Choice>
-        <mc:Fallback>
+        <mc:Fallback xmlns="">
           <p:sp>
             <p:nvSpPr>
               <p:cNvPr id="9" name="CasellaDiTesto 8">
@@ -11257,8 +11218,8 @@
           </p:sp>
         </mc:Fallback>
       </mc:AlternateContent>
-      <mc:AlternateContent xmlns:mc="http://schemas.openxmlformats.org/markup-compatibility/2006">
-        <mc:Choice xmlns:a14="http://schemas.microsoft.com/office/drawing/2010/main" Requires="a14">
+      <mc:AlternateContent xmlns:mc="http://schemas.openxmlformats.org/markup-compatibility/2006" xmlns:a14="http://schemas.microsoft.com/office/drawing/2010/main">
+        <mc:Choice Requires="a14">
           <p:sp>
             <p:nvSpPr>
               <p:cNvPr id="2" name="CasellaDiTesto 1">
@@ -11546,7 +11507,7 @@
             </p:txBody>
           </p:sp>
         </mc:Choice>
-        <mc:Fallback>
+        <mc:Fallback xmlns="">
           <p:sp>
             <p:nvSpPr>
               <p:cNvPr id="2" name="CasellaDiTesto 1">
@@ -11619,7 +11580,7 @@
           <a:p>
             <a:fld id="{4EF59023-6175-3944-979D-CFE35E3A8267}" type="datetime1">
               <a:rPr lang="it-IT" smtClean="0"/>
-              <a:t>11/01/22</a:t>
+              <a:t>28/01/2022</a:t>
             </a:fld>
             <a:endParaRPr lang="en-US" dirty="0"/>
           </a:p>
@@ -11868,18 +11829,9 @@
           <a:p>
             <a:pPr algn="ctr"/>
             <a:r>
-              <a:rPr lang="it-IT" dirty="0" err="1"/>
-              <a:t>Granty</a:t>
-            </a:r>
-            <a:r>
               <a:rPr lang="it-IT" dirty="0"/>
-              <a:t> </a:t>
-            </a:r>
-            <a:r>
-              <a:rPr lang="it-IT" dirty="0" err="1"/>
-              <a:t>crane</a:t>
-            </a:r>
-            <a:endParaRPr lang="it-IT" dirty="0"/>
+              <a:t>Gantry crane</a:t>
+            </a:r>
           </a:p>
         </p:txBody>
       </p:sp>
@@ -11911,7 +11863,7 @@
           <a:p>
             <a:fld id="{4EF59023-6175-3944-979D-CFE35E3A8267}" type="datetime1">
               <a:rPr lang="it-IT" smtClean="0"/>
-              <a:t>11/01/22</a:t>
+              <a:t>28/01/2022</a:t>
             </a:fld>
             <a:endParaRPr lang="en-US" dirty="0"/>
           </a:p>
@@ -12021,8 +11973,8 @@
           </a:prstGeom>
         </p:spPr>
       </p:pic>
-      <mc:AlternateContent xmlns:mc="http://schemas.openxmlformats.org/markup-compatibility/2006">
-        <mc:Choice xmlns:a14="http://schemas.microsoft.com/office/drawing/2010/main" Requires="a14">
+      <mc:AlternateContent xmlns:mc="http://schemas.openxmlformats.org/markup-compatibility/2006" xmlns:a14="http://schemas.microsoft.com/office/drawing/2010/main">
+        <mc:Choice Requires="a14">
           <p:sp>
             <p:nvSpPr>
               <p:cNvPr id="3" name="CasellaDiTesto 2">
@@ -12377,7 +12329,7 @@
             </p:txBody>
           </p:sp>
         </mc:Choice>
-        <mc:Fallback>
+        <mc:Fallback xmlns="">
           <p:sp>
             <p:nvSpPr>
               <p:cNvPr id="3" name="CasellaDiTesto 2">
@@ -12501,23 +12453,14 @@
           <a:p>
             <a:pPr algn="ctr"/>
             <a:r>
-              <a:rPr lang="it-IT" dirty="0" err="1"/>
-              <a:t>Granty</a:t>
-            </a:r>
-            <a:r>
               <a:rPr lang="it-IT" dirty="0"/>
-              <a:t> </a:t>
-            </a:r>
-            <a:r>
-              <a:rPr lang="it-IT" dirty="0" err="1"/>
-              <a:t>crane</a:t>
-            </a:r>
-            <a:endParaRPr lang="it-IT" dirty="0"/>
-          </a:p>
-        </p:txBody>
-      </p:sp>
-      <mc:AlternateContent xmlns:mc="http://schemas.openxmlformats.org/markup-compatibility/2006">
-        <mc:Choice xmlns:a14="http://schemas.microsoft.com/office/drawing/2010/main" Requires="a14">
+              <a:t>Gantry crane</a:t>
+            </a:r>
+          </a:p>
+        </p:txBody>
+      </p:sp>
+      <mc:AlternateContent xmlns:mc="http://schemas.openxmlformats.org/markup-compatibility/2006" xmlns:a14="http://schemas.microsoft.com/office/drawing/2010/main">
+        <mc:Choice Requires="a14">
           <p:sp>
             <p:nvSpPr>
               <p:cNvPr id="9" name="CasellaDiTesto 8">
@@ -12579,6 +12522,7 @@
                 </a:r>
               </a:p>
               <a:p>
+                <a:pPr/>
                 <a14:m>
                   <m:oMathPara xmlns:m="http://schemas.openxmlformats.org/officeDocument/2006/math">
                     <m:oMathParaPr>
@@ -12858,7 +12802,7 @@
             </p:txBody>
           </p:sp>
         </mc:Choice>
-        <mc:Fallback>
+        <mc:Fallback xmlns="">
           <p:sp>
             <p:nvSpPr>
               <p:cNvPr id="9" name="CasellaDiTesto 8">
@@ -12961,7 +12905,7 @@
           <a:p>
             <a:fld id="{4EF59023-6175-3944-979D-CFE35E3A8267}" type="datetime1">
               <a:rPr lang="it-IT" smtClean="0"/>
-              <a:t>11/01/22</a:t>
+              <a:t>28/01/2022</a:t>
             </a:fld>
             <a:endParaRPr lang="en-US" dirty="0"/>
           </a:p>
@@ -13071,8 +13015,8 @@
           </a:prstGeom>
         </p:spPr>
       </p:pic>
-      <mc:AlternateContent xmlns:mc="http://schemas.openxmlformats.org/markup-compatibility/2006">
-        <mc:Choice xmlns:a14="http://schemas.microsoft.com/office/drawing/2010/main" Requires="a14">
+      <mc:AlternateContent xmlns:mc="http://schemas.openxmlformats.org/markup-compatibility/2006" xmlns:a14="http://schemas.microsoft.com/office/drawing/2010/main">
+        <mc:Choice Requires="a14">
           <p:sp>
             <p:nvSpPr>
               <p:cNvPr id="2" name="CasellaDiTesto 1">
@@ -13148,7 +13092,7 @@
             </p:txBody>
           </p:sp>
         </mc:Choice>
-        <mc:Fallback>
+        <mc:Fallback xmlns="">
           <p:sp>
             <p:nvSpPr>
               <p:cNvPr id="2" name="CasellaDiTesto 1">
@@ -13547,7 +13491,7 @@
           <a:p>
             <a:fld id="{4EF59023-6175-3944-979D-CFE35E3A8267}" type="datetime1">
               <a:rPr lang="it-IT" smtClean="0"/>
-              <a:t>08/01/22</a:t>
+              <a:t>28/01/2022</a:t>
             </a:fld>
             <a:endParaRPr lang="en-US" dirty="0"/>
           </a:p>
@@ -13736,23 +13680,14 @@
           <a:p>
             <a:pPr algn="ctr"/>
             <a:r>
-              <a:rPr lang="it-IT" dirty="0" err="1"/>
-              <a:t>Granty</a:t>
-            </a:r>
-            <a:r>
               <a:rPr lang="it-IT" dirty="0"/>
-              <a:t> </a:t>
-            </a:r>
-            <a:r>
-              <a:rPr lang="it-IT" dirty="0" err="1"/>
-              <a:t>crane</a:t>
-            </a:r>
-            <a:endParaRPr lang="it-IT" dirty="0"/>
-          </a:p>
-        </p:txBody>
-      </p:sp>
-      <mc:AlternateContent xmlns:mc="http://schemas.openxmlformats.org/markup-compatibility/2006">
-        <mc:Choice xmlns:a14="http://schemas.microsoft.com/office/drawing/2010/main" Requires="a14">
+              <a:t>Gantry crane</a:t>
+            </a:r>
+          </a:p>
+        </p:txBody>
+      </p:sp>
+      <mc:AlternateContent xmlns:mc="http://schemas.openxmlformats.org/markup-compatibility/2006" xmlns:a14="http://schemas.microsoft.com/office/drawing/2010/main">
+        <mc:Choice Requires="a14">
           <p:sp>
             <p:nvSpPr>
               <p:cNvPr id="9" name="CasellaDiTesto 8">
@@ -14236,7 +14171,7 @@
             </p:txBody>
           </p:sp>
         </mc:Choice>
-        <mc:Fallback>
+        <mc:Fallback xmlns="">
           <p:sp>
             <p:nvSpPr>
               <p:cNvPr id="9" name="CasellaDiTesto 8">
@@ -14311,8 +14246,8 @@
           </a:prstGeom>
         </p:spPr>
       </p:pic>
-      <mc:AlternateContent xmlns:mc="http://schemas.openxmlformats.org/markup-compatibility/2006">
-        <mc:Choice xmlns:a14="http://schemas.microsoft.com/office/drawing/2010/main" Requires="a14">
+      <mc:AlternateContent xmlns:mc="http://schemas.openxmlformats.org/markup-compatibility/2006" xmlns:a14="http://schemas.microsoft.com/office/drawing/2010/main">
+        <mc:Choice Requires="a14">
           <p:sp>
             <p:nvSpPr>
               <p:cNvPr id="2" name="CasellaDiTesto 1">
@@ -14557,7 +14492,7 @@
             </p:txBody>
           </p:sp>
         </mc:Choice>
-        <mc:Fallback>
+        <mc:Fallback xmlns="">
           <p:sp>
             <p:nvSpPr>
               <p:cNvPr id="2" name="CasellaDiTesto 1">
@@ -14630,7 +14565,7 @@
           <a:p>
             <a:fld id="{4EF59023-6175-3944-979D-CFE35E3A8267}" type="datetime1">
               <a:rPr lang="it-IT" smtClean="0"/>
-              <a:t>11/01/22</a:t>
+              <a:t>28/01/2022</a:t>
             </a:fld>
             <a:endParaRPr lang="en-US" dirty="0"/>
           </a:p>
@@ -14909,23 +14844,14 @@
           <a:p>
             <a:pPr algn="ctr"/>
             <a:r>
-              <a:rPr lang="it-IT" dirty="0" err="1"/>
-              <a:t>Granty</a:t>
-            </a:r>
-            <a:r>
               <a:rPr lang="it-IT" dirty="0"/>
-              <a:t> </a:t>
-            </a:r>
-            <a:r>
-              <a:rPr lang="it-IT" dirty="0" err="1"/>
-              <a:t>crane</a:t>
-            </a:r>
-            <a:endParaRPr lang="it-IT" dirty="0"/>
-          </a:p>
-        </p:txBody>
-      </p:sp>
-      <mc:AlternateContent xmlns:mc="http://schemas.openxmlformats.org/markup-compatibility/2006">
-        <mc:Choice xmlns:a14="http://schemas.microsoft.com/office/drawing/2010/main" Requires="a14">
+              <a:t>Gantry crane</a:t>
+            </a:r>
+          </a:p>
+        </p:txBody>
+      </p:sp>
+      <mc:AlternateContent xmlns:mc="http://schemas.openxmlformats.org/markup-compatibility/2006" xmlns:a14="http://schemas.microsoft.com/office/drawing/2010/main">
+        <mc:Choice Requires="a14">
           <p:sp>
             <p:nvSpPr>
               <p:cNvPr id="9" name="CasellaDiTesto 8">
@@ -15026,7 +14952,7 @@
             </p:txBody>
           </p:sp>
         </mc:Choice>
-        <mc:Fallback>
+        <mc:Fallback xmlns="">
           <p:sp>
             <p:nvSpPr>
               <p:cNvPr id="9" name="CasellaDiTesto 8">
@@ -15129,7 +15055,7 @@
           <a:p>
             <a:fld id="{4EF59023-6175-3944-979D-CFE35E3A8267}" type="datetime1">
               <a:rPr lang="it-IT" smtClean="0"/>
-              <a:t>08/01/22</a:t>
+              <a:t>28/01/2022</a:t>
             </a:fld>
             <a:endParaRPr lang="en-US" dirty="0"/>
           </a:p>
@@ -15348,23 +15274,14 @@
           <a:p>
             <a:pPr algn="ctr"/>
             <a:r>
-              <a:rPr lang="it-IT" dirty="0" err="1"/>
-              <a:t>Granty</a:t>
-            </a:r>
-            <a:r>
               <a:rPr lang="it-IT" dirty="0"/>
-              <a:t> </a:t>
-            </a:r>
-            <a:r>
-              <a:rPr lang="it-IT" dirty="0" err="1"/>
-              <a:t>crane</a:t>
-            </a:r>
-            <a:endParaRPr lang="it-IT" dirty="0"/>
-          </a:p>
-        </p:txBody>
-      </p:sp>
-      <mc:AlternateContent xmlns:mc="http://schemas.openxmlformats.org/markup-compatibility/2006">
-        <mc:Choice xmlns:a14="http://schemas.microsoft.com/office/drawing/2010/main" Requires="a14">
+              <a:t>Gantry crane</a:t>
+            </a:r>
+          </a:p>
+        </p:txBody>
+      </p:sp>
+      <mc:AlternateContent xmlns:mc="http://schemas.openxmlformats.org/markup-compatibility/2006" xmlns:a14="http://schemas.microsoft.com/office/drawing/2010/main">
+        <mc:Choice Requires="a14">
           <p:sp>
             <p:nvSpPr>
               <p:cNvPr id="9" name="CasellaDiTesto 8">
@@ -15488,8 +15405,8 @@
                   <a:t>Di seguito l’andamento della variabile di uscita e dell’errore </a:t>
                 </a:r>
                 <a:r>
-                  <a:rPr lang="it-IT" dirty="0" err="1"/>
-                  <a:t>otenuto</a:t>
+                  <a:rPr lang="it-IT" dirty="0" smtClean="0"/>
+                  <a:t>ottenuto</a:t>
                 </a:r>
                 <a:r>
                   <a:rPr lang="it-IT" dirty="0"/>
@@ -15499,7 +15416,7 @@
             </p:txBody>
           </p:sp>
         </mc:Choice>
-        <mc:Fallback>
+        <mc:Fallback xmlns="">
           <p:sp>
             <p:nvSpPr>
               <p:cNvPr id="9" name="CasellaDiTesto 8">
@@ -15525,7 +15442,7 @@
               <a:blipFill>
                 <a:blip r:embed="rId2"/>
                 <a:stretch>
-                  <a:fillRect l="-951" t="-1399" r="-475" b="-4196"/>
+                  <a:fillRect l="-837" t="-1689" r="-609" b="-4730"/>
                 </a:stretch>
               </a:blipFill>
             </p:spPr>
@@ -15602,7 +15519,7 @@
           <a:p>
             <a:fld id="{4EF59023-6175-3944-979D-CFE35E3A8267}" type="datetime1">
               <a:rPr lang="it-IT" smtClean="0"/>
-              <a:t>11/01/22</a:t>
+              <a:t>28/01/2022</a:t>
             </a:fld>
             <a:endParaRPr lang="en-US" dirty="0"/>
           </a:p>
@@ -15941,18 +15858,9 @@
           <a:p>
             <a:pPr algn="ctr"/>
             <a:r>
-              <a:rPr lang="it-IT" dirty="0" err="1"/>
-              <a:t>Granty</a:t>
-            </a:r>
-            <a:r>
               <a:rPr lang="it-IT" dirty="0"/>
-              <a:t> </a:t>
-            </a:r>
-            <a:r>
-              <a:rPr lang="it-IT" dirty="0" err="1"/>
-              <a:t>crane</a:t>
-            </a:r>
-            <a:endParaRPr lang="it-IT" dirty="0"/>
+              <a:t>Gantry crane</a:t>
+            </a:r>
           </a:p>
         </p:txBody>
       </p:sp>
@@ -16025,7 +15933,7 @@
           <a:p>
             <a:fld id="{4EF59023-6175-3944-979D-CFE35E3A8267}" type="datetime1">
               <a:rPr lang="it-IT" smtClean="0"/>
-              <a:t>11/01/22</a:t>
+              <a:t>28/01/2022</a:t>
             </a:fld>
             <a:endParaRPr lang="en-US" dirty="0"/>
           </a:p>
@@ -16167,10 +16075,10 @@
       </p:grpSpPr>
       <p:pic>
         <p:nvPicPr>
-          <p:cNvPr id="5" name="Immagine 4">
-            <a:extLst>
-              <a:ext uri="{FF2B5EF4-FFF2-40B4-BE49-F238E27FC236}">
-                <a16:creationId xmlns:a16="http://schemas.microsoft.com/office/drawing/2014/main" id="{6B271FC1-9853-8B46-B074-A5E6D5A515AD}"/>
+          <p:cNvPr id="6" name="Immagine 5">
+            <a:extLst>
+              <a:ext uri="{FF2B5EF4-FFF2-40B4-BE49-F238E27FC236}">
+                <a16:creationId xmlns:a16="http://schemas.microsoft.com/office/drawing/2014/main" id="{E6250F99-85E5-234E-8497-D887077950D0}"/>
               </a:ext>
             </a:extLst>
           </p:cNvPr>
@@ -16187,7 +16095,7 @@
         </p:blipFill>
         <p:spPr>
           <a:xfrm>
-            <a:off x="1714030" y="1475623"/>
+            <a:off x="1714030" y="809623"/>
             <a:ext cx="2093143" cy="1332000"/>
           </a:xfrm>
           <a:prstGeom prst="rect">
@@ -16244,62 +16152,239 @@
           <a:p>
             <a:pPr algn="ctr"/>
             <a:r>
-              <a:rPr lang="it-IT" dirty="0" err="1"/>
-              <a:t>Granty</a:t>
-            </a:r>
-            <a:r>
               <a:rPr lang="it-IT" dirty="0"/>
-              <a:t> </a:t>
-            </a:r>
-            <a:r>
-              <a:rPr lang="it-IT" dirty="0" err="1"/>
-              <a:t>crane</a:t>
-            </a:r>
-            <a:endParaRPr lang="it-IT" dirty="0"/>
-          </a:p>
-        </p:txBody>
-      </p:sp>
-      <p:sp>
-        <p:nvSpPr>
-          <p:cNvPr id="9" name="CasellaDiTesto 8">
-            <a:extLst>
-              <a:ext uri="{FF2B5EF4-FFF2-40B4-BE49-F238E27FC236}">
-                <a16:creationId xmlns:a16="http://schemas.microsoft.com/office/drawing/2014/main" id="{86F89E2B-2067-3C4F-A4E7-D7C1F99F332E}"/>
-              </a:ext>
-            </a:extLst>
-          </p:cNvPr>
-          <p:cNvSpPr txBox="1"/>
-          <p:nvPr/>
-        </p:nvSpPr>
-        <p:spPr>
-          <a:xfrm>
-            <a:off x="3997202" y="1475623"/>
-            <a:ext cx="6670797" cy="1015663"/>
-          </a:xfrm>
-          <a:prstGeom prst="rect">
-            <a:avLst/>
-          </a:prstGeom>
-          <a:noFill/>
-        </p:spPr>
-        <p:txBody>
-          <a:bodyPr wrap="square" rtlCol="0">
-            <a:spAutoFit/>
-          </a:bodyPr>
+              <a:t>Gantry crane</a:t>
+            </a:r>
+          </a:p>
+        </p:txBody>
+      </p:sp>
+      <mc:AlternateContent xmlns:mc="http://schemas.openxmlformats.org/markup-compatibility/2006" xmlns:a14="http://schemas.microsoft.com/office/drawing/2010/main">
+        <mc:Choice Requires="a14">
+          <p:sp>
+            <p:nvSpPr>
+              <p:cNvPr id="9" name="CasellaDiTesto 8">
+                <a:extLst>
+                  <a:ext uri="{FF2B5EF4-FFF2-40B4-BE49-F238E27FC236}">
+                    <a16:creationId xmlns:a16="http://schemas.microsoft.com/office/drawing/2014/main" id="{86F89E2B-2067-3C4F-A4E7-D7C1F99F332E}"/>
+                  </a:ext>
+                </a:extLst>
+              </p:cNvPr>
+              <p:cNvSpPr txBox="1"/>
+              <p:nvPr/>
+            </p:nvSpPr>
+            <p:spPr>
+              <a:xfrm>
+                <a:off x="3581400" y="1475623"/>
+                <a:ext cx="8241632" cy="1508105"/>
+              </a:xfrm>
+              <a:prstGeom prst="rect">
+                <a:avLst/>
+              </a:prstGeom>
+              <a:noFill/>
+            </p:spPr>
+            <p:txBody>
+              <a:bodyPr wrap="square" rtlCol="0">
+                <a:spAutoFit/>
+              </a:bodyPr>
+              <a:lstStyle/>
+              <a:p>
+                <a:r>
+                  <a:rPr lang="it-IT" sz="2000" dirty="0" smtClean="0"/>
+                  <a:t>FEEDBACK LINEARIZATION – ZERO DYNAMIC</a:t>
+                </a:r>
+                <a:endParaRPr lang="it-IT" sz="2000" dirty="0"/>
+              </a:p>
+              <a:p>
+                <a:r>
+                  <a:rPr lang="it-IT" dirty="0" smtClean="0"/>
+                  <a:t>Analisi della dinamica delle variabili non osservabili: per la scelta effettuata di tali variabili è possibile affermare che la loro dinamica è ininfluente sull’uscita del sistema linearizzato e non dipende direttamente dagli ingressi </a:t>
+                </a:r>
+                <a14:m>
+                  <m:oMath xmlns:m="http://schemas.openxmlformats.org/officeDocument/2006/math">
+                    <m:r>
+                      <a:rPr lang="it-IT" b="0" i="1" smtClean="0">
+                        <a:latin typeface="Cambria Math" panose="02040503050406030204" pitchFamily="18" charset="0"/>
+                      </a:rPr>
+                      <m:t>𝑣</m:t>
+                    </m:r>
+                  </m:oMath>
+                </a14:m>
+                <a:r>
+                  <a:rPr lang="it-IT" dirty="0" smtClean="0"/>
+                  <a:t>, a cui resta comunque legata attraverso l’evoluzione delle variabili </a:t>
+                </a:r>
+                <a14:m>
+                  <m:oMath xmlns:m="http://schemas.openxmlformats.org/officeDocument/2006/math">
+                    <m:r>
+                      <a:rPr lang="it-IT" i="1" smtClean="0">
+                        <a:latin typeface="Cambria Math" panose="02040503050406030204" pitchFamily="18" charset="0"/>
+                        <a:ea typeface="Cambria Math" panose="02040503050406030204" pitchFamily="18" charset="0"/>
+                      </a:rPr>
+                      <m:t>𝜉</m:t>
+                    </m:r>
+                  </m:oMath>
+                </a14:m>
+                <a:r>
+                  <a:rPr lang="it-IT" dirty="0" smtClean="0"/>
+                  <a:t>.</a:t>
+                </a:r>
+              </a:p>
+            </p:txBody>
+          </p:sp>
+        </mc:Choice>
+        <mc:Fallback xmlns="">
+          <p:sp>
+            <p:nvSpPr>
+              <p:cNvPr id="9" name="CasellaDiTesto 8">
+                <a:extLst>
+                  <a:ext uri="{FF2B5EF4-FFF2-40B4-BE49-F238E27FC236}">
+                    <a16:creationId xmlns:a16="http://schemas.microsoft.com/office/drawing/2014/main" id="{86F89E2B-2067-3C4F-A4E7-D7C1F99F332E}"/>
+                  </a:ext>
+                </a:extLst>
+              </p:cNvPr>
+              <p:cNvSpPr txBox="1">
+                <a:spLocks noRot="1" noChangeAspect="1" noMove="1" noResize="1" noEditPoints="1" noAdjustHandles="1" noChangeArrowheads="1" noChangeShapeType="1" noTextEdit="1"/>
+              </p:cNvSpPr>
+              <p:nvPr/>
+            </p:nvSpPr>
+            <p:spPr>
+              <a:xfrm>
+                <a:off x="3581400" y="1475623"/>
+                <a:ext cx="8241632" cy="1508105"/>
+              </a:xfrm>
+              <a:prstGeom prst="rect">
+                <a:avLst/>
+              </a:prstGeom>
+              <a:blipFill>
+                <a:blip r:embed="rId3"/>
+                <a:stretch>
+                  <a:fillRect l="-814" t="-2024" b="-5668"/>
+                </a:stretch>
+              </a:blipFill>
+            </p:spPr>
+            <p:txBody>
+              <a:bodyPr/>
+              <a:lstStyle/>
+              <a:p>
+                <a:r>
+                  <a:rPr lang="it-IT">
+                    <a:noFill/>
+                  </a:rPr>
+                  <a:t> </a:t>
+                </a:r>
+              </a:p>
+            </p:txBody>
+          </p:sp>
+        </mc:Fallback>
+      </mc:AlternateContent>
+      <p:sp>
+        <p:nvSpPr>
+          <p:cNvPr id="7" name="Segnaposto data 3">
+            <a:extLst>
+              <a:ext uri="{FF2B5EF4-FFF2-40B4-BE49-F238E27FC236}">
+                <a16:creationId xmlns:a16="http://schemas.microsoft.com/office/drawing/2014/main" id="{6B3D6E58-06BF-1341-B405-6074E5570CBE}"/>
+              </a:ext>
+            </a:extLst>
+          </p:cNvPr>
+          <p:cNvSpPr>
+            <a:spLocks noGrp="1"/>
+          </p:cNvSpPr>
+          <p:nvPr>
+            <p:ph type="dt" sz="half" idx="10"/>
+          </p:nvPr>
+        </p:nvSpPr>
+        <p:spPr>
+          <a:xfrm>
+            <a:off x="838200" y="6356350"/>
+            <a:ext cx="2743200" cy="365125"/>
+          </a:xfrm>
+        </p:spPr>
+        <p:txBody>
+          <a:bodyPr/>
           <a:lstStyle/>
           <a:p>
-            <a:r>
-              <a:rPr lang="it-IT" sz="2000" dirty="0"/>
-              <a:t>Mantenendo lo stesso modello dinamico, è stata scelta come uscita la variabile di stato x e ripetuto lo studio della controllabilità e della osservabilità del sistema ottenuto.</a:t>
-            </a:r>
+            <a:fld id="{4EF59023-6175-3944-979D-CFE35E3A8267}" type="datetime1">
+              <a:rPr lang="it-IT" smtClean="0"/>
+              <a:t>28/01/2022</a:t>
+            </a:fld>
+            <a:endParaRPr lang="en-US" dirty="0"/>
+          </a:p>
+        </p:txBody>
+      </p:sp>
+      <p:sp>
+        <p:nvSpPr>
+          <p:cNvPr id="10" name="Segnaposto piè di pagina 4">
+            <a:extLst>
+              <a:ext uri="{FF2B5EF4-FFF2-40B4-BE49-F238E27FC236}">
+                <a16:creationId xmlns:a16="http://schemas.microsoft.com/office/drawing/2014/main" id="{D5B28A30-8656-2745-A574-AC8117BE6070}"/>
+              </a:ext>
+            </a:extLst>
+          </p:cNvPr>
+          <p:cNvSpPr>
+            <a:spLocks noGrp="1"/>
+          </p:cNvSpPr>
+          <p:nvPr>
+            <p:ph type="ftr" sz="quarter" idx="11"/>
+          </p:nvPr>
+        </p:nvSpPr>
+        <p:spPr>
+          <a:xfrm>
+            <a:off x="4038600" y="6356350"/>
+            <a:ext cx="4114800" cy="365125"/>
+          </a:xfrm>
+        </p:spPr>
+        <p:txBody>
+          <a:bodyPr/>
+          <a:lstStyle/>
+          <a:p>
+            <a:r>
+              <a:rPr lang="en-US"/>
+              <a:t>Arianna Gasparri</a:t>
+            </a:r>
+            <a:endParaRPr lang="en-US" dirty="0"/>
+          </a:p>
+        </p:txBody>
+      </p:sp>
+      <p:sp>
+        <p:nvSpPr>
+          <p:cNvPr id="11" name="Segnaposto numero diapositiva 5">
+            <a:extLst>
+              <a:ext uri="{FF2B5EF4-FFF2-40B4-BE49-F238E27FC236}">
+                <a16:creationId xmlns:a16="http://schemas.microsoft.com/office/drawing/2014/main" id="{06FA9C7D-77F5-8F44-99B9-244BA8DF5120}"/>
+              </a:ext>
+            </a:extLst>
+          </p:cNvPr>
+          <p:cNvSpPr>
+            <a:spLocks noGrp="1"/>
+          </p:cNvSpPr>
+          <p:nvPr>
+            <p:ph type="sldNum" sz="quarter" idx="12"/>
+          </p:nvPr>
+        </p:nvSpPr>
+        <p:spPr>
+          <a:xfrm>
+            <a:off x="8610600" y="6356350"/>
+            <a:ext cx="2743200" cy="365125"/>
+          </a:xfrm>
+        </p:spPr>
+        <p:txBody>
+          <a:bodyPr/>
+          <a:lstStyle/>
+          <a:p>
+            <a:fld id="{6D22F896-40B5-4ADD-8801-0D06FADFA095}" type="slidenum">
+              <a:rPr lang="en-US" smtClean="0"/>
+              <a:t>34</a:t>
+            </a:fld>
+            <a:endParaRPr lang="en-US" dirty="0"/>
           </a:p>
         </p:txBody>
       </p:sp>
       <p:pic>
         <p:nvPicPr>
-          <p:cNvPr id="4" name="Immagine 3">
-            <a:extLst>
-              <a:ext uri="{FF2B5EF4-FFF2-40B4-BE49-F238E27FC236}">
-                <a16:creationId xmlns:a16="http://schemas.microsoft.com/office/drawing/2014/main" id="{0BEAAF86-3F48-8847-8D11-8CCFF5FC089D}"/>
+          <p:cNvPr id="12" name="Immagine 11">
+            <a:extLst>
+              <a:ext uri="{FF2B5EF4-FFF2-40B4-BE49-F238E27FC236}">
+                <a16:creationId xmlns:a16="http://schemas.microsoft.com/office/drawing/2014/main" id="{C69BD7AD-13DF-B64A-AA40-5E86A6150330}"/>
               </a:ext>
             </a:extLst>
           </p:cNvPr>
@@ -16309,199 +16394,7 @@
           <p:nvPr/>
         </p:nvPicPr>
         <p:blipFill>
-          <a:blip r:embed="rId3"/>
-          <a:stretch>
-            <a:fillRect/>
-          </a:stretch>
-        </p:blipFill>
-        <p:spPr>
-          <a:xfrm>
-            <a:off x="6507100" y="2649454"/>
-            <a:ext cx="1651000" cy="660400"/>
-          </a:xfrm>
-          <a:prstGeom prst="rect">
-            <a:avLst/>
-          </a:prstGeom>
-        </p:spPr>
-      </p:pic>
-      <p:pic>
-        <p:nvPicPr>
-          <p:cNvPr id="7" name="Immagine 6">
-            <a:extLst>
-              <a:ext uri="{FF2B5EF4-FFF2-40B4-BE49-F238E27FC236}">
-                <a16:creationId xmlns:a16="http://schemas.microsoft.com/office/drawing/2014/main" id="{F9F8DC63-EB5D-374B-9F4A-A1EF5FF89A21}"/>
-              </a:ext>
-            </a:extLst>
-          </p:cNvPr>
-          <p:cNvPicPr>
-            <a:picLocks noChangeAspect="1"/>
-          </p:cNvPicPr>
-          <p:nvPr/>
-        </p:nvPicPr>
-        <p:blipFill>
-          <a:blip r:embed="rId4"/>
-          <a:stretch>
-            <a:fillRect/>
-          </a:stretch>
-        </p:blipFill>
-        <p:spPr>
-          <a:xfrm>
-            <a:off x="1524000" y="3468023"/>
-            <a:ext cx="6477000" cy="1603375"/>
-          </a:xfrm>
-          <a:prstGeom prst="rect">
-            <a:avLst/>
-          </a:prstGeom>
-        </p:spPr>
-      </p:pic>
-      <p:pic>
-        <p:nvPicPr>
-          <p:cNvPr id="11" name="Immagine 10">
-            <a:extLst>
-              <a:ext uri="{FF2B5EF4-FFF2-40B4-BE49-F238E27FC236}">
-                <a16:creationId xmlns:a16="http://schemas.microsoft.com/office/drawing/2014/main" id="{1A63D091-8FD0-D943-8BE5-2D5DFF337684}"/>
-              </a:ext>
-            </a:extLst>
-          </p:cNvPr>
-          <p:cNvPicPr>
-            <a:picLocks noChangeAspect="1"/>
-          </p:cNvPicPr>
-          <p:nvPr/>
-        </p:nvPicPr>
-        <p:blipFill>
-          <a:blip r:embed="rId5"/>
-          <a:stretch>
-            <a:fillRect/>
-          </a:stretch>
-        </p:blipFill>
-        <p:spPr>
-          <a:xfrm>
-            <a:off x="8001000" y="3468023"/>
-            <a:ext cx="3302000" cy="1619250"/>
-          </a:xfrm>
-          <a:prstGeom prst="rect">
-            <a:avLst/>
-          </a:prstGeom>
-        </p:spPr>
-      </p:pic>
-      <p:sp>
-        <p:nvSpPr>
-          <p:cNvPr id="10" name="Segnaposto data 3">
-            <a:extLst>
-              <a:ext uri="{FF2B5EF4-FFF2-40B4-BE49-F238E27FC236}">
-                <a16:creationId xmlns:a16="http://schemas.microsoft.com/office/drawing/2014/main" id="{05C89D9B-6C9B-4E48-9D4F-6AFF98E923D7}"/>
-              </a:ext>
-            </a:extLst>
-          </p:cNvPr>
-          <p:cNvSpPr>
-            <a:spLocks noGrp="1"/>
-          </p:cNvSpPr>
-          <p:nvPr>
-            <p:ph type="dt" sz="half" idx="10"/>
-          </p:nvPr>
-        </p:nvSpPr>
-        <p:spPr>
-          <a:xfrm>
-            <a:off x="838200" y="6356350"/>
-            <a:ext cx="2743200" cy="365125"/>
-          </a:xfrm>
-        </p:spPr>
-        <p:txBody>
-          <a:bodyPr/>
-          <a:lstStyle/>
-          <a:p>
-            <a:fld id="{4EF59023-6175-3944-979D-CFE35E3A8267}" type="datetime1">
-              <a:rPr lang="it-IT" smtClean="0"/>
-              <a:t>11/01/22</a:t>
-            </a:fld>
-            <a:endParaRPr lang="en-US" dirty="0"/>
-          </a:p>
-        </p:txBody>
-      </p:sp>
-      <p:sp>
-        <p:nvSpPr>
-          <p:cNvPr id="12" name="Segnaposto piè di pagina 4">
-            <a:extLst>
-              <a:ext uri="{FF2B5EF4-FFF2-40B4-BE49-F238E27FC236}">
-                <a16:creationId xmlns:a16="http://schemas.microsoft.com/office/drawing/2014/main" id="{B10A4DC1-2B85-F745-82E6-0410F049FAD0}"/>
-              </a:ext>
-            </a:extLst>
-          </p:cNvPr>
-          <p:cNvSpPr>
-            <a:spLocks noGrp="1"/>
-          </p:cNvSpPr>
-          <p:nvPr>
-            <p:ph type="ftr" sz="quarter" idx="11"/>
-          </p:nvPr>
-        </p:nvSpPr>
-        <p:spPr>
-          <a:xfrm>
-            <a:off x="4038600" y="6356350"/>
-            <a:ext cx="4114800" cy="365125"/>
-          </a:xfrm>
-        </p:spPr>
-        <p:txBody>
-          <a:bodyPr/>
-          <a:lstStyle/>
-          <a:p>
-            <a:r>
-              <a:rPr lang="en-US"/>
-              <a:t>Arianna Gasparri</a:t>
-            </a:r>
-            <a:endParaRPr lang="en-US" dirty="0"/>
-          </a:p>
-        </p:txBody>
-      </p:sp>
-      <p:sp>
-        <p:nvSpPr>
-          <p:cNvPr id="14" name="Segnaposto numero diapositiva 5">
-            <a:extLst>
-              <a:ext uri="{FF2B5EF4-FFF2-40B4-BE49-F238E27FC236}">
-                <a16:creationId xmlns:a16="http://schemas.microsoft.com/office/drawing/2014/main" id="{64915A39-08C4-D34D-A369-F65F3351495A}"/>
-              </a:ext>
-            </a:extLst>
-          </p:cNvPr>
-          <p:cNvSpPr>
-            <a:spLocks noGrp="1"/>
-          </p:cNvSpPr>
-          <p:nvPr>
-            <p:ph type="sldNum" sz="quarter" idx="12"/>
-          </p:nvPr>
-        </p:nvSpPr>
-        <p:spPr>
-          <a:xfrm>
-            <a:off x="8610600" y="6356350"/>
-            <a:ext cx="2743200" cy="365125"/>
-          </a:xfrm>
-        </p:spPr>
-        <p:txBody>
-          <a:bodyPr/>
-          <a:lstStyle/>
-          <a:p>
-            <a:fld id="{6D22F896-40B5-4ADD-8801-0D06FADFA095}" type="slidenum">
-              <a:rPr lang="en-US" smtClean="0"/>
-              <a:t>34</a:t>
-            </a:fld>
-            <a:endParaRPr lang="en-US" dirty="0"/>
-          </a:p>
-        </p:txBody>
-      </p:sp>
-      <p:pic>
-        <p:nvPicPr>
-          <p:cNvPr id="15" name="Immagine 14">
-            <a:extLst>
-              <a:ext uri="{FF2B5EF4-FFF2-40B4-BE49-F238E27FC236}">
-                <a16:creationId xmlns:a16="http://schemas.microsoft.com/office/drawing/2014/main" id="{2F70A25C-5291-AE45-918C-B8931863406E}"/>
-              </a:ext>
-            </a:extLst>
-          </p:cNvPr>
-          <p:cNvPicPr>
-            <a:picLocks noChangeAspect="1"/>
-          </p:cNvPicPr>
-          <p:nvPr/>
-        </p:nvPicPr>
-        <p:blipFill>
-          <a:blip r:embed="rId6" cstate="print">
+          <a:blip r:embed="rId4" cstate="print">
             <a:extLst>
               <a:ext uri="{28A0092B-C50C-407E-A947-70E740481C1C}">
                 <a14:useLocalDpi xmlns:a14="http://schemas.microsoft.com/office/drawing/2010/main" val="0"/>
@@ -16522,40 +16415,495 @@
           </a:prstGeom>
         </p:spPr>
       </p:pic>
-      <p:pic>
-        <p:nvPicPr>
-          <p:cNvPr id="6" name="Immagine 5">
-            <a:extLst>
-              <a:ext uri="{FF2B5EF4-FFF2-40B4-BE49-F238E27FC236}">
-                <a16:creationId xmlns:a16="http://schemas.microsoft.com/office/drawing/2014/main" id="{3D0E4CCF-0EDF-F848-9324-0D50EF216714}"/>
-              </a:ext>
-            </a:extLst>
-          </p:cNvPr>
-          <p:cNvPicPr>
-            <a:picLocks noChangeAspect="1"/>
-          </p:cNvPicPr>
-          <p:nvPr/>
-        </p:nvPicPr>
-        <p:blipFill>
-          <a:blip r:embed="rId7"/>
-          <a:stretch>
-            <a:fillRect/>
-          </a:stretch>
-        </p:blipFill>
-        <p:spPr>
-          <a:xfrm>
-            <a:off x="5324860" y="5160794"/>
-            <a:ext cx="1542279" cy="452779"/>
-          </a:xfrm>
-          <a:prstGeom prst="rect">
-            <a:avLst/>
-          </a:prstGeom>
-        </p:spPr>
-      </p:pic>
+      <mc:AlternateContent xmlns:mc="http://schemas.openxmlformats.org/markup-compatibility/2006">
+        <mc:Choice xmlns:a14="http://schemas.microsoft.com/office/drawing/2010/main" Requires="a14">
+          <p:sp>
+            <p:nvSpPr>
+              <p:cNvPr id="2" name="CasellaDiTesto 1"/>
+              <p:cNvSpPr txBox="1"/>
+              <p:nvPr/>
+            </p:nvSpPr>
+            <p:spPr>
+              <a:xfrm>
+                <a:off x="1524000" y="3048883"/>
+                <a:ext cx="9144000" cy="955390"/>
+              </a:xfrm>
+              <a:prstGeom prst="rect">
+                <a:avLst/>
+              </a:prstGeom>
+              <a:noFill/>
+            </p:spPr>
+            <p:txBody>
+              <a:bodyPr wrap="square" rtlCol="0">
+                <a:spAutoFit/>
+              </a:bodyPr>
+              <a:lstStyle/>
+              <a:p>
+                <a:r>
+                  <a:rPr lang="it-IT" dirty="0" smtClean="0"/>
+                  <a:t>Partendo dalla condizione </a:t>
+                </a:r>
+                <a14:m>
+                  <m:oMath xmlns:m="http://schemas.openxmlformats.org/officeDocument/2006/math">
+                    <m:r>
+                      <a:rPr lang="it-IT" b="0" i="1" smtClean="0">
+                        <a:latin typeface="Cambria Math" panose="02040503050406030204" pitchFamily="18" charset="0"/>
+                      </a:rPr>
+                      <m:t>𝑦</m:t>
+                    </m:r>
+                    <m:d>
+                      <m:dPr>
+                        <m:ctrlPr>
+                          <a:rPr lang="it-IT" b="0" i="1" smtClean="0">
+                            <a:latin typeface="Cambria Math" panose="02040503050406030204" pitchFamily="18" charset="0"/>
+                          </a:rPr>
+                        </m:ctrlPr>
+                      </m:dPr>
+                      <m:e>
+                        <m:r>
+                          <a:rPr lang="it-IT" b="0" i="1" smtClean="0">
+                            <a:latin typeface="Cambria Math" panose="02040503050406030204" pitchFamily="18" charset="0"/>
+                          </a:rPr>
+                          <m:t>𝑡</m:t>
+                        </m:r>
+                      </m:e>
+                    </m:d>
+                    <m:r>
+                      <a:rPr lang="it-IT" b="0" i="1" smtClean="0">
+                        <a:latin typeface="Cambria Math" panose="02040503050406030204" pitchFamily="18" charset="0"/>
+                      </a:rPr>
+                      <m:t>=</m:t>
+                    </m:r>
+                    <m:sSub>
+                      <m:sSubPr>
+                        <m:ctrlPr>
+                          <a:rPr lang="it-IT" b="0" i="1" smtClean="0">
+                            <a:latin typeface="Cambria Math" panose="02040503050406030204" pitchFamily="18" charset="0"/>
+                          </a:rPr>
+                        </m:ctrlPr>
+                      </m:sSubPr>
+                      <m:e>
+                        <m:r>
+                          <a:rPr lang="it-IT" i="1">
+                            <a:latin typeface="Cambria Math" panose="02040503050406030204" pitchFamily="18" charset="0"/>
+                            <a:ea typeface="Cambria Math" panose="02040503050406030204" pitchFamily="18" charset="0"/>
+                          </a:rPr>
+                          <m:t>𝜉</m:t>
+                        </m:r>
+                      </m:e>
+                      <m:sub>
+                        <m:r>
+                          <a:rPr lang="it-IT" b="0" i="1" smtClean="0">
+                            <a:latin typeface="Cambria Math" panose="02040503050406030204" pitchFamily="18" charset="0"/>
+                          </a:rPr>
+                          <m:t>1</m:t>
+                        </m:r>
+                      </m:sub>
+                    </m:sSub>
+                    <m:d>
+                      <m:dPr>
+                        <m:ctrlPr>
+                          <a:rPr lang="it-IT" b="0" i="1" smtClean="0">
+                            <a:latin typeface="Cambria Math" panose="02040503050406030204" pitchFamily="18" charset="0"/>
+                            <a:ea typeface="Cambria Math" panose="02040503050406030204" pitchFamily="18" charset="0"/>
+                          </a:rPr>
+                        </m:ctrlPr>
+                      </m:dPr>
+                      <m:e>
+                        <m:r>
+                          <a:rPr lang="it-IT" b="0" i="1" smtClean="0">
+                            <a:latin typeface="Cambria Math" panose="02040503050406030204" pitchFamily="18" charset="0"/>
+                            <a:ea typeface="Cambria Math" panose="02040503050406030204" pitchFamily="18" charset="0"/>
+                          </a:rPr>
+                          <m:t>𝑡</m:t>
+                        </m:r>
+                      </m:e>
+                    </m:d>
+                    <m:r>
+                      <a:rPr lang="it-IT" b="0" i="1" smtClean="0">
+                        <a:latin typeface="Cambria Math" panose="02040503050406030204" pitchFamily="18" charset="0"/>
+                        <a:ea typeface="Cambria Math" panose="02040503050406030204" pitchFamily="18" charset="0"/>
+                      </a:rPr>
+                      <m:t>≡0</m:t>
+                    </m:r>
+                  </m:oMath>
+                </a14:m>
+                <a:r>
+                  <a:rPr lang="it-IT" dirty="0" smtClean="0"/>
+                  <a:t> e procedendo in modo ricorsivo si ricava </a:t>
+                </a:r>
+                <a14:m>
+                  <m:oMath xmlns:m="http://schemas.openxmlformats.org/officeDocument/2006/math">
+                    <m:acc>
+                      <m:accPr>
+                        <m:chr m:val="̇"/>
+                        <m:ctrlPr>
+                          <a:rPr lang="it-IT" i="1" smtClean="0">
+                            <a:latin typeface="Cambria Math" panose="02040503050406030204" pitchFamily="18" charset="0"/>
+                            <a:ea typeface="Cambria Math" panose="02040503050406030204" pitchFamily="18" charset="0"/>
+                          </a:rPr>
+                        </m:ctrlPr>
+                      </m:accPr>
+                      <m:e>
+                        <m:sSub>
+                          <m:sSubPr>
+                            <m:ctrlPr>
+                              <a:rPr lang="it-IT" i="1" smtClean="0">
+                                <a:latin typeface="Cambria Math" panose="02040503050406030204" pitchFamily="18" charset="0"/>
+                                <a:ea typeface="Cambria Math" panose="02040503050406030204" pitchFamily="18" charset="0"/>
+                              </a:rPr>
+                            </m:ctrlPr>
+                          </m:sSubPr>
+                          <m:e>
+                            <m:r>
+                              <a:rPr lang="it-IT" i="1" smtClean="0">
+                                <a:latin typeface="Cambria Math" panose="02040503050406030204" pitchFamily="18" charset="0"/>
+                                <a:ea typeface="Cambria Math" panose="02040503050406030204" pitchFamily="18" charset="0"/>
+                              </a:rPr>
+                              <m:t>𝜉</m:t>
+                            </m:r>
+                          </m:e>
+                          <m:sub>
+                            <m:r>
+                              <a:rPr lang="it-IT" b="0" i="1" smtClean="0">
+                                <a:latin typeface="Cambria Math" panose="02040503050406030204" pitchFamily="18" charset="0"/>
+                                <a:ea typeface="Cambria Math" panose="02040503050406030204" pitchFamily="18" charset="0"/>
+                              </a:rPr>
+                              <m:t>1</m:t>
+                            </m:r>
+                          </m:sub>
+                        </m:sSub>
+                      </m:e>
+                    </m:acc>
+                    <m:d>
+                      <m:dPr>
+                        <m:ctrlPr>
+                          <a:rPr lang="it-IT" i="1">
+                            <a:latin typeface="Cambria Math" panose="02040503050406030204" pitchFamily="18" charset="0"/>
+                            <a:ea typeface="Cambria Math" panose="02040503050406030204" pitchFamily="18" charset="0"/>
+                          </a:rPr>
+                        </m:ctrlPr>
+                      </m:dPr>
+                      <m:e>
+                        <m:r>
+                          <a:rPr lang="it-IT" i="1">
+                            <a:latin typeface="Cambria Math" panose="02040503050406030204" pitchFamily="18" charset="0"/>
+                            <a:ea typeface="Cambria Math" panose="02040503050406030204" pitchFamily="18" charset="0"/>
+                          </a:rPr>
+                          <m:t>𝑡</m:t>
+                        </m:r>
+                      </m:e>
+                    </m:d>
+                    <m:r>
+                      <a:rPr lang="it-IT" b="0" i="1" smtClean="0">
+                        <a:latin typeface="Cambria Math" panose="02040503050406030204" pitchFamily="18" charset="0"/>
+                        <a:ea typeface="Cambria Math" panose="02040503050406030204" pitchFamily="18" charset="0"/>
+                      </a:rPr>
+                      <m:t>= </m:t>
+                    </m:r>
+                    <m:sSub>
+                      <m:sSubPr>
+                        <m:ctrlPr>
+                          <a:rPr lang="it-IT" b="0" i="1" smtClean="0">
+                            <a:latin typeface="Cambria Math" panose="02040503050406030204" pitchFamily="18" charset="0"/>
+                            <a:ea typeface="Cambria Math" panose="02040503050406030204" pitchFamily="18" charset="0"/>
+                          </a:rPr>
+                        </m:ctrlPr>
+                      </m:sSubPr>
+                      <m:e>
+                        <m:r>
+                          <a:rPr lang="it-IT" b="0" i="1" smtClean="0">
+                            <a:latin typeface="Cambria Math" panose="02040503050406030204" pitchFamily="18" charset="0"/>
+                            <a:ea typeface="Cambria Math" panose="02040503050406030204" pitchFamily="18" charset="0"/>
+                          </a:rPr>
+                          <m:t>𝜉</m:t>
+                        </m:r>
+                      </m:e>
+                      <m:sub>
+                        <m:r>
+                          <a:rPr lang="it-IT" b="0" i="1" smtClean="0">
+                            <a:latin typeface="Cambria Math" panose="02040503050406030204" pitchFamily="18" charset="0"/>
+                            <a:ea typeface="Cambria Math" panose="02040503050406030204" pitchFamily="18" charset="0"/>
+                          </a:rPr>
+                          <m:t>2</m:t>
+                        </m:r>
+                      </m:sub>
+                    </m:sSub>
+                    <m:r>
+                      <a:rPr lang="it-IT" b="0" i="1" smtClean="0">
+                        <a:latin typeface="Cambria Math" panose="02040503050406030204" pitchFamily="18" charset="0"/>
+                        <a:ea typeface="Cambria Math" panose="02040503050406030204" pitchFamily="18" charset="0"/>
+                      </a:rPr>
+                      <m:t>(</m:t>
+                    </m:r>
+                    <m:r>
+                      <a:rPr lang="it-IT" b="0" i="1" smtClean="0">
+                        <a:latin typeface="Cambria Math" panose="02040503050406030204" pitchFamily="18" charset="0"/>
+                        <a:ea typeface="Cambria Math" panose="02040503050406030204" pitchFamily="18" charset="0"/>
+                      </a:rPr>
+                      <m:t>𝑡</m:t>
+                    </m:r>
+                    <m:r>
+                      <a:rPr lang="it-IT" b="0" i="1" smtClean="0">
+                        <a:latin typeface="Cambria Math" panose="02040503050406030204" pitchFamily="18" charset="0"/>
+                        <a:ea typeface="Cambria Math" panose="02040503050406030204" pitchFamily="18" charset="0"/>
+                      </a:rPr>
+                      <m:t>)≡0</m:t>
+                    </m:r>
+                  </m:oMath>
+                </a14:m>
+                <a:r>
+                  <a:rPr lang="it-IT" dirty="0" smtClean="0"/>
+                  <a:t> fino a ottenere </a:t>
+                </a:r>
+                <a14:m>
+                  <m:oMath xmlns:m="http://schemas.openxmlformats.org/officeDocument/2006/math">
+                    <m:sSub>
+                      <m:sSubPr>
+                        <m:ctrlPr>
+                          <a:rPr lang="it-IT" i="1">
+                            <a:latin typeface="Cambria Math" panose="02040503050406030204" pitchFamily="18" charset="0"/>
+                            <a:ea typeface="Cambria Math" panose="02040503050406030204" pitchFamily="18" charset="0"/>
+                          </a:rPr>
+                        </m:ctrlPr>
+                      </m:sSubPr>
+                      <m:e>
+                        <m:r>
+                          <a:rPr lang="it-IT" i="1">
+                            <a:latin typeface="Cambria Math" panose="02040503050406030204" pitchFamily="18" charset="0"/>
+                            <a:ea typeface="Cambria Math" panose="02040503050406030204" pitchFamily="18" charset="0"/>
+                          </a:rPr>
+                          <m:t>𝜉</m:t>
+                        </m:r>
+                      </m:e>
+                      <m:sub>
+                        <m:r>
+                          <a:rPr lang="it-IT" b="0" i="1" smtClean="0">
+                            <a:latin typeface="Cambria Math" panose="02040503050406030204" pitchFamily="18" charset="0"/>
+                            <a:ea typeface="Cambria Math" panose="02040503050406030204" pitchFamily="18" charset="0"/>
+                          </a:rPr>
+                          <m:t>𝑖</m:t>
+                        </m:r>
+                      </m:sub>
+                    </m:sSub>
+                    <m:d>
+                      <m:dPr>
+                        <m:ctrlPr>
+                          <a:rPr lang="it-IT" i="1">
+                            <a:latin typeface="Cambria Math" panose="02040503050406030204" pitchFamily="18" charset="0"/>
+                            <a:ea typeface="Cambria Math" panose="02040503050406030204" pitchFamily="18" charset="0"/>
+                          </a:rPr>
+                        </m:ctrlPr>
+                      </m:dPr>
+                      <m:e>
+                        <m:r>
+                          <a:rPr lang="it-IT" i="1">
+                            <a:latin typeface="Cambria Math" panose="02040503050406030204" pitchFamily="18" charset="0"/>
+                            <a:ea typeface="Cambria Math" panose="02040503050406030204" pitchFamily="18" charset="0"/>
+                          </a:rPr>
+                          <m:t>𝑡</m:t>
+                        </m:r>
+                      </m:e>
+                    </m:d>
+                    <m:r>
+                      <a:rPr lang="it-IT" i="1">
+                        <a:latin typeface="Cambria Math" panose="02040503050406030204" pitchFamily="18" charset="0"/>
+                        <a:ea typeface="Cambria Math" panose="02040503050406030204" pitchFamily="18" charset="0"/>
+                      </a:rPr>
+                      <m:t>≡0</m:t>
+                    </m:r>
+                    <m:r>
+                      <a:rPr lang="it-IT" b="0" i="1" smtClean="0">
+                        <a:latin typeface="Cambria Math" panose="02040503050406030204" pitchFamily="18" charset="0"/>
+                        <a:ea typeface="Cambria Math" panose="02040503050406030204" pitchFamily="18" charset="0"/>
+                      </a:rPr>
+                      <m:t> </m:t>
+                    </m:r>
+                    <m:r>
+                      <a:rPr lang="it-IT" i="1" smtClean="0">
+                        <a:latin typeface="Cambria Math" panose="02040503050406030204" pitchFamily="18" charset="0"/>
+                        <a:ea typeface="Cambria Math" panose="02040503050406030204" pitchFamily="18" charset="0"/>
+                      </a:rPr>
+                      <m:t>∀</m:t>
+                    </m:r>
+                    <m:r>
+                      <a:rPr lang="it-IT" b="0" i="1" smtClean="0">
+                        <a:latin typeface="Cambria Math" panose="02040503050406030204" pitchFamily="18" charset="0"/>
+                        <a:ea typeface="Cambria Math" panose="02040503050406030204" pitchFamily="18" charset="0"/>
+                      </a:rPr>
+                      <m:t>𝑖</m:t>
+                    </m:r>
+                    <m:r>
+                      <a:rPr lang="it-IT" b="0" i="1" smtClean="0">
+                        <a:latin typeface="Cambria Math" panose="02040503050406030204" pitchFamily="18" charset="0"/>
+                        <a:ea typeface="Cambria Math" panose="02040503050406030204" pitchFamily="18" charset="0"/>
+                      </a:rPr>
+                      <m:t>=1,…,</m:t>
+                    </m:r>
+                    <m:r>
+                      <a:rPr lang="it-IT" b="0" i="1" smtClean="0">
+                        <a:latin typeface="Cambria Math" panose="02040503050406030204" pitchFamily="18" charset="0"/>
+                        <a:ea typeface="Cambria Math" panose="02040503050406030204" pitchFamily="18" charset="0"/>
+                      </a:rPr>
+                      <m:t>𝑟</m:t>
+                    </m:r>
+                  </m:oMath>
+                </a14:m>
+                <a:r>
+                  <a:rPr lang="it-IT" dirty="0" smtClean="0"/>
+                  <a:t> e </a:t>
+                </a:r>
+                <a14:m>
+                  <m:oMath xmlns:m="http://schemas.openxmlformats.org/officeDocument/2006/math">
+                    <m:acc>
+                      <m:accPr>
+                        <m:chr m:val="̇"/>
+                        <m:ctrlPr>
+                          <a:rPr lang="it-IT" i="1">
+                            <a:latin typeface="Cambria Math" panose="02040503050406030204" pitchFamily="18" charset="0"/>
+                            <a:ea typeface="Cambria Math" panose="02040503050406030204" pitchFamily="18" charset="0"/>
+                          </a:rPr>
+                        </m:ctrlPr>
+                      </m:accPr>
+                      <m:e>
+                        <m:sSub>
+                          <m:sSubPr>
+                            <m:ctrlPr>
+                              <a:rPr lang="it-IT" i="1">
+                                <a:latin typeface="Cambria Math" panose="02040503050406030204" pitchFamily="18" charset="0"/>
+                                <a:ea typeface="Cambria Math" panose="02040503050406030204" pitchFamily="18" charset="0"/>
+                              </a:rPr>
+                            </m:ctrlPr>
+                          </m:sSubPr>
+                          <m:e>
+                            <m:r>
+                              <a:rPr lang="it-IT" i="1">
+                                <a:latin typeface="Cambria Math" panose="02040503050406030204" pitchFamily="18" charset="0"/>
+                                <a:ea typeface="Cambria Math" panose="02040503050406030204" pitchFamily="18" charset="0"/>
+                              </a:rPr>
+                              <m:t>𝜉</m:t>
+                            </m:r>
+                          </m:e>
+                          <m:sub>
+                            <m:r>
+                              <a:rPr lang="it-IT" b="0" i="1" smtClean="0">
+                                <a:latin typeface="Cambria Math" panose="02040503050406030204" pitchFamily="18" charset="0"/>
+                                <a:ea typeface="Cambria Math" panose="02040503050406030204" pitchFamily="18" charset="0"/>
+                              </a:rPr>
+                              <m:t>𝑟</m:t>
+                            </m:r>
+                          </m:sub>
+                        </m:sSub>
+                      </m:e>
+                    </m:acc>
+                    <m:d>
+                      <m:dPr>
+                        <m:ctrlPr>
+                          <a:rPr lang="it-IT" i="1">
+                            <a:latin typeface="Cambria Math" panose="02040503050406030204" pitchFamily="18" charset="0"/>
+                            <a:ea typeface="Cambria Math" panose="02040503050406030204" pitchFamily="18" charset="0"/>
+                          </a:rPr>
+                        </m:ctrlPr>
+                      </m:dPr>
+                      <m:e>
+                        <m:r>
+                          <a:rPr lang="it-IT" i="1">
+                            <a:latin typeface="Cambria Math" panose="02040503050406030204" pitchFamily="18" charset="0"/>
+                            <a:ea typeface="Cambria Math" panose="02040503050406030204" pitchFamily="18" charset="0"/>
+                          </a:rPr>
+                          <m:t>𝑡</m:t>
+                        </m:r>
+                      </m:e>
+                    </m:d>
+                    <m:r>
+                      <a:rPr lang="it-IT" i="1">
+                        <a:latin typeface="Cambria Math" panose="02040503050406030204" pitchFamily="18" charset="0"/>
+                        <a:ea typeface="Cambria Math" panose="02040503050406030204" pitchFamily="18" charset="0"/>
+                      </a:rPr>
+                      <m:t>=</m:t>
+                    </m:r>
+                    <m:r>
+                      <a:rPr lang="it-IT" b="0" i="1" smtClean="0">
+                        <a:latin typeface="Cambria Math" panose="02040503050406030204" pitchFamily="18" charset="0"/>
+                        <a:ea typeface="Cambria Math" panose="02040503050406030204" pitchFamily="18" charset="0"/>
+                      </a:rPr>
+                      <m:t>𝑣</m:t>
+                    </m:r>
+                    <m:r>
+                      <a:rPr lang="it-IT" i="1">
+                        <a:latin typeface="Cambria Math" panose="02040503050406030204" pitchFamily="18" charset="0"/>
+                        <a:ea typeface="Cambria Math" panose="02040503050406030204" pitchFamily="18" charset="0"/>
+                      </a:rPr>
+                      <m:t>(</m:t>
+                    </m:r>
+                    <m:r>
+                      <a:rPr lang="it-IT" i="1">
+                        <a:latin typeface="Cambria Math" panose="02040503050406030204" pitchFamily="18" charset="0"/>
+                        <a:ea typeface="Cambria Math" panose="02040503050406030204" pitchFamily="18" charset="0"/>
+                      </a:rPr>
+                      <m:t>𝑡</m:t>
+                    </m:r>
+                    <m:r>
+                      <a:rPr lang="it-IT" i="1">
+                        <a:latin typeface="Cambria Math" panose="02040503050406030204" pitchFamily="18" charset="0"/>
+                        <a:ea typeface="Cambria Math" panose="02040503050406030204" pitchFamily="18" charset="0"/>
+                      </a:rPr>
+                      <m:t>)≡0</m:t>
+                    </m:r>
+                  </m:oMath>
+                </a14:m>
+                <a:r>
+                  <a:rPr lang="it-IT" dirty="0" smtClean="0"/>
+                  <a:t> si ottiene che la dinamica compatibile con uscita identicamente nulla, Zero Dinamica, è descritta dalle equazioni seguenti:</a:t>
+                </a:r>
+                <a:endParaRPr lang="it-IT" dirty="0"/>
+              </a:p>
+            </p:txBody>
+          </p:sp>
+        </mc:Choice>
+        <mc:Fallback>
+          <p:sp>
+            <p:nvSpPr>
+              <p:cNvPr id="2" name="CasellaDiTesto 1"/>
+              <p:cNvSpPr txBox="1">
+                <a:spLocks noRot="1" noChangeAspect="1" noMove="1" noResize="1" noEditPoints="1" noAdjustHandles="1" noChangeArrowheads="1" noChangeShapeType="1" noTextEdit="1"/>
+              </p:cNvSpPr>
+              <p:nvPr/>
+            </p:nvSpPr>
+            <p:spPr>
+              <a:xfrm>
+                <a:off x="1524000" y="3048883"/>
+                <a:ext cx="9144000" cy="955390"/>
+              </a:xfrm>
+              <a:prstGeom prst="rect">
+                <a:avLst/>
+              </a:prstGeom>
+              <a:blipFill>
+                <a:blip r:embed="rId5"/>
+                <a:stretch>
+                  <a:fillRect l="-533" t="-1274" b="-8917"/>
+                </a:stretch>
+              </a:blipFill>
+            </p:spPr>
+            <p:txBody>
+              <a:bodyPr/>
+              <a:lstStyle/>
+              <a:p>
+                <a:r>
+                  <a:rPr lang="it-IT">
+                    <a:noFill/>
+                  </a:rPr>
+                  <a:t> </a:t>
+                </a:r>
+              </a:p>
+            </p:txBody>
+          </p:sp>
+        </mc:Fallback>
+      </mc:AlternateContent>
     </p:spTree>
     <p:extLst>
       <p:ext uri="{BB962C8B-B14F-4D97-AF65-F5344CB8AC3E}">
-        <p14:creationId xmlns:p14="http://schemas.microsoft.com/office/powerpoint/2010/main" val="1367849245"/>
+        <p14:creationId xmlns:p14="http://schemas.microsoft.com/office/powerpoint/2010/main" val="3792200931"/>
       </p:ext>
     </p:extLst>
   </p:cSld>
@@ -16584,10 +16932,10 @@
       </p:grpSpPr>
       <p:pic>
         <p:nvPicPr>
-          <p:cNvPr id="5" name="Immagine 4">
-            <a:extLst>
-              <a:ext uri="{FF2B5EF4-FFF2-40B4-BE49-F238E27FC236}">
-                <a16:creationId xmlns:a16="http://schemas.microsoft.com/office/drawing/2014/main" id="{6B271FC1-9853-8B46-B074-A5E6D5A515AD}"/>
+          <p:cNvPr id="6" name="Immagine 5">
+            <a:extLst>
+              <a:ext uri="{FF2B5EF4-FFF2-40B4-BE49-F238E27FC236}">
+                <a16:creationId xmlns:a16="http://schemas.microsoft.com/office/drawing/2014/main" id="{E6250F99-85E5-234E-8497-D887077950D0}"/>
               </a:ext>
             </a:extLst>
           </p:cNvPr>
@@ -16604,7 +16952,7 @@
         </p:blipFill>
         <p:spPr>
           <a:xfrm>
-            <a:off x="1714030" y="1475623"/>
+            <a:off x="1714030" y="809623"/>
             <a:ext cx="2093143" cy="1332000"/>
           </a:xfrm>
           <a:prstGeom prst="rect">
@@ -16661,23 +17009,784 @@
           <a:p>
             <a:pPr algn="ctr"/>
             <a:r>
-              <a:rPr lang="it-IT" dirty="0" err="1"/>
-              <a:t>Granty</a:t>
-            </a:r>
-            <a:r>
               <a:rPr lang="it-IT" dirty="0"/>
-              <a:t> </a:t>
-            </a:r>
-            <a:r>
-              <a:rPr lang="it-IT" dirty="0" err="1"/>
-              <a:t>crane</a:t>
+              <a:t>Gantry crane</a:t>
+            </a:r>
+          </a:p>
+        </p:txBody>
+      </p:sp>
+      <p:sp>
+        <p:nvSpPr>
+          <p:cNvPr id="9" name="CasellaDiTesto 8">
+            <a:extLst>
+              <a:ext uri="{FF2B5EF4-FFF2-40B4-BE49-F238E27FC236}">
+                <a16:creationId xmlns:a16="http://schemas.microsoft.com/office/drawing/2014/main" id="{86F89E2B-2067-3C4F-A4E7-D7C1F99F332E}"/>
+              </a:ext>
+            </a:extLst>
+          </p:cNvPr>
+          <p:cNvSpPr txBox="1"/>
+          <p:nvPr/>
+        </p:nvSpPr>
+        <p:spPr>
+          <a:xfrm>
+            <a:off x="3581400" y="1475623"/>
+            <a:ext cx="8241632" cy="1231106"/>
+          </a:xfrm>
+          <a:prstGeom prst="rect">
+            <a:avLst/>
+          </a:prstGeom>
+          <a:noFill/>
+        </p:spPr>
+        <p:txBody>
+          <a:bodyPr wrap="square" rtlCol="0">
+            <a:spAutoFit/>
+          </a:bodyPr>
+          <a:lstStyle/>
+          <a:p>
+            <a:r>
+              <a:rPr lang="it-IT" sz="2000" dirty="0" smtClean="0"/>
+              <a:t>FEEDBACK LINEARIZATION – ZERO DYNAMIC</a:t>
+            </a:r>
+            <a:endParaRPr lang="it-IT" sz="2000" dirty="0"/>
+          </a:p>
+          <a:p>
+            <a:r>
+              <a:rPr lang="it-IT" dirty="0" smtClean="0"/>
+              <a:t>Per verificare la stabilità delle equazioni descritte nella slide precedente si è proceduto con il calcolo del jacobiano del sistema e quindi al calcolo degli </a:t>
+            </a:r>
+            <a:r>
+              <a:rPr lang="it-IT" dirty="0" err="1" smtClean="0"/>
+              <a:t>autovalori</a:t>
+            </a:r>
+            <a:r>
+              <a:rPr lang="it-IT" dirty="0" smtClean="0"/>
+              <a:t> della matrice Q ottenuta e riportata di seguito.</a:t>
+            </a:r>
+            <a:endParaRPr lang="it-IT" dirty="0" smtClean="0"/>
+          </a:p>
+        </p:txBody>
+      </p:sp>
+      <p:sp>
+        <p:nvSpPr>
+          <p:cNvPr id="7" name="Segnaposto data 3">
+            <a:extLst>
+              <a:ext uri="{FF2B5EF4-FFF2-40B4-BE49-F238E27FC236}">
+                <a16:creationId xmlns:a16="http://schemas.microsoft.com/office/drawing/2014/main" id="{6B3D6E58-06BF-1341-B405-6074E5570CBE}"/>
+              </a:ext>
+            </a:extLst>
+          </p:cNvPr>
+          <p:cNvSpPr>
+            <a:spLocks noGrp="1"/>
+          </p:cNvSpPr>
+          <p:nvPr>
+            <p:ph type="dt" sz="half" idx="10"/>
+          </p:nvPr>
+        </p:nvSpPr>
+        <p:spPr>
+          <a:xfrm>
+            <a:off x="838200" y="6356350"/>
+            <a:ext cx="2743200" cy="365125"/>
+          </a:xfrm>
+        </p:spPr>
+        <p:txBody>
+          <a:bodyPr/>
+          <a:lstStyle/>
+          <a:p>
+            <a:fld id="{4EF59023-6175-3944-979D-CFE35E3A8267}" type="datetime1">
+              <a:rPr lang="it-IT" smtClean="0"/>
+              <a:t>28/01/2022</a:t>
+            </a:fld>
+            <a:endParaRPr lang="en-US" dirty="0"/>
+          </a:p>
+        </p:txBody>
+      </p:sp>
+      <p:sp>
+        <p:nvSpPr>
+          <p:cNvPr id="10" name="Segnaposto piè di pagina 4">
+            <a:extLst>
+              <a:ext uri="{FF2B5EF4-FFF2-40B4-BE49-F238E27FC236}">
+                <a16:creationId xmlns:a16="http://schemas.microsoft.com/office/drawing/2014/main" id="{D5B28A30-8656-2745-A574-AC8117BE6070}"/>
+              </a:ext>
+            </a:extLst>
+          </p:cNvPr>
+          <p:cNvSpPr>
+            <a:spLocks noGrp="1"/>
+          </p:cNvSpPr>
+          <p:nvPr>
+            <p:ph type="ftr" sz="quarter" idx="11"/>
+          </p:nvPr>
+        </p:nvSpPr>
+        <p:spPr>
+          <a:xfrm>
+            <a:off x="4038600" y="6356350"/>
+            <a:ext cx="4114800" cy="365125"/>
+          </a:xfrm>
+        </p:spPr>
+        <p:txBody>
+          <a:bodyPr/>
+          <a:lstStyle/>
+          <a:p>
+            <a:r>
+              <a:rPr lang="en-US"/>
+              <a:t>Arianna Gasparri</a:t>
+            </a:r>
+            <a:endParaRPr lang="en-US" dirty="0"/>
+          </a:p>
+        </p:txBody>
+      </p:sp>
+      <p:sp>
+        <p:nvSpPr>
+          <p:cNvPr id="11" name="Segnaposto numero diapositiva 5">
+            <a:extLst>
+              <a:ext uri="{FF2B5EF4-FFF2-40B4-BE49-F238E27FC236}">
+                <a16:creationId xmlns:a16="http://schemas.microsoft.com/office/drawing/2014/main" id="{06FA9C7D-77F5-8F44-99B9-244BA8DF5120}"/>
+              </a:ext>
+            </a:extLst>
+          </p:cNvPr>
+          <p:cNvSpPr>
+            <a:spLocks noGrp="1"/>
+          </p:cNvSpPr>
+          <p:nvPr>
+            <p:ph type="sldNum" sz="quarter" idx="12"/>
+          </p:nvPr>
+        </p:nvSpPr>
+        <p:spPr>
+          <a:xfrm>
+            <a:off x="8610600" y="6356350"/>
+            <a:ext cx="2743200" cy="365125"/>
+          </a:xfrm>
+        </p:spPr>
+        <p:txBody>
+          <a:bodyPr/>
+          <a:lstStyle/>
+          <a:p>
+            <a:fld id="{6D22F896-40B5-4ADD-8801-0D06FADFA095}" type="slidenum">
+              <a:rPr lang="en-US" smtClean="0"/>
+              <a:t>35</a:t>
+            </a:fld>
+            <a:endParaRPr lang="en-US" dirty="0"/>
+          </a:p>
+        </p:txBody>
+      </p:sp>
+      <p:pic>
+        <p:nvPicPr>
+          <p:cNvPr id="12" name="Immagine 11">
+            <a:extLst>
+              <a:ext uri="{FF2B5EF4-FFF2-40B4-BE49-F238E27FC236}">
+                <a16:creationId xmlns:a16="http://schemas.microsoft.com/office/drawing/2014/main" id="{C69BD7AD-13DF-B64A-AA40-5E86A6150330}"/>
+              </a:ext>
+            </a:extLst>
+          </p:cNvPr>
+          <p:cNvPicPr>
+            <a:picLocks noChangeAspect="1"/>
+          </p:cNvPicPr>
+          <p:nvPr/>
+        </p:nvPicPr>
+        <p:blipFill>
+          <a:blip r:embed="rId3" cstate="print">
+            <a:extLst>
+              <a:ext uri="{28A0092B-C50C-407E-A947-70E740481C1C}">
+                <a14:useLocalDpi xmlns:a14="http://schemas.microsoft.com/office/drawing/2010/main" val="0"/>
+              </a:ext>
+            </a:extLst>
+          </a:blip>
+          <a:stretch>
+            <a:fillRect/>
+          </a:stretch>
+        </p:blipFill>
+        <p:spPr>
+          <a:xfrm>
+            <a:off x="241420" y="265431"/>
+            <a:ext cx="571500" cy="518160"/>
+          </a:xfrm>
+          <a:prstGeom prst="rect">
+            <a:avLst/>
+          </a:prstGeom>
+        </p:spPr>
+      </p:pic>
+      <p:sp>
+        <p:nvSpPr>
+          <p:cNvPr id="13" name="CasellaDiTesto 12"/>
+          <p:cNvSpPr txBox="1"/>
+          <p:nvPr/>
+        </p:nvSpPr>
+        <p:spPr>
+          <a:xfrm>
+            <a:off x="1524000" y="5212655"/>
+            <a:ext cx="9144000" cy="923330"/>
+          </a:xfrm>
+          <a:prstGeom prst="rect">
+            <a:avLst/>
+          </a:prstGeom>
+          <a:noFill/>
+        </p:spPr>
+        <p:txBody>
+          <a:bodyPr wrap="square" rtlCol="0">
+            <a:spAutoFit/>
+          </a:bodyPr>
+          <a:lstStyle/>
+          <a:p>
+            <a:r>
+              <a:rPr lang="it-IT" dirty="0" smtClean="0"/>
+              <a:t>Essendo questi </a:t>
+            </a:r>
+            <a:r>
+              <a:rPr lang="it-IT" dirty="0" err="1" smtClean="0"/>
+              <a:t>autovalori</a:t>
+            </a:r>
+            <a:r>
+              <a:rPr lang="it-IT" dirty="0" smtClean="0"/>
+              <a:t> entrambe a parte reale negativa è quindi possibile concludere che la </a:t>
+            </a:r>
+            <a:r>
+              <a:rPr lang="it-IT" dirty="0"/>
+              <a:t>dinamica delle variabili non </a:t>
+            </a:r>
+            <a:r>
+              <a:rPr lang="it-IT" dirty="0" smtClean="0"/>
+              <a:t>osservabili sia asintoticamente </a:t>
+            </a:r>
+            <a:r>
+              <a:rPr lang="it-IT" dirty="0" err="1" smtClean="0"/>
+              <a:t>stabile.</a:t>
+            </a:r>
+            <a:r>
+              <a:rPr lang="it-IT" dirty="0" err="1" smtClean="0"/>
+              <a:t>Ne</a:t>
+            </a:r>
+            <a:r>
+              <a:rPr lang="it-IT" dirty="0" smtClean="0"/>
+              <a:t> segue infine che il sistema non lineare di partenza sia asintoticamente stabile sia esternamente che internamente.</a:t>
             </a:r>
             <a:endParaRPr lang="it-IT" dirty="0"/>
           </a:p>
         </p:txBody>
       </p:sp>
-      <mc:AlternateContent xmlns:mc="http://schemas.openxmlformats.org/markup-compatibility/2006">
-        <mc:Choice xmlns:a14="http://schemas.microsoft.com/office/drawing/2010/main" Requires="a14">
+    </p:spTree>
+    <p:extLst>
+      <p:ext uri="{BB962C8B-B14F-4D97-AF65-F5344CB8AC3E}">
+        <p14:creationId xmlns:p14="http://schemas.microsoft.com/office/powerpoint/2010/main" val="3814169810"/>
+      </p:ext>
+    </p:extLst>
+  </p:cSld>
+  <p:clrMapOvr>
+    <a:masterClrMapping/>
+  </p:clrMapOvr>
+</p:sld>
+</file>
+
+<file path=ppt/slides/slide36.xml><?xml version="1.0" encoding="utf-8"?>
+<p:sld xmlns:a="http://schemas.openxmlformats.org/drawingml/2006/main" xmlns:r="http://schemas.openxmlformats.org/officeDocument/2006/relationships" xmlns:p="http://schemas.openxmlformats.org/presentationml/2006/main">
+  <p:cSld>
+    <p:spTree>
+      <p:nvGrpSpPr>
+        <p:cNvPr id="1" name=""/>
+        <p:cNvGrpSpPr/>
+        <p:nvPr/>
+      </p:nvGrpSpPr>
+      <p:grpSpPr>
+        <a:xfrm>
+          <a:off x="0" y="0"/>
+          <a:ext cx="0" cy="0"/>
+          <a:chOff x="0" y="0"/>
+          <a:chExt cx="0" cy="0"/>
+        </a:xfrm>
+      </p:grpSpPr>
+      <p:pic>
+        <p:nvPicPr>
+          <p:cNvPr id="5" name="Immagine 4">
+            <a:extLst>
+              <a:ext uri="{FF2B5EF4-FFF2-40B4-BE49-F238E27FC236}">
+                <a16:creationId xmlns:a16="http://schemas.microsoft.com/office/drawing/2014/main" id="{6B271FC1-9853-8B46-B074-A5E6D5A515AD}"/>
+              </a:ext>
+            </a:extLst>
+          </p:cNvPr>
+          <p:cNvPicPr>
+            <a:picLocks noChangeAspect="1"/>
+          </p:cNvPicPr>
+          <p:nvPr/>
+        </p:nvPicPr>
+        <p:blipFill>
+          <a:blip r:embed="rId2"/>
+          <a:stretch>
+            <a:fillRect/>
+          </a:stretch>
+        </p:blipFill>
+        <p:spPr>
+          <a:xfrm>
+            <a:off x="1714030" y="1475623"/>
+            <a:ext cx="2093143" cy="1332000"/>
+          </a:xfrm>
+          <a:prstGeom prst="rect">
+            <a:avLst/>
+          </a:prstGeom>
+        </p:spPr>
+      </p:pic>
+      <p:sp>
+        <p:nvSpPr>
+          <p:cNvPr id="8" name="Titolo 1">
+            <a:extLst>
+              <a:ext uri="{FF2B5EF4-FFF2-40B4-BE49-F238E27FC236}">
+                <a16:creationId xmlns:a16="http://schemas.microsoft.com/office/drawing/2014/main" id="{E8EDF0BB-0558-644B-BB96-58C4BD179ABC}"/>
+              </a:ext>
+            </a:extLst>
+          </p:cNvPr>
+          <p:cNvSpPr txBox="1">
+            <a:spLocks/>
+          </p:cNvSpPr>
+          <p:nvPr/>
+        </p:nvSpPr>
+        <p:spPr>
+          <a:xfrm>
+            <a:off x="1524000" y="454393"/>
+            <a:ext cx="9144000" cy="1021230"/>
+          </a:xfrm>
+          <a:prstGeom prst="rect">
+            <a:avLst/>
+          </a:prstGeom>
+        </p:spPr>
+        <p:txBody>
+          <a:bodyPr vert="horz" lIns="91440" tIns="45720" rIns="91440" bIns="45720" rtlCol="0" anchor="ctr">
+            <a:normAutofit/>
+          </a:bodyPr>
+          <a:lstStyle>
+            <a:lvl1pPr algn="l" defTabSz="914400" rtl="0" eaLnBrk="1" latinLnBrk="0" hangingPunct="1">
+              <a:lnSpc>
+                <a:spcPct val="90000"/>
+              </a:lnSpc>
+              <a:spcBef>
+                <a:spcPct val="0"/>
+              </a:spcBef>
+              <a:buNone/>
+              <a:defRPr sz="4400" kern="1200">
+                <a:solidFill>
+                  <a:schemeClr val="tx1"/>
+                </a:solidFill>
+                <a:latin typeface="+mj-lt"/>
+                <a:ea typeface="+mj-ea"/>
+                <a:cs typeface="+mj-cs"/>
+              </a:defRPr>
+            </a:lvl1pPr>
+          </a:lstStyle>
+          <a:p>
+            <a:pPr algn="ctr"/>
+            <a:r>
+              <a:rPr lang="it-IT" dirty="0"/>
+              <a:t>Gantry crane</a:t>
+            </a:r>
+          </a:p>
+        </p:txBody>
+      </p:sp>
+      <p:sp>
+        <p:nvSpPr>
+          <p:cNvPr id="9" name="CasellaDiTesto 8">
+            <a:extLst>
+              <a:ext uri="{FF2B5EF4-FFF2-40B4-BE49-F238E27FC236}">
+                <a16:creationId xmlns:a16="http://schemas.microsoft.com/office/drawing/2014/main" id="{86F89E2B-2067-3C4F-A4E7-D7C1F99F332E}"/>
+              </a:ext>
+            </a:extLst>
+          </p:cNvPr>
+          <p:cNvSpPr txBox="1"/>
+          <p:nvPr/>
+        </p:nvSpPr>
+        <p:spPr>
+          <a:xfrm>
+            <a:off x="3997202" y="1475623"/>
+            <a:ext cx="6670797" cy="1015663"/>
+          </a:xfrm>
+          <a:prstGeom prst="rect">
+            <a:avLst/>
+          </a:prstGeom>
+          <a:noFill/>
+        </p:spPr>
+        <p:txBody>
+          <a:bodyPr wrap="square" rtlCol="0">
+            <a:spAutoFit/>
+          </a:bodyPr>
+          <a:lstStyle/>
+          <a:p>
+            <a:r>
+              <a:rPr lang="it-IT" sz="2000" dirty="0"/>
+              <a:t>Mantenendo lo stesso modello dinamico, è stata scelta come uscita la variabile di stato x e ripetuto lo studio della controllabilità e della osservabilità del sistema ottenuto.</a:t>
+            </a:r>
+          </a:p>
+        </p:txBody>
+      </p:sp>
+      <p:pic>
+        <p:nvPicPr>
+          <p:cNvPr id="4" name="Immagine 3">
+            <a:extLst>
+              <a:ext uri="{FF2B5EF4-FFF2-40B4-BE49-F238E27FC236}">
+                <a16:creationId xmlns:a16="http://schemas.microsoft.com/office/drawing/2014/main" id="{0BEAAF86-3F48-8847-8D11-8CCFF5FC089D}"/>
+              </a:ext>
+            </a:extLst>
+          </p:cNvPr>
+          <p:cNvPicPr>
+            <a:picLocks noChangeAspect="1"/>
+          </p:cNvPicPr>
+          <p:nvPr/>
+        </p:nvPicPr>
+        <p:blipFill>
+          <a:blip r:embed="rId3"/>
+          <a:stretch>
+            <a:fillRect/>
+          </a:stretch>
+        </p:blipFill>
+        <p:spPr>
+          <a:xfrm>
+            <a:off x="6507100" y="2649454"/>
+            <a:ext cx="1651000" cy="660400"/>
+          </a:xfrm>
+          <a:prstGeom prst="rect">
+            <a:avLst/>
+          </a:prstGeom>
+        </p:spPr>
+      </p:pic>
+      <p:pic>
+        <p:nvPicPr>
+          <p:cNvPr id="7" name="Immagine 6">
+            <a:extLst>
+              <a:ext uri="{FF2B5EF4-FFF2-40B4-BE49-F238E27FC236}">
+                <a16:creationId xmlns:a16="http://schemas.microsoft.com/office/drawing/2014/main" id="{F9F8DC63-EB5D-374B-9F4A-A1EF5FF89A21}"/>
+              </a:ext>
+            </a:extLst>
+          </p:cNvPr>
+          <p:cNvPicPr>
+            <a:picLocks noChangeAspect="1"/>
+          </p:cNvPicPr>
+          <p:nvPr/>
+        </p:nvPicPr>
+        <p:blipFill>
+          <a:blip r:embed="rId4"/>
+          <a:stretch>
+            <a:fillRect/>
+          </a:stretch>
+        </p:blipFill>
+        <p:spPr>
+          <a:xfrm>
+            <a:off x="1524000" y="3468023"/>
+            <a:ext cx="6477000" cy="1603375"/>
+          </a:xfrm>
+          <a:prstGeom prst="rect">
+            <a:avLst/>
+          </a:prstGeom>
+        </p:spPr>
+      </p:pic>
+      <p:pic>
+        <p:nvPicPr>
+          <p:cNvPr id="11" name="Immagine 10">
+            <a:extLst>
+              <a:ext uri="{FF2B5EF4-FFF2-40B4-BE49-F238E27FC236}">
+                <a16:creationId xmlns:a16="http://schemas.microsoft.com/office/drawing/2014/main" id="{1A63D091-8FD0-D943-8BE5-2D5DFF337684}"/>
+              </a:ext>
+            </a:extLst>
+          </p:cNvPr>
+          <p:cNvPicPr>
+            <a:picLocks noChangeAspect="1"/>
+          </p:cNvPicPr>
+          <p:nvPr/>
+        </p:nvPicPr>
+        <p:blipFill>
+          <a:blip r:embed="rId5"/>
+          <a:stretch>
+            <a:fillRect/>
+          </a:stretch>
+        </p:blipFill>
+        <p:spPr>
+          <a:xfrm>
+            <a:off x="8001000" y="3468023"/>
+            <a:ext cx="3302000" cy="1619250"/>
+          </a:xfrm>
+          <a:prstGeom prst="rect">
+            <a:avLst/>
+          </a:prstGeom>
+        </p:spPr>
+      </p:pic>
+      <p:sp>
+        <p:nvSpPr>
+          <p:cNvPr id="10" name="Segnaposto data 3">
+            <a:extLst>
+              <a:ext uri="{FF2B5EF4-FFF2-40B4-BE49-F238E27FC236}">
+                <a16:creationId xmlns:a16="http://schemas.microsoft.com/office/drawing/2014/main" id="{05C89D9B-6C9B-4E48-9D4F-6AFF98E923D7}"/>
+              </a:ext>
+            </a:extLst>
+          </p:cNvPr>
+          <p:cNvSpPr>
+            <a:spLocks noGrp="1"/>
+          </p:cNvSpPr>
+          <p:nvPr>
+            <p:ph type="dt" sz="half" idx="10"/>
+          </p:nvPr>
+        </p:nvSpPr>
+        <p:spPr>
+          <a:xfrm>
+            <a:off x="838200" y="6356350"/>
+            <a:ext cx="2743200" cy="365125"/>
+          </a:xfrm>
+        </p:spPr>
+        <p:txBody>
+          <a:bodyPr/>
+          <a:lstStyle/>
+          <a:p>
+            <a:fld id="{4EF59023-6175-3944-979D-CFE35E3A8267}" type="datetime1">
+              <a:rPr lang="it-IT" smtClean="0"/>
+              <a:t>28/01/2022</a:t>
+            </a:fld>
+            <a:endParaRPr lang="en-US" dirty="0"/>
+          </a:p>
+        </p:txBody>
+      </p:sp>
+      <p:sp>
+        <p:nvSpPr>
+          <p:cNvPr id="12" name="Segnaposto piè di pagina 4">
+            <a:extLst>
+              <a:ext uri="{FF2B5EF4-FFF2-40B4-BE49-F238E27FC236}">
+                <a16:creationId xmlns:a16="http://schemas.microsoft.com/office/drawing/2014/main" id="{B10A4DC1-2B85-F745-82E6-0410F049FAD0}"/>
+              </a:ext>
+            </a:extLst>
+          </p:cNvPr>
+          <p:cNvSpPr>
+            <a:spLocks noGrp="1"/>
+          </p:cNvSpPr>
+          <p:nvPr>
+            <p:ph type="ftr" sz="quarter" idx="11"/>
+          </p:nvPr>
+        </p:nvSpPr>
+        <p:spPr>
+          <a:xfrm>
+            <a:off x="4038600" y="6356350"/>
+            <a:ext cx="4114800" cy="365125"/>
+          </a:xfrm>
+        </p:spPr>
+        <p:txBody>
+          <a:bodyPr/>
+          <a:lstStyle/>
+          <a:p>
+            <a:r>
+              <a:rPr lang="en-US"/>
+              <a:t>Arianna Gasparri</a:t>
+            </a:r>
+            <a:endParaRPr lang="en-US" dirty="0"/>
+          </a:p>
+        </p:txBody>
+      </p:sp>
+      <p:sp>
+        <p:nvSpPr>
+          <p:cNvPr id="14" name="Segnaposto numero diapositiva 5">
+            <a:extLst>
+              <a:ext uri="{FF2B5EF4-FFF2-40B4-BE49-F238E27FC236}">
+                <a16:creationId xmlns:a16="http://schemas.microsoft.com/office/drawing/2014/main" id="{64915A39-08C4-D34D-A369-F65F3351495A}"/>
+              </a:ext>
+            </a:extLst>
+          </p:cNvPr>
+          <p:cNvSpPr>
+            <a:spLocks noGrp="1"/>
+          </p:cNvSpPr>
+          <p:nvPr>
+            <p:ph type="sldNum" sz="quarter" idx="12"/>
+          </p:nvPr>
+        </p:nvSpPr>
+        <p:spPr>
+          <a:xfrm>
+            <a:off x="8610600" y="6356350"/>
+            <a:ext cx="2743200" cy="365125"/>
+          </a:xfrm>
+        </p:spPr>
+        <p:txBody>
+          <a:bodyPr/>
+          <a:lstStyle/>
+          <a:p>
+            <a:fld id="{6D22F896-40B5-4ADD-8801-0D06FADFA095}" type="slidenum">
+              <a:rPr lang="en-US" smtClean="0"/>
+              <a:t>36</a:t>
+            </a:fld>
+            <a:endParaRPr lang="en-US" dirty="0"/>
+          </a:p>
+        </p:txBody>
+      </p:sp>
+      <p:pic>
+        <p:nvPicPr>
+          <p:cNvPr id="15" name="Immagine 14">
+            <a:extLst>
+              <a:ext uri="{FF2B5EF4-FFF2-40B4-BE49-F238E27FC236}">
+                <a16:creationId xmlns:a16="http://schemas.microsoft.com/office/drawing/2014/main" id="{2F70A25C-5291-AE45-918C-B8931863406E}"/>
+              </a:ext>
+            </a:extLst>
+          </p:cNvPr>
+          <p:cNvPicPr>
+            <a:picLocks noChangeAspect="1"/>
+          </p:cNvPicPr>
+          <p:nvPr/>
+        </p:nvPicPr>
+        <p:blipFill>
+          <a:blip r:embed="rId6" cstate="print">
+            <a:extLst>
+              <a:ext uri="{28A0092B-C50C-407E-A947-70E740481C1C}">
+                <a14:useLocalDpi xmlns:a14="http://schemas.microsoft.com/office/drawing/2010/main" val="0"/>
+              </a:ext>
+            </a:extLst>
+          </a:blip>
+          <a:stretch>
+            <a:fillRect/>
+          </a:stretch>
+        </p:blipFill>
+        <p:spPr>
+          <a:xfrm>
+            <a:off x="241420" y="265431"/>
+            <a:ext cx="571500" cy="518160"/>
+          </a:xfrm>
+          <a:prstGeom prst="rect">
+            <a:avLst/>
+          </a:prstGeom>
+        </p:spPr>
+      </p:pic>
+      <p:pic>
+        <p:nvPicPr>
+          <p:cNvPr id="6" name="Immagine 5">
+            <a:extLst>
+              <a:ext uri="{FF2B5EF4-FFF2-40B4-BE49-F238E27FC236}">
+                <a16:creationId xmlns:a16="http://schemas.microsoft.com/office/drawing/2014/main" id="{3D0E4CCF-0EDF-F848-9324-0D50EF216714}"/>
+              </a:ext>
+            </a:extLst>
+          </p:cNvPr>
+          <p:cNvPicPr>
+            <a:picLocks noChangeAspect="1"/>
+          </p:cNvPicPr>
+          <p:nvPr/>
+        </p:nvPicPr>
+        <p:blipFill>
+          <a:blip r:embed="rId7"/>
+          <a:stretch>
+            <a:fillRect/>
+          </a:stretch>
+        </p:blipFill>
+        <p:spPr>
+          <a:xfrm>
+            <a:off x="5324860" y="5160794"/>
+            <a:ext cx="1542279" cy="452779"/>
+          </a:xfrm>
+          <a:prstGeom prst="rect">
+            <a:avLst/>
+          </a:prstGeom>
+        </p:spPr>
+      </p:pic>
+    </p:spTree>
+    <p:extLst>
+      <p:ext uri="{BB962C8B-B14F-4D97-AF65-F5344CB8AC3E}">
+        <p14:creationId xmlns:p14="http://schemas.microsoft.com/office/powerpoint/2010/main" val="1367849245"/>
+      </p:ext>
+    </p:extLst>
+  </p:cSld>
+  <p:clrMapOvr>
+    <a:masterClrMapping/>
+  </p:clrMapOvr>
+</p:sld>
+</file>
+
+<file path=ppt/slides/slide37.xml><?xml version="1.0" encoding="utf-8"?>
+<p:sld xmlns:a="http://schemas.openxmlformats.org/drawingml/2006/main" xmlns:r="http://schemas.openxmlformats.org/officeDocument/2006/relationships" xmlns:p="http://schemas.openxmlformats.org/presentationml/2006/main">
+  <p:cSld>
+    <p:spTree>
+      <p:nvGrpSpPr>
+        <p:cNvPr id="1" name=""/>
+        <p:cNvGrpSpPr/>
+        <p:nvPr/>
+      </p:nvGrpSpPr>
+      <p:grpSpPr>
+        <a:xfrm>
+          <a:off x="0" y="0"/>
+          <a:ext cx="0" cy="0"/>
+          <a:chOff x="0" y="0"/>
+          <a:chExt cx="0" cy="0"/>
+        </a:xfrm>
+      </p:grpSpPr>
+      <p:pic>
+        <p:nvPicPr>
+          <p:cNvPr id="5" name="Immagine 4">
+            <a:extLst>
+              <a:ext uri="{FF2B5EF4-FFF2-40B4-BE49-F238E27FC236}">
+                <a16:creationId xmlns:a16="http://schemas.microsoft.com/office/drawing/2014/main" id="{6B271FC1-9853-8B46-B074-A5E6D5A515AD}"/>
+              </a:ext>
+            </a:extLst>
+          </p:cNvPr>
+          <p:cNvPicPr>
+            <a:picLocks noChangeAspect="1"/>
+          </p:cNvPicPr>
+          <p:nvPr/>
+        </p:nvPicPr>
+        <p:blipFill>
+          <a:blip r:embed="rId2"/>
+          <a:stretch>
+            <a:fillRect/>
+          </a:stretch>
+        </p:blipFill>
+        <p:spPr>
+          <a:xfrm>
+            <a:off x="1714030" y="1475623"/>
+            <a:ext cx="2093143" cy="1332000"/>
+          </a:xfrm>
+          <a:prstGeom prst="rect">
+            <a:avLst/>
+          </a:prstGeom>
+        </p:spPr>
+      </p:pic>
+      <p:sp>
+        <p:nvSpPr>
+          <p:cNvPr id="8" name="Titolo 1">
+            <a:extLst>
+              <a:ext uri="{FF2B5EF4-FFF2-40B4-BE49-F238E27FC236}">
+                <a16:creationId xmlns:a16="http://schemas.microsoft.com/office/drawing/2014/main" id="{E8EDF0BB-0558-644B-BB96-58C4BD179ABC}"/>
+              </a:ext>
+            </a:extLst>
+          </p:cNvPr>
+          <p:cNvSpPr txBox="1">
+            <a:spLocks/>
+          </p:cNvSpPr>
+          <p:nvPr/>
+        </p:nvSpPr>
+        <p:spPr>
+          <a:xfrm>
+            <a:off x="1524000" y="454393"/>
+            <a:ext cx="9144000" cy="1021230"/>
+          </a:xfrm>
+          <a:prstGeom prst="rect">
+            <a:avLst/>
+          </a:prstGeom>
+        </p:spPr>
+        <p:txBody>
+          <a:bodyPr vert="horz" lIns="91440" tIns="45720" rIns="91440" bIns="45720" rtlCol="0" anchor="ctr">
+            <a:normAutofit/>
+          </a:bodyPr>
+          <a:lstStyle>
+            <a:lvl1pPr algn="l" defTabSz="914400" rtl="0" eaLnBrk="1" latinLnBrk="0" hangingPunct="1">
+              <a:lnSpc>
+                <a:spcPct val="90000"/>
+              </a:lnSpc>
+              <a:spcBef>
+                <a:spcPct val="0"/>
+              </a:spcBef>
+              <a:buNone/>
+              <a:defRPr sz="4400" kern="1200">
+                <a:solidFill>
+                  <a:schemeClr val="tx1"/>
+                </a:solidFill>
+                <a:latin typeface="+mj-lt"/>
+                <a:ea typeface="+mj-ea"/>
+                <a:cs typeface="+mj-cs"/>
+              </a:defRPr>
+            </a:lvl1pPr>
+          </a:lstStyle>
+          <a:p>
+            <a:pPr algn="ctr"/>
+            <a:r>
+              <a:rPr lang="it-IT" dirty="0"/>
+              <a:t>Gantry crane</a:t>
+            </a:r>
+          </a:p>
+        </p:txBody>
+      </p:sp>
+      <mc:AlternateContent xmlns:mc="http://schemas.openxmlformats.org/markup-compatibility/2006" xmlns:a14="http://schemas.microsoft.com/office/drawing/2010/main">
+        <mc:Choice Requires="a14">
           <p:sp>
             <p:nvSpPr>
               <p:cNvPr id="9" name="CasellaDiTesto 8">
@@ -16770,7 +17879,7 @@
             </p:txBody>
           </p:sp>
         </mc:Choice>
-        <mc:Fallback>
+        <mc:Fallback xmlns="">
           <p:sp>
             <p:nvSpPr>
               <p:cNvPr id="9" name="CasellaDiTesto 8">
@@ -16843,7 +17952,7 @@
           <a:p>
             <a:fld id="{4EF59023-6175-3944-979D-CFE35E3A8267}" type="datetime1">
               <a:rPr lang="it-IT" smtClean="0"/>
-              <a:t>11/01/22</a:t>
+              <a:t>28/01/2022</a:t>
             </a:fld>
             <a:endParaRPr lang="en-US" dirty="0"/>
           </a:p>
@@ -16911,7 +18020,7 @@
           <a:p>
             <a:fld id="{6D22F896-40B5-4ADD-8801-0D06FADFA095}" type="slidenum">
               <a:rPr lang="en-US" smtClean="0"/>
-              <a:t>35</a:t>
+              <a:t>37</a:t>
             </a:fld>
             <a:endParaRPr lang="en-US" dirty="0"/>
           </a:p>
@@ -16953,8 +18062,8 @@
           </a:prstGeom>
         </p:spPr>
       </p:pic>
-      <mc:AlternateContent xmlns:mc="http://schemas.openxmlformats.org/markup-compatibility/2006">
-        <mc:Choice xmlns:a14="http://schemas.microsoft.com/office/drawing/2010/main" Requires="a14">
+      <mc:AlternateContent xmlns:mc="http://schemas.openxmlformats.org/markup-compatibility/2006" xmlns:a14="http://schemas.microsoft.com/office/drawing/2010/main">
+        <mc:Choice Requires="a14">
           <p:sp>
             <p:nvSpPr>
               <p:cNvPr id="13" name="CasellaDiTesto 12">
@@ -17020,6 +18129,7 @@
                 </a:r>
               </a:p>
               <a:p>
+                <a:pPr/>
                 <a14:m>
                   <m:oMathPara xmlns:m="http://schemas.openxmlformats.org/officeDocument/2006/math">
                     <m:oMathParaPr>
@@ -17299,7 +18409,7 @@
             </p:txBody>
           </p:sp>
         </mc:Choice>
-        <mc:Fallback>
+        <mc:Fallback xmlns="">
           <p:sp>
             <p:nvSpPr>
               <p:cNvPr id="13" name="CasellaDiTesto 12">
@@ -17357,7 +18467,7 @@
 </p:sld>
 </file>
 
-<file path=ppt/slides/slide36.xml><?xml version="1.0" encoding="utf-8"?>
+<file path=ppt/slides/slide38.xml><?xml version="1.0" encoding="utf-8"?>
 <p:sld xmlns:a="http://schemas.openxmlformats.org/drawingml/2006/main" xmlns:r="http://schemas.openxmlformats.org/officeDocument/2006/relationships" xmlns:p="http://schemas.openxmlformats.org/presentationml/2006/main">
   <p:cSld>
     <p:spTree>
@@ -17423,18 +18533,9 @@
           <a:p>
             <a:pPr algn="ctr"/>
             <a:r>
-              <a:rPr lang="it-IT" dirty="0" err="1"/>
-              <a:t>Granty</a:t>
-            </a:r>
-            <a:r>
               <a:rPr lang="it-IT" dirty="0"/>
-              <a:t> </a:t>
-            </a:r>
-            <a:r>
-              <a:rPr lang="it-IT" dirty="0" err="1"/>
-              <a:t>crane</a:t>
-            </a:r>
-            <a:endParaRPr lang="it-IT" dirty="0"/>
+              <a:t>Gantry crane</a:t>
+            </a:r>
           </a:p>
         </p:txBody>
       </p:sp>
@@ -17496,7 +18597,7 @@
           <a:p>
             <a:fld id="{4EF59023-6175-3944-979D-CFE35E3A8267}" type="datetime1">
               <a:rPr lang="it-IT" smtClean="0"/>
-              <a:t>11/01/22</a:t>
+              <a:t>28/01/2022</a:t>
             </a:fld>
             <a:endParaRPr lang="en-US" dirty="0"/>
           </a:p>
@@ -17564,7 +18665,7 @@
           <a:p>
             <a:fld id="{6D22F896-40B5-4ADD-8801-0D06FADFA095}" type="slidenum">
               <a:rPr lang="en-US" smtClean="0"/>
-              <a:t>36</a:t>
+              <a:t>38</a:t>
             </a:fld>
             <a:endParaRPr lang="en-US" dirty="0"/>
           </a:p>
@@ -17606,8 +18707,8 @@
           </a:prstGeom>
         </p:spPr>
       </p:pic>
-      <mc:AlternateContent xmlns:mc="http://schemas.openxmlformats.org/markup-compatibility/2006">
-        <mc:Choice xmlns:a14="http://schemas.microsoft.com/office/drawing/2010/main" Requires="a14">
+      <mc:AlternateContent xmlns:mc="http://schemas.openxmlformats.org/markup-compatibility/2006" xmlns:a14="http://schemas.microsoft.com/office/drawing/2010/main">
+        <mc:Choice Requires="a14">
           <p:sp>
             <p:nvSpPr>
               <p:cNvPr id="2" name="CasellaDiTesto 1">
@@ -17683,7 +18784,7 @@
             </p:txBody>
           </p:sp>
         </mc:Choice>
-        <mc:Fallback>
+        <mc:Fallback xmlns="">
           <p:sp>
             <p:nvSpPr>
               <p:cNvPr id="2" name="CasellaDiTesto 1">
@@ -17807,7 +18908,7 @@
 </p:sld>
 </file>
 
-<file path=ppt/slides/slide37.xml><?xml version="1.0" encoding="utf-8"?>
+<file path=ppt/slides/slide39.xml><?xml version="1.0" encoding="utf-8"?>
 <p:sld xmlns:a="http://schemas.openxmlformats.org/drawingml/2006/main" xmlns:r="http://schemas.openxmlformats.org/officeDocument/2006/relationships" xmlns:p="http://schemas.openxmlformats.org/presentationml/2006/main">
   <p:cSld>
     <p:spTree>
@@ -17903,23 +19004,14 @@
           <a:p>
             <a:pPr algn="ctr"/>
             <a:r>
-              <a:rPr lang="it-IT" dirty="0" err="1"/>
-              <a:t>Granty</a:t>
-            </a:r>
-            <a:r>
               <a:rPr lang="it-IT" dirty="0"/>
-              <a:t> </a:t>
-            </a:r>
-            <a:r>
-              <a:rPr lang="it-IT" dirty="0" err="1"/>
-              <a:t>crane</a:t>
-            </a:r>
-            <a:endParaRPr lang="it-IT" dirty="0"/>
-          </a:p>
-        </p:txBody>
-      </p:sp>
-      <mc:AlternateContent xmlns:mc="http://schemas.openxmlformats.org/markup-compatibility/2006">
-        <mc:Choice xmlns:a14="http://schemas.microsoft.com/office/drawing/2010/main" Requires="a14">
+              <a:t>Gantry crane</a:t>
+            </a:r>
+          </a:p>
+        </p:txBody>
+      </p:sp>
+      <mc:AlternateContent xmlns:mc="http://schemas.openxmlformats.org/markup-compatibility/2006" xmlns:a14="http://schemas.microsoft.com/office/drawing/2010/main">
+        <mc:Choice Requires="a14">
           <p:sp>
             <p:nvSpPr>
               <p:cNvPr id="9" name="CasellaDiTesto 8">
@@ -17971,7 +19063,7 @@
             </p:txBody>
           </p:sp>
         </mc:Choice>
-        <mc:Fallback>
+        <mc:Fallback xmlns="">
           <p:sp>
             <p:nvSpPr>
               <p:cNvPr id="9" name="CasellaDiTesto 8">
@@ -18044,7 +19136,7 @@
           <a:p>
             <a:fld id="{4EF59023-6175-3944-979D-CFE35E3A8267}" type="datetime1">
               <a:rPr lang="it-IT" smtClean="0"/>
-              <a:t>11/01/22</a:t>
+              <a:t>28/01/2022</a:t>
             </a:fld>
             <a:endParaRPr lang="en-US" dirty="0"/>
           </a:p>
@@ -18112,7 +19204,7 @@
           <a:p>
             <a:fld id="{6D22F896-40B5-4ADD-8801-0D06FADFA095}" type="slidenum">
               <a:rPr lang="en-US" smtClean="0"/>
-              <a:t>37</a:t>
+              <a:t>39</a:t>
             </a:fld>
             <a:endParaRPr lang="en-US" dirty="0"/>
           </a:p>
@@ -18184,8 +19276,8 @@
           </a:prstGeom>
         </p:spPr>
       </p:pic>
-      <mc:AlternateContent xmlns:mc="http://schemas.openxmlformats.org/markup-compatibility/2006">
-        <mc:Choice xmlns:a14="http://schemas.microsoft.com/office/drawing/2010/main" Requires="a14">
+      <mc:AlternateContent xmlns:mc="http://schemas.openxmlformats.org/markup-compatibility/2006" xmlns:a14="http://schemas.microsoft.com/office/drawing/2010/main">
+        <mc:Choice Requires="a14">
           <p:sp>
             <p:nvSpPr>
               <p:cNvPr id="18" name="CasellaDiTesto 17">
@@ -18257,7 +19349,7 @@
             </p:txBody>
           </p:sp>
         </mc:Choice>
-        <mc:Fallback>
+        <mc:Fallback xmlns="">
           <p:sp>
             <p:nvSpPr>
               <p:cNvPr id="18" name="CasellaDiTesto 17">
@@ -18336,692 +19428,6 @@
     <p:extLst>
       <p:ext uri="{BB962C8B-B14F-4D97-AF65-F5344CB8AC3E}">
         <p14:creationId xmlns:p14="http://schemas.microsoft.com/office/powerpoint/2010/main" val="1528116390"/>
-      </p:ext>
-    </p:extLst>
-  </p:cSld>
-  <p:clrMapOvr>
-    <a:masterClrMapping/>
-  </p:clrMapOvr>
-</p:sld>
-</file>
-
-<file path=ppt/slides/slide38.xml><?xml version="1.0" encoding="utf-8"?>
-<p:sld xmlns:a="http://schemas.openxmlformats.org/drawingml/2006/main" xmlns:r="http://schemas.openxmlformats.org/officeDocument/2006/relationships" xmlns:p="http://schemas.openxmlformats.org/presentationml/2006/main">
-  <p:cSld>
-    <p:spTree>
-      <p:nvGrpSpPr>
-        <p:cNvPr id="1" name=""/>
-        <p:cNvGrpSpPr/>
-        <p:nvPr/>
-      </p:nvGrpSpPr>
-      <p:grpSpPr>
-        <a:xfrm>
-          <a:off x="0" y="0"/>
-          <a:ext cx="0" cy="0"/>
-          <a:chOff x="0" y="0"/>
-          <a:chExt cx="0" cy="0"/>
-        </a:xfrm>
-      </p:grpSpPr>
-      <p:sp>
-        <p:nvSpPr>
-          <p:cNvPr id="8" name="Titolo 1">
-            <a:extLst>
-              <a:ext uri="{FF2B5EF4-FFF2-40B4-BE49-F238E27FC236}">
-                <a16:creationId xmlns:a16="http://schemas.microsoft.com/office/drawing/2014/main" id="{E8EDF0BB-0558-644B-BB96-58C4BD179ABC}"/>
-              </a:ext>
-            </a:extLst>
-          </p:cNvPr>
-          <p:cNvSpPr txBox="1">
-            <a:spLocks/>
-          </p:cNvSpPr>
-          <p:nvPr/>
-        </p:nvSpPr>
-        <p:spPr>
-          <a:xfrm>
-            <a:off x="1524000" y="454393"/>
-            <a:ext cx="9144000" cy="1021230"/>
-          </a:xfrm>
-          <a:prstGeom prst="rect">
-            <a:avLst/>
-          </a:prstGeom>
-        </p:spPr>
-        <p:txBody>
-          <a:bodyPr vert="horz" lIns="91440" tIns="45720" rIns="91440" bIns="45720" rtlCol="0" anchor="ctr">
-            <a:normAutofit/>
-          </a:bodyPr>
-          <a:lstStyle>
-            <a:lvl1pPr algn="l" defTabSz="914400" rtl="0" eaLnBrk="1" latinLnBrk="0" hangingPunct="1">
-              <a:lnSpc>
-                <a:spcPct val="90000"/>
-              </a:lnSpc>
-              <a:spcBef>
-                <a:spcPct val="0"/>
-              </a:spcBef>
-              <a:buNone/>
-              <a:defRPr sz="4400" kern="1200">
-                <a:solidFill>
-                  <a:schemeClr val="tx1"/>
-                </a:solidFill>
-                <a:latin typeface="+mj-lt"/>
-                <a:ea typeface="+mj-ea"/>
-                <a:cs typeface="+mj-cs"/>
-              </a:defRPr>
-            </a:lvl1pPr>
-          </a:lstStyle>
-          <a:p>
-            <a:pPr algn="ctr"/>
-            <a:r>
-              <a:rPr lang="it-IT" dirty="0" err="1"/>
-              <a:t>Granty</a:t>
-            </a:r>
-            <a:r>
-              <a:rPr lang="it-IT" dirty="0"/>
-              <a:t> </a:t>
-            </a:r>
-            <a:r>
-              <a:rPr lang="it-IT" dirty="0" err="1"/>
-              <a:t>crane</a:t>
-            </a:r>
-            <a:endParaRPr lang="it-IT" dirty="0"/>
-          </a:p>
-        </p:txBody>
-      </p:sp>
-      <p:pic>
-        <p:nvPicPr>
-          <p:cNvPr id="6" name="Immagine 5">
-            <a:extLst>
-              <a:ext uri="{FF2B5EF4-FFF2-40B4-BE49-F238E27FC236}">
-                <a16:creationId xmlns:a16="http://schemas.microsoft.com/office/drawing/2014/main" id="{E6250F99-85E5-234E-8497-D887077950D0}"/>
-              </a:ext>
-            </a:extLst>
-          </p:cNvPr>
-          <p:cNvPicPr>
-            <a:picLocks noChangeAspect="1"/>
-          </p:cNvPicPr>
-          <p:nvPr/>
-        </p:nvPicPr>
-        <p:blipFill>
-          <a:blip r:embed="rId2"/>
-          <a:stretch>
-            <a:fillRect/>
-          </a:stretch>
-        </p:blipFill>
-        <p:spPr>
-          <a:xfrm>
-            <a:off x="1714030" y="1475623"/>
-            <a:ext cx="2093143" cy="1332000"/>
-          </a:xfrm>
-          <a:prstGeom prst="rect">
-            <a:avLst/>
-          </a:prstGeom>
-        </p:spPr>
-      </p:pic>
-      <p:sp>
-        <p:nvSpPr>
-          <p:cNvPr id="5" name="Segnaposto data 3">
-            <a:extLst>
-              <a:ext uri="{FF2B5EF4-FFF2-40B4-BE49-F238E27FC236}">
-                <a16:creationId xmlns:a16="http://schemas.microsoft.com/office/drawing/2014/main" id="{10832284-2AF9-D442-A2BC-3A4C6C544DF0}"/>
-              </a:ext>
-            </a:extLst>
-          </p:cNvPr>
-          <p:cNvSpPr>
-            <a:spLocks noGrp="1"/>
-          </p:cNvSpPr>
-          <p:nvPr>
-            <p:ph type="dt" sz="half" idx="10"/>
-          </p:nvPr>
-        </p:nvSpPr>
-        <p:spPr>
-          <a:xfrm>
-            <a:off x="838200" y="6356350"/>
-            <a:ext cx="2743200" cy="365125"/>
-          </a:xfrm>
-        </p:spPr>
-        <p:txBody>
-          <a:bodyPr/>
-          <a:lstStyle/>
-          <a:p>
-            <a:fld id="{4EF59023-6175-3944-979D-CFE35E3A8267}" type="datetime1">
-              <a:rPr lang="it-IT" smtClean="0"/>
-              <a:t>11/01/22</a:t>
-            </a:fld>
-            <a:endParaRPr lang="en-US" dirty="0"/>
-          </a:p>
-        </p:txBody>
-      </p:sp>
-      <p:sp>
-        <p:nvSpPr>
-          <p:cNvPr id="7" name="Segnaposto piè di pagina 4">
-            <a:extLst>
-              <a:ext uri="{FF2B5EF4-FFF2-40B4-BE49-F238E27FC236}">
-                <a16:creationId xmlns:a16="http://schemas.microsoft.com/office/drawing/2014/main" id="{5C3B2BD7-91A2-CA4F-9DA6-4CE984B6F87C}"/>
-              </a:ext>
-            </a:extLst>
-          </p:cNvPr>
-          <p:cNvSpPr>
-            <a:spLocks noGrp="1"/>
-          </p:cNvSpPr>
-          <p:nvPr>
-            <p:ph type="ftr" sz="quarter" idx="11"/>
-          </p:nvPr>
-        </p:nvSpPr>
-        <p:spPr>
-          <a:xfrm>
-            <a:off x="4038600" y="6356350"/>
-            <a:ext cx="4114800" cy="365125"/>
-          </a:xfrm>
-        </p:spPr>
-        <p:txBody>
-          <a:bodyPr/>
-          <a:lstStyle/>
-          <a:p>
-            <a:r>
-              <a:rPr lang="en-US" dirty="0"/>
-              <a:t>Arianna </a:t>
-            </a:r>
-            <a:r>
-              <a:rPr lang="en-US" dirty="0" err="1"/>
-              <a:t>Gasparri</a:t>
-            </a:r>
-            <a:endParaRPr lang="en-US" dirty="0"/>
-          </a:p>
-        </p:txBody>
-      </p:sp>
-      <p:sp>
-        <p:nvSpPr>
-          <p:cNvPr id="10" name="Segnaposto numero diapositiva 5">
-            <a:extLst>
-              <a:ext uri="{FF2B5EF4-FFF2-40B4-BE49-F238E27FC236}">
-                <a16:creationId xmlns:a16="http://schemas.microsoft.com/office/drawing/2014/main" id="{5568013C-6B52-9D43-B6C2-2654FF7BD98A}"/>
-              </a:ext>
-            </a:extLst>
-          </p:cNvPr>
-          <p:cNvSpPr>
-            <a:spLocks noGrp="1"/>
-          </p:cNvSpPr>
-          <p:nvPr>
-            <p:ph type="sldNum" sz="quarter" idx="12"/>
-          </p:nvPr>
-        </p:nvSpPr>
-        <p:spPr>
-          <a:xfrm>
-            <a:off x="8610600" y="6356350"/>
-            <a:ext cx="2743200" cy="365125"/>
-          </a:xfrm>
-        </p:spPr>
-        <p:txBody>
-          <a:bodyPr/>
-          <a:lstStyle/>
-          <a:p>
-            <a:fld id="{6D22F896-40B5-4ADD-8801-0D06FADFA095}" type="slidenum">
-              <a:rPr lang="en-US" smtClean="0"/>
-              <a:t>38</a:t>
-            </a:fld>
-            <a:endParaRPr lang="en-US" dirty="0"/>
-          </a:p>
-        </p:txBody>
-      </p:sp>
-      <p:pic>
-        <p:nvPicPr>
-          <p:cNvPr id="11" name="Immagine 10">
-            <a:extLst>
-              <a:ext uri="{FF2B5EF4-FFF2-40B4-BE49-F238E27FC236}">
-                <a16:creationId xmlns:a16="http://schemas.microsoft.com/office/drawing/2014/main" id="{E9214F11-0DDC-E448-AFA0-4E2BD04563C4}"/>
-              </a:ext>
-            </a:extLst>
-          </p:cNvPr>
-          <p:cNvPicPr>
-            <a:picLocks noChangeAspect="1"/>
-          </p:cNvPicPr>
-          <p:nvPr/>
-        </p:nvPicPr>
-        <p:blipFill>
-          <a:blip r:embed="rId3" cstate="print">
-            <a:extLst>
-              <a:ext uri="{28A0092B-C50C-407E-A947-70E740481C1C}">
-                <a14:useLocalDpi xmlns:a14="http://schemas.microsoft.com/office/drawing/2010/main" val="0"/>
-              </a:ext>
-            </a:extLst>
-          </a:blip>
-          <a:stretch>
-            <a:fillRect/>
-          </a:stretch>
-        </p:blipFill>
-        <p:spPr>
-          <a:xfrm>
-            <a:off x="241420" y="265431"/>
-            <a:ext cx="571500" cy="518160"/>
-          </a:xfrm>
-          <a:prstGeom prst="rect">
-            <a:avLst/>
-          </a:prstGeom>
-        </p:spPr>
-      </p:pic>
-      <mc:AlternateContent xmlns:mc="http://schemas.openxmlformats.org/markup-compatibility/2006">
-        <mc:Choice xmlns:a14="http://schemas.microsoft.com/office/drawing/2010/main" Requires="a14">
-          <p:sp>
-            <p:nvSpPr>
-              <p:cNvPr id="2" name="CasellaDiTesto 1">
-                <a:extLst>
-                  <a:ext uri="{FF2B5EF4-FFF2-40B4-BE49-F238E27FC236}">
-                    <a16:creationId xmlns:a16="http://schemas.microsoft.com/office/drawing/2014/main" id="{E58ABBA8-CF98-7143-BB35-E847C1F98BEF}"/>
-                  </a:ext>
-                </a:extLst>
-              </p:cNvPr>
-              <p:cNvSpPr txBox="1"/>
-              <p:nvPr/>
-            </p:nvSpPr>
-            <p:spPr>
-              <a:xfrm>
-                <a:off x="3807173" y="1475623"/>
-                <a:ext cx="6860827" cy="2031325"/>
-              </a:xfrm>
-              <a:prstGeom prst="rect">
-                <a:avLst/>
-              </a:prstGeom>
-              <a:noFill/>
-            </p:spPr>
-            <p:txBody>
-              <a:bodyPr wrap="square" rtlCol="0">
-                <a:spAutoFit/>
-              </a:bodyPr>
-              <a:lstStyle/>
-              <a:p>
-                <a:pPr algn="ctr"/>
-                <a:r>
-                  <a:rPr lang="it-IT" dirty="0"/>
-                  <a:t>Per la scelta effettuata della funzione di uscita il rango della matrice </a:t>
-                </a:r>
-                <a14:m>
-                  <m:oMath xmlns:m="http://schemas.openxmlformats.org/officeDocument/2006/math">
-                    <m:r>
-                      <m:rPr>
-                        <m:sty m:val="p"/>
-                      </m:rPr>
-                      <a:rPr lang="it-IT" i="0">
-                        <a:latin typeface="Cambria Math" panose="02040503050406030204" pitchFamily="18" charset="0"/>
-                      </a:rPr>
-                      <m:t>dO</m:t>
-                    </m:r>
-                  </m:oMath>
-                </a14:m>
-                <a:r>
-                  <a:rPr lang="it-IT" dirty="0"/>
-                  <a:t> risulta essere pari a 3 ,</a:t>
-                </a:r>
-              </a:p>
-              <a:p>
-                <a:pPr algn="ctr"/>
-                <a:r>
-                  <a:rPr lang="it-IT" dirty="0"/>
-                  <a:t>è quindi possibile concludere che il sistema NON sia localmente osservabile,</a:t>
-                </a:r>
-              </a:p>
-              <a:p>
-                <a:pPr algn="ctr"/>
-                <a:r>
-                  <a:rPr lang="it-IT" dirty="0"/>
-                  <a:t>si riporta di seguito la matrice calcolata, nella quale è riportato un * in corrispondenza degli elementi non nulli</a:t>
-                </a:r>
-              </a:p>
-              <a:p>
-                <a:pPr algn="ctr"/>
-                <a:r>
-                  <a:rPr lang="it-IT" dirty="0"/>
-                  <a:t>e dalla quale sono state eliminate le righe completamente nulle:</a:t>
-                </a:r>
-              </a:p>
-            </p:txBody>
-          </p:sp>
-        </mc:Choice>
-        <mc:Fallback>
-          <p:sp>
-            <p:nvSpPr>
-              <p:cNvPr id="2" name="CasellaDiTesto 1">
-                <a:extLst>
-                  <a:ext uri="{FF2B5EF4-FFF2-40B4-BE49-F238E27FC236}">
-                    <a16:creationId xmlns:a16="http://schemas.microsoft.com/office/drawing/2014/main" id="{E58ABBA8-CF98-7143-BB35-E847C1F98BEF}"/>
-                  </a:ext>
-                </a:extLst>
-              </p:cNvPr>
-              <p:cNvSpPr txBox="1">
-                <a:spLocks noRot="1" noChangeAspect="1" noMove="1" noResize="1" noEditPoints="1" noAdjustHandles="1" noChangeArrowheads="1" noChangeShapeType="1" noTextEdit="1"/>
-              </p:cNvSpPr>
-              <p:nvPr/>
-            </p:nvSpPr>
-            <p:spPr>
-              <a:xfrm>
-                <a:off x="3807173" y="1475623"/>
-                <a:ext cx="6860827" cy="2031325"/>
-              </a:xfrm>
-              <a:prstGeom prst="rect">
-                <a:avLst/>
-              </a:prstGeom>
-              <a:blipFill>
-                <a:blip r:embed="rId4"/>
-                <a:stretch>
-                  <a:fillRect l="-185" t="-621" b="-3727"/>
-                </a:stretch>
-              </a:blipFill>
-            </p:spPr>
-            <p:txBody>
-              <a:bodyPr/>
-              <a:lstStyle/>
-              <a:p>
-                <a:r>
-                  <a:rPr lang="it-IT">
-                    <a:noFill/>
-                  </a:rPr>
-                  <a:t> </a:t>
-                </a:r>
-              </a:p>
-            </p:txBody>
-          </p:sp>
-        </mc:Fallback>
-      </mc:AlternateContent>
-      <p:pic>
-        <p:nvPicPr>
-          <p:cNvPr id="4" name="Immagine 3">
-            <a:extLst>
-              <a:ext uri="{FF2B5EF4-FFF2-40B4-BE49-F238E27FC236}">
-                <a16:creationId xmlns:a16="http://schemas.microsoft.com/office/drawing/2014/main" id="{4C1EF7F2-EB83-F147-B4E7-DA2FA102762A}"/>
-              </a:ext>
-            </a:extLst>
-          </p:cNvPr>
-          <p:cNvPicPr>
-            <a:picLocks noChangeAspect="1"/>
-          </p:cNvPicPr>
-          <p:nvPr/>
-        </p:nvPicPr>
-        <p:blipFill>
-          <a:blip r:embed="rId5"/>
-          <a:stretch>
-            <a:fillRect/>
-          </a:stretch>
-        </p:blipFill>
-        <p:spPr>
-          <a:xfrm>
-            <a:off x="6170786" y="3506948"/>
-            <a:ext cx="2133600" cy="1130300"/>
-          </a:xfrm>
-          <a:prstGeom prst="rect">
-            <a:avLst/>
-          </a:prstGeom>
-        </p:spPr>
-      </p:pic>
-      <p:sp>
-        <p:nvSpPr>
-          <p:cNvPr id="13" name="CasellaDiTesto 12">
-            <a:extLst>
-              <a:ext uri="{FF2B5EF4-FFF2-40B4-BE49-F238E27FC236}">
-                <a16:creationId xmlns:a16="http://schemas.microsoft.com/office/drawing/2014/main" id="{75C27FB8-2EAE-5E43-BD5E-E6F38CAB48E9}"/>
-              </a:ext>
-            </a:extLst>
-          </p:cNvPr>
-          <p:cNvSpPr txBox="1"/>
-          <p:nvPr/>
-        </p:nvSpPr>
-        <p:spPr>
-          <a:xfrm>
-            <a:off x="1714031" y="4637248"/>
-            <a:ext cx="8953970" cy="646331"/>
-          </a:xfrm>
-          <a:prstGeom prst="rect">
-            <a:avLst/>
-          </a:prstGeom>
-          <a:noFill/>
-        </p:spPr>
-        <p:txBody>
-          <a:bodyPr wrap="square" rtlCol="0">
-            <a:spAutoFit/>
-          </a:bodyPr>
-          <a:lstStyle/>
-          <a:p>
-            <a:pPr algn="ctr"/>
-            <a:r>
-              <a:rPr lang="it-IT" dirty="0"/>
-              <a:t>Risulta di immediato come il rango della matrice non possa essere pieno, in quanto questa presenta una colonna interamente nulla.</a:t>
-            </a:r>
-          </a:p>
-        </p:txBody>
-      </p:sp>
-    </p:spTree>
-    <p:extLst>
-      <p:ext uri="{BB962C8B-B14F-4D97-AF65-F5344CB8AC3E}">
-        <p14:creationId xmlns:p14="http://schemas.microsoft.com/office/powerpoint/2010/main" val="1954747474"/>
-      </p:ext>
-    </p:extLst>
-  </p:cSld>
-  <p:clrMapOvr>
-    <a:masterClrMapping/>
-  </p:clrMapOvr>
-</p:sld>
-</file>
-
-<file path=ppt/slides/slide39.xml><?xml version="1.0" encoding="utf-8"?>
-<p:sld xmlns:a="http://schemas.openxmlformats.org/drawingml/2006/main" xmlns:r="http://schemas.openxmlformats.org/officeDocument/2006/relationships" xmlns:p="http://schemas.openxmlformats.org/presentationml/2006/main">
-  <p:cSld>
-    <p:spTree>
-      <p:nvGrpSpPr>
-        <p:cNvPr id="1" name=""/>
-        <p:cNvGrpSpPr/>
-        <p:nvPr/>
-      </p:nvGrpSpPr>
-      <p:grpSpPr>
-        <a:xfrm>
-          <a:off x="0" y="0"/>
-          <a:ext cx="0" cy="0"/>
-          <a:chOff x="0" y="0"/>
-          <a:chExt cx="0" cy="0"/>
-        </a:xfrm>
-      </p:grpSpPr>
-      <p:sp>
-        <p:nvSpPr>
-          <p:cNvPr id="8" name="Titolo 1">
-            <a:extLst>
-              <a:ext uri="{FF2B5EF4-FFF2-40B4-BE49-F238E27FC236}">
-                <a16:creationId xmlns:a16="http://schemas.microsoft.com/office/drawing/2014/main" id="{E8EDF0BB-0558-644B-BB96-58C4BD179ABC}"/>
-              </a:ext>
-            </a:extLst>
-          </p:cNvPr>
-          <p:cNvSpPr txBox="1">
-            <a:spLocks/>
-          </p:cNvSpPr>
-          <p:nvPr/>
-        </p:nvSpPr>
-        <p:spPr>
-          <a:xfrm>
-            <a:off x="1524000" y="2729761"/>
-            <a:ext cx="9144000" cy="1021230"/>
-          </a:xfrm>
-          <a:prstGeom prst="rect">
-            <a:avLst/>
-          </a:prstGeom>
-        </p:spPr>
-        <p:txBody>
-          <a:bodyPr vert="horz" lIns="91440" tIns="45720" rIns="91440" bIns="45720" rtlCol="0" anchor="ctr">
-            <a:normAutofit/>
-          </a:bodyPr>
-          <a:lstStyle>
-            <a:lvl1pPr algn="l" defTabSz="914400" rtl="0" eaLnBrk="1" latinLnBrk="0" hangingPunct="1">
-              <a:lnSpc>
-                <a:spcPct val="90000"/>
-              </a:lnSpc>
-              <a:spcBef>
-                <a:spcPct val="0"/>
-              </a:spcBef>
-              <a:buNone/>
-              <a:defRPr sz="4400" kern="1200">
-                <a:solidFill>
-                  <a:schemeClr val="tx1"/>
-                </a:solidFill>
-                <a:latin typeface="+mj-lt"/>
-                <a:ea typeface="+mj-ea"/>
-                <a:cs typeface="+mj-cs"/>
-              </a:defRPr>
-            </a:lvl1pPr>
-          </a:lstStyle>
-          <a:p>
-            <a:pPr algn="ctr"/>
-            <a:r>
-              <a:rPr lang="it-IT" dirty="0"/>
-              <a:t>Grazie </a:t>
-            </a:r>
-            <a:r>
-              <a:rPr lang="it-IT"/>
-              <a:t>per l’attenzione.</a:t>
-            </a:r>
-            <a:endParaRPr lang="it-IT" dirty="0"/>
-          </a:p>
-        </p:txBody>
-      </p:sp>
-      <p:sp>
-        <p:nvSpPr>
-          <p:cNvPr id="5" name="Segnaposto data 3">
-            <a:extLst>
-              <a:ext uri="{FF2B5EF4-FFF2-40B4-BE49-F238E27FC236}">
-                <a16:creationId xmlns:a16="http://schemas.microsoft.com/office/drawing/2014/main" id="{10832284-2AF9-D442-A2BC-3A4C6C544DF0}"/>
-              </a:ext>
-            </a:extLst>
-          </p:cNvPr>
-          <p:cNvSpPr>
-            <a:spLocks noGrp="1"/>
-          </p:cNvSpPr>
-          <p:nvPr>
-            <p:ph type="dt" sz="half" idx="10"/>
-          </p:nvPr>
-        </p:nvSpPr>
-        <p:spPr>
-          <a:xfrm>
-            <a:off x="838200" y="6356350"/>
-            <a:ext cx="2743200" cy="365125"/>
-          </a:xfrm>
-        </p:spPr>
-        <p:txBody>
-          <a:bodyPr/>
-          <a:lstStyle/>
-          <a:p>
-            <a:fld id="{4EF59023-6175-3944-979D-CFE35E3A8267}" type="datetime1">
-              <a:rPr lang="it-IT" smtClean="0"/>
-              <a:t>11/01/22</a:t>
-            </a:fld>
-            <a:endParaRPr lang="en-US" dirty="0"/>
-          </a:p>
-        </p:txBody>
-      </p:sp>
-      <p:sp>
-        <p:nvSpPr>
-          <p:cNvPr id="7" name="Segnaposto piè di pagina 4">
-            <a:extLst>
-              <a:ext uri="{FF2B5EF4-FFF2-40B4-BE49-F238E27FC236}">
-                <a16:creationId xmlns:a16="http://schemas.microsoft.com/office/drawing/2014/main" id="{5C3B2BD7-91A2-CA4F-9DA6-4CE984B6F87C}"/>
-              </a:ext>
-            </a:extLst>
-          </p:cNvPr>
-          <p:cNvSpPr>
-            <a:spLocks noGrp="1"/>
-          </p:cNvSpPr>
-          <p:nvPr>
-            <p:ph type="ftr" sz="quarter" idx="11"/>
-          </p:nvPr>
-        </p:nvSpPr>
-        <p:spPr>
-          <a:xfrm>
-            <a:off x="4038600" y="6356350"/>
-            <a:ext cx="4114800" cy="365125"/>
-          </a:xfrm>
-        </p:spPr>
-        <p:txBody>
-          <a:bodyPr/>
-          <a:lstStyle/>
-          <a:p>
-            <a:r>
-              <a:rPr lang="en-US" dirty="0"/>
-              <a:t>Arianna </a:t>
-            </a:r>
-            <a:r>
-              <a:rPr lang="en-US" dirty="0" err="1"/>
-              <a:t>Gasparri</a:t>
-            </a:r>
-            <a:endParaRPr lang="en-US" dirty="0"/>
-          </a:p>
-        </p:txBody>
-      </p:sp>
-      <p:sp>
-        <p:nvSpPr>
-          <p:cNvPr id="10" name="Segnaposto numero diapositiva 5">
-            <a:extLst>
-              <a:ext uri="{FF2B5EF4-FFF2-40B4-BE49-F238E27FC236}">
-                <a16:creationId xmlns:a16="http://schemas.microsoft.com/office/drawing/2014/main" id="{5568013C-6B52-9D43-B6C2-2654FF7BD98A}"/>
-              </a:ext>
-            </a:extLst>
-          </p:cNvPr>
-          <p:cNvSpPr>
-            <a:spLocks noGrp="1"/>
-          </p:cNvSpPr>
-          <p:nvPr>
-            <p:ph type="sldNum" sz="quarter" idx="12"/>
-          </p:nvPr>
-        </p:nvSpPr>
-        <p:spPr>
-          <a:xfrm>
-            <a:off x="8610600" y="6356350"/>
-            <a:ext cx="2743200" cy="365125"/>
-          </a:xfrm>
-        </p:spPr>
-        <p:txBody>
-          <a:bodyPr/>
-          <a:lstStyle/>
-          <a:p>
-            <a:fld id="{6D22F896-40B5-4ADD-8801-0D06FADFA095}" type="slidenum">
-              <a:rPr lang="en-US" smtClean="0"/>
-              <a:t>39</a:t>
-            </a:fld>
-            <a:endParaRPr lang="en-US" dirty="0"/>
-          </a:p>
-        </p:txBody>
-      </p:sp>
-      <p:pic>
-        <p:nvPicPr>
-          <p:cNvPr id="11" name="Immagine 10">
-            <a:extLst>
-              <a:ext uri="{FF2B5EF4-FFF2-40B4-BE49-F238E27FC236}">
-                <a16:creationId xmlns:a16="http://schemas.microsoft.com/office/drawing/2014/main" id="{E9214F11-0DDC-E448-AFA0-4E2BD04563C4}"/>
-              </a:ext>
-            </a:extLst>
-          </p:cNvPr>
-          <p:cNvPicPr>
-            <a:picLocks noChangeAspect="1"/>
-          </p:cNvPicPr>
-          <p:nvPr/>
-        </p:nvPicPr>
-        <p:blipFill>
-          <a:blip r:embed="rId2" cstate="print">
-            <a:extLst>
-              <a:ext uri="{28A0092B-C50C-407E-A947-70E740481C1C}">
-                <a14:useLocalDpi xmlns:a14="http://schemas.microsoft.com/office/drawing/2010/main" val="0"/>
-              </a:ext>
-            </a:extLst>
-          </a:blip>
-          <a:stretch>
-            <a:fillRect/>
-          </a:stretch>
-        </p:blipFill>
-        <p:spPr>
-          <a:xfrm>
-            <a:off x="241420" y="265431"/>
-            <a:ext cx="571500" cy="518160"/>
-          </a:xfrm>
-          <a:prstGeom prst="rect">
-            <a:avLst/>
-          </a:prstGeom>
-        </p:spPr>
-      </p:pic>
-    </p:spTree>
-    <p:extLst>
-      <p:ext uri="{BB962C8B-B14F-4D97-AF65-F5344CB8AC3E}">
-        <p14:creationId xmlns:p14="http://schemas.microsoft.com/office/powerpoint/2010/main" val="3346227278"/>
       </p:ext>
     </p:extLst>
   </p:cSld>
@@ -20949,7 +21355,7 @@
           <a:p>
             <a:fld id="{4EF59023-6175-3944-979D-CFE35E3A8267}" type="datetime1">
               <a:rPr lang="it-IT" smtClean="0"/>
-              <a:t>08/01/22</a:t>
+              <a:t>28/01/2022</a:t>
             </a:fld>
             <a:endParaRPr lang="en-US" dirty="0"/>
           </a:p>
@@ -21063,6 +21469,683 @@
     <p:extLst>
       <p:ext uri="{BB962C8B-B14F-4D97-AF65-F5344CB8AC3E}">
         <p14:creationId xmlns:p14="http://schemas.microsoft.com/office/powerpoint/2010/main" val="2254414322"/>
+      </p:ext>
+    </p:extLst>
+  </p:cSld>
+  <p:clrMapOvr>
+    <a:masterClrMapping/>
+  </p:clrMapOvr>
+</p:sld>
+</file>
+
+<file path=ppt/slides/slide40.xml><?xml version="1.0" encoding="utf-8"?>
+<p:sld xmlns:a="http://schemas.openxmlformats.org/drawingml/2006/main" xmlns:r="http://schemas.openxmlformats.org/officeDocument/2006/relationships" xmlns:p="http://schemas.openxmlformats.org/presentationml/2006/main">
+  <p:cSld>
+    <p:spTree>
+      <p:nvGrpSpPr>
+        <p:cNvPr id="1" name=""/>
+        <p:cNvGrpSpPr/>
+        <p:nvPr/>
+      </p:nvGrpSpPr>
+      <p:grpSpPr>
+        <a:xfrm>
+          <a:off x="0" y="0"/>
+          <a:ext cx="0" cy="0"/>
+          <a:chOff x="0" y="0"/>
+          <a:chExt cx="0" cy="0"/>
+        </a:xfrm>
+      </p:grpSpPr>
+      <p:sp>
+        <p:nvSpPr>
+          <p:cNvPr id="8" name="Titolo 1">
+            <a:extLst>
+              <a:ext uri="{FF2B5EF4-FFF2-40B4-BE49-F238E27FC236}">
+                <a16:creationId xmlns:a16="http://schemas.microsoft.com/office/drawing/2014/main" id="{E8EDF0BB-0558-644B-BB96-58C4BD179ABC}"/>
+              </a:ext>
+            </a:extLst>
+          </p:cNvPr>
+          <p:cNvSpPr txBox="1">
+            <a:spLocks/>
+          </p:cNvSpPr>
+          <p:nvPr/>
+        </p:nvSpPr>
+        <p:spPr>
+          <a:xfrm>
+            <a:off x="1524000" y="454393"/>
+            <a:ext cx="9144000" cy="1021230"/>
+          </a:xfrm>
+          <a:prstGeom prst="rect">
+            <a:avLst/>
+          </a:prstGeom>
+        </p:spPr>
+        <p:txBody>
+          <a:bodyPr vert="horz" lIns="91440" tIns="45720" rIns="91440" bIns="45720" rtlCol="0" anchor="ctr">
+            <a:normAutofit/>
+          </a:bodyPr>
+          <a:lstStyle>
+            <a:lvl1pPr algn="l" defTabSz="914400" rtl="0" eaLnBrk="1" latinLnBrk="0" hangingPunct="1">
+              <a:lnSpc>
+                <a:spcPct val="90000"/>
+              </a:lnSpc>
+              <a:spcBef>
+                <a:spcPct val="0"/>
+              </a:spcBef>
+              <a:buNone/>
+              <a:defRPr sz="4400" kern="1200">
+                <a:solidFill>
+                  <a:schemeClr val="tx1"/>
+                </a:solidFill>
+                <a:latin typeface="+mj-lt"/>
+                <a:ea typeface="+mj-ea"/>
+                <a:cs typeface="+mj-cs"/>
+              </a:defRPr>
+            </a:lvl1pPr>
+          </a:lstStyle>
+          <a:p>
+            <a:pPr algn="ctr"/>
+            <a:r>
+              <a:rPr lang="it-IT" dirty="0"/>
+              <a:t>Gantry crane</a:t>
+            </a:r>
+          </a:p>
+        </p:txBody>
+      </p:sp>
+      <p:pic>
+        <p:nvPicPr>
+          <p:cNvPr id="6" name="Immagine 5">
+            <a:extLst>
+              <a:ext uri="{FF2B5EF4-FFF2-40B4-BE49-F238E27FC236}">
+                <a16:creationId xmlns:a16="http://schemas.microsoft.com/office/drawing/2014/main" id="{E6250F99-85E5-234E-8497-D887077950D0}"/>
+              </a:ext>
+            </a:extLst>
+          </p:cNvPr>
+          <p:cNvPicPr>
+            <a:picLocks noChangeAspect="1"/>
+          </p:cNvPicPr>
+          <p:nvPr/>
+        </p:nvPicPr>
+        <p:blipFill>
+          <a:blip r:embed="rId2"/>
+          <a:stretch>
+            <a:fillRect/>
+          </a:stretch>
+        </p:blipFill>
+        <p:spPr>
+          <a:xfrm>
+            <a:off x="1714030" y="1475623"/>
+            <a:ext cx="2093143" cy="1332000"/>
+          </a:xfrm>
+          <a:prstGeom prst="rect">
+            <a:avLst/>
+          </a:prstGeom>
+        </p:spPr>
+      </p:pic>
+      <p:sp>
+        <p:nvSpPr>
+          <p:cNvPr id="5" name="Segnaposto data 3">
+            <a:extLst>
+              <a:ext uri="{FF2B5EF4-FFF2-40B4-BE49-F238E27FC236}">
+                <a16:creationId xmlns:a16="http://schemas.microsoft.com/office/drawing/2014/main" id="{10832284-2AF9-D442-A2BC-3A4C6C544DF0}"/>
+              </a:ext>
+            </a:extLst>
+          </p:cNvPr>
+          <p:cNvSpPr>
+            <a:spLocks noGrp="1"/>
+          </p:cNvSpPr>
+          <p:nvPr>
+            <p:ph type="dt" sz="half" idx="10"/>
+          </p:nvPr>
+        </p:nvSpPr>
+        <p:spPr>
+          <a:xfrm>
+            <a:off x="838200" y="6356350"/>
+            <a:ext cx="2743200" cy="365125"/>
+          </a:xfrm>
+        </p:spPr>
+        <p:txBody>
+          <a:bodyPr/>
+          <a:lstStyle/>
+          <a:p>
+            <a:fld id="{4EF59023-6175-3944-979D-CFE35E3A8267}" type="datetime1">
+              <a:rPr lang="it-IT" smtClean="0"/>
+              <a:t>28/01/2022</a:t>
+            </a:fld>
+            <a:endParaRPr lang="en-US" dirty="0"/>
+          </a:p>
+        </p:txBody>
+      </p:sp>
+      <p:sp>
+        <p:nvSpPr>
+          <p:cNvPr id="7" name="Segnaposto piè di pagina 4">
+            <a:extLst>
+              <a:ext uri="{FF2B5EF4-FFF2-40B4-BE49-F238E27FC236}">
+                <a16:creationId xmlns:a16="http://schemas.microsoft.com/office/drawing/2014/main" id="{5C3B2BD7-91A2-CA4F-9DA6-4CE984B6F87C}"/>
+              </a:ext>
+            </a:extLst>
+          </p:cNvPr>
+          <p:cNvSpPr>
+            <a:spLocks noGrp="1"/>
+          </p:cNvSpPr>
+          <p:nvPr>
+            <p:ph type="ftr" sz="quarter" idx="11"/>
+          </p:nvPr>
+        </p:nvSpPr>
+        <p:spPr>
+          <a:xfrm>
+            <a:off x="4038600" y="6356350"/>
+            <a:ext cx="4114800" cy="365125"/>
+          </a:xfrm>
+        </p:spPr>
+        <p:txBody>
+          <a:bodyPr/>
+          <a:lstStyle/>
+          <a:p>
+            <a:r>
+              <a:rPr lang="en-US" dirty="0"/>
+              <a:t>Arianna </a:t>
+            </a:r>
+            <a:r>
+              <a:rPr lang="en-US" dirty="0" err="1"/>
+              <a:t>Gasparri</a:t>
+            </a:r>
+            <a:endParaRPr lang="en-US" dirty="0"/>
+          </a:p>
+        </p:txBody>
+      </p:sp>
+      <p:sp>
+        <p:nvSpPr>
+          <p:cNvPr id="10" name="Segnaposto numero diapositiva 5">
+            <a:extLst>
+              <a:ext uri="{FF2B5EF4-FFF2-40B4-BE49-F238E27FC236}">
+                <a16:creationId xmlns:a16="http://schemas.microsoft.com/office/drawing/2014/main" id="{5568013C-6B52-9D43-B6C2-2654FF7BD98A}"/>
+              </a:ext>
+            </a:extLst>
+          </p:cNvPr>
+          <p:cNvSpPr>
+            <a:spLocks noGrp="1"/>
+          </p:cNvSpPr>
+          <p:nvPr>
+            <p:ph type="sldNum" sz="quarter" idx="12"/>
+          </p:nvPr>
+        </p:nvSpPr>
+        <p:spPr>
+          <a:xfrm>
+            <a:off x="8610600" y="6356350"/>
+            <a:ext cx="2743200" cy="365125"/>
+          </a:xfrm>
+        </p:spPr>
+        <p:txBody>
+          <a:bodyPr/>
+          <a:lstStyle/>
+          <a:p>
+            <a:fld id="{6D22F896-40B5-4ADD-8801-0D06FADFA095}" type="slidenum">
+              <a:rPr lang="en-US" smtClean="0"/>
+              <a:t>40</a:t>
+            </a:fld>
+            <a:endParaRPr lang="en-US" dirty="0"/>
+          </a:p>
+        </p:txBody>
+      </p:sp>
+      <p:pic>
+        <p:nvPicPr>
+          <p:cNvPr id="11" name="Immagine 10">
+            <a:extLst>
+              <a:ext uri="{FF2B5EF4-FFF2-40B4-BE49-F238E27FC236}">
+                <a16:creationId xmlns:a16="http://schemas.microsoft.com/office/drawing/2014/main" id="{E9214F11-0DDC-E448-AFA0-4E2BD04563C4}"/>
+              </a:ext>
+            </a:extLst>
+          </p:cNvPr>
+          <p:cNvPicPr>
+            <a:picLocks noChangeAspect="1"/>
+          </p:cNvPicPr>
+          <p:nvPr/>
+        </p:nvPicPr>
+        <p:blipFill>
+          <a:blip r:embed="rId3" cstate="print">
+            <a:extLst>
+              <a:ext uri="{28A0092B-C50C-407E-A947-70E740481C1C}">
+                <a14:useLocalDpi xmlns:a14="http://schemas.microsoft.com/office/drawing/2010/main" val="0"/>
+              </a:ext>
+            </a:extLst>
+          </a:blip>
+          <a:stretch>
+            <a:fillRect/>
+          </a:stretch>
+        </p:blipFill>
+        <p:spPr>
+          <a:xfrm>
+            <a:off x="241420" y="265431"/>
+            <a:ext cx="571500" cy="518160"/>
+          </a:xfrm>
+          <a:prstGeom prst="rect">
+            <a:avLst/>
+          </a:prstGeom>
+        </p:spPr>
+      </p:pic>
+      <mc:AlternateContent xmlns:mc="http://schemas.openxmlformats.org/markup-compatibility/2006" xmlns:a14="http://schemas.microsoft.com/office/drawing/2010/main">
+        <mc:Choice Requires="a14">
+          <p:sp>
+            <p:nvSpPr>
+              <p:cNvPr id="2" name="CasellaDiTesto 1">
+                <a:extLst>
+                  <a:ext uri="{FF2B5EF4-FFF2-40B4-BE49-F238E27FC236}">
+                    <a16:creationId xmlns:a16="http://schemas.microsoft.com/office/drawing/2014/main" id="{E58ABBA8-CF98-7143-BB35-E847C1F98BEF}"/>
+                  </a:ext>
+                </a:extLst>
+              </p:cNvPr>
+              <p:cNvSpPr txBox="1"/>
+              <p:nvPr/>
+            </p:nvSpPr>
+            <p:spPr>
+              <a:xfrm>
+                <a:off x="3807173" y="1475623"/>
+                <a:ext cx="6860827" cy="2031325"/>
+              </a:xfrm>
+              <a:prstGeom prst="rect">
+                <a:avLst/>
+              </a:prstGeom>
+              <a:noFill/>
+            </p:spPr>
+            <p:txBody>
+              <a:bodyPr wrap="square" rtlCol="0">
+                <a:spAutoFit/>
+              </a:bodyPr>
+              <a:lstStyle/>
+              <a:p>
+                <a:pPr algn="ctr"/>
+                <a:r>
+                  <a:rPr lang="it-IT" dirty="0"/>
+                  <a:t>Per la scelta effettuata della funzione di uscita il rango della matrice </a:t>
+                </a:r>
+                <a14:m>
+                  <m:oMath xmlns:m="http://schemas.openxmlformats.org/officeDocument/2006/math">
+                    <m:r>
+                      <m:rPr>
+                        <m:sty m:val="p"/>
+                      </m:rPr>
+                      <a:rPr lang="it-IT" i="0">
+                        <a:latin typeface="Cambria Math" panose="02040503050406030204" pitchFamily="18" charset="0"/>
+                      </a:rPr>
+                      <m:t>dO</m:t>
+                    </m:r>
+                  </m:oMath>
+                </a14:m>
+                <a:r>
+                  <a:rPr lang="it-IT" dirty="0"/>
+                  <a:t> risulta essere pari a 3 ,</a:t>
+                </a:r>
+              </a:p>
+              <a:p>
+                <a:pPr algn="ctr"/>
+                <a:r>
+                  <a:rPr lang="it-IT" dirty="0"/>
+                  <a:t>è quindi possibile concludere che il sistema NON sia localmente osservabile,</a:t>
+                </a:r>
+              </a:p>
+              <a:p>
+                <a:pPr algn="ctr"/>
+                <a:r>
+                  <a:rPr lang="it-IT" dirty="0"/>
+                  <a:t>si riporta di seguito la matrice calcolata, nella quale è riportato un * in corrispondenza degli elementi non nulli</a:t>
+                </a:r>
+              </a:p>
+              <a:p>
+                <a:pPr algn="ctr"/>
+                <a:r>
+                  <a:rPr lang="it-IT" dirty="0"/>
+                  <a:t>e dalla quale sono state eliminate le righe completamente nulle:</a:t>
+                </a:r>
+              </a:p>
+            </p:txBody>
+          </p:sp>
+        </mc:Choice>
+        <mc:Fallback xmlns="">
+          <p:sp>
+            <p:nvSpPr>
+              <p:cNvPr id="2" name="CasellaDiTesto 1">
+                <a:extLst>
+                  <a:ext uri="{FF2B5EF4-FFF2-40B4-BE49-F238E27FC236}">
+                    <a16:creationId xmlns:a16="http://schemas.microsoft.com/office/drawing/2014/main" id="{E58ABBA8-CF98-7143-BB35-E847C1F98BEF}"/>
+                  </a:ext>
+                </a:extLst>
+              </p:cNvPr>
+              <p:cNvSpPr txBox="1">
+                <a:spLocks noRot="1" noChangeAspect="1" noMove="1" noResize="1" noEditPoints="1" noAdjustHandles="1" noChangeArrowheads="1" noChangeShapeType="1" noTextEdit="1"/>
+              </p:cNvSpPr>
+              <p:nvPr/>
+            </p:nvSpPr>
+            <p:spPr>
+              <a:xfrm>
+                <a:off x="3807173" y="1475623"/>
+                <a:ext cx="6860827" cy="2031325"/>
+              </a:xfrm>
+              <a:prstGeom prst="rect">
+                <a:avLst/>
+              </a:prstGeom>
+              <a:blipFill>
+                <a:blip r:embed="rId4"/>
+                <a:stretch>
+                  <a:fillRect l="-185" t="-621" b="-3727"/>
+                </a:stretch>
+              </a:blipFill>
+            </p:spPr>
+            <p:txBody>
+              <a:bodyPr/>
+              <a:lstStyle/>
+              <a:p>
+                <a:r>
+                  <a:rPr lang="it-IT">
+                    <a:noFill/>
+                  </a:rPr>
+                  <a:t> </a:t>
+                </a:r>
+              </a:p>
+            </p:txBody>
+          </p:sp>
+        </mc:Fallback>
+      </mc:AlternateContent>
+      <p:pic>
+        <p:nvPicPr>
+          <p:cNvPr id="4" name="Immagine 3">
+            <a:extLst>
+              <a:ext uri="{FF2B5EF4-FFF2-40B4-BE49-F238E27FC236}">
+                <a16:creationId xmlns:a16="http://schemas.microsoft.com/office/drawing/2014/main" id="{4C1EF7F2-EB83-F147-B4E7-DA2FA102762A}"/>
+              </a:ext>
+            </a:extLst>
+          </p:cNvPr>
+          <p:cNvPicPr>
+            <a:picLocks noChangeAspect="1"/>
+          </p:cNvPicPr>
+          <p:nvPr/>
+        </p:nvPicPr>
+        <p:blipFill>
+          <a:blip r:embed="rId5"/>
+          <a:stretch>
+            <a:fillRect/>
+          </a:stretch>
+        </p:blipFill>
+        <p:spPr>
+          <a:xfrm>
+            <a:off x="6170786" y="3506948"/>
+            <a:ext cx="2133600" cy="1130300"/>
+          </a:xfrm>
+          <a:prstGeom prst="rect">
+            <a:avLst/>
+          </a:prstGeom>
+        </p:spPr>
+      </p:pic>
+      <p:sp>
+        <p:nvSpPr>
+          <p:cNvPr id="13" name="CasellaDiTesto 12">
+            <a:extLst>
+              <a:ext uri="{FF2B5EF4-FFF2-40B4-BE49-F238E27FC236}">
+                <a16:creationId xmlns:a16="http://schemas.microsoft.com/office/drawing/2014/main" id="{75C27FB8-2EAE-5E43-BD5E-E6F38CAB48E9}"/>
+              </a:ext>
+            </a:extLst>
+          </p:cNvPr>
+          <p:cNvSpPr txBox="1"/>
+          <p:nvPr/>
+        </p:nvSpPr>
+        <p:spPr>
+          <a:xfrm>
+            <a:off x="1714031" y="4637248"/>
+            <a:ext cx="8953970" cy="646331"/>
+          </a:xfrm>
+          <a:prstGeom prst="rect">
+            <a:avLst/>
+          </a:prstGeom>
+          <a:noFill/>
+        </p:spPr>
+        <p:txBody>
+          <a:bodyPr wrap="square" rtlCol="0">
+            <a:spAutoFit/>
+          </a:bodyPr>
+          <a:lstStyle/>
+          <a:p>
+            <a:pPr algn="ctr"/>
+            <a:r>
+              <a:rPr lang="it-IT" dirty="0"/>
+              <a:t>Risulta di immediato come il rango della matrice non possa essere pieno, in quanto questa presenta una colonna interamente nulla.</a:t>
+            </a:r>
+          </a:p>
+        </p:txBody>
+      </p:sp>
+    </p:spTree>
+    <p:extLst>
+      <p:ext uri="{BB962C8B-B14F-4D97-AF65-F5344CB8AC3E}">
+        <p14:creationId xmlns:p14="http://schemas.microsoft.com/office/powerpoint/2010/main" val="1954747474"/>
+      </p:ext>
+    </p:extLst>
+  </p:cSld>
+  <p:clrMapOvr>
+    <a:masterClrMapping/>
+  </p:clrMapOvr>
+</p:sld>
+</file>
+
+<file path=ppt/slides/slide41.xml><?xml version="1.0" encoding="utf-8"?>
+<p:sld xmlns:a="http://schemas.openxmlformats.org/drawingml/2006/main" xmlns:r="http://schemas.openxmlformats.org/officeDocument/2006/relationships" xmlns:p="http://schemas.openxmlformats.org/presentationml/2006/main">
+  <p:cSld>
+    <p:spTree>
+      <p:nvGrpSpPr>
+        <p:cNvPr id="1" name=""/>
+        <p:cNvGrpSpPr/>
+        <p:nvPr/>
+      </p:nvGrpSpPr>
+      <p:grpSpPr>
+        <a:xfrm>
+          <a:off x="0" y="0"/>
+          <a:ext cx="0" cy="0"/>
+          <a:chOff x="0" y="0"/>
+          <a:chExt cx="0" cy="0"/>
+        </a:xfrm>
+      </p:grpSpPr>
+      <p:sp>
+        <p:nvSpPr>
+          <p:cNvPr id="8" name="Titolo 1">
+            <a:extLst>
+              <a:ext uri="{FF2B5EF4-FFF2-40B4-BE49-F238E27FC236}">
+                <a16:creationId xmlns:a16="http://schemas.microsoft.com/office/drawing/2014/main" id="{E8EDF0BB-0558-644B-BB96-58C4BD179ABC}"/>
+              </a:ext>
+            </a:extLst>
+          </p:cNvPr>
+          <p:cNvSpPr txBox="1">
+            <a:spLocks/>
+          </p:cNvSpPr>
+          <p:nvPr/>
+        </p:nvSpPr>
+        <p:spPr>
+          <a:xfrm>
+            <a:off x="1524000" y="2729761"/>
+            <a:ext cx="9144000" cy="1021230"/>
+          </a:xfrm>
+          <a:prstGeom prst="rect">
+            <a:avLst/>
+          </a:prstGeom>
+        </p:spPr>
+        <p:txBody>
+          <a:bodyPr vert="horz" lIns="91440" tIns="45720" rIns="91440" bIns="45720" rtlCol="0" anchor="ctr">
+            <a:normAutofit/>
+          </a:bodyPr>
+          <a:lstStyle>
+            <a:lvl1pPr algn="l" defTabSz="914400" rtl="0" eaLnBrk="1" latinLnBrk="0" hangingPunct="1">
+              <a:lnSpc>
+                <a:spcPct val="90000"/>
+              </a:lnSpc>
+              <a:spcBef>
+                <a:spcPct val="0"/>
+              </a:spcBef>
+              <a:buNone/>
+              <a:defRPr sz="4400" kern="1200">
+                <a:solidFill>
+                  <a:schemeClr val="tx1"/>
+                </a:solidFill>
+                <a:latin typeface="+mj-lt"/>
+                <a:ea typeface="+mj-ea"/>
+                <a:cs typeface="+mj-cs"/>
+              </a:defRPr>
+            </a:lvl1pPr>
+          </a:lstStyle>
+          <a:p>
+            <a:pPr algn="ctr"/>
+            <a:r>
+              <a:rPr lang="it-IT" dirty="0"/>
+              <a:t>Grazie </a:t>
+            </a:r>
+            <a:r>
+              <a:rPr lang="it-IT"/>
+              <a:t>per l’attenzione.</a:t>
+            </a:r>
+            <a:endParaRPr lang="it-IT" dirty="0"/>
+          </a:p>
+        </p:txBody>
+      </p:sp>
+      <p:sp>
+        <p:nvSpPr>
+          <p:cNvPr id="5" name="Segnaposto data 3">
+            <a:extLst>
+              <a:ext uri="{FF2B5EF4-FFF2-40B4-BE49-F238E27FC236}">
+                <a16:creationId xmlns:a16="http://schemas.microsoft.com/office/drawing/2014/main" id="{10832284-2AF9-D442-A2BC-3A4C6C544DF0}"/>
+              </a:ext>
+            </a:extLst>
+          </p:cNvPr>
+          <p:cNvSpPr>
+            <a:spLocks noGrp="1"/>
+          </p:cNvSpPr>
+          <p:nvPr>
+            <p:ph type="dt" sz="half" idx="10"/>
+          </p:nvPr>
+        </p:nvSpPr>
+        <p:spPr>
+          <a:xfrm>
+            <a:off x="838200" y="6356350"/>
+            <a:ext cx="2743200" cy="365125"/>
+          </a:xfrm>
+        </p:spPr>
+        <p:txBody>
+          <a:bodyPr/>
+          <a:lstStyle/>
+          <a:p>
+            <a:fld id="{4EF59023-6175-3944-979D-CFE35E3A8267}" type="datetime1">
+              <a:rPr lang="it-IT" smtClean="0"/>
+              <a:t>28/01/2022</a:t>
+            </a:fld>
+            <a:endParaRPr lang="en-US" dirty="0"/>
+          </a:p>
+        </p:txBody>
+      </p:sp>
+      <p:sp>
+        <p:nvSpPr>
+          <p:cNvPr id="7" name="Segnaposto piè di pagina 4">
+            <a:extLst>
+              <a:ext uri="{FF2B5EF4-FFF2-40B4-BE49-F238E27FC236}">
+                <a16:creationId xmlns:a16="http://schemas.microsoft.com/office/drawing/2014/main" id="{5C3B2BD7-91A2-CA4F-9DA6-4CE984B6F87C}"/>
+              </a:ext>
+            </a:extLst>
+          </p:cNvPr>
+          <p:cNvSpPr>
+            <a:spLocks noGrp="1"/>
+          </p:cNvSpPr>
+          <p:nvPr>
+            <p:ph type="ftr" sz="quarter" idx="11"/>
+          </p:nvPr>
+        </p:nvSpPr>
+        <p:spPr>
+          <a:xfrm>
+            <a:off x="4038600" y="6356350"/>
+            <a:ext cx="4114800" cy="365125"/>
+          </a:xfrm>
+        </p:spPr>
+        <p:txBody>
+          <a:bodyPr/>
+          <a:lstStyle/>
+          <a:p>
+            <a:r>
+              <a:rPr lang="en-US" dirty="0"/>
+              <a:t>Arianna </a:t>
+            </a:r>
+            <a:r>
+              <a:rPr lang="en-US" dirty="0" err="1"/>
+              <a:t>Gasparri</a:t>
+            </a:r>
+            <a:endParaRPr lang="en-US" dirty="0"/>
+          </a:p>
+        </p:txBody>
+      </p:sp>
+      <p:sp>
+        <p:nvSpPr>
+          <p:cNvPr id="10" name="Segnaposto numero diapositiva 5">
+            <a:extLst>
+              <a:ext uri="{FF2B5EF4-FFF2-40B4-BE49-F238E27FC236}">
+                <a16:creationId xmlns:a16="http://schemas.microsoft.com/office/drawing/2014/main" id="{5568013C-6B52-9D43-B6C2-2654FF7BD98A}"/>
+              </a:ext>
+            </a:extLst>
+          </p:cNvPr>
+          <p:cNvSpPr>
+            <a:spLocks noGrp="1"/>
+          </p:cNvSpPr>
+          <p:nvPr>
+            <p:ph type="sldNum" sz="quarter" idx="12"/>
+          </p:nvPr>
+        </p:nvSpPr>
+        <p:spPr>
+          <a:xfrm>
+            <a:off x="8610600" y="6356350"/>
+            <a:ext cx="2743200" cy="365125"/>
+          </a:xfrm>
+        </p:spPr>
+        <p:txBody>
+          <a:bodyPr/>
+          <a:lstStyle/>
+          <a:p>
+            <a:fld id="{6D22F896-40B5-4ADD-8801-0D06FADFA095}" type="slidenum">
+              <a:rPr lang="en-US" smtClean="0"/>
+              <a:t>41</a:t>
+            </a:fld>
+            <a:endParaRPr lang="en-US" dirty="0"/>
+          </a:p>
+        </p:txBody>
+      </p:sp>
+      <p:pic>
+        <p:nvPicPr>
+          <p:cNvPr id="11" name="Immagine 10">
+            <a:extLst>
+              <a:ext uri="{FF2B5EF4-FFF2-40B4-BE49-F238E27FC236}">
+                <a16:creationId xmlns:a16="http://schemas.microsoft.com/office/drawing/2014/main" id="{E9214F11-0DDC-E448-AFA0-4E2BD04563C4}"/>
+              </a:ext>
+            </a:extLst>
+          </p:cNvPr>
+          <p:cNvPicPr>
+            <a:picLocks noChangeAspect="1"/>
+          </p:cNvPicPr>
+          <p:nvPr/>
+        </p:nvPicPr>
+        <p:blipFill>
+          <a:blip r:embed="rId2" cstate="print">
+            <a:extLst>
+              <a:ext uri="{28A0092B-C50C-407E-A947-70E740481C1C}">
+                <a14:useLocalDpi xmlns:a14="http://schemas.microsoft.com/office/drawing/2010/main" val="0"/>
+              </a:ext>
+            </a:extLst>
+          </a:blip>
+          <a:stretch>
+            <a:fillRect/>
+          </a:stretch>
+        </p:blipFill>
+        <p:spPr>
+          <a:xfrm>
+            <a:off x="241420" y="265431"/>
+            <a:ext cx="571500" cy="518160"/>
+          </a:xfrm>
+          <a:prstGeom prst="rect">
+            <a:avLst/>
+          </a:prstGeom>
+        </p:spPr>
+      </p:pic>
+    </p:spTree>
+    <p:extLst>
+      <p:ext uri="{BB962C8B-B14F-4D97-AF65-F5344CB8AC3E}">
+        <p14:creationId xmlns:p14="http://schemas.microsoft.com/office/powerpoint/2010/main" val="3346227278"/>
       </p:ext>
     </p:extLst>
   </p:cSld>
@@ -21323,7 +22406,7 @@
           <a:p>
             <a:fld id="{4EF59023-6175-3944-979D-CFE35E3A8267}" type="datetime1">
               <a:rPr lang="it-IT" smtClean="0"/>
-              <a:t>08/01/22</a:t>
+              <a:t>28/01/2022</a:t>
             </a:fld>
             <a:endParaRPr lang="en-US" dirty="0"/>
           </a:p>
@@ -22116,7 +23199,7 @@
           <a:p>
             <a:fld id="{4EF59023-6175-3944-979D-CFE35E3A8267}" type="datetime1">
               <a:rPr lang="it-IT" smtClean="0"/>
-              <a:t>08/01/22</a:t>
+              <a:t>28/01/2022</a:t>
             </a:fld>
             <a:endParaRPr lang="en-US" dirty="0"/>
           </a:p>
@@ -22703,7 +23786,7 @@
           <a:p>
             <a:fld id="{4EF59023-6175-3944-979D-CFE35E3A8267}" type="datetime1">
               <a:rPr lang="it-IT" smtClean="0"/>
-              <a:t>08/01/22</a:t>
+              <a:t>28/01/2022</a:t>
             </a:fld>
             <a:endParaRPr lang="en-US" dirty="0"/>
           </a:p>
@@ -22956,7 +24039,7 @@
           <a:p>
             <a:fld id="{4EF59023-6175-3944-979D-CFE35E3A8267}" type="datetime1">
               <a:rPr lang="it-IT" smtClean="0"/>
-              <a:t>11/01/22</a:t>
+              <a:t>28/01/2022</a:t>
             </a:fld>
             <a:endParaRPr lang="en-US" dirty="0"/>
           </a:p>
@@ -23066,8 +24149,8 @@
           </a:prstGeom>
         </p:spPr>
       </p:pic>
-      <mc:AlternateContent xmlns:mc="http://schemas.openxmlformats.org/markup-compatibility/2006">
-        <mc:Choice xmlns:a14="http://schemas.microsoft.com/office/drawing/2010/main" Requires="a14">
+      <mc:AlternateContent xmlns:mc="http://schemas.openxmlformats.org/markup-compatibility/2006" xmlns:a14="http://schemas.microsoft.com/office/drawing/2010/main">
+        <mc:Choice Requires="a14">
           <p:sp>
             <p:nvSpPr>
               <p:cNvPr id="3" name="CasellaDiTesto 2">
@@ -23146,13 +24229,7 @@
                       <a:rPr lang="it-IT" i="1">
                         <a:latin typeface="Cambria Math" panose="02040503050406030204" pitchFamily="18" charset="0"/>
                       </a:rPr>
-                      <m:t>𝑞</m:t>
-                    </m:r>
-                    <m:r>
-                      <a:rPr lang="it-IT" i="1" baseline="-25000">
-                        <a:latin typeface="Cambria Math" panose="02040503050406030204" pitchFamily="18" charset="0"/>
-                      </a:rPr>
-                      <m:t>𝑓</m:t>
+                      <m:t>𝑞𝑓</m:t>
                     </m:r>
                     <m:r>
                       <a:rPr lang="it-IT" i="1">
@@ -23203,7 +24280,7 @@
             </p:txBody>
           </p:sp>
         </mc:Choice>
-        <mc:Fallback>
+        <mc:Fallback xmlns="">
           <p:sp>
             <p:nvSpPr>
               <p:cNvPr id="3" name="CasellaDiTesto 2">
@@ -23414,7 +24491,7 @@
           <a:p>
             <a:fld id="{4EF59023-6175-3944-979D-CFE35E3A8267}" type="datetime1">
               <a:rPr lang="it-IT" smtClean="0"/>
-              <a:t>10/01/22</a:t>
+              <a:t>28/01/2022</a:t>
             </a:fld>
             <a:endParaRPr lang="en-US" dirty="0"/>
           </a:p>

--- a/Relazione/Presentazione.pptx
+++ b/Relazione/Presentazione.pptx
@@ -38,12 +38,13 @@
     <p:sldId id="280" r:id="rId32"/>
     <p:sldId id="281" r:id="rId33"/>
     <p:sldId id="294" r:id="rId34"/>
-    <p:sldId id="295" r:id="rId35"/>
-    <p:sldId id="296" r:id="rId36"/>
-    <p:sldId id="298" r:id="rId37"/>
-    <p:sldId id="299" r:id="rId38"/>
-    <p:sldId id="301" r:id="rId39"/>
-    <p:sldId id="302" r:id="rId40"/>
+    <p:sldId id="303" r:id="rId35"/>
+    <p:sldId id="295" r:id="rId36"/>
+    <p:sldId id="296" r:id="rId37"/>
+    <p:sldId id="298" r:id="rId38"/>
+    <p:sldId id="299" r:id="rId39"/>
+    <p:sldId id="301" r:id="rId40"/>
+    <p:sldId id="302" r:id="rId41"/>
   </p:sldIdLst>
   <p:sldSz cx="12192000" cy="6858000"/>
   <p:notesSz cx="6858000" cy="9144000"/>
@@ -297,7 +298,7 @@
           <a:p>
             <a:fld id="{27153579-3A4D-BB42-BD49-BB0F80A81A61}" type="datetimeFigureOut">
               <a:rPr lang="it-IT" smtClean="0"/>
-              <a:t>08/01/22</a:t>
+              <a:t>27/01/2022</a:t>
             </a:fld>
             <a:endParaRPr lang="it-IT"/>
           </a:p>
@@ -470,7 +471,7 @@
           <a:p>
             <a:fld id="{27153579-3A4D-BB42-BD49-BB0F80A81A61}" type="datetimeFigureOut">
               <a:rPr lang="it-IT" smtClean="0"/>
-              <a:t>08/01/22</a:t>
+              <a:t>27/01/2022</a:t>
             </a:fld>
             <a:endParaRPr lang="it-IT"/>
           </a:p>
@@ -653,7 +654,7 @@
           <a:p>
             <a:fld id="{27153579-3A4D-BB42-BD49-BB0F80A81A61}" type="datetimeFigureOut">
               <a:rPr lang="it-IT" smtClean="0"/>
-              <a:t>08/01/22</a:t>
+              <a:t>27/01/2022</a:t>
             </a:fld>
             <a:endParaRPr lang="it-IT"/>
           </a:p>
@@ -826,7 +827,7 @@
           <a:p>
             <a:fld id="{27153579-3A4D-BB42-BD49-BB0F80A81A61}" type="datetimeFigureOut">
               <a:rPr lang="it-IT" smtClean="0"/>
-              <a:t>08/01/22</a:t>
+              <a:t>27/01/2022</a:t>
             </a:fld>
             <a:endParaRPr lang="it-IT"/>
           </a:p>
@@ -1104,7 +1105,7 @@
           <a:p>
             <a:fld id="{27153579-3A4D-BB42-BD49-BB0F80A81A61}" type="datetimeFigureOut">
               <a:rPr lang="it-IT" smtClean="0"/>
-              <a:t>08/01/22</a:t>
+              <a:t>27/01/2022</a:t>
             </a:fld>
             <a:endParaRPr lang="it-IT"/>
           </a:p>
@@ -1319,7 +1320,7 @@
           <a:p>
             <a:fld id="{27153579-3A4D-BB42-BD49-BB0F80A81A61}" type="datetimeFigureOut">
               <a:rPr lang="it-IT" smtClean="0"/>
-              <a:t>08/01/22</a:t>
+              <a:t>27/01/2022</a:t>
             </a:fld>
             <a:endParaRPr lang="it-IT"/>
           </a:p>
@@ -1687,7 +1688,7 @@
           <a:p>
             <a:fld id="{27153579-3A4D-BB42-BD49-BB0F80A81A61}" type="datetimeFigureOut">
               <a:rPr lang="it-IT" smtClean="0"/>
-              <a:t>08/01/22</a:t>
+              <a:t>27/01/2022</a:t>
             </a:fld>
             <a:endParaRPr lang="it-IT"/>
           </a:p>
@@ -1828,7 +1829,7 @@
           <a:p>
             <a:fld id="{27153579-3A4D-BB42-BD49-BB0F80A81A61}" type="datetimeFigureOut">
               <a:rPr lang="it-IT" smtClean="0"/>
-              <a:t>08/01/22</a:t>
+              <a:t>27/01/2022</a:t>
             </a:fld>
             <a:endParaRPr lang="it-IT"/>
           </a:p>
@@ -1941,7 +1942,7 @@
           <a:p>
             <a:fld id="{27153579-3A4D-BB42-BD49-BB0F80A81A61}" type="datetimeFigureOut">
               <a:rPr lang="it-IT" smtClean="0"/>
-              <a:t>08/01/22</a:t>
+              <a:t>27/01/2022</a:t>
             </a:fld>
             <a:endParaRPr lang="it-IT"/>
           </a:p>
@@ -2230,7 +2231,7 @@
           <a:p>
             <a:fld id="{27153579-3A4D-BB42-BD49-BB0F80A81A61}" type="datetimeFigureOut">
               <a:rPr lang="it-IT" smtClean="0"/>
-              <a:t>08/01/22</a:t>
+              <a:t>27/01/2022</a:t>
             </a:fld>
             <a:endParaRPr lang="it-IT"/>
           </a:p>
@@ -2521,7 +2522,7 @@
           <a:p>
             <a:fld id="{27153579-3A4D-BB42-BD49-BB0F80A81A61}" type="datetimeFigureOut">
               <a:rPr lang="it-IT" smtClean="0"/>
-              <a:t>08/01/22</a:t>
+              <a:t>27/01/2022</a:t>
             </a:fld>
             <a:endParaRPr lang="it-IT"/>
           </a:p>
@@ -2737,7 +2738,7 @@
           <a:p>
             <a:fld id="{27153579-3A4D-BB42-BD49-BB0F80A81A61}" type="datetimeFigureOut">
               <a:rPr lang="it-IT" smtClean="0"/>
-              <a:t>08/01/22</a:t>
+              <a:t>27/01/2022</a:t>
             </a:fld>
             <a:endParaRPr lang="it-IT"/>
           </a:p>
@@ -3258,6 +3259,10 @@
               <a:rPr lang="it-IT" sz="2200" u="sng" dirty="0"/>
               <a:t>Tavole Applicative</a:t>
             </a:r>
+            <a:r>
+              <a:rPr lang="it-IT" dirty="0"/>
+              <a:t/>
+            </a:r>
             <a:br>
               <a:rPr lang="it-IT" dirty="0"/>
             </a:br>
@@ -3481,7 +3486,7 @@
           <a:p>
             <a:fld id="{4EF59023-6175-3944-979D-CFE35E3A8267}" type="datetime1">
               <a:rPr lang="it-IT" smtClean="0"/>
-              <a:t>10/01/22</a:t>
+              <a:t>27/01/2022</a:t>
             </a:fld>
             <a:endParaRPr lang="en-US" dirty="0"/>
           </a:p>
@@ -3795,7 +3800,7 @@
           <a:p>
             <a:fld id="{4EF59023-6175-3944-979D-CFE35E3A8267}" type="datetime1">
               <a:rPr lang="it-IT" smtClean="0"/>
-              <a:t>10/01/22</a:t>
+              <a:t>27/01/2022</a:t>
             </a:fld>
             <a:endParaRPr lang="en-US" dirty="0"/>
           </a:p>
@@ -4139,7 +4144,7 @@
           <a:p>
             <a:fld id="{4EF59023-6175-3944-979D-CFE35E3A8267}" type="datetime1">
               <a:rPr lang="it-IT" smtClean="0"/>
-              <a:t>10/01/22</a:t>
+              <a:t>27/01/2022</a:t>
             </a:fld>
             <a:endParaRPr lang="en-US" dirty="0"/>
           </a:p>
@@ -4461,7 +4466,7 @@
           <a:p>
             <a:fld id="{4EF59023-6175-3944-979D-CFE35E3A8267}" type="datetime1">
               <a:rPr lang="it-IT" smtClean="0"/>
-              <a:t>10/01/22</a:t>
+              <a:t>27/01/2022</a:t>
             </a:fld>
             <a:endParaRPr lang="en-US" dirty="0"/>
           </a:p>
@@ -4819,7 +4824,7 @@
           <a:p>
             <a:fld id="{4EF59023-6175-3944-979D-CFE35E3A8267}" type="datetime1">
               <a:rPr lang="it-IT" smtClean="0"/>
-              <a:t>11/01/22</a:t>
+              <a:t>27/01/2022</a:t>
             </a:fld>
             <a:endParaRPr lang="en-US" dirty="0"/>
           </a:p>
@@ -5132,7 +5137,7 @@
           <a:p>
             <a:fld id="{4EF59023-6175-3944-979D-CFE35E3A8267}" type="datetime1">
               <a:rPr lang="it-IT" smtClean="0"/>
-              <a:t>11/01/22</a:t>
+              <a:t>27/01/2022</a:t>
             </a:fld>
             <a:endParaRPr lang="en-US" dirty="0"/>
           </a:p>
@@ -5242,8 +5247,8 @@
           </a:prstGeom>
         </p:spPr>
       </p:pic>
-      <mc:AlternateContent xmlns:mc="http://schemas.openxmlformats.org/markup-compatibility/2006">
-        <mc:Choice xmlns:a14="http://schemas.microsoft.com/office/drawing/2010/main" Requires="a14">
+      <mc:AlternateContent xmlns:mc="http://schemas.openxmlformats.org/markup-compatibility/2006" xmlns:a14="http://schemas.microsoft.com/office/drawing/2010/main">
+        <mc:Choice Requires="a14">
           <p:sp>
             <p:nvSpPr>
               <p:cNvPr id="3" name="CasellaDiTesto 2">
@@ -5708,7 +5713,7 @@
             </p:txBody>
           </p:sp>
         </mc:Choice>
-        <mc:Fallback>
+        <mc:Fallback xmlns="">
           <p:sp>
             <p:nvSpPr>
               <p:cNvPr id="3" name="CasellaDiTesto 2">
@@ -5838,7 +5843,7 @@
         </p:spPr>
         <p:txBody>
           <a:bodyPr vert="horz" lIns="91440" tIns="45720" rIns="91440" bIns="45720" rtlCol="0" anchor="ctr">
-            <a:normAutofit fontScale="85000" lnSpcReduction="20000"/>
+            <a:normAutofit fontScale="92500" lnSpcReduction="20000"/>
           </a:bodyPr>
           <a:lstStyle>
             <a:lvl1pPr algn="l" defTabSz="914400" rtl="0" eaLnBrk="1" latinLnBrk="0" hangingPunct="1">
@@ -5963,7 +5968,7 @@
           <a:p>
             <a:fld id="{4EF59023-6175-3944-979D-CFE35E3A8267}" type="datetime1">
               <a:rPr lang="it-IT" smtClean="0"/>
-              <a:t>11/01/22</a:t>
+              <a:t>27/01/2022</a:t>
             </a:fld>
             <a:endParaRPr lang="en-US" dirty="0"/>
           </a:p>
@@ -6313,7 +6318,7 @@
         </p:spPr>
         <p:txBody>
           <a:bodyPr vert="horz" lIns="91440" tIns="45720" rIns="91440" bIns="45720" rtlCol="0" anchor="ctr">
-            <a:normAutofit fontScale="85000" lnSpcReduction="20000"/>
+            <a:normAutofit fontScale="92500" lnSpcReduction="20000"/>
           </a:bodyPr>
           <a:lstStyle>
             <a:lvl1pPr algn="l" defTabSz="914400" rtl="0" eaLnBrk="1" latinLnBrk="0" hangingPunct="1">
@@ -6386,7 +6391,7 @@
           <a:p>
             <a:fld id="{4EF59023-6175-3944-979D-CFE35E3A8267}" type="datetime1">
               <a:rPr lang="it-IT" smtClean="0"/>
-              <a:t>11/01/22</a:t>
+              <a:t>27/01/2022</a:t>
             </a:fld>
             <a:endParaRPr lang="en-US" dirty="0"/>
           </a:p>
@@ -6624,7 +6629,7 @@
         </p:spPr>
         <p:txBody>
           <a:bodyPr vert="horz" lIns="91440" tIns="45720" rIns="91440" bIns="45720" rtlCol="0" anchor="ctr">
-            <a:normAutofit fontScale="85000" lnSpcReduction="20000"/>
+            <a:normAutofit fontScale="92500" lnSpcReduction="20000"/>
           </a:bodyPr>
           <a:lstStyle>
             <a:lvl1pPr algn="l" defTabSz="914400" rtl="0" eaLnBrk="1" latinLnBrk="0" hangingPunct="1">
@@ -6920,7 +6925,7 @@
           <a:p>
             <a:fld id="{4EF59023-6175-3944-979D-CFE35E3A8267}" type="datetime1">
               <a:rPr lang="it-IT" smtClean="0"/>
-              <a:t>08/01/22</a:t>
+              <a:t>27/01/2022</a:t>
             </a:fld>
             <a:endParaRPr lang="en-US" dirty="0"/>
           </a:p>
@@ -7145,7 +7150,7 @@
         </p:spPr>
         <p:txBody>
           <a:bodyPr vert="horz" lIns="91440" tIns="45720" rIns="91440" bIns="45720" rtlCol="0" anchor="ctr">
-            <a:normAutofit fontScale="85000" lnSpcReduction="20000"/>
+            <a:normAutofit fontScale="92500" lnSpcReduction="20000"/>
           </a:bodyPr>
           <a:lstStyle>
             <a:lvl1pPr algn="l" defTabSz="914400" rtl="0" eaLnBrk="1" latinLnBrk="0" hangingPunct="1">
@@ -7226,7 +7231,7 @@
           <a:p>
             <a:fld id="{4EF59023-6175-3944-979D-CFE35E3A8267}" type="datetime1">
               <a:rPr lang="it-IT" smtClean="0"/>
-              <a:t>08/01/22</a:t>
+              <a:t>27/01/2022</a:t>
             </a:fld>
             <a:endParaRPr lang="en-US" dirty="0"/>
           </a:p>
@@ -7602,18 +7607,9 @@
               </a:buClr>
             </a:pPr>
             <a:r>
-              <a:rPr lang="it-IT" dirty="0" err="1"/>
-              <a:t>Granty</a:t>
-            </a:r>
-            <a:r>
               <a:rPr lang="it-IT" dirty="0"/>
-              <a:t> </a:t>
-            </a:r>
-            <a:r>
-              <a:rPr lang="it-IT" dirty="0" err="1"/>
-              <a:t>crane</a:t>
-            </a:r>
-            <a:endParaRPr lang="it-IT" dirty="0"/>
+              <a:t>Gantry crane</a:t>
+            </a:r>
           </a:p>
           <a:p>
             <a:pPr lvl="1">
@@ -7678,7 +7674,7 @@
           <a:p>
             <a:fld id="{4EF59023-6175-3944-979D-CFE35E3A8267}" type="datetime1">
               <a:rPr lang="it-IT" smtClean="0"/>
-              <a:t>08/01/22</a:t>
+              <a:t>27/01/2022</a:t>
             </a:fld>
             <a:endParaRPr lang="en-US" dirty="0"/>
           </a:p>
@@ -7833,7 +7829,7 @@
         </p:spPr>
         <p:txBody>
           <a:bodyPr vert="horz" lIns="91440" tIns="45720" rIns="91440" bIns="45720" rtlCol="0" anchor="ctr">
-            <a:normAutofit fontScale="85000" lnSpcReduction="20000"/>
+            <a:normAutofit fontScale="92500" lnSpcReduction="20000"/>
           </a:bodyPr>
           <a:lstStyle>
             <a:lvl1pPr algn="l" defTabSz="914400" rtl="0" eaLnBrk="1" latinLnBrk="0" hangingPunct="1">
@@ -7886,8 +7882,8 @@
           </a:p>
         </p:txBody>
       </p:sp>
-      <mc:AlternateContent xmlns:mc="http://schemas.openxmlformats.org/markup-compatibility/2006">
-        <mc:Choice xmlns:a14="http://schemas.microsoft.com/office/drawing/2010/main" Requires="a14">
+      <mc:AlternateContent xmlns:mc="http://schemas.openxmlformats.org/markup-compatibility/2006" xmlns:a14="http://schemas.microsoft.com/office/drawing/2010/main">
+        <mc:Choice Requires="a14">
           <p:sp>
             <p:nvSpPr>
               <p:cNvPr id="16" name="Segnaposto contenuto 15">
@@ -8144,7 +8140,7 @@
             </p:txBody>
           </p:sp>
         </mc:Choice>
-        <mc:Fallback>
+        <mc:Fallback xmlns="">
           <p:sp>
             <p:nvSpPr>
               <p:cNvPr id="16" name="Segnaposto contenuto 15">
@@ -8216,7 +8212,7 @@
           <a:p>
             <a:fld id="{4EF59023-6175-3944-979D-CFE35E3A8267}" type="datetime1">
               <a:rPr lang="it-IT" smtClean="0"/>
-              <a:t>08/01/22</a:t>
+              <a:t>27/01/2022</a:t>
             </a:fld>
             <a:endParaRPr lang="en-US" dirty="0"/>
           </a:p>
@@ -8411,7 +8407,7 @@
         </p:spPr>
         <p:txBody>
           <a:bodyPr vert="horz" lIns="91440" tIns="45720" rIns="91440" bIns="45720" rtlCol="0" anchor="ctr">
-            <a:normAutofit fontScale="85000" lnSpcReduction="20000"/>
+            <a:normAutofit fontScale="92500" lnSpcReduction="20000"/>
           </a:bodyPr>
           <a:lstStyle>
             <a:lvl1pPr algn="l" defTabSz="914400" rtl="0" eaLnBrk="1" latinLnBrk="0" hangingPunct="1">
@@ -8464,8 +8460,8 @@
           </a:p>
         </p:txBody>
       </p:sp>
-      <mc:AlternateContent xmlns:mc="http://schemas.openxmlformats.org/markup-compatibility/2006">
-        <mc:Choice xmlns:a14="http://schemas.microsoft.com/office/drawing/2010/main" Requires="a14">
+      <mc:AlternateContent xmlns:mc="http://schemas.openxmlformats.org/markup-compatibility/2006" xmlns:a14="http://schemas.microsoft.com/office/drawing/2010/main">
+        <mc:Choice Requires="a14">
           <p:sp>
             <p:nvSpPr>
               <p:cNvPr id="16" name="Segnaposto contenuto 15">
@@ -8722,7 +8718,7 @@
             </p:txBody>
           </p:sp>
         </mc:Choice>
-        <mc:Fallback>
+        <mc:Fallback xmlns="">
           <p:sp>
             <p:nvSpPr>
               <p:cNvPr id="16" name="Segnaposto contenuto 15">
@@ -8794,7 +8790,7 @@
           <a:p>
             <a:fld id="{4EF59023-6175-3944-979D-CFE35E3A8267}" type="datetime1">
               <a:rPr lang="it-IT" smtClean="0"/>
-              <a:t>11/01/22</a:t>
+              <a:t>27/01/2022</a:t>
             </a:fld>
             <a:endParaRPr lang="en-US" dirty="0"/>
           </a:p>
@@ -8989,7 +8985,7 @@
         </p:spPr>
         <p:txBody>
           <a:bodyPr vert="horz" lIns="91440" tIns="45720" rIns="91440" bIns="45720" rtlCol="0" anchor="ctr">
-            <a:normAutofit fontScale="85000" lnSpcReduction="20000"/>
+            <a:normAutofit fontScale="92500" lnSpcReduction="20000"/>
           </a:bodyPr>
           <a:lstStyle>
             <a:lvl1pPr algn="l" defTabSz="914400" rtl="0" eaLnBrk="1" latinLnBrk="0" hangingPunct="1">
@@ -9054,7 +9050,7 @@
           <a:p>
             <a:fld id="{4EF59023-6175-3944-979D-CFE35E3A8267}" type="datetime1">
               <a:rPr lang="it-IT" smtClean="0"/>
-              <a:t>08/01/22</a:t>
+              <a:t>27/01/2022</a:t>
             </a:fld>
             <a:endParaRPr lang="en-US" dirty="0"/>
           </a:p>
@@ -9249,7 +9245,7 @@
         </p:spPr>
         <p:txBody>
           <a:bodyPr vert="horz" lIns="91440" tIns="45720" rIns="91440" bIns="45720" rtlCol="0" anchor="ctr">
-            <a:normAutofit fontScale="85000" lnSpcReduction="20000"/>
+            <a:normAutofit fontScale="92500" lnSpcReduction="20000"/>
           </a:bodyPr>
           <a:lstStyle>
             <a:lvl1pPr algn="l" defTabSz="914400" rtl="0" eaLnBrk="1" latinLnBrk="0" hangingPunct="1">
@@ -9314,7 +9310,7 @@
           <a:p>
             <a:fld id="{4EF59023-6175-3944-979D-CFE35E3A8267}" type="datetime1">
               <a:rPr lang="it-IT" smtClean="0"/>
-              <a:t>08/01/22</a:t>
+              <a:t>27/01/2022</a:t>
             </a:fld>
             <a:endParaRPr lang="en-US" dirty="0"/>
           </a:p>
@@ -9424,8 +9420,8 @@
           </a:prstGeom>
         </p:spPr>
       </p:pic>
-      <mc:AlternateContent xmlns:mc="http://schemas.openxmlformats.org/markup-compatibility/2006">
-        <mc:Choice xmlns:a14="http://schemas.microsoft.com/office/drawing/2010/main" Requires="a14">
+      <mc:AlternateContent xmlns:mc="http://schemas.openxmlformats.org/markup-compatibility/2006" xmlns:a14="http://schemas.microsoft.com/office/drawing/2010/main">
+        <mc:Choice Requires="a14">
           <p:sp>
             <p:nvSpPr>
               <p:cNvPr id="2" name="CasellaDiTesto 1">
@@ -9542,7 +9538,7 @@
             </p:txBody>
           </p:sp>
         </mc:Choice>
-        <mc:Fallback>
+        <mc:Fallback xmlns="">
           <p:sp>
             <p:nvSpPr>
               <p:cNvPr id="2" name="CasellaDiTesto 1">
@@ -9797,18 +9793,9 @@
           <a:p>
             <a:pPr algn="ctr"/>
             <a:r>
-              <a:rPr lang="it-IT" dirty="0" err="1"/>
-              <a:t>Granty</a:t>
-            </a:r>
-            <a:r>
               <a:rPr lang="it-IT" dirty="0"/>
-              <a:t> </a:t>
-            </a:r>
-            <a:r>
-              <a:rPr lang="it-IT" dirty="0" err="1"/>
-              <a:t>crane</a:t>
-            </a:r>
-            <a:endParaRPr lang="it-IT" dirty="0"/>
+              <a:t>Gantry crane</a:t>
+            </a:r>
           </a:p>
         </p:txBody>
       </p:sp>
@@ -9935,7 +9922,7 @@
           <a:p>
             <a:fld id="{4EF59023-6175-3944-979D-CFE35E3A8267}" type="datetime1">
               <a:rPr lang="it-IT" smtClean="0"/>
-              <a:t>11/01/22</a:t>
+              <a:t>27/01/2022</a:t>
             </a:fld>
             <a:endParaRPr lang="en-US" dirty="0"/>
           </a:p>
@@ -10154,18 +10141,9 @@
           <a:p>
             <a:pPr algn="ctr"/>
             <a:r>
-              <a:rPr lang="it-IT" dirty="0" err="1"/>
-              <a:t>Granty</a:t>
-            </a:r>
-            <a:r>
               <a:rPr lang="it-IT" dirty="0"/>
-              <a:t> </a:t>
-            </a:r>
-            <a:r>
-              <a:rPr lang="it-IT" dirty="0" err="1"/>
-              <a:t>crane</a:t>
-            </a:r>
-            <a:endParaRPr lang="it-IT" dirty="0"/>
+              <a:t>Gantry crane</a:t>
+            </a:r>
           </a:p>
         </p:txBody>
       </p:sp>
@@ -10298,7 +10276,7 @@
           <a:p>
             <a:fld id="{4EF59023-6175-3944-979D-CFE35E3A8267}" type="datetime1">
               <a:rPr lang="it-IT" smtClean="0"/>
-              <a:t>08/01/22</a:t>
+              <a:t>27/01/2022</a:t>
             </a:fld>
             <a:endParaRPr lang="en-US" dirty="0"/>
           </a:p>
@@ -10517,18 +10495,9 @@
           <a:p>
             <a:pPr algn="ctr"/>
             <a:r>
-              <a:rPr lang="it-IT" dirty="0" err="1"/>
-              <a:t>Granty</a:t>
-            </a:r>
-            <a:r>
               <a:rPr lang="it-IT" dirty="0"/>
-              <a:t> </a:t>
-            </a:r>
-            <a:r>
-              <a:rPr lang="it-IT" dirty="0" err="1"/>
-              <a:t>crane</a:t>
-            </a:r>
-            <a:endParaRPr lang="it-IT" dirty="0"/>
+              <a:t>Gantry crane</a:t>
+            </a:r>
           </a:p>
         </p:txBody>
       </p:sp>
@@ -10699,7 +10668,7 @@
           <a:p>
             <a:fld id="{4EF59023-6175-3944-979D-CFE35E3A8267}" type="datetime1">
               <a:rPr lang="it-IT" smtClean="0"/>
-              <a:t>08/01/22</a:t>
+              <a:t>27/01/2022</a:t>
             </a:fld>
             <a:endParaRPr lang="en-US" dirty="0"/>
           </a:p>
@@ -10948,23 +10917,14 @@
           <a:p>
             <a:pPr algn="ctr"/>
             <a:r>
-              <a:rPr lang="it-IT" dirty="0" err="1"/>
-              <a:t>Granty</a:t>
-            </a:r>
-            <a:r>
               <a:rPr lang="it-IT" dirty="0"/>
-              <a:t> </a:t>
-            </a:r>
-            <a:r>
-              <a:rPr lang="it-IT" dirty="0" err="1"/>
-              <a:t>crane</a:t>
-            </a:r>
-            <a:endParaRPr lang="it-IT" dirty="0"/>
-          </a:p>
-        </p:txBody>
-      </p:sp>
-      <mc:AlternateContent xmlns:mc="http://schemas.openxmlformats.org/markup-compatibility/2006">
-        <mc:Choice xmlns:a14="http://schemas.microsoft.com/office/drawing/2010/main" Requires="a14">
+              <a:t>Gantry crane</a:t>
+            </a:r>
+          </a:p>
+        </p:txBody>
+      </p:sp>
+      <mc:AlternateContent xmlns:mc="http://schemas.openxmlformats.org/markup-compatibility/2006" xmlns:a14="http://schemas.microsoft.com/office/drawing/2010/main">
+        <mc:Choice Requires="a14">
           <p:sp>
             <p:nvSpPr>
               <p:cNvPr id="9" name="CasellaDiTesto 8">
@@ -11212,7 +11172,7 @@
             </p:txBody>
           </p:sp>
         </mc:Choice>
-        <mc:Fallback>
+        <mc:Fallback xmlns="">
           <p:sp>
             <p:nvSpPr>
               <p:cNvPr id="9" name="CasellaDiTesto 8">
@@ -11257,8 +11217,8 @@
           </p:sp>
         </mc:Fallback>
       </mc:AlternateContent>
-      <mc:AlternateContent xmlns:mc="http://schemas.openxmlformats.org/markup-compatibility/2006">
-        <mc:Choice xmlns:a14="http://schemas.microsoft.com/office/drawing/2010/main" Requires="a14">
+      <mc:AlternateContent xmlns:mc="http://schemas.openxmlformats.org/markup-compatibility/2006" xmlns:a14="http://schemas.microsoft.com/office/drawing/2010/main">
+        <mc:Choice Requires="a14">
           <p:sp>
             <p:nvSpPr>
               <p:cNvPr id="2" name="CasellaDiTesto 1">
@@ -11546,7 +11506,7 @@
             </p:txBody>
           </p:sp>
         </mc:Choice>
-        <mc:Fallback>
+        <mc:Fallback xmlns="">
           <p:sp>
             <p:nvSpPr>
               <p:cNvPr id="2" name="CasellaDiTesto 1">
@@ -11619,7 +11579,7 @@
           <a:p>
             <a:fld id="{4EF59023-6175-3944-979D-CFE35E3A8267}" type="datetime1">
               <a:rPr lang="it-IT" smtClean="0"/>
-              <a:t>11/01/22</a:t>
+              <a:t>27/01/2022</a:t>
             </a:fld>
             <a:endParaRPr lang="en-US" dirty="0"/>
           </a:p>
@@ -11868,18 +11828,9 @@
           <a:p>
             <a:pPr algn="ctr"/>
             <a:r>
-              <a:rPr lang="it-IT" dirty="0" err="1"/>
-              <a:t>Granty</a:t>
-            </a:r>
-            <a:r>
               <a:rPr lang="it-IT" dirty="0"/>
-              <a:t> </a:t>
-            </a:r>
-            <a:r>
-              <a:rPr lang="it-IT" dirty="0" err="1"/>
-              <a:t>crane</a:t>
-            </a:r>
-            <a:endParaRPr lang="it-IT" dirty="0"/>
+              <a:t>Gantry crane</a:t>
+            </a:r>
           </a:p>
         </p:txBody>
       </p:sp>
@@ -11911,7 +11862,7 @@
           <a:p>
             <a:fld id="{4EF59023-6175-3944-979D-CFE35E3A8267}" type="datetime1">
               <a:rPr lang="it-IT" smtClean="0"/>
-              <a:t>11/01/22</a:t>
+              <a:t>27/01/2022</a:t>
             </a:fld>
             <a:endParaRPr lang="en-US" dirty="0"/>
           </a:p>
@@ -12021,8 +11972,8 @@
           </a:prstGeom>
         </p:spPr>
       </p:pic>
-      <mc:AlternateContent xmlns:mc="http://schemas.openxmlformats.org/markup-compatibility/2006">
-        <mc:Choice xmlns:a14="http://schemas.microsoft.com/office/drawing/2010/main" Requires="a14">
+      <mc:AlternateContent xmlns:mc="http://schemas.openxmlformats.org/markup-compatibility/2006" xmlns:a14="http://schemas.microsoft.com/office/drawing/2010/main">
+        <mc:Choice Requires="a14">
           <p:sp>
             <p:nvSpPr>
               <p:cNvPr id="3" name="CasellaDiTesto 2">
@@ -12377,7 +12328,7 @@
             </p:txBody>
           </p:sp>
         </mc:Choice>
-        <mc:Fallback>
+        <mc:Fallback xmlns="">
           <p:sp>
             <p:nvSpPr>
               <p:cNvPr id="3" name="CasellaDiTesto 2">
@@ -12501,23 +12452,14 @@
           <a:p>
             <a:pPr algn="ctr"/>
             <a:r>
-              <a:rPr lang="it-IT" dirty="0" err="1"/>
-              <a:t>Granty</a:t>
-            </a:r>
-            <a:r>
               <a:rPr lang="it-IT" dirty="0"/>
-              <a:t> </a:t>
-            </a:r>
-            <a:r>
-              <a:rPr lang="it-IT" dirty="0" err="1"/>
-              <a:t>crane</a:t>
-            </a:r>
-            <a:endParaRPr lang="it-IT" dirty="0"/>
-          </a:p>
-        </p:txBody>
-      </p:sp>
-      <mc:AlternateContent xmlns:mc="http://schemas.openxmlformats.org/markup-compatibility/2006">
-        <mc:Choice xmlns:a14="http://schemas.microsoft.com/office/drawing/2010/main" Requires="a14">
+              <a:t>Gantry crane</a:t>
+            </a:r>
+          </a:p>
+        </p:txBody>
+      </p:sp>
+      <mc:AlternateContent xmlns:mc="http://schemas.openxmlformats.org/markup-compatibility/2006" xmlns:a14="http://schemas.microsoft.com/office/drawing/2010/main">
+        <mc:Choice Requires="a14">
           <p:sp>
             <p:nvSpPr>
               <p:cNvPr id="9" name="CasellaDiTesto 8">
@@ -12579,6 +12521,7 @@
                 </a:r>
               </a:p>
               <a:p>
+                <a:pPr/>
                 <a14:m>
                   <m:oMathPara xmlns:m="http://schemas.openxmlformats.org/officeDocument/2006/math">
                     <m:oMathParaPr>
@@ -12858,7 +12801,7 @@
             </p:txBody>
           </p:sp>
         </mc:Choice>
-        <mc:Fallback>
+        <mc:Fallback xmlns="">
           <p:sp>
             <p:nvSpPr>
               <p:cNvPr id="9" name="CasellaDiTesto 8">
@@ -12961,7 +12904,7 @@
           <a:p>
             <a:fld id="{4EF59023-6175-3944-979D-CFE35E3A8267}" type="datetime1">
               <a:rPr lang="it-IT" smtClean="0"/>
-              <a:t>11/01/22</a:t>
+              <a:t>27/01/2022</a:t>
             </a:fld>
             <a:endParaRPr lang="en-US" dirty="0"/>
           </a:p>
@@ -13071,8 +13014,8 @@
           </a:prstGeom>
         </p:spPr>
       </p:pic>
-      <mc:AlternateContent xmlns:mc="http://schemas.openxmlformats.org/markup-compatibility/2006">
-        <mc:Choice xmlns:a14="http://schemas.microsoft.com/office/drawing/2010/main" Requires="a14">
+      <mc:AlternateContent xmlns:mc="http://schemas.openxmlformats.org/markup-compatibility/2006" xmlns:a14="http://schemas.microsoft.com/office/drawing/2010/main">
+        <mc:Choice Requires="a14">
           <p:sp>
             <p:nvSpPr>
               <p:cNvPr id="2" name="CasellaDiTesto 1">
@@ -13148,7 +13091,7 @@
             </p:txBody>
           </p:sp>
         </mc:Choice>
-        <mc:Fallback>
+        <mc:Fallback xmlns="">
           <p:sp>
             <p:nvSpPr>
               <p:cNvPr id="2" name="CasellaDiTesto 1">
@@ -13547,7 +13490,7 @@
           <a:p>
             <a:fld id="{4EF59023-6175-3944-979D-CFE35E3A8267}" type="datetime1">
               <a:rPr lang="it-IT" smtClean="0"/>
-              <a:t>08/01/22</a:t>
+              <a:t>27/01/2022</a:t>
             </a:fld>
             <a:endParaRPr lang="en-US" dirty="0"/>
           </a:p>
@@ -13736,23 +13679,14 @@
           <a:p>
             <a:pPr algn="ctr"/>
             <a:r>
-              <a:rPr lang="it-IT" dirty="0" err="1"/>
-              <a:t>Granty</a:t>
-            </a:r>
-            <a:r>
               <a:rPr lang="it-IT" dirty="0"/>
-              <a:t> </a:t>
-            </a:r>
-            <a:r>
-              <a:rPr lang="it-IT" dirty="0" err="1"/>
-              <a:t>crane</a:t>
-            </a:r>
-            <a:endParaRPr lang="it-IT" dirty="0"/>
-          </a:p>
-        </p:txBody>
-      </p:sp>
-      <mc:AlternateContent xmlns:mc="http://schemas.openxmlformats.org/markup-compatibility/2006">
-        <mc:Choice xmlns:a14="http://schemas.microsoft.com/office/drawing/2010/main" Requires="a14">
+              <a:t>Gantry crane</a:t>
+            </a:r>
+          </a:p>
+        </p:txBody>
+      </p:sp>
+      <mc:AlternateContent xmlns:mc="http://schemas.openxmlformats.org/markup-compatibility/2006" xmlns:a14="http://schemas.microsoft.com/office/drawing/2010/main">
+        <mc:Choice Requires="a14">
           <p:sp>
             <p:nvSpPr>
               <p:cNvPr id="9" name="CasellaDiTesto 8">
@@ -14236,7 +14170,7 @@
             </p:txBody>
           </p:sp>
         </mc:Choice>
-        <mc:Fallback>
+        <mc:Fallback xmlns="">
           <p:sp>
             <p:nvSpPr>
               <p:cNvPr id="9" name="CasellaDiTesto 8">
@@ -14311,8 +14245,8 @@
           </a:prstGeom>
         </p:spPr>
       </p:pic>
-      <mc:AlternateContent xmlns:mc="http://schemas.openxmlformats.org/markup-compatibility/2006">
-        <mc:Choice xmlns:a14="http://schemas.microsoft.com/office/drawing/2010/main" Requires="a14">
+      <mc:AlternateContent xmlns:mc="http://schemas.openxmlformats.org/markup-compatibility/2006" xmlns:a14="http://schemas.microsoft.com/office/drawing/2010/main">
+        <mc:Choice Requires="a14">
           <p:sp>
             <p:nvSpPr>
               <p:cNvPr id="2" name="CasellaDiTesto 1">
@@ -14557,7 +14491,7 @@
             </p:txBody>
           </p:sp>
         </mc:Choice>
-        <mc:Fallback>
+        <mc:Fallback xmlns="">
           <p:sp>
             <p:nvSpPr>
               <p:cNvPr id="2" name="CasellaDiTesto 1">
@@ -14630,7 +14564,7 @@
           <a:p>
             <a:fld id="{4EF59023-6175-3944-979D-CFE35E3A8267}" type="datetime1">
               <a:rPr lang="it-IT" smtClean="0"/>
-              <a:t>11/01/22</a:t>
+              <a:t>27/01/2022</a:t>
             </a:fld>
             <a:endParaRPr lang="en-US" dirty="0"/>
           </a:p>
@@ -14909,23 +14843,14 @@
           <a:p>
             <a:pPr algn="ctr"/>
             <a:r>
-              <a:rPr lang="it-IT" dirty="0" err="1"/>
-              <a:t>Granty</a:t>
-            </a:r>
-            <a:r>
               <a:rPr lang="it-IT" dirty="0"/>
-              <a:t> </a:t>
-            </a:r>
-            <a:r>
-              <a:rPr lang="it-IT" dirty="0" err="1"/>
-              <a:t>crane</a:t>
-            </a:r>
-            <a:endParaRPr lang="it-IT" dirty="0"/>
-          </a:p>
-        </p:txBody>
-      </p:sp>
-      <mc:AlternateContent xmlns:mc="http://schemas.openxmlformats.org/markup-compatibility/2006">
-        <mc:Choice xmlns:a14="http://schemas.microsoft.com/office/drawing/2010/main" Requires="a14">
+              <a:t>Gantry crane</a:t>
+            </a:r>
+          </a:p>
+        </p:txBody>
+      </p:sp>
+      <mc:AlternateContent xmlns:mc="http://schemas.openxmlformats.org/markup-compatibility/2006" xmlns:a14="http://schemas.microsoft.com/office/drawing/2010/main">
+        <mc:Choice Requires="a14">
           <p:sp>
             <p:nvSpPr>
               <p:cNvPr id="9" name="CasellaDiTesto 8">
@@ -15026,7 +14951,7 @@
             </p:txBody>
           </p:sp>
         </mc:Choice>
-        <mc:Fallback>
+        <mc:Fallback xmlns="">
           <p:sp>
             <p:nvSpPr>
               <p:cNvPr id="9" name="CasellaDiTesto 8">
@@ -15129,7 +15054,7 @@
           <a:p>
             <a:fld id="{4EF59023-6175-3944-979D-CFE35E3A8267}" type="datetime1">
               <a:rPr lang="it-IT" smtClean="0"/>
-              <a:t>08/01/22</a:t>
+              <a:t>27/01/2022</a:t>
             </a:fld>
             <a:endParaRPr lang="en-US" dirty="0"/>
           </a:p>
@@ -15348,18 +15273,9 @@
           <a:p>
             <a:pPr algn="ctr"/>
             <a:r>
-              <a:rPr lang="it-IT" dirty="0" err="1"/>
-              <a:t>Granty</a:t>
-            </a:r>
-            <a:r>
               <a:rPr lang="it-IT" dirty="0"/>
-              <a:t> </a:t>
-            </a:r>
-            <a:r>
-              <a:rPr lang="it-IT" dirty="0" err="1"/>
-              <a:t>crane</a:t>
-            </a:r>
-            <a:endParaRPr lang="it-IT" dirty="0"/>
+              <a:t>Gantry crane</a:t>
+            </a:r>
           </a:p>
         </p:txBody>
       </p:sp>
@@ -15488,8 +15404,8 @@
                   <a:t>Di seguito l’andamento della variabile di uscita e dell’errore </a:t>
                 </a:r>
                 <a:r>
-                  <a:rPr lang="it-IT" dirty="0" err="1"/>
-                  <a:t>otenuto</a:t>
+                  <a:rPr lang="it-IT" dirty="0" smtClean="0"/>
+                  <a:t>ottenuto</a:t>
                 </a:r>
                 <a:r>
                   <a:rPr lang="it-IT" dirty="0"/>
@@ -15525,7 +15441,7 @@
               <a:blipFill>
                 <a:blip r:embed="rId2"/>
                 <a:stretch>
-                  <a:fillRect l="-951" t="-1399" r="-475" b="-4196"/>
+                  <a:fillRect l="-837" t="-1689" r="-609" b="-4730"/>
                 </a:stretch>
               </a:blipFill>
             </p:spPr>
@@ -15602,7 +15518,7 @@
           <a:p>
             <a:fld id="{4EF59023-6175-3944-979D-CFE35E3A8267}" type="datetime1">
               <a:rPr lang="it-IT" smtClean="0"/>
-              <a:t>11/01/22</a:t>
+              <a:t>27/01/2022</a:t>
             </a:fld>
             <a:endParaRPr lang="en-US" dirty="0"/>
           </a:p>
@@ -15941,18 +15857,9 @@
           <a:p>
             <a:pPr algn="ctr"/>
             <a:r>
-              <a:rPr lang="it-IT" dirty="0" err="1"/>
-              <a:t>Granty</a:t>
-            </a:r>
-            <a:r>
               <a:rPr lang="it-IT" dirty="0"/>
-              <a:t> </a:t>
-            </a:r>
-            <a:r>
-              <a:rPr lang="it-IT" dirty="0" err="1"/>
-              <a:t>crane</a:t>
-            </a:r>
-            <a:endParaRPr lang="it-IT" dirty="0"/>
+              <a:t>Gantry crane</a:t>
+            </a:r>
           </a:p>
         </p:txBody>
       </p:sp>
@@ -16025,7 +15932,7 @@
           <a:p>
             <a:fld id="{4EF59023-6175-3944-979D-CFE35E3A8267}" type="datetime1">
               <a:rPr lang="it-IT" smtClean="0"/>
-              <a:t>11/01/22</a:t>
+              <a:t>27/01/2022</a:t>
             </a:fld>
             <a:endParaRPr lang="en-US" dirty="0"/>
           </a:p>
@@ -16167,10 +16074,10 @@
       </p:grpSpPr>
       <p:pic>
         <p:nvPicPr>
-          <p:cNvPr id="5" name="Immagine 4">
-            <a:extLst>
-              <a:ext uri="{FF2B5EF4-FFF2-40B4-BE49-F238E27FC236}">
-                <a16:creationId xmlns:a16="http://schemas.microsoft.com/office/drawing/2014/main" id="{6B271FC1-9853-8B46-B074-A5E6D5A515AD}"/>
+          <p:cNvPr id="6" name="Immagine 5">
+            <a:extLst>
+              <a:ext uri="{FF2B5EF4-FFF2-40B4-BE49-F238E27FC236}">
+                <a16:creationId xmlns:a16="http://schemas.microsoft.com/office/drawing/2014/main" id="{E6250F99-85E5-234E-8497-D887077950D0}"/>
               </a:ext>
             </a:extLst>
           </p:cNvPr>
@@ -16187,7 +16094,7 @@
         </p:blipFill>
         <p:spPr>
           <a:xfrm>
-            <a:off x="1714030" y="1475623"/>
+            <a:off x="1714030" y="809623"/>
             <a:ext cx="2093143" cy="1332000"/>
           </a:xfrm>
           <a:prstGeom prst="rect">
@@ -16244,62 +16151,239 @@
           <a:p>
             <a:pPr algn="ctr"/>
             <a:r>
-              <a:rPr lang="it-IT" dirty="0" err="1"/>
-              <a:t>Granty</a:t>
-            </a:r>
-            <a:r>
               <a:rPr lang="it-IT" dirty="0"/>
-              <a:t> </a:t>
-            </a:r>
-            <a:r>
-              <a:rPr lang="it-IT" dirty="0" err="1"/>
-              <a:t>crane</a:t>
-            </a:r>
-            <a:endParaRPr lang="it-IT" dirty="0"/>
-          </a:p>
-        </p:txBody>
-      </p:sp>
-      <p:sp>
-        <p:nvSpPr>
-          <p:cNvPr id="9" name="CasellaDiTesto 8">
-            <a:extLst>
-              <a:ext uri="{FF2B5EF4-FFF2-40B4-BE49-F238E27FC236}">
-                <a16:creationId xmlns:a16="http://schemas.microsoft.com/office/drawing/2014/main" id="{86F89E2B-2067-3C4F-A4E7-D7C1F99F332E}"/>
-              </a:ext>
-            </a:extLst>
-          </p:cNvPr>
-          <p:cNvSpPr txBox="1"/>
-          <p:nvPr/>
-        </p:nvSpPr>
-        <p:spPr>
-          <a:xfrm>
-            <a:off x="3997202" y="1475623"/>
-            <a:ext cx="6670797" cy="1015663"/>
-          </a:xfrm>
-          <a:prstGeom prst="rect">
-            <a:avLst/>
-          </a:prstGeom>
-          <a:noFill/>
-        </p:spPr>
-        <p:txBody>
-          <a:bodyPr wrap="square" rtlCol="0">
-            <a:spAutoFit/>
-          </a:bodyPr>
+              <a:t>Gantry crane</a:t>
+            </a:r>
+          </a:p>
+        </p:txBody>
+      </p:sp>
+      <mc:AlternateContent xmlns:mc="http://schemas.openxmlformats.org/markup-compatibility/2006">
+        <mc:Choice xmlns:a14="http://schemas.microsoft.com/office/drawing/2010/main" Requires="a14">
+          <p:sp>
+            <p:nvSpPr>
+              <p:cNvPr id="9" name="CasellaDiTesto 8">
+                <a:extLst>
+                  <a:ext uri="{FF2B5EF4-FFF2-40B4-BE49-F238E27FC236}">
+                    <a16:creationId xmlns:a16="http://schemas.microsoft.com/office/drawing/2014/main" id="{86F89E2B-2067-3C4F-A4E7-D7C1F99F332E}"/>
+                  </a:ext>
+                </a:extLst>
+              </p:cNvPr>
+              <p:cNvSpPr txBox="1"/>
+              <p:nvPr/>
+            </p:nvSpPr>
+            <p:spPr>
+              <a:xfrm>
+                <a:off x="3581400" y="1475623"/>
+                <a:ext cx="8241632" cy="1508105"/>
+              </a:xfrm>
+              <a:prstGeom prst="rect">
+                <a:avLst/>
+              </a:prstGeom>
+              <a:noFill/>
+            </p:spPr>
+            <p:txBody>
+              <a:bodyPr wrap="square" rtlCol="0">
+                <a:spAutoFit/>
+              </a:bodyPr>
+              <a:lstStyle/>
+              <a:p>
+                <a:r>
+                  <a:rPr lang="it-IT" sz="2000" dirty="0" smtClean="0"/>
+                  <a:t>FEEDBACK LINEARIZATION – ZERO DYNAMIC</a:t>
+                </a:r>
+                <a:endParaRPr lang="it-IT" sz="2000" dirty="0"/>
+              </a:p>
+              <a:p>
+                <a:r>
+                  <a:rPr lang="it-IT" dirty="0" smtClean="0"/>
+                  <a:t>Analisi della dinamica delle variabili non osservabili: per la scelta effettuata di tali variabili è possibile affermare che la loro dinamica è ininfluente sull’uscita del sistema linearizzato e non dipende direttamente dagli ingressi </a:t>
+                </a:r>
+                <a14:m>
+                  <m:oMath xmlns:m="http://schemas.openxmlformats.org/officeDocument/2006/math">
+                    <m:r>
+                      <a:rPr lang="it-IT" b="0" i="1" smtClean="0">
+                        <a:latin typeface="Cambria Math" panose="02040503050406030204" pitchFamily="18" charset="0"/>
+                      </a:rPr>
+                      <m:t>𝑣</m:t>
+                    </m:r>
+                  </m:oMath>
+                </a14:m>
+                <a:r>
+                  <a:rPr lang="it-IT" dirty="0" smtClean="0"/>
+                  <a:t>, a cui resta comunque legata attraverso l’evoluzione delle variabili </a:t>
+                </a:r>
+                <a14:m>
+                  <m:oMath xmlns:m="http://schemas.openxmlformats.org/officeDocument/2006/math">
+                    <m:r>
+                      <a:rPr lang="it-IT" i="1" smtClean="0">
+                        <a:latin typeface="Cambria Math" panose="02040503050406030204" pitchFamily="18" charset="0"/>
+                        <a:ea typeface="Cambria Math" panose="02040503050406030204" pitchFamily="18" charset="0"/>
+                      </a:rPr>
+                      <m:t>𝜉</m:t>
+                    </m:r>
+                  </m:oMath>
+                </a14:m>
+                <a:r>
+                  <a:rPr lang="it-IT" dirty="0" smtClean="0"/>
+                  <a:t>.</a:t>
+                </a:r>
+              </a:p>
+            </p:txBody>
+          </p:sp>
+        </mc:Choice>
+        <mc:Fallback>
+          <p:sp>
+            <p:nvSpPr>
+              <p:cNvPr id="9" name="CasellaDiTesto 8">
+                <a:extLst>
+                  <a:ext uri="{FF2B5EF4-FFF2-40B4-BE49-F238E27FC236}">
+                    <a16:creationId xmlns:a16="http://schemas.microsoft.com/office/drawing/2014/main" id="{86F89E2B-2067-3C4F-A4E7-D7C1F99F332E}"/>
+                  </a:ext>
+                </a:extLst>
+              </p:cNvPr>
+              <p:cNvSpPr txBox="1">
+                <a:spLocks noRot="1" noChangeAspect="1" noMove="1" noResize="1" noEditPoints="1" noAdjustHandles="1" noChangeArrowheads="1" noChangeShapeType="1" noTextEdit="1"/>
+              </p:cNvSpPr>
+              <p:nvPr/>
+            </p:nvSpPr>
+            <p:spPr>
+              <a:xfrm>
+                <a:off x="3581400" y="1475623"/>
+                <a:ext cx="8241632" cy="1508105"/>
+              </a:xfrm>
+              <a:prstGeom prst="rect">
+                <a:avLst/>
+              </a:prstGeom>
+              <a:blipFill>
+                <a:blip r:embed="rId3"/>
+                <a:stretch>
+                  <a:fillRect l="-814" t="-2024" b="-5668"/>
+                </a:stretch>
+              </a:blipFill>
+            </p:spPr>
+            <p:txBody>
+              <a:bodyPr/>
+              <a:lstStyle/>
+              <a:p>
+                <a:r>
+                  <a:rPr lang="it-IT">
+                    <a:noFill/>
+                  </a:rPr>
+                  <a:t> </a:t>
+                </a:r>
+              </a:p>
+            </p:txBody>
+          </p:sp>
+        </mc:Fallback>
+      </mc:AlternateContent>
+      <p:sp>
+        <p:nvSpPr>
+          <p:cNvPr id="7" name="Segnaposto data 3">
+            <a:extLst>
+              <a:ext uri="{FF2B5EF4-FFF2-40B4-BE49-F238E27FC236}">
+                <a16:creationId xmlns:a16="http://schemas.microsoft.com/office/drawing/2014/main" id="{6B3D6E58-06BF-1341-B405-6074E5570CBE}"/>
+              </a:ext>
+            </a:extLst>
+          </p:cNvPr>
+          <p:cNvSpPr>
+            <a:spLocks noGrp="1"/>
+          </p:cNvSpPr>
+          <p:nvPr>
+            <p:ph type="dt" sz="half" idx="10"/>
+          </p:nvPr>
+        </p:nvSpPr>
+        <p:spPr>
+          <a:xfrm>
+            <a:off x="838200" y="6356350"/>
+            <a:ext cx="2743200" cy="365125"/>
+          </a:xfrm>
+        </p:spPr>
+        <p:txBody>
+          <a:bodyPr/>
           <a:lstStyle/>
           <a:p>
-            <a:r>
-              <a:rPr lang="it-IT" sz="2000" dirty="0"/>
-              <a:t>Mantenendo lo stesso modello dinamico, è stata scelta come uscita la variabile di stato x e ripetuto lo studio della controllabilità e della osservabilità del sistema ottenuto.</a:t>
-            </a:r>
+            <a:fld id="{4EF59023-6175-3944-979D-CFE35E3A8267}" type="datetime1">
+              <a:rPr lang="it-IT" smtClean="0"/>
+              <a:t>27/01/2022</a:t>
+            </a:fld>
+            <a:endParaRPr lang="en-US" dirty="0"/>
+          </a:p>
+        </p:txBody>
+      </p:sp>
+      <p:sp>
+        <p:nvSpPr>
+          <p:cNvPr id="10" name="Segnaposto piè di pagina 4">
+            <a:extLst>
+              <a:ext uri="{FF2B5EF4-FFF2-40B4-BE49-F238E27FC236}">
+                <a16:creationId xmlns:a16="http://schemas.microsoft.com/office/drawing/2014/main" id="{D5B28A30-8656-2745-A574-AC8117BE6070}"/>
+              </a:ext>
+            </a:extLst>
+          </p:cNvPr>
+          <p:cNvSpPr>
+            <a:spLocks noGrp="1"/>
+          </p:cNvSpPr>
+          <p:nvPr>
+            <p:ph type="ftr" sz="quarter" idx="11"/>
+          </p:nvPr>
+        </p:nvSpPr>
+        <p:spPr>
+          <a:xfrm>
+            <a:off x="4038600" y="6356350"/>
+            <a:ext cx="4114800" cy="365125"/>
+          </a:xfrm>
+        </p:spPr>
+        <p:txBody>
+          <a:bodyPr/>
+          <a:lstStyle/>
+          <a:p>
+            <a:r>
+              <a:rPr lang="en-US"/>
+              <a:t>Arianna Gasparri</a:t>
+            </a:r>
+            <a:endParaRPr lang="en-US" dirty="0"/>
+          </a:p>
+        </p:txBody>
+      </p:sp>
+      <p:sp>
+        <p:nvSpPr>
+          <p:cNvPr id="11" name="Segnaposto numero diapositiva 5">
+            <a:extLst>
+              <a:ext uri="{FF2B5EF4-FFF2-40B4-BE49-F238E27FC236}">
+                <a16:creationId xmlns:a16="http://schemas.microsoft.com/office/drawing/2014/main" id="{06FA9C7D-77F5-8F44-99B9-244BA8DF5120}"/>
+              </a:ext>
+            </a:extLst>
+          </p:cNvPr>
+          <p:cNvSpPr>
+            <a:spLocks noGrp="1"/>
+          </p:cNvSpPr>
+          <p:nvPr>
+            <p:ph type="sldNum" sz="quarter" idx="12"/>
+          </p:nvPr>
+        </p:nvSpPr>
+        <p:spPr>
+          <a:xfrm>
+            <a:off x="8610600" y="6356350"/>
+            <a:ext cx="2743200" cy="365125"/>
+          </a:xfrm>
+        </p:spPr>
+        <p:txBody>
+          <a:bodyPr/>
+          <a:lstStyle/>
+          <a:p>
+            <a:fld id="{6D22F896-40B5-4ADD-8801-0D06FADFA095}" type="slidenum">
+              <a:rPr lang="en-US" smtClean="0"/>
+              <a:t>34</a:t>
+            </a:fld>
+            <a:endParaRPr lang="en-US" dirty="0"/>
           </a:p>
         </p:txBody>
       </p:sp>
       <p:pic>
         <p:nvPicPr>
-          <p:cNvPr id="4" name="Immagine 3">
-            <a:extLst>
-              <a:ext uri="{FF2B5EF4-FFF2-40B4-BE49-F238E27FC236}">
-                <a16:creationId xmlns:a16="http://schemas.microsoft.com/office/drawing/2014/main" id="{0BEAAF86-3F48-8847-8D11-8CCFF5FC089D}"/>
+          <p:cNvPr id="12" name="Immagine 11">
+            <a:extLst>
+              <a:ext uri="{FF2B5EF4-FFF2-40B4-BE49-F238E27FC236}">
+                <a16:creationId xmlns:a16="http://schemas.microsoft.com/office/drawing/2014/main" id="{C69BD7AD-13DF-B64A-AA40-5E86A6150330}"/>
               </a:ext>
             </a:extLst>
           </p:cNvPr>
@@ -16309,199 +16393,7 @@
           <p:nvPr/>
         </p:nvPicPr>
         <p:blipFill>
-          <a:blip r:embed="rId3"/>
-          <a:stretch>
-            <a:fillRect/>
-          </a:stretch>
-        </p:blipFill>
-        <p:spPr>
-          <a:xfrm>
-            <a:off x="6507100" y="2649454"/>
-            <a:ext cx="1651000" cy="660400"/>
-          </a:xfrm>
-          <a:prstGeom prst="rect">
-            <a:avLst/>
-          </a:prstGeom>
-        </p:spPr>
-      </p:pic>
-      <p:pic>
-        <p:nvPicPr>
-          <p:cNvPr id="7" name="Immagine 6">
-            <a:extLst>
-              <a:ext uri="{FF2B5EF4-FFF2-40B4-BE49-F238E27FC236}">
-                <a16:creationId xmlns:a16="http://schemas.microsoft.com/office/drawing/2014/main" id="{F9F8DC63-EB5D-374B-9F4A-A1EF5FF89A21}"/>
-              </a:ext>
-            </a:extLst>
-          </p:cNvPr>
-          <p:cNvPicPr>
-            <a:picLocks noChangeAspect="1"/>
-          </p:cNvPicPr>
-          <p:nvPr/>
-        </p:nvPicPr>
-        <p:blipFill>
-          <a:blip r:embed="rId4"/>
-          <a:stretch>
-            <a:fillRect/>
-          </a:stretch>
-        </p:blipFill>
-        <p:spPr>
-          <a:xfrm>
-            <a:off x="1524000" y="3468023"/>
-            <a:ext cx="6477000" cy="1603375"/>
-          </a:xfrm>
-          <a:prstGeom prst="rect">
-            <a:avLst/>
-          </a:prstGeom>
-        </p:spPr>
-      </p:pic>
-      <p:pic>
-        <p:nvPicPr>
-          <p:cNvPr id="11" name="Immagine 10">
-            <a:extLst>
-              <a:ext uri="{FF2B5EF4-FFF2-40B4-BE49-F238E27FC236}">
-                <a16:creationId xmlns:a16="http://schemas.microsoft.com/office/drawing/2014/main" id="{1A63D091-8FD0-D943-8BE5-2D5DFF337684}"/>
-              </a:ext>
-            </a:extLst>
-          </p:cNvPr>
-          <p:cNvPicPr>
-            <a:picLocks noChangeAspect="1"/>
-          </p:cNvPicPr>
-          <p:nvPr/>
-        </p:nvPicPr>
-        <p:blipFill>
-          <a:blip r:embed="rId5"/>
-          <a:stretch>
-            <a:fillRect/>
-          </a:stretch>
-        </p:blipFill>
-        <p:spPr>
-          <a:xfrm>
-            <a:off x="8001000" y="3468023"/>
-            <a:ext cx="3302000" cy="1619250"/>
-          </a:xfrm>
-          <a:prstGeom prst="rect">
-            <a:avLst/>
-          </a:prstGeom>
-        </p:spPr>
-      </p:pic>
-      <p:sp>
-        <p:nvSpPr>
-          <p:cNvPr id="10" name="Segnaposto data 3">
-            <a:extLst>
-              <a:ext uri="{FF2B5EF4-FFF2-40B4-BE49-F238E27FC236}">
-                <a16:creationId xmlns:a16="http://schemas.microsoft.com/office/drawing/2014/main" id="{05C89D9B-6C9B-4E48-9D4F-6AFF98E923D7}"/>
-              </a:ext>
-            </a:extLst>
-          </p:cNvPr>
-          <p:cNvSpPr>
-            <a:spLocks noGrp="1"/>
-          </p:cNvSpPr>
-          <p:nvPr>
-            <p:ph type="dt" sz="half" idx="10"/>
-          </p:nvPr>
-        </p:nvSpPr>
-        <p:spPr>
-          <a:xfrm>
-            <a:off x="838200" y="6356350"/>
-            <a:ext cx="2743200" cy="365125"/>
-          </a:xfrm>
-        </p:spPr>
-        <p:txBody>
-          <a:bodyPr/>
-          <a:lstStyle/>
-          <a:p>
-            <a:fld id="{4EF59023-6175-3944-979D-CFE35E3A8267}" type="datetime1">
-              <a:rPr lang="it-IT" smtClean="0"/>
-              <a:t>11/01/22</a:t>
-            </a:fld>
-            <a:endParaRPr lang="en-US" dirty="0"/>
-          </a:p>
-        </p:txBody>
-      </p:sp>
-      <p:sp>
-        <p:nvSpPr>
-          <p:cNvPr id="12" name="Segnaposto piè di pagina 4">
-            <a:extLst>
-              <a:ext uri="{FF2B5EF4-FFF2-40B4-BE49-F238E27FC236}">
-                <a16:creationId xmlns:a16="http://schemas.microsoft.com/office/drawing/2014/main" id="{B10A4DC1-2B85-F745-82E6-0410F049FAD0}"/>
-              </a:ext>
-            </a:extLst>
-          </p:cNvPr>
-          <p:cNvSpPr>
-            <a:spLocks noGrp="1"/>
-          </p:cNvSpPr>
-          <p:nvPr>
-            <p:ph type="ftr" sz="quarter" idx="11"/>
-          </p:nvPr>
-        </p:nvSpPr>
-        <p:spPr>
-          <a:xfrm>
-            <a:off x="4038600" y="6356350"/>
-            <a:ext cx="4114800" cy="365125"/>
-          </a:xfrm>
-        </p:spPr>
-        <p:txBody>
-          <a:bodyPr/>
-          <a:lstStyle/>
-          <a:p>
-            <a:r>
-              <a:rPr lang="en-US"/>
-              <a:t>Arianna Gasparri</a:t>
-            </a:r>
-            <a:endParaRPr lang="en-US" dirty="0"/>
-          </a:p>
-        </p:txBody>
-      </p:sp>
-      <p:sp>
-        <p:nvSpPr>
-          <p:cNvPr id="14" name="Segnaposto numero diapositiva 5">
-            <a:extLst>
-              <a:ext uri="{FF2B5EF4-FFF2-40B4-BE49-F238E27FC236}">
-                <a16:creationId xmlns:a16="http://schemas.microsoft.com/office/drawing/2014/main" id="{64915A39-08C4-D34D-A369-F65F3351495A}"/>
-              </a:ext>
-            </a:extLst>
-          </p:cNvPr>
-          <p:cNvSpPr>
-            <a:spLocks noGrp="1"/>
-          </p:cNvSpPr>
-          <p:nvPr>
-            <p:ph type="sldNum" sz="quarter" idx="12"/>
-          </p:nvPr>
-        </p:nvSpPr>
-        <p:spPr>
-          <a:xfrm>
-            <a:off x="8610600" y="6356350"/>
-            <a:ext cx="2743200" cy="365125"/>
-          </a:xfrm>
-        </p:spPr>
-        <p:txBody>
-          <a:bodyPr/>
-          <a:lstStyle/>
-          <a:p>
-            <a:fld id="{6D22F896-40B5-4ADD-8801-0D06FADFA095}" type="slidenum">
-              <a:rPr lang="en-US" smtClean="0"/>
-              <a:t>34</a:t>
-            </a:fld>
-            <a:endParaRPr lang="en-US" dirty="0"/>
-          </a:p>
-        </p:txBody>
-      </p:sp>
-      <p:pic>
-        <p:nvPicPr>
-          <p:cNvPr id="15" name="Immagine 14">
-            <a:extLst>
-              <a:ext uri="{FF2B5EF4-FFF2-40B4-BE49-F238E27FC236}">
-                <a16:creationId xmlns:a16="http://schemas.microsoft.com/office/drawing/2014/main" id="{2F70A25C-5291-AE45-918C-B8931863406E}"/>
-              </a:ext>
-            </a:extLst>
-          </p:cNvPr>
-          <p:cNvPicPr>
-            <a:picLocks noChangeAspect="1"/>
-          </p:cNvPicPr>
-          <p:nvPr/>
-        </p:nvPicPr>
-        <p:blipFill>
-          <a:blip r:embed="rId6" cstate="print">
+          <a:blip r:embed="rId4" cstate="print">
             <a:extLst>
               <a:ext uri="{28A0092B-C50C-407E-A947-70E740481C1C}">
                 <a14:useLocalDpi xmlns:a14="http://schemas.microsoft.com/office/drawing/2010/main" val="0"/>
@@ -16522,40 +16414,40 @@
           </a:prstGeom>
         </p:spPr>
       </p:pic>
-      <p:pic>
-        <p:nvPicPr>
-          <p:cNvPr id="6" name="Immagine 5">
-            <a:extLst>
-              <a:ext uri="{FF2B5EF4-FFF2-40B4-BE49-F238E27FC236}">
-                <a16:creationId xmlns:a16="http://schemas.microsoft.com/office/drawing/2014/main" id="{3D0E4CCF-0EDF-F848-9324-0D50EF216714}"/>
-              </a:ext>
-            </a:extLst>
-          </p:cNvPr>
-          <p:cNvPicPr>
-            <a:picLocks noChangeAspect="1"/>
-          </p:cNvPicPr>
+      <p:sp>
+        <p:nvSpPr>
+          <p:cNvPr id="2" name="CasellaDiTesto 1"/>
+          <p:cNvSpPr txBox="1"/>
           <p:nvPr/>
-        </p:nvPicPr>
-        <p:blipFill>
-          <a:blip r:embed="rId7"/>
-          <a:stretch>
-            <a:fillRect/>
-          </a:stretch>
-        </p:blipFill>
-        <p:spPr>
-          <a:xfrm>
-            <a:off x="5324860" y="5160794"/>
-            <a:ext cx="1542279" cy="452779"/>
+        </p:nvSpPr>
+        <p:spPr>
+          <a:xfrm>
+            <a:off x="3581400" y="3048883"/>
+            <a:ext cx="7086600" cy="369332"/>
           </a:xfrm>
           <a:prstGeom prst="rect">
             <a:avLst/>
           </a:prstGeom>
-        </p:spPr>
-      </p:pic>
+          <a:noFill/>
+        </p:spPr>
+        <p:txBody>
+          <a:bodyPr wrap="square" rtlCol="0">
+            <a:spAutoFit/>
+          </a:bodyPr>
+          <a:lstStyle/>
+          <a:p>
+            <a:r>
+              <a:rPr lang="it-IT" smtClean="0"/>
+              <a:t>P</a:t>
+            </a:r>
+            <a:endParaRPr lang="it-IT" dirty="0"/>
+          </a:p>
+        </p:txBody>
+      </p:sp>
     </p:spTree>
     <p:extLst>
       <p:ext uri="{BB962C8B-B14F-4D97-AF65-F5344CB8AC3E}">
-        <p14:creationId xmlns:p14="http://schemas.microsoft.com/office/powerpoint/2010/main" val="1367849245"/>
+        <p14:creationId xmlns:p14="http://schemas.microsoft.com/office/powerpoint/2010/main" val="3792200931"/>
       </p:ext>
     </p:extLst>
   </p:cSld>
@@ -16661,23 +16553,422 @@
           <a:p>
             <a:pPr algn="ctr"/>
             <a:r>
-              <a:rPr lang="it-IT" dirty="0" err="1"/>
-              <a:t>Granty</a:t>
-            </a:r>
-            <a:r>
               <a:rPr lang="it-IT" dirty="0"/>
-              <a:t> </a:t>
-            </a:r>
-            <a:r>
-              <a:rPr lang="it-IT" dirty="0" err="1"/>
-              <a:t>crane</a:t>
-            </a:r>
-            <a:endParaRPr lang="it-IT" dirty="0"/>
-          </a:p>
-        </p:txBody>
-      </p:sp>
-      <mc:AlternateContent xmlns:mc="http://schemas.openxmlformats.org/markup-compatibility/2006">
-        <mc:Choice xmlns:a14="http://schemas.microsoft.com/office/drawing/2010/main" Requires="a14">
+              <a:t>Gantry crane</a:t>
+            </a:r>
+          </a:p>
+        </p:txBody>
+      </p:sp>
+      <p:sp>
+        <p:nvSpPr>
+          <p:cNvPr id="9" name="CasellaDiTesto 8">
+            <a:extLst>
+              <a:ext uri="{FF2B5EF4-FFF2-40B4-BE49-F238E27FC236}">
+                <a16:creationId xmlns:a16="http://schemas.microsoft.com/office/drawing/2014/main" id="{86F89E2B-2067-3C4F-A4E7-D7C1F99F332E}"/>
+              </a:ext>
+            </a:extLst>
+          </p:cNvPr>
+          <p:cNvSpPr txBox="1"/>
+          <p:nvPr/>
+        </p:nvSpPr>
+        <p:spPr>
+          <a:xfrm>
+            <a:off x="3997202" y="1475623"/>
+            <a:ext cx="6670797" cy="1015663"/>
+          </a:xfrm>
+          <a:prstGeom prst="rect">
+            <a:avLst/>
+          </a:prstGeom>
+          <a:noFill/>
+        </p:spPr>
+        <p:txBody>
+          <a:bodyPr wrap="square" rtlCol="0">
+            <a:spAutoFit/>
+          </a:bodyPr>
+          <a:lstStyle/>
+          <a:p>
+            <a:r>
+              <a:rPr lang="it-IT" sz="2000" dirty="0"/>
+              <a:t>Mantenendo lo stesso modello dinamico, è stata scelta come uscita la variabile di stato x e ripetuto lo studio della controllabilità e della osservabilità del sistema ottenuto.</a:t>
+            </a:r>
+          </a:p>
+        </p:txBody>
+      </p:sp>
+      <p:pic>
+        <p:nvPicPr>
+          <p:cNvPr id="4" name="Immagine 3">
+            <a:extLst>
+              <a:ext uri="{FF2B5EF4-FFF2-40B4-BE49-F238E27FC236}">
+                <a16:creationId xmlns:a16="http://schemas.microsoft.com/office/drawing/2014/main" id="{0BEAAF86-3F48-8847-8D11-8CCFF5FC089D}"/>
+              </a:ext>
+            </a:extLst>
+          </p:cNvPr>
+          <p:cNvPicPr>
+            <a:picLocks noChangeAspect="1"/>
+          </p:cNvPicPr>
+          <p:nvPr/>
+        </p:nvPicPr>
+        <p:blipFill>
+          <a:blip r:embed="rId3"/>
+          <a:stretch>
+            <a:fillRect/>
+          </a:stretch>
+        </p:blipFill>
+        <p:spPr>
+          <a:xfrm>
+            <a:off x="6507100" y="2649454"/>
+            <a:ext cx="1651000" cy="660400"/>
+          </a:xfrm>
+          <a:prstGeom prst="rect">
+            <a:avLst/>
+          </a:prstGeom>
+        </p:spPr>
+      </p:pic>
+      <p:pic>
+        <p:nvPicPr>
+          <p:cNvPr id="7" name="Immagine 6">
+            <a:extLst>
+              <a:ext uri="{FF2B5EF4-FFF2-40B4-BE49-F238E27FC236}">
+                <a16:creationId xmlns:a16="http://schemas.microsoft.com/office/drawing/2014/main" id="{F9F8DC63-EB5D-374B-9F4A-A1EF5FF89A21}"/>
+              </a:ext>
+            </a:extLst>
+          </p:cNvPr>
+          <p:cNvPicPr>
+            <a:picLocks noChangeAspect="1"/>
+          </p:cNvPicPr>
+          <p:nvPr/>
+        </p:nvPicPr>
+        <p:blipFill>
+          <a:blip r:embed="rId4"/>
+          <a:stretch>
+            <a:fillRect/>
+          </a:stretch>
+        </p:blipFill>
+        <p:spPr>
+          <a:xfrm>
+            <a:off x="1524000" y="3468023"/>
+            <a:ext cx="6477000" cy="1603375"/>
+          </a:xfrm>
+          <a:prstGeom prst="rect">
+            <a:avLst/>
+          </a:prstGeom>
+        </p:spPr>
+      </p:pic>
+      <p:pic>
+        <p:nvPicPr>
+          <p:cNvPr id="11" name="Immagine 10">
+            <a:extLst>
+              <a:ext uri="{FF2B5EF4-FFF2-40B4-BE49-F238E27FC236}">
+                <a16:creationId xmlns:a16="http://schemas.microsoft.com/office/drawing/2014/main" id="{1A63D091-8FD0-D943-8BE5-2D5DFF337684}"/>
+              </a:ext>
+            </a:extLst>
+          </p:cNvPr>
+          <p:cNvPicPr>
+            <a:picLocks noChangeAspect="1"/>
+          </p:cNvPicPr>
+          <p:nvPr/>
+        </p:nvPicPr>
+        <p:blipFill>
+          <a:blip r:embed="rId5"/>
+          <a:stretch>
+            <a:fillRect/>
+          </a:stretch>
+        </p:blipFill>
+        <p:spPr>
+          <a:xfrm>
+            <a:off x="8001000" y="3468023"/>
+            <a:ext cx="3302000" cy="1619250"/>
+          </a:xfrm>
+          <a:prstGeom prst="rect">
+            <a:avLst/>
+          </a:prstGeom>
+        </p:spPr>
+      </p:pic>
+      <p:sp>
+        <p:nvSpPr>
+          <p:cNvPr id="10" name="Segnaposto data 3">
+            <a:extLst>
+              <a:ext uri="{FF2B5EF4-FFF2-40B4-BE49-F238E27FC236}">
+                <a16:creationId xmlns:a16="http://schemas.microsoft.com/office/drawing/2014/main" id="{05C89D9B-6C9B-4E48-9D4F-6AFF98E923D7}"/>
+              </a:ext>
+            </a:extLst>
+          </p:cNvPr>
+          <p:cNvSpPr>
+            <a:spLocks noGrp="1"/>
+          </p:cNvSpPr>
+          <p:nvPr>
+            <p:ph type="dt" sz="half" idx="10"/>
+          </p:nvPr>
+        </p:nvSpPr>
+        <p:spPr>
+          <a:xfrm>
+            <a:off x="838200" y="6356350"/>
+            <a:ext cx="2743200" cy="365125"/>
+          </a:xfrm>
+        </p:spPr>
+        <p:txBody>
+          <a:bodyPr/>
+          <a:lstStyle/>
+          <a:p>
+            <a:fld id="{4EF59023-6175-3944-979D-CFE35E3A8267}" type="datetime1">
+              <a:rPr lang="it-IT" smtClean="0"/>
+              <a:t>27/01/2022</a:t>
+            </a:fld>
+            <a:endParaRPr lang="en-US" dirty="0"/>
+          </a:p>
+        </p:txBody>
+      </p:sp>
+      <p:sp>
+        <p:nvSpPr>
+          <p:cNvPr id="12" name="Segnaposto piè di pagina 4">
+            <a:extLst>
+              <a:ext uri="{FF2B5EF4-FFF2-40B4-BE49-F238E27FC236}">
+                <a16:creationId xmlns:a16="http://schemas.microsoft.com/office/drawing/2014/main" id="{B10A4DC1-2B85-F745-82E6-0410F049FAD0}"/>
+              </a:ext>
+            </a:extLst>
+          </p:cNvPr>
+          <p:cNvSpPr>
+            <a:spLocks noGrp="1"/>
+          </p:cNvSpPr>
+          <p:nvPr>
+            <p:ph type="ftr" sz="quarter" idx="11"/>
+          </p:nvPr>
+        </p:nvSpPr>
+        <p:spPr>
+          <a:xfrm>
+            <a:off x="4038600" y="6356350"/>
+            <a:ext cx="4114800" cy="365125"/>
+          </a:xfrm>
+        </p:spPr>
+        <p:txBody>
+          <a:bodyPr/>
+          <a:lstStyle/>
+          <a:p>
+            <a:r>
+              <a:rPr lang="en-US"/>
+              <a:t>Arianna Gasparri</a:t>
+            </a:r>
+            <a:endParaRPr lang="en-US" dirty="0"/>
+          </a:p>
+        </p:txBody>
+      </p:sp>
+      <p:sp>
+        <p:nvSpPr>
+          <p:cNvPr id="14" name="Segnaposto numero diapositiva 5">
+            <a:extLst>
+              <a:ext uri="{FF2B5EF4-FFF2-40B4-BE49-F238E27FC236}">
+                <a16:creationId xmlns:a16="http://schemas.microsoft.com/office/drawing/2014/main" id="{64915A39-08C4-D34D-A369-F65F3351495A}"/>
+              </a:ext>
+            </a:extLst>
+          </p:cNvPr>
+          <p:cNvSpPr>
+            <a:spLocks noGrp="1"/>
+          </p:cNvSpPr>
+          <p:nvPr>
+            <p:ph type="sldNum" sz="quarter" idx="12"/>
+          </p:nvPr>
+        </p:nvSpPr>
+        <p:spPr>
+          <a:xfrm>
+            <a:off x="8610600" y="6356350"/>
+            <a:ext cx="2743200" cy="365125"/>
+          </a:xfrm>
+        </p:spPr>
+        <p:txBody>
+          <a:bodyPr/>
+          <a:lstStyle/>
+          <a:p>
+            <a:fld id="{6D22F896-40B5-4ADD-8801-0D06FADFA095}" type="slidenum">
+              <a:rPr lang="en-US" smtClean="0"/>
+              <a:t>35</a:t>
+            </a:fld>
+            <a:endParaRPr lang="en-US" dirty="0"/>
+          </a:p>
+        </p:txBody>
+      </p:sp>
+      <p:pic>
+        <p:nvPicPr>
+          <p:cNvPr id="15" name="Immagine 14">
+            <a:extLst>
+              <a:ext uri="{FF2B5EF4-FFF2-40B4-BE49-F238E27FC236}">
+                <a16:creationId xmlns:a16="http://schemas.microsoft.com/office/drawing/2014/main" id="{2F70A25C-5291-AE45-918C-B8931863406E}"/>
+              </a:ext>
+            </a:extLst>
+          </p:cNvPr>
+          <p:cNvPicPr>
+            <a:picLocks noChangeAspect="1"/>
+          </p:cNvPicPr>
+          <p:nvPr/>
+        </p:nvPicPr>
+        <p:blipFill>
+          <a:blip r:embed="rId6" cstate="print">
+            <a:extLst>
+              <a:ext uri="{28A0092B-C50C-407E-A947-70E740481C1C}">
+                <a14:useLocalDpi xmlns:a14="http://schemas.microsoft.com/office/drawing/2010/main" val="0"/>
+              </a:ext>
+            </a:extLst>
+          </a:blip>
+          <a:stretch>
+            <a:fillRect/>
+          </a:stretch>
+        </p:blipFill>
+        <p:spPr>
+          <a:xfrm>
+            <a:off x="241420" y="265431"/>
+            <a:ext cx="571500" cy="518160"/>
+          </a:xfrm>
+          <a:prstGeom prst="rect">
+            <a:avLst/>
+          </a:prstGeom>
+        </p:spPr>
+      </p:pic>
+      <p:pic>
+        <p:nvPicPr>
+          <p:cNvPr id="6" name="Immagine 5">
+            <a:extLst>
+              <a:ext uri="{FF2B5EF4-FFF2-40B4-BE49-F238E27FC236}">
+                <a16:creationId xmlns:a16="http://schemas.microsoft.com/office/drawing/2014/main" id="{3D0E4CCF-0EDF-F848-9324-0D50EF216714}"/>
+              </a:ext>
+            </a:extLst>
+          </p:cNvPr>
+          <p:cNvPicPr>
+            <a:picLocks noChangeAspect="1"/>
+          </p:cNvPicPr>
+          <p:nvPr/>
+        </p:nvPicPr>
+        <p:blipFill>
+          <a:blip r:embed="rId7"/>
+          <a:stretch>
+            <a:fillRect/>
+          </a:stretch>
+        </p:blipFill>
+        <p:spPr>
+          <a:xfrm>
+            <a:off x="5324860" y="5160794"/>
+            <a:ext cx="1542279" cy="452779"/>
+          </a:xfrm>
+          <a:prstGeom prst="rect">
+            <a:avLst/>
+          </a:prstGeom>
+        </p:spPr>
+      </p:pic>
+    </p:spTree>
+    <p:extLst>
+      <p:ext uri="{BB962C8B-B14F-4D97-AF65-F5344CB8AC3E}">
+        <p14:creationId xmlns:p14="http://schemas.microsoft.com/office/powerpoint/2010/main" val="1367849245"/>
+      </p:ext>
+    </p:extLst>
+  </p:cSld>
+  <p:clrMapOvr>
+    <a:masterClrMapping/>
+  </p:clrMapOvr>
+</p:sld>
+</file>
+
+<file path=ppt/slides/slide36.xml><?xml version="1.0" encoding="utf-8"?>
+<p:sld xmlns:a="http://schemas.openxmlformats.org/drawingml/2006/main" xmlns:r="http://schemas.openxmlformats.org/officeDocument/2006/relationships" xmlns:p="http://schemas.openxmlformats.org/presentationml/2006/main">
+  <p:cSld>
+    <p:spTree>
+      <p:nvGrpSpPr>
+        <p:cNvPr id="1" name=""/>
+        <p:cNvGrpSpPr/>
+        <p:nvPr/>
+      </p:nvGrpSpPr>
+      <p:grpSpPr>
+        <a:xfrm>
+          <a:off x="0" y="0"/>
+          <a:ext cx="0" cy="0"/>
+          <a:chOff x="0" y="0"/>
+          <a:chExt cx="0" cy="0"/>
+        </a:xfrm>
+      </p:grpSpPr>
+      <p:pic>
+        <p:nvPicPr>
+          <p:cNvPr id="5" name="Immagine 4">
+            <a:extLst>
+              <a:ext uri="{FF2B5EF4-FFF2-40B4-BE49-F238E27FC236}">
+                <a16:creationId xmlns:a16="http://schemas.microsoft.com/office/drawing/2014/main" id="{6B271FC1-9853-8B46-B074-A5E6D5A515AD}"/>
+              </a:ext>
+            </a:extLst>
+          </p:cNvPr>
+          <p:cNvPicPr>
+            <a:picLocks noChangeAspect="1"/>
+          </p:cNvPicPr>
+          <p:nvPr/>
+        </p:nvPicPr>
+        <p:blipFill>
+          <a:blip r:embed="rId2"/>
+          <a:stretch>
+            <a:fillRect/>
+          </a:stretch>
+        </p:blipFill>
+        <p:spPr>
+          <a:xfrm>
+            <a:off x="1714030" y="1475623"/>
+            <a:ext cx="2093143" cy="1332000"/>
+          </a:xfrm>
+          <a:prstGeom prst="rect">
+            <a:avLst/>
+          </a:prstGeom>
+        </p:spPr>
+      </p:pic>
+      <p:sp>
+        <p:nvSpPr>
+          <p:cNvPr id="8" name="Titolo 1">
+            <a:extLst>
+              <a:ext uri="{FF2B5EF4-FFF2-40B4-BE49-F238E27FC236}">
+                <a16:creationId xmlns:a16="http://schemas.microsoft.com/office/drawing/2014/main" id="{E8EDF0BB-0558-644B-BB96-58C4BD179ABC}"/>
+              </a:ext>
+            </a:extLst>
+          </p:cNvPr>
+          <p:cNvSpPr txBox="1">
+            <a:spLocks/>
+          </p:cNvSpPr>
+          <p:nvPr/>
+        </p:nvSpPr>
+        <p:spPr>
+          <a:xfrm>
+            <a:off x="1524000" y="454393"/>
+            <a:ext cx="9144000" cy="1021230"/>
+          </a:xfrm>
+          <a:prstGeom prst="rect">
+            <a:avLst/>
+          </a:prstGeom>
+        </p:spPr>
+        <p:txBody>
+          <a:bodyPr vert="horz" lIns="91440" tIns="45720" rIns="91440" bIns="45720" rtlCol="0" anchor="ctr">
+            <a:normAutofit/>
+          </a:bodyPr>
+          <a:lstStyle>
+            <a:lvl1pPr algn="l" defTabSz="914400" rtl="0" eaLnBrk="1" latinLnBrk="0" hangingPunct="1">
+              <a:lnSpc>
+                <a:spcPct val="90000"/>
+              </a:lnSpc>
+              <a:spcBef>
+                <a:spcPct val="0"/>
+              </a:spcBef>
+              <a:buNone/>
+              <a:defRPr sz="4400" kern="1200">
+                <a:solidFill>
+                  <a:schemeClr val="tx1"/>
+                </a:solidFill>
+                <a:latin typeface="+mj-lt"/>
+                <a:ea typeface="+mj-ea"/>
+                <a:cs typeface="+mj-cs"/>
+              </a:defRPr>
+            </a:lvl1pPr>
+          </a:lstStyle>
+          <a:p>
+            <a:pPr algn="ctr"/>
+            <a:r>
+              <a:rPr lang="it-IT" dirty="0"/>
+              <a:t>Gantry crane</a:t>
+            </a:r>
+          </a:p>
+        </p:txBody>
+      </p:sp>
+      <mc:AlternateContent xmlns:mc="http://schemas.openxmlformats.org/markup-compatibility/2006" xmlns:a14="http://schemas.microsoft.com/office/drawing/2010/main">
+        <mc:Choice Requires="a14">
           <p:sp>
             <p:nvSpPr>
               <p:cNvPr id="9" name="CasellaDiTesto 8">
@@ -16770,7 +17061,7 @@
             </p:txBody>
           </p:sp>
         </mc:Choice>
-        <mc:Fallback>
+        <mc:Fallback xmlns="">
           <p:sp>
             <p:nvSpPr>
               <p:cNvPr id="9" name="CasellaDiTesto 8">
@@ -16843,7 +17134,7 @@
           <a:p>
             <a:fld id="{4EF59023-6175-3944-979D-CFE35E3A8267}" type="datetime1">
               <a:rPr lang="it-IT" smtClean="0"/>
-              <a:t>11/01/22</a:t>
+              <a:t>27/01/2022</a:t>
             </a:fld>
             <a:endParaRPr lang="en-US" dirty="0"/>
           </a:p>
@@ -16911,7 +17202,7 @@
           <a:p>
             <a:fld id="{6D22F896-40B5-4ADD-8801-0D06FADFA095}" type="slidenum">
               <a:rPr lang="en-US" smtClean="0"/>
-              <a:t>35</a:t>
+              <a:t>36</a:t>
             </a:fld>
             <a:endParaRPr lang="en-US" dirty="0"/>
           </a:p>
@@ -16953,8 +17244,8 @@
           </a:prstGeom>
         </p:spPr>
       </p:pic>
-      <mc:AlternateContent xmlns:mc="http://schemas.openxmlformats.org/markup-compatibility/2006">
-        <mc:Choice xmlns:a14="http://schemas.microsoft.com/office/drawing/2010/main" Requires="a14">
+      <mc:AlternateContent xmlns:mc="http://schemas.openxmlformats.org/markup-compatibility/2006" xmlns:a14="http://schemas.microsoft.com/office/drawing/2010/main">
+        <mc:Choice Requires="a14">
           <p:sp>
             <p:nvSpPr>
               <p:cNvPr id="13" name="CasellaDiTesto 12">
@@ -17020,6 +17311,7 @@
                 </a:r>
               </a:p>
               <a:p>
+                <a:pPr/>
                 <a14:m>
                   <m:oMathPara xmlns:m="http://schemas.openxmlformats.org/officeDocument/2006/math">
                     <m:oMathParaPr>
@@ -17299,7 +17591,7 @@
             </p:txBody>
           </p:sp>
         </mc:Choice>
-        <mc:Fallback>
+        <mc:Fallback xmlns="">
           <p:sp>
             <p:nvSpPr>
               <p:cNvPr id="13" name="CasellaDiTesto 12">
@@ -17357,7 +17649,7 @@
 </p:sld>
 </file>
 
-<file path=ppt/slides/slide36.xml><?xml version="1.0" encoding="utf-8"?>
+<file path=ppt/slides/slide37.xml><?xml version="1.0" encoding="utf-8"?>
 <p:sld xmlns:a="http://schemas.openxmlformats.org/drawingml/2006/main" xmlns:r="http://schemas.openxmlformats.org/officeDocument/2006/relationships" xmlns:p="http://schemas.openxmlformats.org/presentationml/2006/main">
   <p:cSld>
     <p:spTree>
@@ -17423,18 +17715,9 @@
           <a:p>
             <a:pPr algn="ctr"/>
             <a:r>
-              <a:rPr lang="it-IT" dirty="0" err="1"/>
-              <a:t>Granty</a:t>
-            </a:r>
-            <a:r>
               <a:rPr lang="it-IT" dirty="0"/>
-              <a:t> </a:t>
-            </a:r>
-            <a:r>
-              <a:rPr lang="it-IT" dirty="0" err="1"/>
-              <a:t>crane</a:t>
-            </a:r>
-            <a:endParaRPr lang="it-IT" dirty="0"/>
+              <a:t>Gantry crane</a:t>
+            </a:r>
           </a:p>
         </p:txBody>
       </p:sp>
@@ -17496,7 +17779,7 @@
           <a:p>
             <a:fld id="{4EF59023-6175-3944-979D-CFE35E3A8267}" type="datetime1">
               <a:rPr lang="it-IT" smtClean="0"/>
-              <a:t>11/01/22</a:t>
+              <a:t>27/01/2022</a:t>
             </a:fld>
             <a:endParaRPr lang="en-US" dirty="0"/>
           </a:p>
@@ -17564,7 +17847,7 @@
           <a:p>
             <a:fld id="{6D22F896-40B5-4ADD-8801-0D06FADFA095}" type="slidenum">
               <a:rPr lang="en-US" smtClean="0"/>
-              <a:t>36</a:t>
+              <a:t>37</a:t>
             </a:fld>
             <a:endParaRPr lang="en-US" dirty="0"/>
           </a:p>
@@ -17606,8 +17889,8 @@
           </a:prstGeom>
         </p:spPr>
       </p:pic>
-      <mc:AlternateContent xmlns:mc="http://schemas.openxmlformats.org/markup-compatibility/2006">
-        <mc:Choice xmlns:a14="http://schemas.microsoft.com/office/drawing/2010/main" Requires="a14">
+      <mc:AlternateContent xmlns:mc="http://schemas.openxmlformats.org/markup-compatibility/2006" xmlns:a14="http://schemas.microsoft.com/office/drawing/2010/main">
+        <mc:Choice Requires="a14">
           <p:sp>
             <p:nvSpPr>
               <p:cNvPr id="2" name="CasellaDiTesto 1">
@@ -17683,7 +17966,7 @@
             </p:txBody>
           </p:sp>
         </mc:Choice>
-        <mc:Fallback>
+        <mc:Fallback xmlns="">
           <p:sp>
             <p:nvSpPr>
               <p:cNvPr id="2" name="CasellaDiTesto 1">
@@ -17807,7 +18090,7 @@
 </p:sld>
 </file>
 
-<file path=ppt/slides/slide37.xml><?xml version="1.0" encoding="utf-8"?>
+<file path=ppt/slides/slide38.xml><?xml version="1.0" encoding="utf-8"?>
 <p:sld xmlns:a="http://schemas.openxmlformats.org/drawingml/2006/main" xmlns:r="http://schemas.openxmlformats.org/officeDocument/2006/relationships" xmlns:p="http://schemas.openxmlformats.org/presentationml/2006/main">
   <p:cSld>
     <p:spTree>
@@ -17903,23 +18186,14 @@
           <a:p>
             <a:pPr algn="ctr"/>
             <a:r>
-              <a:rPr lang="it-IT" dirty="0" err="1"/>
-              <a:t>Granty</a:t>
-            </a:r>
-            <a:r>
               <a:rPr lang="it-IT" dirty="0"/>
-              <a:t> </a:t>
-            </a:r>
-            <a:r>
-              <a:rPr lang="it-IT" dirty="0" err="1"/>
-              <a:t>crane</a:t>
-            </a:r>
-            <a:endParaRPr lang="it-IT" dirty="0"/>
-          </a:p>
-        </p:txBody>
-      </p:sp>
-      <mc:AlternateContent xmlns:mc="http://schemas.openxmlformats.org/markup-compatibility/2006">
-        <mc:Choice xmlns:a14="http://schemas.microsoft.com/office/drawing/2010/main" Requires="a14">
+              <a:t>Gantry crane</a:t>
+            </a:r>
+          </a:p>
+        </p:txBody>
+      </p:sp>
+      <mc:AlternateContent xmlns:mc="http://schemas.openxmlformats.org/markup-compatibility/2006" xmlns:a14="http://schemas.microsoft.com/office/drawing/2010/main">
+        <mc:Choice Requires="a14">
           <p:sp>
             <p:nvSpPr>
               <p:cNvPr id="9" name="CasellaDiTesto 8">
@@ -17971,7 +18245,7 @@
             </p:txBody>
           </p:sp>
         </mc:Choice>
-        <mc:Fallback>
+        <mc:Fallback xmlns="">
           <p:sp>
             <p:nvSpPr>
               <p:cNvPr id="9" name="CasellaDiTesto 8">
@@ -18044,7 +18318,7 @@
           <a:p>
             <a:fld id="{4EF59023-6175-3944-979D-CFE35E3A8267}" type="datetime1">
               <a:rPr lang="it-IT" smtClean="0"/>
-              <a:t>11/01/22</a:t>
+              <a:t>27/01/2022</a:t>
             </a:fld>
             <a:endParaRPr lang="en-US" dirty="0"/>
           </a:p>
@@ -18112,7 +18386,7 @@
           <a:p>
             <a:fld id="{6D22F896-40B5-4ADD-8801-0D06FADFA095}" type="slidenum">
               <a:rPr lang="en-US" smtClean="0"/>
-              <a:t>37</a:t>
+              <a:t>38</a:t>
             </a:fld>
             <a:endParaRPr lang="en-US" dirty="0"/>
           </a:p>
@@ -18184,8 +18458,8 @@
           </a:prstGeom>
         </p:spPr>
       </p:pic>
-      <mc:AlternateContent xmlns:mc="http://schemas.openxmlformats.org/markup-compatibility/2006">
-        <mc:Choice xmlns:a14="http://schemas.microsoft.com/office/drawing/2010/main" Requires="a14">
+      <mc:AlternateContent xmlns:mc="http://schemas.openxmlformats.org/markup-compatibility/2006" xmlns:a14="http://schemas.microsoft.com/office/drawing/2010/main">
+        <mc:Choice Requires="a14">
           <p:sp>
             <p:nvSpPr>
               <p:cNvPr id="18" name="CasellaDiTesto 17">
@@ -18257,7 +18531,7 @@
             </p:txBody>
           </p:sp>
         </mc:Choice>
-        <mc:Fallback>
+        <mc:Fallback xmlns="">
           <p:sp>
             <p:nvSpPr>
               <p:cNvPr id="18" name="CasellaDiTesto 17">
@@ -18345,7 +18619,7 @@
 </p:sld>
 </file>
 
-<file path=ppt/slides/slide38.xml><?xml version="1.0" encoding="utf-8"?>
+<file path=ppt/slides/slide39.xml><?xml version="1.0" encoding="utf-8"?>
 <p:sld xmlns:a="http://schemas.openxmlformats.org/drawingml/2006/main" xmlns:r="http://schemas.openxmlformats.org/officeDocument/2006/relationships" xmlns:p="http://schemas.openxmlformats.org/presentationml/2006/main">
   <p:cSld>
     <p:spTree>
@@ -18411,18 +18685,9 @@
           <a:p>
             <a:pPr algn="ctr"/>
             <a:r>
-              <a:rPr lang="it-IT" dirty="0" err="1"/>
-              <a:t>Granty</a:t>
-            </a:r>
-            <a:r>
               <a:rPr lang="it-IT" dirty="0"/>
-              <a:t> </a:t>
-            </a:r>
-            <a:r>
-              <a:rPr lang="it-IT" dirty="0" err="1"/>
-              <a:t>crane</a:t>
-            </a:r>
-            <a:endParaRPr lang="it-IT" dirty="0"/>
+              <a:t>Gantry crane</a:t>
+            </a:r>
           </a:p>
         </p:txBody>
       </p:sp>
@@ -18484,7 +18749,7 @@
           <a:p>
             <a:fld id="{4EF59023-6175-3944-979D-CFE35E3A8267}" type="datetime1">
               <a:rPr lang="it-IT" smtClean="0"/>
-              <a:t>11/01/22</a:t>
+              <a:t>27/01/2022</a:t>
             </a:fld>
             <a:endParaRPr lang="en-US" dirty="0"/>
           </a:p>
@@ -18556,7 +18821,7 @@
           <a:p>
             <a:fld id="{6D22F896-40B5-4ADD-8801-0D06FADFA095}" type="slidenum">
               <a:rPr lang="en-US" smtClean="0"/>
-              <a:t>38</a:t>
+              <a:t>39</a:t>
             </a:fld>
             <a:endParaRPr lang="en-US" dirty="0"/>
           </a:p>
@@ -18598,8 +18863,8 @@
           </a:prstGeom>
         </p:spPr>
       </p:pic>
-      <mc:AlternateContent xmlns:mc="http://schemas.openxmlformats.org/markup-compatibility/2006">
-        <mc:Choice xmlns:a14="http://schemas.microsoft.com/office/drawing/2010/main" Requires="a14">
+      <mc:AlternateContent xmlns:mc="http://schemas.openxmlformats.org/markup-compatibility/2006" xmlns:a14="http://schemas.microsoft.com/office/drawing/2010/main">
+        <mc:Choice Requires="a14">
           <p:sp>
             <p:nvSpPr>
               <p:cNvPr id="2" name="CasellaDiTesto 1">
@@ -18675,7 +18940,7 @@
             </p:txBody>
           </p:sp>
         </mc:Choice>
-        <mc:Fallback>
+        <mc:Fallback xmlns="">
           <p:sp>
             <p:nvSpPr>
               <p:cNvPr id="2" name="CasellaDiTesto 1">
@@ -18790,238 +19055,6 @@
     <p:extLst>
       <p:ext uri="{BB962C8B-B14F-4D97-AF65-F5344CB8AC3E}">
         <p14:creationId xmlns:p14="http://schemas.microsoft.com/office/powerpoint/2010/main" val="1954747474"/>
-      </p:ext>
-    </p:extLst>
-  </p:cSld>
-  <p:clrMapOvr>
-    <a:masterClrMapping/>
-  </p:clrMapOvr>
-</p:sld>
-</file>
-
-<file path=ppt/slides/slide39.xml><?xml version="1.0" encoding="utf-8"?>
-<p:sld xmlns:a="http://schemas.openxmlformats.org/drawingml/2006/main" xmlns:r="http://schemas.openxmlformats.org/officeDocument/2006/relationships" xmlns:p="http://schemas.openxmlformats.org/presentationml/2006/main">
-  <p:cSld>
-    <p:spTree>
-      <p:nvGrpSpPr>
-        <p:cNvPr id="1" name=""/>
-        <p:cNvGrpSpPr/>
-        <p:nvPr/>
-      </p:nvGrpSpPr>
-      <p:grpSpPr>
-        <a:xfrm>
-          <a:off x="0" y="0"/>
-          <a:ext cx="0" cy="0"/>
-          <a:chOff x="0" y="0"/>
-          <a:chExt cx="0" cy="0"/>
-        </a:xfrm>
-      </p:grpSpPr>
-      <p:sp>
-        <p:nvSpPr>
-          <p:cNvPr id="8" name="Titolo 1">
-            <a:extLst>
-              <a:ext uri="{FF2B5EF4-FFF2-40B4-BE49-F238E27FC236}">
-                <a16:creationId xmlns:a16="http://schemas.microsoft.com/office/drawing/2014/main" id="{E8EDF0BB-0558-644B-BB96-58C4BD179ABC}"/>
-              </a:ext>
-            </a:extLst>
-          </p:cNvPr>
-          <p:cNvSpPr txBox="1">
-            <a:spLocks/>
-          </p:cNvSpPr>
-          <p:nvPr/>
-        </p:nvSpPr>
-        <p:spPr>
-          <a:xfrm>
-            <a:off x="1524000" y="2729761"/>
-            <a:ext cx="9144000" cy="1021230"/>
-          </a:xfrm>
-          <a:prstGeom prst="rect">
-            <a:avLst/>
-          </a:prstGeom>
-        </p:spPr>
-        <p:txBody>
-          <a:bodyPr vert="horz" lIns="91440" tIns="45720" rIns="91440" bIns="45720" rtlCol="0" anchor="ctr">
-            <a:normAutofit/>
-          </a:bodyPr>
-          <a:lstStyle>
-            <a:lvl1pPr algn="l" defTabSz="914400" rtl="0" eaLnBrk="1" latinLnBrk="0" hangingPunct="1">
-              <a:lnSpc>
-                <a:spcPct val="90000"/>
-              </a:lnSpc>
-              <a:spcBef>
-                <a:spcPct val="0"/>
-              </a:spcBef>
-              <a:buNone/>
-              <a:defRPr sz="4400" kern="1200">
-                <a:solidFill>
-                  <a:schemeClr val="tx1"/>
-                </a:solidFill>
-                <a:latin typeface="+mj-lt"/>
-                <a:ea typeface="+mj-ea"/>
-                <a:cs typeface="+mj-cs"/>
-              </a:defRPr>
-            </a:lvl1pPr>
-          </a:lstStyle>
-          <a:p>
-            <a:pPr algn="ctr"/>
-            <a:r>
-              <a:rPr lang="it-IT" dirty="0"/>
-              <a:t>Grazie </a:t>
-            </a:r>
-            <a:r>
-              <a:rPr lang="it-IT"/>
-              <a:t>per l’attenzione.</a:t>
-            </a:r>
-            <a:endParaRPr lang="it-IT" dirty="0"/>
-          </a:p>
-        </p:txBody>
-      </p:sp>
-      <p:sp>
-        <p:nvSpPr>
-          <p:cNvPr id="5" name="Segnaposto data 3">
-            <a:extLst>
-              <a:ext uri="{FF2B5EF4-FFF2-40B4-BE49-F238E27FC236}">
-                <a16:creationId xmlns:a16="http://schemas.microsoft.com/office/drawing/2014/main" id="{10832284-2AF9-D442-A2BC-3A4C6C544DF0}"/>
-              </a:ext>
-            </a:extLst>
-          </p:cNvPr>
-          <p:cNvSpPr>
-            <a:spLocks noGrp="1"/>
-          </p:cNvSpPr>
-          <p:nvPr>
-            <p:ph type="dt" sz="half" idx="10"/>
-          </p:nvPr>
-        </p:nvSpPr>
-        <p:spPr>
-          <a:xfrm>
-            <a:off x="838200" y="6356350"/>
-            <a:ext cx="2743200" cy="365125"/>
-          </a:xfrm>
-        </p:spPr>
-        <p:txBody>
-          <a:bodyPr/>
-          <a:lstStyle/>
-          <a:p>
-            <a:fld id="{4EF59023-6175-3944-979D-CFE35E3A8267}" type="datetime1">
-              <a:rPr lang="it-IT" smtClean="0"/>
-              <a:t>11/01/22</a:t>
-            </a:fld>
-            <a:endParaRPr lang="en-US" dirty="0"/>
-          </a:p>
-        </p:txBody>
-      </p:sp>
-      <p:sp>
-        <p:nvSpPr>
-          <p:cNvPr id="7" name="Segnaposto piè di pagina 4">
-            <a:extLst>
-              <a:ext uri="{FF2B5EF4-FFF2-40B4-BE49-F238E27FC236}">
-                <a16:creationId xmlns:a16="http://schemas.microsoft.com/office/drawing/2014/main" id="{5C3B2BD7-91A2-CA4F-9DA6-4CE984B6F87C}"/>
-              </a:ext>
-            </a:extLst>
-          </p:cNvPr>
-          <p:cNvSpPr>
-            <a:spLocks noGrp="1"/>
-          </p:cNvSpPr>
-          <p:nvPr>
-            <p:ph type="ftr" sz="quarter" idx="11"/>
-          </p:nvPr>
-        </p:nvSpPr>
-        <p:spPr>
-          <a:xfrm>
-            <a:off x="4038600" y="6356350"/>
-            <a:ext cx="4114800" cy="365125"/>
-          </a:xfrm>
-        </p:spPr>
-        <p:txBody>
-          <a:bodyPr/>
-          <a:lstStyle/>
-          <a:p>
-            <a:r>
-              <a:rPr lang="en-US" dirty="0"/>
-              <a:t>Arianna </a:t>
-            </a:r>
-            <a:r>
-              <a:rPr lang="en-US" dirty="0" err="1"/>
-              <a:t>Gasparri</a:t>
-            </a:r>
-            <a:endParaRPr lang="en-US" dirty="0"/>
-          </a:p>
-        </p:txBody>
-      </p:sp>
-      <p:sp>
-        <p:nvSpPr>
-          <p:cNvPr id="10" name="Segnaposto numero diapositiva 5">
-            <a:extLst>
-              <a:ext uri="{FF2B5EF4-FFF2-40B4-BE49-F238E27FC236}">
-                <a16:creationId xmlns:a16="http://schemas.microsoft.com/office/drawing/2014/main" id="{5568013C-6B52-9D43-B6C2-2654FF7BD98A}"/>
-              </a:ext>
-            </a:extLst>
-          </p:cNvPr>
-          <p:cNvSpPr>
-            <a:spLocks noGrp="1"/>
-          </p:cNvSpPr>
-          <p:nvPr>
-            <p:ph type="sldNum" sz="quarter" idx="12"/>
-          </p:nvPr>
-        </p:nvSpPr>
-        <p:spPr>
-          <a:xfrm>
-            <a:off x="8610600" y="6356350"/>
-            <a:ext cx="2743200" cy="365125"/>
-          </a:xfrm>
-        </p:spPr>
-        <p:txBody>
-          <a:bodyPr/>
-          <a:lstStyle/>
-          <a:p>
-            <a:fld id="{6D22F896-40B5-4ADD-8801-0D06FADFA095}" type="slidenum">
-              <a:rPr lang="en-US" smtClean="0"/>
-              <a:t>39</a:t>
-            </a:fld>
-            <a:endParaRPr lang="en-US" dirty="0"/>
-          </a:p>
-        </p:txBody>
-      </p:sp>
-      <p:pic>
-        <p:nvPicPr>
-          <p:cNvPr id="11" name="Immagine 10">
-            <a:extLst>
-              <a:ext uri="{FF2B5EF4-FFF2-40B4-BE49-F238E27FC236}">
-                <a16:creationId xmlns:a16="http://schemas.microsoft.com/office/drawing/2014/main" id="{E9214F11-0DDC-E448-AFA0-4E2BD04563C4}"/>
-              </a:ext>
-            </a:extLst>
-          </p:cNvPr>
-          <p:cNvPicPr>
-            <a:picLocks noChangeAspect="1"/>
-          </p:cNvPicPr>
-          <p:nvPr/>
-        </p:nvPicPr>
-        <p:blipFill>
-          <a:blip r:embed="rId2" cstate="print">
-            <a:extLst>
-              <a:ext uri="{28A0092B-C50C-407E-A947-70E740481C1C}">
-                <a14:useLocalDpi xmlns:a14="http://schemas.microsoft.com/office/drawing/2010/main" val="0"/>
-              </a:ext>
-            </a:extLst>
-          </a:blip>
-          <a:stretch>
-            <a:fillRect/>
-          </a:stretch>
-        </p:blipFill>
-        <p:spPr>
-          <a:xfrm>
-            <a:off x="241420" y="265431"/>
-            <a:ext cx="571500" cy="518160"/>
-          </a:xfrm>
-          <a:prstGeom prst="rect">
-            <a:avLst/>
-          </a:prstGeom>
-        </p:spPr>
-      </p:pic>
-    </p:spTree>
-    <p:extLst>
-      <p:ext uri="{BB962C8B-B14F-4D97-AF65-F5344CB8AC3E}">
-        <p14:creationId xmlns:p14="http://schemas.microsoft.com/office/powerpoint/2010/main" val="3346227278"/>
       </p:ext>
     </p:extLst>
   </p:cSld>
@@ -20949,7 +20982,7 @@
           <a:p>
             <a:fld id="{4EF59023-6175-3944-979D-CFE35E3A8267}" type="datetime1">
               <a:rPr lang="it-IT" smtClean="0"/>
-              <a:t>08/01/22</a:t>
+              <a:t>27/01/2022</a:t>
             </a:fld>
             <a:endParaRPr lang="en-US" dirty="0"/>
           </a:p>
@@ -21063,6 +21096,238 @@
     <p:extLst>
       <p:ext uri="{BB962C8B-B14F-4D97-AF65-F5344CB8AC3E}">
         <p14:creationId xmlns:p14="http://schemas.microsoft.com/office/powerpoint/2010/main" val="2254414322"/>
+      </p:ext>
+    </p:extLst>
+  </p:cSld>
+  <p:clrMapOvr>
+    <a:masterClrMapping/>
+  </p:clrMapOvr>
+</p:sld>
+</file>
+
+<file path=ppt/slides/slide40.xml><?xml version="1.0" encoding="utf-8"?>
+<p:sld xmlns:a="http://schemas.openxmlformats.org/drawingml/2006/main" xmlns:r="http://schemas.openxmlformats.org/officeDocument/2006/relationships" xmlns:p="http://schemas.openxmlformats.org/presentationml/2006/main">
+  <p:cSld>
+    <p:spTree>
+      <p:nvGrpSpPr>
+        <p:cNvPr id="1" name=""/>
+        <p:cNvGrpSpPr/>
+        <p:nvPr/>
+      </p:nvGrpSpPr>
+      <p:grpSpPr>
+        <a:xfrm>
+          <a:off x="0" y="0"/>
+          <a:ext cx="0" cy="0"/>
+          <a:chOff x="0" y="0"/>
+          <a:chExt cx="0" cy="0"/>
+        </a:xfrm>
+      </p:grpSpPr>
+      <p:sp>
+        <p:nvSpPr>
+          <p:cNvPr id="8" name="Titolo 1">
+            <a:extLst>
+              <a:ext uri="{FF2B5EF4-FFF2-40B4-BE49-F238E27FC236}">
+                <a16:creationId xmlns:a16="http://schemas.microsoft.com/office/drawing/2014/main" id="{E8EDF0BB-0558-644B-BB96-58C4BD179ABC}"/>
+              </a:ext>
+            </a:extLst>
+          </p:cNvPr>
+          <p:cNvSpPr txBox="1">
+            <a:spLocks/>
+          </p:cNvSpPr>
+          <p:nvPr/>
+        </p:nvSpPr>
+        <p:spPr>
+          <a:xfrm>
+            <a:off x="1524000" y="2729761"/>
+            <a:ext cx="9144000" cy="1021230"/>
+          </a:xfrm>
+          <a:prstGeom prst="rect">
+            <a:avLst/>
+          </a:prstGeom>
+        </p:spPr>
+        <p:txBody>
+          <a:bodyPr vert="horz" lIns="91440" tIns="45720" rIns="91440" bIns="45720" rtlCol="0" anchor="ctr">
+            <a:normAutofit/>
+          </a:bodyPr>
+          <a:lstStyle>
+            <a:lvl1pPr algn="l" defTabSz="914400" rtl="0" eaLnBrk="1" latinLnBrk="0" hangingPunct="1">
+              <a:lnSpc>
+                <a:spcPct val="90000"/>
+              </a:lnSpc>
+              <a:spcBef>
+                <a:spcPct val="0"/>
+              </a:spcBef>
+              <a:buNone/>
+              <a:defRPr sz="4400" kern="1200">
+                <a:solidFill>
+                  <a:schemeClr val="tx1"/>
+                </a:solidFill>
+                <a:latin typeface="+mj-lt"/>
+                <a:ea typeface="+mj-ea"/>
+                <a:cs typeface="+mj-cs"/>
+              </a:defRPr>
+            </a:lvl1pPr>
+          </a:lstStyle>
+          <a:p>
+            <a:pPr algn="ctr"/>
+            <a:r>
+              <a:rPr lang="it-IT" dirty="0"/>
+              <a:t>Grazie </a:t>
+            </a:r>
+            <a:r>
+              <a:rPr lang="it-IT"/>
+              <a:t>per l’attenzione.</a:t>
+            </a:r>
+            <a:endParaRPr lang="it-IT" dirty="0"/>
+          </a:p>
+        </p:txBody>
+      </p:sp>
+      <p:sp>
+        <p:nvSpPr>
+          <p:cNvPr id="5" name="Segnaposto data 3">
+            <a:extLst>
+              <a:ext uri="{FF2B5EF4-FFF2-40B4-BE49-F238E27FC236}">
+                <a16:creationId xmlns:a16="http://schemas.microsoft.com/office/drawing/2014/main" id="{10832284-2AF9-D442-A2BC-3A4C6C544DF0}"/>
+              </a:ext>
+            </a:extLst>
+          </p:cNvPr>
+          <p:cNvSpPr>
+            <a:spLocks noGrp="1"/>
+          </p:cNvSpPr>
+          <p:nvPr>
+            <p:ph type="dt" sz="half" idx="10"/>
+          </p:nvPr>
+        </p:nvSpPr>
+        <p:spPr>
+          <a:xfrm>
+            <a:off x="838200" y="6356350"/>
+            <a:ext cx="2743200" cy="365125"/>
+          </a:xfrm>
+        </p:spPr>
+        <p:txBody>
+          <a:bodyPr/>
+          <a:lstStyle/>
+          <a:p>
+            <a:fld id="{4EF59023-6175-3944-979D-CFE35E3A8267}" type="datetime1">
+              <a:rPr lang="it-IT" smtClean="0"/>
+              <a:t>27/01/2022</a:t>
+            </a:fld>
+            <a:endParaRPr lang="en-US" dirty="0"/>
+          </a:p>
+        </p:txBody>
+      </p:sp>
+      <p:sp>
+        <p:nvSpPr>
+          <p:cNvPr id="7" name="Segnaposto piè di pagina 4">
+            <a:extLst>
+              <a:ext uri="{FF2B5EF4-FFF2-40B4-BE49-F238E27FC236}">
+                <a16:creationId xmlns:a16="http://schemas.microsoft.com/office/drawing/2014/main" id="{5C3B2BD7-91A2-CA4F-9DA6-4CE984B6F87C}"/>
+              </a:ext>
+            </a:extLst>
+          </p:cNvPr>
+          <p:cNvSpPr>
+            <a:spLocks noGrp="1"/>
+          </p:cNvSpPr>
+          <p:nvPr>
+            <p:ph type="ftr" sz="quarter" idx="11"/>
+          </p:nvPr>
+        </p:nvSpPr>
+        <p:spPr>
+          <a:xfrm>
+            <a:off x="4038600" y="6356350"/>
+            <a:ext cx="4114800" cy="365125"/>
+          </a:xfrm>
+        </p:spPr>
+        <p:txBody>
+          <a:bodyPr/>
+          <a:lstStyle/>
+          <a:p>
+            <a:r>
+              <a:rPr lang="en-US" dirty="0"/>
+              <a:t>Arianna </a:t>
+            </a:r>
+            <a:r>
+              <a:rPr lang="en-US" dirty="0" err="1"/>
+              <a:t>Gasparri</a:t>
+            </a:r>
+            <a:endParaRPr lang="en-US" dirty="0"/>
+          </a:p>
+        </p:txBody>
+      </p:sp>
+      <p:sp>
+        <p:nvSpPr>
+          <p:cNvPr id="10" name="Segnaposto numero diapositiva 5">
+            <a:extLst>
+              <a:ext uri="{FF2B5EF4-FFF2-40B4-BE49-F238E27FC236}">
+                <a16:creationId xmlns:a16="http://schemas.microsoft.com/office/drawing/2014/main" id="{5568013C-6B52-9D43-B6C2-2654FF7BD98A}"/>
+              </a:ext>
+            </a:extLst>
+          </p:cNvPr>
+          <p:cNvSpPr>
+            <a:spLocks noGrp="1"/>
+          </p:cNvSpPr>
+          <p:nvPr>
+            <p:ph type="sldNum" sz="quarter" idx="12"/>
+          </p:nvPr>
+        </p:nvSpPr>
+        <p:spPr>
+          <a:xfrm>
+            <a:off x="8610600" y="6356350"/>
+            <a:ext cx="2743200" cy="365125"/>
+          </a:xfrm>
+        </p:spPr>
+        <p:txBody>
+          <a:bodyPr/>
+          <a:lstStyle/>
+          <a:p>
+            <a:fld id="{6D22F896-40B5-4ADD-8801-0D06FADFA095}" type="slidenum">
+              <a:rPr lang="en-US" smtClean="0"/>
+              <a:t>40</a:t>
+            </a:fld>
+            <a:endParaRPr lang="en-US" dirty="0"/>
+          </a:p>
+        </p:txBody>
+      </p:sp>
+      <p:pic>
+        <p:nvPicPr>
+          <p:cNvPr id="11" name="Immagine 10">
+            <a:extLst>
+              <a:ext uri="{FF2B5EF4-FFF2-40B4-BE49-F238E27FC236}">
+                <a16:creationId xmlns:a16="http://schemas.microsoft.com/office/drawing/2014/main" id="{E9214F11-0DDC-E448-AFA0-4E2BD04563C4}"/>
+              </a:ext>
+            </a:extLst>
+          </p:cNvPr>
+          <p:cNvPicPr>
+            <a:picLocks noChangeAspect="1"/>
+          </p:cNvPicPr>
+          <p:nvPr/>
+        </p:nvPicPr>
+        <p:blipFill>
+          <a:blip r:embed="rId2" cstate="print">
+            <a:extLst>
+              <a:ext uri="{28A0092B-C50C-407E-A947-70E740481C1C}">
+                <a14:useLocalDpi xmlns:a14="http://schemas.microsoft.com/office/drawing/2010/main" val="0"/>
+              </a:ext>
+            </a:extLst>
+          </a:blip>
+          <a:stretch>
+            <a:fillRect/>
+          </a:stretch>
+        </p:blipFill>
+        <p:spPr>
+          <a:xfrm>
+            <a:off x="241420" y="265431"/>
+            <a:ext cx="571500" cy="518160"/>
+          </a:xfrm>
+          <a:prstGeom prst="rect">
+            <a:avLst/>
+          </a:prstGeom>
+        </p:spPr>
+      </p:pic>
+    </p:spTree>
+    <p:extLst>
+      <p:ext uri="{BB962C8B-B14F-4D97-AF65-F5344CB8AC3E}">
+        <p14:creationId xmlns:p14="http://schemas.microsoft.com/office/powerpoint/2010/main" val="3346227278"/>
       </p:ext>
     </p:extLst>
   </p:cSld>
@@ -21323,7 +21588,7 @@
           <a:p>
             <a:fld id="{4EF59023-6175-3944-979D-CFE35E3A8267}" type="datetime1">
               <a:rPr lang="it-IT" smtClean="0"/>
-              <a:t>08/01/22</a:t>
+              <a:t>27/01/2022</a:t>
             </a:fld>
             <a:endParaRPr lang="en-US" dirty="0"/>
           </a:p>
@@ -22116,7 +22381,7 @@
           <a:p>
             <a:fld id="{4EF59023-6175-3944-979D-CFE35E3A8267}" type="datetime1">
               <a:rPr lang="it-IT" smtClean="0"/>
-              <a:t>08/01/22</a:t>
+              <a:t>27/01/2022</a:t>
             </a:fld>
             <a:endParaRPr lang="en-US" dirty="0"/>
           </a:p>
@@ -22703,7 +22968,7 @@
           <a:p>
             <a:fld id="{4EF59023-6175-3944-979D-CFE35E3A8267}" type="datetime1">
               <a:rPr lang="it-IT" smtClean="0"/>
-              <a:t>08/01/22</a:t>
+              <a:t>27/01/2022</a:t>
             </a:fld>
             <a:endParaRPr lang="en-US" dirty="0"/>
           </a:p>
@@ -22956,7 +23221,7 @@
           <a:p>
             <a:fld id="{4EF59023-6175-3944-979D-CFE35E3A8267}" type="datetime1">
               <a:rPr lang="it-IT" smtClean="0"/>
-              <a:t>11/01/22</a:t>
+              <a:t>27/01/2022</a:t>
             </a:fld>
             <a:endParaRPr lang="en-US" dirty="0"/>
           </a:p>
@@ -23066,8 +23331,8 @@
           </a:prstGeom>
         </p:spPr>
       </p:pic>
-      <mc:AlternateContent xmlns:mc="http://schemas.openxmlformats.org/markup-compatibility/2006">
-        <mc:Choice xmlns:a14="http://schemas.microsoft.com/office/drawing/2010/main" Requires="a14">
+      <mc:AlternateContent xmlns:mc="http://schemas.openxmlformats.org/markup-compatibility/2006" xmlns:a14="http://schemas.microsoft.com/office/drawing/2010/main">
+        <mc:Choice Requires="a14">
           <p:sp>
             <p:nvSpPr>
               <p:cNvPr id="3" name="CasellaDiTesto 2">
@@ -23146,13 +23411,7 @@
                       <a:rPr lang="it-IT" i="1">
                         <a:latin typeface="Cambria Math" panose="02040503050406030204" pitchFamily="18" charset="0"/>
                       </a:rPr>
-                      <m:t>𝑞</m:t>
-                    </m:r>
-                    <m:r>
-                      <a:rPr lang="it-IT" i="1" baseline="-25000">
-                        <a:latin typeface="Cambria Math" panose="02040503050406030204" pitchFamily="18" charset="0"/>
-                      </a:rPr>
-                      <m:t>𝑓</m:t>
+                      <m:t>𝑞𝑓</m:t>
                     </m:r>
                     <m:r>
                       <a:rPr lang="it-IT" i="1">
@@ -23203,7 +23462,7 @@
             </p:txBody>
           </p:sp>
         </mc:Choice>
-        <mc:Fallback>
+        <mc:Fallback xmlns="">
           <p:sp>
             <p:nvSpPr>
               <p:cNvPr id="3" name="CasellaDiTesto 2">
@@ -23414,7 +23673,7 @@
           <a:p>
             <a:fld id="{4EF59023-6175-3944-979D-CFE35E3A8267}" type="datetime1">
               <a:rPr lang="it-IT" smtClean="0"/>
-              <a:t>10/01/22</a:t>
+              <a:t>27/01/2022</a:t>
             </a:fld>
             <a:endParaRPr lang="en-US" dirty="0"/>
           </a:p>

--- a/Relazione/Presentazione.pptx
+++ b/Relazione/Presentazione.pptx
@@ -45,7 +45,8 @@
     <p:sldId id="298" r:id="rId39"/>
     <p:sldId id="299" r:id="rId40"/>
     <p:sldId id="301" r:id="rId41"/>
-    <p:sldId id="302" r:id="rId42"/>
+    <p:sldId id="305" r:id="rId42"/>
+    <p:sldId id="302" r:id="rId43"/>
   </p:sldIdLst>
   <p:sldSz cx="12192000" cy="6858000"/>
   <p:notesSz cx="6858000" cy="9144000"/>
@@ -152,6 +153,18 @@
 </p:presentation>
 </file>
 
+<file path=ppt/commentAuthors.xml><?xml version="1.0" encoding="utf-8"?>
+<p:cmAuthorLst xmlns:a="http://schemas.openxmlformats.org/drawingml/2006/main" xmlns:r="http://schemas.openxmlformats.org/officeDocument/2006/relationships" xmlns:p="http://schemas.openxmlformats.org/presentationml/2006/main">
+  <p:cmAuthor id="1" name="Arianna Gasparri" initials="AG" lastIdx="1" clrIdx="0">
+    <p:extLst>
+      <p:ext uri="{19B8F6BF-5375-455C-9EA6-DF929625EA0E}">
+        <p15:presenceInfo xmlns:p15="http://schemas.microsoft.com/office/powerpoint/2012/main" userId="Arianna Gasparri" providerId="None"/>
+      </p:ext>
+    </p:extLst>
+  </p:cmAuthor>
+</p:cmAuthorLst>
+</file>
+
 <file path=ppt/slideLayouts/slideLayout1.xml><?xml version="1.0" encoding="utf-8"?>
 <p:sldLayout xmlns:a="http://schemas.openxmlformats.org/drawingml/2006/main" xmlns:r="http://schemas.openxmlformats.org/officeDocument/2006/relationships" xmlns:p="http://schemas.openxmlformats.org/presentationml/2006/main" type="title" preserve="1">
   <p:cSld name="Diapositiva titolo">
@@ -299,7 +312,7 @@
           <a:p>
             <a:fld id="{27153579-3A4D-BB42-BD49-BB0F80A81A61}" type="datetimeFigureOut">
               <a:rPr lang="it-IT" smtClean="0"/>
-              <a:t>28/01/2022</a:t>
+              <a:t>04/02/2022</a:t>
             </a:fld>
             <a:endParaRPr lang="it-IT"/>
           </a:p>
@@ -472,7 +485,7 @@
           <a:p>
             <a:fld id="{27153579-3A4D-BB42-BD49-BB0F80A81A61}" type="datetimeFigureOut">
               <a:rPr lang="it-IT" smtClean="0"/>
-              <a:t>28/01/2022</a:t>
+              <a:t>04/02/2022</a:t>
             </a:fld>
             <a:endParaRPr lang="it-IT"/>
           </a:p>
@@ -655,7 +668,7 @@
           <a:p>
             <a:fld id="{27153579-3A4D-BB42-BD49-BB0F80A81A61}" type="datetimeFigureOut">
               <a:rPr lang="it-IT" smtClean="0"/>
-              <a:t>28/01/2022</a:t>
+              <a:t>04/02/2022</a:t>
             </a:fld>
             <a:endParaRPr lang="it-IT"/>
           </a:p>
@@ -828,7 +841,7 @@
           <a:p>
             <a:fld id="{27153579-3A4D-BB42-BD49-BB0F80A81A61}" type="datetimeFigureOut">
               <a:rPr lang="it-IT" smtClean="0"/>
-              <a:t>28/01/2022</a:t>
+              <a:t>04/02/2022</a:t>
             </a:fld>
             <a:endParaRPr lang="it-IT"/>
           </a:p>
@@ -1106,7 +1119,7 @@
           <a:p>
             <a:fld id="{27153579-3A4D-BB42-BD49-BB0F80A81A61}" type="datetimeFigureOut">
               <a:rPr lang="it-IT" smtClean="0"/>
-              <a:t>28/01/2022</a:t>
+              <a:t>04/02/2022</a:t>
             </a:fld>
             <a:endParaRPr lang="it-IT"/>
           </a:p>
@@ -1321,7 +1334,7 @@
           <a:p>
             <a:fld id="{27153579-3A4D-BB42-BD49-BB0F80A81A61}" type="datetimeFigureOut">
               <a:rPr lang="it-IT" smtClean="0"/>
-              <a:t>28/01/2022</a:t>
+              <a:t>04/02/2022</a:t>
             </a:fld>
             <a:endParaRPr lang="it-IT"/>
           </a:p>
@@ -1689,7 +1702,7 @@
           <a:p>
             <a:fld id="{27153579-3A4D-BB42-BD49-BB0F80A81A61}" type="datetimeFigureOut">
               <a:rPr lang="it-IT" smtClean="0"/>
-              <a:t>28/01/2022</a:t>
+              <a:t>04/02/2022</a:t>
             </a:fld>
             <a:endParaRPr lang="it-IT"/>
           </a:p>
@@ -1830,7 +1843,7 @@
           <a:p>
             <a:fld id="{27153579-3A4D-BB42-BD49-BB0F80A81A61}" type="datetimeFigureOut">
               <a:rPr lang="it-IT" smtClean="0"/>
-              <a:t>28/01/2022</a:t>
+              <a:t>04/02/2022</a:t>
             </a:fld>
             <a:endParaRPr lang="it-IT"/>
           </a:p>
@@ -1943,7 +1956,7 @@
           <a:p>
             <a:fld id="{27153579-3A4D-BB42-BD49-BB0F80A81A61}" type="datetimeFigureOut">
               <a:rPr lang="it-IT" smtClean="0"/>
-              <a:t>28/01/2022</a:t>
+              <a:t>04/02/2022</a:t>
             </a:fld>
             <a:endParaRPr lang="it-IT"/>
           </a:p>
@@ -2232,7 +2245,7 @@
           <a:p>
             <a:fld id="{27153579-3A4D-BB42-BD49-BB0F80A81A61}" type="datetimeFigureOut">
               <a:rPr lang="it-IT" smtClean="0"/>
-              <a:t>28/01/2022</a:t>
+              <a:t>04/02/2022</a:t>
             </a:fld>
             <a:endParaRPr lang="it-IT"/>
           </a:p>
@@ -2523,7 +2536,7 @@
           <a:p>
             <a:fld id="{27153579-3A4D-BB42-BD49-BB0F80A81A61}" type="datetimeFigureOut">
               <a:rPr lang="it-IT" smtClean="0"/>
-              <a:t>28/01/2022</a:t>
+              <a:t>04/02/2022</a:t>
             </a:fld>
             <a:endParaRPr lang="it-IT"/>
           </a:p>
@@ -2739,7 +2752,7 @@
           <a:p>
             <a:fld id="{27153579-3A4D-BB42-BD49-BB0F80A81A61}" type="datetimeFigureOut">
               <a:rPr lang="it-IT" smtClean="0"/>
-              <a:t>28/01/2022</a:t>
+              <a:t>04/02/2022</a:t>
             </a:fld>
             <a:endParaRPr lang="it-IT"/>
           </a:p>
@@ -3487,7 +3500,7 @@
           <a:p>
             <a:fld id="{4EF59023-6175-3944-979D-CFE35E3A8267}" type="datetime1">
               <a:rPr lang="it-IT" smtClean="0"/>
-              <a:t>28/01/2022</a:t>
+              <a:t>04/02/2022</a:t>
             </a:fld>
             <a:endParaRPr lang="en-US" dirty="0"/>
           </a:p>
@@ -3801,7 +3814,7 @@
           <a:p>
             <a:fld id="{4EF59023-6175-3944-979D-CFE35E3A8267}" type="datetime1">
               <a:rPr lang="it-IT" smtClean="0"/>
-              <a:t>28/01/2022</a:t>
+              <a:t>04/02/2022</a:t>
             </a:fld>
             <a:endParaRPr lang="en-US" dirty="0"/>
           </a:p>
@@ -4145,7 +4158,7 @@
           <a:p>
             <a:fld id="{4EF59023-6175-3944-979D-CFE35E3A8267}" type="datetime1">
               <a:rPr lang="it-IT" smtClean="0"/>
-              <a:t>28/01/2022</a:t>
+              <a:t>04/02/2022</a:t>
             </a:fld>
             <a:endParaRPr lang="en-US" dirty="0"/>
           </a:p>
@@ -4467,7 +4480,7 @@
           <a:p>
             <a:fld id="{4EF59023-6175-3944-979D-CFE35E3A8267}" type="datetime1">
               <a:rPr lang="it-IT" smtClean="0"/>
-              <a:t>28/01/2022</a:t>
+              <a:t>04/02/2022</a:t>
             </a:fld>
             <a:endParaRPr lang="en-US" dirty="0"/>
           </a:p>
@@ -4825,7 +4838,7 @@
           <a:p>
             <a:fld id="{4EF59023-6175-3944-979D-CFE35E3A8267}" type="datetime1">
               <a:rPr lang="it-IT" smtClean="0"/>
-              <a:t>28/01/2022</a:t>
+              <a:t>04/02/2022</a:t>
             </a:fld>
             <a:endParaRPr lang="en-US" dirty="0"/>
           </a:p>
@@ -5138,7 +5151,7 @@
           <a:p>
             <a:fld id="{4EF59023-6175-3944-979D-CFE35E3A8267}" type="datetime1">
               <a:rPr lang="it-IT" smtClean="0"/>
-              <a:t>28/01/2022</a:t>
+              <a:t>04/02/2022</a:t>
             </a:fld>
             <a:endParaRPr lang="en-US" dirty="0"/>
           </a:p>
@@ -5969,7 +5982,7 @@
           <a:p>
             <a:fld id="{4EF59023-6175-3944-979D-CFE35E3A8267}" type="datetime1">
               <a:rPr lang="it-IT" smtClean="0"/>
-              <a:t>28/01/2022</a:t>
+              <a:t>04/02/2022</a:t>
             </a:fld>
             <a:endParaRPr lang="en-US" dirty="0"/>
           </a:p>
@@ -6392,7 +6405,7 @@
           <a:p>
             <a:fld id="{4EF59023-6175-3944-979D-CFE35E3A8267}" type="datetime1">
               <a:rPr lang="it-IT" smtClean="0"/>
-              <a:t>28/01/2022</a:t>
+              <a:t>04/02/2022</a:t>
             </a:fld>
             <a:endParaRPr lang="en-US" dirty="0"/>
           </a:p>
@@ -6926,7 +6939,7 @@
           <a:p>
             <a:fld id="{4EF59023-6175-3944-979D-CFE35E3A8267}" type="datetime1">
               <a:rPr lang="it-IT" smtClean="0"/>
-              <a:t>28/01/2022</a:t>
+              <a:t>04/02/2022</a:t>
             </a:fld>
             <a:endParaRPr lang="en-US" dirty="0"/>
           </a:p>
@@ -7232,7 +7245,7 @@
           <a:p>
             <a:fld id="{4EF59023-6175-3944-979D-CFE35E3A8267}" type="datetime1">
               <a:rPr lang="it-IT" smtClean="0"/>
-              <a:t>28/01/2022</a:t>
+              <a:t>04/02/2022</a:t>
             </a:fld>
             <a:endParaRPr lang="en-US" dirty="0"/>
           </a:p>
@@ -7675,7 +7688,7 @@
           <a:p>
             <a:fld id="{4EF59023-6175-3944-979D-CFE35E3A8267}" type="datetime1">
               <a:rPr lang="it-IT" smtClean="0"/>
-              <a:t>28/01/2022</a:t>
+              <a:t>04/02/2022</a:t>
             </a:fld>
             <a:endParaRPr lang="en-US" dirty="0"/>
           </a:p>
@@ -8213,7 +8226,7 @@
           <a:p>
             <a:fld id="{4EF59023-6175-3944-979D-CFE35E3A8267}" type="datetime1">
               <a:rPr lang="it-IT" smtClean="0"/>
-              <a:t>28/01/2022</a:t>
+              <a:t>04/02/2022</a:t>
             </a:fld>
             <a:endParaRPr lang="en-US" dirty="0"/>
           </a:p>
@@ -8791,7 +8804,7 @@
           <a:p>
             <a:fld id="{4EF59023-6175-3944-979D-CFE35E3A8267}" type="datetime1">
               <a:rPr lang="it-IT" smtClean="0"/>
-              <a:t>28/01/2022</a:t>
+              <a:t>04/02/2022</a:t>
             </a:fld>
             <a:endParaRPr lang="en-US" dirty="0"/>
           </a:p>
@@ -9051,7 +9064,7 @@
           <a:p>
             <a:fld id="{4EF59023-6175-3944-979D-CFE35E3A8267}" type="datetime1">
               <a:rPr lang="it-IT" smtClean="0"/>
-              <a:t>28/01/2022</a:t>
+              <a:t>04/02/2022</a:t>
             </a:fld>
             <a:endParaRPr lang="en-US" dirty="0"/>
           </a:p>
@@ -9311,7 +9324,7 @@
           <a:p>
             <a:fld id="{4EF59023-6175-3944-979D-CFE35E3A8267}" type="datetime1">
               <a:rPr lang="it-IT" smtClean="0"/>
-              <a:t>28/01/2022</a:t>
+              <a:t>04/02/2022</a:t>
             </a:fld>
             <a:endParaRPr lang="en-US" dirty="0"/>
           </a:p>
@@ -9923,7 +9936,7 @@
           <a:p>
             <a:fld id="{4EF59023-6175-3944-979D-CFE35E3A8267}" type="datetime1">
               <a:rPr lang="it-IT" smtClean="0"/>
-              <a:t>28/01/2022</a:t>
+              <a:t>04/02/2022</a:t>
             </a:fld>
             <a:endParaRPr lang="en-US" dirty="0"/>
           </a:p>
@@ -10277,7 +10290,7 @@
           <a:p>
             <a:fld id="{4EF59023-6175-3944-979D-CFE35E3A8267}" type="datetime1">
               <a:rPr lang="it-IT" smtClean="0"/>
-              <a:t>28/01/2022</a:t>
+              <a:t>04/02/2022</a:t>
             </a:fld>
             <a:endParaRPr lang="en-US" dirty="0"/>
           </a:p>
@@ -10669,7 +10682,7 @@
           <a:p>
             <a:fld id="{4EF59023-6175-3944-979D-CFE35E3A8267}" type="datetime1">
               <a:rPr lang="it-IT" smtClean="0"/>
-              <a:t>28/01/2022</a:t>
+              <a:t>04/02/2022</a:t>
             </a:fld>
             <a:endParaRPr lang="en-US" dirty="0"/>
           </a:p>
@@ -11580,7 +11593,7 @@
           <a:p>
             <a:fld id="{4EF59023-6175-3944-979D-CFE35E3A8267}" type="datetime1">
               <a:rPr lang="it-IT" smtClean="0"/>
-              <a:t>28/01/2022</a:t>
+              <a:t>04/02/2022</a:t>
             </a:fld>
             <a:endParaRPr lang="en-US" dirty="0"/>
           </a:p>
@@ -11863,7 +11876,7 @@
           <a:p>
             <a:fld id="{4EF59023-6175-3944-979D-CFE35E3A8267}" type="datetime1">
               <a:rPr lang="it-IT" smtClean="0"/>
-              <a:t>28/01/2022</a:t>
+              <a:t>04/02/2022</a:t>
             </a:fld>
             <a:endParaRPr lang="en-US" dirty="0"/>
           </a:p>
@@ -12905,7 +12918,7 @@
           <a:p>
             <a:fld id="{4EF59023-6175-3944-979D-CFE35E3A8267}" type="datetime1">
               <a:rPr lang="it-IT" smtClean="0"/>
-              <a:t>28/01/2022</a:t>
+              <a:t>04/02/2022</a:t>
             </a:fld>
             <a:endParaRPr lang="en-US" dirty="0"/>
           </a:p>
@@ -13491,7 +13504,7 @@
           <a:p>
             <a:fld id="{4EF59023-6175-3944-979D-CFE35E3A8267}" type="datetime1">
               <a:rPr lang="it-IT" smtClean="0"/>
-              <a:t>28/01/2022</a:t>
+              <a:t>04/02/2022</a:t>
             </a:fld>
             <a:endParaRPr lang="en-US" dirty="0"/>
           </a:p>
@@ -14565,7 +14578,7 @@
           <a:p>
             <a:fld id="{4EF59023-6175-3944-979D-CFE35E3A8267}" type="datetime1">
               <a:rPr lang="it-IT" smtClean="0"/>
-              <a:t>28/01/2022</a:t>
+              <a:t>04/02/2022</a:t>
             </a:fld>
             <a:endParaRPr lang="en-US" dirty="0"/>
           </a:p>
@@ -15055,7 +15068,7 @@
           <a:p>
             <a:fld id="{4EF59023-6175-3944-979D-CFE35E3A8267}" type="datetime1">
               <a:rPr lang="it-IT" smtClean="0"/>
-              <a:t>28/01/2022</a:t>
+              <a:t>04/02/2022</a:t>
             </a:fld>
             <a:endParaRPr lang="en-US" dirty="0"/>
           </a:p>
@@ -15519,7 +15532,7 @@
           <a:p>
             <a:fld id="{4EF59023-6175-3944-979D-CFE35E3A8267}" type="datetime1">
               <a:rPr lang="it-IT" smtClean="0"/>
-              <a:t>28/01/2022</a:t>
+              <a:t>04/02/2022</a:t>
             </a:fld>
             <a:endParaRPr lang="en-US" dirty="0"/>
           </a:p>
@@ -15933,7 +15946,7 @@
           <a:p>
             <a:fld id="{4EF59023-6175-3944-979D-CFE35E3A8267}" type="datetime1">
               <a:rPr lang="it-IT" smtClean="0"/>
-              <a:t>28/01/2022</a:t>
+              <a:t>04/02/2022</a:t>
             </a:fld>
             <a:endParaRPr lang="en-US" dirty="0"/>
           </a:p>
@@ -16305,7 +16318,7 @@
           <a:p>
             <a:fld id="{4EF59023-6175-3944-979D-CFE35E3A8267}" type="datetime1">
               <a:rPr lang="it-IT" smtClean="0"/>
-              <a:t>28/01/2022</a:t>
+              <a:t>04/02/2022</a:t>
             </a:fld>
             <a:endParaRPr lang="en-US" dirty="0"/>
           </a:p>
@@ -16415,8 +16428,8 @@
           </a:prstGeom>
         </p:spPr>
       </p:pic>
-      <mc:AlternateContent xmlns:mc="http://schemas.openxmlformats.org/markup-compatibility/2006">
-        <mc:Choice xmlns:a14="http://schemas.microsoft.com/office/drawing/2010/main" Requires="a14">
+      <mc:AlternateContent xmlns:mc="http://schemas.openxmlformats.org/markup-compatibility/2006" xmlns:a14="http://schemas.microsoft.com/office/drawing/2010/main">
+        <mc:Choice Requires="a14">
           <p:sp>
             <p:nvSpPr>
               <p:cNvPr id="2" name="CasellaDiTesto 1"/>
@@ -16861,7 +16874,7 @@
             </p:txBody>
           </p:sp>
         </mc:Choice>
-        <mc:Fallback>
+        <mc:Fallback xmlns="">
           <p:sp>
             <p:nvSpPr>
               <p:cNvPr id="2" name="CasellaDiTesto 1"/>
@@ -17062,7 +17075,6 @@
               <a:rPr lang="it-IT" dirty="0" smtClean="0"/>
               <a:t> della matrice Q ottenuta e riportata di seguito.</a:t>
             </a:r>
-            <a:endParaRPr lang="it-IT" dirty="0" smtClean="0"/>
           </a:p>
         </p:txBody>
       </p:sp>
@@ -17094,7 +17106,7 @@
           <a:p>
             <a:fld id="{4EF59023-6175-3944-979D-CFE35E3A8267}" type="datetime1">
               <a:rPr lang="it-IT" smtClean="0"/>
-              <a:t>28/01/2022</a:t>
+              <a:t>04/02/2022</a:t>
             </a:fld>
             <a:endParaRPr lang="en-US" dirty="0"/>
           </a:p>
@@ -17248,11 +17260,7 @@
             </a:r>
             <a:r>
               <a:rPr lang="it-IT" dirty="0" err="1" smtClean="0"/>
-              <a:t>stabile.</a:t>
-            </a:r>
-            <a:r>
-              <a:rPr lang="it-IT" dirty="0" err="1" smtClean="0"/>
-              <a:t>Ne</a:t>
+              <a:t>stabile.Ne</a:t>
             </a:r>
             <a:r>
               <a:rPr lang="it-IT" dirty="0" smtClean="0"/>
@@ -17262,6 +17270,198 @@
           </a:p>
         </p:txBody>
       </p:sp>
+      <p:pic>
+        <p:nvPicPr>
+          <p:cNvPr id="2" name="Immagine 1"/>
+          <p:cNvPicPr>
+            <a:picLocks noChangeAspect="1"/>
+          </p:cNvPicPr>
+          <p:nvPr/>
+        </p:nvPicPr>
+        <p:blipFill>
+          <a:blip r:embed="rId4">
+            <a:extLst>
+              <a:ext uri="{28A0092B-C50C-407E-A947-70E740481C1C}">
+                <a14:useLocalDpi xmlns:a14="http://schemas.microsoft.com/office/drawing/2010/main" val="0"/>
+              </a:ext>
+            </a:extLst>
+          </a:blip>
+          <a:stretch>
+            <a:fillRect/>
+          </a:stretch>
+        </p:blipFill>
+        <p:spPr>
+          <a:xfrm>
+            <a:off x="3581400" y="2891941"/>
+            <a:ext cx="2844444" cy="2133333"/>
+          </a:xfrm>
+          <a:prstGeom prst="rect">
+            <a:avLst/>
+          </a:prstGeom>
+        </p:spPr>
+      </p:pic>
+      <mc:AlternateContent xmlns:mc="http://schemas.openxmlformats.org/markup-compatibility/2006" xmlns:a14="http://schemas.microsoft.com/office/drawing/2010/main">
+        <mc:Choice Requires="a14">
+          <p:sp>
+            <p:nvSpPr>
+              <p:cNvPr id="3" name="CasellaDiTesto 2"/>
+              <p:cNvSpPr txBox="1"/>
+              <p:nvPr/>
+            </p:nvSpPr>
+            <p:spPr>
+              <a:xfrm>
+                <a:off x="6425844" y="3635441"/>
+                <a:ext cx="2063993" cy="646331"/>
+              </a:xfrm>
+              <a:prstGeom prst="rect">
+                <a:avLst/>
+              </a:prstGeom>
+              <a:noFill/>
+            </p:spPr>
+            <p:txBody>
+              <a:bodyPr wrap="square" rtlCol="0">
+                <a:spAutoFit/>
+              </a:bodyPr>
+              <a:lstStyle/>
+              <a:p>
+                <a:pPr algn="ctr"/>
+                <a14:m>
+                  <m:oMathPara xmlns:m="http://schemas.openxmlformats.org/officeDocument/2006/math">
+                    <m:oMathParaPr>
+                      <m:jc m:val="centerGroup"/>
+                    </m:oMathParaPr>
+                    <m:oMath xmlns:m="http://schemas.openxmlformats.org/officeDocument/2006/math">
+                      <m:sSub>
+                        <m:sSubPr>
+                          <m:ctrlPr>
+                            <a:rPr lang="it-IT" i="1" smtClean="0">
+                              <a:latin typeface="Cambria Math" panose="02040503050406030204" pitchFamily="18" charset="0"/>
+                            </a:rPr>
+                          </m:ctrlPr>
+                        </m:sSubPr>
+                        <m:e>
+                          <m:r>
+                            <a:rPr lang="it-IT" i="1" smtClean="0">
+                              <a:latin typeface="Cambria Math" panose="02040503050406030204" pitchFamily="18" charset="0"/>
+                              <a:ea typeface="Cambria Math" panose="02040503050406030204" pitchFamily="18" charset="0"/>
+                            </a:rPr>
+                            <m:t>𝜆</m:t>
+                          </m:r>
+                        </m:e>
+                        <m:sub>
+                          <m:r>
+                            <a:rPr lang="it-IT" b="0" i="1" smtClean="0">
+                              <a:latin typeface="Cambria Math" panose="02040503050406030204" pitchFamily="18" charset="0"/>
+                            </a:rPr>
+                            <m:t>1</m:t>
+                          </m:r>
+                        </m:sub>
+                      </m:sSub>
+                      <m:r>
+                        <a:rPr lang="it-IT" b="0" i="1" smtClean="0">
+                          <a:latin typeface="Cambria Math" panose="02040503050406030204" pitchFamily="18" charset="0"/>
+                        </a:rPr>
+                        <m:t>=−1.879</m:t>
+                      </m:r>
+                    </m:oMath>
+                  </m:oMathPara>
+                </a14:m>
+                <a:endParaRPr lang="it-IT" dirty="0" smtClean="0"/>
+              </a:p>
+              <a:p>
+                <a:pPr algn="ctr"/>
+                <a14:m>
+                  <m:oMathPara xmlns:m="http://schemas.openxmlformats.org/officeDocument/2006/math">
+                    <m:oMathParaPr>
+                      <m:jc m:val="centerGroup"/>
+                    </m:oMathParaPr>
+                    <m:oMath xmlns:m="http://schemas.openxmlformats.org/officeDocument/2006/math">
+                      <m:sSub>
+                        <m:sSubPr>
+                          <m:ctrlPr>
+                            <a:rPr lang="it-IT" i="1">
+                              <a:latin typeface="Cambria Math" panose="02040503050406030204" pitchFamily="18" charset="0"/>
+                            </a:rPr>
+                          </m:ctrlPr>
+                        </m:sSubPr>
+                        <m:e>
+                          <m:r>
+                            <a:rPr lang="it-IT" i="1">
+                              <a:latin typeface="Cambria Math" panose="02040503050406030204" pitchFamily="18" charset="0"/>
+                              <a:ea typeface="Cambria Math" panose="02040503050406030204" pitchFamily="18" charset="0"/>
+                            </a:rPr>
+                            <m:t>𝜆</m:t>
+                          </m:r>
+                        </m:e>
+                        <m:sub>
+                          <m:r>
+                            <a:rPr lang="it-IT" b="0" i="1" smtClean="0">
+                              <a:latin typeface="Cambria Math" panose="02040503050406030204" pitchFamily="18" charset="0"/>
+                              <a:ea typeface="Cambria Math" panose="02040503050406030204" pitchFamily="18" charset="0"/>
+                            </a:rPr>
+                            <m:t>2</m:t>
+                          </m:r>
+                        </m:sub>
+                      </m:sSub>
+                      <m:r>
+                        <a:rPr lang="it-IT" i="1">
+                          <a:latin typeface="Cambria Math" panose="02040503050406030204" pitchFamily="18" charset="0"/>
+                        </a:rPr>
+                        <m:t>=</m:t>
+                      </m:r>
+                      <m:r>
+                        <a:rPr lang="it-IT" b="0" i="1" smtClean="0">
+                          <a:latin typeface="Cambria Math" panose="02040503050406030204" pitchFamily="18" charset="0"/>
+                        </a:rPr>
+                        <m:t>−7301</m:t>
+                      </m:r>
+                    </m:oMath>
+                  </m:oMathPara>
+                </a14:m>
+                <a:endParaRPr lang="it-IT" dirty="0"/>
+              </a:p>
+            </p:txBody>
+          </p:sp>
+        </mc:Choice>
+        <mc:Fallback xmlns="">
+          <p:sp>
+            <p:nvSpPr>
+              <p:cNvPr id="3" name="CasellaDiTesto 2"/>
+              <p:cNvSpPr txBox="1">
+                <a:spLocks noRot="1" noChangeAspect="1" noMove="1" noResize="1" noEditPoints="1" noAdjustHandles="1" noChangeArrowheads="1" noChangeShapeType="1" noTextEdit="1"/>
+              </p:cNvSpPr>
+              <p:nvPr/>
+            </p:nvSpPr>
+            <p:spPr>
+              <a:xfrm>
+                <a:off x="6425844" y="3635441"/>
+                <a:ext cx="2063993" cy="646331"/>
+              </a:xfrm>
+              <a:prstGeom prst="rect">
+                <a:avLst/>
+              </a:prstGeom>
+              <a:blipFill>
+                <a:blip r:embed="rId5"/>
+                <a:stretch>
+                  <a:fillRect/>
+                </a:stretch>
+              </a:blipFill>
+            </p:spPr>
+            <p:txBody>
+              <a:bodyPr/>
+              <a:lstStyle/>
+              <a:p>
+                <a:r>
+                  <a:rPr lang="it-IT">
+                    <a:noFill/>
+                  </a:rPr>
+                  <a:t> </a:t>
+                </a:r>
+              </a:p>
+            </p:txBody>
+          </p:sp>
+        </mc:Fallback>
+      </mc:AlternateContent>
     </p:spTree>
     <p:extLst>
       <p:ext uri="{BB962C8B-B14F-4D97-AF65-F5344CB8AC3E}">
@@ -17530,7 +17730,7 @@
           <a:p>
             <a:fld id="{4EF59023-6175-3944-979D-CFE35E3A8267}" type="datetime1">
               <a:rPr lang="it-IT" smtClean="0"/>
-              <a:t>28/01/2022</a:t>
+              <a:t>04/02/2022</a:t>
             </a:fld>
             <a:endParaRPr lang="en-US" dirty="0"/>
           </a:p>
@@ -17952,7 +18152,7 @@
           <a:p>
             <a:fld id="{4EF59023-6175-3944-979D-CFE35E3A8267}" type="datetime1">
               <a:rPr lang="it-IT" smtClean="0"/>
-              <a:t>28/01/2022</a:t>
+              <a:t>04/02/2022</a:t>
             </a:fld>
             <a:endParaRPr lang="en-US" dirty="0"/>
           </a:p>
@@ -18597,7 +18797,7 @@
           <a:p>
             <a:fld id="{4EF59023-6175-3944-979D-CFE35E3A8267}" type="datetime1">
               <a:rPr lang="it-IT" smtClean="0"/>
-              <a:t>28/01/2022</a:t>
+              <a:t>04/02/2022</a:t>
             </a:fld>
             <a:endParaRPr lang="en-US" dirty="0"/>
           </a:p>
@@ -19136,7 +19336,7 @@
           <a:p>
             <a:fld id="{4EF59023-6175-3944-979D-CFE35E3A8267}" type="datetime1">
               <a:rPr lang="it-IT" smtClean="0"/>
-              <a:t>28/01/2022</a:t>
+              <a:t>04/02/2022</a:t>
             </a:fld>
             <a:endParaRPr lang="en-US" dirty="0"/>
           </a:p>
@@ -21355,7 +21555,7 @@
           <a:p>
             <a:fld id="{4EF59023-6175-3944-979D-CFE35E3A8267}" type="datetime1">
               <a:rPr lang="it-IT" smtClean="0"/>
-              <a:t>28/01/2022</a:t>
+              <a:t>04/02/2022</a:t>
             </a:fld>
             <a:endParaRPr lang="en-US" dirty="0"/>
           </a:p>
@@ -21608,7 +21808,7 @@
           <a:p>
             <a:fld id="{4EF59023-6175-3944-979D-CFE35E3A8267}" type="datetime1">
               <a:rPr lang="it-IT" smtClean="0"/>
-              <a:t>28/01/2022</a:t>
+              <a:t>04/02/2022</a:t>
             </a:fld>
             <a:endParaRPr lang="en-US" dirty="0"/>
           </a:p>
@@ -21956,6 +22156,280 @@
         </p:nvSpPr>
         <p:spPr>
           <a:xfrm>
+            <a:off x="1524000" y="454393"/>
+            <a:ext cx="9144000" cy="1021230"/>
+          </a:xfrm>
+          <a:prstGeom prst="rect">
+            <a:avLst/>
+          </a:prstGeom>
+        </p:spPr>
+        <p:txBody>
+          <a:bodyPr vert="horz" lIns="91440" tIns="45720" rIns="91440" bIns="45720" rtlCol="0" anchor="ctr">
+            <a:normAutofit fontScale="92500" lnSpcReduction="10000"/>
+          </a:bodyPr>
+          <a:lstStyle>
+            <a:lvl1pPr algn="l" defTabSz="914400" rtl="0" eaLnBrk="1" latinLnBrk="0" hangingPunct="1">
+              <a:lnSpc>
+                <a:spcPct val="90000"/>
+              </a:lnSpc>
+              <a:spcBef>
+                <a:spcPct val="0"/>
+              </a:spcBef>
+              <a:buNone/>
+              <a:defRPr sz="4400" kern="1200">
+                <a:solidFill>
+                  <a:schemeClr val="tx1"/>
+                </a:solidFill>
+                <a:latin typeface="+mj-lt"/>
+                <a:ea typeface="+mj-ea"/>
+                <a:cs typeface="+mj-cs"/>
+              </a:defRPr>
+            </a:lvl1pPr>
+          </a:lstStyle>
+          <a:p>
+            <a:pPr algn="ctr"/>
+            <a:r>
+              <a:rPr lang="it-IT" dirty="0" err="1"/>
+              <a:t>Gantry</a:t>
+            </a:r>
+            <a:r>
+              <a:rPr lang="it-IT" dirty="0"/>
+              <a:t> </a:t>
+            </a:r>
+            <a:r>
+              <a:rPr lang="it-IT" dirty="0" err="1" smtClean="0"/>
+              <a:t>crane</a:t>
+            </a:r>
+            <a:endParaRPr lang="it-IT" dirty="0" smtClean="0"/>
+          </a:p>
+          <a:p>
+            <a:pPr algn="ctr"/>
+            <a:r>
+              <a:rPr lang="it-IT" sz="3600" dirty="0" smtClean="0"/>
+              <a:t>Conclusioni</a:t>
+            </a:r>
+            <a:endParaRPr lang="it-IT" sz="3600" dirty="0"/>
+          </a:p>
+        </p:txBody>
+      </p:sp>
+      <p:pic>
+        <p:nvPicPr>
+          <p:cNvPr id="6" name="Immagine 5">
+            <a:extLst>
+              <a:ext uri="{FF2B5EF4-FFF2-40B4-BE49-F238E27FC236}">
+                <a16:creationId xmlns:a16="http://schemas.microsoft.com/office/drawing/2014/main" id="{E6250F99-85E5-234E-8497-D887077950D0}"/>
+              </a:ext>
+            </a:extLst>
+          </p:cNvPr>
+          <p:cNvPicPr>
+            <a:picLocks noChangeAspect="1"/>
+          </p:cNvPicPr>
+          <p:nvPr/>
+        </p:nvPicPr>
+        <p:blipFill>
+          <a:blip r:embed="rId2"/>
+          <a:stretch>
+            <a:fillRect/>
+          </a:stretch>
+        </p:blipFill>
+        <p:spPr>
+          <a:xfrm>
+            <a:off x="9260657" y="454393"/>
+            <a:ext cx="2093143" cy="1332000"/>
+          </a:xfrm>
+          <a:prstGeom prst="rect">
+            <a:avLst/>
+          </a:prstGeom>
+        </p:spPr>
+      </p:pic>
+      <p:sp>
+        <p:nvSpPr>
+          <p:cNvPr id="5" name="Segnaposto data 3">
+            <a:extLst>
+              <a:ext uri="{FF2B5EF4-FFF2-40B4-BE49-F238E27FC236}">
+                <a16:creationId xmlns:a16="http://schemas.microsoft.com/office/drawing/2014/main" id="{10832284-2AF9-D442-A2BC-3A4C6C544DF0}"/>
+              </a:ext>
+            </a:extLst>
+          </p:cNvPr>
+          <p:cNvSpPr>
+            <a:spLocks noGrp="1"/>
+          </p:cNvSpPr>
+          <p:nvPr>
+            <p:ph type="dt" sz="half" idx="10"/>
+          </p:nvPr>
+        </p:nvSpPr>
+        <p:spPr>
+          <a:xfrm>
+            <a:off x="838200" y="6356350"/>
+            <a:ext cx="2743200" cy="365125"/>
+          </a:xfrm>
+        </p:spPr>
+        <p:txBody>
+          <a:bodyPr/>
+          <a:lstStyle/>
+          <a:p>
+            <a:fld id="{4EF59023-6175-3944-979D-CFE35E3A8267}" type="datetime1">
+              <a:rPr lang="it-IT" smtClean="0"/>
+              <a:t>04/02/2022</a:t>
+            </a:fld>
+            <a:endParaRPr lang="en-US" dirty="0"/>
+          </a:p>
+        </p:txBody>
+      </p:sp>
+      <p:sp>
+        <p:nvSpPr>
+          <p:cNvPr id="7" name="Segnaposto piè di pagina 4">
+            <a:extLst>
+              <a:ext uri="{FF2B5EF4-FFF2-40B4-BE49-F238E27FC236}">
+                <a16:creationId xmlns:a16="http://schemas.microsoft.com/office/drawing/2014/main" id="{5C3B2BD7-91A2-CA4F-9DA6-4CE984B6F87C}"/>
+              </a:ext>
+            </a:extLst>
+          </p:cNvPr>
+          <p:cNvSpPr>
+            <a:spLocks noGrp="1"/>
+          </p:cNvSpPr>
+          <p:nvPr>
+            <p:ph type="ftr" sz="quarter" idx="11"/>
+          </p:nvPr>
+        </p:nvSpPr>
+        <p:spPr>
+          <a:xfrm>
+            <a:off x="4038600" y="6356350"/>
+            <a:ext cx="4114800" cy="365125"/>
+          </a:xfrm>
+        </p:spPr>
+        <p:txBody>
+          <a:bodyPr/>
+          <a:lstStyle/>
+          <a:p>
+            <a:r>
+              <a:rPr lang="en-US" dirty="0"/>
+              <a:t>Arianna </a:t>
+            </a:r>
+            <a:r>
+              <a:rPr lang="en-US" dirty="0" err="1"/>
+              <a:t>Gasparri</a:t>
+            </a:r>
+            <a:endParaRPr lang="en-US" dirty="0"/>
+          </a:p>
+        </p:txBody>
+      </p:sp>
+      <p:sp>
+        <p:nvSpPr>
+          <p:cNvPr id="10" name="Segnaposto numero diapositiva 5">
+            <a:extLst>
+              <a:ext uri="{FF2B5EF4-FFF2-40B4-BE49-F238E27FC236}">
+                <a16:creationId xmlns:a16="http://schemas.microsoft.com/office/drawing/2014/main" id="{5568013C-6B52-9D43-B6C2-2654FF7BD98A}"/>
+              </a:ext>
+            </a:extLst>
+          </p:cNvPr>
+          <p:cNvSpPr>
+            <a:spLocks noGrp="1"/>
+          </p:cNvSpPr>
+          <p:nvPr>
+            <p:ph type="sldNum" sz="quarter" idx="12"/>
+          </p:nvPr>
+        </p:nvSpPr>
+        <p:spPr>
+          <a:xfrm>
+            <a:off x="8610600" y="6356350"/>
+            <a:ext cx="2743200" cy="365125"/>
+          </a:xfrm>
+        </p:spPr>
+        <p:txBody>
+          <a:bodyPr/>
+          <a:lstStyle/>
+          <a:p>
+            <a:fld id="{6D22F896-40B5-4ADD-8801-0D06FADFA095}" type="slidenum">
+              <a:rPr lang="en-US" smtClean="0"/>
+              <a:t>41</a:t>
+            </a:fld>
+            <a:endParaRPr lang="en-US" dirty="0"/>
+          </a:p>
+        </p:txBody>
+      </p:sp>
+      <p:pic>
+        <p:nvPicPr>
+          <p:cNvPr id="11" name="Immagine 10">
+            <a:extLst>
+              <a:ext uri="{FF2B5EF4-FFF2-40B4-BE49-F238E27FC236}">
+                <a16:creationId xmlns:a16="http://schemas.microsoft.com/office/drawing/2014/main" id="{E9214F11-0DDC-E448-AFA0-4E2BD04563C4}"/>
+              </a:ext>
+            </a:extLst>
+          </p:cNvPr>
+          <p:cNvPicPr>
+            <a:picLocks noChangeAspect="1"/>
+          </p:cNvPicPr>
+          <p:nvPr/>
+        </p:nvPicPr>
+        <p:blipFill>
+          <a:blip r:embed="rId3" cstate="print">
+            <a:extLst>
+              <a:ext uri="{28A0092B-C50C-407E-A947-70E740481C1C}">
+                <a14:useLocalDpi xmlns:a14="http://schemas.microsoft.com/office/drawing/2010/main" val="0"/>
+              </a:ext>
+            </a:extLst>
+          </a:blip>
+          <a:stretch>
+            <a:fillRect/>
+          </a:stretch>
+        </p:blipFill>
+        <p:spPr>
+          <a:xfrm>
+            <a:off x="241420" y="265431"/>
+            <a:ext cx="571500" cy="518160"/>
+          </a:xfrm>
+          <a:prstGeom prst="rect">
+            <a:avLst/>
+          </a:prstGeom>
+        </p:spPr>
+      </p:pic>
+    </p:spTree>
+    <p:extLst>
+      <p:ext uri="{BB962C8B-B14F-4D97-AF65-F5344CB8AC3E}">
+        <p14:creationId xmlns:p14="http://schemas.microsoft.com/office/powerpoint/2010/main" val="3897412473"/>
+      </p:ext>
+    </p:extLst>
+  </p:cSld>
+  <p:clrMapOvr>
+    <a:masterClrMapping/>
+  </p:clrMapOvr>
+</p:sld>
+</file>
+
+<file path=ppt/slides/slide42.xml><?xml version="1.0" encoding="utf-8"?>
+<p:sld xmlns:a="http://schemas.openxmlformats.org/drawingml/2006/main" xmlns:r="http://schemas.openxmlformats.org/officeDocument/2006/relationships" xmlns:p="http://schemas.openxmlformats.org/presentationml/2006/main">
+  <p:cSld>
+    <p:spTree>
+      <p:nvGrpSpPr>
+        <p:cNvPr id="1" name=""/>
+        <p:cNvGrpSpPr/>
+        <p:nvPr/>
+      </p:nvGrpSpPr>
+      <p:grpSpPr>
+        <a:xfrm>
+          <a:off x="0" y="0"/>
+          <a:ext cx="0" cy="0"/>
+          <a:chOff x="0" y="0"/>
+          <a:chExt cx="0" cy="0"/>
+        </a:xfrm>
+      </p:grpSpPr>
+      <p:sp>
+        <p:nvSpPr>
+          <p:cNvPr id="8" name="Titolo 1">
+            <a:extLst>
+              <a:ext uri="{FF2B5EF4-FFF2-40B4-BE49-F238E27FC236}">
+                <a16:creationId xmlns:a16="http://schemas.microsoft.com/office/drawing/2014/main" id="{E8EDF0BB-0558-644B-BB96-58C4BD179ABC}"/>
+              </a:ext>
+            </a:extLst>
+          </p:cNvPr>
+          <p:cNvSpPr txBox="1">
+            <a:spLocks/>
+          </p:cNvSpPr>
+          <p:nvPr/>
+        </p:nvSpPr>
+        <p:spPr>
+          <a:xfrm>
             <a:off x="1524000" y="2729761"/>
             <a:ext cx="9144000" cy="1021230"/>
           </a:xfrm>
@@ -22028,7 +22502,7 @@
           <a:p>
             <a:fld id="{4EF59023-6175-3944-979D-CFE35E3A8267}" type="datetime1">
               <a:rPr lang="it-IT" smtClean="0"/>
-              <a:t>28/01/2022</a:t>
+              <a:t>04/02/2022</a:t>
             </a:fld>
             <a:endParaRPr lang="en-US" dirty="0"/>
           </a:p>
@@ -22100,7 +22574,7 @@
           <a:p>
             <a:fld id="{6D22F896-40B5-4ADD-8801-0D06FADFA095}" type="slidenum">
               <a:rPr lang="en-US" smtClean="0"/>
-              <a:t>41</a:t>
+              <a:t>42</a:t>
             </a:fld>
             <a:endParaRPr lang="en-US" dirty="0"/>
           </a:p>
@@ -22406,7 +22880,7 @@
           <a:p>
             <a:fld id="{4EF59023-6175-3944-979D-CFE35E3A8267}" type="datetime1">
               <a:rPr lang="it-IT" smtClean="0"/>
-              <a:t>28/01/2022</a:t>
+              <a:t>04/02/2022</a:t>
             </a:fld>
             <a:endParaRPr lang="en-US" dirty="0"/>
           </a:p>
@@ -23199,7 +23673,7 @@
           <a:p>
             <a:fld id="{4EF59023-6175-3944-979D-CFE35E3A8267}" type="datetime1">
               <a:rPr lang="it-IT" smtClean="0"/>
-              <a:t>28/01/2022</a:t>
+              <a:t>04/02/2022</a:t>
             </a:fld>
             <a:endParaRPr lang="en-US" dirty="0"/>
           </a:p>
@@ -23786,7 +24260,7 @@
           <a:p>
             <a:fld id="{4EF59023-6175-3944-979D-CFE35E3A8267}" type="datetime1">
               <a:rPr lang="it-IT" smtClean="0"/>
-              <a:t>28/01/2022</a:t>
+              <a:t>04/02/2022</a:t>
             </a:fld>
             <a:endParaRPr lang="en-US" dirty="0"/>
           </a:p>
@@ -24039,7 +24513,7 @@
           <a:p>
             <a:fld id="{4EF59023-6175-3944-979D-CFE35E3A8267}" type="datetime1">
               <a:rPr lang="it-IT" smtClean="0"/>
-              <a:t>28/01/2022</a:t>
+              <a:t>04/02/2022</a:t>
             </a:fld>
             <a:endParaRPr lang="en-US" dirty="0"/>
           </a:p>
@@ -24491,7 +24965,7 @@
           <a:p>
             <a:fld id="{4EF59023-6175-3944-979D-CFE35E3A8267}" type="datetime1">
               <a:rPr lang="it-IT" smtClean="0"/>
-              <a:t>28/01/2022</a:t>
+              <a:t>04/02/2022</a:t>
             </a:fld>
             <a:endParaRPr lang="en-US" dirty="0"/>
           </a:p>

--- a/Relazione/Presentazione.pptx
+++ b/Relazione/Presentazione.pptx
@@ -312,7 +312,7 @@
           <a:p>
             <a:fld id="{27153579-3A4D-BB42-BD49-BB0F80A81A61}" type="datetimeFigureOut">
               <a:rPr lang="it-IT" smtClean="0"/>
-              <a:t>04/02/2022</a:t>
+              <a:t>05/02/22</a:t>
             </a:fld>
             <a:endParaRPr lang="it-IT"/>
           </a:p>
@@ -485,7 +485,7 @@
           <a:p>
             <a:fld id="{27153579-3A4D-BB42-BD49-BB0F80A81A61}" type="datetimeFigureOut">
               <a:rPr lang="it-IT" smtClean="0"/>
-              <a:t>04/02/2022</a:t>
+              <a:t>05/02/22</a:t>
             </a:fld>
             <a:endParaRPr lang="it-IT"/>
           </a:p>
@@ -668,7 +668,7 @@
           <a:p>
             <a:fld id="{27153579-3A4D-BB42-BD49-BB0F80A81A61}" type="datetimeFigureOut">
               <a:rPr lang="it-IT" smtClean="0"/>
-              <a:t>04/02/2022</a:t>
+              <a:t>05/02/22</a:t>
             </a:fld>
             <a:endParaRPr lang="it-IT"/>
           </a:p>
@@ -841,7 +841,7 @@
           <a:p>
             <a:fld id="{27153579-3A4D-BB42-BD49-BB0F80A81A61}" type="datetimeFigureOut">
               <a:rPr lang="it-IT" smtClean="0"/>
-              <a:t>04/02/2022</a:t>
+              <a:t>05/02/22</a:t>
             </a:fld>
             <a:endParaRPr lang="it-IT"/>
           </a:p>
@@ -1119,7 +1119,7 @@
           <a:p>
             <a:fld id="{27153579-3A4D-BB42-BD49-BB0F80A81A61}" type="datetimeFigureOut">
               <a:rPr lang="it-IT" smtClean="0"/>
-              <a:t>04/02/2022</a:t>
+              <a:t>05/02/22</a:t>
             </a:fld>
             <a:endParaRPr lang="it-IT"/>
           </a:p>
@@ -1334,7 +1334,7 @@
           <a:p>
             <a:fld id="{27153579-3A4D-BB42-BD49-BB0F80A81A61}" type="datetimeFigureOut">
               <a:rPr lang="it-IT" smtClean="0"/>
-              <a:t>04/02/2022</a:t>
+              <a:t>05/02/22</a:t>
             </a:fld>
             <a:endParaRPr lang="it-IT"/>
           </a:p>
@@ -1702,7 +1702,7 @@
           <a:p>
             <a:fld id="{27153579-3A4D-BB42-BD49-BB0F80A81A61}" type="datetimeFigureOut">
               <a:rPr lang="it-IT" smtClean="0"/>
-              <a:t>04/02/2022</a:t>
+              <a:t>05/02/22</a:t>
             </a:fld>
             <a:endParaRPr lang="it-IT"/>
           </a:p>
@@ -1843,7 +1843,7 @@
           <a:p>
             <a:fld id="{27153579-3A4D-BB42-BD49-BB0F80A81A61}" type="datetimeFigureOut">
               <a:rPr lang="it-IT" smtClean="0"/>
-              <a:t>04/02/2022</a:t>
+              <a:t>05/02/22</a:t>
             </a:fld>
             <a:endParaRPr lang="it-IT"/>
           </a:p>
@@ -1956,7 +1956,7 @@
           <a:p>
             <a:fld id="{27153579-3A4D-BB42-BD49-BB0F80A81A61}" type="datetimeFigureOut">
               <a:rPr lang="it-IT" smtClean="0"/>
-              <a:t>04/02/2022</a:t>
+              <a:t>05/02/22</a:t>
             </a:fld>
             <a:endParaRPr lang="it-IT"/>
           </a:p>
@@ -2245,7 +2245,7 @@
           <a:p>
             <a:fld id="{27153579-3A4D-BB42-BD49-BB0F80A81A61}" type="datetimeFigureOut">
               <a:rPr lang="it-IT" smtClean="0"/>
-              <a:t>04/02/2022</a:t>
+              <a:t>05/02/22</a:t>
             </a:fld>
             <a:endParaRPr lang="it-IT"/>
           </a:p>
@@ -2536,7 +2536,7 @@
           <a:p>
             <a:fld id="{27153579-3A4D-BB42-BD49-BB0F80A81A61}" type="datetimeFigureOut">
               <a:rPr lang="it-IT" smtClean="0"/>
-              <a:t>04/02/2022</a:t>
+              <a:t>05/02/22</a:t>
             </a:fld>
             <a:endParaRPr lang="it-IT"/>
           </a:p>
@@ -2752,7 +2752,7 @@
           <a:p>
             <a:fld id="{27153579-3A4D-BB42-BD49-BB0F80A81A61}" type="datetimeFigureOut">
               <a:rPr lang="it-IT" smtClean="0"/>
-              <a:t>04/02/2022</a:t>
+              <a:t>05/02/22</a:t>
             </a:fld>
             <a:endParaRPr lang="it-IT"/>
           </a:p>
@@ -3273,10 +3273,6 @@
               <a:rPr lang="it-IT" sz="2200" u="sng" dirty="0"/>
               <a:t>Tavole Applicative</a:t>
             </a:r>
-            <a:r>
-              <a:rPr lang="it-IT" dirty="0"/>
-              <a:t/>
-            </a:r>
             <a:br>
               <a:rPr lang="it-IT" dirty="0"/>
             </a:br>
@@ -3500,7 +3496,7 @@
           <a:p>
             <a:fld id="{4EF59023-6175-3944-979D-CFE35E3A8267}" type="datetime1">
               <a:rPr lang="it-IT" smtClean="0"/>
-              <a:t>04/02/2022</a:t>
+              <a:t>05/02/22</a:t>
             </a:fld>
             <a:endParaRPr lang="en-US" dirty="0"/>
           </a:p>
@@ -3814,7 +3810,7 @@
           <a:p>
             <a:fld id="{4EF59023-6175-3944-979D-CFE35E3A8267}" type="datetime1">
               <a:rPr lang="it-IT" smtClean="0"/>
-              <a:t>04/02/2022</a:t>
+              <a:t>05/02/22</a:t>
             </a:fld>
             <a:endParaRPr lang="en-US" dirty="0"/>
           </a:p>
@@ -4158,7 +4154,7 @@
           <a:p>
             <a:fld id="{4EF59023-6175-3944-979D-CFE35E3A8267}" type="datetime1">
               <a:rPr lang="it-IT" smtClean="0"/>
-              <a:t>04/02/2022</a:t>
+              <a:t>05/02/22</a:t>
             </a:fld>
             <a:endParaRPr lang="en-US" dirty="0"/>
           </a:p>
@@ -4480,7 +4476,7 @@
           <a:p>
             <a:fld id="{4EF59023-6175-3944-979D-CFE35E3A8267}" type="datetime1">
               <a:rPr lang="it-IT" smtClean="0"/>
-              <a:t>04/02/2022</a:t>
+              <a:t>05/02/22</a:t>
             </a:fld>
             <a:endParaRPr lang="en-US" dirty="0"/>
           </a:p>
@@ -4838,7 +4834,7 @@
           <a:p>
             <a:fld id="{4EF59023-6175-3944-979D-CFE35E3A8267}" type="datetime1">
               <a:rPr lang="it-IT" smtClean="0"/>
-              <a:t>04/02/2022</a:t>
+              <a:t>05/02/22</a:t>
             </a:fld>
             <a:endParaRPr lang="en-US" dirty="0"/>
           </a:p>
@@ -5151,7 +5147,7 @@
           <a:p>
             <a:fld id="{4EF59023-6175-3944-979D-CFE35E3A8267}" type="datetime1">
               <a:rPr lang="it-IT" smtClean="0"/>
-              <a:t>04/02/2022</a:t>
+              <a:t>05/02/22</a:t>
             </a:fld>
             <a:endParaRPr lang="en-US" dirty="0"/>
           </a:p>
@@ -5982,7 +5978,7 @@
           <a:p>
             <a:fld id="{4EF59023-6175-3944-979D-CFE35E3A8267}" type="datetime1">
               <a:rPr lang="it-IT" smtClean="0"/>
-              <a:t>04/02/2022</a:t>
+              <a:t>05/02/22</a:t>
             </a:fld>
             <a:endParaRPr lang="en-US" dirty="0"/>
           </a:p>
@@ -6405,7 +6401,7 @@
           <a:p>
             <a:fld id="{4EF59023-6175-3944-979D-CFE35E3A8267}" type="datetime1">
               <a:rPr lang="it-IT" smtClean="0"/>
-              <a:t>04/02/2022</a:t>
+              <a:t>05/02/22</a:t>
             </a:fld>
             <a:endParaRPr lang="en-US" dirty="0"/>
           </a:p>
@@ -6939,7 +6935,7 @@
           <a:p>
             <a:fld id="{4EF59023-6175-3944-979D-CFE35E3A8267}" type="datetime1">
               <a:rPr lang="it-IT" smtClean="0"/>
-              <a:t>04/02/2022</a:t>
+              <a:t>05/02/22</a:t>
             </a:fld>
             <a:endParaRPr lang="en-US" dirty="0"/>
           </a:p>
@@ -7245,7 +7241,7 @@
           <a:p>
             <a:fld id="{4EF59023-6175-3944-979D-CFE35E3A8267}" type="datetime1">
               <a:rPr lang="it-IT" smtClean="0"/>
-              <a:t>04/02/2022</a:t>
+              <a:t>05/02/22</a:t>
             </a:fld>
             <a:endParaRPr lang="en-US" dirty="0"/>
           </a:p>
@@ -7688,7 +7684,7 @@
           <a:p>
             <a:fld id="{4EF59023-6175-3944-979D-CFE35E3A8267}" type="datetime1">
               <a:rPr lang="it-IT" smtClean="0"/>
-              <a:t>04/02/2022</a:t>
+              <a:t>05/02/22</a:t>
             </a:fld>
             <a:endParaRPr lang="en-US" dirty="0"/>
           </a:p>
@@ -8226,7 +8222,7 @@
           <a:p>
             <a:fld id="{4EF59023-6175-3944-979D-CFE35E3A8267}" type="datetime1">
               <a:rPr lang="it-IT" smtClean="0"/>
-              <a:t>04/02/2022</a:t>
+              <a:t>05/02/22</a:t>
             </a:fld>
             <a:endParaRPr lang="en-US" dirty="0"/>
           </a:p>
@@ -8804,7 +8800,7 @@
           <a:p>
             <a:fld id="{4EF59023-6175-3944-979D-CFE35E3A8267}" type="datetime1">
               <a:rPr lang="it-IT" smtClean="0"/>
-              <a:t>04/02/2022</a:t>
+              <a:t>05/02/22</a:t>
             </a:fld>
             <a:endParaRPr lang="en-US" dirty="0"/>
           </a:p>
@@ -9064,7 +9060,7 @@
           <a:p>
             <a:fld id="{4EF59023-6175-3944-979D-CFE35E3A8267}" type="datetime1">
               <a:rPr lang="it-IT" smtClean="0"/>
-              <a:t>04/02/2022</a:t>
+              <a:t>05/02/22</a:t>
             </a:fld>
             <a:endParaRPr lang="en-US" dirty="0"/>
           </a:p>
@@ -9324,7 +9320,7 @@
           <a:p>
             <a:fld id="{4EF59023-6175-3944-979D-CFE35E3A8267}" type="datetime1">
               <a:rPr lang="it-IT" smtClean="0"/>
-              <a:t>04/02/2022</a:t>
+              <a:t>05/02/22</a:t>
             </a:fld>
             <a:endParaRPr lang="en-US" dirty="0"/>
           </a:p>
@@ -9434,8 +9430,8 @@
           </a:prstGeom>
         </p:spPr>
       </p:pic>
-      <mc:AlternateContent xmlns:mc="http://schemas.openxmlformats.org/markup-compatibility/2006" xmlns:a14="http://schemas.microsoft.com/office/drawing/2010/main">
-        <mc:Choice Requires="a14">
+      <mc:AlternateContent xmlns:mc="http://schemas.openxmlformats.org/markup-compatibility/2006">
+        <mc:Choice xmlns:a14="http://schemas.microsoft.com/office/drawing/2010/main" Requires="a14">
           <p:sp>
             <p:nvSpPr>
               <p:cNvPr id="2" name="CasellaDiTesto 1">
@@ -9451,7 +9447,7 @@
             <p:spPr>
               <a:xfrm>
                 <a:off x="1524000" y="1475623"/>
-                <a:ext cx="9144000" cy="3788858"/>
+                <a:ext cx="9144000" cy="3416320"/>
               </a:xfrm>
               <a:prstGeom prst="rect">
                 <a:avLst/>
@@ -9464,25 +9460,28 @@
               </a:bodyPr>
               <a:lstStyle/>
               <a:p>
-                <a:pPr algn="ctr">
-                  <a:lnSpc>
-                    <a:spcPct val="150000"/>
-                  </a:lnSpc>
-                </a:pPr>
+                <a:pPr algn="ctr"/>
                 <a:r>
                   <a:rPr lang="it-IT" dirty="0"/>
-                  <a:t>Dall’immagine precedente è possibile concludere non c’è un controllore migliore degli altri, per quanto riguarda le coppie generate.</a:t>
+                  <a:t>Dall’immagine precedente è possibile concludere che il controllore a Coppia Calcolata Adattivo produce delle coppie generate con oscillazioni a circa 20Hz, queste possono essere accettabili se date in ingresso a dei motori con banda passante tra 30 e 50Hz, che riuscirebbero a smorzarle.</a:t>
                 </a:r>
               </a:p>
               <a:p>
-                <a:pPr algn="ctr">
-                  <a:lnSpc>
-                    <a:spcPct val="150000"/>
-                  </a:lnSpc>
-                </a:pPr>
+                <a:pPr algn="ctr"/>
+                <a:endParaRPr lang="it-IT" dirty="0"/>
+              </a:p>
+              <a:p>
+                <a:pPr algn="ctr"/>
                 <a:r>
                   <a:rPr lang="it-IT" dirty="0"/>
-                  <a:t>Analizzando gli errori nello spazio dei giunti però è facile notare come il miglior controllore sia quello a Coppia Calcolata, per il quale l’errore di annulla già dopo 15 s. Per il controllore PD con Compensazione di Gravità, non essendo presente una componente che pesi la derivata seconda della posizione desiderata </a:t>
+                  <a:t>Analizzando gli errori nello spazio dei giunti, è facile notare come il miglior controllore sia quello a Coppia Calcolata, per il quale l’errore di annulla già dopo 15s. </a:t>
+                </a:r>
+              </a:p>
+              <a:p>
+                <a:pPr algn="ctr"/>
+                <a:r>
+                  <a:rPr lang="it-IT" dirty="0"/>
+                  <a:t>Per il controllore PD con Compensazione di Gravità, non essendo presente una componente che pesi la derivata seconda della posizione desiderata </a:t>
                 </a:r>
                 <a14:m>
                   <m:oMath xmlns:m="http://schemas.openxmlformats.org/officeDocument/2006/math">
@@ -9527,18 +9526,18 @@
                 </a14:m>
                 <a:r>
                   <a:rPr lang="it-IT" dirty="0"/>
-                  <a:t>, non è possibile annullare l’errore finale ai giunti, senza aggiungere una componente integrale al controllo stesso. Anche il controllore a Coppia Calcolata Adattivo</a:t>
+                  <a:t>, non è possibile annullare l’errore finale ai giunti, senza aggiungere una componente integrale al controllo stesso.</a:t>
                 </a:r>
               </a:p>
               <a:p>
-                <a:pPr algn="ctr">
-                  <a:lnSpc>
-                    <a:spcPct val="150000"/>
-                  </a:lnSpc>
-                </a:pPr>
+                <a:pPr algn="ctr"/>
+                <a:endParaRPr lang="it-IT" dirty="0"/>
+              </a:p>
+              <a:p>
+                <a:pPr algn="ctr"/>
                 <a:r>
                   <a:rPr lang="it-IT" dirty="0"/>
-                  <a:t>non è in grado di fare convergere a 0 l’errore di posizione angolare ai giunti, pur presentando un errore massimo di 0.01 </a:t>
+                  <a:t>Anche il controllore a Coppia Calcolata Adattivo non è in grado di fare convergere a 0 l’errore di posizione angolare ai giunti, pur presentando un errore massimo di 0.01 </a:t>
                 </a:r>
                 <a:r>
                   <a:rPr lang="it-IT" dirty="0" err="1"/>
@@ -9552,7 +9551,7 @@
             </p:txBody>
           </p:sp>
         </mc:Choice>
-        <mc:Fallback xmlns="">
+        <mc:Fallback>
           <p:sp>
             <p:nvSpPr>
               <p:cNvPr id="2" name="CasellaDiTesto 1">
@@ -9570,7 +9569,7 @@
             <p:spPr>
               <a:xfrm>
                 <a:off x="1524000" y="1475623"/>
-                <a:ext cx="9144000" cy="3788858"/>
+                <a:ext cx="9144000" cy="3416320"/>
               </a:xfrm>
               <a:prstGeom prst="rect">
                 <a:avLst/>
@@ -9578,7 +9577,7 @@
               <a:blipFill>
                 <a:blip r:embed="rId3"/>
                 <a:stretch>
-                  <a:fillRect l="-556" r="-972" b="-1667"/>
+                  <a:fillRect l="-417" t="-370" r="-833" b="-1852"/>
                 </a:stretch>
               </a:blipFill>
             </p:spPr>
@@ -9936,7 +9935,7 @@
           <a:p>
             <a:fld id="{4EF59023-6175-3944-979D-CFE35E3A8267}" type="datetime1">
               <a:rPr lang="it-IT" smtClean="0"/>
-              <a:t>04/02/2022</a:t>
+              <a:t>05/02/22</a:t>
             </a:fld>
             <a:endParaRPr lang="en-US" dirty="0"/>
           </a:p>
@@ -10290,7 +10289,7 @@
           <a:p>
             <a:fld id="{4EF59023-6175-3944-979D-CFE35E3A8267}" type="datetime1">
               <a:rPr lang="it-IT" smtClean="0"/>
-              <a:t>04/02/2022</a:t>
+              <a:t>05/02/22</a:t>
             </a:fld>
             <a:endParaRPr lang="en-US" dirty="0"/>
           </a:p>
@@ -10682,7 +10681,7 @@
           <a:p>
             <a:fld id="{4EF59023-6175-3944-979D-CFE35E3A8267}" type="datetime1">
               <a:rPr lang="it-IT" smtClean="0"/>
-              <a:t>04/02/2022</a:t>
+              <a:t>05/02/22</a:t>
             </a:fld>
             <a:endParaRPr lang="en-US" dirty="0"/>
           </a:p>
@@ -11593,7 +11592,7 @@
           <a:p>
             <a:fld id="{4EF59023-6175-3944-979D-CFE35E3A8267}" type="datetime1">
               <a:rPr lang="it-IT" smtClean="0"/>
-              <a:t>04/02/2022</a:t>
+              <a:t>05/02/22</a:t>
             </a:fld>
             <a:endParaRPr lang="en-US" dirty="0"/>
           </a:p>
@@ -11876,7 +11875,7 @@
           <a:p>
             <a:fld id="{4EF59023-6175-3944-979D-CFE35E3A8267}" type="datetime1">
               <a:rPr lang="it-IT" smtClean="0"/>
-              <a:t>04/02/2022</a:t>
+              <a:t>05/02/22</a:t>
             </a:fld>
             <a:endParaRPr lang="en-US" dirty="0"/>
           </a:p>
@@ -12918,7 +12917,7 @@
           <a:p>
             <a:fld id="{4EF59023-6175-3944-979D-CFE35E3A8267}" type="datetime1">
               <a:rPr lang="it-IT" smtClean="0"/>
-              <a:t>04/02/2022</a:t>
+              <a:t>05/02/22</a:t>
             </a:fld>
             <a:endParaRPr lang="en-US" dirty="0"/>
           </a:p>
@@ -13504,7 +13503,7 @@
           <a:p>
             <a:fld id="{4EF59023-6175-3944-979D-CFE35E3A8267}" type="datetime1">
               <a:rPr lang="it-IT" smtClean="0"/>
-              <a:t>04/02/2022</a:t>
+              <a:t>05/02/22</a:t>
             </a:fld>
             <a:endParaRPr lang="en-US" dirty="0"/>
           </a:p>
@@ -14578,7 +14577,7 @@
           <a:p>
             <a:fld id="{4EF59023-6175-3944-979D-CFE35E3A8267}" type="datetime1">
               <a:rPr lang="it-IT" smtClean="0"/>
-              <a:t>04/02/2022</a:t>
+              <a:t>05/02/22</a:t>
             </a:fld>
             <a:endParaRPr lang="en-US" dirty="0"/>
           </a:p>
@@ -15068,7 +15067,7 @@
           <a:p>
             <a:fld id="{4EF59023-6175-3944-979D-CFE35E3A8267}" type="datetime1">
               <a:rPr lang="it-IT" smtClean="0"/>
-              <a:t>04/02/2022</a:t>
+              <a:t>05/02/22</a:t>
             </a:fld>
             <a:endParaRPr lang="en-US" dirty="0"/>
           </a:p>
@@ -15415,15 +15414,7 @@
               <a:p>
                 <a:r>
                   <a:rPr lang="it-IT" dirty="0"/>
-                  <a:t>Di seguito l’andamento della variabile di uscita e dell’errore </a:t>
-                </a:r>
-                <a:r>
-                  <a:rPr lang="it-IT" dirty="0" smtClean="0"/>
-                  <a:t>ottenuto</a:t>
-                </a:r>
-                <a:r>
-                  <a:rPr lang="it-IT" dirty="0"/>
-                  <a:t>:</a:t>
+                  <a:t>Di seguito l’andamento della variabile di uscita e dell’errore ottenuto:</a:t>
                 </a:r>
               </a:p>
             </p:txBody>
@@ -15532,7 +15523,7 @@
           <a:p>
             <a:fld id="{4EF59023-6175-3944-979D-CFE35E3A8267}" type="datetime1">
               <a:rPr lang="it-IT" smtClean="0"/>
-              <a:t>04/02/2022</a:t>
+              <a:t>05/02/22</a:t>
             </a:fld>
             <a:endParaRPr lang="en-US" dirty="0"/>
           </a:p>
@@ -15946,7 +15937,7 @@
           <a:p>
             <a:fld id="{4EF59023-6175-3944-979D-CFE35E3A8267}" type="datetime1">
               <a:rPr lang="it-IT" smtClean="0"/>
-              <a:t>04/02/2022</a:t>
+              <a:t>05/02/22</a:t>
             </a:fld>
             <a:endParaRPr lang="en-US" dirty="0"/>
           </a:p>
@@ -16202,14 +16193,13 @@
               <a:lstStyle/>
               <a:p>
                 <a:r>
-                  <a:rPr lang="it-IT" sz="2000" dirty="0" smtClean="0"/>
+                  <a:rPr lang="it-IT" sz="2000" dirty="0"/>
                   <a:t>FEEDBACK LINEARIZATION – ZERO DYNAMIC</a:t>
                 </a:r>
-                <a:endParaRPr lang="it-IT" sz="2000" dirty="0"/>
               </a:p>
               <a:p>
                 <a:r>
-                  <a:rPr lang="it-IT" dirty="0" smtClean="0"/>
+                  <a:rPr lang="it-IT" dirty="0"/>
                   <a:t>Analisi della dinamica delle variabili non osservabili: per la scelta effettuata di tali variabili è possibile affermare che la loro dinamica è ininfluente sull’uscita del sistema linearizzato e non dipende direttamente dagli ingressi </a:t>
                 </a:r>
                 <a14:m>
@@ -16223,7 +16213,7 @@
                   </m:oMath>
                 </a14:m>
                 <a:r>
-                  <a:rPr lang="it-IT" dirty="0" smtClean="0"/>
+                  <a:rPr lang="it-IT" dirty="0"/>
                   <a:t>, a cui resta comunque legata attraverso l’evoluzione delle variabili </a:t>
                 </a:r>
                 <a14:m>
@@ -16238,7 +16228,7 @@
                   </m:oMath>
                 </a14:m>
                 <a:r>
-                  <a:rPr lang="it-IT" dirty="0" smtClean="0"/>
+                  <a:rPr lang="it-IT" dirty="0"/>
                   <a:t>.</a:t>
                 </a:r>
               </a:p>
@@ -16318,7 +16308,7 @@
           <a:p>
             <a:fld id="{4EF59023-6175-3944-979D-CFE35E3A8267}" type="datetime1">
               <a:rPr lang="it-IT" smtClean="0"/>
-              <a:t>04/02/2022</a:t>
+              <a:t>05/02/22</a:t>
             </a:fld>
             <a:endParaRPr lang="en-US" dirty="0"/>
           </a:p>
@@ -16453,7 +16443,7 @@
               <a:lstStyle/>
               <a:p>
                 <a:r>
-                  <a:rPr lang="it-IT" dirty="0" smtClean="0"/>
+                  <a:rPr lang="it-IT" dirty="0"/>
                   <a:t>Partendo dalla condizione </a:t>
                 </a:r>
                 <a14:m>
@@ -16542,7 +16532,7 @@
                   </m:oMath>
                 </a14:m>
                 <a:r>
-                  <a:rPr lang="it-IT" dirty="0" smtClean="0"/>
+                  <a:rPr lang="it-IT" dirty="0"/>
                   <a:t> e procedendo in modo ricorsivo si ricava </a:t>
                 </a:r>
                 <a14:m>
@@ -16666,7 +16656,7 @@
                   </m:oMath>
                 </a14:m>
                 <a:r>
-                  <a:rPr lang="it-IT" dirty="0" smtClean="0"/>
+                  <a:rPr lang="it-IT" dirty="0"/>
                   <a:t> fino a ottenere </a:t>
                 </a:r>
                 <a14:m>
@@ -16763,7 +16753,7 @@
                   </m:oMath>
                 </a14:m>
                 <a:r>
-                  <a:rPr lang="it-IT" dirty="0" smtClean="0"/>
+                  <a:rPr lang="it-IT" dirty="0"/>
                   <a:t> e </a:t>
                 </a:r>
                 <a14:m>
@@ -16866,10 +16856,9 @@
                   </m:oMath>
                 </a14:m>
                 <a:r>
-                  <a:rPr lang="it-IT" dirty="0" smtClean="0"/>
+                  <a:rPr lang="it-IT" dirty="0"/>
                   <a:t> si ottiene che la dinamica compatibile con uscita identicamente nulla, Zero Dinamica, è descritta dalle equazioni seguenti:</a:t>
                 </a:r>
-                <a:endParaRPr lang="it-IT" dirty="0"/>
               </a:p>
             </p:txBody>
           </p:sp>
@@ -16913,6 +16902,66 @@
           </p:sp>
         </mc:Fallback>
       </mc:AlternateContent>
+      <p:pic>
+        <p:nvPicPr>
+          <p:cNvPr id="4" name="Immagine 3">
+            <a:extLst>
+              <a:ext uri="{FF2B5EF4-FFF2-40B4-BE49-F238E27FC236}">
+                <a16:creationId xmlns:a16="http://schemas.microsoft.com/office/drawing/2014/main" id="{B0E4F956-F6E9-3A4F-9E9B-27F03207AD7D}"/>
+              </a:ext>
+            </a:extLst>
+          </p:cNvPr>
+          <p:cNvPicPr>
+            <a:picLocks noChangeAspect="1"/>
+          </p:cNvPicPr>
+          <p:nvPr/>
+        </p:nvPicPr>
+        <p:blipFill>
+          <a:blip r:embed="rId6"/>
+          <a:stretch>
+            <a:fillRect/>
+          </a:stretch>
+        </p:blipFill>
+        <p:spPr>
+          <a:xfrm>
+            <a:off x="5348287" y="4166457"/>
+            <a:ext cx="1495425" cy="542925"/>
+          </a:xfrm>
+          <a:prstGeom prst="rect">
+            <a:avLst/>
+          </a:prstGeom>
+        </p:spPr>
+      </p:pic>
+      <p:pic>
+        <p:nvPicPr>
+          <p:cNvPr id="13" name="Immagine 12">
+            <a:extLst>
+              <a:ext uri="{FF2B5EF4-FFF2-40B4-BE49-F238E27FC236}">
+                <a16:creationId xmlns:a16="http://schemas.microsoft.com/office/drawing/2014/main" id="{D6F9A6D1-1AF4-7949-AD5B-9B63A2C74D4A}"/>
+              </a:ext>
+            </a:extLst>
+          </p:cNvPr>
+          <p:cNvPicPr>
+            <a:picLocks noChangeAspect="1"/>
+          </p:cNvPicPr>
+          <p:nvPr/>
+        </p:nvPicPr>
+        <p:blipFill>
+          <a:blip r:embed="rId7"/>
+          <a:stretch>
+            <a:fillRect/>
+          </a:stretch>
+        </p:blipFill>
+        <p:spPr>
+          <a:xfrm>
+            <a:off x="3524250" y="4709382"/>
+            <a:ext cx="5143500" cy="1609725"/>
+          </a:xfrm>
+          <a:prstGeom prst="rect">
+            <a:avLst/>
+          </a:prstGeom>
+        </p:spPr>
+      </p:pic>
     </p:spTree>
     <p:extLst>
       <p:ext uri="{BB962C8B-B14F-4D97-AF65-F5344CB8AC3E}">
@@ -17057,22 +17106,21 @@
           <a:lstStyle/>
           <a:p>
             <a:r>
-              <a:rPr lang="it-IT" sz="2000" dirty="0" smtClean="0"/>
+              <a:rPr lang="it-IT" sz="2000" dirty="0"/>
               <a:t>FEEDBACK LINEARIZATION – ZERO DYNAMIC</a:t>
             </a:r>
-            <a:endParaRPr lang="it-IT" sz="2000" dirty="0"/>
-          </a:p>
-          <a:p>
-            <a:r>
-              <a:rPr lang="it-IT" dirty="0" smtClean="0"/>
+          </a:p>
+          <a:p>
+            <a:r>
+              <a:rPr lang="it-IT" dirty="0"/>
               <a:t>Per verificare la stabilità delle equazioni descritte nella slide precedente si è proceduto con il calcolo del jacobiano del sistema e quindi al calcolo degli </a:t>
             </a:r>
             <a:r>
-              <a:rPr lang="it-IT" dirty="0" err="1" smtClean="0"/>
+              <a:rPr lang="it-IT" dirty="0" err="1"/>
               <a:t>autovalori</a:t>
             </a:r>
             <a:r>
-              <a:rPr lang="it-IT" dirty="0" smtClean="0"/>
+              <a:rPr lang="it-IT" dirty="0"/>
               <a:t> della matrice Q ottenuta e riportata di seguito.</a:t>
             </a:r>
           </a:p>
@@ -17106,7 +17154,7 @@
           <a:p>
             <a:fld id="{4EF59023-6175-3944-979D-CFE35E3A8267}" type="datetime1">
               <a:rPr lang="it-IT" smtClean="0"/>
-              <a:t>04/02/2022</a:t>
+              <a:t>05/02/22</a:t>
             </a:fld>
             <a:endParaRPr lang="en-US" dirty="0"/>
           </a:p>
@@ -17224,7 +17272,7 @@
         </p:nvSpPr>
         <p:spPr>
           <a:xfrm>
-            <a:off x="1524000" y="5212655"/>
+            <a:off x="1524000" y="4544107"/>
             <a:ext cx="9144000" cy="923330"/>
           </a:xfrm>
           <a:prstGeom prst="rect">
@@ -17239,69 +17287,22 @@
           <a:lstStyle/>
           <a:p>
             <a:r>
-              <a:rPr lang="it-IT" dirty="0" smtClean="0"/>
+              <a:rPr lang="it-IT" dirty="0"/>
               <a:t>Essendo questi </a:t>
             </a:r>
             <a:r>
-              <a:rPr lang="it-IT" dirty="0" err="1" smtClean="0"/>
+              <a:rPr lang="it-IT" dirty="0" err="1"/>
               <a:t>autovalori</a:t>
             </a:r>
             <a:r>
-              <a:rPr lang="it-IT" dirty="0" smtClean="0"/>
-              <a:t> entrambe a parte reale negativa è quindi possibile concludere che la </a:t>
-            </a:r>
-            <a:r>
               <a:rPr lang="it-IT" dirty="0"/>
-              <a:t>dinamica delle variabili non </a:t>
-            </a:r>
-            <a:r>
-              <a:rPr lang="it-IT" dirty="0" smtClean="0"/>
-              <a:t>osservabili sia asintoticamente </a:t>
-            </a:r>
-            <a:r>
-              <a:rPr lang="it-IT" dirty="0" err="1" smtClean="0"/>
-              <a:t>stabile.Ne</a:t>
-            </a:r>
-            <a:r>
-              <a:rPr lang="it-IT" dirty="0" smtClean="0"/>
-              <a:t> segue infine che il sistema non lineare di partenza sia asintoticamente stabile sia esternamente che internamente.</a:t>
-            </a:r>
-            <a:endParaRPr lang="it-IT" dirty="0"/>
-          </a:p>
-        </p:txBody>
-      </p:sp>
-      <p:pic>
-        <p:nvPicPr>
-          <p:cNvPr id="2" name="Immagine 1"/>
-          <p:cNvPicPr>
-            <a:picLocks noChangeAspect="1"/>
-          </p:cNvPicPr>
-          <p:nvPr/>
-        </p:nvPicPr>
-        <p:blipFill>
-          <a:blip r:embed="rId4">
-            <a:extLst>
-              <a:ext uri="{28A0092B-C50C-407E-A947-70E740481C1C}">
-                <a14:useLocalDpi xmlns:a14="http://schemas.microsoft.com/office/drawing/2010/main" val="0"/>
-              </a:ext>
-            </a:extLst>
-          </a:blip>
-          <a:stretch>
-            <a:fillRect/>
-          </a:stretch>
-        </p:blipFill>
-        <p:spPr>
-          <a:xfrm>
-            <a:off x="3581400" y="2891941"/>
-            <a:ext cx="2844444" cy="2133333"/>
-          </a:xfrm>
-          <a:prstGeom prst="rect">
-            <a:avLst/>
-          </a:prstGeom>
-        </p:spPr>
-      </p:pic>
-      <mc:AlternateContent xmlns:mc="http://schemas.openxmlformats.org/markup-compatibility/2006" xmlns:a14="http://schemas.microsoft.com/office/drawing/2010/main">
-        <mc:Choice Requires="a14">
+              <a:t> entrambe a parte reale negativa è quindi possibile concludere che la dinamica delle variabili non osservabili sia asintoticamente stabile. Ne segue infine che il sistema non lineare di partenza sia asintoticamente stabile sia esternamente che internamente.</a:t>
+            </a:r>
+          </a:p>
+        </p:txBody>
+      </p:sp>
+      <mc:AlternateContent xmlns:mc="http://schemas.openxmlformats.org/markup-compatibility/2006">
+        <mc:Choice xmlns:a14="http://schemas.microsoft.com/office/drawing/2010/main" Requires="a14">
           <p:sp>
             <p:nvSpPr>
               <p:cNvPr id="3" name="CasellaDiTesto 2"/>
@@ -17310,7 +17311,7 @@
             </p:nvSpPr>
             <p:spPr>
               <a:xfrm>
-                <a:off x="6425844" y="3635441"/>
+                <a:off x="8153400" y="3302252"/>
                 <a:ext cx="2063993" cy="646331"/>
               </a:xfrm>
               <a:prstGeom prst="rect">
@@ -17366,7 +17367,7 @@
                     </m:oMath>
                   </m:oMathPara>
                 </a14:m>
-                <a:endParaRPr lang="it-IT" dirty="0" smtClean="0"/>
+                <a:endParaRPr lang="it-IT" dirty="0"/>
               </a:p>
               <a:p>
                 <a:pPr algn="ctr"/>
@@ -17423,7 +17424,7 @@
             </p:txBody>
           </p:sp>
         </mc:Choice>
-        <mc:Fallback xmlns="">
+        <mc:Fallback>
           <p:sp>
             <p:nvSpPr>
               <p:cNvPr id="3" name="CasellaDiTesto 2"/>
@@ -17434,14 +17435,14 @@
             </p:nvSpPr>
             <p:spPr>
               <a:xfrm>
-                <a:off x="6425844" y="3635441"/>
+                <a:off x="8153400" y="3302252"/>
                 <a:ext cx="2063993" cy="646331"/>
               </a:xfrm>
               <a:prstGeom prst="rect">
                 <a:avLst/>
               </a:prstGeom>
               <a:blipFill>
-                <a:blip r:embed="rId5"/>
+                <a:blip r:embed="rId4"/>
                 <a:stretch>
                   <a:fillRect/>
                 </a:stretch>
@@ -17462,6 +17463,36 @@
           </p:sp>
         </mc:Fallback>
       </mc:AlternateContent>
+      <p:pic>
+        <p:nvPicPr>
+          <p:cNvPr id="5" name="Immagine 4">
+            <a:extLst>
+              <a:ext uri="{FF2B5EF4-FFF2-40B4-BE49-F238E27FC236}">
+                <a16:creationId xmlns:a16="http://schemas.microsoft.com/office/drawing/2014/main" id="{69582E24-679A-5C4E-92CD-7BDCD00A4D44}"/>
+              </a:ext>
+            </a:extLst>
+          </p:cNvPr>
+          <p:cNvPicPr>
+            <a:picLocks noChangeAspect="1"/>
+          </p:cNvPicPr>
+          <p:nvPr/>
+        </p:nvPicPr>
+        <p:blipFill>
+          <a:blip r:embed="rId5"/>
+          <a:stretch>
+            <a:fillRect/>
+          </a:stretch>
+        </p:blipFill>
+        <p:spPr>
+          <a:xfrm>
+            <a:off x="1714030" y="3136468"/>
+            <a:ext cx="6350000" cy="977900"/>
+          </a:xfrm>
+          <a:prstGeom prst="rect">
+            <a:avLst/>
+          </a:prstGeom>
+        </p:spPr>
+      </p:pic>
     </p:spTree>
     <p:extLst>
       <p:ext uri="{BB962C8B-B14F-4D97-AF65-F5344CB8AC3E}">
@@ -17730,7 +17761,7 @@
           <a:p>
             <a:fld id="{4EF59023-6175-3944-979D-CFE35E3A8267}" type="datetime1">
               <a:rPr lang="it-IT" smtClean="0"/>
-              <a:t>04/02/2022</a:t>
+              <a:t>05/02/22</a:t>
             </a:fld>
             <a:endParaRPr lang="en-US" dirty="0"/>
           </a:p>
@@ -18152,7 +18183,7 @@
           <a:p>
             <a:fld id="{4EF59023-6175-3944-979D-CFE35E3A8267}" type="datetime1">
               <a:rPr lang="it-IT" smtClean="0"/>
-              <a:t>04/02/2022</a:t>
+              <a:t>05/02/22</a:t>
             </a:fld>
             <a:endParaRPr lang="en-US" dirty="0"/>
           </a:p>
@@ -18797,7 +18828,7 @@
           <a:p>
             <a:fld id="{4EF59023-6175-3944-979D-CFE35E3A8267}" type="datetime1">
               <a:rPr lang="it-IT" smtClean="0"/>
-              <a:t>04/02/2022</a:t>
+              <a:t>05/02/22</a:t>
             </a:fld>
             <a:endParaRPr lang="en-US" dirty="0"/>
           </a:p>
@@ -19336,7 +19367,7 @@
           <a:p>
             <a:fld id="{4EF59023-6175-3944-979D-CFE35E3A8267}" type="datetime1">
               <a:rPr lang="it-IT" smtClean="0"/>
-              <a:t>04/02/2022</a:t>
+              <a:t>05/02/22</a:t>
             </a:fld>
             <a:endParaRPr lang="en-US" dirty="0"/>
           </a:p>
@@ -21555,7 +21586,7 @@
           <a:p>
             <a:fld id="{4EF59023-6175-3944-979D-CFE35E3A8267}" type="datetime1">
               <a:rPr lang="it-IT" smtClean="0"/>
-              <a:t>04/02/2022</a:t>
+              <a:t>05/02/22</a:t>
             </a:fld>
             <a:endParaRPr lang="en-US" dirty="0"/>
           </a:p>
@@ -21808,7 +21839,7 @@
           <a:p>
             <a:fld id="{4EF59023-6175-3944-979D-CFE35E3A8267}" type="datetime1">
               <a:rPr lang="it-IT" smtClean="0"/>
-              <a:t>04/02/2022</a:t>
+              <a:t>05/02/22</a:t>
             </a:fld>
             <a:endParaRPr lang="en-US" dirty="0"/>
           </a:p>
@@ -22197,18 +22228,17 @@
               <a:t> </a:t>
             </a:r>
             <a:r>
-              <a:rPr lang="it-IT" dirty="0" err="1" smtClean="0"/>
+              <a:rPr lang="it-IT" dirty="0" err="1"/>
               <a:t>crane</a:t>
             </a:r>
-            <a:endParaRPr lang="it-IT" dirty="0" smtClean="0"/>
+            <a:endParaRPr lang="it-IT" dirty="0"/>
           </a:p>
           <a:p>
             <a:pPr algn="ctr"/>
             <a:r>
-              <a:rPr lang="it-IT" sz="3600" dirty="0" smtClean="0"/>
+              <a:rPr lang="it-IT" sz="3600" dirty="0"/>
               <a:t>Conclusioni</a:t>
             </a:r>
-            <a:endParaRPr lang="it-IT" sz="3600" dirty="0"/>
           </a:p>
         </p:txBody>
       </p:sp>
@@ -22270,7 +22300,7 @@
           <a:p>
             <a:fld id="{4EF59023-6175-3944-979D-CFE35E3A8267}" type="datetime1">
               <a:rPr lang="it-IT" smtClean="0"/>
-              <a:t>04/02/2022</a:t>
+              <a:t>06/02/22</a:t>
             </a:fld>
             <a:endParaRPr lang="en-US" dirty="0"/>
           </a:p>
@@ -22384,6 +22414,226 @@
           </a:prstGeom>
         </p:spPr>
       </p:pic>
+      <mc:AlternateContent xmlns:mc="http://schemas.openxmlformats.org/markup-compatibility/2006">
+        <mc:Choice xmlns:a14="http://schemas.microsoft.com/office/drawing/2010/main" Requires="a14">
+          <p:sp>
+            <p:nvSpPr>
+              <p:cNvPr id="2" name="CasellaDiTesto 1">
+                <a:extLst>
+                  <a:ext uri="{FF2B5EF4-FFF2-40B4-BE49-F238E27FC236}">
+                    <a16:creationId xmlns:a16="http://schemas.microsoft.com/office/drawing/2014/main" id="{D003DFDE-CDEA-3641-982E-697AD1D10CC5}"/>
+                  </a:ext>
+                </a:extLst>
+              </p:cNvPr>
+              <p:cNvSpPr txBox="1"/>
+              <p:nvPr/>
+            </p:nvSpPr>
+            <p:spPr>
+              <a:xfrm>
+                <a:off x="1524001" y="1786393"/>
+                <a:ext cx="9144000" cy="4524315"/>
+              </a:xfrm>
+              <a:prstGeom prst="rect">
+                <a:avLst/>
+              </a:prstGeom>
+              <a:noFill/>
+            </p:spPr>
+            <p:txBody>
+              <a:bodyPr wrap="square" rtlCol="0">
+                <a:spAutoFit/>
+              </a:bodyPr>
+              <a:lstStyle/>
+              <a:p>
+                <a:pPr algn="ctr"/>
+                <a:r>
+                  <a:rPr lang="it-IT" dirty="0"/>
+                  <a:t>Per quanto riguarda il sistema non lineare analizzato in queste ultime slide sono state calcolate le matrici di controllabilità ed osservabilità per tre diverse uscite:</a:t>
+                </a:r>
+              </a:p>
+              <a:p>
+                <a:pPr algn="ctr"/>
+                <a14:m>
+                  <m:oMath xmlns:m="http://schemas.openxmlformats.org/officeDocument/2006/math">
+                    <m:r>
+                      <a:rPr lang="it-IT" b="0" i="1" smtClean="0">
+                        <a:latin typeface="Cambria Math" panose="02040503050406030204" pitchFamily="18" charset="0"/>
+                      </a:rPr>
+                      <m:t>𝑦</m:t>
+                    </m:r>
+                    <m:r>
+                      <a:rPr lang="it-IT" b="0" i="1" smtClean="0">
+                        <a:latin typeface="Cambria Math" panose="02040503050406030204" pitchFamily="18" charset="0"/>
+                      </a:rPr>
+                      <m:t>=  </m:t>
+                    </m:r>
+                    <m:r>
+                      <a:rPr lang="it-IT" b="0" i="1" smtClean="0">
+                        <a:latin typeface="Cambria Math" panose="02040503050406030204" pitchFamily="18" charset="0"/>
+                      </a:rPr>
+                      <m:t>𝑥</m:t>
+                    </m:r>
+                  </m:oMath>
+                </a14:m>
+                <a:r>
+                  <a:rPr lang="it-IT" dirty="0"/>
+                  <a:t> la posizione del carrello lungo il binario sul quale può spostarsi;</a:t>
+                </a:r>
+              </a:p>
+              <a:p>
+                <a:pPr algn="ctr"/>
+                <a14:m>
+                  <m:oMath xmlns:m="http://schemas.openxmlformats.org/officeDocument/2006/math">
+                    <m:r>
+                      <a:rPr lang="it-IT" i="1">
+                        <a:latin typeface="Cambria Math" panose="02040503050406030204" pitchFamily="18" charset="0"/>
+                      </a:rPr>
+                      <m:t>𝑦</m:t>
+                    </m:r>
+                    <m:r>
+                      <a:rPr lang="it-IT" i="1">
+                        <a:latin typeface="Cambria Math" panose="02040503050406030204" pitchFamily="18" charset="0"/>
+                      </a:rPr>
+                      <m:t>=  </m:t>
+                    </m:r>
+                    <m:r>
+                      <a:rPr lang="it-IT" i="1" smtClean="0">
+                        <a:latin typeface="Cambria Math" panose="02040503050406030204" pitchFamily="18" charset="0"/>
+                        <a:ea typeface="Cambria Math" panose="02040503050406030204" pitchFamily="18" charset="0"/>
+                      </a:rPr>
+                      <m:t>𝜗</m:t>
+                    </m:r>
+                  </m:oMath>
+                </a14:m>
+                <a:r>
+                  <a:rPr lang="it-IT" dirty="0"/>
+                  <a:t> la posizione angolare della massa oscillante;</a:t>
+                </a:r>
+              </a:p>
+              <a:p>
+                <a:pPr algn="ctr"/>
+                <a14:m>
+                  <m:oMath xmlns:m="http://schemas.openxmlformats.org/officeDocument/2006/math">
+                    <m:r>
+                      <a:rPr lang="it-IT" i="1">
+                        <a:latin typeface="Cambria Math" panose="02040503050406030204" pitchFamily="18" charset="0"/>
+                      </a:rPr>
+                      <m:t>𝑦</m:t>
+                    </m:r>
+                    <m:r>
+                      <a:rPr lang="it-IT" i="1">
+                        <a:latin typeface="Cambria Math" panose="02040503050406030204" pitchFamily="18" charset="0"/>
+                      </a:rPr>
+                      <m:t>=  </m:t>
+                    </m:r>
+                    <m:r>
+                      <a:rPr lang="it-IT" b="0" i="1" smtClean="0">
+                        <a:latin typeface="Cambria Math" panose="02040503050406030204" pitchFamily="18" charset="0"/>
+                      </a:rPr>
+                      <m:t>𝑥</m:t>
+                    </m:r>
+                    <m:r>
+                      <a:rPr lang="it-IT" b="0" i="1" smtClean="0">
+                        <a:latin typeface="Cambria Math" panose="02040503050406030204" pitchFamily="18" charset="0"/>
+                      </a:rPr>
+                      <m:t>+</m:t>
+                    </m:r>
+                    <m:r>
+                      <a:rPr lang="it-IT" b="0" i="1" smtClean="0">
+                        <a:latin typeface="Cambria Math" panose="02040503050406030204" pitchFamily="18" charset="0"/>
+                      </a:rPr>
+                      <m:t>𝑙𝑠𝑖𝑛</m:t>
+                    </m:r>
+                    <m:r>
+                      <a:rPr lang="it-IT" i="1">
+                        <a:latin typeface="Cambria Math" panose="02040503050406030204" pitchFamily="18" charset="0"/>
+                        <a:ea typeface="Cambria Math" panose="02040503050406030204" pitchFamily="18" charset="0"/>
+                      </a:rPr>
+                      <m:t>𝜗</m:t>
+                    </m:r>
+                  </m:oMath>
+                </a14:m>
+                <a:r>
+                  <a:rPr lang="it-IT" dirty="0"/>
+                  <a:t> la posizione cartesiana della massa oscillante.</a:t>
+                </a:r>
+              </a:p>
+              <a:p>
+                <a:pPr algn="ctr"/>
+                <a:endParaRPr lang="it-IT" dirty="0"/>
+              </a:p>
+              <a:p>
+                <a:pPr algn="ctr"/>
+                <a:r>
+                  <a:rPr lang="it-IT" dirty="0"/>
+                  <a:t>Per quest’ultimo caso, essendo sia localmente controllabile che localmente osservabile, si è proceduto con la linearizzazione in retroazione: cioè mediante la retroazione dell’uscita si è ricavato un nuovo ingresso in grado di linearizzare il sistema di partenza.</a:t>
+                </a:r>
+              </a:p>
+              <a:p>
+                <a:pPr algn="ctr"/>
+                <a:endParaRPr lang="it-IT" dirty="0"/>
+              </a:p>
+              <a:p>
+                <a:pPr algn="ctr"/>
+                <a:r>
+                  <a:rPr lang="it-IT" dirty="0"/>
+                  <a:t>Per il sistema linearizzato si è poi provveduto a cercare un controllore che stabilizzasse il sistema e che permettesse di inseguire un riferimento scelto per la funzione di uscita, questo semplice controllore di tipo PD ha permesso di ottenere i risultati desiderati e riportati nelle slide 32-33.</a:t>
+                </a:r>
+              </a:p>
+              <a:p>
+                <a:pPr algn="ctr"/>
+                <a:r>
+                  <a:rPr lang="it-IT" dirty="0"/>
+                  <a:t>Non essendo stata possibile una linearizzazione in retroazione esatta, ma soltanto approssimata, si è reso necessario verificare che la parte non osservabile del sistema fosse asintoticamente stabile, così da poter concludere sulla asintotica stabilità anche del sistema controllato.</a:t>
+                </a:r>
+              </a:p>
+            </p:txBody>
+          </p:sp>
+        </mc:Choice>
+        <mc:Fallback>
+          <p:sp>
+            <p:nvSpPr>
+              <p:cNvPr id="2" name="CasellaDiTesto 1">
+                <a:extLst>
+                  <a:ext uri="{FF2B5EF4-FFF2-40B4-BE49-F238E27FC236}">
+                    <a16:creationId xmlns:a16="http://schemas.microsoft.com/office/drawing/2014/main" id="{D003DFDE-CDEA-3641-982E-697AD1D10CC5}"/>
+                  </a:ext>
+                </a:extLst>
+              </p:cNvPr>
+              <p:cNvSpPr txBox="1">
+                <a:spLocks noRot="1" noChangeAspect="1" noMove="1" noResize="1" noEditPoints="1" noAdjustHandles="1" noChangeArrowheads="1" noChangeShapeType="1" noTextEdit="1"/>
+              </p:cNvSpPr>
+              <p:nvPr/>
+            </p:nvSpPr>
+            <p:spPr>
+              <a:xfrm>
+                <a:off x="1524001" y="1786393"/>
+                <a:ext cx="9144000" cy="4524315"/>
+              </a:xfrm>
+              <a:prstGeom prst="rect">
+                <a:avLst/>
+              </a:prstGeom>
+              <a:blipFill>
+                <a:blip r:embed="rId4"/>
+                <a:stretch>
+                  <a:fillRect l="-417" t="-560" r="-972" b="-1120"/>
+                </a:stretch>
+              </a:blipFill>
+            </p:spPr>
+            <p:txBody>
+              <a:bodyPr/>
+              <a:lstStyle/>
+              <a:p>
+                <a:r>
+                  <a:rPr lang="it-IT">
+                    <a:noFill/>
+                  </a:rPr>
+                  <a:t> </a:t>
+                </a:r>
+              </a:p>
+            </p:txBody>
+          </p:sp>
+        </mc:Fallback>
+      </mc:AlternateContent>
     </p:spTree>
     <p:extLst>
       <p:ext uri="{BB962C8B-B14F-4D97-AF65-F5344CB8AC3E}">
@@ -22502,7 +22752,7 @@
           <a:p>
             <a:fld id="{4EF59023-6175-3944-979D-CFE35E3A8267}" type="datetime1">
               <a:rPr lang="it-IT" smtClean="0"/>
-              <a:t>04/02/2022</a:t>
+              <a:t>05/02/22</a:t>
             </a:fld>
             <a:endParaRPr lang="en-US" dirty="0"/>
           </a:p>
@@ -22880,7 +23130,7 @@
           <a:p>
             <a:fld id="{4EF59023-6175-3944-979D-CFE35E3A8267}" type="datetime1">
               <a:rPr lang="it-IT" smtClean="0"/>
-              <a:t>04/02/2022</a:t>
+              <a:t>05/02/22</a:t>
             </a:fld>
             <a:endParaRPr lang="en-US" dirty="0"/>
           </a:p>
@@ -23673,7 +23923,7 @@
           <a:p>
             <a:fld id="{4EF59023-6175-3944-979D-CFE35E3A8267}" type="datetime1">
               <a:rPr lang="it-IT" smtClean="0"/>
-              <a:t>04/02/2022</a:t>
+              <a:t>05/02/22</a:t>
             </a:fld>
             <a:endParaRPr lang="en-US" dirty="0"/>
           </a:p>
@@ -24260,7 +24510,7 @@
           <a:p>
             <a:fld id="{4EF59023-6175-3944-979D-CFE35E3A8267}" type="datetime1">
               <a:rPr lang="it-IT" smtClean="0"/>
-              <a:t>04/02/2022</a:t>
+              <a:t>05/02/22</a:t>
             </a:fld>
             <a:endParaRPr lang="en-US" dirty="0"/>
           </a:p>
@@ -24513,7 +24763,7 @@
           <a:p>
             <a:fld id="{4EF59023-6175-3944-979D-CFE35E3A8267}" type="datetime1">
               <a:rPr lang="it-IT" smtClean="0"/>
-              <a:t>04/02/2022</a:t>
+              <a:t>05/02/22</a:t>
             </a:fld>
             <a:endParaRPr lang="en-US" dirty="0"/>
           </a:p>
@@ -24965,7 +25215,7 @@
           <a:p>
             <a:fld id="{4EF59023-6175-3944-979D-CFE35E3A8267}" type="datetime1">
               <a:rPr lang="it-IT" smtClean="0"/>
-              <a:t>04/02/2022</a:t>
+              <a:t>05/02/22</a:t>
             </a:fld>
             <a:endParaRPr lang="en-US" dirty="0"/>
           </a:p>

--- a/Relazione/Presentazione.pptx
+++ b/Relazione/Presentazione.pptx
@@ -44,9 +44,8 @@
     <p:sldId id="296" r:id="rId38"/>
     <p:sldId id="298" r:id="rId39"/>
     <p:sldId id="299" r:id="rId40"/>
-    <p:sldId id="301" r:id="rId41"/>
-    <p:sldId id="305" r:id="rId42"/>
-    <p:sldId id="302" r:id="rId43"/>
+    <p:sldId id="305" r:id="rId41"/>
+    <p:sldId id="302" r:id="rId42"/>
   </p:sldIdLst>
   <p:sldSz cx="12192000" cy="6858000"/>
   <p:notesSz cx="6858000" cy="9144000"/>
@@ -312,7 +311,7 @@
           <a:p>
             <a:fld id="{27153579-3A4D-BB42-BD49-BB0F80A81A61}" type="datetimeFigureOut">
               <a:rPr lang="it-IT" smtClean="0"/>
-              <a:t>05/02/22</a:t>
+              <a:t>14/02/2022</a:t>
             </a:fld>
             <a:endParaRPr lang="it-IT"/>
           </a:p>
@@ -485,7 +484,7 @@
           <a:p>
             <a:fld id="{27153579-3A4D-BB42-BD49-BB0F80A81A61}" type="datetimeFigureOut">
               <a:rPr lang="it-IT" smtClean="0"/>
-              <a:t>05/02/22</a:t>
+              <a:t>14/02/2022</a:t>
             </a:fld>
             <a:endParaRPr lang="it-IT"/>
           </a:p>
@@ -668,7 +667,7 @@
           <a:p>
             <a:fld id="{27153579-3A4D-BB42-BD49-BB0F80A81A61}" type="datetimeFigureOut">
               <a:rPr lang="it-IT" smtClean="0"/>
-              <a:t>05/02/22</a:t>
+              <a:t>14/02/2022</a:t>
             </a:fld>
             <a:endParaRPr lang="it-IT"/>
           </a:p>
@@ -841,7 +840,7 @@
           <a:p>
             <a:fld id="{27153579-3A4D-BB42-BD49-BB0F80A81A61}" type="datetimeFigureOut">
               <a:rPr lang="it-IT" smtClean="0"/>
-              <a:t>05/02/22</a:t>
+              <a:t>14/02/2022</a:t>
             </a:fld>
             <a:endParaRPr lang="it-IT"/>
           </a:p>
@@ -1119,7 +1118,7 @@
           <a:p>
             <a:fld id="{27153579-3A4D-BB42-BD49-BB0F80A81A61}" type="datetimeFigureOut">
               <a:rPr lang="it-IT" smtClean="0"/>
-              <a:t>05/02/22</a:t>
+              <a:t>14/02/2022</a:t>
             </a:fld>
             <a:endParaRPr lang="it-IT"/>
           </a:p>
@@ -1334,7 +1333,7 @@
           <a:p>
             <a:fld id="{27153579-3A4D-BB42-BD49-BB0F80A81A61}" type="datetimeFigureOut">
               <a:rPr lang="it-IT" smtClean="0"/>
-              <a:t>05/02/22</a:t>
+              <a:t>14/02/2022</a:t>
             </a:fld>
             <a:endParaRPr lang="it-IT"/>
           </a:p>
@@ -1702,7 +1701,7 @@
           <a:p>
             <a:fld id="{27153579-3A4D-BB42-BD49-BB0F80A81A61}" type="datetimeFigureOut">
               <a:rPr lang="it-IT" smtClean="0"/>
-              <a:t>05/02/22</a:t>
+              <a:t>14/02/2022</a:t>
             </a:fld>
             <a:endParaRPr lang="it-IT"/>
           </a:p>
@@ -1843,7 +1842,7 @@
           <a:p>
             <a:fld id="{27153579-3A4D-BB42-BD49-BB0F80A81A61}" type="datetimeFigureOut">
               <a:rPr lang="it-IT" smtClean="0"/>
-              <a:t>05/02/22</a:t>
+              <a:t>14/02/2022</a:t>
             </a:fld>
             <a:endParaRPr lang="it-IT"/>
           </a:p>
@@ -1956,7 +1955,7 @@
           <a:p>
             <a:fld id="{27153579-3A4D-BB42-BD49-BB0F80A81A61}" type="datetimeFigureOut">
               <a:rPr lang="it-IT" smtClean="0"/>
-              <a:t>05/02/22</a:t>
+              <a:t>14/02/2022</a:t>
             </a:fld>
             <a:endParaRPr lang="it-IT"/>
           </a:p>
@@ -2245,7 +2244,7 @@
           <a:p>
             <a:fld id="{27153579-3A4D-BB42-BD49-BB0F80A81A61}" type="datetimeFigureOut">
               <a:rPr lang="it-IT" smtClean="0"/>
-              <a:t>05/02/22</a:t>
+              <a:t>14/02/2022</a:t>
             </a:fld>
             <a:endParaRPr lang="it-IT"/>
           </a:p>
@@ -2536,7 +2535,7 @@
           <a:p>
             <a:fld id="{27153579-3A4D-BB42-BD49-BB0F80A81A61}" type="datetimeFigureOut">
               <a:rPr lang="it-IT" smtClean="0"/>
-              <a:t>05/02/22</a:t>
+              <a:t>14/02/2022</a:t>
             </a:fld>
             <a:endParaRPr lang="it-IT"/>
           </a:p>
@@ -2752,7 +2751,7 @@
           <a:p>
             <a:fld id="{27153579-3A4D-BB42-BD49-BB0F80A81A61}" type="datetimeFigureOut">
               <a:rPr lang="it-IT" smtClean="0"/>
-              <a:t>05/02/22</a:t>
+              <a:t>14/02/2022</a:t>
             </a:fld>
             <a:endParaRPr lang="it-IT"/>
           </a:p>
@@ -3273,6 +3272,10 @@
               <a:rPr lang="it-IT" sz="2200" u="sng" dirty="0"/>
               <a:t>Tavole Applicative</a:t>
             </a:r>
+            <a:r>
+              <a:rPr lang="it-IT" dirty="0"/>
+              <a:t/>
+            </a:r>
             <a:br>
               <a:rPr lang="it-IT" dirty="0"/>
             </a:br>
@@ -3496,7 +3499,7 @@
           <a:p>
             <a:fld id="{4EF59023-6175-3944-979D-CFE35E3A8267}" type="datetime1">
               <a:rPr lang="it-IT" smtClean="0"/>
-              <a:t>05/02/22</a:t>
+              <a:t>14/02/2022</a:t>
             </a:fld>
             <a:endParaRPr lang="en-US" dirty="0"/>
           </a:p>
@@ -3810,7 +3813,7 @@
           <a:p>
             <a:fld id="{4EF59023-6175-3944-979D-CFE35E3A8267}" type="datetime1">
               <a:rPr lang="it-IT" smtClean="0"/>
-              <a:t>05/02/22</a:t>
+              <a:t>14/02/2022</a:t>
             </a:fld>
             <a:endParaRPr lang="en-US" dirty="0"/>
           </a:p>
@@ -4154,7 +4157,7 @@
           <a:p>
             <a:fld id="{4EF59023-6175-3944-979D-CFE35E3A8267}" type="datetime1">
               <a:rPr lang="it-IT" smtClean="0"/>
-              <a:t>05/02/22</a:t>
+              <a:t>14/02/2022</a:t>
             </a:fld>
             <a:endParaRPr lang="en-US" dirty="0"/>
           </a:p>
@@ -4476,7 +4479,7 @@
           <a:p>
             <a:fld id="{4EF59023-6175-3944-979D-CFE35E3A8267}" type="datetime1">
               <a:rPr lang="it-IT" smtClean="0"/>
-              <a:t>05/02/22</a:t>
+              <a:t>14/02/2022</a:t>
             </a:fld>
             <a:endParaRPr lang="en-US" dirty="0"/>
           </a:p>
@@ -4834,7 +4837,7 @@
           <a:p>
             <a:fld id="{4EF59023-6175-3944-979D-CFE35E3A8267}" type="datetime1">
               <a:rPr lang="it-IT" smtClean="0"/>
-              <a:t>05/02/22</a:t>
+              <a:t>14/02/2022</a:t>
             </a:fld>
             <a:endParaRPr lang="en-US" dirty="0"/>
           </a:p>
@@ -5147,7 +5150,7 @@
           <a:p>
             <a:fld id="{4EF59023-6175-3944-979D-CFE35E3A8267}" type="datetime1">
               <a:rPr lang="it-IT" smtClean="0"/>
-              <a:t>05/02/22</a:t>
+              <a:t>14/02/2022</a:t>
             </a:fld>
             <a:endParaRPr lang="en-US" dirty="0"/>
           </a:p>
@@ -5978,7 +5981,7 @@
           <a:p>
             <a:fld id="{4EF59023-6175-3944-979D-CFE35E3A8267}" type="datetime1">
               <a:rPr lang="it-IT" smtClean="0"/>
-              <a:t>05/02/22</a:t>
+              <a:t>14/02/2022</a:t>
             </a:fld>
             <a:endParaRPr lang="en-US" dirty="0"/>
           </a:p>
@@ -6401,7 +6404,7 @@
           <a:p>
             <a:fld id="{4EF59023-6175-3944-979D-CFE35E3A8267}" type="datetime1">
               <a:rPr lang="it-IT" smtClean="0"/>
-              <a:t>05/02/22</a:t>
+              <a:t>14/02/2022</a:t>
             </a:fld>
             <a:endParaRPr lang="en-US" dirty="0"/>
           </a:p>
@@ -6935,7 +6938,7 @@
           <a:p>
             <a:fld id="{4EF59023-6175-3944-979D-CFE35E3A8267}" type="datetime1">
               <a:rPr lang="it-IT" smtClean="0"/>
-              <a:t>05/02/22</a:t>
+              <a:t>14/02/2022</a:t>
             </a:fld>
             <a:endParaRPr lang="en-US" dirty="0"/>
           </a:p>
@@ -7241,7 +7244,7 @@
           <a:p>
             <a:fld id="{4EF59023-6175-3944-979D-CFE35E3A8267}" type="datetime1">
               <a:rPr lang="it-IT" smtClean="0"/>
-              <a:t>05/02/22</a:t>
+              <a:t>14/02/2022</a:t>
             </a:fld>
             <a:endParaRPr lang="en-US" dirty="0"/>
           </a:p>
@@ -7684,7 +7687,7 @@
           <a:p>
             <a:fld id="{4EF59023-6175-3944-979D-CFE35E3A8267}" type="datetime1">
               <a:rPr lang="it-IT" smtClean="0"/>
-              <a:t>05/02/22</a:t>
+              <a:t>14/02/2022</a:t>
             </a:fld>
             <a:endParaRPr lang="en-US" dirty="0"/>
           </a:p>
@@ -8222,7 +8225,7 @@
           <a:p>
             <a:fld id="{4EF59023-6175-3944-979D-CFE35E3A8267}" type="datetime1">
               <a:rPr lang="it-IT" smtClean="0"/>
-              <a:t>05/02/22</a:t>
+              <a:t>14/02/2022</a:t>
             </a:fld>
             <a:endParaRPr lang="en-US" dirty="0"/>
           </a:p>
@@ -8800,7 +8803,7 @@
           <a:p>
             <a:fld id="{4EF59023-6175-3944-979D-CFE35E3A8267}" type="datetime1">
               <a:rPr lang="it-IT" smtClean="0"/>
-              <a:t>05/02/22</a:t>
+              <a:t>14/02/2022</a:t>
             </a:fld>
             <a:endParaRPr lang="en-US" dirty="0"/>
           </a:p>
@@ -9060,7 +9063,7 @@
           <a:p>
             <a:fld id="{4EF59023-6175-3944-979D-CFE35E3A8267}" type="datetime1">
               <a:rPr lang="it-IT" smtClean="0"/>
-              <a:t>05/02/22</a:t>
+              <a:t>14/02/2022</a:t>
             </a:fld>
             <a:endParaRPr lang="en-US" dirty="0"/>
           </a:p>
@@ -9320,7 +9323,7 @@
           <a:p>
             <a:fld id="{4EF59023-6175-3944-979D-CFE35E3A8267}" type="datetime1">
               <a:rPr lang="it-IT" smtClean="0"/>
-              <a:t>05/02/22</a:t>
+              <a:t>14/02/2022</a:t>
             </a:fld>
             <a:endParaRPr lang="en-US" dirty="0"/>
           </a:p>
@@ -9430,8 +9433,8 @@
           </a:prstGeom>
         </p:spPr>
       </p:pic>
-      <mc:AlternateContent xmlns:mc="http://schemas.openxmlformats.org/markup-compatibility/2006">
-        <mc:Choice xmlns:a14="http://schemas.microsoft.com/office/drawing/2010/main" Requires="a14">
+      <mc:AlternateContent xmlns:mc="http://schemas.openxmlformats.org/markup-compatibility/2006" xmlns:a14="http://schemas.microsoft.com/office/drawing/2010/main">
+        <mc:Choice Requires="a14">
           <p:sp>
             <p:nvSpPr>
               <p:cNvPr id="2" name="CasellaDiTesto 1">
@@ -9551,7 +9554,7 @@
             </p:txBody>
           </p:sp>
         </mc:Choice>
-        <mc:Fallback>
+        <mc:Fallback xmlns="">
           <p:sp>
             <p:nvSpPr>
               <p:cNvPr id="2" name="CasellaDiTesto 1">
@@ -9935,7 +9938,7 @@
           <a:p>
             <a:fld id="{4EF59023-6175-3944-979D-CFE35E3A8267}" type="datetime1">
               <a:rPr lang="it-IT" smtClean="0"/>
-              <a:t>05/02/22</a:t>
+              <a:t>14/02/2022</a:t>
             </a:fld>
             <a:endParaRPr lang="en-US" dirty="0"/>
           </a:p>
@@ -10289,7 +10292,7 @@
           <a:p>
             <a:fld id="{4EF59023-6175-3944-979D-CFE35E3A8267}" type="datetime1">
               <a:rPr lang="it-IT" smtClean="0"/>
-              <a:t>05/02/22</a:t>
+              <a:t>14/02/2022</a:t>
             </a:fld>
             <a:endParaRPr lang="en-US" dirty="0"/>
           </a:p>
@@ -10681,7 +10684,7 @@
           <a:p>
             <a:fld id="{4EF59023-6175-3944-979D-CFE35E3A8267}" type="datetime1">
               <a:rPr lang="it-IT" smtClean="0"/>
-              <a:t>05/02/22</a:t>
+              <a:t>14/02/2022</a:t>
             </a:fld>
             <a:endParaRPr lang="en-US" dirty="0"/>
           </a:p>
@@ -11592,7 +11595,7 @@
           <a:p>
             <a:fld id="{4EF59023-6175-3944-979D-CFE35E3A8267}" type="datetime1">
               <a:rPr lang="it-IT" smtClean="0"/>
-              <a:t>05/02/22</a:t>
+              <a:t>14/02/2022</a:t>
             </a:fld>
             <a:endParaRPr lang="en-US" dirty="0"/>
           </a:p>
@@ -11875,7 +11878,7 @@
           <a:p>
             <a:fld id="{4EF59023-6175-3944-979D-CFE35E3A8267}" type="datetime1">
               <a:rPr lang="it-IT" smtClean="0"/>
-              <a:t>05/02/22</a:t>
+              <a:t>14/02/2022</a:t>
             </a:fld>
             <a:endParaRPr lang="en-US" dirty="0"/>
           </a:p>
@@ -12917,7 +12920,7 @@
           <a:p>
             <a:fld id="{4EF59023-6175-3944-979D-CFE35E3A8267}" type="datetime1">
               <a:rPr lang="it-IT" smtClean="0"/>
-              <a:t>05/02/22</a:t>
+              <a:t>14/02/2022</a:t>
             </a:fld>
             <a:endParaRPr lang="en-US" dirty="0"/>
           </a:p>
@@ -13503,7 +13506,7 @@
           <a:p>
             <a:fld id="{4EF59023-6175-3944-979D-CFE35E3A8267}" type="datetime1">
               <a:rPr lang="it-IT" smtClean="0"/>
-              <a:t>05/02/22</a:t>
+              <a:t>14/02/2022</a:t>
             </a:fld>
             <a:endParaRPr lang="en-US" dirty="0"/>
           </a:p>
@@ -14577,7 +14580,7 @@
           <a:p>
             <a:fld id="{4EF59023-6175-3944-979D-CFE35E3A8267}" type="datetime1">
               <a:rPr lang="it-IT" smtClean="0"/>
-              <a:t>05/02/22</a:t>
+              <a:t>14/02/2022</a:t>
             </a:fld>
             <a:endParaRPr lang="en-US" dirty="0"/>
           </a:p>
@@ -15067,7 +15070,7 @@
           <a:p>
             <a:fld id="{4EF59023-6175-3944-979D-CFE35E3A8267}" type="datetime1">
               <a:rPr lang="it-IT" smtClean="0"/>
-              <a:t>05/02/22</a:t>
+              <a:t>14/02/2022</a:t>
             </a:fld>
             <a:endParaRPr lang="en-US" dirty="0"/>
           </a:p>
@@ -15523,7 +15526,7 @@
           <a:p>
             <a:fld id="{4EF59023-6175-3944-979D-CFE35E3A8267}" type="datetime1">
               <a:rPr lang="it-IT" smtClean="0"/>
-              <a:t>05/02/22</a:t>
+              <a:t>14/02/2022</a:t>
             </a:fld>
             <a:endParaRPr lang="en-US" dirty="0"/>
           </a:p>
@@ -15937,7 +15940,7 @@
           <a:p>
             <a:fld id="{4EF59023-6175-3944-979D-CFE35E3A8267}" type="datetime1">
               <a:rPr lang="it-IT" smtClean="0"/>
-              <a:t>05/02/22</a:t>
+              <a:t>14/02/2022</a:t>
             </a:fld>
             <a:endParaRPr lang="en-US" dirty="0"/>
           </a:p>
@@ -16308,7 +16311,7 @@
           <a:p>
             <a:fld id="{4EF59023-6175-3944-979D-CFE35E3A8267}" type="datetime1">
               <a:rPr lang="it-IT" smtClean="0"/>
-              <a:t>05/02/22</a:t>
+              <a:t>14/02/2022</a:t>
             </a:fld>
             <a:endParaRPr lang="en-US" dirty="0"/>
           </a:p>
@@ -17154,7 +17157,7 @@
           <a:p>
             <a:fld id="{4EF59023-6175-3944-979D-CFE35E3A8267}" type="datetime1">
               <a:rPr lang="it-IT" smtClean="0"/>
-              <a:t>05/02/22</a:t>
+              <a:t>14/02/2022</a:t>
             </a:fld>
             <a:endParaRPr lang="en-US" dirty="0"/>
           </a:p>
@@ -17301,8 +17304,8 @@
           </a:p>
         </p:txBody>
       </p:sp>
-      <mc:AlternateContent xmlns:mc="http://schemas.openxmlformats.org/markup-compatibility/2006">
-        <mc:Choice xmlns:a14="http://schemas.microsoft.com/office/drawing/2010/main" Requires="a14">
+      <mc:AlternateContent xmlns:mc="http://schemas.openxmlformats.org/markup-compatibility/2006" xmlns:a14="http://schemas.microsoft.com/office/drawing/2010/main">
+        <mc:Choice Requires="a14">
           <p:sp>
             <p:nvSpPr>
               <p:cNvPr id="3" name="CasellaDiTesto 2"/>
@@ -17424,7 +17427,7 @@
             </p:txBody>
           </p:sp>
         </mc:Choice>
-        <mc:Fallback>
+        <mc:Fallback xmlns="">
           <p:sp>
             <p:nvSpPr>
               <p:cNvPr id="3" name="CasellaDiTesto 2"/>
@@ -17761,7 +17764,7 @@
           <a:p>
             <a:fld id="{4EF59023-6175-3944-979D-CFE35E3A8267}" type="datetime1">
               <a:rPr lang="it-IT" smtClean="0"/>
-              <a:t>05/02/22</a:t>
+              <a:t>14/02/2022</a:t>
             </a:fld>
             <a:endParaRPr lang="en-US" dirty="0"/>
           </a:p>
@@ -18183,7 +18186,7 @@
           <a:p>
             <a:fld id="{4EF59023-6175-3944-979D-CFE35E3A8267}" type="datetime1">
               <a:rPr lang="it-IT" smtClean="0"/>
-              <a:t>05/02/22</a:t>
+              <a:t>14/02/2022</a:t>
             </a:fld>
             <a:endParaRPr lang="en-US" dirty="0"/>
           </a:p>
@@ -18828,7 +18831,7 @@
           <a:p>
             <a:fld id="{4EF59023-6175-3944-979D-CFE35E3A8267}" type="datetime1">
               <a:rPr lang="it-IT" smtClean="0"/>
-              <a:t>05/02/22</a:t>
+              <a:t>14/02/2022</a:t>
             </a:fld>
             <a:endParaRPr lang="en-US" dirty="0"/>
           </a:p>
@@ -19367,7 +19370,7 @@
           <a:p>
             <a:fld id="{4EF59023-6175-3944-979D-CFE35E3A8267}" type="datetime1">
               <a:rPr lang="it-IT" smtClean="0"/>
-              <a:t>05/02/22</a:t>
+              <a:t>14/02/2022</a:t>
             </a:fld>
             <a:endParaRPr lang="en-US" dirty="0"/>
           </a:p>
@@ -21586,7 +21589,7 @@
           <a:p>
             <a:fld id="{4EF59023-6175-3944-979D-CFE35E3A8267}" type="datetime1">
               <a:rPr lang="it-IT" smtClean="0"/>
-              <a:t>05/02/22</a:t>
+              <a:t>14/02/2022</a:t>
             </a:fld>
             <a:endParaRPr lang="en-US" dirty="0"/>
           </a:p>
@@ -21751,451 +21754,6 @@
         </p:spPr>
         <p:txBody>
           <a:bodyPr vert="horz" lIns="91440" tIns="45720" rIns="91440" bIns="45720" rtlCol="0" anchor="ctr">
-            <a:normAutofit/>
-          </a:bodyPr>
-          <a:lstStyle>
-            <a:lvl1pPr algn="l" defTabSz="914400" rtl="0" eaLnBrk="1" latinLnBrk="0" hangingPunct="1">
-              <a:lnSpc>
-                <a:spcPct val="90000"/>
-              </a:lnSpc>
-              <a:spcBef>
-                <a:spcPct val="0"/>
-              </a:spcBef>
-              <a:buNone/>
-              <a:defRPr sz="4400" kern="1200">
-                <a:solidFill>
-                  <a:schemeClr val="tx1"/>
-                </a:solidFill>
-                <a:latin typeface="+mj-lt"/>
-                <a:ea typeface="+mj-ea"/>
-                <a:cs typeface="+mj-cs"/>
-              </a:defRPr>
-            </a:lvl1pPr>
-          </a:lstStyle>
-          <a:p>
-            <a:pPr algn="ctr"/>
-            <a:r>
-              <a:rPr lang="it-IT" dirty="0"/>
-              <a:t>Gantry crane</a:t>
-            </a:r>
-          </a:p>
-        </p:txBody>
-      </p:sp>
-      <p:pic>
-        <p:nvPicPr>
-          <p:cNvPr id="6" name="Immagine 5">
-            <a:extLst>
-              <a:ext uri="{FF2B5EF4-FFF2-40B4-BE49-F238E27FC236}">
-                <a16:creationId xmlns:a16="http://schemas.microsoft.com/office/drawing/2014/main" id="{E6250F99-85E5-234E-8497-D887077950D0}"/>
-              </a:ext>
-            </a:extLst>
-          </p:cNvPr>
-          <p:cNvPicPr>
-            <a:picLocks noChangeAspect="1"/>
-          </p:cNvPicPr>
-          <p:nvPr/>
-        </p:nvPicPr>
-        <p:blipFill>
-          <a:blip r:embed="rId2"/>
-          <a:stretch>
-            <a:fillRect/>
-          </a:stretch>
-        </p:blipFill>
-        <p:spPr>
-          <a:xfrm>
-            <a:off x="1714030" y="1475623"/>
-            <a:ext cx="2093143" cy="1332000"/>
-          </a:xfrm>
-          <a:prstGeom prst="rect">
-            <a:avLst/>
-          </a:prstGeom>
-        </p:spPr>
-      </p:pic>
-      <p:sp>
-        <p:nvSpPr>
-          <p:cNvPr id="5" name="Segnaposto data 3">
-            <a:extLst>
-              <a:ext uri="{FF2B5EF4-FFF2-40B4-BE49-F238E27FC236}">
-                <a16:creationId xmlns:a16="http://schemas.microsoft.com/office/drawing/2014/main" id="{10832284-2AF9-D442-A2BC-3A4C6C544DF0}"/>
-              </a:ext>
-            </a:extLst>
-          </p:cNvPr>
-          <p:cNvSpPr>
-            <a:spLocks noGrp="1"/>
-          </p:cNvSpPr>
-          <p:nvPr>
-            <p:ph type="dt" sz="half" idx="10"/>
-          </p:nvPr>
-        </p:nvSpPr>
-        <p:spPr>
-          <a:xfrm>
-            <a:off x="838200" y="6356350"/>
-            <a:ext cx="2743200" cy="365125"/>
-          </a:xfrm>
-        </p:spPr>
-        <p:txBody>
-          <a:bodyPr/>
-          <a:lstStyle/>
-          <a:p>
-            <a:fld id="{4EF59023-6175-3944-979D-CFE35E3A8267}" type="datetime1">
-              <a:rPr lang="it-IT" smtClean="0"/>
-              <a:t>05/02/22</a:t>
-            </a:fld>
-            <a:endParaRPr lang="en-US" dirty="0"/>
-          </a:p>
-        </p:txBody>
-      </p:sp>
-      <p:sp>
-        <p:nvSpPr>
-          <p:cNvPr id="7" name="Segnaposto piè di pagina 4">
-            <a:extLst>
-              <a:ext uri="{FF2B5EF4-FFF2-40B4-BE49-F238E27FC236}">
-                <a16:creationId xmlns:a16="http://schemas.microsoft.com/office/drawing/2014/main" id="{5C3B2BD7-91A2-CA4F-9DA6-4CE984B6F87C}"/>
-              </a:ext>
-            </a:extLst>
-          </p:cNvPr>
-          <p:cNvSpPr>
-            <a:spLocks noGrp="1"/>
-          </p:cNvSpPr>
-          <p:nvPr>
-            <p:ph type="ftr" sz="quarter" idx="11"/>
-          </p:nvPr>
-        </p:nvSpPr>
-        <p:spPr>
-          <a:xfrm>
-            <a:off x="4038600" y="6356350"/>
-            <a:ext cx="4114800" cy="365125"/>
-          </a:xfrm>
-        </p:spPr>
-        <p:txBody>
-          <a:bodyPr/>
-          <a:lstStyle/>
-          <a:p>
-            <a:r>
-              <a:rPr lang="en-US" dirty="0"/>
-              <a:t>Arianna </a:t>
-            </a:r>
-            <a:r>
-              <a:rPr lang="en-US" dirty="0" err="1"/>
-              <a:t>Gasparri</a:t>
-            </a:r>
-            <a:endParaRPr lang="en-US" dirty="0"/>
-          </a:p>
-        </p:txBody>
-      </p:sp>
-      <p:sp>
-        <p:nvSpPr>
-          <p:cNvPr id="10" name="Segnaposto numero diapositiva 5">
-            <a:extLst>
-              <a:ext uri="{FF2B5EF4-FFF2-40B4-BE49-F238E27FC236}">
-                <a16:creationId xmlns:a16="http://schemas.microsoft.com/office/drawing/2014/main" id="{5568013C-6B52-9D43-B6C2-2654FF7BD98A}"/>
-              </a:ext>
-            </a:extLst>
-          </p:cNvPr>
-          <p:cNvSpPr>
-            <a:spLocks noGrp="1"/>
-          </p:cNvSpPr>
-          <p:nvPr>
-            <p:ph type="sldNum" sz="quarter" idx="12"/>
-          </p:nvPr>
-        </p:nvSpPr>
-        <p:spPr>
-          <a:xfrm>
-            <a:off x="8610600" y="6356350"/>
-            <a:ext cx="2743200" cy="365125"/>
-          </a:xfrm>
-        </p:spPr>
-        <p:txBody>
-          <a:bodyPr/>
-          <a:lstStyle/>
-          <a:p>
-            <a:fld id="{6D22F896-40B5-4ADD-8801-0D06FADFA095}" type="slidenum">
-              <a:rPr lang="en-US" smtClean="0"/>
-              <a:t>40</a:t>
-            </a:fld>
-            <a:endParaRPr lang="en-US" dirty="0"/>
-          </a:p>
-        </p:txBody>
-      </p:sp>
-      <p:pic>
-        <p:nvPicPr>
-          <p:cNvPr id="11" name="Immagine 10">
-            <a:extLst>
-              <a:ext uri="{FF2B5EF4-FFF2-40B4-BE49-F238E27FC236}">
-                <a16:creationId xmlns:a16="http://schemas.microsoft.com/office/drawing/2014/main" id="{E9214F11-0DDC-E448-AFA0-4E2BD04563C4}"/>
-              </a:ext>
-            </a:extLst>
-          </p:cNvPr>
-          <p:cNvPicPr>
-            <a:picLocks noChangeAspect="1"/>
-          </p:cNvPicPr>
-          <p:nvPr/>
-        </p:nvPicPr>
-        <p:blipFill>
-          <a:blip r:embed="rId3" cstate="print">
-            <a:extLst>
-              <a:ext uri="{28A0092B-C50C-407E-A947-70E740481C1C}">
-                <a14:useLocalDpi xmlns:a14="http://schemas.microsoft.com/office/drawing/2010/main" val="0"/>
-              </a:ext>
-            </a:extLst>
-          </a:blip>
-          <a:stretch>
-            <a:fillRect/>
-          </a:stretch>
-        </p:blipFill>
-        <p:spPr>
-          <a:xfrm>
-            <a:off x="241420" y="265431"/>
-            <a:ext cx="571500" cy="518160"/>
-          </a:xfrm>
-          <a:prstGeom prst="rect">
-            <a:avLst/>
-          </a:prstGeom>
-        </p:spPr>
-      </p:pic>
-      <mc:AlternateContent xmlns:mc="http://schemas.openxmlformats.org/markup-compatibility/2006" xmlns:a14="http://schemas.microsoft.com/office/drawing/2010/main">
-        <mc:Choice Requires="a14">
-          <p:sp>
-            <p:nvSpPr>
-              <p:cNvPr id="2" name="CasellaDiTesto 1">
-                <a:extLst>
-                  <a:ext uri="{FF2B5EF4-FFF2-40B4-BE49-F238E27FC236}">
-                    <a16:creationId xmlns:a16="http://schemas.microsoft.com/office/drawing/2014/main" id="{E58ABBA8-CF98-7143-BB35-E847C1F98BEF}"/>
-                  </a:ext>
-                </a:extLst>
-              </p:cNvPr>
-              <p:cNvSpPr txBox="1"/>
-              <p:nvPr/>
-            </p:nvSpPr>
-            <p:spPr>
-              <a:xfrm>
-                <a:off x="3807173" y="1475623"/>
-                <a:ext cx="6860827" cy="2031325"/>
-              </a:xfrm>
-              <a:prstGeom prst="rect">
-                <a:avLst/>
-              </a:prstGeom>
-              <a:noFill/>
-            </p:spPr>
-            <p:txBody>
-              <a:bodyPr wrap="square" rtlCol="0">
-                <a:spAutoFit/>
-              </a:bodyPr>
-              <a:lstStyle/>
-              <a:p>
-                <a:pPr algn="ctr"/>
-                <a:r>
-                  <a:rPr lang="it-IT" dirty="0"/>
-                  <a:t>Per la scelta effettuata della funzione di uscita il rango della matrice </a:t>
-                </a:r>
-                <a14:m>
-                  <m:oMath xmlns:m="http://schemas.openxmlformats.org/officeDocument/2006/math">
-                    <m:r>
-                      <m:rPr>
-                        <m:sty m:val="p"/>
-                      </m:rPr>
-                      <a:rPr lang="it-IT" i="0">
-                        <a:latin typeface="Cambria Math" panose="02040503050406030204" pitchFamily="18" charset="0"/>
-                      </a:rPr>
-                      <m:t>dO</m:t>
-                    </m:r>
-                  </m:oMath>
-                </a14:m>
-                <a:r>
-                  <a:rPr lang="it-IT" dirty="0"/>
-                  <a:t> risulta essere pari a 3 ,</a:t>
-                </a:r>
-              </a:p>
-              <a:p>
-                <a:pPr algn="ctr"/>
-                <a:r>
-                  <a:rPr lang="it-IT" dirty="0"/>
-                  <a:t>è quindi possibile concludere che il sistema NON sia localmente osservabile,</a:t>
-                </a:r>
-              </a:p>
-              <a:p>
-                <a:pPr algn="ctr"/>
-                <a:r>
-                  <a:rPr lang="it-IT" dirty="0"/>
-                  <a:t>si riporta di seguito la matrice calcolata, nella quale è riportato un * in corrispondenza degli elementi non nulli</a:t>
-                </a:r>
-              </a:p>
-              <a:p>
-                <a:pPr algn="ctr"/>
-                <a:r>
-                  <a:rPr lang="it-IT" dirty="0"/>
-                  <a:t>e dalla quale sono state eliminate le righe completamente nulle:</a:t>
-                </a:r>
-              </a:p>
-            </p:txBody>
-          </p:sp>
-        </mc:Choice>
-        <mc:Fallback xmlns="">
-          <p:sp>
-            <p:nvSpPr>
-              <p:cNvPr id="2" name="CasellaDiTesto 1">
-                <a:extLst>
-                  <a:ext uri="{FF2B5EF4-FFF2-40B4-BE49-F238E27FC236}">
-                    <a16:creationId xmlns:a16="http://schemas.microsoft.com/office/drawing/2014/main" id="{E58ABBA8-CF98-7143-BB35-E847C1F98BEF}"/>
-                  </a:ext>
-                </a:extLst>
-              </p:cNvPr>
-              <p:cNvSpPr txBox="1">
-                <a:spLocks noRot="1" noChangeAspect="1" noMove="1" noResize="1" noEditPoints="1" noAdjustHandles="1" noChangeArrowheads="1" noChangeShapeType="1" noTextEdit="1"/>
-              </p:cNvSpPr>
-              <p:nvPr/>
-            </p:nvSpPr>
-            <p:spPr>
-              <a:xfrm>
-                <a:off x="3807173" y="1475623"/>
-                <a:ext cx="6860827" cy="2031325"/>
-              </a:xfrm>
-              <a:prstGeom prst="rect">
-                <a:avLst/>
-              </a:prstGeom>
-              <a:blipFill>
-                <a:blip r:embed="rId4"/>
-                <a:stretch>
-                  <a:fillRect l="-185" t="-621" b="-3727"/>
-                </a:stretch>
-              </a:blipFill>
-            </p:spPr>
-            <p:txBody>
-              <a:bodyPr/>
-              <a:lstStyle/>
-              <a:p>
-                <a:r>
-                  <a:rPr lang="it-IT">
-                    <a:noFill/>
-                  </a:rPr>
-                  <a:t> </a:t>
-                </a:r>
-              </a:p>
-            </p:txBody>
-          </p:sp>
-        </mc:Fallback>
-      </mc:AlternateContent>
-      <p:pic>
-        <p:nvPicPr>
-          <p:cNvPr id="4" name="Immagine 3">
-            <a:extLst>
-              <a:ext uri="{FF2B5EF4-FFF2-40B4-BE49-F238E27FC236}">
-                <a16:creationId xmlns:a16="http://schemas.microsoft.com/office/drawing/2014/main" id="{4C1EF7F2-EB83-F147-B4E7-DA2FA102762A}"/>
-              </a:ext>
-            </a:extLst>
-          </p:cNvPr>
-          <p:cNvPicPr>
-            <a:picLocks noChangeAspect="1"/>
-          </p:cNvPicPr>
-          <p:nvPr/>
-        </p:nvPicPr>
-        <p:blipFill>
-          <a:blip r:embed="rId5"/>
-          <a:stretch>
-            <a:fillRect/>
-          </a:stretch>
-        </p:blipFill>
-        <p:spPr>
-          <a:xfrm>
-            <a:off x="6170786" y="3506948"/>
-            <a:ext cx="2133600" cy="1130300"/>
-          </a:xfrm>
-          <a:prstGeom prst="rect">
-            <a:avLst/>
-          </a:prstGeom>
-        </p:spPr>
-      </p:pic>
-      <p:sp>
-        <p:nvSpPr>
-          <p:cNvPr id="13" name="CasellaDiTesto 12">
-            <a:extLst>
-              <a:ext uri="{FF2B5EF4-FFF2-40B4-BE49-F238E27FC236}">
-                <a16:creationId xmlns:a16="http://schemas.microsoft.com/office/drawing/2014/main" id="{75C27FB8-2EAE-5E43-BD5E-E6F38CAB48E9}"/>
-              </a:ext>
-            </a:extLst>
-          </p:cNvPr>
-          <p:cNvSpPr txBox="1"/>
-          <p:nvPr/>
-        </p:nvSpPr>
-        <p:spPr>
-          <a:xfrm>
-            <a:off x="1714031" y="4637248"/>
-            <a:ext cx="8953970" cy="646331"/>
-          </a:xfrm>
-          <a:prstGeom prst="rect">
-            <a:avLst/>
-          </a:prstGeom>
-          <a:noFill/>
-        </p:spPr>
-        <p:txBody>
-          <a:bodyPr wrap="square" rtlCol="0">
-            <a:spAutoFit/>
-          </a:bodyPr>
-          <a:lstStyle/>
-          <a:p>
-            <a:pPr algn="ctr"/>
-            <a:r>
-              <a:rPr lang="it-IT" dirty="0"/>
-              <a:t>Risulta di immediato come il rango della matrice non possa essere pieno, in quanto questa presenta una colonna interamente nulla.</a:t>
-            </a:r>
-          </a:p>
-        </p:txBody>
-      </p:sp>
-    </p:spTree>
-    <p:extLst>
-      <p:ext uri="{BB962C8B-B14F-4D97-AF65-F5344CB8AC3E}">
-        <p14:creationId xmlns:p14="http://schemas.microsoft.com/office/powerpoint/2010/main" val="1954747474"/>
-      </p:ext>
-    </p:extLst>
-  </p:cSld>
-  <p:clrMapOvr>
-    <a:masterClrMapping/>
-  </p:clrMapOvr>
-</p:sld>
-</file>
-
-<file path=ppt/slides/slide41.xml><?xml version="1.0" encoding="utf-8"?>
-<p:sld xmlns:a="http://schemas.openxmlformats.org/drawingml/2006/main" xmlns:r="http://schemas.openxmlformats.org/officeDocument/2006/relationships" xmlns:p="http://schemas.openxmlformats.org/presentationml/2006/main">
-  <p:cSld>
-    <p:spTree>
-      <p:nvGrpSpPr>
-        <p:cNvPr id="1" name=""/>
-        <p:cNvGrpSpPr/>
-        <p:nvPr/>
-      </p:nvGrpSpPr>
-      <p:grpSpPr>
-        <a:xfrm>
-          <a:off x="0" y="0"/>
-          <a:ext cx="0" cy="0"/>
-          <a:chOff x="0" y="0"/>
-          <a:chExt cx="0" cy="0"/>
-        </a:xfrm>
-      </p:grpSpPr>
-      <p:sp>
-        <p:nvSpPr>
-          <p:cNvPr id="8" name="Titolo 1">
-            <a:extLst>
-              <a:ext uri="{FF2B5EF4-FFF2-40B4-BE49-F238E27FC236}">
-                <a16:creationId xmlns:a16="http://schemas.microsoft.com/office/drawing/2014/main" id="{E8EDF0BB-0558-644B-BB96-58C4BD179ABC}"/>
-              </a:ext>
-            </a:extLst>
-          </p:cNvPr>
-          <p:cNvSpPr txBox="1">
-            <a:spLocks/>
-          </p:cNvSpPr>
-          <p:nvPr/>
-        </p:nvSpPr>
-        <p:spPr>
-          <a:xfrm>
-            <a:off x="1524000" y="454393"/>
-            <a:ext cx="9144000" cy="1021230"/>
-          </a:xfrm>
-          <a:prstGeom prst="rect">
-            <a:avLst/>
-          </a:prstGeom>
-        </p:spPr>
-        <p:txBody>
-          <a:bodyPr vert="horz" lIns="91440" tIns="45720" rIns="91440" bIns="45720" rtlCol="0" anchor="ctr">
             <a:normAutofit fontScale="92500" lnSpcReduction="10000"/>
           </a:bodyPr>
           <a:lstStyle>
@@ -22300,7 +21858,7 @@
           <a:p>
             <a:fld id="{4EF59023-6175-3944-979D-CFE35E3A8267}" type="datetime1">
               <a:rPr lang="it-IT" smtClean="0"/>
-              <a:t>06/02/22</a:t>
+              <a:t>14/02/2022</a:t>
             </a:fld>
             <a:endParaRPr lang="en-US" dirty="0"/>
           </a:p>
@@ -22372,7 +21930,7 @@
           <a:p>
             <a:fld id="{6D22F896-40B5-4ADD-8801-0D06FADFA095}" type="slidenum">
               <a:rPr lang="en-US" smtClean="0"/>
-              <a:t>41</a:t>
+              <a:t>40</a:t>
             </a:fld>
             <a:endParaRPr lang="en-US" dirty="0"/>
           </a:p>
@@ -22414,8 +21972,8 @@
           </a:prstGeom>
         </p:spPr>
       </p:pic>
-      <mc:AlternateContent xmlns:mc="http://schemas.openxmlformats.org/markup-compatibility/2006">
-        <mc:Choice xmlns:a14="http://schemas.microsoft.com/office/drawing/2010/main" Requires="a14">
+      <mc:AlternateContent xmlns:mc="http://schemas.openxmlformats.org/markup-compatibility/2006" xmlns:a14="http://schemas.microsoft.com/office/drawing/2010/main">
+        <mc:Choice Requires="a14">
           <p:sp>
             <p:nvSpPr>
               <p:cNvPr id="2" name="CasellaDiTesto 1">
@@ -22589,7 +22147,7 @@
             </p:txBody>
           </p:sp>
         </mc:Choice>
-        <mc:Fallback>
+        <mc:Fallback xmlns="">
           <p:sp>
             <p:nvSpPr>
               <p:cNvPr id="2" name="CasellaDiTesto 1">
@@ -22647,7 +22205,7 @@
 </p:sld>
 </file>
 
-<file path=ppt/slides/slide42.xml><?xml version="1.0" encoding="utf-8"?>
+<file path=ppt/slides/slide41.xml><?xml version="1.0" encoding="utf-8"?>
 <p:sld xmlns:a="http://schemas.openxmlformats.org/drawingml/2006/main" xmlns:r="http://schemas.openxmlformats.org/officeDocument/2006/relationships" xmlns:p="http://schemas.openxmlformats.org/presentationml/2006/main">
   <p:cSld>
     <p:spTree>
@@ -22752,7 +22310,7 @@
           <a:p>
             <a:fld id="{4EF59023-6175-3944-979D-CFE35E3A8267}" type="datetime1">
               <a:rPr lang="it-IT" smtClean="0"/>
-              <a:t>05/02/22</a:t>
+              <a:t>14/02/2022</a:t>
             </a:fld>
             <a:endParaRPr lang="en-US" dirty="0"/>
           </a:p>
@@ -22824,7 +22382,7 @@
           <a:p>
             <a:fld id="{6D22F896-40B5-4ADD-8801-0D06FADFA095}" type="slidenum">
               <a:rPr lang="en-US" smtClean="0"/>
-              <a:t>42</a:t>
+              <a:t>41</a:t>
             </a:fld>
             <a:endParaRPr lang="en-US" dirty="0"/>
           </a:p>
@@ -23130,7 +22688,7 @@
           <a:p>
             <a:fld id="{4EF59023-6175-3944-979D-CFE35E3A8267}" type="datetime1">
               <a:rPr lang="it-IT" smtClean="0"/>
-              <a:t>05/02/22</a:t>
+              <a:t>14/02/2022</a:t>
             </a:fld>
             <a:endParaRPr lang="en-US" dirty="0"/>
           </a:p>
@@ -23923,7 +23481,7 @@
           <a:p>
             <a:fld id="{4EF59023-6175-3944-979D-CFE35E3A8267}" type="datetime1">
               <a:rPr lang="it-IT" smtClean="0"/>
-              <a:t>05/02/22</a:t>
+              <a:t>14/02/2022</a:t>
             </a:fld>
             <a:endParaRPr lang="en-US" dirty="0"/>
           </a:p>
@@ -24510,7 +24068,7 @@
           <a:p>
             <a:fld id="{4EF59023-6175-3944-979D-CFE35E3A8267}" type="datetime1">
               <a:rPr lang="it-IT" smtClean="0"/>
-              <a:t>05/02/22</a:t>
+              <a:t>14/02/2022</a:t>
             </a:fld>
             <a:endParaRPr lang="en-US" dirty="0"/>
           </a:p>
@@ -24763,7 +24321,7 @@
           <a:p>
             <a:fld id="{4EF59023-6175-3944-979D-CFE35E3A8267}" type="datetime1">
               <a:rPr lang="it-IT" smtClean="0"/>
-              <a:t>05/02/22</a:t>
+              <a:t>14/02/2022</a:t>
             </a:fld>
             <a:endParaRPr lang="en-US" dirty="0"/>
           </a:p>
@@ -25215,7 +24773,7 @@
           <a:p>
             <a:fld id="{4EF59023-6175-3944-979D-CFE35E3A8267}" type="datetime1">
               <a:rPr lang="it-IT" smtClean="0"/>
-              <a:t>05/02/22</a:t>
+              <a:t>14/02/2022</a:t>
             </a:fld>
             <a:endParaRPr lang="en-US" dirty="0"/>
           </a:p>

--- a/Relazione/Presentazione.pptx
+++ b/Relazione/Presentazione.pptx
@@ -5773,28 +5773,28 @@
       </mc:AlternateContent>
       <p:pic>
         <p:nvPicPr>
-          <p:cNvPr id="10" name="Immagine 9">
-            <a:extLst>
-              <a:ext uri="{FF2B5EF4-FFF2-40B4-BE49-F238E27FC236}">
-                <a16:creationId xmlns:a16="http://schemas.microsoft.com/office/drawing/2014/main" id="{72511B5E-E7E9-ED41-B938-3D29CFDF81A5}"/>
-              </a:ext>
-            </a:extLst>
-          </p:cNvPr>
+          <p:cNvPr id="4" name="Immagine 3"/>
           <p:cNvPicPr>
             <a:picLocks noChangeAspect="1"/>
           </p:cNvPicPr>
           <p:nvPr/>
         </p:nvPicPr>
         <p:blipFill>
-          <a:blip r:embed="rId5"/>
+          <a:blip r:embed="rId5">
+            <a:extLst>
+              <a:ext uri="{28A0092B-C50C-407E-A947-70E740481C1C}">
+                <a14:useLocalDpi xmlns:a14="http://schemas.microsoft.com/office/drawing/2010/main" val="0"/>
+              </a:ext>
+            </a:extLst>
+          </a:blip>
           <a:stretch>
             <a:fillRect/>
           </a:stretch>
         </p:blipFill>
         <p:spPr>
           <a:xfrm>
-            <a:off x="5308600" y="2089150"/>
-            <a:ext cx="5689600" cy="4267200"/>
+            <a:off x="5586885" y="2356350"/>
+            <a:ext cx="5333333" cy="4000000"/>
           </a:xfrm>
           <a:prstGeom prst="rect">
             <a:avLst/>
@@ -6248,10 +6248,10 @@
       </p:grpSpPr>
       <p:pic>
         <p:nvPicPr>
-          <p:cNvPr id="6" name="Immagine 5">
-            <a:extLst>
-              <a:ext uri="{FF2B5EF4-FFF2-40B4-BE49-F238E27FC236}">
-                <a16:creationId xmlns:a16="http://schemas.microsoft.com/office/drawing/2014/main" id="{BC392C76-04EA-B74D-93E7-53223B265B1A}"/>
+          <p:cNvPr id="8" name="Immagine 7">
+            <a:extLst>
+              <a:ext uri="{FF2B5EF4-FFF2-40B4-BE49-F238E27FC236}">
+                <a16:creationId xmlns:a16="http://schemas.microsoft.com/office/drawing/2014/main" id="{18A45E0B-D139-DF46-8575-785298637F72}"/>
               </a:ext>
             </a:extLst>
           </p:cNvPr>
@@ -6262,36 +6262,6 @@
         </p:nvPicPr>
         <p:blipFill>
           <a:blip r:embed="rId2"/>
-          <a:stretch>
-            <a:fillRect/>
-          </a:stretch>
-        </p:blipFill>
-        <p:spPr>
-          <a:xfrm>
-            <a:off x="2819400" y="2828201"/>
-            <a:ext cx="4267200" cy="3200400"/>
-          </a:xfrm>
-          <a:prstGeom prst="rect">
-            <a:avLst/>
-          </a:prstGeom>
-        </p:spPr>
-      </p:pic>
-      <p:pic>
-        <p:nvPicPr>
-          <p:cNvPr id="8" name="Immagine 7">
-            <a:extLst>
-              <a:ext uri="{FF2B5EF4-FFF2-40B4-BE49-F238E27FC236}">
-                <a16:creationId xmlns:a16="http://schemas.microsoft.com/office/drawing/2014/main" id="{18A45E0B-D139-DF46-8575-785298637F72}"/>
-              </a:ext>
-            </a:extLst>
-          </p:cNvPr>
-          <p:cNvPicPr>
-            <a:picLocks noChangeAspect="1"/>
-          </p:cNvPicPr>
-          <p:nvPr/>
-        </p:nvPicPr>
-        <p:blipFill>
-          <a:blip r:embed="rId3"/>
           <a:stretch>
             <a:fillRect/>
           </a:stretch>
@@ -6462,7 +6432,7 @@
         </p:nvSpPr>
         <p:spPr>
           <a:xfrm>
-            <a:off x="8610600" y="6356350"/>
+            <a:off x="8578645" y="6418928"/>
             <a:ext cx="2743200" cy="365125"/>
           </a:xfrm>
         </p:spPr>
@@ -6493,7 +6463,7 @@
           <p:nvPr/>
         </p:nvPicPr>
         <p:blipFill>
-          <a:blip r:embed="rId4" cstate="print">
+          <a:blip r:embed="rId3" cstate="print">
             <a:extLst>
               <a:ext uri="{28A0092B-C50C-407E-A947-70E740481C1C}">
                 <a14:useLocalDpi xmlns:a14="http://schemas.microsoft.com/office/drawing/2010/main" val="0"/>
@@ -6529,7 +6499,7 @@
           <p:nvPr/>
         </p:nvPicPr>
         <p:blipFill>
-          <a:blip r:embed="rId5"/>
+          <a:blip r:embed="rId4"/>
           <a:stretch>
             <a:fillRect/>
           </a:stretch>
@@ -6587,6 +6557,36 @@
           </a:p>
         </p:txBody>
       </p:sp>
+      <p:pic>
+        <p:nvPicPr>
+          <p:cNvPr id="2" name="Immagine 1"/>
+          <p:cNvPicPr>
+            <a:picLocks noChangeAspect="1"/>
+          </p:cNvPicPr>
+          <p:nvPr/>
+        </p:nvPicPr>
+        <p:blipFill>
+          <a:blip r:embed="rId5">
+            <a:extLst>
+              <a:ext uri="{28A0092B-C50C-407E-A947-70E740481C1C}">
+                <a14:useLocalDpi xmlns:a14="http://schemas.microsoft.com/office/drawing/2010/main" val="0"/>
+              </a:ext>
+            </a:extLst>
+          </a:blip>
+          <a:stretch>
+            <a:fillRect/>
+          </a:stretch>
+        </p:blipFill>
+        <p:spPr>
+          <a:xfrm>
+            <a:off x="2816943" y="2828200"/>
+            <a:ext cx="4269658" cy="3202243"/>
+          </a:xfrm>
+          <a:prstGeom prst="rect">
+            <a:avLst/>
+          </a:prstGeom>
+        </p:spPr>
+      </p:pic>
     </p:spTree>
     <p:extLst>
       <p:ext uri="{BB962C8B-B14F-4D97-AF65-F5344CB8AC3E}">
@@ -9433,8 +9433,8 @@
           </a:prstGeom>
         </p:spPr>
       </p:pic>
-      <mc:AlternateContent xmlns:mc="http://schemas.openxmlformats.org/markup-compatibility/2006" xmlns:a14="http://schemas.microsoft.com/office/drawing/2010/main">
-        <mc:Choice Requires="a14">
+      <mc:AlternateContent xmlns:mc="http://schemas.openxmlformats.org/markup-compatibility/2006">
+        <mc:Choice xmlns:a14="http://schemas.microsoft.com/office/drawing/2010/main" Requires="a14">
           <p:sp>
             <p:nvSpPr>
               <p:cNvPr id="2" name="CasellaDiTesto 1">
@@ -9450,7 +9450,7 @@
             <p:spPr>
               <a:xfrm>
                 <a:off x="1524000" y="1475623"/>
-                <a:ext cx="9144000" cy="3416320"/>
+                <a:ext cx="9144000" cy="3139321"/>
               </a:xfrm>
               <a:prstGeom prst="rect">
                 <a:avLst/>
@@ -9466,7 +9466,23 @@
                 <a:pPr algn="ctr"/>
                 <a:r>
                   <a:rPr lang="it-IT" dirty="0"/>
-                  <a:t>Dall’immagine precedente è possibile concludere che il controllore a Coppia Calcolata Adattivo produce delle coppie generate con oscillazioni a circa 20Hz, queste possono essere accettabili se date in ingresso a dei motori con banda passante tra 30 e 50Hz, che riuscirebbero a smorzarle.</a:t>
+                  <a:t>Dall’immagine precedente è possibile concludere che il controllore a Coppia Calcolata Adattivo produce delle coppie </a:t>
+                </a:r>
+                <a:r>
+                  <a:rPr lang="it-IT" dirty="0" smtClean="0"/>
+                  <a:t>di uscita dal </a:t>
+                </a:r>
+                <a:r>
+                  <a:rPr lang="it-IT" smtClean="0"/>
+                  <a:t>controllore stesso </a:t>
+                </a:r>
+                <a:r>
+                  <a:rPr lang="it-IT" dirty="0" smtClean="0"/>
+                  <a:t>che presentano oscillazioni </a:t>
+                </a:r>
+                <a:r>
+                  <a:rPr lang="it-IT" dirty="0"/>
+                  <a:t>a circa 20Hz, </a:t>
                 </a:r>
               </a:p>
               <a:p>
@@ -9554,7 +9570,7 @@
             </p:txBody>
           </p:sp>
         </mc:Choice>
-        <mc:Fallback xmlns="">
+        <mc:Fallback>
           <p:sp>
             <p:nvSpPr>
               <p:cNvPr id="2" name="CasellaDiTesto 1">
@@ -9572,7 +9588,7 @@
             <p:spPr>
               <a:xfrm>
                 <a:off x="1524000" y="1475623"/>
-                <a:ext cx="9144000" cy="3416320"/>
+                <a:ext cx="9144000" cy="3139321"/>
               </a:xfrm>
               <a:prstGeom prst="rect">
                 <a:avLst/>
@@ -9580,7 +9596,7 @@
               <a:blipFill>
                 <a:blip r:embed="rId3"/>
                 <a:stretch>
-                  <a:fillRect l="-417" t="-370" r="-833" b="-1852"/>
+                  <a:fillRect l="-333" t="-971" r="-933" b="-2136"/>
                 </a:stretch>
               </a:blipFill>
             </p:spPr>

--- a/Relazione/Presentazione.pptx
+++ b/Relazione/Presentazione.pptx
@@ -311,7 +311,7 @@
           <a:p>
             <a:fld id="{27153579-3A4D-BB42-BD49-BB0F80A81A61}" type="datetimeFigureOut">
               <a:rPr lang="it-IT" smtClean="0"/>
-              <a:t>14/02/2022</a:t>
+              <a:t>01/03/22</a:t>
             </a:fld>
             <a:endParaRPr lang="it-IT"/>
           </a:p>
@@ -484,7 +484,7 @@
           <a:p>
             <a:fld id="{27153579-3A4D-BB42-BD49-BB0F80A81A61}" type="datetimeFigureOut">
               <a:rPr lang="it-IT" smtClean="0"/>
-              <a:t>14/02/2022</a:t>
+              <a:t>01/03/22</a:t>
             </a:fld>
             <a:endParaRPr lang="it-IT"/>
           </a:p>
@@ -667,7 +667,7 @@
           <a:p>
             <a:fld id="{27153579-3A4D-BB42-BD49-BB0F80A81A61}" type="datetimeFigureOut">
               <a:rPr lang="it-IT" smtClean="0"/>
-              <a:t>14/02/2022</a:t>
+              <a:t>01/03/22</a:t>
             </a:fld>
             <a:endParaRPr lang="it-IT"/>
           </a:p>
@@ -840,7 +840,7 @@
           <a:p>
             <a:fld id="{27153579-3A4D-BB42-BD49-BB0F80A81A61}" type="datetimeFigureOut">
               <a:rPr lang="it-IT" smtClean="0"/>
-              <a:t>14/02/2022</a:t>
+              <a:t>01/03/22</a:t>
             </a:fld>
             <a:endParaRPr lang="it-IT"/>
           </a:p>
@@ -1118,7 +1118,7 @@
           <a:p>
             <a:fld id="{27153579-3A4D-BB42-BD49-BB0F80A81A61}" type="datetimeFigureOut">
               <a:rPr lang="it-IT" smtClean="0"/>
-              <a:t>14/02/2022</a:t>
+              <a:t>01/03/22</a:t>
             </a:fld>
             <a:endParaRPr lang="it-IT"/>
           </a:p>
@@ -1333,7 +1333,7 @@
           <a:p>
             <a:fld id="{27153579-3A4D-BB42-BD49-BB0F80A81A61}" type="datetimeFigureOut">
               <a:rPr lang="it-IT" smtClean="0"/>
-              <a:t>14/02/2022</a:t>
+              <a:t>01/03/22</a:t>
             </a:fld>
             <a:endParaRPr lang="it-IT"/>
           </a:p>
@@ -1701,7 +1701,7 @@
           <a:p>
             <a:fld id="{27153579-3A4D-BB42-BD49-BB0F80A81A61}" type="datetimeFigureOut">
               <a:rPr lang="it-IT" smtClean="0"/>
-              <a:t>14/02/2022</a:t>
+              <a:t>01/03/22</a:t>
             </a:fld>
             <a:endParaRPr lang="it-IT"/>
           </a:p>
@@ -1842,7 +1842,7 @@
           <a:p>
             <a:fld id="{27153579-3A4D-BB42-BD49-BB0F80A81A61}" type="datetimeFigureOut">
               <a:rPr lang="it-IT" smtClean="0"/>
-              <a:t>14/02/2022</a:t>
+              <a:t>01/03/22</a:t>
             </a:fld>
             <a:endParaRPr lang="it-IT"/>
           </a:p>
@@ -1955,7 +1955,7 @@
           <a:p>
             <a:fld id="{27153579-3A4D-BB42-BD49-BB0F80A81A61}" type="datetimeFigureOut">
               <a:rPr lang="it-IT" smtClean="0"/>
-              <a:t>14/02/2022</a:t>
+              <a:t>01/03/22</a:t>
             </a:fld>
             <a:endParaRPr lang="it-IT"/>
           </a:p>
@@ -2244,7 +2244,7 @@
           <a:p>
             <a:fld id="{27153579-3A4D-BB42-BD49-BB0F80A81A61}" type="datetimeFigureOut">
               <a:rPr lang="it-IT" smtClean="0"/>
-              <a:t>14/02/2022</a:t>
+              <a:t>01/03/22</a:t>
             </a:fld>
             <a:endParaRPr lang="it-IT"/>
           </a:p>
@@ -2535,7 +2535,7 @@
           <a:p>
             <a:fld id="{27153579-3A4D-BB42-BD49-BB0F80A81A61}" type="datetimeFigureOut">
               <a:rPr lang="it-IT" smtClean="0"/>
-              <a:t>14/02/2022</a:t>
+              <a:t>01/03/22</a:t>
             </a:fld>
             <a:endParaRPr lang="it-IT"/>
           </a:p>
@@ -2751,7 +2751,7 @@
           <a:p>
             <a:fld id="{27153579-3A4D-BB42-BD49-BB0F80A81A61}" type="datetimeFigureOut">
               <a:rPr lang="it-IT" smtClean="0"/>
-              <a:t>14/02/2022</a:t>
+              <a:t>01/03/22</a:t>
             </a:fld>
             <a:endParaRPr lang="it-IT"/>
           </a:p>
@@ -3272,10 +3272,6 @@
               <a:rPr lang="it-IT" sz="2200" u="sng" dirty="0"/>
               <a:t>Tavole Applicative</a:t>
             </a:r>
-            <a:r>
-              <a:rPr lang="it-IT" dirty="0"/>
-              <a:t/>
-            </a:r>
             <a:br>
               <a:rPr lang="it-IT" dirty="0"/>
             </a:br>
@@ -3499,7 +3495,7 @@
           <a:p>
             <a:fld id="{4EF59023-6175-3944-979D-CFE35E3A8267}" type="datetime1">
               <a:rPr lang="it-IT" smtClean="0"/>
-              <a:t>14/02/2022</a:t>
+              <a:t>01/03/22</a:t>
             </a:fld>
             <a:endParaRPr lang="en-US" dirty="0"/>
           </a:p>
@@ -3813,7 +3809,7 @@
           <a:p>
             <a:fld id="{4EF59023-6175-3944-979D-CFE35E3A8267}" type="datetime1">
               <a:rPr lang="it-IT" smtClean="0"/>
-              <a:t>14/02/2022</a:t>
+              <a:t>01/03/22</a:t>
             </a:fld>
             <a:endParaRPr lang="en-US" dirty="0"/>
           </a:p>
@@ -4157,7 +4153,7 @@
           <a:p>
             <a:fld id="{4EF59023-6175-3944-979D-CFE35E3A8267}" type="datetime1">
               <a:rPr lang="it-IT" smtClean="0"/>
-              <a:t>14/02/2022</a:t>
+              <a:t>01/03/22</a:t>
             </a:fld>
             <a:endParaRPr lang="en-US" dirty="0"/>
           </a:p>
@@ -4479,7 +4475,7 @@
           <a:p>
             <a:fld id="{4EF59023-6175-3944-979D-CFE35E3A8267}" type="datetime1">
               <a:rPr lang="it-IT" smtClean="0"/>
-              <a:t>14/02/2022</a:t>
+              <a:t>01/03/22</a:t>
             </a:fld>
             <a:endParaRPr lang="en-US" dirty="0"/>
           </a:p>
@@ -4837,7 +4833,7 @@
           <a:p>
             <a:fld id="{4EF59023-6175-3944-979D-CFE35E3A8267}" type="datetime1">
               <a:rPr lang="it-IT" smtClean="0"/>
-              <a:t>14/02/2022</a:t>
+              <a:t>01/03/22</a:t>
             </a:fld>
             <a:endParaRPr lang="en-US" dirty="0"/>
           </a:p>
@@ -5150,7 +5146,7 @@
           <a:p>
             <a:fld id="{4EF59023-6175-3944-979D-CFE35E3A8267}" type="datetime1">
               <a:rPr lang="it-IT" smtClean="0"/>
-              <a:t>14/02/2022</a:t>
+              <a:t>01/03/22</a:t>
             </a:fld>
             <a:endParaRPr lang="en-US" dirty="0"/>
           </a:p>
@@ -5773,28 +5769,28 @@
       </mc:AlternateContent>
       <p:pic>
         <p:nvPicPr>
-          <p:cNvPr id="4" name="Immagine 3"/>
+          <p:cNvPr id="5" name="Immagine 4">
+            <a:extLst>
+              <a:ext uri="{FF2B5EF4-FFF2-40B4-BE49-F238E27FC236}">
+                <a16:creationId xmlns:a16="http://schemas.microsoft.com/office/drawing/2014/main" id="{1128DD49-7D7F-C74F-8B99-8036B3D7DBDD}"/>
+              </a:ext>
+            </a:extLst>
+          </p:cNvPr>
           <p:cNvPicPr>
             <a:picLocks noChangeAspect="1"/>
           </p:cNvPicPr>
           <p:nvPr/>
         </p:nvPicPr>
         <p:blipFill>
-          <a:blip r:embed="rId5">
-            <a:extLst>
-              <a:ext uri="{28A0092B-C50C-407E-A947-70E740481C1C}">
-                <a14:useLocalDpi xmlns:a14="http://schemas.microsoft.com/office/drawing/2010/main" val="0"/>
-              </a:ext>
-            </a:extLst>
-          </a:blip>
+          <a:blip r:embed="rId5"/>
           <a:stretch>
             <a:fillRect/>
           </a:stretch>
         </p:blipFill>
         <p:spPr>
           <a:xfrm>
-            <a:off x="5586885" y="2356350"/>
-            <a:ext cx="5333333" cy="4000000"/>
+            <a:off x="5586885" y="1850864"/>
+            <a:ext cx="5689600" cy="4267200"/>
           </a:xfrm>
           <a:prstGeom prst="rect">
             <a:avLst/>
@@ -5856,7 +5852,7 @@
         </p:spPr>
         <p:txBody>
           <a:bodyPr vert="horz" lIns="91440" tIns="45720" rIns="91440" bIns="45720" rtlCol="0" anchor="ctr">
-            <a:normAutofit fontScale="92500" lnSpcReduction="20000"/>
+            <a:normAutofit fontScale="85000" lnSpcReduction="20000"/>
           </a:bodyPr>
           <a:lstStyle>
             <a:lvl1pPr algn="l" defTabSz="914400" rtl="0" eaLnBrk="1" latinLnBrk="0" hangingPunct="1">
@@ -5880,14 +5876,22 @@
           <a:p>
             <a:pPr algn="ctr"/>
             <a:r>
-              <a:rPr lang="it-IT" sz="5200" dirty="0"/>
+              <a:rPr lang="it-IT" sz="3400" dirty="0"/>
               <a:t>Manipolatore di Stanford</a:t>
             </a:r>
           </a:p>
           <a:p>
             <a:pPr algn="ctr"/>
             <a:r>
-              <a:rPr lang="it-IT" sz="3800" dirty="0"/>
+              <a:rPr lang="it-IT" sz="3400" dirty="0"/>
+              <a:t>Inseguimento di traiettoria</a:t>
+            </a:r>
+            <a:endParaRPr lang="it-IT" sz="3400" baseline="-25000" dirty="0"/>
+          </a:p>
+          <a:p>
+            <a:pPr algn="ctr"/>
+            <a:r>
+              <a:rPr lang="it-IT" sz="2500" dirty="0"/>
               <a:t>Controllore PD con compensazione di Gravità</a:t>
             </a:r>
           </a:p>
@@ -5981,7 +5985,7 @@
           <a:p>
             <a:fld id="{4EF59023-6175-3944-979D-CFE35E3A8267}" type="datetime1">
               <a:rPr lang="it-IT" smtClean="0"/>
-              <a:t>14/02/2022</a:t>
+              <a:t>01/03/22</a:t>
             </a:fld>
             <a:endParaRPr lang="en-US" dirty="0"/>
           </a:p>
@@ -6301,7 +6305,7 @@
         </p:spPr>
         <p:txBody>
           <a:bodyPr vert="horz" lIns="91440" tIns="45720" rIns="91440" bIns="45720" rtlCol="0" anchor="ctr">
-            <a:normAutofit fontScale="92500" lnSpcReduction="20000"/>
+            <a:normAutofit fontScale="55000" lnSpcReduction="20000"/>
           </a:bodyPr>
           <a:lstStyle>
             <a:lvl1pPr algn="l" defTabSz="914400" rtl="0" eaLnBrk="1" latinLnBrk="0" hangingPunct="1">
@@ -6325,9 +6329,17 @@
           <a:p>
             <a:pPr algn="ctr"/>
             <a:r>
-              <a:rPr lang="it-IT" sz="5200" dirty="0"/>
+              <a:rPr lang="it-IT" sz="5300" dirty="0"/>
               <a:t>Manipolatore di Stanford</a:t>
             </a:r>
+          </a:p>
+          <a:p>
+            <a:pPr algn="ctr"/>
+            <a:r>
+              <a:rPr lang="it-IT" sz="5300" dirty="0"/>
+              <a:t>Inseguimento di traiettoria</a:t>
+            </a:r>
+            <a:endParaRPr lang="it-IT" sz="5300" baseline="-25000" dirty="0"/>
           </a:p>
           <a:p>
             <a:pPr algn="ctr"/>
@@ -6374,7 +6386,7 @@
           <a:p>
             <a:fld id="{4EF59023-6175-3944-979D-CFE35E3A8267}" type="datetime1">
               <a:rPr lang="it-IT" smtClean="0"/>
-              <a:t>14/02/2022</a:t>
+              <a:t>01/03/22</a:t>
             </a:fld>
             <a:endParaRPr lang="en-US" dirty="0"/>
           </a:p>
@@ -6642,7 +6654,7 @@
         </p:spPr>
         <p:txBody>
           <a:bodyPr vert="horz" lIns="91440" tIns="45720" rIns="91440" bIns="45720" rtlCol="0" anchor="ctr">
-            <a:normAutofit fontScale="92500" lnSpcReduction="20000"/>
+            <a:normAutofit fontScale="55000" lnSpcReduction="20000"/>
           </a:bodyPr>
           <a:lstStyle>
             <a:lvl1pPr algn="l" defTabSz="914400" rtl="0" eaLnBrk="1" latinLnBrk="0" hangingPunct="1">
@@ -6666,9 +6678,17 @@
           <a:p>
             <a:pPr algn="ctr"/>
             <a:r>
-              <a:rPr lang="it-IT" sz="5200" dirty="0"/>
+              <a:rPr lang="it-IT" sz="5300" dirty="0"/>
               <a:t>Manipolatore di Stanford</a:t>
             </a:r>
+          </a:p>
+          <a:p>
+            <a:pPr algn="ctr"/>
+            <a:r>
+              <a:rPr lang="it-IT" sz="5300" dirty="0"/>
+              <a:t>Inseguimento di traiettoria</a:t>
+            </a:r>
+            <a:endParaRPr lang="it-IT" sz="5300" baseline="-25000" dirty="0"/>
           </a:p>
           <a:p>
             <a:pPr algn="ctr"/>
@@ -6938,7 +6958,7 @@
           <a:p>
             <a:fld id="{4EF59023-6175-3944-979D-CFE35E3A8267}" type="datetime1">
               <a:rPr lang="it-IT" smtClean="0"/>
-              <a:t>14/02/2022</a:t>
+              <a:t>01/03/22</a:t>
             </a:fld>
             <a:endParaRPr lang="en-US" dirty="0"/>
           </a:p>
@@ -7163,7 +7183,7 @@
         </p:spPr>
         <p:txBody>
           <a:bodyPr vert="horz" lIns="91440" tIns="45720" rIns="91440" bIns="45720" rtlCol="0" anchor="ctr">
-            <a:normAutofit fontScale="92500" lnSpcReduction="20000"/>
+            <a:normAutofit fontScale="55000" lnSpcReduction="20000"/>
           </a:bodyPr>
           <a:lstStyle>
             <a:lvl1pPr algn="l" defTabSz="914400" rtl="0" eaLnBrk="1" latinLnBrk="0" hangingPunct="1">
@@ -7187,9 +7207,17 @@
           <a:p>
             <a:pPr algn="ctr"/>
             <a:r>
-              <a:rPr lang="it-IT" sz="5200" dirty="0"/>
+              <a:rPr lang="it-IT" sz="5300" dirty="0"/>
               <a:t>Manipolatore di Stanford</a:t>
             </a:r>
+          </a:p>
+          <a:p>
+            <a:pPr algn="ctr"/>
+            <a:r>
+              <a:rPr lang="it-IT" sz="5300" dirty="0"/>
+              <a:t>Inseguimento di traiettoria</a:t>
+            </a:r>
+            <a:endParaRPr lang="it-IT" sz="5300" baseline="-25000" dirty="0"/>
           </a:p>
           <a:p>
             <a:pPr algn="ctr"/>
@@ -7244,7 +7272,7 @@
           <a:p>
             <a:fld id="{4EF59023-6175-3944-979D-CFE35E3A8267}" type="datetime1">
               <a:rPr lang="it-IT" smtClean="0"/>
-              <a:t>14/02/2022</a:t>
+              <a:t>01/03/22</a:t>
             </a:fld>
             <a:endParaRPr lang="en-US" dirty="0"/>
           </a:p>
@@ -7687,7 +7715,7 @@
           <a:p>
             <a:fld id="{4EF59023-6175-3944-979D-CFE35E3A8267}" type="datetime1">
               <a:rPr lang="it-IT" smtClean="0"/>
-              <a:t>14/02/2022</a:t>
+              <a:t>01/03/22</a:t>
             </a:fld>
             <a:endParaRPr lang="en-US" dirty="0"/>
           </a:p>
@@ -7817,84 +7845,6 @@
           <a:chExt cx="0" cy="0"/>
         </a:xfrm>
       </p:grpSpPr>
-      <p:sp>
-        <p:nvSpPr>
-          <p:cNvPr id="5" name="Titolo 1">
-            <a:extLst>
-              <a:ext uri="{FF2B5EF4-FFF2-40B4-BE49-F238E27FC236}">
-                <a16:creationId xmlns:a16="http://schemas.microsoft.com/office/drawing/2014/main" id="{719936BE-0F9D-C74E-9E55-A7F2CE751F93}"/>
-              </a:ext>
-            </a:extLst>
-          </p:cNvPr>
-          <p:cNvSpPr txBox="1">
-            <a:spLocks/>
-          </p:cNvSpPr>
-          <p:nvPr/>
-        </p:nvSpPr>
-        <p:spPr>
-          <a:xfrm>
-            <a:off x="1524000" y="454393"/>
-            <a:ext cx="9144000" cy="1021230"/>
-          </a:xfrm>
-          <a:prstGeom prst="rect">
-            <a:avLst/>
-          </a:prstGeom>
-        </p:spPr>
-        <p:txBody>
-          <a:bodyPr vert="horz" lIns="91440" tIns="45720" rIns="91440" bIns="45720" rtlCol="0" anchor="ctr">
-            <a:normAutofit fontScale="92500" lnSpcReduction="20000"/>
-          </a:bodyPr>
-          <a:lstStyle>
-            <a:lvl1pPr algn="l" defTabSz="914400" rtl="0" eaLnBrk="1" latinLnBrk="0" hangingPunct="1">
-              <a:lnSpc>
-                <a:spcPct val="90000"/>
-              </a:lnSpc>
-              <a:spcBef>
-                <a:spcPct val="0"/>
-              </a:spcBef>
-              <a:buNone/>
-              <a:defRPr sz="4400" kern="1200">
-                <a:solidFill>
-                  <a:schemeClr val="tx1"/>
-                </a:solidFill>
-                <a:latin typeface="+mj-lt"/>
-                <a:ea typeface="+mj-ea"/>
-                <a:cs typeface="+mj-cs"/>
-              </a:defRPr>
-            </a:lvl1pPr>
-          </a:lstStyle>
-          <a:p>
-            <a:pPr algn="ctr"/>
-            <a:r>
-              <a:rPr lang="it-IT" sz="5200" dirty="0"/>
-              <a:t>Manipolatore di Stanford</a:t>
-            </a:r>
-          </a:p>
-          <a:p>
-            <a:pPr algn="ctr"/>
-            <a:r>
-              <a:rPr lang="it-IT" sz="3800" dirty="0"/>
-              <a:t>Controllore </a:t>
-            </a:r>
-            <a:r>
-              <a:rPr lang="it-IT" sz="3800" dirty="0" err="1"/>
-              <a:t>Adaptive</a:t>
-            </a:r>
-            <a:r>
-              <a:rPr lang="it-IT" sz="3800" dirty="0"/>
-              <a:t> </a:t>
-            </a:r>
-            <a:r>
-              <a:rPr lang="it-IT" sz="3800" dirty="0" err="1"/>
-              <a:t>Computed</a:t>
-            </a:r>
-            <a:r>
-              <a:rPr lang="it-IT" sz="3800" dirty="0"/>
-              <a:t> Torque</a:t>
-            </a:r>
-          </a:p>
-        </p:txBody>
-      </p:sp>
       <mc:AlternateContent xmlns:mc="http://schemas.openxmlformats.org/markup-compatibility/2006" xmlns:a14="http://schemas.microsoft.com/office/drawing/2010/main">
         <mc:Choice Requires="a14">
           <p:sp>
@@ -8225,7 +8175,7 @@
           <a:p>
             <a:fld id="{4EF59023-6175-3944-979D-CFE35E3A8267}" type="datetime1">
               <a:rPr lang="it-IT" smtClean="0"/>
-              <a:t>14/02/2022</a:t>
+              <a:t>01/03/22</a:t>
             </a:fld>
             <a:endParaRPr lang="en-US" dirty="0"/>
           </a:p>
@@ -8365,6 +8315,92 @@
           </a:prstGeom>
         </p:spPr>
       </p:pic>
+      <p:sp>
+        <p:nvSpPr>
+          <p:cNvPr id="11" name="Titolo 1">
+            <a:extLst>
+              <a:ext uri="{FF2B5EF4-FFF2-40B4-BE49-F238E27FC236}">
+                <a16:creationId xmlns:a16="http://schemas.microsoft.com/office/drawing/2014/main" id="{3542A146-1FBC-D449-B907-4B3633E43529}"/>
+              </a:ext>
+            </a:extLst>
+          </p:cNvPr>
+          <p:cNvSpPr txBox="1">
+            <a:spLocks/>
+          </p:cNvSpPr>
+          <p:nvPr/>
+        </p:nvSpPr>
+        <p:spPr>
+          <a:xfrm>
+            <a:off x="1524000" y="454393"/>
+            <a:ext cx="9144000" cy="1021230"/>
+          </a:xfrm>
+          <a:prstGeom prst="rect">
+            <a:avLst/>
+          </a:prstGeom>
+        </p:spPr>
+        <p:txBody>
+          <a:bodyPr vert="horz" lIns="91440" tIns="45720" rIns="91440" bIns="45720" rtlCol="0" anchor="ctr">
+            <a:normAutofit fontScale="55000" lnSpcReduction="20000"/>
+          </a:bodyPr>
+          <a:lstStyle>
+            <a:lvl1pPr algn="l" defTabSz="914400" rtl="0" eaLnBrk="1" latinLnBrk="0" hangingPunct="1">
+              <a:lnSpc>
+                <a:spcPct val="90000"/>
+              </a:lnSpc>
+              <a:spcBef>
+                <a:spcPct val="0"/>
+              </a:spcBef>
+              <a:buNone/>
+              <a:defRPr sz="4400" kern="1200">
+                <a:solidFill>
+                  <a:schemeClr val="tx1"/>
+                </a:solidFill>
+                <a:latin typeface="+mj-lt"/>
+                <a:ea typeface="+mj-ea"/>
+                <a:cs typeface="+mj-cs"/>
+              </a:defRPr>
+            </a:lvl1pPr>
+          </a:lstStyle>
+          <a:p>
+            <a:pPr algn="ctr"/>
+            <a:r>
+              <a:rPr lang="it-IT" sz="5300" dirty="0"/>
+              <a:t>Manipolatore di Stanford</a:t>
+            </a:r>
+          </a:p>
+          <a:p>
+            <a:pPr algn="ctr"/>
+            <a:r>
+              <a:rPr lang="it-IT" sz="5300" dirty="0"/>
+              <a:t>Inseguimento di traiettoria</a:t>
+            </a:r>
+            <a:endParaRPr lang="it-IT" sz="5300" baseline="-25000" dirty="0"/>
+          </a:p>
+          <a:p>
+            <a:pPr algn="ctr"/>
+            <a:r>
+              <a:rPr lang="it-IT" sz="3800" dirty="0"/>
+              <a:t>Controllore </a:t>
+            </a:r>
+            <a:r>
+              <a:rPr lang="it-IT" sz="3800" dirty="0" err="1"/>
+              <a:t>Adaptive</a:t>
+            </a:r>
+            <a:r>
+              <a:rPr lang="it-IT" sz="3800" dirty="0"/>
+              <a:t> </a:t>
+            </a:r>
+            <a:r>
+              <a:rPr lang="it-IT" sz="3800" dirty="0" err="1"/>
+              <a:t>Computed</a:t>
+            </a:r>
+            <a:r>
+              <a:rPr lang="it-IT" sz="3800" dirty="0"/>
+              <a:t> Torque</a:t>
+            </a:r>
+          </a:p>
+        </p:txBody>
+      </p:sp>
     </p:spTree>
     <p:extLst>
       <p:ext uri="{BB962C8B-B14F-4D97-AF65-F5344CB8AC3E}">
@@ -8395,84 +8431,6 @@
           <a:chExt cx="0" cy="0"/>
         </a:xfrm>
       </p:grpSpPr>
-      <p:sp>
-        <p:nvSpPr>
-          <p:cNvPr id="5" name="Titolo 1">
-            <a:extLst>
-              <a:ext uri="{FF2B5EF4-FFF2-40B4-BE49-F238E27FC236}">
-                <a16:creationId xmlns:a16="http://schemas.microsoft.com/office/drawing/2014/main" id="{719936BE-0F9D-C74E-9E55-A7F2CE751F93}"/>
-              </a:ext>
-            </a:extLst>
-          </p:cNvPr>
-          <p:cNvSpPr txBox="1">
-            <a:spLocks/>
-          </p:cNvSpPr>
-          <p:nvPr/>
-        </p:nvSpPr>
-        <p:spPr>
-          <a:xfrm>
-            <a:off x="1524000" y="454393"/>
-            <a:ext cx="9144000" cy="1021230"/>
-          </a:xfrm>
-          <a:prstGeom prst="rect">
-            <a:avLst/>
-          </a:prstGeom>
-        </p:spPr>
-        <p:txBody>
-          <a:bodyPr vert="horz" lIns="91440" tIns="45720" rIns="91440" bIns="45720" rtlCol="0" anchor="ctr">
-            <a:normAutofit fontScale="92500" lnSpcReduction="20000"/>
-          </a:bodyPr>
-          <a:lstStyle>
-            <a:lvl1pPr algn="l" defTabSz="914400" rtl="0" eaLnBrk="1" latinLnBrk="0" hangingPunct="1">
-              <a:lnSpc>
-                <a:spcPct val="90000"/>
-              </a:lnSpc>
-              <a:spcBef>
-                <a:spcPct val="0"/>
-              </a:spcBef>
-              <a:buNone/>
-              <a:defRPr sz="4400" kern="1200">
-                <a:solidFill>
-                  <a:schemeClr val="tx1"/>
-                </a:solidFill>
-                <a:latin typeface="+mj-lt"/>
-                <a:ea typeface="+mj-ea"/>
-                <a:cs typeface="+mj-cs"/>
-              </a:defRPr>
-            </a:lvl1pPr>
-          </a:lstStyle>
-          <a:p>
-            <a:pPr algn="ctr"/>
-            <a:r>
-              <a:rPr lang="it-IT" sz="5200" dirty="0"/>
-              <a:t>Manipolatore di Stanford</a:t>
-            </a:r>
-          </a:p>
-          <a:p>
-            <a:pPr algn="ctr"/>
-            <a:r>
-              <a:rPr lang="it-IT" sz="3800" dirty="0"/>
-              <a:t>Controllore </a:t>
-            </a:r>
-            <a:r>
-              <a:rPr lang="it-IT" sz="3800" dirty="0" err="1"/>
-              <a:t>Adaptive</a:t>
-            </a:r>
-            <a:r>
-              <a:rPr lang="it-IT" sz="3800" dirty="0"/>
-              <a:t> </a:t>
-            </a:r>
-            <a:r>
-              <a:rPr lang="it-IT" sz="3800" dirty="0" err="1"/>
-              <a:t>Computed</a:t>
-            </a:r>
-            <a:r>
-              <a:rPr lang="it-IT" sz="3800" dirty="0"/>
-              <a:t> Torque</a:t>
-            </a:r>
-          </a:p>
-        </p:txBody>
-      </p:sp>
       <mc:AlternateContent xmlns:mc="http://schemas.openxmlformats.org/markup-compatibility/2006" xmlns:a14="http://schemas.microsoft.com/office/drawing/2010/main">
         <mc:Choice Requires="a14">
           <p:sp>
@@ -8803,7 +8761,7 @@
           <a:p>
             <a:fld id="{4EF59023-6175-3944-979D-CFE35E3A8267}" type="datetime1">
               <a:rPr lang="it-IT" smtClean="0"/>
-              <a:t>14/02/2022</a:t>
+              <a:t>01/03/22</a:t>
             </a:fld>
             <a:endParaRPr lang="en-US" dirty="0"/>
           </a:p>
@@ -8943,6 +8901,92 @@
           </a:prstGeom>
         </p:spPr>
       </p:pic>
+      <p:sp>
+        <p:nvSpPr>
+          <p:cNvPr id="10" name="Titolo 1">
+            <a:extLst>
+              <a:ext uri="{FF2B5EF4-FFF2-40B4-BE49-F238E27FC236}">
+                <a16:creationId xmlns:a16="http://schemas.microsoft.com/office/drawing/2014/main" id="{684A5186-8C6C-0A40-81F5-EF80877E310B}"/>
+              </a:ext>
+            </a:extLst>
+          </p:cNvPr>
+          <p:cNvSpPr txBox="1">
+            <a:spLocks/>
+          </p:cNvSpPr>
+          <p:nvPr/>
+        </p:nvSpPr>
+        <p:spPr>
+          <a:xfrm>
+            <a:off x="1524000" y="454393"/>
+            <a:ext cx="9144000" cy="1021230"/>
+          </a:xfrm>
+          <a:prstGeom prst="rect">
+            <a:avLst/>
+          </a:prstGeom>
+        </p:spPr>
+        <p:txBody>
+          <a:bodyPr vert="horz" lIns="91440" tIns="45720" rIns="91440" bIns="45720" rtlCol="0" anchor="ctr">
+            <a:normAutofit fontScale="55000" lnSpcReduction="20000"/>
+          </a:bodyPr>
+          <a:lstStyle>
+            <a:lvl1pPr algn="l" defTabSz="914400" rtl="0" eaLnBrk="1" latinLnBrk="0" hangingPunct="1">
+              <a:lnSpc>
+                <a:spcPct val="90000"/>
+              </a:lnSpc>
+              <a:spcBef>
+                <a:spcPct val="0"/>
+              </a:spcBef>
+              <a:buNone/>
+              <a:defRPr sz="4400" kern="1200">
+                <a:solidFill>
+                  <a:schemeClr val="tx1"/>
+                </a:solidFill>
+                <a:latin typeface="+mj-lt"/>
+                <a:ea typeface="+mj-ea"/>
+                <a:cs typeface="+mj-cs"/>
+              </a:defRPr>
+            </a:lvl1pPr>
+          </a:lstStyle>
+          <a:p>
+            <a:pPr algn="ctr"/>
+            <a:r>
+              <a:rPr lang="it-IT" sz="5300" dirty="0"/>
+              <a:t>Manipolatore di Stanford</a:t>
+            </a:r>
+          </a:p>
+          <a:p>
+            <a:pPr algn="ctr"/>
+            <a:r>
+              <a:rPr lang="it-IT" sz="5300" dirty="0"/>
+              <a:t>Inseguimento di traiettoria</a:t>
+            </a:r>
+            <a:endParaRPr lang="it-IT" sz="5300" baseline="-25000" dirty="0"/>
+          </a:p>
+          <a:p>
+            <a:pPr algn="ctr"/>
+            <a:r>
+              <a:rPr lang="it-IT" sz="3800" dirty="0"/>
+              <a:t>Controllore </a:t>
+            </a:r>
+            <a:r>
+              <a:rPr lang="it-IT" sz="3800" dirty="0" err="1"/>
+              <a:t>Adaptive</a:t>
+            </a:r>
+            <a:r>
+              <a:rPr lang="it-IT" sz="3800" dirty="0"/>
+              <a:t> </a:t>
+            </a:r>
+            <a:r>
+              <a:rPr lang="it-IT" sz="3800" dirty="0" err="1"/>
+              <a:t>Computed</a:t>
+            </a:r>
+            <a:r>
+              <a:rPr lang="it-IT" sz="3800" dirty="0"/>
+              <a:t> Torque</a:t>
+            </a:r>
+          </a:p>
+        </p:txBody>
+      </p:sp>
     </p:spTree>
     <p:extLst>
       <p:ext uri="{BB962C8B-B14F-4D97-AF65-F5344CB8AC3E}">
@@ -9063,7 +9107,7 @@
           <a:p>
             <a:fld id="{4EF59023-6175-3944-979D-CFE35E3A8267}" type="datetime1">
               <a:rPr lang="it-IT" smtClean="0"/>
-              <a:t>14/02/2022</a:t>
+              <a:t>01/03/22</a:t>
             </a:fld>
             <a:endParaRPr lang="en-US" dirty="0"/>
           </a:p>
@@ -9323,7 +9367,7 @@
           <a:p>
             <a:fld id="{4EF59023-6175-3944-979D-CFE35E3A8267}" type="datetime1">
               <a:rPr lang="it-IT" smtClean="0"/>
-              <a:t>14/02/2022</a:t>
+              <a:t>01/03/22</a:t>
             </a:fld>
             <a:endParaRPr lang="en-US" dirty="0"/>
           </a:p>
@@ -9450,7 +9494,7 @@
             <p:spPr>
               <a:xfrm>
                 <a:off x="1524000" y="1475623"/>
-                <a:ext cx="9144000" cy="3139321"/>
+                <a:ext cx="9144000" cy="3970318"/>
               </a:xfrm>
               <a:prstGeom prst="rect">
                 <a:avLst/>
@@ -9466,24 +9510,20 @@
                 <a:pPr algn="ctr"/>
                 <a:r>
                   <a:rPr lang="it-IT" dirty="0"/>
-                  <a:t>Dall’immagine precedente è possibile concludere che il controllore a Coppia Calcolata Adattivo produce delle coppie </a:t>
+                  <a:t>Dall’immagine precedente è possibile concludere che il controllore a Coppia Calcolata Adattivo produce delle coppie di uscita dal controllore stesso che presentano oscillazioni a circa 20Hz, queste possono essere ricollegate alla componente adattiva del controllore stesso.</a:t>
+                </a:r>
+              </a:p>
+              <a:p>
+                <a:pPr algn="ctr"/>
+                <a:r>
+                  <a:rPr lang="it-IT" dirty="0"/>
+                  <a:t>Per quanto riguarda i valori, però, non sono presenti differenze significative nelle coppie di uscita dai tre </a:t>
                 </a:r>
                 <a:r>
-                  <a:rPr lang="it-IT" dirty="0" smtClean="0"/>
-                  <a:t>di uscita dal </a:t>
+                  <a:rPr lang="it-IT"/>
+                  <a:t>controllori analizzati.</a:t>
                 </a:r>
-                <a:r>
-                  <a:rPr lang="it-IT" smtClean="0"/>
-                  <a:t>controllore stesso </a:t>
-                </a:r>
-                <a:r>
-                  <a:rPr lang="it-IT" dirty="0" smtClean="0"/>
-                  <a:t>che presentano oscillazioni </a:t>
-                </a:r>
-                <a:r>
-                  <a:rPr lang="it-IT" dirty="0"/>
-                  <a:t>a circa 20Hz, </a:t>
-                </a:r>
+                <a:endParaRPr lang="it-IT" dirty="0"/>
               </a:p>
               <a:p>
                 <a:pPr algn="ctr"/>
@@ -9588,7 +9628,7 @@
             <p:spPr>
               <a:xfrm>
                 <a:off x="1524000" y="1475623"/>
-                <a:ext cx="9144000" cy="3139321"/>
+                <a:ext cx="9144000" cy="3970318"/>
               </a:xfrm>
               <a:prstGeom prst="rect">
                 <a:avLst/>
@@ -9596,7 +9636,7 @@
               <a:blipFill>
                 <a:blip r:embed="rId3"/>
                 <a:stretch>
-                  <a:fillRect l="-333" t="-971" r="-933" b="-2136"/>
+                  <a:fillRect l="-417" t="-318" r="-833" b="-1274"/>
                 </a:stretch>
               </a:blipFill>
             </p:spPr>
@@ -9954,7 +9994,7 @@
           <a:p>
             <a:fld id="{4EF59023-6175-3944-979D-CFE35E3A8267}" type="datetime1">
               <a:rPr lang="it-IT" smtClean="0"/>
-              <a:t>14/02/2022</a:t>
+              <a:t>01/03/22</a:t>
             </a:fld>
             <a:endParaRPr lang="en-US" dirty="0"/>
           </a:p>
@@ -10308,7 +10348,7 @@
           <a:p>
             <a:fld id="{4EF59023-6175-3944-979D-CFE35E3A8267}" type="datetime1">
               <a:rPr lang="it-IT" smtClean="0"/>
-              <a:t>14/02/2022</a:t>
+              <a:t>01/03/22</a:t>
             </a:fld>
             <a:endParaRPr lang="en-US" dirty="0"/>
           </a:p>
@@ -10700,7 +10740,7 @@
           <a:p>
             <a:fld id="{4EF59023-6175-3944-979D-CFE35E3A8267}" type="datetime1">
               <a:rPr lang="it-IT" smtClean="0"/>
-              <a:t>14/02/2022</a:t>
+              <a:t>01/03/22</a:t>
             </a:fld>
             <a:endParaRPr lang="en-US" dirty="0"/>
           </a:p>
@@ -11611,7 +11651,7 @@
           <a:p>
             <a:fld id="{4EF59023-6175-3944-979D-CFE35E3A8267}" type="datetime1">
               <a:rPr lang="it-IT" smtClean="0"/>
-              <a:t>14/02/2022</a:t>
+              <a:t>01/03/22</a:t>
             </a:fld>
             <a:endParaRPr lang="en-US" dirty="0"/>
           </a:p>
@@ -11894,7 +11934,7 @@
           <a:p>
             <a:fld id="{4EF59023-6175-3944-979D-CFE35E3A8267}" type="datetime1">
               <a:rPr lang="it-IT" smtClean="0"/>
-              <a:t>14/02/2022</a:t>
+              <a:t>01/03/22</a:t>
             </a:fld>
             <a:endParaRPr lang="en-US" dirty="0"/>
           </a:p>
@@ -12936,7 +12976,7 @@
           <a:p>
             <a:fld id="{4EF59023-6175-3944-979D-CFE35E3A8267}" type="datetime1">
               <a:rPr lang="it-IT" smtClean="0"/>
-              <a:t>14/02/2022</a:t>
+              <a:t>01/03/22</a:t>
             </a:fld>
             <a:endParaRPr lang="en-US" dirty="0"/>
           </a:p>
@@ -13522,7 +13562,7 @@
           <a:p>
             <a:fld id="{4EF59023-6175-3944-979D-CFE35E3A8267}" type="datetime1">
               <a:rPr lang="it-IT" smtClean="0"/>
-              <a:t>14/02/2022</a:t>
+              <a:t>01/03/22</a:t>
             </a:fld>
             <a:endParaRPr lang="en-US" dirty="0"/>
           </a:p>
@@ -14596,7 +14636,7 @@
           <a:p>
             <a:fld id="{4EF59023-6175-3944-979D-CFE35E3A8267}" type="datetime1">
               <a:rPr lang="it-IT" smtClean="0"/>
-              <a:t>14/02/2022</a:t>
+              <a:t>01/03/22</a:t>
             </a:fld>
             <a:endParaRPr lang="en-US" dirty="0"/>
           </a:p>
@@ -15086,7 +15126,7 @@
           <a:p>
             <a:fld id="{4EF59023-6175-3944-979D-CFE35E3A8267}" type="datetime1">
               <a:rPr lang="it-IT" smtClean="0"/>
-              <a:t>14/02/2022</a:t>
+              <a:t>01/03/22</a:t>
             </a:fld>
             <a:endParaRPr lang="en-US" dirty="0"/>
           </a:p>
@@ -15542,7 +15582,7 @@
           <a:p>
             <a:fld id="{4EF59023-6175-3944-979D-CFE35E3A8267}" type="datetime1">
               <a:rPr lang="it-IT" smtClean="0"/>
-              <a:t>14/02/2022</a:t>
+              <a:t>01/03/22</a:t>
             </a:fld>
             <a:endParaRPr lang="en-US" dirty="0"/>
           </a:p>
@@ -15956,7 +15996,7 @@
           <a:p>
             <a:fld id="{4EF59023-6175-3944-979D-CFE35E3A8267}" type="datetime1">
               <a:rPr lang="it-IT" smtClean="0"/>
-              <a:t>14/02/2022</a:t>
+              <a:t>01/03/22</a:t>
             </a:fld>
             <a:endParaRPr lang="en-US" dirty="0"/>
           </a:p>
@@ -16327,7 +16367,7 @@
           <a:p>
             <a:fld id="{4EF59023-6175-3944-979D-CFE35E3A8267}" type="datetime1">
               <a:rPr lang="it-IT" smtClean="0"/>
-              <a:t>14/02/2022</a:t>
+              <a:t>01/03/22</a:t>
             </a:fld>
             <a:endParaRPr lang="en-US" dirty="0"/>
           </a:p>
@@ -17173,7 +17213,7 @@
           <a:p>
             <a:fld id="{4EF59023-6175-3944-979D-CFE35E3A8267}" type="datetime1">
               <a:rPr lang="it-IT" smtClean="0"/>
-              <a:t>14/02/2022</a:t>
+              <a:t>01/03/22</a:t>
             </a:fld>
             <a:endParaRPr lang="en-US" dirty="0"/>
           </a:p>
@@ -17780,7 +17820,7 @@
           <a:p>
             <a:fld id="{4EF59023-6175-3944-979D-CFE35E3A8267}" type="datetime1">
               <a:rPr lang="it-IT" smtClean="0"/>
-              <a:t>14/02/2022</a:t>
+              <a:t>01/03/22</a:t>
             </a:fld>
             <a:endParaRPr lang="en-US" dirty="0"/>
           </a:p>
@@ -18202,7 +18242,7 @@
           <a:p>
             <a:fld id="{4EF59023-6175-3944-979D-CFE35E3A8267}" type="datetime1">
               <a:rPr lang="it-IT" smtClean="0"/>
-              <a:t>14/02/2022</a:t>
+              <a:t>01/03/22</a:t>
             </a:fld>
             <a:endParaRPr lang="en-US" dirty="0"/>
           </a:p>
@@ -18847,7 +18887,7 @@
           <a:p>
             <a:fld id="{4EF59023-6175-3944-979D-CFE35E3A8267}" type="datetime1">
               <a:rPr lang="it-IT" smtClean="0"/>
-              <a:t>14/02/2022</a:t>
+              <a:t>01/03/22</a:t>
             </a:fld>
             <a:endParaRPr lang="en-US" dirty="0"/>
           </a:p>
@@ -19386,7 +19426,7 @@
           <a:p>
             <a:fld id="{4EF59023-6175-3944-979D-CFE35E3A8267}" type="datetime1">
               <a:rPr lang="it-IT" smtClean="0"/>
-              <a:t>14/02/2022</a:t>
+              <a:t>01/03/22</a:t>
             </a:fld>
             <a:endParaRPr lang="en-US" dirty="0"/>
           </a:p>
@@ -21605,7 +21645,7 @@
           <a:p>
             <a:fld id="{4EF59023-6175-3944-979D-CFE35E3A8267}" type="datetime1">
               <a:rPr lang="it-IT" smtClean="0"/>
-              <a:t>14/02/2022</a:t>
+              <a:t>01/03/22</a:t>
             </a:fld>
             <a:endParaRPr lang="en-US" dirty="0"/>
           </a:p>
@@ -21874,7 +21914,7 @@
           <a:p>
             <a:fld id="{4EF59023-6175-3944-979D-CFE35E3A8267}" type="datetime1">
               <a:rPr lang="it-IT" smtClean="0"/>
-              <a:t>14/02/2022</a:t>
+              <a:t>01/03/22</a:t>
             </a:fld>
             <a:endParaRPr lang="en-US" dirty="0"/>
           </a:p>
@@ -22326,7 +22366,7 @@
           <a:p>
             <a:fld id="{4EF59023-6175-3944-979D-CFE35E3A8267}" type="datetime1">
               <a:rPr lang="it-IT" smtClean="0"/>
-              <a:t>14/02/2022</a:t>
+              <a:t>01/03/22</a:t>
             </a:fld>
             <a:endParaRPr lang="en-US" dirty="0"/>
           </a:p>
@@ -22704,7 +22744,7 @@
           <a:p>
             <a:fld id="{4EF59023-6175-3944-979D-CFE35E3A8267}" type="datetime1">
               <a:rPr lang="it-IT" smtClean="0"/>
-              <a:t>14/02/2022</a:t>
+              <a:t>01/03/22</a:t>
             </a:fld>
             <a:endParaRPr lang="en-US" dirty="0"/>
           </a:p>
@@ -23497,7 +23537,7 @@
           <a:p>
             <a:fld id="{4EF59023-6175-3944-979D-CFE35E3A8267}" type="datetime1">
               <a:rPr lang="it-IT" smtClean="0"/>
-              <a:t>14/02/2022</a:t>
+              <a:t>01/03/22</a:t>
             </a:fld>
             <a:endParaRPr lang="en-US" dirty="0"/>
           </a:p>
@@ -24084,7 +24124,7 @@
           <a:p>
             <a:fld id="{4EF59023-6175-3944-979D-CFE35E3A8267}" type="datetime1">
               <a:rPr lang="it-IT" smtClean="0"/>
-              <a:t>14/02/2022</a:t>
+              <a:t>01/03/22</a:t>
             </a:fld>
             <a:endParaRPr lang="en-US" dirty="0"/>
           </a:p>
@@ -24337,7 +24377,7 @@
           <a:p>
             <a:fld id="{4EF59023-6175-3944-979D-CFE35E3A8267}" type="datetime1">
               <a:rPr lang="it-IT" smtClean="0"/>
-              <a:t>14/02/2022</a:t>
+              <a:t>01/03/22</a:t>
             </a:fld>
             <a:endParaRPr lang="en-US" dirty="0"/>
           </a:p>
@@ -24789,7 +24829,7 @@
           <a:p>
             <a:fld id="{4EF59023-6175-3944-979D-CFE35E3A8267}" type="datetime1">
               <a:rPr lang="it-IT" smtClean="0"/>
-              <a:t>14/02/2022</a:t>
+              <a:t>01/03/22</a:t>
             </a:fld>
             <a:endParaRPr lang="en-US" dirty="0"/>
           </a:p>
